--- a/doc/designDoc.pptx
+++ b/doc/designDoc.pptx
@@ -6,6 +6,7 @@
   </p:sldMasterIdLst>
   <p:sldIdLst>
     <p:sldId id="256" r:id="rId2"/>
+    <p:sldId id="257" r:id="rId3"/>
   </p:sldIdLst>
   <p:sldSz cx="12192000" cy="6858000"/>
   <p:notesSz cx="6858000" cy="9144000"/>
@@ -104,6 +105,11 @@
       </a:defRPr>
     </a:lvl9pPr>
   </p:defaultTextStyle>
+  <p:extLst>
+    <p:ext uri="{EFAFB233-063F-42B5-8137-9DF3F51BA10A}">
+      <p15:sldGuideLst xmlns:p15="http://schemas.microsoft.com/office/powerpoint/2012/main"/>
+    </p:ext>
+  </p:extLst>
 </p:presentation>
 </file>
 
@@ -256,7 +262,7 @@
           <a:p>
             <a:fld id="{F949A3E6-ADCC-4214-836D-B18BFC6F3D6C}" type="datetimeFigureOut">
               <a:rPr lang="en-SG" smtClean="0"/>
-              <a:t>1/6/2023</a:t>
+              <a:t>4/6/2023</a:t>
             </a:fld>
             <a:endParaRPr lang="en-SG"/>
           </a:p>
@@ -456,7 +462,7 @@
           <a:p>
             <a:fld id="{F949A3E6-ADCC-4214-836D-B18BFC6F3D6C}" type="datetimeFigureOut">
               <a:rPr lang="en-SG" smtClean="0"/>
-              <a:t>1/6/2023</a:t>
+              <a:t>4/6/2023</a:t>
             </a:fld>
             <a:endParaRPr lang="en-SG"/>
           </a:p>
@@ -666,7 +672,7 @@
           <a:p>
             <a:fld id="{F949A3E6-ADCC-4214-836D-B18BFC6F3D6C}" type="datetimeFigureOut">
               <a:rPr lang="en-SG" smtClean="0"/>
-              <a:t>1/6/2023</a:t>
+              <a:t>4/6/2023</a:t>
             </a:fld>
             <a:endParaRPr lang="en-SG"/>
           </a:p>
@@ -866,7 +872,7 @@
           <a:p>
             <a:fld id="{F949A3E6-ADCC-4214-836D-B18BFC6F3D6C}" type="datetimeFigureOut">
               <a:rPr lang="en-SG" smtClean="0"/>
-              <a:t>1/6/2023</a:t>
+              <a:t>4/6/2023</a:t>
             </a:fld>
             <a:endParaRPr lang="en-SG"/>
           </a:p>
@@ -1142,7 +1148,7 @@
           <a:p>
             <a:fld id="{F949A3E6-ADCC-4214-836D-B18BFC6F3D6C}" type="datetimeFigureOut">
               <a:rPr lang="en-SG" smtClean="0"/>
-              <a:t>1/6/2023</a:t>
+              <a:t>4/6/2023</a:t>
             </a:fld>
             <a:endParaRPr lang="en-SG"/>
           </a:p>
@@ -1410,7 +1416,7 @@
           <a:p>
             <a:fld id="{F949A3E6-ADCC-4214-836D-B18BFC6F3D6C}" type="datetimeFigureOut">
               <a:rPr lang="en-SG" smtClean="0"/>
-              <a:t>1/6/2023</a:t>
+              <a:t>4/6/2023</a:t>
             </a:fld>
             <a:endParaRPr lang="en-SG"/>
           </a:p>
@@ -1825,7 +1831,7 @@
           <a:p>
             <a:fld id="{F949A3E6-ADCC-4214-836D-B18BFC6F3D6C}" type="datetimeFigureOut">
               <a:rPr lang="en-SG" smtClean="0"/>
-              <a:t>1/6/2023</a:t>
+              <a:t>4/6/2023</a:t>
             </a:fld>
             <a:endParaRPr lang="en-SG"/>
           </a:p>
@@ -1967,7 +1973,7 @@
           <a:p>
             <a:fld id="{F949A3E6-ADCC-4214-836D-B18BFC6F3D6C}" type="datetimeFigureOut">
               <a:rPr lang="en-SG" smtClean="0"/>
-              <a:t>1/6/2023</a:t>
+              <a:t>4/6/2023</a:t>
             </a:fld>
             <a:endParaRPr lang="en-SG"/>
           </a:p>
@@ -2080,7 +2086,7 @@
           <a:p>
             <a:fld id="{F949A3E6-ADCC-4214-836D-B18BFC6F3D6C}" type="datetimeFigureOut">
               <a:rPr lang="en-SG" smtClean="0"/>
-              <a:t>1/6/2023</a:t>
+              <a:t>4/6/2023</a:t>
             </a:fld>
             <a:endParaRPr lang="en-SG"/>
           </a:p>
@@ -2393,7 +2399,7 @@
           <a:p>
             <a:fld id="{F949A3E6-ADCC-4214-836D-B18BFC6F3D6C}" type="datetimeFigureOut">
               <a:rPr lang="en-SG" smtClean="0"/>
-              <a:t>1/6/2023</a:t>
+              <a:t>4/6/2023</a:t>
             </a:fld>
             <a:endParaRPr lang="en-SG"/>
           </a:p>
@@ -2682,7 +2688,7 @@
           <a:p>
             <a:fld id="{F949A3E6-ADCC-4214-836D-B18BFC6F3D6C}" type="datetimeFigureOut">
               <a:rPr lang="en-SG" smtClean="0"/>
-              <a:t>1/6/2023</a:t>
+              <a:t>4/6/2023</a:t>
             </a:fld>
             <a:endParaRPr lang="en-SG"/>
           </a:p>
@@ -2925,7 +2931,7 @@
           <a:p>
             <a:fld id="{F949A3E6-ADCC-4214-836D-B18BFC6F3D6C}" type="datetimeFigureOut">
               <a:rPr lang="en-SG" smtClean="0"/>
-              <a:t>1/6/2023</a:t>
+              <a:t>4/6/2023</a:t>
             </a:fld>
             <a:endParaRPr lang="en-SG"/>
           </a:p>
@@ -3344,10 +3350,10 @@
       </p:grpSpPr>
       <p:sp>
         <p:nvSpPr>
-          <p:cNvPr id="12" name="Rectangle 11">
-            <a:extLst>
-              <a:ext uri="{FF2B5EF4-FFF2-40B4-BE49-F238E27FC236}">
-                <a16:creationId xmlns:a16="http://schemas.microsoft.com/office/drawing/2014/main" id="{7CB495D9-43AC-A3B4-70D7-90585F3818BF}"/>
+          <p:cNvPr id="15" name="Rectangle 14">
+            <a:extLst>
+              <a:ext uri="{FF2B5EF4-FFF2-40B4-BE49-F238E27FC236}">
+                <a16:creationId xmlns:a16="http://schemas.microsoft.com/office/drawing/2014/main" id="{BEA28FB4-C69C-28C8-6F6D-871B07DD0014}"/>
               </a:ext>
             </a:extLst>
           </p:cNvPr>
@@ -3356,8 +3362,8 @@
         </p:nvSpPr>
         <p:spPr>
           <a:xfrm>
-            <a:off x="4006850" y="2571750"/>
-            <a:ext cx="4273550" cy="1416050"/>
+            <a:off x="2569465" y="1300738"/>
+            <a:ext cx="3018790" cy="2240276"/>
           </a:xfrm>
           <a:prstGeom prst="rect">
             <a:avLst/>
@@ -3388,6 +3394,52 @@
           </a:p>
         </p:txBody>
       </p:sp>
+      <p:sp>
+        <p:nvSpPr>
+          <p:cNvPr id="12" name="Rectangle 11">
+            <a:extLst>
+              <a:ext uri="{FF2B5EF4-FFF2-40B4-BE49-F238E27FC236}">
+                <a16:creationId xmlns:a16="http://schemas.microsoft.com/office/drawing/2014/main" id="{7CB495D9-43AC-A3B4-70D7-90585F3818BF}"/>
+              </a:ext>
+            </a:extLst>
+          </p:cNvPr>
+          <p:cNvSpPr/>
+          <p:nvPr/>
+        </p:nvSpPr>
+        <p:spPr>
+          <a:xfrm>
+            <a:off x="6612890" y="3614166"/>
+            <a:ext cx="4273550" cy="1416050"/>
+          </a:xfrm>
+          <a:prstGeom prst="rect">
+            <a:avLst/>
+          </a:prstGeom>
+        </p:spPr>
+        <p:style>
+          <a:lnRef idx="2">
+            <a:schemeClr val="dk1">
+              <a:shade val="50000"/>
+            </a:schemeClr>
+          </a:lnRef>
+          <a:fillRef idx="1">
+            <a:schemeClr val="dk1"/>
+          </a:fillRef>
+          <a:effectRef idx="0">
+            <a:schemeClr val="dk1"/>
+          </a:effectRef>
+          <a:fontRef idx="minor">
+            <a:schemeClr val="lt1"/>
+          </a:fontRef>
+        </p:style>
+        <p:txBody>
+          <a:bodyPr rtlCol="0" anchor="ctr"/>
+          <a:lstStyle/>
+          <a:p>
+            <a:pPr algn="ctr"/>
+            <a:endParaRPr lang="en-SG" dirty="0"/>
+          </a:p>
+        </p:txBody>
+      </p:sp>
       <p:pic>
         <p:nvPicPr>
           <p:cNvPr id="7" name="Picture 6">
@@ -3416,7 +3468,7 @@
         </p:blipFill>
         <p:spPr>
           <a:xfrm>
-            <a:off x="4599561" y="3276619"/>
+            <a:off x="7205601" y="4319035"/>
             <a:ext cx="304762" cy="304762"/>
           </a:xfrm>
           <a:prstGeom prst="rect">
@@ -3457,7 +3509,7 @@
         </p:blipFill>
         <p:spPr>
           <a:xfrm>
-            <a:off x="4599561" y="2888809"/>
+            <a:off x="7205601" y="3931225"/>
             <a:ext cx="304762" cy="304762"/>
           </a:xfrm>
           <a:prstGeom prst="rect">
@@ -3484,7 +3536,7 @@
         </p:nvSpPr>
         <p:spPr>
           <a:xfrm>
-            <a:off x="4904323" y="2856524"/>
+            <a:off x="7510363" y="3898940"/>
             <a:ext cx="2080677" cy="369332"/>
           </a:xfrm>
           <a:prstGeom prst="rect">
@@ -3523,7 +3575,7 @@
         </p:nvSpPr>
         <p:spPr>
           <a:xfrm>
-            <a:off x="4904323" y="3212049"/>
+            <a:off x="7510363" y="4254465"/>
             <a:ext cx="2743200" cy="369332"/>
           </a:xfrm>
           <a:prstGeom prst="rect">
@@ -3548,10 +3600,1230 @@
           </a:p>
         </p:txBody>
       </p:sp>
+      <p:pic>
+        <p:nvPicPr>
+          <p:cNvPr id="3" name="Picture 2">
+            <a:extLst>
+              <a:ext uri="{FF2B5EF4-FFF2-40B4-BE49-F238E27FC236}">
+                <a16:creationId xmlns:a16="http://schemas.microsoft.com/office/drawing/2014/main" id="{19307DB1-B956-6F07-5F6B-06D4F6E08D9F}"/>
+              </a:ext>
+            </a:extLst>
+          </p:cNvPr>
+          <p:cNvPicPr>
+            <a:picLocks noChangeAspect="1"/>
+          </p:cNvPicPr>
+          <p:nvPr/>
+        </p:nvPicPr>
+        <p:blipFill>
+          <a:blip r:embed="rId4"/>
+          <a:stretch>
+            <a:fillRect/>
+          </a:stretch>
+        </p:blipFill>
+        <p:spPr>
+          <a:xfrm>
+            <a:off x="2728571" y="1432773"/>
+            <a:ext cx="868658" cy="490981"/>
+          </a:xfrm>
+          <a:prstGeom prst="rect">
+            <a:avLst/>
+          </a:prstGeom>
+          <a:ln w="12700">
+            <a:solidFill>
+              <a:schemeClr val="bg1"/>
+            </a:solidFill>
+          </a:ln>
+        </p:spPr>
+      </p:pic>
+      <p:pic>
+        <p:nvPicPr>
+          <p:cNvPr id="5" name="Picture 4">
+            <a:extLst>
+              <a:ext uri="{FF2B5EF4-FFF2-40B4-BE49-F238E27FC236}">
+                <a16:creationId xmlns:a16="http://schemas.microsoft.com/office/drawing/2014/main" id="{1CC97FBD-6C8A-09C4-781A-E60B58264C26}"/>
+              </a:ext>
+            </a:extLst>
+          </p:cNvPr>
+          <p:cNvPicPr>
+            <a:picLocks noChangeAspect="1"/>
+          </p:cNvPicPr>
+          <p:nvPr/>
+        </p:nvPicPr>
+        <p:blipFill>
+          <a:blip r:embed="rId5"/>
+          <a:stretch>
+            <a:fillRect/>
+          </a:stretch>
+        </p:blipFill>
+        <p:spPr>
+          <a:xfrm>
+            <a:off x="2704189" y="2106771"/>
+            <a:ext cx="893040" cy="468625"/>
+          </a:xfrm>
+          <a:prstGeom prst="rect">
+            <a:avLst/>
+          </a:prstGeom>
+          <a:ln w="12700">
+            <a:solidFill>
+              <a:schemeClr val="bg1"/>
+            </a:solidFill>
+          </a:ln>
+        </p:spPr>
+      </p:pic>
+      <p:pic>
+        <p:nvPicPr>
+          <p:cNvPr id="8" name="Picture 7">
+            <a:extLst>
+              <a:ext uri="{FF2B5EF4-FFF2-40B4-BE49-F238E27FC236}">
+                <a16:creationId xmlns:a16="http://schemas.microsoft.com/office/drawing/2014/main" id="{7CEA8BBA-4227-C786-41C9-2990E8AF0A96}"/>
+              </a:ext>
+            </a:extLst>
+          </p:cNvPr>
+          <p:cNvPicPr>
+            <a:picLocks noChangeAspect="1"/>
+          </p:cNvPicPr>
+          <p:nvPr/>
+        </p:nvPicPr>
+        <p:blipFill rotWithShape="1">
+          <a:blip r:embed="rId6"/>
+          <a:srcRect l="14667" r="22053"/>
+          <a:stretch/>
+        </p:blipFill>
+        <p:spPr>
+          <a:xfrm>
+            <a:off x="3145224" y="2779498"/>
+            <a:ext cx="452005" cy="552381"/>
+          </a:xfrm>
+          <a:prstGeom prst="rect">
+            <a:avLst/>
+          </a:prstGeom>
+          <a:ln w="12700">
+            <a:solidFill>
+              <a:schemeClr val="bg1"/>
+            </a:solidFill>
+          </a:ln>
+        </p:spPr>
+      </p:pic>
+      <p:pic>
+        <p:nvPicPr>
+          <p:cNvPr id="14" name="Picture 13">
+            <a:extLst>
+              <a:ext uri="{FF2B5EF4-FFF2-40B4-BE49-F238E27FC236}">
+                <a16:creationId xmlns:a16="http://schemas.microsoft.com/office/drawing/2014/main" id="{1C4BA647-57F8-53D0-70DD-3F16D9E5B226}"/>
+              </a:ext>
+            </a:extLst>
+          </p:cNvPr>
+          <p:cNvPicPr>
+            <a:picLocks noChangeAspect="1"/>
+          </p:cNvPicPr>
+          <p:nvPr/>
+        </p:nvPicPr>
+        <p:blipFill rotWithShape="1">
+          <a:blip r:embed="rId7"/>
+          <a:srcRect l="11682" r="19960"/>
+          <a:stretch/>
+        </p:blipFill>
+        <p:spPr>
+          <a:xfrm>
+            <a:off x="2728571" y="2779498"/>
+            <a:ext cx="416653" cy="552381"/>
+          </a:xfrm>
+          <a:prstGeom prst="rect">
+            <a:avLst/>
+          </a:prstGeom>
+          <a:ln w="12700">
+            <a:solidFill>
+              <a:schemeClr val="bg1"/>
+            </a:solidFill>
+          </a:ln>
+        </p:spPr>
+      </p:pic>
+      <p:sp>
+        <p:nvSpPr>
+          <p:cNvPr id="16" name="TextBox 15">
+            <a:extLst>
+              <a:ext uri="{FF2B5EF4-FFF2-40B4-BE49-F238E27FC236}">
+                <a16:creationId xmlns:a16="http://schemas.microsoft.com/office/drawing/2014/main" id="{A7D445A6-233B-2A14-D532-07136E095AA6}"/>
+              </a:ext>
+            </a:extLst>
+          </p:cNvPr>
+          <p:cNvSpPr txBox="1"/>
+          <p:nvPr/>
+        </p:nvSpPr>
+        <p:spPr>
+          <a:xfrm>
+            <a:off x="3756335" y="1493597"/>
+            <a:ext cx="1583761" cy="369332"/>
+          </a:xfrm>
+          <a:prstGeom prst="rect">
+            <a:avLst/>
+          </a:prstGeom>
+          <a:noFill/>
+        </p:spPr>
+        <p:txBody>
+          <a:bodyPr wrap="square" rtlCol="0">
+            <a:spAutoFit/>
+          </a:bodyPr>
+          <a:lstStyle/>
+          <a:p>
+            <a:r>
+              <a:rPr lang="en-SG" b="1" dirty="0">
+                <a:solidFill>
+                  <a:schemeClr val="bg1"/>
+                </a:solidFill>
+              </a:rPr>
+              <a:t>Train Sensor</a:t>
+            </a:r>
+          </a:p>
+        </p:txBody>
+      </p:sp>
+      <p:sp>
+        <p:nvSpPr>
+          <p:cNvPr id="17" name="TextBox 16">
+            <a:extLst>
+              <a:ext uri="{FF2B5EF4-FFF2-40B4-BE49-F238E27FC236}">
+                <a16:creationId xmlns:a16="http://schemas.microsoft.com/office/drawing/2014/main" id="{05C976BB-56CD-3D39-306E-F049C5EC9FEF}"/>
+              </a:ext>
+            </a:extLst>
+          </p:cNvPr>
+          <p:cNvSpPr txBox="1"/>
+          <p:nvPr/>
+        </p:nvSpPr>
+        <p:spPr>
+          <a:xfrm>
+            <a:off x="3756334" y="2147973"/>
+            <a:ext cx="1583761" cy="369332"/>
+          </a:xfrm>
+          <a:prstGeom prst="rect">
+            <a:avLst/>
+          </a:prstGeom>
+          <a:noFill/>
+        </p:spPr>
+        <p:txBody>
+          <a:bodyPr wrap="square" rtlCol="0">
+            <a:spAutoFit/>
+          </a:bodyPr>
+          <a:lstStyle/>
+          <a:p>
+            <a:r>
+              <a:rPr lang="en-SG" b="1" dirty="0">
+                <a:solidFill>
+                  <a:schemeClr val="bg1"/>
+                </a:solidFill>
+              </a:rPr>
+              <a:t>Train Station </a:t>
+            </a:r>
+          </a:p>
+        </p:txBody>
+      </p:sp>
+      <p:sp>
+        <p:nvSpPr>
+          <p:cNvPr id="18" name="TextBox 17">
+            <a:extLst>
+              <a:ext uri="{FF2B5EF4-FFF2-40B4-BE49-F238E27FC236}">
+                <a16:creationId xmlns:a16="http://schemas.microsoft.com/office/drawing/2014/main" id="{BE7D2B1A-90A2-88AE-9A0B-229047ECE4E0}"/>
+              </a:ext>
+            </a:extLst>
+          </p:cNvPr>
+          <p:cNvSpPr txBox="1"/>
+          <p:nvPr/>
+        </p:nvSpPr>
+        <p:spPr>
+          <a:xfrm>
+            <a:off x="3598209" y="2664043"/>
+            <a:ext cx="2006994" cy="830997"/>
+          </a:xfrm>
+          <a:prstGeom prst="rect">
+            <a:avLst/>
+          </a:prstGeom>
+          <a:noFill/>
+        </p:spPr>
+        <p:txBody>
+          <a:bodyPr wrap="square" rtlCol="0">
+            <a:spAutoFit/>
+          </a:bodyPr>
+          <a:lstStyle/>
+          <a:p>
+            <a:r>
+              <a:rPr lang="en-US" sz="1600" b="1" dirty="0">
+                <a:solidFill>
+                  <a:schemeClr val="bg1"/>
+                </a:solidFill>
+              </a:rPr>
+              <a:t>Railway Cross Signal</a:t>
+            </a:r>
+          </a:p>
+          <a:p>
+            <a:pPr marL="285750" indent="-285750">
+              <a:buFont typeface="Arial" panose="020B0604020202020204" pitchFamily="34" charset="0"/>
+              <a:buChar char="•"/>
+            </a:pPr>
+            <a:r>
+              <a:rPr lang="en-US" sz="1600" b="1" dirty="0">
+                <a:solidFill>
+                  <a:schemeClr val="bg1"/>
+                </a:solidFill>
+              </a:rPr>
+              <a:t>Green: Pass [off]</a:t>
+            </a:r>
+          </a:p>
+          <a:p>
+            <a:pPr marL="285750" indent="-285750">
+              <a:buFont typeface="Arial" panose="020B0604020202020204" pitchFamily="34" charset="0"/>
+              <a:buChar char="•"/>
+            </a:pPr>
+            <a:r>
+              <a:rPr lang="en-US" sz="1600" b="1" dirty="0">
+                <a:solidFill>
+                  <a:schemeClr val="bg1"/>
+                </a:solidFill>
+              </a:rPr>
+              <a:t>Red: Block [on]</a:t>
+            </a:r>
+            <a:endParaRPr lang="en-SG" sz="1600" b="1" dirty="0">
+              <a:solidFill>
+                <a:schemeClr val="bg1"/>
+              </a:solidFill>
+            </a:endParaRPr>
+          </a:p>
+        </p:txBody>
+      </p:sp>
     </p:spTree>
     <p:extLst>
       <p:ext uri="{BB962C8B-B14F-4D97-AF65-F5344CB8AC3E}">
         <p14:creationId xmlns:p14="http://schemas.microsoft.com/office/powerpoint/2010/main" val="3593286486"/>
+      </p:ext>
+    </p:extLst>
+  </p:cSld>
+  <p:clrMapOvr>
+    <a:masterClrMapping/>
+  </p:clrMapOvr>
+</p:sld>
+</file>
+
+<file path=ppt/slides/slide2.xml><?xml version="1.0" encoding="utf-8"?>
+<p:sld xmlns:a="http://schemas.openxmlformats.org/drawingml/2006/main" xmlns:r="http://schemas.openxmlformats.org/officeDocument/2006/relationships" xmlns:p="http://schemas.openxmlformats.org/presentationml/2006/main">
+  <p:cSld>
+    <p:spTree>
+      <p:nvGrpSpPr>
+        <p:cNvPr id="1" name=""/>
+        <p:cNvGrpSpPr/>
+        <p:nvPr/>
+      </p:nvGrpSpPr>
+      <p:grpSpPr>
+        <a:xfrm>
+          <a:off x="0" y="0"/>
+          <a:ext cx="0" cy="0"/>
+          <a:chOff x="0" y="0"/>
+          <a:chExt cx="0" cy="0"/>
+        </a:xfrm>
+      </p:grpSpPr>
+      <p:pic>
+        <p:nvPicPr>
+          <p:cNvPr id="56" name="Picture 55" descr="A picture containing text, screenshot, display, diagram&#10;&#10;Description automatically generated">
+            <a:extLst>
+              <a:ext uri="{FF2B5EF4-FFF2-40B4-BE49-F238E27FC236}">
+                <a16:creationId xmlns:a16="http://schemas.microsoft.com/office/drawing/2014/main" id="{69B3AB3C-63E8-E187-AAF7-C36A421DEA4B}"/>
+              </a:ext>
+            </a:extLst>
+          </p:cNvPr>
+          <p:cNvPicPr>
+            <a:picLocks noChangeAspect="1"/>
+          </p:cNvPicPr>
+          <p:nvPr/>
+        </p:nvPicPr>
+        <p:blipFill>
+          <a:blip r:embed="rId2">
+            <a:extLst>
+              <a:ext uri="{28A0092B-C50C-407E-A947-70E740481C1C}">
+                <a14:useLocalDpi xmlns:a14="http://schemas.microsoft.com/office/drawing/2010/main" val="0"/>
+              </a:ext>
+            </a:extLst>
+          </a:blip>
+          <a:stretch>
+            <a:fillRect/>
+          </a:stretch>
+        </p:blipFill>
+        <p:spPr>
+          <a:xfrm>
+            <a:off x="330505" y="330196"/>
+            <a:ext cx="5573477" cy="3098804"/>
+          </a:xfrm>
+          <a:prstGeom prst="rect">
+            <a:avLst/>
+          </a:prstGeom>
+          <a:ln w="12700">
+            <a:solidFill>
+              <a:schemeClr val="tx1"/>
+            </a:solidFill>
+          </a:ln>
+        </p:spPr>
+      </p:pic>
+      <p:cxnSp>
+        <p:nvCxnSpPr>
+          <p:cNvPr id="57" name="Straight Arrow Connector 56">
+            <a:extLst>
+              <a:ext uri="{FF2B5EF4-FFF2-40B4-BE49-F238E27FC236}">
+                <a16:creationId xmlns:a16="http://schemas.microsoft.com/office/drawing/2014/main" id="{199424E6-FF55-85E4-AF84-68016952D7BB}"/>
+              </a:ext>
+            </a:extLst>
+          </p:cNvPr>
+          <p:cNvCxnSpPr>
+            <a:cxnSpLocks/>
+          </p:cNvCxnSpPr>
+          <p:nvPr/>
+        </p:nvCxnSpPr>
+        <p:spPr>
+          <a:xfrm>
+            <a:off x="2296725" y="3429000"/>
+            <a:ext cx="0" cy="614470"/>
+          </a:xfrm>
+          <a:prstGeom prst="straightConnector1">
+            <a:avLst/>
+          </a:prstGeom>
+          <a:ln w="19050">
+            <a:tailEnd type="triangle"/>
+          </a:ln>
+        </p:spPr>
+        <p:style>
+          <a:lnRef idx="1">
+            <a:schemeClr val="dk1"/>
+          </a:lnRef>
+          <a:fillRef idx="0">
+            <a:schemeClr val="dk1"/>
+          </a:fillRef>
+          <a:effectRef idx="0">
+            <a:schemeClr val="dk1"/>
+          </a:effectRef>
+          <a:fontRef idx="minor">
+            <a:schemeClr val="tx1"/>
+          </a:fontRef>
+        </p:style>
+      </p:cxnSp>
+      <p:cxnSp>
+        <p:nvCxnSpPr>
+          <p:cNvPr id="59" name="Straight Arrow Connector 58">
+            <a:extLst>
+              <a:ext uri="{FF2B5EF4-FFF2-40B4-BE49-F238E27FC236}">
+                <a16:creationId xmlns:a16="http://schemas.microsoft.com/office/drawing/2014/main" id="{E8D2E597-476C-D57B-A245-35F881ED336C}"/>
+              </a:ext>
+            </a:extLst>
+          </p:cNvPr>
+          <p:cNvCxnSpPr>
+            <a:cxnSpLocks/>
+          </p:cNvCxnSpPr>
+          <p:nvPr/>
+        </p:nvCxnSpPr>
+        <p:spPr>
+          <a:xfrm flipV="1">
+            <a:off x="3223593" y="3429000"/>
+            <a:ext cx="0" cy="614470"/>
+          </a:xfrm>
+          <a:prstGeom prst="straightConnector1">
+            <a:avLst/>
+          </a:prstGeom>
+          <a:ln w="19050">
+            <a:tailEnd type="triangle"/>
+          </a:ln>
+        </p:spPr>
+        <p:style>
+          <a:lnRef idx="1">
+            <a:schemeClr val="dk1"/>
+          </a:lnRef>
+          <a:fillRef idx="0">
+            <a:schemeClr val="dk1"/>
+          </a:fillRef>
+          <a:effectRef idx="0">
+            <a:schemeClr val="dk1"/>
+          </a:effectRef>
+          <a:fontRef idx="minor">
+            <a:schemeClr val="tx1"/>
+          </a:fontRef>
+        </p:style>
+      </p:cxnSp>
+      <p:sp>
+        <p:nvSpPr>
+          <p:cNvPr id="62" name="TextBox 61">
+            <a:extLst>
+              <a:ext uri="{FF2B5EF4-FFF2-40B4-BE49-F238E27FC236}">
+                <a16:creationId xmlns:a16="http://schemas.microsoft.com/office/drawing/2014/main" id="{08763730-247D-929F-0E49-9D30D954DB13}"/>
+              </a:ext>
+            </a:extLst>
+          </p:cNvPr>
+          <p:cNvSpPr txBox="1"/>
+          <p:nvPr/>
+        </p:nvSpPr>
+        <p:spPr>
+          <a:xfrm>
+            <a:off x="828067" y="3564277"/>
+            <a:ext cx="1497188" cy="261610"/>
+          </a:xfrm>
+          <a:prstGeom prst="rect">
+            <a:avLst/>
+          </a:prstGeom>
+          <a:noFill/>
+        </p:spPr>
+        <p:txBody>
+          <a:bodyPr wrap="square" rtlCol="0">
+            <a:spAutoFit/>
+          </a:bodyPr>
+          <a:lstStyle/>
+          <a:p>
+            <a:r>
+              <a:rPr lang="en-US" sz="1100" dirty="0"/>
+              <a:t>Real work sensor data</a:t>
+            </a:r>
+            <a:endParaRPr lang="en-SG" sz="1100" dirty="0"/>
+          </a:p>
+        </p:txBody>
+      </p:sp>
+      <p:sp>
+        <p:nvSpPr>
+          <p:cNvPr id="63" name="TextBox 62">
+            <a:extLst>
+              <a:ext uri="{FF2B5EF4-FFF2-40B4-BE49-F238E27FC236}">
+                <a16:creationId xmlns:a16="http://schemas.microsoft.com/office/drawing/2014/main" id="{6DDB051B-5517-B535-96D1-BA9DCF2003B5}"/>
+              </a:ext>
+            </a:extLst>
+          </p:cNvPr>
+          <p:cNvSpPr txBox="1"/>
+          <p:nvPr/>
+        </p:nvSpPr>
+        <p:spPr>
+          <a:xfrm>
+            <a:off x="3223593" y="3583676"/>
+            <a:ext cx="1497188" cy="261610"/>
+          </a:xfrm>
+          <a:prstGeom prst="rect">
+            <a:avLst/>
+          </a:prstGeom>
+          <a:noFill/>
+        </p:spPr>
+        <p:txBody>
+          <a:bodyPr wrap="square" rtlCol="0">
+            <a:spAutoFit/>
+          </a:bodyPr>
+          <a:lstStyle/>
+          <a:p>
+            <a:r>
+              <a:rPr lang="en-US" sz="1100" dirty="0"/>
+              <a:t>PCL coil output data</a:t>
+            </a:r>
+            <a:endParaRPr lang="en-SG" sz="1100" dirty="0"/>
+          </a:p>
+        </p:txBody>
+      </p:sp>
+      <p:sp>
+        <p:nvSpPr>
+          <p:cNvPr id="64" name="Cylinder 63">
+            <a:extLst>
+              <a:ext uri="{FF2B5EF4-FFF2-40B4-BE49-F238E27FC236}">
+                <a16:creationId xmlns:a16="http://schemas.microsoft.com/office/drawing/2014/main" id="{513B64FF-E316-7979-D6C1-E2293A255E23}"/>
+              </a:ext>
+            </a:extLst>
+          </p:cNvPr>
+          <p:cNvSpPr/>
+          <p:nvPr/>
+        </p:nvSpPr>
+        <p:spPr>
+          <a:xfrm>
+            <a:off x="2088330" y="4065882"/>
+            <a:ext cx="1200834" cy="418641"/>
+          </a:xfrm>
+          <a:prstGeom prst="can">
+            <a:avLst/>
+          </a:prstGeom>
+        </p:spPr>
+        <p:style>
+          <a:lnRef idx="2">
+            <a:schemeClr val="accent1">
+              <a:shade val="50000"/>
+            </a:schemeClr>
+          </a:lnRef>
+          <a:fillRef idx="1">
+            <a:schemeClr val="accent1"/>
+          </a:fillRef>
+          <a:effectRef idx="0">
+            <a:schemeClr val="accent1"/>
+          </a:effectRef>
+          <a:fontRef idx="minor">
+            <a:schemeClr val="lt1"/>
+          </a:fontRef>
+        </p:style>
+        <p:txBody>
+          <a:bodyPr rtlCol="0" anchor="ctr"/>
+          <a:lstStyle/>
+          <a:p>
+            <a:pPr algn="ctr"/>
+            <a:r>
+              <a:rPr lang="en-US" sz="1400" b="1" dirty="0"/>
+              <a:t>Database</a:t>
+            </a:r>
+            <a:endParaRPr lang="en-SG" sz="1400" b="1" dirty="0"/>
+          </a:p>
+        </p:txBody>
+      </p:sp>
+      <p:cxnSp>
+        <p:nvCxnSpPr>
+          <p:cNvPr id="65" name="Straight Arrow Connector 64">
+            <a:extLst>
+              <a:ext uri="{FF2B5EF4-FFF2-40B4-BE49-F238E27FC236}">
+                <a16:creationId xmlns:a16="http://schemas.microsoft.com/office/drawing/2014/main" id="{2D64263F-18D8-B0E1-F418-E66108A1D784}"/>
+              </a:ext>
+            </a:extLst>
+          </p:cNvPr>
+          <p:cNvCxnSpPr>
+            <a:cxnSpLocks/>
+          </p:cNvCxnSpPr>
+          <p:nvPr/>
+        </p:nvCxnSpPr>
+        <p:spPr>
+          <a:xfrm>
+            <a:off x="3289158" y="4913001"/>
+            <a:ext cx="1282842" cy="0"/>
+          </a:xfrm>
+          <a:prstGeom prst="straightConnector1">
+            <a:avLst/>
+          </a:prstGeom>
+          <a:ln w="19050">
+            <a:tailEnd type="triangle"/>
+          </a:ln>
+        </p:spPr>
+        <p:style>
+          <a:lnRef idx="1">
+            <a:schemeClr val="dk1"/>
+          </a:lnRef>
+          <a:fillRef idx="0">
+            <a:schemeClr val="dk1"/>
+          </a:fillRef>
+          <a:effectRef idx="0">
+            <a:schemeClr val="dk1"/>
+          </a:effectRef>
+          <a:fontRef idx="minor">
+            <a:schemeClr val="tx1"/>
+          </a:fontRef>
+        </p:style>
+      </p:cxnSp>
+      <p:sp>
+        <p:nvSpPr>
+          <p:cNvPr id="66" name="Rectangle 65">
+            <a:extLst>
+              <a:ext uri="{FF2B5EF4-FFF2-40B4-BE49-F238E27FC236}">
+                <a16:creationId xmlns:a16="http://schemas.microsoft.com/office/drawing/2014/main" id="{2B946BE7-3DAB-5E1F-0DED-46C5DAD914EF}"/>
+              </a:ext>
+            </a:extLst>
+          </p:cNvPr>
+          <p:cNvSpPr/>
+          <p:nvPr/>
+        </p:nvSpPr>
+        <p:spPr>
+          <a:xfrm>
+            <a:off x="2088330" y="4804212"/>
+            <a:ext cx="1200828" cy="416285"/>
+          </a:xfrm>
+          <a:prstGeom prst="rect">
+            <a:avLst/>
+          </a:prstGeom>
+        </p:spPr>
+        <p:style>
+          <a:lnRef idx="2">
+            <a:schemeClr val="accent1">
+              <a:shade val="50000"/>
+            </a:schemeClr>
+          </a:lnRef>
+          <a:fillRef idx="1">
+            <a:schemeClr val="accent1"/>
+          </a:fillRef>
+          <a:effectRef idx="0">
+            <a:schemeClr val="accent1"/>
+          </a:effectRef>
+          <a:fontRef idx="minor">
+            <a:schemeClr val="lt1"/>
+          </a:fontRef>
+        </p:style>
+        <p:txBody>
+          <a:bodyPr rtlCol="0" anchor="ctr"/>
+          <a:lstStyle/>
+          <a:p>
+            <a:pPr algn="ctr"/>
+            <a:r>
+              <a:rPr lang="en-US" sz="1200" dirty="0"/>
+              <a:t>Communication manager </a:t>
+            </a:r>
+            <a:endParaRPr lang="en-SG" sz="1200" dirty="0"/>
+          </a:p>
+        </p:txBody>
+      </p:sp>
+      <p:sp>
+        <p:nvSpPr>
+          <p:cNvPr id="67" name="Arrow: Up-Down 66">
+            <a:extLst>
+              <a:ext uri="{FF2B5EF4-FFF2-40B4-BE49-F238E27FC236}">
+                <a16:creationId xmlns:a16="http://schemas.microsoft.com/office/drawing/2014/main" id="{A6B76913-2A02-5219-ABDC-82A825D70420}"/>
+              </a:ext>
+            </a:extLst>
+          </p:cNvPr>
+          <p:cNvSpPr/>
+          <p:nvPr/>
+        </p:nvSpPr>
+        <p:spPr>
+          <a:xfrm>
+            <a:off x="2566930" y="4484523"/>
+            <a:ext cx="198299" cy="319689"/>
+          </a:xfrm>
+          <a:prstGeom prst="upDownArrow">
+            <a:avLst/>
+          </a:prstGeom>
+        </p:spPr>
+        <p:style>
+          <a:lnRef idx="2">
+            <a:schemeClr val="accent1">
+              <a:shade val="50000"/>
+            </a:schemeClr>
+          </a:lnRef>
+          <a:fillRef idx="1">
+            <a:schemeClr val="accent1"/>
+          </a:fillRef>
+          <a:effectRef idx="0">
+            <a:schemeClr val="accent1"/>
+          </a:effectRef>
+          <a:fontRef idx="minor">
+            <a:schemeClr val="lt1"/>
+          </a:fontRef>
+        </p:style>
+        <p:txBody>
+          <a:bodyPr rtlCol="0" anchor="ctr"/>
+          <a:lstStyle/>
+          <a:p>
+            <a:pPr algn="ctr"/>
+            <a:endParaRPr lang="en-SG"/>
+          </a:p>
+        </p:txBody>
+      </p:sp>
+      <p:pic>
+        <p:nvPicPr>
+          <p:cNvPr id="70" name="Picture 69" descr="A computer screen shot of a device&#10;&#10;Description automatically generated with low confidence">
+            <a:extLst>
+              <a:ext uri="{FF2B5EF4-FFF2-40B4-BE49-F238E27FC236}">
+                <a16:creationId xmlns:a16="http://schemas.microsoft.com/office/drawing/2014/main" id="{D71D8DA8-CC22-83DE-F241-F716B529AB92}"/>
+              </a:ext>
+            </a:extLst>
+          </p:cNvPr>
+          <p:cNvPicPr>
+            <a:picLocks noChangeAspect="1"/>
+          </p:cNvPicPr>
+          <p:nvPr/>
+        </p:nvPicPr>
+        <p:blipFill>
+          <a:blip r:embed="rId3">
+            <a:extLst>
+              <a:ext uri="{28A0092B-C50C-407E-A947-70E740481C1C}">
+                <a14:useLocalDpi xmlns:a14="http://schemas.microsoft.com/office/drawing/2010/main" val="0"/>
+              </a:ext>
+            </a:extLst>
+          </a:blip>
+          <a:stretch>
+            <a:fillRect/>
+          </a:stretch>
+        </p:blipFill>
+        <p:spPr>
+          <a:xfrm>
+            <a:off x="4720781" y="4804212"/>
+            <a:ext cx="1593834" cy="828021"/>
+          </a:xfrm>
+          <a:prstGeom prst="rect">
+            <a:avLst/>
+          </a:prstGeom>
+          <a:ln w="12700">
+            <a:solidFill>
+              <a:schemeClr val="tx1"/>
+            </a:solidFill>
+          </a:ln>
+        </p:spPr>
+      </p:pic>
+      <p:sp>
+        <p:nvSpPr>
+          <p:cNvPr id="71" name="TextBox 70">
+            <a:extLst>
+              <a:ext uri="{FF2B5EF4-FFF2-40B4-BE49-F238E27FC236}">
+                <a16:creationId xmlns:a16="http://schemas.microsoft.com/office/drawing/2014/main" id="{809F6423-57B2-ABB8-77D1-9121CD4054F4}"/>
+              </a:ext>
+            </a:extLst>
+          </p:cNvPr>
+          <p:cNvSpPr txBox="1"/>
+          <p:nvPr/>
+        </p:nvSpPr>
+        <p:spPr>
+          <a:xfrm>
+            <a:off x="3426348" y="4639719"/>
+            <a:ext cx="1200828" cy="261610"/>
+          </a:xfrm>
+          <a:prstGeom prst="rect">
+            <a:avLst/>
+          </a:prstGeom>
+          <a:noFill/>
+        </p:spPr>
+        <p:txBody>
+          <a:bodyPr wrap="square" rtlCol="0">
+            <a:spAutoFit/>
+          </a:bodyPr>
+          <a:lstStyle/>
+          <a:p>
+            <a:r>
+              <a:rPr lang="en-US" sz="1100" dirty="0"/>
+              <a:t>PCL input data</a:t>
+            </a:r>
+            <a:endParaRPr lang="en-SG" sz="1100" dirty="0"/>
+          </a:p>
+        </p:txBody>
+      </p:sp>
+      <p:cxnSp>
+        <p:nvCxnSpPr>
+          <p:cNvPr id="72" name="Straight Arrow Connector 71">
+            <a:extLst>
+              <a:ext uri="{FF2B5EF4-FFF2-40B4-BE49-F238E27FC236}">
+                <a16:creationId xmlns:a16="http://schemas.microsoft.com/office/drawing/2014/main" id="{8448E405-2E54-560B-4102-77ACC1FE0BD2}"/>
+              </a:ext>
+            </a:extLst>
+          </p:cNvPr>
+          <p:cNvCxnSpPr>
+            <a:cxnSpLocks/>
+          </p:cNvCxnSpPr>
+          <p:nvPr/>
+        </p:nvCxnSpPr>
+        <p:spPr>
+          <a:xfrm flipH="1">
+            <a:off x="3289158" y="5120182"/>
+            <a:ext cx="1282842" cy="0"/>
+          </a:xfrm>
+          <a:prstGeom prst="straightConnector1">
+            <a:avLst/>
+          </a:prstGeom>
+          <a:ln w="19050">
+            <a:tailEnd type="triangle"/>
+          </a:ln>
+        </p:spPr>
+        <p:style>
+          <a:lnRef idx="1">
+            <a:schemeClr val="dk1"/>
+          </a:lnRef>
+          <a:fillRef idx="0">
+            <a:schemeClr val="dk1"/>
+          </a:fillRef>
+          <a:effectRef idx="0">
+            <a:schemeClr val="dk1"/>
+          </a:effectRef>
+          <a:fontRef idx="minor">
+            <a:schemeClr val="tx1"/>
+          </a:fontRef>
+        </p:style>
+      </p:cxnSp>
+      <p:sp>
+        <p:nvSpPr>
+          <p:cNvPr id="77" name="TextBox 76">
+            <a:extLst>
+              <a:ext uri="{FF2B5EF4-FFF2-40B4-BE49-F238E27FC236}">
+                <a16:creationId xmlns:a16="http://schemas.microsoft.com/office/drawing/2014/main" id="{E62E4869-EE66-D734-D721-76197B998F56}"/>
+              </a:ext>
+            </a:extLst>
+          </p:cNvPr>
+          <p:cNvSpPr txBox="1"/>
+          <p:nvPr/>
+        </p:nvSpPr>
+        <p:spPr>
+          <a:xfrm>
+            <a:off x="3366291" y="4881549"/>
+            <a:ext cx="1497188" cy="261610"/>
+          </a:xfrm>
+          <a:prstGeom prst="rect">
+            <a:avLst/>
+          </a:prstGeom>
+          <a:noFill/>
+        </p:spPr>
+        <p:txBody>
+          <a:bodyPr wrap="square" rtlCol="0">
+            <a:spAutoFit/>
+          </a:bodyPr>
+          <a:lstStyle/>
+          <a:p>
+            <a:r>
+              <a:rPr lang="en-US" sz="1100" dirty="0"/>
+              <a:t>PCL coil output data</a:t>
+            </a:r>
+            <a:endParaRPr lang="en-SG" sz="1100" dirty="0"/>
+          </a:p>
+        </p:txBody>
+      </p:sp>
+      <p:cxnSp>
+        <p:nvCxnSpPr>
+          <p:cNvPr id="78" name="Straight Arrow Connector 77">
+            <a:extLst>
+              <a:ext uri="{FF2B5EF4-FFF2-40B4-BE49-F238E27FC236}">
+                <a16:creationId xmlns:a16="http://schemas.microsoft.com/office/drawing/2014/main" id="{6900A1CA-DFD2-75DD-987D-55B0436B0F0E}"/>
+              </a:ext>
+            </a:extLst>
+          </p:cNvPr>
+          <p:cNvCxnSpPr>
+            <a:cxnSpLocks/>
+          </p:cNvCxnSpPr>
+          <p:nvPr/>
+        </p:nvCxnSpPr>
+        <p:spPr>
+          <a:xfrm>
+            <a:off x="6314615" y="5009621"/>
+            <a:ext cx="1231939" cy="0"/>
+          </a:xfrm>
+          <a:prstGeom prst="straightConnector1">
+            <a:avLst/>
+          </a:prstGeom>
+          <a:ln w="19050">
+            <a:tailEnd type="triangle"/>
+          </a:ln>
+        </p:spPr>
+        <p:style>
+          <a:lnRef idx="1">
+            <a:schemeClr val="dk1"/>
+          </a:lnRef>
+          <a:fillRef idx="0">
+            <a:schemeClr val="dk1"/>
+          </a:fillRef>
+          <a:effectRef idx="0">
+            <a:schemeClr val="dk1"/>
+          </a:effectRef>
+          <a:fontRef idx="minor">
+            <a:schemeClr val="tx1"/>
+          </a:fontRef>
+        </p:style>
+      </p:cxnSp>
+      <p:sp>
+        <p:nvSpPr>
+          <p:cNvPr id="81" name="TextBox 80">
+            <a:extLst>
+              <a:ext uri="{FF2B5EF4-FFF2-40B4-BE49-F238E27FC236}">
+                <a16:creationId xmlns:a16="http://schemas.microsoft.com/office/drawing/2014/main" id="{104AA528-64A0-268B-D60C-CC83F851335A}"/>
+              </a:ext>
+            </a:extLst>
+          </p:cNvPr>
+          <p:cNvSpPr txBox="1"/>
+          <p:nvPr/>
+        </p:nvSpPr>
+        <p:spPr>
+          <a:xfrm>
+            <a:off x="6468277" y="4673407"/>
+            <a:ext cx="1200828" cy="261610"/>
+          </a:xfrm>
+          <a:prstGeom prst="rect">
+            <a:avLst/>
+          </a:prstGeom>
+          <a:noFill/>
+        </p:spPr>
+        <p:txBody>
+          <a:bodyPr wrap="square" rtlCol="0">
+            <a:spAutoFit/>
+          </a:bodyPr>
+          <a:lstStyle/>
+          <a:p>
+            <a:r>
+              <a:rPr lang="en-US" sz="1100" dirty="0" err="1"/>
+              <a:t>ModBus</a:t>
+            </a:r>
+            <a:r>
+              <a:rPr lang="en-US" sz="1100" dirty="0"/>
+              <a:t> TCP</a:t>
+            </a:r>
+            <a:endParaRPr lang="en-SG" sz="1100" dirty="0"/>
+          </a:p>
+        </p:txBody>
+      </p:sp>
+      <p:pic>
+        <p:nvPicPr>
+          <p:cNvPr id="83" name="Picture 82">
+            <a:extLst>
+              <a:ext uri="{FF2B5EF4-FFF2-40B4-BE49-F238E27FC236}">
+                <a16:creationId xmlns:a16="http://schemas.microsoft.com/office/drawing/2014/main" id="{65101916-69F2-D39F-2C46-829C2AE149E8}"/>
+              </a:ext>
+            </a:extLst>
+          </p:cNvPr>
+          <p:cNvPicPr>
+            <a:picLocks noChangeAspect="1"/>
+          </p:cNvPicPr>
+          <p:nvPr/>
+        </p:nvPicPr>
+        <p:blipFill>
+          <a:blip r:embed="rId4"/>
+          <a:stretch>
+            <a:fillRect/>
+          </a:stretch>
+        </p:blipFill>
+        <p:spPr>
+          <a:xfrm>
+            <a:off x="7700216" y="4772050"/>
+            <a:ext cx="2842926" cy="1391379"/>
+          </a:xfrm>
+          <a:prstGeom prst="rect">
+            <a:avLst/>
+          </a:prstGeom>
+        </p:spPr>
+      </p:pic>
+      <p:sp>
+        <p:nvSpPr>
+          <p:cNvPr id="84" name="TextBox 83">
+            <a:extLst>
+              <a:ext uri="{FF2B5EF4-FFF2-40B4-BE49-F238E27FC236}">
+                <a16:creationId xmlns:a16="http://schemas.microsoft.com/office/drawing/2014/main" id="{E3849F7E-DF0B-2B27-D43E-68F559085493}"/>
+              </a:ext>
+            </a:extLst>
+          </p:cNvPr>
+          <p:cNvSpPr txBox="1"/>
+          <p:nvPr/>
+        </p:nvSpPr>
+        <p:spPr>
+          <a:xfrm>
+            <a:off x="4720781" y="4452857"/>
+            <a:ext cx="1911668" cy="307777"/>
+          </a:xfrm>
+          <a:prstGeom prst="rect">
+            <a:avLst/>
+          </a:prstGeom>
+          <a:noFill/>
+        </p:spPr>
+        <p:txBody>
+          <a:bodyPr wrap="square">
+            <a:spAutoFit/>
+          </a:bodyPr>
+          <a:lstStyle/>
+          <a:p>
+            <a:pPr algn="l" fontAlgn="base"/>
+            <a:r>
+              <a:rPr lang="en-SG" sz="1400" b="1" i="0" dirty="0">
+                <a:solidFill>
+                  <a:srgbClr val="000000"/>
+                </a:solidFill>
+                <a:effectLst/>
+              </a:rPr>
+              <a:t>PLC simulator VM</a:t>
+            </a:r>
+          </a:p>
+        </p:txBody>
+      </p:sp>
+      <p:sp>
+        <p:nvSpPr>
+          <p:cNvPr id="85" name="TextBox 84">
+            <a:extLst>
+              <a:ext uri="{FF2B5EF4-FFF2-40B4-BE49-F238E27FC236}">
+                <a16:creationId xmlns:a16="http://schemas.microsoft.com/office/drawing/2014/main" id="{7C79C244-1C46-E2AE-4B8A-F5DA8A8DA990}"/>
+              </a:ext>
+            </a:extLst>
+          </p:cNvPr>
+          <p:cNvSpPr txBox="1"/>
+          <p:nvPr/>
+        </p:nvSpPr>
+        <p:spPr>
+          <a:xfrm>
+            <a:off x="7669105" y="4491024"/>
+            <a:ext cx="2745722" cy="307777"/>
+          </a:xfrm>
+          <a:prstGeom prst="rect">
+            <a:avLst/>
+          </a:prstGeom>
+          <a:noFill/>
+        </p:spPr>
+        <p:txBody>
+          <a:bodyPr wrap="square">
+            <a:spAutoFit/>
+          </a:bodyPr>
+          <a:lstStyle/>
+          <a:p>
+            <a:pPr algn="l" fontAlgn="base"/>
+            <a:r>
+              <a:rPr lang="en-US" sz="1400" b="1" i="0" dirty="0">
+                <a:solidFill>
+                  <a:srgbClr val="000000"/>
+                </a:solidFill>
+                <a:effectLst/>
+              </a:rPr>
+              <a:t>SCADA HMI data Visualization </a:t>
+            </a:r>
+            <a:endParaRPr lang="en-SG" sz="1400" b="1" i="0" dirty="0">
+              <a:solidFill>
+                <a:srgbClr val="000000"/>
+              </a:solidFill>
+              <a:effectLst/>
+            </a:endParaRPr>
+          </a:p>
+        </p:txBody>
+      </p:sp>
+      <p:pic>
+        <p:nvPicPr>
+          <p:cNvPr id="87" name="Picture 86" descr="A computer screen shot of a computer&#10;&#10;Description automatically generated with low confidence">
+            <a:extLst>
+              <a:ext uri="{FF2B5EF4-FFF2-40B4-BE49-F238E27FC236}">
+                <a16:creationId xmlns:a16="http://schemas.microsoft.com/office/drawing/2014/main" id="{42045080-E7EA-9B65-FEBD-11E5B989378F}"/>
+              </a:ext>
+            </a:extLst>
+          </p:cNvPr>
+          <p:cNvPicPr>
+            <a:picLocks noChangeAspect="1"/>
+          </p:cNvPicPr>
+          <p:nvPr/>
+        </p:nvPicPr>
+        <p:blipFill rotWithShape="1">
+          <a:blip r:embed="rId5">
+            <a:extLst>
+              <a:ext uri="{28A0092B-C50C-407E-A947-70E740481C1C}">
+                <a14:useLocalDpi xmlns:a14="http://schemas.microsoft.com/office/drawing/2010/main" val="0"/>
+              </a:ext>
+            </a:extLst>
+          </a:blip>
+          <a:srcRect b="9806"/>
+          <a:stretch/>
+        </p:blipFill>
+        <p:spPr>
+          <a:xfrm>
+            <a:off x="7647081" y="2093206"/>
+            <a:ext cx="3900561" cy="2132647"/>
+          </a:xfrm>
+          <a:prstGeom prst="rect">
+            <a:avLst/>
+          </a:prstGeom>
+        </p:spPr>
+      </p:pic>
+      <p:sp>
+        <p:nvSpPr>
+          <p:cNvPr id="88" name="Rectangle 87">
+            <a:extLst>
+              <a:ext uri="{FF2B5EF4-FFF2-40B4-BE49-F238E27FC236}">
+                <a16:creationId xmlns:a16="http://schemas.microsoft.com/office/drawing/2014/main" id="{23810D1F-BE91-F086-89B1-665193FCB4A6}"/>
+              </a:ext>
+            </a:extLst>
+          </p:cNvPr>
+          <p:cNvSpPr/>
+          <p:nvPr/>
+        </p:nvSpPr>
+        <p:spPr>
+          <a:xfrm>
+            <a:off x="7700216" y="3736235"/>
+            <a:ext cx="1102261" cy="281009"/>
+          </a:xfrm>
+          <a:prstGeom prst="rect">
+            <a:avLst/>
+          </a:prstGeom>
+        </p:spPr>
+        <p:style>
+          <a:lnRef idx="2">
+            <a:schemeClr val="accent1">
+              <a:shade val="50000"/>
+            </a:schemeClr>
+          </a:lnRef>
+          <a:fillRef idx="1">
+            <a:schemeClr val="accent1"/>
+          </a:fillRef>
+          <a:effectRef idx="0">
+            <a:schemeClr val="accent1"/>
+          </a:effectRef>
+          <a:fontRef idx="minor">
+            <a:schemeClr val="lt1"/>
+          </a:fontRef>
+        </p:style>
+        <p:txBody>
+          <a:bodyPr rtlCol="0" anchor="ctr"/>
+          <a:lstStyle/>
+          <a:p>
+            <a:pPr algn="ctr"/>
+            <a:endParaRPr lang="en-SG"/>
+          </a:p>
+        </p:txBody>
+      </p:sp>
+      <p:cxnSp>
+        <p:nvCxnSpPr>
+          <p:cNvPr id="90" name="Straight Arrow Connector 89">
+            <a:extLst>
+              <a:ext uri="{FF2B5EF4-FFF2-40B4-BE49-F238E27FC236}">
+                <a16:creationId xmlns:a16="http://schemas.microsoft.com/office/drawing/2014/main" id="{F02E113B-6431-864F-D7E8-EAEBDBDBC375}"/>
+              </a:ext>
+            </a:extLst>
+          </p:cNvPr>
+          <p:cNvCxnSpPr/>
+          <p:nvPr/>
+        </p:nvCxnSpPr>
+        <p:spPr>
+          <a:xfrm flipV="1">
+            <a:off x="9397388" y="4275202"/>
+            <a:ext cx="0" cy="215822"/>
+          </a:xfrm>
+          <a:prstGeom prst="straightConnector1">
+            <a:avLst/>
+          </a:prstGeom>
+          <a:ln>
+            <a:tailEnd type="triangle"/>
+          </a:ln>
+        </p:spPr>
+        <p:style>
+          <a:lnRef idx="1">
+            <a:schemeClr val="accent1"/>
+          </a:lnRef>
+          <a:fillRef idx="0">
+            <a:schemeClr val="accent1"/>
+          </a:fillRef>
+          <a:effectRef idx="0">
+            <a:schemeClr val="accent1"/>
+          </a:effectRef>
+          <a:fontRef idx="minor">
+            <a:schemeClr val="tx1"/>
+          </a:fontRef>
+        </p:style>
+      </p:cxnSp>
+      <p:sp>
+        <p:nvSpPr>
+          <p:cNvPr id="91" name="TextBox 90">
+            <a:extLst>
+              <a:ext uri="{FF2B5EF4-FFF2-40B4-BE49-F238E27FC236}">
+                <a16:creationId xmlns:a16="http://schemas.microsoft.com/office/drawing/2014/main" id="{7754923C-E493-7A2D-5711-FF23F7CC8452}"/>
+              </a:ext>
+            </a:extLst>
+          </p:cNvPr>
+          <p:cNvSpPr txBox="1"/>
+          <p:nvPr/>
+        </p:nvSpPr>
+        <p:spPr>
+          <a:xfrm>
+            <a:off x="7647081" y="1736080"/>
+            <a:ext cx="2745722" cy="307777"/>
+          </a:xfrm>
+          <a:prstGeom prst="rect">
+            <a:avLst/>
+          </a:prstGeom>
+          <a:noFill/>
+        </p:spPr>
+        <p:txBody>
+          <a:bodyPr wrap="square">
+            <a:spAutoFit/>
+          </a:bodyPr>
+          <a:lstStyle/>
+          <a:p>
+            <a:pPr algn="l" fontAlgn="base"/>
+            <a:r>
+              <a:rPr lang="en-US" sz="1400" b="1" i="0" dirty="0">
+                <a:solidFill>
+                  <a:srgbClr val="000000"/>
+                </a:solidFill>
+                <a:effectLst/>
+              </a:rPr>
+              <a:t>Metro Control HMI</a:t>
+            </a:r>
+            <a:endParaRPr lang="en-SG" sz="1400" b="1" i="0" dirty="0">
+              <a:solidFill>
+                <a:srgbClr val="000000"/>
+              </a:solidFill>
+              <a:effectLst/>
+            </a:endParaRPr>
+          </a:p>
+        </p:txBody>
+      </p:sp>
+    </p:spTree>
+    <p:extLst>
+      <p:ext uri="{BB962C8B-B14F-4D97-AF65-F5344CB8AC3E}">
+        <p14:creationId xmlns:p14="http://schemas.microsoft.com/office/powerpoint/2010/main" val="3461767144"/>
       </p:ext>
     </p:extLst>
   </p:cSld>

--- a/doc/designDoc.pptx
+++ b/doc/designDoc.pptx
@@ -7,6 +7,7 @@
   <p:sldIdLst>
     <p:sldId id="256" r:id="rId2"/>
     <p:sldId id="257" r:id="rId3"/>
+    <p:sldId id="258" r:id="rId4"/>
   </p:sldIdLst>
   <p:sldSz cx="12192000" cy="6858000"/>
   <p:notesSz cx="6858000" cy="9144000"/>
@@ -262,7 +263,7 @@
           <a:p>
             <a:fld id="{F949A3E6-ADCC-4214-836D-B18BFC6F3D6C}" type="datetimeFigureOut">
               <a:rPr lang="en-SG" smtClean="0"/>
-              <a:t>4/6/2023</a:t>
+              <a:t>16/6/2023</a:t>
             </a:fld>
             <a:endParaRPr lang="en-SG"/>
           </a:p>
@@ -462,7 +463,7 @@
           <a:p>
             <a:fld id="{F949A3E6-ADCC-4214-836D-B18BFC6F3D6C}" type="datetimeFigureOut">
               <a:rPr lang="en-SG" smtClean="0"/>
-              <a:t>4/6/2023</a:t>
+              <a:t>16/6/2023</a:t>
             </a:fld>
             <a:endParaRPr lang="en-SG"/>
           </a:p>
@@ -672,7 +673,7 @@
           <a:p>
             <a:fld id="{F949A3E6-ADCC-4214-836D-B18BFC6F3D6C}" type="datetimeFigureOut">
               <a:rPr lang="en-SG" smtClean="0"/>
-              <a:t>4/6/2023</a:t>
+              <a:t>16/6/2023</a:t>
             </a:fld>
             <a:endParaRPr lang="en-SG"/>
           </a:p>
@@ -872,7 +873,7 @@
           <a:p>
             <a:fld id="{F949A3E6-ADCC-4214-836D-B18BFC6F3D6C}" type="datetimeFigureOut">
               <a:rPr lang="en-SG" smtClean="0"/>
-              <a:t>4/6/2023</a:t>
+              <a:t>16/6/2023</a:t>
             </a:fld>
             <a:endParaRPr lang="en-SG"/>
           </a:p>
@@ -1148,7 +1149,7 @@
           <a:p>
             <a:fld id="{F949A3E6-ADCC-4214-836D-B18BFC6F3D6C}" type="datetimeFigureOut">
               <a:rPr lang="en-SG" smtClean="0"/>
-              <a:t>4/6/2023</a:t>
+              <a:t>16/6/2023</a:t>
             </a:fld>
             <a:endParaRPr lang="en-SG"/>
           </a:p>
@@ -1416,7 +1417,7 @@
           <a:p>
             <a:fld id="{F949A3E6-ADCC-4214-836D-B18BFC6F3D6C}" type="datetimeFigureOut">
               <a:rPr lang="en-SG" smtClean="0"/>
-              <a:t>4/6/2023</a:t>
+              <a:t>16/6/2023</a:t>
             </a:fld>
             <a:endParaRPr lang="en-SG"/>
           </a:p>
@@ -1831,7 +1832,7 @@
           <a:p>
             <a:fld id="{F949A3E6-ADCC-4214-836D-B18BFC6F3D6C}" type="datetimeFigureOut">
               <a:rPr lang="en-SG" smtClean="0"/>
-              <a:t>4/6/2023</a:t>
+              <a:t>16/6/2023</a:t>
             </a:fld>
             <a:endParaRPr lang="en-SG"/>
           </a:p>
@@ -1973,7 +1974,7 @@
           <a:p>
             <a:fld id="{F949A3E6-ADCC-4214-836D-B18BFC6F3D6C}" type="datetimeFigureOut">
               <a:rPr lang="en-SG" smtClean="0"/>
-              <a:t>4/6/2023</a:t>
+              <a:t>16/6/2023</a:t>
             </a:fld>
             <a:endParaRPr lang="en-SG"/>
           </a:p>
@@ -2086,7 +2087,7 @@
           <a:p>
             <a:fld id="{F949A3E6-ADCC-4214-836D-B18BFC6F3D6C}" type="datetimeFigureOut">
               <a:rPr lang="en-SG" smtClean="0"/>
-              <a:t>4/6/2023</a:t>
+              <a:t>16/6/2023</a:t>
             </a:fld>
             <a:endParaRPr lang="en-SG"/>
           </a:p>
@@ -2399,7 +2400,7 @@
           <a:p>
             <a:fld id="{F949A3E6-ADCC-4214-836D-B18BFC6F3D6C}" type="datetimeFigureOut">
               <a:rPr lang="en-SG" smtClean="0"/>
-              <a:t>4/6/2023</a:t>
+              <a:t>16/6/2023</a:t>
             </a:fld>
             <a:endParaRPr lang="en-SG"/>
           </a:p>
@@ -2688,7 +2689,7 @@
           <a:p>
             <a:fld id="{F949A3E6-ADCC-4214-836D-B18BFC6F3D6C}" type="datetimeFigureOut">
               <a:rPr lang="en-SG" smtClean="0"/>
-              <a:t>4/6/2023</a:t>
+              <a:t>16/6/2023</a:t>
             </a:fld>
             <a:endParaRPr lang="en-SG"/>
           </a:p>
@@ -2931,7 +2932,7 @@
           <a:p>
             <a:fld id="{F949A3E6-ADCC-4214-836D-B18BFC6F3D6C}" type="datetimeFigureOut">
               <a:rPr lang="en-SG" smtClean="0"/>
-              <a:t>4/6/2023</a:t>
+              <a:t>16/6/2023</a:t>
             </a:fld>
             <a:endParaRPr lang="en-SG"/>
           </a:p>
@@ -4833,6 +4834,212 @@
 </p:sld>
 </file>
 
+<file path=ppt/slides/slide3.xml><?xml version="1.0" encoding="utf-8"?>
+<p:sld xmlns:a="http://schemas.openxmlformats.org/drawingml/2006/main" xmlns:r="http://schemas.openxmlformats.org/officeDocument/2006/relationships" xmlns:p="http://schemas.openxmlformats.org/presentationml/2006/main">
+  <p:cSld>
+    <p:spTree>
+      <p:nvGrpSpPr>
+        <p:cNvPr id="1" name=""/>
+        <p:cNvGrpSpPr/>
+        <p:nvPr/>
+      </p:nvGrpSpPr>
+      <p:grpSpPr>
+        <a:xfrm>
+          <a:off x="0" y="0"/>
+          <a:ext cx="0" cy="0"/>
+          <a:chOff x="0" y="0"/>
+          <a:chExt cx="0" cy="0"/>
+        </a:xfrm>
+      </p:grpSpPr>
+      <p:pic>
+        <p:nvPicPr>
+          <p:cNvPr id="5" name="Picture 4" descr="A picture containing diagram, line, technical drawing, plan&#10;&#10;Description automatically generated">
+            <a:extLst>
+              <a:ext uri="{FF2B5EF4-FFF2-40B4-BE49-F238E27FC236}">
+                <a16:creationId xmlns:a16="http://schemas.microsoft.com/office/drawing/2014/main" id="{B7E1B1BF-E455-7751-7F30-050D23B3A609}"/>
+              </a:ext>
+            </a:extLst>
+          </p:cNvPr>
+          <p:cNvPicPr>
+            <a:picLocks noChangeAspect="1"/>
+          </p:cNvPicPr>
+          <p:nvPr/>
+        </p:nvPicPr>
+        <p:blipFill>
+          <a:blip r:embed="rId2">
+            <a:extLst>
+              <a:ext uri="{28A0092B-C50C-407E-A947-70E740481C1C}">
+                <a14:useLocalDpi xmlns:a14="http://schemas.microsoft.com/office/drawing/2010/main" val="0"/>
+              </a:ext>
+            </a:extLst>
+          </a:blip>
+          <a:stretch>
+            <a:fillRect/>
+          </a:stretch>
+        </p:blipFill>
+        <p:spPr>
+          <a:xfrm>
+            <a:off x="839387" y="915041"/>
+            <a:ext cx="10171483" cy="4384072"/>
+          </a:xfrm>
+          <a:prstGeom prst="rect">
+            <a:avLst/>
+          </a:prstGeom>
+        </p:spPr>
+      </p:pic>
+      <p:sp>
+        <p:nvSpPr>
+          <p:cNvPr id="6" name="TextBox 5">
+            <a:extLst>
+              <a:ext uri="{FF2B5EF4-FFF2-40B4-BE49-F238E27FC236}">
+                <a16:creationId xmlns:a16="http://schemas.microsoft.com/office/drawing/2014/main" id="{D0C3E977-5B9D-CE12-A2B4-61E872D0B14E}"/>
+              </a:ext>
+            </a:extLst>
+          </p:cNvPr>
+          <p:cNvSpPr txBox="1"/>
+          <p:nvPr/>
+        </p:nvSpPr>
+        <p:spPr>
+          <a:xfrm>
+            <a:off x="1070961" y="1707869"/>
+            <a:ext cx="1044277" cy="461665"/>
+          </a:xfrm>
+          <a:prstGeom prst="rect">
+            <a:avLst/>
+          </a:prstGeom>
+          <a:noFill/>
+        </p:spPr>
+        <p:txBody>
+          <a:bodyPr wrap="square" rtlCol="0">
+            <a:spAutoFit/>
+          </a:bodyPr>
+          <a:lstStyle/>
+          <a:p>
+            <a:r>
+              <a:rPr lang="en-SG" sz="1200" dirty="0"/>
+              <a:t>Signal Trigger on sensor</a:t>
+            </a:r>
+          </a:p>
+        </p:txBody>
+      </p:sp>
+      <p:sp>
+        <p:nvSpPr>
+          <p:cNvPr id="7" name="TextBox 6">
+            <a:extLst>
+              <a:ext uri="{FF2B5EF4-FFF2-40B4-BE49-F238E27FC236}">
+                <a16:creationId xmlns:a16="http://schemas.microsoft.com/office/drawing/2014/main" id="{32DFEA97-1577-BF20-CB93-22DD764ACE6C}"/>
+              </a:ext>
+            </a:extLst>
+          </p:cNvPr>
+          <p:cNvSpPr txBox="1"/>
+          <p:nvPr/>
+        </p:nvSpPr>
+        <p:spPr>
+          <a:xfrm>
+            <a:off x="1070960" y="2967335"/>
+            <a:ext cx="1044277" cy="461665"/>
+          </a:xfrm>
+          <a:prstGeom prst="rect">
+            <a:avLst/>
+          </a:prstGeom>
+          <a:noFill/>
+        </p:spPr>
+        <p:txBody>
+          <a:bodyPr wrap="square" rtlCol="0">
+            <a:spAutoFit/>
+          </a:bodyPr>
+          <a:lstStyle/>
+          <a:p>
+            <a:r>
+              <a:rPr lang="en-SG" sz="1200" dirty="0"/>
+              <a:t>Signal Trigger off sensor</a:t>
+            </a:r>
+          </a:p>
+        </p:txBody>
+      </p:sp>
+      <p:sp>
+        <p:nvSpPr>
+          <p:cNvPr id="8" name="TextBox 7">
+            <a:extLst>
+              <a:ext uri="{FF2B5EF4-FFF2-40B4-BE49-F238E27FC236}">
+                <a16:creationId xmlns:a16="http://schemas.microsoft.com/office/drawing/2014/main" id="{4E497FAA-BF2C-463B-6D69-4AD90A0989F9}"/>
+              </a:ext>
+            </a:extLst>
+          </p:cNvPr>
+          <p:cNvSpPr txBox="1"/>
+          <p:nvPr/>
+        </p:nvSpPr>
+        <p:spPr>
+          <a:xfrm>
+            <a:off x="8836016" y="1762686"/>
+            <a:ext cx="1044277" cy="461665"/>
+          </a:xfrm>
+          <a:prstGeom prst="rect">
+            <a:avLst/>
+          </a:prstGeom>
+          <a:noFill/>
+        </p:spPr>
+        <p:txBody>
+          <a:bodyPr wrap="square" rtlCol="0">
+            <a:spAutoFit/>
+          </a:bodyPr>
+          <a:lstStyle/>
+          <a:p>
+            <a:r>
+              <a:rPr lang="en-SG" sz="1200" dirty="0"/>
+              <a:t>Railway control signal</a:t>
+            </a:r>
+          </a:p>
+        </p:txBody>
+      </p:sp>
+      <p:sp>
+        <p:nvSpPr>
+          <p:cNvPr id="9" name="TextBox 8">
+            <a:extLst>
+              <a:ext uri="{FF2B5EF4-FFF2-40B4-BE49-F238E27FC236}">
+                <a16:creationId xmlns:a16="http://schemas.microsoft.com/office/drawing/2014/main" id="{9CE0E749-3747-25AE-9562-2C94CF0C8BE0}"/>
+              </a:ext>
+            </a:extLst>
+          </p:cNvPr>
+          <p:cNvSpPr txBox="1"/>
+          <p:nvPr/>
+        </p:nvSpPr>
+        <p:spPr>
+          <a:xfrm>
+            <a:off x="2370840" y="915041"/>
+            <a:ext cx="5197748" cy="707886"/>
+          </a:xfrm>
+          <a:prstGeom prst="rect">
+            <a:avLst/>
+          </a:prstGeom>
+          <a:noFill/>
+        </p:spPr>
+        <p:txBody>
+          <a:bodyPr wrap="square" rtlCol="0">
+            <a:spAutoFit/>
+          </a:bodyPr>
+          <a:lstStyle/>
+          <a:p>
+            <a:r>
+              <a:rPr lang="en-SG" sz="2000" b="1" dirty="0"/>
+              <a:t>Use PLC to create a T Flip – Flop latching relay with signal trigger on has high priority  </a:t>
+            </a:r>
+          </a:p>
+        </p:txBody>
+      </p:sp>
+    </p:spTree>
+    <p:extLst>
+      <p:ext uri="{BB962C8B-B14F-4D97-AF65-F5344CB8AC3E}">
+        <p14:creationId xmlns:p14="http://schemas.microsoft.com/office/powerpoint/2010/main" val="880892208"/>
+      </p:ext>
+    </p:extLst>
+  </p:cSld>
+  <p:clrMapOvr>
+    <a:masterClrMapping/>
+  </p:clrMapOvr>
+</p:sld>
+</file>
+
 <file path=ppt/theme/theme1.xml><?xml version="1.0" encoding="utf-8"?>
 <a:theme xmlns:a="http://schemas.openxmlformats.org/drawingml/2006/main" name="Office Theme">
   <a:themeElements>

--- a/doc/designDoc.pptx
+++ b/doc/designDoc.pptx
@@ -4,10 +4,17 @@
   <p:sldMasterIdLst>
     <p:sldMasterId id="2147483648" r:id="rId1"/>
   </p:sldMasterIdLst>
+  <p:notesMasterIdLst>
+    <p:notesMasterId r:id="rId9"/>
+  </p:notesMasterIdLst>
   <p:sldIdLst>
     <p:sldId id="256" r:id="rId2"/>
     <p:sldId id="257" r:id="rId3"/>
     <p:sldId id="258" r:id="rId4"/>
+    <p:sldId id="259" r:id="rId5"/>
+    <p:sldId id="260" r:id="rId6"/>
+    <p:sldId id="261" r:id="rId7"/>
+    <p:sldId id="262" r:id="rId8"/>
   </p:sldIdLst>
   <p:sldSz cx="12192000" cy="6858000"/>
   <p:notesSz cx="6858000" cy="9144000"/>
@@ -114,6 +121,524 @@
 </p:presentation>
 </file>
 
+<file path=ppt/notesMasters/notesMaster1.xml><?xml version="1.0" encoding="utf-8"?>
+<p:notesMaster xmlns:a="http://schemas.openxmlformats.org/drawingml/2006/main" xmlns:r="http://schemas.openxmlformats.org/officeDocument/2006/relationships" xmlns:p="http://schemas.openxmlformats.org/presentationml/2006/main">
+  <p:cSld>
+    <p:bg>
+      <p:bgRef idx="1001">
+        <a:schemeClr val="bg1"/>
+      </p:bgRef>
+    </p:bg>
+    <p:spTree>
+      <p:nvGrpSpPr>
+        <p:cNvPr id="1" name=""/>
+        <p:cNvGrpSpPr/>
+        <p:nvPr/>
+      </p:nvGrpSpPr>
+      <p:grpSpPr>
+        <a:xfrm>
+          <a:off x="0" y="0"/>
+          <a:ext cx="0" cy="0"/>
+          <a:chOff x="0" y="0"/>
+          <a:chExt cx="0" cy="0"/>
+        </a:xfrm>
+      </p:grpSpPr>
+      <p:sp>
+        <p:nvSpPr>
+          <p:cNvPr id="2" name="Header Placeholder 1"/>
+          <p:cNvSpPr>
+            <a:spLocks noGrp="1"/>
+          </p:cNvSpPr>
+          <p:nvPr>
+            <p:ph type="hdr" sz="quarter"/>
+          </p:nvPr>
+        </p:nvSpPr>
+        <p:spPr>
+          <a:xfrm>
+            <a:off x="0" y="0"/>
+            <a:ext cx="2971800" cy="458788"/>
+          </a:xfrm>
+          <a:prstGeom prst="rect">
+            <a:avLst/>
+          </a:prstGeom>
+        </p:spPr>
+        <p:txBody>
+          <a:bodyPr vert="horz" lIns="91440" tIns="45720" rIns="91440" bIns="45720" rtlCol="0"/>
+          <a:lstStyle>
+            <a:lvl1pPr algn="l">
+              <a:defRPr sz="1200"/>
+            </a:lvl1pPr>
+          </a:lstStyle>
+          <a:p>
+            <a:endParaRPr lang="en-SG"/>
+          </a:p>
+        </p:txBody>
+      </p:sp>
+      <p:sp>
+        <p:nvSpPr>
+          <p:cNvPr id="3" name="Date Placeholder 2"/>
+          <p:cNvSpPr>
+            <a:spLocks noGrp="1"/>
+          </p:cNvSpPr>
+          <p:nvPr>
+            <p:ph type="dt" idx="1"/>
+          </p:nvPr>
+        </p:nvSpPr>
+        <p:spPr>
+          <a:xfrm>
+            <a:off x="3884613" y="0"/>
+            <a:ext cx="2971800" cy="458788"/>
+          </a:xfrm>
+          <a:prstGeom prst="rect">
+            <a:avLst/>
+          </a:prstGeom>
+        </p:spPr>
+        <p:txBody>
+          <a:bodyPr vert="horz" lIns="91440" tIns="45720" rIns="91440" bIns="45720" rtlCol="0"/>
+          <a:lstStyle>
+            <a:lvl1pPr algn="r">
+              <a:defRPr sz="1200"/>
+            </a:lvl1pPr>
+          </a:lstStyle>
+          <a:p>
+            <a:fld id="{C0790970-3005-464C-B0F1-2C170134C482}" type="datetimeFigureOut">
+              <a:rPr lang="en-SG" smtClean="0"/>
+              <a:t>23/6/2023</a:t>
+            </a:fld>
+            <a:endParaRPr lang="en-SG"/>
+          </a:p>
+        </p:txBody>
+      </p:sp>
+      <p:sp>
+        <p:nvSpPr>
+          <p:cNvPr id="4" name="Slide Image Placeholder 3"/>
+          <p:cNvSpPr>
+            <a:spLocks noGrp="1" noRot="1" noChangeAspect="1"/>
+          </p:cNvSpPr>
+          <p:nvPr>
+            <p:ph type="sldImg" idx="2"/>
+          </p:nvPr>
+        </p:nvSpPr>
+        <p:spPr>
+          <a:xfrm>
+            <a:off x="685800" y="1143000"/>
+            <a:ext cx="5486400" cy="3086100"/>
+          </a:xfrm>
+          <a:prstGeom prst="rect">
+            <a:avLst/>
+          </a:prstGeom>
+          <a:noFill/>
+          <a:ln w="12700">
+            <a:solidFill>
+              <a:prstClr val="black"/>
+            </a:solidFill>
+          </a:ln>
+        </p:spPr>
+        <p:txBody>
+          <a:bodyPr vert="horz" lIns="91440" tIns="45720" rIns="91440" bIns="45720" rtlCol="0" anchor="ctr"/>
+          <a:lstStyle/>
+          <a:p>
+            <a:endParaRPr lang="en-SG"/>
+          </a:p>
+        </p:txBody>
+      </p:sp>
+      <p:sp>
+        <p:nvSpPr>
+          <p:cNvPr id="5" name="Notes Placeholder 4"/>
+          <p:cNvSpPr>
+            <a:spLocks noGrp="1"/>
+          </p:cNvSpPr>
+          <p:nvPr>
+            <p:ph type="body" sz="quarter" idx="3"/>
+          </p:nvPr>
+        </p:nvSpPr>
+        <p:spPr>
+          <a:xfrm>
+            <a:off x="685800" y="4400550"/>
+            <a:ext cx="5486400" cy="3600450"/>
+          </a:xfrm>
+          <a:prstGeom prst="rect">
+            <a:avLst/>
+          </a:prstGeom>
+        </p:spPr>
+        <p:txBody>
+          <a:bodyPr vert="horz" lIns="91440" tIns="45720" rIns="91440" bIns="45720" rtlCol="0"/>
+          <a:lstStyle/>
+          <a:p>
+            <a:pPr lvl="0"/>
+            <a:r>
+              <a:rPr lang="en-US"/>
+              <a:t>Click to edit Master text styles</a:t>
+            </a:r>
+          </a:p>
+          <a:p>
+            <a:pPr lvl="1"/>
+            <a:r>
+              <a:rPr lang="en-US"/>
+              <a:t>Second level</a:t>
+            </a:r>
+          </a:p>
+          <a:p>
+            <a:pPr lvl="2"/>
+            <a:r>
+              <a:rPr lang="en-US"/>
+              <a:t>Third level</a:t>
+            </a:r>
+          </a:p>
+          <a:p>
+            <a:pPr lvl="3"/>
+            <a:r>
+              <a:rPr lang="en-US"/>
+              <a:t>Fourth level</a:t>
+            </a:r>
+          </a:p>
+          <a:p>
+            <a:pPr lvl="4"/>
+            <a:r>
+              <a:rPr lang="en-US"/>
+              <a:t>Fifth level</a:t>
+            </a:r>
+            <a:endParaRPr lang="en-SG"/>
+          </a:p>
+        </p:txBody>
+      </p:sp>
+      <p:sp>
+        <p:nvSpPr>
+          <p:cNvPr id="6" name="Footer Placeholder 5"/>
+          <p:cNvSpPr>
+            <a:spLocks noGrp="1"/>
+          </p:cNvSpPr>
+          <p:nvPr>
+            <p:ph type="ftr" sz="quarter" idx="4"/>
+          </p:nvPr>
+        </p:nvSpPr>
+        <p:spPr>
+          <a:xfrm>
+            <a:off x="0" y="8685213"/>
+            <a:ext cx="2971800" cy="458787"/>
+          </a:xfrm>
+          <a:prstGeom prst="rect">
+            <a:avLst/>
+          </a:prstGeom>
+        </p:spPr>
+        <p:txBody>
+          <a:bodyPr vert="horz" lIns="91440" tIns="45720" rIns="91440" bIns="45720" rtlCol="0" anchor="b"/>
+          <a:lstStyle>
+            <a:lvl1pPr algn="l">
+              <a:defRPr sz="1200"/>
+            </a:lvl1pPr>
+          </a:lstStyle>
+          <a:p>
+            <a:endParaRPr lang="en-SG"/>
+          </a:p>
+        </p:txBody>
+      </p:sp>
+      <p:sp>
+        <p:nvSpPr>
+          <p:cNvPr id="7" name="Slide Number Placeholder 6"/>
+          <p:cNvSpPr>
+            <a:spLocks noGrp="1"/>
+          </p:cNvSpPr>
+          <p:nvPr>
+            <p:ph type="sldNum" sz="quarter" idx="5"/>
+          </p:nvPr>
+        </p:nvSpPr>
+        <p:spPr>
+          <a:xfrm>
+            <a:off x="3884613" y="8685213"/>
+            <a:ext cx="2971800" cy="458787"/>
+          </a:xfrm>
+          <a:prstGeom prst="rect">
+            <a:avLst/>
+          </a:prstGeom>
+        </p:spPr>
+        <p:txBody>
+          <a:bodyPr vert="horz" lIns="91440" tIns="45720" rIns="91440" bIns="45720" rtlCol="0" anchor="b"/>
+          <a:lstStyle>
+            <a:lvl1pPr algn="r">
+              <a:defRPr sz="1200"/>
+            </a:lvl1pPr>
+          </a:lstStyle>
+          <a:p>
+            <a:fld id="{339835C3-D1D1-4287-8520-E4130C4A71CB}" type="slidenum">
+              <a:rPr lang="en-SG" smtClean="0"/>
+              <a:t>‹#›</a:t>
+            </a:fld>
+            <a:endParaRPr lang="en-SG"/>
+          </a:p>
+        </p:txBody>
+      </p:sp>
+    </p:spTree>
+    <p:extLst>
+      <p:ext uri="{BB962C8B-B14F-4D97-AF65-F5344CB8AC3E}">
+        <p14:creationId xmlns:p14="http://schemas.microsoft.com/office/powerpoint/2010/main" val="3534459695"/>
+      </p:ext>
+    </p:extLst>
+  </p:cSld>
+  <p:clrMap bg1="lt1" tx1="dk1" bg2="lt2" tx2="dk2" accent1="accent1" accent2="accent2" accent3="accent3" accent4="accent4" accent5="accent5" accent6="accent6" hlink="hlink" folHlink="folHlink"/>
+  <p:notesStyle>
+    <a:lvl1pPr marL="0" algn="l" defTabSz="914400" rtl="0" eaLnBrk="1" latinLnBrk="0" hangingPunct="1">
+      <a:defRPr sz="1200" kern="1200">
+        <a:solidFill>
+          <a:schemeClr val="tx1"/>
+        </a:solidFill>
+        <a:latin typeface="+mn-lt"/>
+        <a:ea typeface="+mn-ea"/>
+        <a:cs typeface="+mn-cs"/>
+      </a:defRPr>
+    </a:lvl1pPr>
+    <a:lvl2pPr marL="457200" algn="l" defTabSz="914400" rtl="0" eaLnBrk="1" latinLnBrk="0" hangingPunct="1">
+      <a:defRPr sz="1200" kern="1200">
+        <a:solidFill>
+          <a:schemeClr val="tx1"/>
+        </a:solidFill>
+        <a:latin typeface="+mn-lt"/>
+        <a:ea typeface="+mn-ea"/>
+        <a:cs typeface="+mn-cs"/>
+      </a:defRPr>
+    </a:lvl2pPr>
+    <a:lvl3pPr marL="914400" algn="l" defTabSz="914400" rtl="0" eaLnBrk="1" latinLnBrk="0" hangingPunct="1">
+      <a:defRPr sz="1200" kern="1200">
+        <a:solidFill>
+          <a:schemeClr val="tx1"/>
+        </a:solidFill>
+        <a:latin typeface="+mn-lt"/>
+        <a:ea typeface="+mn-ea"/>
+        <a:cs typeface="+mn-cs"/>
+      </a:defRPr>
+    </a:lvl3pPr>
+    <a:lvl4pPr marL="1371600" algn="l" defTabSz="914400" rtl="0" eaLnBrk="1" latinLnBrk="0" hangingPunct="1">
+      <a:defRPr sz="1200" kern="1200">
+        <a:solidFill>
+          <a:schemeClr val="tx1"/>
+        </a:solidFill>
+        <a:latin typeface="+mn-lt"/>
+        <a:ea typeface="+mn-ea"/>
+        <a:cs typeface="+mn-cs"/>
+      </a:defRPr>
+    </a:lvl4pPr>
+    <a:lvl5pPr marL="1828800" algn="l" defTabSz="914400" rtl="0" eaLnBrk="1" latinLnBrk="0" hangingPunct="1">
+      <a:defRPr sz="1200" kern="1200">
+        <a:solidFill>
+          <a:schemeClr val="tx1"/>
+        </a:solidFill>
+        <a:latin typeface="+mn-lt"/>
+        <a:ea typeface="+mn-ea"/>
+        <a:cs typeface="+mn-cs"/>
+      </a:defRPr>
+    </a:lvl5pPr>
+    <a:lvl6pPr marL="2286000" algn="l" defTabSz="914400" rtl="0" eaLnBrk="1" latinLnBrk="0" hangingPunct="1">
+      <a:defRPr sz="1200" kern="1200">
+        <a:solidFill>
+          <a:schemeClr val="tx1"/>
+        </a:solidFill>
+        <a:latin typeface="+mn-lt"/>
+        <a:ea typeface="+mn-ea"/>
+        <a:cs typeface="+mn-cs"/>
+      </a:defRPr>
+    </a:lvl6pPr>
+    <a:lvl7pPr marL="2743200" algn="l" defTabSz="914400" rtl="0" eaLnBrk="1" latinLnBrk="0" hangingPunct="1">
+      <a:defRPr sz="1200" kern="1200">
+        <a:solidFill>
+          <a:schemeClr val="tx1"/>
+        </a:solidFill>
+        <a:latin typeface="+mn-lt"/>
+        <a:ea typeface="+mn-ea"/>
+        <a:cs typeface="+mn-cs"/>
+      </a:defRPr>
+    </a:lvl7pPr>
+    <a:lvl8pPr marL="3200400" algn="l" defTabSz="914400" rtl="0" eaLnBrk="1" latinLnBrk="0" hangingPunct="1">
+      <a:defRPr sz="1200" kern="1200">
+        <a:solidFill>
+          <a:schemeClr val="tx1"/>
+        </a:solidFill>
+        <a:latin typeface="+mn-lt"/>
+        <a:ea typeface="+mn-ea"/>
+        <a:cs typeface="+mn-cs"/>
+      </a:defRPr>
+    </a:lvl8pPr>
+    <a:lvl9pPr marL="3657600" algn="l" defTabSz="914400" rtl="0" eaLnBrk="1" latinLnBrk="0" hangingPunct="1">
+      <a:defRPr sz="1200" kern="1200">
+        <a:solidFill>
+          <a:schemeClr val="tx1"/>
+        </a:solidFill>
+        <a:latin typeface="+mn-lt"/>
+        <a:ea typeface="+mn-ea"/>
+        <a:cs typeface="+mn-cs"/>
+      </a:defRPr>
+    </a:lvl9pPr>
+  </p:notesStyle>
+</p:notesMaster>
+</file>
+
+<file path=ppt/notesSlides/notesSlide1.xml><?xml version="1.0" encoding="utf-8"?>
+<p:notes xmlns:a="http://schemas.openxmlformats.org/drawingml/2006/main" xmlns:r="http://schemas.openxmlformats.org/officeDocument/2006/relationships" xmlns:p="http://schemas.openxmlformats.org/presentationml/2006/main">
+  <p:cSld>
+    <p:spTree>
+      <p:nvGrpSpPr>
+        <p:cNvPr id="1" name=""/>
+        <p:cNvGrpSpPr/>
+        <p:nvPr/>
+      </p:nvGrpSpPr>
+      <p:grpSpPr>
+        <a:xfrm>
+          <a:off x="0" y="0"/>
+          <a:ext cx="0" cy="0"/>
+          <a:chOff x="0" y="0"/>
+          <a:chExt cx="0" cy="0"/>
+        </a:xfrm>
+      </p:grpSpPr>
+      <p:sp>
+        <p:nvSpPr>
+          <p:cNvPr id="2" name="Slide Image Placeholder 1"/>
+          <p:cNvSpPr>
+            <a:spLocks noGrp="1" noRot="1" noChangeAspect="1"/>
+          </p:cNvSpPr>
+          <p:nvPr>
+            <p:ph type="sldImg"/>
+          </p:nvPr>
+        </p:nvSpPr>
+        <p:spPr/>
+      </p:sp>
+      <p:sp>
+        <p:nvSpPr>
+          <p:cNvPr id="3" name="Notes Placeholder 2"/>
+          <p:cNvSpPr>
+            <a:spLocks noGrp="1"/>
+          </p:cNvSpPr>
+          <p:nvPr>
+            <p:ph type="body" idx="1"/>
+          </p:nvPr>
+        </p:nvSpPr>
+        <p:spPr/>
+        <p:txBody>
+          <a:bodyPr/>
+          <a:lstStyle/>
+          <a:p>
+            <a:endParaRPr lang="en-SG" dirty="0"/>
+          </a:p>
+        </p:txBody>
+      </p:sp>
+      <p:sp>
+        <p:nvSpPr>
+          <p:cNvPr id="4" name="Slide Number Placeholder 3"/>
+          <p:cNvSpPr>
+            <a:spLocks noGrp="1"/>
+          </p:cNvSpPr>
+          <p:nvPr>
+            <p:ph type="sldNum" sz="quarter" idx="5"/>
+          </p:nvPr>
+        </p:nvSpPr>
+        <p:spPr/>
+        <p:txBody>
+          <a:bodyPr/>
+          <a:lstStyle/>
+          <a:p>
+            <a:fld id="{339835C3-D1D1-4287-8520-E4130C4A71CB}" type="slidenum">
+              <a:rPr lang="en-SG" smtClean="0"/>
+              <a:t>4</a:t>
+            </a:fld>
+            <a:endParaRPr lang="en-SG"/>
+          </a:p>
+        </p:txBody>
+      </p:sp>
+    </p:spTree>
+    <p:extLst>
+      <p:ext uri="{BB962C8B-B14F-4D97-AF65-F5344CB8AC3E}">
+        <p14:creationId xmlns:p14="http://schemas.microsoft.com/office/powerpoint/2010/main" val="3912302574"/>
+      </p:ext>
+    </p:extLst>
+  </p:cSld>
+  <p:clrMapOvr>
+    <a:masterClrMapping/>
+  </p:clrMapOvr>
+</p:notes>
+</file>
+
+<file path=ppt/notesSlides/notesSlide2.xml><?xml version="1.0" encoding="utf-8"?>
+<p:notes xmlns:a="http://schemas.openxmlformats.org/drawingml/2006/main" xmlns:r="http://schemas.openxmlformats.org/officeDocument/2006/relationships" xmlns:p="http://schemas.openxmlformats.org/presentationml/2006/main">
+  <p:cSld>
+    <p:spTree>
+      <p:nvGrpSpPr>
+        <p:cNvPr id="1" name=""/>
+        <p:cNvGrpSpPr/>
+        <p:nvPr/>
+      </p:nvGrpSpPr>
+      <p:grpSpPr>
+        <a:xfrm>
+          <a:off x="0" y="0"/>
+          <a:ext cx="0" cy="0"/>
+          <a:chOff x="0" y="0"/>
+          <a:chExt cx="0" cy="0"/>
+        </a:xfrm>
+      </p:grpSpPr>
+      <p:sp>
+        <p:nvSpPr>
+          <p:cNvPr id="2" name="Slide Image Placeholder 1"/>
+          <p:cNvSpPr>
+            <a:spLocks noGrp="1" noRot="1" noChangeAspect="1"/>
+          </p:cNvSpPr>
+          <p:nvPr>
+            <p:ph type="sldImg"/>
+          </p:nvPr>
+        </p:nvSpPr>
+        <p:spPr/>
+      </p:sp>
+      <p:sp>
+        <p:nvSpPr>
+          <p:cNvPr id="3" name="Notes Placeholder 2"/>
+          <p:cNvSpPr>
+            <a:spLocks noGrp="1"/>
+          </p:cNvSpPr>
+          <p:nvPr>
+            <p:ph type="body" idx="1"/>
+          </p:nvPr>
+        </p:nvSpPr>
+        <p:spPr/>
+        <p:txBody>
+          <a:bodyPr/>
+          <a:lstStyle/>
+          <a:p>
+            <a:endParaRPr lang="en-SG" dirty="0"/>
+          </a:p>
+        </p:txBody>
+      </p:sp>
+      <p:sp>
+        <p:nvSpPr>
+          <p:cNvPr id="4" name="Slide Number Placeholder 3"/>
+          <p:cNvSpPr>
+            <a:spLocks noGrp="1"/>
+          </p:cNvSpPr>
+          <p:nvPr>
+            <p:ph type="sldNum" sz="quarter" idx="5"/>
+          </p:nvPr>
+        </p:nvSpPr>
+        <p:spPr/>
+        <p:txBody>
+          <a:bodyPr/>
+          <a:lstStyle/>
+          <a:p>
+            <a:fld id="{339835C3-D1D1-4287-8520-E4130C4A71CB}" type="slidenum">
+              <a:rPr lang="en-SG" smtClean="0"/>
+              <a:t>5</a:t>
+            </a:fld>
+            <a:endParaRPr lang="en-SG"/>
+          </a:p>
+        </p:txBody>
+      </p:sp>
+    </p:spTree>
+    <p:extLst>
+      <p:ext uri="{BB962C8B-B14F-4D97-AF65-F5344CB8AC3E}">
+        <p14:creationId xmlns:p14="http://schemas.microsoft.com/office/powerpoint/2010/main" val="3252817460"/>
+      </p:ext>
+    </p:extLst>
+  </p:cSld>
+  <p:clrMapOvr>
+    <a:masterClrMapping/>
+  </p:clrMapOvr>
+</p:notes>
+</file>
+
 <file path=ppt/slideLayouts/slideLayout1.xml><?xml version="1.0" encoding="utf-8"?>
 <p:sldLayout xmlns:a="http://schemas.openxmlformats.org/drawingml/2006/main" xmlns:r="http://schemas.openxmlformats.org/officeDocument/2006/relationships" xmlns:p="http://schemas.openxmlformats.org/presentationml/2006/main" type="title" preserve="1">
   <p:cSld name="Title Slide">
@@ -263,7 +788,7 @@
           <a:p>
             <a:fld id="{F949A3E6-ADCC-4214-836D-B18BFC6F3D6C}" type="datetimeFigureOut">
               <a:rPr lang="en-SG" smtClean="0"/>
-              <a:t>16/6/2023</a:t>
+              <a:t>23/6/2023</a:t>
             </a:fld>
             <a:endParaRPr lang="en-SG"/>
           </a:p>
@@ -463,7 +988,7 @@
           <a:p>
             <a:fld id="{F949A3E6-ADCC-4214-836D-B18BFC6F3D6C}" type="datetimeFigureOut">
               <a:rPr lang="en-SG" smtClean="0"/>
-              <a:t>16/6/2023</a:t>
+              <a:t>23/6/2023</a:t>
             </a:fld>
             <a:endParaRPr lang="en-SG"/>
           </a:p>
@@ -673,7 +1198,7 @@
           <a:p>
             <a:fld id="{F949A3E6-ADCC-4214-836D-B18BFC6F3D6C}" type="datetimeFigureOut">
               <a:rPr lang="en-SG" smtClean="0"/>
-              <a:t>16/6/2023</a:t>
+              <a:t>23/6/2023</a:t>
             </a:fld>
             <a:endParaRPr lang="en-SG"/>
           </a:p>
@@ -873,7 +1398,7 @@
           <a:p>
             <a:fld id="{F949A3E6-ADCC-4214-836D-B18BFC6F3D6C}" type="datetimeFigureOut">
               <a:rPr lang="en-SG" smtClean="0"/>
-              <a:t>16/6/2023</a:t>
+              <a:t>23/6/2023</a:t>
             </a:fld>
             <a:endParaRPr lang="en-SG"/>
           </a:p>
@@ -1149,7 +1674,7 @@
           <a:p>
             <a:fld id="{F949A3E6-ADCC-4214-836D-B18BFC6F3D6C}" type="datetimeFigureOut">
               <a:rPr lang="en-SG" smtClean="0"/>
-              <a:t>16/6/2023</a:t>
+              <a:t>23/6/2023</a:t>
             </a:fld>
             <a:endParaRPr lang="en-SG"/>
           </a:p>
@@ -1417,7 +1942,7 @@
           <a:p>
             <a:fld id="{F949A3E6-ADCC-4214-836D-B18BFC6F3D6C}" type="datetimeFigureOut">
               <a:rPr lang="en-SG" smtClean="0"/>
-              <a:t>16/6/2023</a:t>
+              <a:t>23/6/2023</a:t>
             </a:fld>
             <a:endParaRPr lang="en-SG"/>
           </a:p>
@@ -1832,7 +2357,7 @@
           <a:p>
             <a:fld id="{F949A3E6-ADCC-4214-836D-B18BFC6F3D6C}" type="datetimeFigureOut">
               <a:rPr lang="en-SG" smtClean="0"/>
-              <a:t>16/6/2023</a:t>
+              <a:t>23/6/2023</a:t>
             </a:fld>
             <a:endParaRPr lang="en-SG"/>
           </a:p>
@@ -1974,7 +2499,7 @@
           <a:p>
             <a:fld id="{F949A3E6-ADCC-4214-836D-B18BFC6F3D6C}" type="datetimeFigureOut">
               <a:rPr lang="en-SG" smtClean="0"/>
-              <a:t>16/6/2023</a:t>
+              <a:t>23/6/2023</a:t>
             </a:fld>
             <a:endParaRPr lang="en-SG"/>
           </a:p>
@@ -2087,7 +2612,7 @@
           <a:p>
             <a:fld id="{F949A3E6-ADCC-4214-836D-B18BFC6F3D6C}" type="datetimeFigureOut">
               <a:rPr lang="en-SG" smtClean="0"/>
-              <a:t>16/6/2023</a:t>
+              <a:t>23/6/2023</a:t>
             </a:fld>
             <a:endParaRPr lang="en-SG"/>
           </a:p>
@@ -2400,7 +2925,7 @@
           <a:p>
             <a:fld id="{F949A3E6-ADCC-4214-836D-B18BFC6F3D6C}" type="datetimeFigureOut">
               <a:rPr lang="en-SG" smtClean="0"/>
-              <a:t>16/6/2023</a:t>
+              <a:t>23/6/2023</a:t>
             </a:fld>
             <a:endParaRPr lang="en-SG"/>
           </a:p>
@@ -2689,7 +3214,7 @@
           <a:p>
             <a:fld id="{F949A3E6-ADCC-4214-836D-B18BFC6F3D6C}" type="datetimeFigureOut">
               <a:rPr lang="en-SG" smtClean="0"/>
-              <a:t>16/6/2023</a:t>
+              <a:t>23/6/2023</a:t>
             </a:fld>
             <a:endParaRPr lang="en-SG"/>
           </a:p>
@@ -2932,7 +3457,7 @@
           <a:p>
             <a:fld id="{F949A3E6-ADCC-4214-836D-B18BFC6F3D6C}" type="datetimeFigureOut">
               <a:rPr lang="en-SG" smtClean="0"/>
-              <a:t>16/6/2023</a:t>
+              <a:t>23/6/2023</a:t>
             </a:fld>
             <a:endParaRPr lang="en-SG"/>
           </a:p>
@@ -5040,6 +5565,8773 @@
 </p:sld>
 </file>
 
+<file path=ppt/slides/slide4.xml><?xml version="1.0" encoding="utf-8"?>
+<p:sld xmlns:a="http://schemas.openxmlformats.org/drawingml/2006/main" xmlns:r="http://schemas.openxmlformats.org/officeDocument/2006/relationships" xmlns:p="http://schemas.openxmlformats.org/presentationml/2006/main">
+  <p:cSld>
+    <p:spTree>
+      <p:nvGrpSpPr>
+        <p:cNvPr id="1" name=""/>
+        <p:cNvGrpSpPr/>
+        <p:nvPr/>
+      </p:nvGrpSpPr>
+      <p:grpSpPr>
+        <a:xfrm>
+          <a:off x="0" y="0"/>
+          <a:ext cx="0" cy="0"/>
+          <a:chOff x="0" y="0"/>
+          <a:chExt cx="0" cy="0"/>
+        </a:xfrm>
+      </p:grpSpPr>
+      <p:sp>
+        <p:nvSpPr>
+          <p:cNvPr id="56" name="Rectangle 55">
+            <a:extLst>
+              <a:ext uri="{FF2B5EF4-FFF2-40B4-BE49-F238E27FC236}">
+                <a16:creationId xmlns:a16="http://schemas.microsoft.com/office/drawing/2014/main" id="{A95D418D-9C04-F9B3-F08F-276989A7C36C}"/>
+              </a:ext>
+            </a:extLst>
+          </p:cNvPr>
+          <p:cNvSpPr/>
+          <p:nvPr/>
+        </p:nvSpPr>
+        <p:spPr>
+          <a:xfrm>
+            <a:off x="182348" y="4610450"/>
+            <a:ext cx="1585965" cy="1468299"/>
+          </a:xfrm>
+          <a:prstGeom prst="rect">
+            <a:avLst/>
+          </a:prstGeom>
+          <a:ln w="9525">
+            <a:prstDash val="sysDash"/>
+          </a:ln>
+        </p:spPr>
+        <p:style>
+          <a:lnRef idx="2">
+            <a:schemeClr val="accent1"/>
+          </a:lnRef>
+          <a:fillRef idx="1">
+            <a:schemeClr val="lt1"/>
+          </a:fillRef>
+          <a:effectRef idx="0">
+            <a:schemeClr val="accent1"/>
+          </a:effectRef>
+          <a:fontRef idx="minor">
+            <a:schemeClr val="dk1"/>
+          </a:fontRef>
+        </p:style>
+        <p:txBody>
+          <a:bodyPr rtlCol="0" anchor="ctr"/>
+          <a:lstStyle/>
+          <a:p>
+            <a:endParaRPr lang="en-SG" sz="1400" b="1" dirty="0"/>
+          </a:p>
+        </p:txBody>
+      </p:sp>
+      <p:sp>
+        <p:nvSpPr>
+          <p:cNvPr id="25" name="Rectangle 24">
+            <a:extLst>
+              <a:ext uri="{FF2B5EF4-FFF2-40B4-BE49-F238E27FC236}">
+                <a16:creationId xmlns:a16="http://schemas.microsoft.com/office/drawing/2014/main" id="{BC3E4ACA-922C-D092-7679-B59948210069}"/>
+              </a:ext>
+            </a:extLst>
+          </p:cNvPr>
+          <p:cNvSpPr/>
+          <p:nvPr/>
+        </p:nvSpPr>
+        <p:spPr>
+          <a:xfrm>
+            <a:off x="5450118" y="4444155"/>
+            <a:ext cx="2997600" cy="1605012"/>
+          </a:xfrm>
+          <a:prstGeom prst="rect">
+            <a:avLst/>
+          </a:prstGeom>
+          <a:ln w="9525">
+            <a:prstDash val="sysDash"/>
+          </a:ln>
+        </p:spPr>
+        <p:style>
+          <a:lnRef idx="2">
+            <a:schemeClr val="accent1"/>
+          </a:lnRef>
+          <a:fillRef idx="1">
+            <a:schemeClr val="lt1"/>
+          </a:fillRef>
+          <a:effectRef idx="0">
+            <a:schemeClr val="accent1"/>
+          </a:effectRef>
+          <a:fontRef idx="minor">
+            <a:schemeClr val="dk1"/>
+          </a:fontRef>
+        </p:style>
+        <p:txBody>
+          <a:bodyPr rtlCol="0" anchor="ctr"/>
+          <a:lstStyle/>
+          <a:p>
+            <a:endParaRPr lang="en-SG" sz="1400" b="1" dirty="0"/>
+          </a:p>
+        </p:txBody>
+      </p:sp>
+      <p:pic>
+        <p:nvPicPr>
+          <p:cNvPr id="5" name="Picture 4" descr="A picture containing text, screenshot, display, diagram&#10;&#10;Description automatically generated">
+            <a:extLst>
+              <a:ext uri="{FF2B5EF4-FFF2-40B4-BE49-F238E27FC236}">
+                <a16:creationId xmlns:a16="http://schemas.microsoft.com/office/drawing/2014/main" id="{3222D6FD-9EB3-6B14-46AE-7A2BCE74AA32}"/>
+              </a:ext>
+            </a:extLst>
+          </p:cNvPr>
+          <p:cNvPicPr>
+            <a:picLocks noChangeAspect="1"/>
+          </p:cNvPicPr>
+          <p:nvPr/>
+        </p:nvPicPr>
+        <p:blipFill>
+          <a:blip r:embed="rId3">
+            <a:extLst>
+              <a:ext uri="{28A0092B-C50C-407E-A947-70E740481C1C}">
+                <a14:useLocalDpi xmlns:a14="http://schemas.microsoft.com/office/drawing/2010/main" val="0"/>
+              </a:ext>
+            </a:extLst>
+          </a:blip>
+          <a:stretch>
+            <a:fillRect/>
+          </a:stretch>
+        </p:blipFill>
+        <p:spPr>
+          <a:xfrm>
+            <a:off x="326904" y="619859"/>
+            <a:ext cx="5360064" cy="2980148"/>
+          </a:xfrm>
+          <a:prstGeom prst="rect">
+            <a:avLst/>
+          </a:prstGeom>
+          <a:ln w="9525">
+            <a:solidFill>
+              <a:schemeClr val="tx1"/>
+            </a:solidFill>
+          </a:ln>
+        </p:spPr>
+      </p:pic>
+      <p:sp>
+        <p:nvSpPr>
+          <p:cNvPr id="6" name="TextBox 5">
+            <a:extLst>
+              <a:ext uri="{FF2B5EF4-FFF2-40B4-BE49-F238E27FC236}">
+                <a16:creationId xmlns:a16="http://schemas.microsoft.com/office/drawing/2014/main" id="{86C04B90-74D8-2B78-D9D4-A876B56AA7F5}"/>
+              </a:ext>
+            </a:extLst>
+          </p:cNvPr>
+          <p:cNvSpPr txBox="1"/>
+          <p:nvPr/>
+        </p:nvSpPr>
+        <p:spPr>
+          <a:xfrm>
+            <a:off x="221237" y="262259"/>
+            <a:ext cx="2301170" cy="307777"/>
+          </a:xfrm>
+          <a:prstGeom prst="rect">
+            <a:avLst/>
+          </a:prstGeom>
+          <a:noFill/>
+        </p:spPr>
+        <p:txBody>
+          <a:bodyPr wrap="square" rtlCol="0">
+            <a:spAutoFit/>
+          </a:bodyPr>
+          <a:lstStyle/>
+          <a:p>
+            <a:r>
+              <a:rPr lang="en-US" sz="1400" b="1" dirty="0"/>
+              <a:t>Railway real-world Emulator </a:t>
+            </a:r>
+            <a:endParaRPr lang="en-SG" sz="1400" b="1" dirty="0"/>
+          </a:p>
+        </p:txBody>
+      </p:sp>
+      <p:sp>
+        <p:nvSpPr>
+          <p:cNvPr id="7" name="Rectangle 6">
+            <a:extLst>
+              <a:ext uri="{FF2B5EF4-FFF2-40B4-BE49-F238E27FC236}">
+                <a16:creationId xmlns:a16="http://schemas.microsoft.com/office/drawing/2014/main" id="{E7EBC256-F537-46BD-C65E-13B97085B36B}"/>
+              </a:ext>
+            </a:extLst>
+          </p:cNvPr>
+          <p:cNvSpPr/>
+          <p:nvPr/>
+        </p:nvSpPr>
+        <p:spPr>
+          <a:xfrm>
+            <a:off x="1768313" y="3600164"/>
+            <a:ext cx="2172751" cy="396218"/>
+          </a:xfrm>
+          <a:prstGeom prst="rect">
+            <a:avLst/>
+          </a:prstGeom>
+        </p:spPr>
+        <p:style>
+          <a:lnRef idx="2">
+            <a:schemeClr val="accent1">
+              <a:shade val="50000"/>
+            </a:schemeClr>
+          </a:lnRef>
+          <a:fillRef idx="1">
+            <a:schemeClr val="accent1"/>
+          </a:fillRef>
+          <a:effectRef idx="0">
+            <a:schemeClr val="accent1"/>
+          </a:effectRef>
+          <a:fontRef idx="minor">
+            <a:schemeClr val="lt1"/>
+          </a:fontRef>
+        </p:style>
+        <p:txBody>
+          <a:bodyPr rtlCol="0" anchor="ctr"/>
+          <a:lstStyle/>
+          <a:p>
+            <a:r>
+              <a:rPr lang="en-US" sz="1100" b="1" dirty="0"/>
+              <a:t>Electrical signal communication simulation module (10.0.10.100) </a:t>
+            </a:r>
+            <a:endParaRPr lang="en-SG" sz="1100" b="1" dirty="0"/>
+          </a:p>
+        </p:txBody>
+      </p:sp>
+      <p:pic>
+        <p:nvPicPr>
+          <p:cNvPr id="9" name="Picture 8">
+            <a:extLst>
+              <a:ext uri="{FF2B5EF4-FFF2-40B4-BE49-F238E27FC236}">
+                <a16:creationId xmlns:a16="http://schemas.microsoft.com/office/drawing/2014/main" id="{E6C3AF05-EC55-C559-AE10-AF11C686F41A}"/>
+              </a:ext>
+            </a:extLst>
+          </p:cNvPr>
+          <p:cNvPicPr>
+            <a:picLocks noChangeAspect="1"/>
+          </p:cNvPicPr>
+          <p:nvPr/>
+        </p:nvPicPr>
+        <p:blipFill>
+          <a:blip r:embed="rId4"/>
+          <a:stretch>
+            <a:fillRect/>
+          </a:stretch>
+        </p:blipFill>
+        <p:spPr>
+          <a:xfrm>
+            <a:off x="5594687" y="4521298"/>
+            <a:ext cx="2527544" cy="1198685"/>
+          </a:xfrm>
+          <a:prstGeom prst="rect">
+            <a:avLst/>
+          </a:prstGeom>
+        </p:spPr>
+      </p:pic>
+      <p:cxnSp>
+        <p:nvCxnSpPr>
+          <p:cNvPr id="11" name="Connector: Elbow 10">
+            <a:extLst>
+              <a:ext uri="{FF2B5EF4-FFF2-40B4-BE49-F238E27FC236}">
+                <a16:creationId xmlns:a16="http://schemas.microsoft.com/office/drawing/2014/main" id="{B84D473A-759E-EF08-97DC-5EF708D12764}"/>
+              </a:ext>
+            </a:extLst>
+          </p:cNvPr>
+          <p:cNvCxnSpPr>
+            <a:cxnSpLocks/>
+            <a:endCxn id="25" idx="0"/>
+          </p:cNvCxnSpPr>
+          <p:nvPr/>
+        </p:nvCxnSpPr>
+        <p:spPr>
+          <a:xfrm>
+            <a:off x="3941064" y="3742971"/>
+            <a:ext cx="3007854" cy="701184"/>
+          </a:xfrm>
+          <a:prstGeom prst="bentConnector2">
+            <a:avLst/>
+          </a:prstGeom>
+          <a:ln>
+            <a:tailEnd type="triangle"/>
+          </a:ln>
+        </p:spPr>
+        <p:style>
+          <a:lnRef idx="1">
+            <a:schemeClr val="accent1"/>
+          </a:lnRef>
+          <a:fillRef idx="0">
+            <a:schemeClr val="accent1"/>
+          </a:fillRef>
+          <a:effectRef idx="0">
+            <a:schemeClr val="accent1"/>
+          </a:effectRef>
+          <a:fontRef idx="minor">
+            <a:schemeClr val="tx1"/>
+          </a:fontRef>
+        </p:style>
+      </p:cxnSp>
+      <p:sp>
+        <p:nvSpPr>
+          <p:cNvPr id="12" name="TextBox 11">
+            <a:extLst>
+              <a:ext uri="{FF2B5EF4-FFF2-40B4-BE49-F238E27FC236}">
+                <a16:creationId xmlns:a16="http://schemas.microsoft.com/office/drawing/2014/main" id="{33C81037-1A13-9A67-D953-C2C061AC956A}"/>
+              </a:ext>
+            </a:extLst>
+          </p:cNvPr>
+          <p:cNvSpPr txBox="1"/>
+          <p:nvPr/>
+        </p:nvSpPr>
+        <p:spPr>
+          <a:xfrm>
+            <a:off x="7225657" y="4567621"/>
+            <a:ext cx="1191495" cy="430887"/>
+          </a:xfrm>
+          <a:prstGeom prst="rect">
+            <a:avLst/>
+          </a:prstGeom>
+          <a:noFill/>
+        </p:spPr>
+        <p:txBody>
+          <a:bodyPr wrap="square" rtlCol="0">
+            <a:spAutoFit/>
+          </a:bodyPr>
+          <a:lstStyle/>
+          <a:p>
+            <a:r>
+              <a:rPr lang="en-US" sz="1100" b="1" dirty="0"/>
+              <a:t>[Master, Slot-0]</a:t>
+            </a:r>
+          </a:p>
+          <a:p>
+            <a:r>
+              <a:rPr lang="en-US" sz="1100" b="1" dirty="0"/>
+              <a:t>I/O: 15/7</a:t>
+            </a:r>
+            <a:endParaRPr lang="en-SG" sz="1100" b="1" dirty="0"/>
+          </a:p>
+        </p:txBody>
+      </p:sp>
+      <p:sp>
+        <p:nvSpPr>
+          <p:cNvPr id="13" name="TextBox 12">
+            <a:extLst>
+              <a:ext uri="{FF2B5EF4-FFF2-40B4-BE49-F238E27FC236}">
+                <a16:creationId xmlns:a16="http://schemas.microsoft.com/office/drawing/2014/main" id="{CDB38768-5397-2CE9-86A9-DA39D0578791}"/>
+              </a:ext>
+            </a:extLst>
+          </p:cNvPr>
+          <p:cNvSpPr txBox="1"/>
+          <p:nvPr/>
+        </p:nvSpPr>
+        <p:spPr>
+          <a:xfrm>
+            <a:off x="5594687" y="5650326"/>
+            <a:ext cx="1508863" cy="430887"/>
+          </a:xfrm>
+          <a:prstGeom prst="rect">
+            <a:avLst/>
+          </a:prstGeom>
+          <a:noFill/>
+        </p:spPr>
+        <p:txBody>
+          <a:bodyPr wrap="square" rtlCol="0">
+            <a:spAutoFit/>
+          </a:bodyPr>
+          <a:lstStyle/>
+          <a:p>
+            <a:r>
+              <a:rPr lang="en-US" sz="1100" b="1" dirty="0"/>
+              <a:t>[Slave, Slot-1]</a:t>
+            </a:r>
+          </a:p>
+          <a:p>
+            <a:r>
+              <a:rPr lang="en-SG" sz="1100" b="1" dirty="0"/>
+              <a:t>I/O: 15/7</a:t>
+            </a:r>
+          </a:p>
+        </p:txBody>
+      </p:sp>
+      <p:sp>
+        <p:nvSpPr>
+          <p:cNvPr id="14" name="TextBox 13">
+            <a:extLst>
+              <a:ext uri="{FF2B5EF4-FFF2-40B4-BE49-F238E27FC236}">
+                <a16:creationId xmlns:a16="http://schemas.microsoft.com/office/drawing/2014/main" id="{BD367C28-8812-267F-9F70-75E4D6843F21}"/>
+              </a:ext>
+            </a:extLst>
+          </p:cNvPr>
+          <p:cNvSpPr txBox="1"/>
+          <p:nvPr/>
+        </p:nvSpPr>
+        <p:spPr>
+          <a:xfrm>
+            <a:off x="7122708" y="5650844"/>
+            <a:ext cx="1508863" cy="430887"/>
+          </a:xfrm>
+          <a:prstGeom prst="rect">
+            <a:avLst/>
+          </a:prstGeom>
+          <a:noFill/>
+        </p:spPr>
+        <p:txBody>
+          <a:bodyPr wrap="square" rtlCol="0">
+            <a:spAutoFit/>
+          </a:bodyPr>
+          <a:lstStyle/>
+          <a:p>
+            <a:r>
+              <a:rPr lang="en-US" sz="1100" b="1" dirty="0"/>
+              <a:t>[Slave, Slot-2]</a:t>
+            </a:r>
+          </a:p>
+          <a:p>
+            <a:r>
+              <a:rPr lang="en-US" sz="1100" b="1" dirty="0"/>
+              <a:t>I/O: 9/</a:t>
+            </a:r>
+            <a:r>
+              <a:rPr lang="en-SG" sz="1100" b="1" dirty="0"/>
+              <a:t>5</a:t>
+            </a:r>
+            <a:endParaRPr lang="en-US" sz="1100" b="1" dirty="0"/>
+          </a:p>
+        </p:txBody>
+      </p:sp>
+      <p:sp>
+        <p:nvSpPr>
+          <p:cNvPr id="15" name="TextBox 14">
+            <a:extLst>
+              <a:ext uri="{FF2B5EF4-FFF2-40B4-BE49-F238E27FC236}">
+                <a16:creationId xmlns:a16="http://schemas.microsoft.com/office/drawing/2014/main" id="{7F481AFD-9F7E-D4AC-FD0B-4EDAF6F66192}"/>
+              </a:ext>
+            </a:extLst>
+          </p:cNvPr>
+          <p:cNvSpPr txBox="1"/>
+          <p:nvPr/>
+        </p:nvSpPr>
+        <p:spPr>
+          <a:xfrm>
+            <a:off x="4360003" y="3535489"/>
+            <a:ext cx="1373285" cy="230832"/>
+          </a:xfrm>
+          <a:prstGeom prst="rect">
+            <a:avLst/>
+          </a:prstGeom>
+          <a:noFill/>
+        </p:spPr>
+        <p:txBody>
+          <a:bodyPr wrap="square" rtlCol="0">
+            <a:spAutoFit/>
+          </a:bodyPr>
+          <a:lstStyle/>
+          <a:p>
+            <a:r>
+              <a:rPr lang="en-US" sz="900" dirty="0"/>
+              <a:t>39 sensors input  </a:t>
+            </a:r>
+            <a:endParaRPr lang="en-SG" sz="900" dirty="0"/>
+          </a:p>
+        </p:txBody>
+      </p:sp>
+      <p:cxnSp>
+        <p:nvCxnSpPr>
+          <p:cNvPr id="17" name="Connector: Elbow 16">
+            <a:extLst>
+              <a:ext uri="{FF2B5EF4-FFF2-40B4-BE49-F238E27FC236}">
+                <a16:creationId xmlns:a16="http://schemas.microsoft.com/office/drawing/2014/main" id="{DBEBA7E1-9AB8-E424-70AD-02C95C492B7B}"/>
+              </a:ext>
+            </a:extLst>
+          </p:cNvPr>
+          <p:cNvCxnSpPr>
+            <a:cxnSpLocks/>
+          </p:cNvCxnSpPr>
+          <p:nvPr/>
+        </p:nvCxnSpPr>
+        <p:spPr>
+          <a:xfrm rot="10800000">
+            <a:off x="3941066" y="3896499"/>
+            <a:ext cx="2744941" cy="475703"/>
+          </a:xfrm>
+          <a:prstGeom prst="bentConnector3">
+            <a:avLst>
+              <a:gd name="adj1" fmla="val 698"/>
+            </a:avLst>
+          </a:prstGeom>
+          <a:ln>
+            <a:tailEnd type="triangle"/>
+          </a:ln>
+        </p:spPr>
+        <p:style>
+          <a:lnRef idx="1">
+            <a:schemeClr val="accent1"/>
+          </a:lnRef>
+          <a:fillRef idx="0">
+            <a:schemeClr val="accent1"/>
+          </a:fillRef>
+          <a:effectRef idx="0">
+            <a:schemeClr val="accent1"/>
+          </a:effectRef>
+          <a:fontRef idx="minor">
+            <a:schemeClr val="tx1"/>
+          </a:fontRef>
+        </p:style>
+      </p:cxnSp>
+      <p:sp>
+        <p:nvSpPr>
+          <p:cNvPr id="23" name="TextBox 22">
+            <a:extLst>
+              <a:ext uri="{FF2B5EF4-FFF2-40B4-BE49-F238E27FC236}">
+                <a16:creationId xmlns:a16="http://schemas.microsoft.com/office/drawing/2014/main" id="{4BC94C04-4F44-17EA-EA0A-CFECB590ABFA}"/>
+              </a:ext>
+            </a:extLst>
+          </p:cNvPr>
+          <p:cNvSpPr txBox="1"/>
+          <p:nvPr/>
+        </p:nvSpPr>
+        <p:spPr>
+          <a:xfrm>
+            <a:off x="4314501" y="3853112"/>
+            <a:ext cx="1191495" cy="230832"/>
+          </a:xfrm>
+          <a:prstGeom prst="rect">
+            <a:avLst/>
+          </a:prstGeom>
+          <a:noFill/>
+        </p:spPr>
+        <p:txBody>
+          <a:bodyPr wrap="square" rtlCol="0">
+            <a:spAutoFit/>
+          </a:bodyPr>
+          <a:lstStyle/>
+          <a:p>
+            <a:r>
+              <a:rPr lang="en-US" sz="900" dirty="0"/>
+              <a:t>19 signal coils output</a:t>
+            </a:r>
+            <a:endParaRPr lang="en-SG" sz="900" dirty="0"/>
+          </a:p>
+        </p:txBody>
+      </p:sp>
+      <p:sp>
+        <p:nvSpPr>
+          <p:cNvPr id="26" name="TextBox 25">
+            <a:extLst>
+              <a:ext uri="{FF2B5EF4-FFF2-40B4-BE49-F238E27FC236}">
+                <a16:creationId xmlns:a16="http://schemas.microsoft.com/office/drawing/2014/main" id="{7423112B-0D57-6254-45FA-40CAC8972027}"/>
+              </a:ext>
+            </a:extLst>
+          </p:cNvPr>
+          <p:cNvSpPr txBox="1"/>
+          <p:nvPr/>
+        </p:nvSpPr>
+        <p:spPr>
+          <a:xfrm>
+            <a:off x="6211958" y="4691553"/>
+            <a:ext cx="636759" cy="276999"/>
+          </a:xfrm>
+          <a:prstGeom prst="rect">
+            <a:avLst/>
+          </a:prstGeom>
+          <a:noFill/>
+        </p:spPr>
+        <p:txBody>
+          <a:bodyPr wrap="square" rtlCol="0">
+            <a:spAutoFit/>
+          </a:bodyPr>
+          <a:lstStyle/>
+          <a:p>
+            <a:r>
+              <a:rPr lang="en-US" sz="1200" b="1" dirty="0">
+                <a:solidFill>
+                  <a:srgbClr val="FF0000"/>
+                </a:solidFill>
+              </a:rPr>
+              <a:t>PLC-00</a:t>
+            </a:r>
+          </a:p>
+        </p:txBody>
+      </p:sp>
+      <p:sp>
+        <p:nvSpPr>
+          <p:cNvPr id="27" name="TextBox 26">
+            <a:extLst>
+              <a:ext uri="{FF2B5EF4-FFF2-40B4-BE49-F238E27FC236}">
+                <a16:creationId xmlns:a16="http://schemas.microsoft.com/office/drawing/2014/main" id="{0FE171B0-4160-3B02-D4DB-8C231FA6A409}"/>
+              </a:ext>
+            </a:extLst>
+          </p:cNvPr>
+          <p:cNvSpPr txBox="1"/>
+          <p:nvPr/>
+        </p:nvSpPr>
+        <p:spPr>
+          <a:xfrm>
+            <a:off x="5386138" y="5320688"/>
+            <a:ext cx="636759" cy="276999"/>
+          </a:xfrm>
+          <a:prstGeom prst="rect">
+            <a:avLst/>
+          </a:prstGeom>
+          <a:noFill/>
+        </p:spPr>
+        <p:txBody>
+          <a:bodyPr wrap="square" rtlCol="0">
+            <a:spAutoFit/>
+          </a:bodyPr>
+          <a:lstStyle/>
+          <a:p>
+            <a:r>
+              <a:rPr lang="en-US" sz="1200" b="1" dirty="0">
+                <a:solidFill>
+                  <a:srgbClr val="FF0000"/>
+                </a:solidFill>
+              </a:rPr>
+              <a:t>PLC-01</a:t>
+            </a:r>
+          </a:p>
+        </p:txBody>
+      </p:sp>
+      <p:sp>
+        <p:nvSpPr>
+          <p:cNvPr id="28" name="TextBox 27">
+            <a:extLst>
+              <a:ext uri="{FF2B5EF4-FFF2-40B4-BE49-F238E27FC236}">
+                <a16:creationId xmlns:a16="http://schemas.microsoft.com/office/drawing/2014/main" id="{6C7C1CFA-EB2D-064D-4B51-E3CECD31ECE8}"/>
+              </a:ext>
+            </a:extLst>
+          </p:cNvPr>
+          <p:cNvSpPr txBox="1"/>
+          <p:nvPr/>
+        </p:nvSpPr>
+        <p:spPr>
+          <a:xfrm>
+            <a:off x="6907277" y="5315809"/>
+            <a:ext cx="636759" cy="276999"/>
+          </a:xfrm>
+          <a:prstGeom prst="rect">
+            <a:avLst/>
+          </a:prstGeom>
+          <a:noFill/>
+        </p:spPr>
+        <p:txBody>
+          <a:bodyPr wrap="square" rtlCol="0">
+            <a:spAutoFit/>
+          </a:bodyPr>
+          <a:lstStyle/>
+          <a:p>
+            <a:r>
+              <a:rPr lang="en-US" sz="1200" b="1" dirty="0">
+                <a:solidFill>
+                  <a:srgbClr val="FF0000"/>
+                </a:solidFill>
+              </a:rPr>
+              <a:t>PLC-02</a:t>
+            </a:r>
+          </a:p>
+        </p:txBody>
+      </p:sp>
+      <p:sp>
+        <p:nvSpPr>
+          <p:cNvPr id="29" name="TextBox 28">
+            <a:extLst>
+              <a:ext uri="{FF2B5EF4-FFF2-40B4-BE49-F238E27FC236}">
+                <a16:creationId xmlns:a16="http://schemas.microsoft.com/office/drawing/2014/main" id="{7059B43E-A249-3764-2336-9402DC6BED9C}"/>
+              </a:ext>
+            </a:extLst>
+          </p:cNvPr>
+          <p:cNvSpPr txBox="1"/>
+          <p:nvPr/>
+        </p:nvSpPr>
+        <p:spPr>
+          <a:xfrm>
+            <a:off x="5395917" y="4424840"/>
+            <a:ext cx="1241289" cy="600164"/>
+          </a:xfrm>
+          <a:prstGeom prst="rect">
+            <a:avLst/>
+          </a:prstGeom>
+          <a:noFill/>
+        </p:spPr>
+        <p:txBody>
+          <a:bodyPr wrap="square" rtlCol="0">
+            <a:spAutoFit/>
+          </a:bodyPr>
+          <a:lstStyle/>
+          <a:p>
+            <a:r>
+              <a:rPr lang="en-US" sz="1100" b="1" dirty="0">
+                <a:solidFill>
+                  <a:srgbClr val="002060"/>
+                </a:solidFill>
+              </a:rPr>
+              <a:t>Junction Signal control PLC network</a:t>
+            </a:r>
+            <a:endParaRPr lang="en-SG" sz="1100" b="1" dirty="0">
+              <a:solidFill>
+                <a:srgbClr val="002060"/>
+              </a:solidFill>
+            </a:endParaRPr>
+          </a:p>
+        </p:txBody>
+      </p:sp>
+      <p:sp>
+        <p:nvSpPr>
+          <p:cNvPr id="30" name="Rectangle 29">
+            <a:extLst>
+              <a:ext uri="{FF2B5EF4-FFF2-40B4-BE49-F238E27FC236}">
+                <a16:creationId xmlns:a16="http://schemas.microsoft.com/office/drawing/2014/main" id="{8309E782-62C8-4AAA-C181-0CEBA6259697}"/>
+              </a:ext>
+            </a:extLst>
+          </p:cNvPr>
+          <p:cNvSpPr/>
+          <p:nvPr/>
+        </p:nvSpPr>
+        <p:spPr>
+          <a:xfrm>
+            <a:off x="2134228" y="4629765"/>
+            <a:ext cx="2997600" cy="1468299"/>
+          </a:xfrm>
+          <a:prstGeom prst="rect">
+            <a:avLst/>
+          </a:prstGeom>
+          <a:ln w="9525">
+            <a:prstDash val="sysDash"/>
+          </a:ln>
+        </p:spPr>
+        <p:style>
+          <a:lnRef idx="2">
+            <a:schemeClr val="accent1"/>
+          </a:lnRef>
+          <a:fillRef idx="1">
+            <a:schemeClr val="lt1"/>
+          </a:fillRef>
+          <a:effectRef idx="0">
+            <a:schemeClr val="accent1"/>
+          </a:effectRef>
+          <a:fontRef idx="minor">
+            <a:schemeClr val="dk1"/>
+          </a:fontRef>
+        </p:style>
+        <p:txBody>
+          <a:bodyPr rtlCol="0" anchor="ctr"/>
+          <a:lstStyle/>
+          <a:p>
+            <a:endParaRPr lang="en-SG" sz="1400" b="1" dirty="0"/>
+          </a:p>
+        </p:txBody>
+      </p:sp>
+      <p:pic>
+        <p:nvPicPr>
+          <p:cNvPr id="31" name="Picture 30">
+            <a:extLst>
+              <a:ext uri="{FF2B5EF4-FFF2-40B4-BE49-F238E27FC236}">
+                <a16:creationId xmlns:a16="http://schemas.microsoft.com/office/drawing/2014/main" id="{79FD07E4-4E32-82C1-D89C-923ABB0FB0C7}"/>
+              </a:ext>
+            </a:extLst>
+          </p:cNvPr>
+          <p:cNvPicPr>
+            <a:picLocks noChangeAspect="1"/>
+          </p:cNvPicPr>
+          <p:nvPr/>
+        </p:nvPicPr>
+        <p:blipFill>
+          <a:blip r:embed="rId4"/>
+          <a:stretch>
+            <a:fillRect/>
+          </a:stretch>
+        </p:blipFill>
+        <p:spPr>
+          <a:xfrm>
+            <a:off x="2278797" y="4706908"/>
+            <a:ext cx="2527544" cy="1198685"/>
+          </a:xfrm>
+          <a:prstGeom prst="rect">
+            <a:avLst/>
+          </a:prstGeom>
+        </p:spPr>
+      </p:pic>
+      <p:sp>
+        <p:nvSpPr>
+          <p:cNvPr id="32" name="TextBox 31">
+            <a:extLst>
+              <a:ext uri="{FF2B5EF4-FFF2-40B4-BE49-F238E27FC236}">
+                <a16:creationId xmlns:a16="http://schemas.microsoft.com/office/drawing/2014/main" id="{362ECBEF-9804-2CE8-E55A-AB299EC94262}"/>
+              </a:ext>
+            </a:extLst>
+          </p:cNvPr>
+          <p:cNvSpPr txBox="1"/>
+          <p:nvPr/>
+        </p:nvSpPr>
+        <p:spPr>
+          <a:xfrm>
+            <a:off x="3909767" y="4753231"/>
+            <a:ext cx="1191495" cy="430887"/>
+          </a:xfrm>
+          <a:prstGeom prst="rect">
+            <a:avLst/>
+          </a:prstGeom>
+          <a:noFill/>
+        </p:spPr>
+        <p:txBody>
+          <a:bodyPr wrap="square" rtlCol="0">
+            <a:spAutoFit/>
+          </a:bodyPr>
+          <a:lstStyle/>
+          <a:p>
+            <a:r>
+              <a:rPr lang="en-US" sz="1100" b="1" dirty="0"/>
+              <a:t>[Master, Slot-0]</a:t>
+            </a:r>
+          </a:p>
+          <a:p>
+            <a:r>
+              <a:rPr lang="en-US" sz="1100" b="1" dirty="0"/>
+              <a:t>I/O: 8/8</a:t>
+            </a:r>
+            <a:endParaRPr lang="en-SG" sz="1100" b="1" dirty="0"/>
+          </a:p>
+        </p:txBody>
+      </p:sp>
+      <p:sp>
+        <p:nvSpPr>
+          <p:cNvPr id="33" name="TextBox 32">
+            <a:extLst>
+              <a:ext uri="{FF2B5EF4-FFF2-40B4-BE49-F238E27FC236}">
+                <a16:creationId xmlns:a16="http://schemas.microsoft.com/office/drawing/2014/main" id="{79B34D95-B1E5-7344-46A2-7A0CDB3ED049}"/>
+              </a:ext>
+            </a:extLst>
+          </p:cNvPr>
+          <p:cNvSpPr txBox="1"/>
+          <p:nvPr/>
+        </p:nvSpPr>
+        <p:spPr>
+          <a:xfrm>
+            <a:off x="2152423" y="5836454"/>
+            <a:ext cx="1534524" cy="261610"/>
+          </a:xfrm>
+          <a:prstGeom prst="rect">
+            <a:avLst/>
+          </a:prstGeom>
+          <a:noFill/>
+        </p:spPr>
+        <p:txBody>
+          <a:bodyPr wrap="square" rtlCol="0">
+            <a:spAutoFit/>
+          </a:bodyPr>
+          <a:lstStyle/>
+          <a:p>
+            <a:r>
+              <a:rPr lang="en-US" sz="1100" b="1" dirty="0"/>
+              <a:t>[Slave, Slot-1] </a:t>
+            </a:r>
+            <a:r>
+              <a:rPr lang="en-SG" sz="1100" b="1" dirty="0"/>
+              <a:t>I/O: 8/8</a:t>
+            </a:r>
+          </a:p>
+        </p:txBody>
+      </p:sp>
+      <p:sp>
+        <p:nvSpPr>
+          <p:cNvPr id="34" name="TextBox 33">
+            <a:extLst>
+              <a:ext uri="{FF2B5EF4-FFF2-40B4-BE49-F238E27FC236}">
+                <a16:creationId xmlns:a16="http://schemas.microsoft.com/office/drawing/2014/main" id="{4ADC2BBC-455C-3FF5-99E0-FAE84B8F4394}"/>
+              </a:ext>
+            </a:extLst>
+          </p:cNvPr>
+          <p:cNvSpPr txBox="1"/>
+          <p:nvPr/>
+        </p:nvSpPr>
+        <p:spPr>
+          <a:xfrm>
+            <a:off x="3686946" y="5836454"/>
+            <a:ext cx="1508863" cy="261610"/>
+          </a:xfrm>
+          <a:prstGeom prst="rect">
+            <a:avLst/>
+          </a:prstGeom>
+          <a:noFill/>
+        </p:spPr>
+        <p:txBody>
+          <a:bodyPr wrap="square" rtlCol="0">
+            <a:spAutoFit/>
+          </a:bodyPr>
+          <a:lstStyle/>
+          <a:p>
+            <a:r>
+              <a:rPr lang="en-US" sz="1100" b="1" dirty="0"/>
+              <a:t>[Slave, Slot-2] I/O: 6/</a:t>
+            </a:r>
+            <a:r>
+              <a:rPr lang="en-SG" sz="1100" b="1" dirty="0"/>
+              <a:t>6</a:t>
+            </a:r>
+            <a:endParaRPr lang="en-US" sz="1100" b="1" dirty="0"/>
+          </a:p>
+        </p:txBody>
+      </p:sp>
+      <p:sp>
+        <p:nvSpPr>
+          <p:cNvPr id="35" name="TextBox 34">
+            <a:extLst>
+              <a:ext uri="{FF2B5EF4-FFF2-40B4-BE49-F238E27FC236}">
+                <a16:creationId xmlns:a16="http://schemas.microsoft.com/office/drawing/2014/main" id="{F5E1CA3D-7F7F-7D20-7A4F-D2A4C7F4ED94}"/>
+              </a:ext>
+            </a:extLst>
+          </p:cNvPr>
+          <p:cNvSpPr txBox="1"/>
+          <p:nvPr/>
+        </p:nvSpPr>
+        <p:spPr>
+          <a:xfrm>
+            <a:off x="2896068" y="4877163"/>
+            <a:ext cx="636759" cy="276999"/>
+          </a:xfrm>
+          <a:prstGeom prst="rect">
+            <a:avLst/>
+          </a:prstGeom>
+          <a:noFill/>
+        </p:spPr>
+        <p:txBody>
+          <a:bodyPr wrap="square" rtlCol="0">
+            <a:spAutoFit/>
+          </a:bodyPr>
+          <a:lstStyle/>
+          <a:p>
+            <a:r>
+              <a:rPr lang="en-US" sz="1200" b="1" dirty="0">
+                <a:solidFill>
+                  <a:srgbClr val="FF0000"/>
+                </a:solidFill>
+              </a:rPr>
+              <a:t>PLC-03</a:t>
+            </a:r>
+          </a:p>
+        </p:txBody>
+      </p:sp>
+      <p:sp>
+        <p:nvSpPr>
+          <p:cNvPr id="36" name="TextBox 35">
+            <a:extLst>
+              <a:ext uri="{FF2B5EF4-FFF2-40B4-BE49-F238E27FC236}">
+                <a16:creationId xmlns:a16="http://schemas.microsoft.com/office/drawing/2014/main" id="{0648CB60-097D-3C8D-6000-86EED0E78D4B}"/>
+              </a:ext>
+            </a:extLst>
+          </p:cNvPr>
+          <p:cNvSpPr txBox="1"/>
+          <p:nvPr/>
+        </p:nvSpPr>
+        <p:spPr>
+          <a:xfrm>
+            <a:off x="2070248" y="5506298"/>
+            <a:ext cx="636759" cy="276999"/>
+          </a:xfrm>
+          <a:prstGeom prst="rect">
+            <a:avLst/>
+          </a:prstGeom>
+          <a:noFill/>
+        </p:spPr>
+        <p:txBody>
+          <a:bodyPr wrap="square" rtlCol="0">
+            <a:spAutoFit/>
+          </a:bodyPr>
+          <a:lstStyle/>
+          <a:p>
+            <a:r>
+              <a:rPr lang="en-US" sz="1200" b="1" dirty="0">
+                <a:solidFill>
+                  <a:srgbClr val="FF0000"/>
+                </a:solidFill>
+              </a:rPr>
+              <a:t>PLC-04</a:t>
+            </a:r>
+          </a:p>
+        </p:txBody>
+      </p:sp>
+      <p:sp>
+        <p:nvSpPr>
+          <p:cNvPr id="37" name="TextBox 36">
+            <a:extLst>
+              <a:ext uri="{FF2B5EF4-FFF2-40B4-BE49-F238E27FC236}">
+                <a16:creationId xmlns:a16="http://schemas.microsoft.com/office/drawing/2014/main" id="{A1572DB7-3D29-50CD-4AA5-A7F5ADDF8096}"/>
+              </a:ext>
+            </a:extLst>
+          </p:cNvPr>
+          <p:cNvSpPr txBox="1"/>
+          <p:nvPr/>
+        </p:nvSpPr>
+        <p:spPr>
+          <a:xfrm>
+            <a:off x="3591387" y="5501419"/>
+            <a:ext cx="636759" cy="276999"/>
+          </a:xfrm>
+          <a:prstGeom prst="rect">
+            <a:avLst/>
+          </a:prstGeom>
+          <a:noFill/>
+        </p:spPr>
+        <p:txBody>
+          <a:bodyPr wrap="square" rtlCol="0">
+            <a:spAutoFit/>
+          </a:bodyPr>
+          <a:lstStyle/>
+          <a:p>
+            <a:r>
+              <a:rPr lang="en-US" sz="1200" b="1" dirty="0">
+                <a:solidFill>
+                  <a:srgbClr val="FF0000"/>
+                </a:solidFill>
+              </a:rPr>
+              <a:t>PLC-05</a:t>
+            </a:r>
+          </a:p>
+        </p:txBody>
+      </p:sp>
+      <p:sp>
+        <p:nvSpPr>
+          <p:cNvPr id="38" name="TextBox 37">
+            <a:extLst>
+              <a:ext uri="{FF2B5EF4-FFF2-40B4-BE49-F238E27FC236}">
+                <a16:creationId xmlns:a16="http://schemas.microsoft.com/office/drawing/2014/main" id="{E4A5590B-747A-B28E-D235-F6E700AB6BA1}"/>
+              </a:ext>
+            </a:extLst>
+          </p:cNvPr>
+          <p:cNvSpPr txBox="1"/>
+          <p:nvPr/>
+        </p:nvSpPr>
+        <p:spPr>
+          <a:xfrm>
+            <a:off x="2080027" y="4610450"/>
+            <a:ext cx="1241289" cy="600164"/>
+          </a:xfrm>
+          <a:prstGeom prst="rect">
+            <a:avLst/>
+          </a:prstGeom>
+          <a:noFill/>
+        </p:spPr>
+        <p:txBody>
+          <a:bodyPr wrap="square" rtlCol="0">
+            <a:spAutoFit/>
+          </a:bodyPr>
+          <a:lstStyle/>
+          <a:p>
+            <a:r>
+              <a:rPr lang="en-US" sz="1100" b="1" dirty="0">
+                <a:solidFill>
+                  <a:srgbClr val="002060"/>
+                </a:solidFill>
+              </a:rPr>
+              <a:t>Station Signal control PLC network</a:t>
+            </a:r>
+            <a:endParaRPr lang="en-SG" sz="1100" b="1" dirty="0">
+              <a:solidFill>
+                <a:srgbClr val="002060"/>
+              </a:solidFill>
+            </a:endParaRPr>
+          </a:p>
+        </p:txBody>
+      </p:sp>
+      <p:cxnSp>
+        <p:nvCxnSpPr>
+          <p:cNvPr id="40" name="Straight Arrow Connector 39">
+            <a:extLst>
+              <a:ext uri="{FF2B5EF4-FFF2-40B4-BE49-F238E27FC236}">
+                <a16:creationId xmlns:a16="http://schemas.microsoft.com/office/drawing/2014/main" id="{4A6A1618-41D6-8E10-AB2F-B316565E351C}"/>
+              </a:ext>
+            </a:extLst>
+          </p:cNvPr>
+          <p:cNvCxnSpPr>
+            <a:cxnSpLocks/>
+          </p:cNvCxnSpPr>
+          <p:nvPr/>
+        </p:nvCxnSpPr>
+        <p:spPr>
+          <a:xfrm flipV="1">
+            <a:off x="3789228" y="4036444"/>
+            <a:ext cx="0" cy="531177"/>
+          </a:xfrm>
+          <a:prstGeom prst="straightConnector1">
+            <a:avLst/>
+          </a:prstGeom>
+          <a:ln>
+            <a:tailEnd type="triangle"/>
+          </a:ln>
+        </p:spPr>
+        <p:style>
+          <a:lnRef idx="1">
+            <a:schemeClr val="accent1"/>
+          </a:lnRef>
+          <a:fillRef idx="0">
+            <a:schemeClr val="accent1"/>
+          </a:fillRef>
+          <a:effectRef idx="0">
+            <a:schemeClr val="accent1"/>
+          </a:effectRef>
+          <a:fontRef idx="minor">
+            <a:schemeClr val="tx1"/>
+          </a:fontRef>
+        </p:style>
+      </p:cxnSp>
+      <p:sp>
+        <p:nvSpPr>
+          <p:cNvPr id="41" name="TextBox 40">
+            <a:extLst>
+              <a:ext uri="{FF2B5EF4-FFF2-40B4-BE49-F238E27FC236}">
+                <a16:creationId xmlns:a16="http://schemas.microsoft.com/office/drawing/2014/main" id="{6978EA6D-D35A-8B8C-FB8E-F828D458A504}"/>
+              </a:ext>
+            </a:extLst>
+          </p:cNvPr>
+          <p:cNvSpPr txBox="1"/>
+          <p:nvPr/>
+        </p:nvSpPr>
+        <p:spPr>
+          <a:xfrm>
+            <a:off x="3801392" y="4212998"/>
+            <a:ext cx="818082" cy="369332"/>
+          </a:xfrm>
+          <a:prstGeom prst="rect">
+            <a:avLst/>
+          </a:prstGeom>
+          <a:noFill/>
+        </p:spPr>
+        <p:txBody>
+          <a:bodyPr wrap="square" rtlCol="0">
+            <a:spAutoFit/>
+          </a:bodyPr>
+          <a:lstStyle/>
+          <a:p>
+            <a:r>
+              <a:rPr lang="en-US" sz="900" dirty="0"/>
+              <a:t>22 station</a:t>
+            </a:r>
+          </a:p>
+          <a:p>
+            <a:r>
+              <a:rPr lang="en-US" sz="900" dirty="0"/>
+              <a:t>Signal output  </a:t>
+            </a:r>
+            <a:endParaRPr lang="en-SG" sz="900" dirty="0"/>
+          </a:p>
+        </p:txBody>
+      </p:sp>
+      <p:cxnSp>
+        <p:nvCxnSpPr>
+          <p:cNvPr id="42" name="Straight Arrow Connector 41">
+            <a:extLst>
+              <a:ext uri="{FF2B5EF4-FFF2-40B4-BE49-F238E27FC236}">
+                <a16:creationId xmlns:a16="http://schemas.microsoft.com/office/drawing/2014/main" id="{4143464B-74C2-B3E3-EF3D-C3BDA059A9D4}"/>
+              </a:ext>
+            </a:extLst>
+          </p:cNvPr>
+          <p:cNvCxnSpPr>
+            <a:cxnSpLocks/>
+          </p:cNvCxnSpPr>
+          <p:nvPr/>
+        </p:nvCxnSpPr>
+        <p:spPr>
+          <a:xfrm>
+            <a:off x="3609962" y="4047085"/>
+            <a:ext cx="0" cy="535245"/>
+          </a:xfrm>
+          <a:prstGeom prst="straightConnector1">
+            <a:avLst/>
+          </a:prstGeom>
+          <a:ln>
+            <a:tailEnd type="triangle"/>
+          </a:ln>
+        </p:spPr>
+        <p:style>
+          <a:lnRef idx="1">
+            <a:schemeClr val="accent1"/>
+          </a:lnRef>
+          <a:fillRef idx="0">
+            <a:schemeClr val="accent1"/>
+          </a:fillRef>
+          <a:effectRef idx="0">
+            <a:schemeClr val="accent1"/>
+          </a:effectRef>
+          <a:fontRef idx="minor">
+            <a:schemeClr val="tx1"/>
+          </a:fontRef>
+        </p:style>
+      </p:cxnSp>
+      <p:sp>
+        <p:nvSpPr>
+          <p:cNvPr id="45" name="TextBox 44">
+            <a:extLst>
+              <a:ext uri="{FF2B5EF4-FFF2-40B4-BE49-F238E27FC236}">
+                <a16:creationId xmlns:a16="http://schemas.microsoft.com/office/drawing/2014/main" id="{3A8D3AEB-B6C6-BF23-EB8E-04D2EF729A72}"/>
+              </a:ext>
+            </a:extLst>
+          </p:cNvPr>
+          <p:cNvSpPr txBox="1"/>
+          <p:nvPr/>
+        </p:nvSpPr>
+        <p:spPr>
+          <a:xfrm>
+            <a:off x="2791736" y="4146888"/>
+            <a:ext cx="818082" cy="369332"/>
+          </a:xfrm>
+          <a:prstGeom prst="rect">
+            <a:avLst/>
+          </a:prstGeom>
+          <a:noFill/>
+        </p:spPr>
+        <p:txBody>
+          <a:bodyPr wrap="square" rtlCol="0">
+            <a:spAutoFit/>
+          </a:bodyPr>
+          <a:lstStyle/>
+          <a:p>
+            <a:r>
+              <a:rPr lang="en-US" sz="900" dirty="0"/>
+              <a:t>22 station</a:t>
+            </a:r>
+          </a:p>
+          <a:p>
+            <a:r>
+              <a:rPr lang="en-US" sz="900" dirty="0"/>
+              <a:t>Sensors input</a:t>
+            </a:r>
+            <a:endParaRPr lang="en-SG" sz="900" dirty="0"/>
+          </a:p>
+        </p:txBody>
+      </p:sp>
+      <p:pic>
+        <p:nvPicPr>
+          <p:cNvPr id="54" name="Picture 53">
+            <a:extLst>
+              <a:ext uri="{FF2B5EF4-FFF2-40B4-BE49-F238E27FC236}">
+                <a16:creationId xmlns:a16="http://schemas.microsoft.com/office/drawing/2014/main" id="{9509054D-B742-6926-1598-400CD7319724}"/>
+              </a:ext>
+            </a:extLst>
+          </p:cNvPr>
+          <p:cNvPicPr>
+            <a:picLocks noChangeAspect="1"/>
+          </p:cNvPicPr>
+          <p:nvPr/>
+        </p:nvPicPr>
+        <p:blipFill>
+          <a:blip r:embed="rId5"/>
+          <a:stretch>
+            <a:fillRect/>
+          </a:stretch>
+        </p:blipFill>
+        <p:spPr>
+          <a:xfrm>
+            <a:off x="326904" y="4830052"/>
+            <a:ext cx="818082" cy="468901"/>
+          </a:xfrm>
+          <a:prstGeom prst="rect">
+            <a:avLst/>
+          </a:prstGeom>
+        </p:spPr>
+      </p:pic>
+      <p:pic>
+        <p:nvPicPr>
+          <p:cNvPr id="55" name="Picture 54">
+            <a:extLst>
+              <a:ext uri="{FF2B5EF4-FFF2-40B4-BE49-F238E27FC236}">
+                <a16:creationId xmlns:a16="http://schemas.microsoft.com/office/drawing/2014/main" id="{103560FE-D92E-99B6-9184-A0963F318ACA}"/>
+              </a:ext>
+            </a:extLst>
+          </p:cNvPr>
+          <p:cNvPicPr>
+            <a:picLocks noChangeAspect="1"/>
+          </p:cNvPicPr>
+          <p:nvPr/>
+        </p:nvPicPr>
+        <p:blipFill>
+          <a:blip r:embed="rId5"/>
+          <a:stretch>
+            <a:fillRect/>
+          </a:stretch>
+        </p:blipFill>
+        <p:spPr>
+          <a:xfrm>
+            <a:off x="326904" y="5543967"/>
+            <a:ext cx="818082" cy="468901"/>
+          </a:xfrm>
+          <a:prstGeom prst="rect">
+            <a:avLst/>
+          </a:prstGeom>
+        </p:spPr>
+      </p:pic>
+      <p:cxnSp>
+        <p:nvCxnSpPr>
+          <p:cNvPr id="58" name="Straight Connector 57">
+            <a:extLst>
+              <a:ext uri="{FF2B5EF4-FFF2-40B4-BE49-F238E27FC236}">
+                <a16:creationId xmlns:a16="http://schemas.microsoft.com/office/drawing/2014/main" id="{B35774CC-5768-E9F0-0EB5-CF8A76E1FECC}"/>
+              </a:ext>
+            </a:extLst>
+          </p:cNvPr>
+          <p:cNvCxnSpPr>
+            <a:stCxn id="54" idx="2"/>
+            <a:endCxn id="55" idx="0"/>
+          </p:cNvCxnSpPr>
+          <p:nvPr/>
+        </p:nvCxnSpPr>
+        <p:spPr>
+          <a:xfrm>
+            <a:off x="735945" y="5298953"/>
+            <a:ext cx="0" cy="245014"/>
+          </a:xfrm>
+          <a:prstGeom prst="line">
+            <a:avLst/>
+          </a:prstGeom>
+        </p:spPr>
+        <p:style>
+          <a:lnRef idx="1">
+            <a:schemeClr val="dk1"/>
+          </a:lnRef>
+          <a:fillRef idx="0">
+            <a:schemeClr val="dk1"/>
+          </a:fillRef>
+          <a:effectRef idx="0">
+            <a:schemeClr val="dk1"/>
+          </a:effectRef>
+          <a:fontRef idx="minor">
+            <a:schemeClr val="tx1"/>
+          </a:fontRef>
+        </p:style>
+      </p:cxnSp>
+      <p:sp>
+        <p:nvSpPr>
+          <p:cNvPr id="60" name="TextBox 59">
+            <a:extLst>
+              <a:ext uri="{FF2B5EF4-FFF2-40B4-BE49-F238E27FC236}">
+                <a16:creationId xmlns:a16="http://schemas.microsoft.com/office/drawing/2014/main" id="{3F03D72A-FA3D-B54A-FEE1-E44DDD5DF15C}"/>
+              </a:ext>
+            </a:extLst>
+          </p:cNvPr>
+          <p:cNvSpPr txBox="1"/>
+          <p:nvPr/>
+        </p:nvSpPr>
+        <p:spPr>
+          <a:xfrm>
+            <a:off x="42974" y="4097582"/>
+            <a:ext cx="1241289" cy="600164"/>
+          </a:xfrm>
+          <a:prstGeom prst="rect">
+            <a:avLst/>
+          </a:prstGeom>
+          <a:noFill/>
+        </p:spPr>
+        <p:txBody>
+          <a:bodyPr wrap="square" rtlCol="0">
+            <a:spAutoFit/>
+          </a:bodyPr>
+          <a:lstStyle/>
+          <a:p>
+            <a:r>
+              <a:rPr lang="en-US" sz="1100" b="1" dirty="0">
+                <a:solidFill>
+                  <a:srgbClr val="002060"/>
+                </a:solidFill>
+              </a:rPr>
+              <a:t>Train control PLC network [under progress ]</a:t>
+            </a:r>
+            <a:endParaRPr lang="en-SG" sz="1100" b="1" dirty="0">
+              <a:solidFill>
+                <a:srgbClr val="002060"/>
+              </a:solidFill>
+            </a:endParaRPr>
+          </a:p>
+        </p:txBody>
+      </p:sp>
+      <p:sp>
+        <p:nvSpPr>
+          <p:cNvPr id="61" name="TextBox 60">
+            <a:extLst>
+              <a:ext uri="{FF2B5EF4-FFF2-40B4-BE49-F238E27FC236}">
+                <a16:creationId xmlns:a16="http://schemas.microsoft.com/office/drawing/2014/main" id="{7CE6EF57-4D16-B781-8566-1EEEF292638B}"/>
+              </a:ext>
+            </a:extLst>
+          </p:cNvPr>
+          <p:cNvSpPr txBox="1"/>
+          <p:nvPr/>
+        </p:nvSpPr>
+        <p:spPr>
+          <a:xfrm>
+            <a:off x="104135" y="4961728"/>
+            <a:ext cx="636759" cy="276999"/>
+          </a:xfrm>
+          <a:prstGeom prst="rect">
+            <a:avLst/>
+          </a:prstGeom>
+          <a:noFill/>
+        </p:spPr>
+        <p:txBody>
+          <a:bodyPr wrap="square" rtlCol="0">
+            <a:spAutoFit/>
+          </a:bodyPr>
+          <a:lstStyle/>
+          <a:p>
+            <a:r>
+              <a:rPr lang="en-US" sz="1200" b="1" dirty="0">
+                <a:solidFill>
+                  <a:srgbClr val="FF0000"/>
+                </a:solidFill>
+              </a:rPr>
+              <a:t>PLC-06</a:t>
+            </a:r>
+          </a:p>
+        </p:txBody>
+      </p:sp>
+      <p:sp>
+        <p:nvSpPr>
+          <p:cNvPr id="62" name="TextBox 61">
+            <a:extLst>
+              <a:ext uri="{FF2B5EF4-FFF2-40B4-BE49-F238E27FC236}">
+                <a16:creationId xmlns:a16="http://schemas.microsoft.com/office/drawing/2014/main" id="{E5B86C65-3D2C-04AB-B89F-9E1DE7A5E3B4}"/>
+              </a:ext>
+            </a:extLst>
+          </p:cNvPr>
+          <p:cNvSpPr txBox="1"/>
+          <p:nvPr/>
+        </p:nvSpPr>
+        <p:spPr>
+          <a:xfrm>
+            <a:off x="99186" y="5690260"/>
+            <a:ext cx="636759" cy="276999"/>
+          </a:xfrm>
+          <a:prstGeom prst="rect">
+            <a:avLst/>
+          </a:prstGeom>
+          <a:noFill/>
+        </p:spPr>
+        <p:txBody>
+          <a:bodyPr wrap="square" rtlCol="0">
+            <a:spAutoFit/>
+          </a:bodyPr>
+          <a:lstStyle/>
+          <a:p>
+            <a:r>
+              <a:rPr lang="en-US" sz="1200" b="1" dirty="0">
+                <a:solidFill>
+                  <a:srgbClr val="FF0000"/>
+                </a:solidFill>
+              </a:rPr>
+              <a:t>PLC-07</a:t>
+            </a:r>
+          </a:p>
+        </p:txBody>
+      </p:sp>
+      <p:sp>
+        <p:nvSpPr>
+          <p:cNvPr id="63" name="TextBox 62">
+            <a:extLst>
+              <a:ext uri="{FF2B5EF4-FFF2-40B4-BE49-F238E27FC236}">
+                <a16:creationId xmlns:a16="http://schemas.microsoft.com/office/drawing/2014/main" id="{CC7765DB-FBC5-0C70-7141-F4BDADB16A4C}"/>
+              </a:ext>
+            </a:extLst>
+          </p:cNvPr>
+          <p:cNvSpPr txBox="1"/>
+          <p:nvPr/>
+        </p:nvSpPr>
+        <p:spPr>
+          <a:xfrm>
+            <a:off x="1099959" y="5454308"/>
+            <a:ext cx="820086" cy="600164"/>
+          </a:xfrm>
+          <a:prstGeom prst="rect">
+            <a:avLst/>
+          </a:prstGeom>
+          <a:noFill/>
+        </p:spPr>
+        <p:txBody>
+          <a:bodyPr wrap="square" rtlCol="0">
+            <a:spAutoFit/>
+          </a:bodyPr>
+          <a:lstStyle/>
+          <a:p>
+            <a:r>
+              <a:rPr lang="en-US" sz="1100" b="1" dirty="0"/>
+              <a:t>[Slave, Slot-1] </a:t>
+            </a:r>
+            <a:r>
+              <a:rPr lang="en-SG" sz="1100" b="1" dirty="0"/>
+              <a:t>I/O: 0/2</a:t>
+            </a:r>
+          </a:p>
+        </p:txBody>
+      </p:sp>
+      <p:sp>
+        <p:nvSpPr>
+          <p:cNvPr id="65" name="TextBox 64">
+            <a:extLst>
+              <a:ext uri="{FF2B5EF4-FFF2-40B4-BE49-F238E27FC236}">
+                <a16:creationId xmlns:a16="http://schemas.microsoft.com/office/drawing/2014/main" id="{BF8FD7DC-48B3-0003-8F0F-DF1D4C33F3F5}"/>
+              </a:ext>
+            </a:extLst>
+          </p:cNvPr>
+          <p:cNvSpPr txBox="1"/>
+          <p:nvPr/>
+        </p:nvSpPr>
+        <p:spPr>
+          <a:xfrm>
+            <a:off x="1089074" y="4783064"/>
+            <a:ext cx="719667" cy="600164"/>
+          </a:xfrm>
+          <a:prstGeom prst="rect">
+            <a:avLst/>
+          </a:prstGeom>
+          <a:noFill/>
+        </p:spPr>
+        <p:txBody>
+          <a:bodyPr wrap="square" rtlCol="0">
+            <a:spAutoFit/>
+          </a:bodyPr>
+          <a:lstStyle/>
+          <a:p>
+            <a:r>
+              <a:rPr lang="en-US" sz="1100" b="1" dirty="0"/>
+              <a:t>[Master, Slot-0]</a:t>
+            </a:r>
+          </a:p>
+          <a:p>
+            <a:r>
+              <a:rPr lang="en-US" sz="1100" b="1" dirty="0"/>
+              <a:t>I/O: 0/8</a:t>
+            </a:r>
+            <a:endParaRPr lang="en-SG" sz="1100" b="1" dirty="0"/>
+          </a:p>
+        </p:txBody>
+      </p:sp>
+      <p:cxnSp>
+        <p:nvCxnSpPr>
+          <p:cNvPr id="67" name="Connector: Elbow 66">
+            <a:extLst>
+              <a:ext uri="{FF2B5EF4-FFF2-40B4-BE49-F238E27FC236}">
+                <a16:creationId xmlns:a16="http://schemas.microsoft.com/office/drawing/2014/main" id="{FB346BA8-0B3A-65B2-7DE1-B545CB57A11C}"/>
+              </a:ext>
+            </a:extLst>
+          </p:cNvPr>
+          <p:cNvCxnSpPr>
+            <a:cxnSpLocks/>
+            <a:stCxn id="56" idx="0"/>
+            <a:endCxn id="7" idx="1"/>
+          </p:cNvCxnSpPr>
+          <p:nvPr/>
+        </p:nvCxnSpPr>
+        <p:spPr>
+          <a:xfrm rot="5400000" flipH="1" flipV="1">
+            <a:off x="965734" y="3807871"/>
+            <a:ext cx="812177" cy="792982"/>
+          </a:xfrm>
+          <a:prstGeom prst="bentConnector2">
+            <a:avLst/>
+          </a:prstGeom>
+          <a:ln>
+            <a:tailEnd type="triangle"/>
+          </a:ln>
+        </p:spPr>
+        <p:style>
+          <a:lnRef idx="1">
+            <a:schemeClr val="accent1"/>
+          </a:lnRef>
+          <a:fillRef idx="0">
+            <a:schemeClr val="accent1"/>
+          </a:fillRef>
+          <a:effectRef idx="0">
+            <a:schemeClr val="accent1"/>
+          </a:effectRef>
+          <a:fontRef idx="minor">
+            <a:schemeClr val="tx1"/>
+          </a:fontRef>
+        </p:style>
+      </p:cxnSp>
+      <p:sp>
+        <p:nvSpPr>
+          <p:cNvPr id="70" name="TextBox 69">
+            <a:extLst>
+              <a:ext uri="{FF2B5EF4-FFF2-40B4-BE49-F238E27FC236}">
+                <a16:creationId xmlns:a16="http://schemas.microsoft.com/office/drawing/2014/main" id="{BC083930-D947-A40D-3F9B-CCE06AE5B376}"/>
+              </a:ext>
+            </a:extLst>
+          </p:cNvPr>
+          <p:cNvSpPr txBox="1"/>
+          <p:nvPr/>
+        </p:nvSpPr>
+        <p:spPr>
+          <a:xfrm>
+            <a:off x="1116551" y="3782551"/>
+            <a:ext cx="585448" cy="507831"/>
+          </a:xfrm>
+          <a:prstGeom prst="rect">
+            <a:avLst/>
+          </a:prstGeom>
+          <a:noFill/>
+        </p:spPr>
+        <p:txBody>
+          <a:bodyPr wrap="square" rtlCol="0">
+            <a:spAutoFit/>
+          </a:bodyPr>
+          <a:lstStyle/>
+          <a:p>
+            <a:r>
+              <a:rPr lang="en-US" sz="900" dirty="0"/>
+              <a:t>10 train throttle </a:t>
+            </a:r>
+          </a:p>
+          <a:p>
+            <a:r>
+              <a:rPr lang="en-US" sz="900" dirty="0"/>
+              <a:t>input</a:t>
+            </a:r>
+            <a:endParaRPr lang="en-SG" sz="900" dirty="0"/>
+          </a:p>
+        </p:txBody>
+      </p:sp>
+      <p:sp>
+        <p:nvSpPr>
+          <p:cNvPr id="71" name="TextBox 70">
+            <a:extLst>
+              <a:ext uri="{FF2B5EF4-FFF2-40B4-BE49-F238E27FC236}">
+                <a16:creationId xmlns:a16="http://schemas.microsoft.com/office/drawing/2014/main" id="{224FF374-7FA9-CFF1-F2BD-579C81817C4C}"/>
+              </a:ext>
+            </a:extLst>
+          </p:cNvPr>
+          <p:cNvSpPr txBox="1"/>
+          <p:nvPr/>
+        </p:nvSpPr>
+        <p:spPr>
+          <a:xfrm>
+            <a:off x="1062544" y="4568127"/>
+            <a:ext cx="1105646" cy="261610"/>
+          </a:xfrm>
+          <a:prstGeom prst="rect">
+            <a:avLst/>
+          </a:prstGeom>
+          <a:noFill/>
+        </p:spPr>
+        <p:txBody>
+          <a:bodyPr wrap="square" rtlCol="0">
+            <a:spAutoFit/>
+          </a:bodyPr>
+          <a:lstStyle/>
+          <a:p>
+            <a:r>
+              <a:rPr lang="en-US" sz="1100" b="1" dirty="0">
+                <a:solidFill>
+                  <a:srgbClr val="0070C0"/>
+                </a:solidFill>
+              </a:rPr>
+              <a:t>10.0.13.10</a:t>
+            </a:r>
+            <a:endParaRPr lang="en-SG" sz="1100" b="1" dirty="0">
+              <a:solidFill>
+                <a:srgbClr val="0070C0"/>
+              </a:solidFill>
+            </a:endParaRPr>
+          </a:p>
+        </p:txBody>
+      </p:sp>
+      <p:sp>
+        <p:nvSpPr>
+          <p:cNvPr id="72" name="TextBox 71">
+            <a:extLst>
+              <a:ext uri="{FF2B5EF4-FFF2-40B4-BE49-F238E27FC236}">
+                <a16:creationId xmlns:a16="http://schemas.microsoft.com/office/drawing/2014/main" id="{444892A9-F76C-B544-7D82-7CF855F92E28}"/>
+              </a:ext>
+            </a:extLst>
+          </p:cNvPr>
+          <p:cNvSpPr txBox="1"/>
+          <p:nvPr/>
+        </p:nvSpPr>
+        <p:spPr>
+          <a:xfrm>
+            <a:off x="3846945" y="4556478"/>
+            <a:ext cx="1023376" cy="261610"/>
+          </a:xfrm>
+          <a:prstGeom prst="rect">
+            <a:avLst/>
+          </a:prstGeom>
+          <a:noFill/>
+        </p:spPr>
+        <p:txBody>
+          <a:bodyPr wrap="square" rtlCol="0">
+            <a:spAutoFit/>
+          </a:bodyPr>
+          <a:lstStyle/>
+          <a:p>
+            <a:r>
+              <a:rPr lang="en-US" sz="1100" b="1" dirty="0">
+                <a:solidFill>
+                  <a:srgbClr val="0070C0"/>
+                </a:solidFill>
+              </a:rPr>
+              <a:t>10.0.12.10</a:t>
+            </a:r>
+            <a:endParaRPr lang="en-SG" sz="1100" b="1" dirty="0">
+              <a:solidFill>
+                <a:srgbClr val="0070C0"/>
+              </a:solidFill>
+            </a:endParaRPr>
+          </a:p>
+        </p:txBody>
+      </p:sp>
+      <p:sp>
+        <p:nvSpPr>
+          <p:cNvPr id="73" name="TextBox 72">
+            <a:extLst>
+              <a:ext uri="{FF2B5EF4-FFF2-40B4-BE49-F238E27FC236}">
+                <a16:creationId xmlns:a16="http://schemas.microsoft.com/office/drawing/2014/main" id="{320DE11E-DDE0-800D-96C3-F7E9C13DD603}"/>
+              </a:ext>
+            </a:extLst>
+          </p:cNvPr>
+          <p:cNvSpPr txBox="1"/>
+          <p:nvPr/>
+        </p:nvSpPr>
+        <p:spPr>
+          <a:xfrm>
+            <a:off x="6792224" y="4363967"/>
+            <a:ext cx="1304670" cy="261610"/>
+          </a:xfrm>
+          <a:prstGeom prst="rect">
+            <a:avLst/>
+          </a:prstGeom>
+          <a:noFill/>
+        </p:spPr>
+        <p:txBody>
+          <a:bodyPr wrap="square" rtlCol="0">
+            <a:spAutoFit/>
+          </a:bodyPr>
+          <a:lstStyle/>
+          <a:p>
+            <a:r>
+              <a:rPr lang="en-US" sz="1100" b="1" dirty="0">
+                <a:solidFill>
+                  <a:srgbClr val="0070C0"/>
+                </a:solidFill>
+              </a:rPr>
+              <a:t>10.0.11.10</a:t>
+            </a:r>
+            <a:endParaRPr lang="en-SG" sz="1100" b="1" dirty="0">
+              <a:solidFill>
+                <a:srgbClr val="0070C0"/>
+              </a:solidFill>
+            </a:endParaRPr>
+          </a:p>
+        </p:txBody>
+      </p:sp>
+      <p:sp>
+        <p:nvSpPr>
+          <p:cNvPr id="77" name="Rectangle 76">
+            <a:extLst>
+              <a:ext uri="{FF2B5EF4-FFF2-40B4-BE49-F238E27FC236}">
+                <a16:creationId xmlns:a16="http://schemas.microsoft.com/office/drawing/2014/main" id="{3D4EBB44-9B88-AB21-55D4-B9D1A8451A92}"/>
+              </a:ext>
+            </a:extLst>
+          </p:cNvPr>
+          <p:cNvSpPr/>
+          <p:nvPr/>
+        </p:nvSpPr>
+        <p:spPr>
+          <a:xfrm>
+            <a:off x="6637205" y="602451"/>
+            <a:ext cx="4872807" cy="2513875"/>
+          </a:xfrm>
+          <a:prstGeom prst="rect">
+            <a:avLst/>
+          </a:prstGeom>
+        </p:spPr>
+        <p:style>
+          <a:lnRef idx="2">
+            <a:schemeClr val="accent1">
+              <a:shade val="15000"/>
+            </a:schemeClr>
+          </a:lnRef>
+          <a:fillRef idx="1">
+            <a:schemeClr val="accent1"/>
+          </a:fillRef>
+          <a:effectRef idx="0">
+            <a:schemeClr val="accent1"/>
+          </a:effectRef>
+          <a:fontRef idx="minor">
+            <a:schemeClr val="lt1"/>
+          </a:fontRef>
+        </p:style>
+        <p:txBody>
+          <a:bodyPr rtlCol="0" anchor="ctr"/>
+          <a:lstStyle/>
+          <a:p>
+            <a:pPr algn="ctr"/>
+            <a:endParaRPr lang="en-SG"/>
+          </a:p>
+        </p:txBody>
+      </p:sp>
+      <p:pic>
+        <p:nvPicPr>
+          <p:cNvPr id="76" name="Picture 75" descr="A screen shot of a computer&#10;&#10;Description automatically generated with medium confidence">
+            <a:extLst>
+              <a:ext uri="{FF2B5EF4-FFF2-40B4-BE49-F238E27FC236}">
+                <a16:creationId xmlns:a16="http://schemas.microsoft.com/office/drawing/2014/main" id="{6C0B181F-2B32-8A97-E630-7F0901E494C1}"/>
+              </a:ext>
+            </a:extLst>
+          </p:cNvPr>
+          <p:cNvPicPr>
+            <a:picLocks noChangeAspect="1"/>
+          </p:cNvPicPr>
+          <p:nvPr/>
+        </p:nvPicPr>
+        <p:blipFill>
+          <a:blip r:embed="rId6">
+            <a:extLst>
+              <a:ext uri="{28A0092B-C50C-407E-A947-70E740481C1C}">
+                <a14:useLocalDpi xmlns:a14="http://schemas.microsoft.com/office/drawing/2010/main" val="0"/>
+              </a:ext>
+            </a:extLst>
+          </a:blip>
+          <a:stretch>
+            <a:fillRect/>
+          </a:stretch>
+        </p:blipFill>
+        <p:spPr>
+          <a:xfrm>
+            <a:off x="6349118" y="788870"/>
+            <a:ext cx="4603743" cy="2642126"/>
+          </a:xfrm>
+          <a:prstGeom prst="rect">
+            <a:avLst/>
+          </a:prstGeom>
+        </p:spPr>
+      </p:pic>
+      <p:sp>
+        <p:nvSpPr>
+          <p:cNvPr id="78" name="TextBox 77">
+            <a:extLst>
+              <a:ext uri="{FF2B5EF4-FFF2-40B4-BE49-F238E27FC236}">
+                <a16:creationId xmlns:a16="http://schemas.microsoft.com/office/drawing/2014/main" id="{CF57A8E7-910A-6A67-5DE5-A00D6E42B65E}"/>
+              </a:ext>
+            </a:extLst>
+          </p:cNvPr>
+          <p:cNvSpPr txBox="1"/>
+          <p:nvPr/>
+        </p:nvSpPr>
+        <p:spPr>
+          <a:xfrm>
+            <a:off x="6330400" y="167047"/>
+            <a:ext cx="2392975" cy="307777"/>
+          </a:xfrm>
+          <a:prstGeom prst="rect">
+            <a:avLst/>
+          </a:prstGeom>
+          <a:noFill/>
+        </p:spPr>
+        <p:txBody>
+          <a:bodyPr wrap="square" rtlCol="0">
+            <a:spAutoFit/>
+          </a:bodyPr>
+          <a:lstStyle/>
+          <a:p>
+            <a:r>
+              <a:rPr lang="en-US" sz="1400" b="1" dirty="0"/>
+              <a:t>Railway SCADA HMIs</a:t>
+            </a:r>
+            <a:endParaRPr lang="en-SG" sz="1400" b="1" dirty="0"/>
+          </a:p>
+        </p:txBody>
+      </p:sp>
+      <p:cxnSp>
+        <p:nvCxnSpPr>
+          <p:cNvPr id="80" name="Straight Connector 79">
+            <a:extLst>
+              <a:ext uri="{FF2B5EF4-FFF2-40B4-BE49-F238E27FC236}">
+                <a16:creationId xmlns:a16="http://schemas.microsoft.com/office/drawing/2014/main" id="{98E9B53C-C37D-3060-A405-D2EBA507DBA5}"/>
+              </a:ext>
+            </a:extLst>
+          </p:cNvPr>
+          <p:cNvCxnSpPr>
+            <a:cxnSpLocks/>
+          </p:cNvCxnSpPr>
+          <p:nvPr/>
+        </p:nvCxnSpPr>
+        <p:spPr>
+          <a:xfrm>
+            <a:off x="326904" y="6464808"/>
+            <a:ext cx="11449518" cy="0"/>
+          </a:xfrm>
+          <a:prstGeom prst="line">
+            <a:avLst/>
+          </a:prstGeom>
+          <a:ln w="38100">
+            <a:solidFill>
+              <a:srgbClr val="00B050"/>
+            </a:solidFill>
+          </a:ln>
+        </p:spPr>
+        <p:style>
+          <a:lnRef idx="1">
+            <a:schemeClr val="accent1"/>
+          </a:lnRef>
+          <a:fillRef idx="0">
+            <a:schemeClr val="accent1"/>
+          </a:fillRef>
+          <a:effectRef idx="0">
+            <a:schemeClr val="accent1"/>
+          </a:effectRef>
+          <a:fontRef idx="minor">
+            <a:schemeClr val="tx1"/>
+          </a:fontRef>
+        </p:style>
+      </p:cxnSp>
+      <p:pic>
+        <p:nvPicPr>
+          <p:cNvPr id="81" name="Picture 8" descr="Router | Cisco Network Topology Icons 3015">
+            <a:extLst>
+              <a:ext uri="{FF2B5EF4-FFF2-40B4-BE49-F238E27FC236}">
+                <a16:creationId xmlns:a16="http://schemas.microsoft.com/office/drawing/2014/main" id="{E2B32C90-C3A9-050B-2EAA-EF81A4311590}"/>
+              </a:ext>
+            </a:extLst>
+          </p:cNvPr>
+          <p:cNvPicPr>
+            <a:picLocks noChangeAspect="1" noChangeArrowheads="1"/>
+          </p:cNvPicPr>
+          <p:nvPr/>
+        </p:nvPicPr>
+        <p:blipFill>
+          <a:blip r:embed="rId7">
+            <a:extLst>
+              <a:ext uri="{28A0092B-C50C-407E-A947-70E740481C1C}">
+                <a14:useLocalDpi xmlns:a14="http://schemas.microsoft.com/office/drawing/2010/main" val="0"/>
+              </a:ext>
+            </a:extLst>
+          </a:blip>
+          <a:srcRect/>
+          <a:stretch>
+            <a:fillRect/>
+          </a:stretch>
+        </p:blipFill>
+        <p:spPr bwMode="auto">
+          <a:xfrm>
+            <a:off x="818532" y="4555968"/>
+            <a:ext cx="296596" cy="202819"/>
+          </a:xfrm>
+          <a:prstGeom prst="rect">
+            <a:avLst/>
+          </a:prstGeom>
+          <a:noFill/>
+          <a:extLst>
+            <a:ext uri="{909E8E84-426E-40DD-AFC4-6F175D3DCCD1}">
+              <a14:hiddenFill xmlns:a14="http://schemas.microsoft.com/office/drawing/2010/main">
+                <a:solidFill>
+                  <a:srgbClr val="FFFFFF"/>
+                </a:solidFill>
+              </a14:hiddenFill>
+            </a:ext>
+          </a:extLst>
+        </p:spPr>
+      </p:pic>
+      <p:pic>
+        <p:nvPicPr>
+          <p:cNvPr id="83" name="Picture 8" descr="Router | Cisco Network Topology Icons 3015">
+            <a:extLst>
+              <a:ext uri="{FF2B5EF4-FFF2-40B4-BE49-F238E27FC236}">
+                <a16:creationId xmlns:a16="http://schemas.microsoft.com/office/drawing/2014/main" id="{AE571CDD-E939-02E6-1EB0-2D2F403A8E07}"/>
+              </a:ext>
+            </a:extLst>
+          </p:cNvPr>
+          <p:cNvPicPr>
+            <a:picLocks noChangeAspect="1" noChangeArrowheads="1"/>
+          </p:cNvPicPr>
+          <p:nvPr/>
+        </p:nvPicPr>
+        <p:blipFill>
+          <a:blip r:embed="rId7">
+            <a:extLst>
+              <a:ext uri="{28A0092B-C50C-407E-A947-70E740481C1C}">
+                <a14:useLocalDpi xmlns:a14="http://schemas.microsoft.com/office/drawing/2010/main" val="0"/>
+              </a:ext>
+            </a:extLst>
+          </a:blip>
+          <a:srcRect/>
+          <a:stretch>
+            <a:fillRect/>
+          </a:stretch>
+        </p:blipFill>
+        <p:spPr bwMode="auto">
+          <a:xfrm>
+            <a:off x="3568983" y="4559139"/>
+            <a:ext cx="296596" cy="202819"/>
+          </a:xfrm>
+          <a:prstGeom prst="rect">
+            <a:avLst/>
+          </a:prstGeom>
+          <a:noFill/>
+          <a:extLst>
+            <a:ext uri="{909E8E84-426E-40DD-AFC4-6F175D3DCCD1}">
+              <a14:hiddenFill xmlns:a14="http://schemas.microsoft.com/office/drawing/2010/main">
+                <a:solidFill>
+                  <a:srgbClr val="FFFFFF"/>
+                </a:solidFill>
+              </a14:hiddenFill>
+            </a:ext>
+          </a:extLst>
+        </p:spPr>
+      </p:pic>
+      <p:pic>
+        <p:nvPicPr>
+          <p:cNvPr id="84" name="Picture 8" descr="Router | Cisco Network Topology Icons 3015">
+            <a:extLst>
+              <a:ext uri="{FF2B5EF4-FFF2-40B4-BE49-F238E27FC236}">
+                <a16:creationId xmlns:a16="http://schemas.microsoft.com/office/drawing/2014/main" id="{0DF68496-351F-5F78-1E2C-77FEED33DD07}"/>
+              </a:ext>
+            </a:extLst>
+          </p:cNvPr>
+          <p:cNvPicPr>
+            <a:picLocks noChangeAspect="1" noChangeArrowheads="1"/>
+          </p:cNvPicPr>
+          <p:nvPr/>
+        </p:nvPicPr>
+        <p:blipFill>
+          <a:blip r:embed="rId7">
+            <a:extLst>
+              <a:ext uri="{28A0092B-C50C-407E-A947-70E740481C1C}">
+                <a14:useLocalDpi xmlns:a14="http://schemas.microsoft.com/office/drawing/2010/main" val="0"/>
+              </a:ext>
+            </a:extLst>
+          </a:blip>
+          <a:srcRect/>
+          <a:stretch>
+            <a:fillRect/>
+          </a:stretch>
+        </p:blipFill>
+        <p:spPr bwMode="auto">
+          <a:xfrm>
+            <a:off x="6552121" y="4317225"/>
+            <a:ext cx="296596" cy="202819"/>
+          </a:xfrm>
+          <a:prstGeom prst="rect">
+            <a:avLst/>
+          </a:prstGeom>
+          <a:noFill/>
+          <a:extLst>
+            <a:ext uri="{909E8E84-426E-40DD-AFC4-6F175D3DCCD1}">
+              <a14:hiddenFill xmlns:a14="http://schemas.microsoft.com/office/drawing/2010/main">
+                <a:solidFill>
+                  <a:srgbClr val="FFFFFF"/>
+                </a:solidFill>
+              </a14:hiddenFill>
+            </a:ext>
+          </a:extLst>
+        </p:spPr>
+      </p:pic>
+      <p:cxnSp>
+        <p:nvCxnSpPr>
+          <p:cNvPr id="93" name="Straight Arrow Connector 92">
+            <a:extLst>
+              <a:ext uri="{FF2B5EF4-FFF2-40B4-BE49-F238E27FC236}">
+                <a16:creationId xmlns:a16="http://schemas.microsoft.com/office/drawing/2014/main" id="{CDA07F31-0F22-EC4E-6530-6506FC1452F2}"/>
+              </a:ext>
+            </a:extLst>
+          </p:cNvPr>
+          <p:cNvCxnSpPr/>
+          <p:nvPr/>
+        </p:nvCxnSpPr>
+        <p:spPr>
+          <a:xfrm>
+            <a:off x="975331" y="5298953"/>
+            <a:ext cx="0" cy="1156711"/>
+          </a:xfrm>
+          <a:prstGeom prst="straightConnector1">
+            <a:avLst/>
+          </a:prstGeom>
+          <a:ln w="19050">
+            <a:solidFill>
+              <a:srgbClr val="00B050"/>
+            </a:solidFill>
+            <a:headEnd type="triangle"/>
+            <a:tailEnd type="triangle"/>
+          </a:ln>
+        </p:spPr>
+        <p:style>
+          <a:lnRef idx="1">
+            <a:schemeClr val="accent1"/>
+          </a:lnRef>
+          <a:fillRef idx="0">
+            <a:schemeClr val="accent1"/>
+          </a:fillRef>
+          <a:effectRef idx="0">
+            <a:schemeClr val="accent1"/>
+          </a:effectRef>
+          <a:fontRef idx="minor">
+            <a:schemeClr val="tx1"/>
+          </a:fontRef>
+        </p:style>
+      </p:cxnSp>
+      <p:cxnSp>
+        <p:nvCxnSpPr>
+          <p:cNvPr id="94" name="Straight Arrow Connector 93">
+            <a:extLst>
+              <a:ext uri="{FF2B5EF4-FFF2-40B4-BE49-F238E27FC236}">
+                <a16:creationId xmlns:a16="http://schemas.microsoft.com/office/drawing/2014/main" id="{967D4FDB-6FC2-B46D-B0BA-13753C2F8A94}"/>
+              </a:ext>
+            </a:extLst>
+          </p:cNvPr>
+          <p:cNvCxnSpPr>
+            <a:cxnSpLocks/>
+          </p:cNvCxnSpPr>
+          <p:nvPr/>
+        </p:nvCxnSpPr>
+        <p:spPr>
+          <a:xfrm>
+            <a:off x="3746527" y="5210614"/>
+            <a:ext cx="0" cy="1245050"/>
+          </a:xfrm>
+          <a:prstGeom prst="straightConnector1">
+            <a:avLst/>
+          </a:prstGeom>
+          <a:ln w="19050">
+            <a:solidFill>
+              <a:srgbClr val="00B050"/>
+            </a:solidFill>
+            <a:headEnd type="triangle"/>
+            <a:tailEnd type="triangle"/>
+          </a:ln>
+        </p:spPr>
+        <p:style>
+          <a:lnRef idx="1">
+            <a:schemeClr val="accent1"/>
+          </a:lnRef>
+          <a:fillRef idx="0">
+            <a:schemeClr val="accent1"/>
+          </a:fillRef>
+          <a:effectRef idx="0">
+            <a:schemeClr val="accent1"/>
+          </a:effectRef>
+          <a:fontRef idx="minor">
+            <a:schemeClr val="tx1"/>
+          </a:fontRef>
+        </p:style>
+      </p:cxnSp>
+      <p:cxnSp>
+        <p:nvCxnSpPr>
+          <p:cNvPr id="96" name="Straight Arrow Connector 95">
+            <a:extLst>
+              <a:ext uri="{FF2B5EF4-FFF2-40B4-BE49-F238E27FC236}">
+                <a16:creationId xmlns:a16="http://schemas.microsoft.com/office/drawing/2014/main" id="{E72BD46D-4126-2042-CDBD-6C1652F5993F}"/>
+              </a:ext>
+            </a:extLst>
+          </p:cNvPr>
+          <p:cNvCxnSpPr>
+            <a:cxnSpLocks/>
+          </p:cNvCxnSpPr>
+          <p:nvPr/>
+        </p:nvCxnSpPr>
+        <p:spPr>
+          <a:xfrm>
+            <a:off x="6750087" y="5045556"/>
+            <a:ext cx="0" cy="1410108"/>
+          </a:xfrm>
+          <a:prstGeom prst="straightConnector1">
+            <a:avLst/>
+          </a:prstGeom>
+          <a:ln w="19050">
+            <a:solidFill>
+              <a:srgbClr val="00B050"/>
+            </a:solidFill>
+            <a:headEnd type="triangle"/>
+            <a:tailEnd type="triangle"/>
+          </a:ln>
+        </p:spPr>
+        <p:style>
+          <a:lnRef idx="1">
+            <a:schemeClr val="accent1"/>
+          </a:lnRef>
+          <a:fillRef idx="0">
+            <a:schemeClr val="accent1"/>
+          </a:fillRef>
+          <a:effectRef idx="0">
+            <a:schemeClr val="accent1"/>
+          </a:effectRef>
+          <a:fontRef idx="minor">
+            <a:schemeClr val="tx1"/>
+          </a:fontRef>
+        </p:style>
+      </p:cxnSp>
+      <p:sp>
+        <p:nvSpPr>
+          <p:cNvPr id="98" name="TextBox 97">
+            <a:extLst>
+              <a:ext uri="{FF2B5EF4-FFF2-40B4-BE49-F238E27FC236}">
+                <a16:creationId xmlns:a16="http://schemas.microsoft.com/office/drawing/2014/main" id="{B99B4C27-AD21-E606-AFD1-6BB67149D8DF}"/>
+              </a:ext>
+            </a:extLst>
+          </p:cNvPr>
+          <p:cNvSpPr txBox="1"/>
+          <p:nvPr/>
+        </p:nvSpPr>
+        <p:spPr>
+          <a:xfrm>
+            <a:off x="-13692" y="6460791"/>
+            <a:ext cx="2909760" cy="276999"/>
+          </a:xfrm>
+          <a:prstGeom prst="rect">
+            <a:avLst/>
+          </a:prstGeom>
+          <a:noFill/>
+        </p:spPr>
+        <p:txBody>
+          <a:bodyPr wrap="square" rtlCol="0">
+            <a:spAutoFit/>
+          </a:bodyPr>
+          <a:lstStyle/>
+          <a:p>
+            <a:r>
+              <a:rPr lang="en-US" sz="1200" b="1" dirty="0">
+                <a:solidFill>
+                  <a:schemeClr val="accent6">
+                    <a:lumMod val="75000"/>
+                  </a:schemeClr>
+                </a:solidFill>
+              </a:rPr>
+              <a:t>Modbus Network 192.168.100.0/24 </a:t>
+            </a:r>
+          </a:p>
+        </p:txBody>
+      </p:sp>
+      <p:sp>
+        <p:nvSpPr>
+          <p:cNvPr id="99" name="TextBox 98">
+            <a:extLst>
+              <a:ext uri="{FF2B5EF4-FFF2-40B4-BE49-F238E27FC236}">
+                <a16:creationId xmlns:a16="http://schemas.microsoft.com/office/drawing/2014/main" id="{E404D2FC-7F72-045F-AB4E-153E4525527B}"/>
+              </a:ext>
+            </a:extLst>
+          </p:cNvPr>
+          <p:cNvSpPr txBox="1"/>
+          <p:nvPr/>
+        </p:nvSpPr>
+        <p:spPr>
+          <a:xfrm>
+            <a:off x="-32312" y="6042577"/>
+            <a:ext cx="1105646" cy="430887"/>
+          </a:xfrm>
+          <a:prstGeom prst="rect">
+            <a:avLst/>
+          </a:prstGeom>
+          <a:noFill/>
+        </p:spPr>
+        <p:txBody>
+          <a:bodyPr wrap="square" rtlCol="0">
+            <a:spAutoFit/>
+          </a:bodyPr>
+          <a:lstStyle/>
+          <a:p>
+            <a:r>
+              <a:rPr lang="en-US" sz="1100" b="1" dirty="0">
+                <a:solidFill>
+                  <a:schemeClr val="accent6">
+                    <a:lumMod val="75000"/>
+                  </a:schemeClr>
+                </a:solidFill>
+              </a:rPr>
+              <a:t>Modbus IP: 192.168.100.13</a:t>
+            </a:r>
+            <a:endParaRPr lang="en-SG" sz="1100" b="1" dirty="0">
+              <a:solidFill>
+                <a:schemeClr val="accent6">
+                  <a:lumMod val="75000"/>
+                </a:schemeClr>
+              </a:solidFill>
+            </a:endParaRPr>
+          </a:p>
+        </p:txBody>
+      </p:sp>
+      <p:sp>
+        <p:nvSpPr>
+          <p:cNvPr id="100" name="TextBox 99">
+            <a:extLst>
+              <a:ext uri="{FF2B5EF4-FFF2-40B4-BE49-F238E27FC236}">
+                <a16:creationId xmlns:a16="http://schemas.microsoft.com/office/drawing/2014/main" id="{12201851-C55F-279A-85B6-B9C3D7CB6CFD}"/>
+              </a:ext>
+            </a:extLst>
+          </p:cNvPr>
+          <p:cNvSpPr txBox="1"/>
+          <p:nvPr/>
+        </p:nvSpPr>
+        <p:spPr>
+          <a:xfrm>
+            <a:off x="2708456" y="6040166"/>
+            <a:ext cx="1105646" cy="430887"/>
+          </a:xfrm>
+          <a:prstGeom prst="rect">
+            <a:avLst/>
+          </a:prstGeom>
+          <a:noFill/>
+        </p:spPr>
+        <p:txBody>
+          <a:bodyPr wrap="square" rtlCol="0">
+            <a:spAutoFit/>
+          </a:bodyPr>
+          <a:lstStyle/>
+          <a:p>
+            <a:r>
+              <a:rPr lang="en-US" sz="1100" b="1" dirty="0">
+                <a:solidFill>
+                  <a:schemeClr val="accent6">
+                    <a:lumMod val="75000"/>
+                  </a:schemeClr>
+                </a:solidFill>
+              </a:rPr>
+              <a:t>Modbus IP: 192.168.100.12</a:t>
+            </a:r>
+            <a:endParaRPr lang="en-SG" sz="1100" b="1" dirty="0">
+              <a:solidFill>
+                <a:schemeClr val="accent6">
+                  <a:lumMod val="75000"/>
+                </a:schemeClr>
+              </a:solidFill>
+            </a:endParaRPr>
+          </a:p>
+        </p:txBody>
+      </p:sp>
+      <p:sp>
+        <p:nvSpPr>
+          <p:cNvPr id="101" name="TextBox 100">
+            <a:extLst>
+              <a:ext uri="{FF2B5EF4-FFF2-40B4-BE49-F238E27FC236}">
+                <a16:creationId xmlns:a16="http://schemas.microsoft.com/office/drawing/2014/main" id="{AAF6204F-22DC-BEE5-C395-354406B284DD}"/>
+              </a:ext>
+            </a:extLst>
+          </p:cNvPr>
+          <p:cNvSpPr txBox="1"/>
+          <p:nvPr/>
+        </p:nvSpPr>
+        <p:spPr>
+          <a:xfrm>
+            <a:off x="5681057" y="6032064"/>
+            <a:ext cx="1105646" cy="430887"/>
+          </a:xfrm>
+          <a:prstGeom prst="rect">
+            <a:avLst/>
+          </a:prstGeom>
+          <a:noFill/>
+        </p:spPr>
+        <p:txBody>
+          <a:bodyPr wrap="square" rtlCol="0">
+            <a:spAutoFit/>
+          </a:bodyPr>
+          <a:lstStyle/>
+          <a:p>
+            <a:r>
+              <a:rPr lang="en-US" sz="1100" b="1" dirty="0">
+                <a:solidFill>
+                  <a:schemeClr val="accent6">
+                    <a:lumMod val="75000"/>
+                  </a:schemeClr>
+                </a:solidFill>
+              </a:rPr>
+              <a:t>Modbus IP: 192.168.100.11</a:t>
+            </a:r>
+            <a:endParaRPr lang="en-SG" sz="1100" b="1" dirty="0">
+              <a:solidFill>
+                <a:schemeClr val="accent6">
+                  <a:lumMod val="75000"/>
+                </a:schemeClr>
+              </a:solidFill>
+            </a:endParaRPr>
+          </a:p>
+        </p:txBody>
+      </p:sp>
+      <p:pic>
+        <p:nvPicPr>
+          <p:cNvPr id="102" name="Picture 8" descr="Router | Cisco Network Topology Icons 3015">
+            <a:extLst>
+              <a:ext uri="{FF2B5EF4-FFF2-40B4-BE49-F238E27FC236}">
+                <a16:creationId xmlns:a16="http://schemas.microsoft.com/office/drawing/2014/main" id="{7E403F20-638A-A8BB-7053-51DB3DB55792}"/>
+              </a:ext>
+            </a:extLst>
+          </p:cNvPr>
+          <p:cNvPicPr>
+            <a:picLocks noChangeAspect="1" noChangeArrowheads="1"/>
+          </p:cNvPicPr>
+          <p:nvPr/>
+        </p:nvPicPr>
+        <p:blipFill>
+          <a:blip r:embed="rId7">
+            <a:extLst>
+              <a:ext uri="{28A0092B-C50C-407E-A947-70E740481C1C}">
+                <a14:useLocalDpi xmlns:a14="http://schemas.microsoft.com/office/drawing/2010/main" val="0"/>
+              </a:ext>
+            </a:extLst>
+          </a:blip>
+          <a:srcRect/>
+          <a:stretch>
+            <a:fillRect/>
+          </a:stretch>
+        </p:blipFill>
+        <p:spPr bwMode="auto">
+          <a:xfrm>
+            <a:off x="8753449" y="4963854"/>
+            <a:ext cx="473861" cy="324037"/>
+          </a:xfrm>
+          <a:prstGeom prst="rect">
+            <a:avLst/>
+          </a:prstGeom>
+          <a:noFill/>
+          <a:extLst>
+            <a:ext uri="{909E8E84-426E-40DD-AFC4-6F175D3DCCD1}">
+              <a14:hiddenFill xmlns:a14="http://schemas.microsoft.com/office/drawing/2010/main">
+                <a:solidFill>
+                  <a:srgbClr val="FFFFFF"/>
+                </a:solidFill>
+              </a14:hiddenFill>
+            </a:ext>
+          </a:extLst>
+        </p:spPr>
+      </p:pic>
+      <p:cxnSp>
+        <p:nvCxnSpPr>
+          <p:cNvPr id="103" name="Straight Arrow Connector 102">
+            <a:extLst>
+              <a:ext uri="{FF2B5EF4-FFF2-40B4-BE49-F238E27FC236}">
+                <a16:creationId xmlns:a16="http://schemas.microsoft.com/office/drawing/2014/main" id="{B94732CB-CAA5-2406-8B81-539B7DC6A0B0}"/>
+              </a:ext>
+            </a:extLst>
+          </p:cNvPr>
+          <p:cNvCxnSpPr>
+            <a:cxnSpLocks/>
+          </p:cNvCxnSpPr>
+          <p:nvPr/>
+        </p:nvCxnSpPr>
+        <p:spPr>
+          <a:xfrm>
+            <a:off x="8990379" y="5246661"/>
+            <a:ext cx="15792" cy="1186912"/>
+          </a:xfrm>
+          <a:prstGeom prst="straightConnector1">
+            <a:avLst/>
+          </a:prstGeom>
+          <a:ln w="19050">
+            <a:solidFill>
+              <a:srgbClr val="00B050"/>
+            </a:solidFill>
+            <a:headEnd type="triangle"/>
+            <a:tailEnd type="triangle"/>
+          </a:ln>
+        </p:spPr>
+        <p:style>
+          <a:lnRef idx="1">
+            <a:schemeClr val="accent1"/>
+          </a:lnRef>
+          <a:fillRef idx="0">
+            <a:schemeClr val="accent1"/>
+          </a:fillRef>
+          <a:effectRef idx="0">
+            <a:schemeClr val="accent1"/>
+          </a:effectRef>
+          <a:fontRef idx="minor">
+            <a:schemeClr val="tx1"/>
+          </a:fontRef>
+        </p:style>
+      </p:cxnSp>
+      <p:cxnSp>
+        <p:nvCxnSpPr>
+          <p:cNvPr id="106" name="Straight Arrow Connector 105">
+            <a:extLst>
+              <a:ext uri="{FF2B5EF4-FFF2-40B4-BE49-F238E27FC236}">
+                <a16:creationId xmlns:a16="http://schemas.microsoft.com/office/drawing/2014/main" id="{63B15613-2C51-6774-2490-5F419619167C}"/>
+              </a:ext>
+            </a:extLst>
+          </p:cNvPr>
+          <p:cNvCxnSpPr>
+            <a:cxnSpLocks/>
+          </p:cNvCxnSpPr>
+          <p:nvPr/>
+        </p:nvCxnSpPr>
+        <p:spPr>
+          <a:xfrm>
+            <a:off x="8850585" y="3412458"/>
+            <a:ext cx="0" cy="1544464"/>
+          </a:xfrm>
+          <a:prstGeom prst="straightConnector1">
+            <a:avLst/>
+          </a:prstGeom>
+          <a:ln w="19050">
+            <a:solidFill>
+              <a:srgbClr val="00B050"/>
+            </a:solidFill>
+            <a:headEnd type="triangle"/>
+            <a:tailEnd type="triangle"/>
+          </a:ln>
+        </p:spPr>
+        <p:style>
+          <a:lnRef idx="1">
+            <a:schemeClr val="accent1"/>
+          </a:lnRef>
+          <a:fillRef idx="0">
+            <a:schemeClr val="accent1"/>
+          </a:fillRef>
+          <a:effectRef idx="0">
+            <a:schemeClr val="accent1"/>
+          </a:effectRef>
+          <a:fontRef idx="minor">
+            <a:schemeClr val="tx1"/>
+          </a:fontRef>
+        </p:style>
+      </p:cxnSp>
+      <p:sp>
+        <p:nvSpPr>
+          <p:cNvPr id="113" name="TextBox 112">
+            <a:extLst>
+              <a:ext uri="{FF2B5EF4-FFF2-40B4-BE49-F238E27FC236}">
+                <a16:creationId xmlns:a16="http://schemas.microsoft.com/office/drawing/2014/main" id="{C020521E-2EE6-590C-66A4-F7771AFBA96F}"/>
+              </a:ext>
+            </a:extLst>
+          </p:cNvPr>
+          <p:cNvSpPr txBox="1"/>
+          <p:nvPr/>
+        </p:nvSpPr>
+        <p:spPr>
+          <a:xfrm>
+            <a:off x="6889834" y="3412458"/>
+            <a:ext cx="2340631" cy="261610"/>
+          </a:xfrm>
+          <a:prstGeom prst="rect">
+            <a:avLst/>
+          </a:prstGeom>
+          <a:noFill/>
+        </p:spPr>
+        <p:txBody>
+          <a:bodyPr wrap="square" rtlCol="0">
+            <a:spAutoFit/>
+          </a:bodyPr>
+          <a:lstStyle/>
+          <a:p>
+            <a:r>
+              <a:rPr lang="en-US" sz="1100" b="1" dirty="0">
+                <a:solidFill>
+                  <a:schemeClr val="accent6">
+                    <a:lumMod val="75000"/>
+                  </a:schemeClr>
+                </a:solidFill>
+              </a:rPr>
+              <a:t>Master HMI IP: 192.168.10.100</a:t>
+            </a:r>
+            <a:endParaRPr lang="en-SG" sz="1100" b="1" dirty="0">
+              <a:solidFill>
+                <a:schemeClr val="accent6">
+                  <a:lumMod val="75000"/>
+                </a:schemeClr>
+              </a:solidFill>
+            </a:endParaRPr>
+          </a:p>
+        </p:txBody>
+      </p:sp>
+      <p:cxnSp>
+        <p:nvCxnSpPr>
+          <p:cNvPr id="121" name="Straight Connector 120">
+            <a:extLst>
+              <a:ext uri="{FF2B5EF4-FFF2-40B4-BE49-F238E27FC236}">
+                <a16:creationId xmlns:a16="http://schemas.microsoft.com/office/drawing/2014/main" id="{F378BB81-B922-1285-C5B7-69BD667175F3}"/>
+              </a:ext>
+            </a:extLst>
+          </p:cNvPr>
+          <p:cNvCxnSpPr>
+            <a:cxnSpLocks/>
+          </p:cNvCxnSpPr>
+          <p:nvPr/>
+        </p:nvCxnSpPr>
+        <p:spPr>
+          <a:xfrm>
+            <a:off x="9079992" y="3798273"/>
+            <a:ext cx="0" cy="1112259"/>
+          </a:xfrm>
+          <a:prstGeom prst="line">
+            <a:avLst/>
+          </a:prstGeom>
+          <a:ln w="19050">
+            <a:solidFill>
+              <a:srgbClr val="92D050"/>
+            </a:solidFill>
+          </a:ln>
+        </p:spPr>
+        <p:style>
+          <a:lnRef idx="1">
+            <a:schemeClr val="accent1"/>
+          </a:lnRef>
+          <a:fillRef idx="0">
+            <a:schemeClr val="accent1"/>
+          </a:fillRef>
+          <a:effectRef idx="0">
+            <a:schemeClr val="accent1"/>
+          </a:effectRef>
+          <a:fontRef idx="minor">
+            <a:schemeClr val="tx1"/>
+          </a:fontRef>
+        </p:style>
+      </p:cxnSp>
+      <p:cxnSp>
+        <p:nvCxnSpPr>
+          <p:cNvPr id="123" name="Straight Connector 122">
+            <a:extLst>
+              <a:ext uri="{FF2B5EF4-FFF2-40B4-BE49-F238E27FC236}">
+                <a16:creationId xmlns:a16="http://schemas.microsoft.com/office/drawing/2014/main" id="{02F9DA95-2DC7-14CD-8D7C-0E297CA1A5F5}"/>
+              </a:ext>
+            </a:extLst>
+          </p:cNvPr>
+          <p:cNvCxnSpPr>
+            <a:cxnSpLocks/>
+          </p:cNvCxnSpPr>
+          <p:nvPr/>
+        </p:nvCxnSpPr>
+        <p:spPr>
+          <a:xfrm flipV="1">
+            <a:off x="9079992" y="3798273"/>
+            <a:ext cx="2060448" cy="20005"/>
+          </a:xfrm>
+          <a:prstGeom prst="line">
+            <a:avLst/>
+          </a:prstGeom>
+          <a:ln w="19050">
+            <a:solidFill>
+              <a:srgbClr val="92D050"/>
+            </a:solidFill>
+          </a:ln>
+        </p:spPr>
+        <p:style>
+          <a:lnRef idx="1">
+            <a:schemeClr val="accent1"/>
+          </a:lnRef>
+          <a:fillRef idx="0">
+            <a:schemeClr val="accent1"/>
+          </a:fillRef>
+          <a:effectRef idx="0">
+            <a:schemeClr val="accent1"/>
+          </a:effectRef>
+          <a:fontRef idx="minor">
+            <a:schemeClr val="tx1"/>
+          </a:fontRef>
+        </p:style>
+      </p:cxnSp>
+      <p:cxnSp>
+        <p:nvCxnSpPr>
+          <p:cNvPr id="126" name="Straight Arrow Connector 125">
+            <a:extLst>
+              <a:ext uri="{FF2B5EF4-FFF2-40B4-BE49-F238E27FC236}">
+                <a16:creationId xmlns:a16="http://schemas.microsoft.com/office/drawing/2014/main" id="{E92CDC90-1B8A-D159-7B10-8CCC5939A080}"/>
+              </a:ext>
+            </a:extLst>
+          </p:cNvPr>
+          <p:cNvCxnSpPr/>
+          <p:nvPr/>
+        </p:nvCxnSpPr>
+        <p:spPr>
+          <a:xfrm flipV="1">
+            <a:off x="11140440" y="3116326"/>
+            <a:ext cx="0" cy="681947"/>
+          </a:xfrm>
+          <a:prstGeom prst="straightConnector1">
+            <a:avLst/>
+          </a:prstGeom>
+          <a:ln w="19050">
+            <a:solidFill>
+              <a:srgbClr val="92D050"/>
+            </a:solidFill>
+            <a:tailEnd type="triangle"/>
+          </a:ln>
+        </p:spPr>
+        <p:style>
+          <a:lnRef idx="1">
+            <a:schemeClr val="accent1"/>
+          </a:lnRef>
+          <a:fillRef idx="0">
+            <a:schemeClr val="accent1"/>
+          </a:fillRef>
+          <a:effectRef idx="0">
+            <a:schemeClr val="accent1"/>
+          </a:effectRef>
+          <a:fontRef idx="minor">
+            <a:schemeClr val="tx1"/>
+          </a:fontRef>
+        </p:style>
+      </p:cxnSp>
+      <p:cxnSp>
+        <p:nvCxnSpPr>
+          <p:cNvPr id="127" name="Straight Arrow Connector 126">
+            <a:extLst>
+              <a:ext uri="{FF2B5EF4-FFF2-40B4-BE49-F238E27FC236}">
+                <a16:creationId xmlns:a16="http://schemas.microsoft.com/office/drawing/2014/main" id="{1F195F14-4CEC-0A3D-20A8-82FAB8BCFF72}"/>
+              </a:ext>
+            </a:extLst>
+          </p:cNvPr>
+          <p:cNvCxnSpPr>
+            <a:cxnSpLocks/>
+          </p:cNvCxnSpPr>
+          <p:nvPr/>
+        </p:nvCxnSpPr>
+        <p:spPr>
+          <a:xfrm flipV="1">
+            <a:off x="9610344" y="3524790"/>
+            <a:ext cx="0" cy="283485"/>
+          </a:xfrm>
+          <a:prstGeom prst="straightConnector1">
+            <a:avLst/>
+          </a:prstGeom>
+          <a:ln w="19050">
+            <a:solidFill>
+              <a:srgbClr val="92D050"/>
+            </a:solidFill>
+            <a:tailEnd type="triangle"/>
+          </a:ln>
+        </p:spPr>
+        <p:style>
+          <a:lnRef idx="1">
+            <a:schemeClr val="accent1"/>
+          </a:lnRef>
+          <a:fillRef idx="0">
+            <a:schemeClr val="accent1"/>
+          </a:fillRef>
+          <a:effectRef idx="0">
+            <a:schemeClr val="accent1"/>
+          </a:effectRef>
+          <a:fontRef idx="minor">
+            <a:schemeClr val="tx1"/>
+          </a:fontRef>
+        </p:style>
+      </p:cxnSp>
+      <p:cxnSp>
+        <p:nvCxnSpPr>
+          <p:cNvPr id="130" name="Straight Arrow Connector 129">
+            <a:extLst>
+              <a:ext uri="{FF2B5EF4-FFF2-40B4-BE49-F238E27FC236}">
+                <a16:creationId xmlns:a16="http://schemas.microsoft.com/office/drawing/2014/main" id="{9C0BDDE0-0C9E-D82A-4E6D-ACA16EFF32B0}"/>
+              </a:ext>
+            </a:extLst>
+          </p:cNvPr>
+          <p:cNvCxnSpPr>
+            <a:cxnSpLocks/>
+          </p:cNvCxnSpPr>
+          <p:nvPr/>
+        </p:nvCxnSpPr>
+        <p:spPr>
+          <a:xfrm flipV="1">
+            <a:off x="10110216" y="3514788"/>
+            <a:ext cx="0" cy="283485"/>
+          </a:xfrm>
+          <a:prstGeom prst="straightConnector1">
+            <a:avLst/>
+          </a:prstGeom>
+          <a:ln w="19050">
+            <a:solidFill>
+              <a:srgbClr val="92D050"/>
+            </a:solidFill>
+            <a:tailEnd type="triangle"/>
+          </a:ln>
+        </p:spPr>
+        <p:style>
+          <a:lnRef idx="1">
+            <a:schemeClr val="accent1"/>
+          </a:lnRef>
+          <a:fillRef idx="0">
+            <a:schemeClr val="accent1"/>
+          </a:fillRef>
+          <a:effectRef idx="0">
+            <a:schemeClr val="accent1"/>
+          </a:effectRef>
+          <a:fontRef idx="minor">
+            <a:schemeClr val="tx1"/>
+          </a:fontRef>
+        </p:style>
+      </p:cxnSp>
+      <p:sp>
+        <p:nvSpPr>
+          <p:cNvPr id="131" name="TextBox 130">
+            <a:extLst>
+              <a:ext uri="{FF2B5EF4-FFF2-40B4-BE49-F238E27FC236}">
+                <a16:creationId xmlns:a16="http://schemas.microsoft.com/office/drawing/2014/main" id="{3AC3395F-3CB3-5B6E-8420-A98BA28CC210}"/>
+              </a:ext>
+            </a:extLst>
+          </p:cNvPr>
+          <p:cNvSpPr txBox="1"/>
+          <p:nvPr/>
+        </p:nvSpPr>
+        <p:spPr>
+          <a:xfrm>
+            <a:off x="932098" y="6066034"/>
+            <a:ext cx="919080" cy="369332"/>
+          </a:xfrm>
+          <a:prstGeom prst="rect">
+            <a:avLst/>
+          </a:prstGeom>
+          <a:noFill/>
+        </p:spPr>
+        <p:txBody>
+          <a:bodyPr wrap="square" rtlCol="0">
+            <a:spAutoFit/>
+          </a:bodyPr>
+          <a:lstStyle/>
+          <a:p>
+            <a:r>
+              <a:rPr lang="en-US" sz="900" dirty="0"/>
+              <a:t>Coils control request </a:t>
+            </a:r>
+            <a:endParaRPr lang="en-SG" sz="900" dirty="0"/>
+          </a:p>
+        </p:txBody>
+      </p:sp>
+      <p:sp>
+        <p:nvSpPr>
+          <p:cNvPr id="132" name="TextBox 131">
+            <a:extLst>
+              <a:ext uri="{FF2B5EF4-FFF2-40B4-BE49-F238E27FC236}">
+                <a16:creationId xmlns:a16="http://schemas.microsoft.com/office/drawing/2014/main" id="{0B6C3851-21A6-FCAE-6472-4F9B2F09806E}"/>
+              </a:ext>
+            </a:extLst>
+          </p:cNvPr>
+          <p:cNvSpPr txBox="1"/>
+          <p:nvPr/>
+        </p:nvSpPr>
+        <p:spPr>
+          <a:xfrm>
+            <a:off x="3710147" y="6070944"/>
+            <a:ext cx="1596231" cy="369332"/>
+          </a:xfrm>
+          <a:prstGeom prst="rect">
+            <a:avLst/>
+          </a:prstGeom>
+          <a:noFill/>
+        </p:spPr>
+        <p:txBody>
+          <a:bodyPr wrap="square" rtlCol="0">
+            <a:spAutoFit/>
+          </a:bodyPr>
+          <a:lstStyle/>
+          <a:p>
+            <a:r>
+              <a:rPr lang="en-US" sz="900" dirty="0"/>
+              <a:t>Register control request </a:t>
+            </a:r>
+          </a:p>
+          <a:p>
+            <a:r>
+              <a:rPr lang="en-US" sz="900" dirty="0"/>
+              <a:t>Coils control request </a:t>
+            </a:r>
+            <a:endParaRPr lang="en-SG" sz="900" dirty="0"/>
+          </a:p>
+        </p:txBody>
+      </p:sp>
+      <p:sp>
+        <p:nvSpPr>
+          <p:cNvPr id="133" name="TextBox 132">
+            <a:extLst>
+              <a:ext uri="{FF2B5EF4-FFF2-40B4-BE49-F238E27FC236}">
+                <a16:creationId xmlns:a16="http://schemas.microsoft.com/office/drawing/2014/main" id="{2DE6DEA7-6024-E020-8054-63281E19915D}"/>
+              </a:ext>
+            </a:extLst>
+          </p:cNvPr>
+          <p:cNvSpPr txBox="1"/>
+          <p:nvPr/>
+        </p:nvSpPr>
+        <p:spPr>
+          <a:xfrm>
+            <a:off x="6688051" y="6049167"/>
+            <a:ext cx="1596231" cy="369332"/>
+          </a:xfrm>
+          <a:prstGeom prst="rect">
+            <a:avLst/>
+          </a:prstGeom>
+          <a:noFill/>
+        </p:spPr>
+        <p:txBody>
+          <a:bodyPr wrap="square" rtlCol="0">
+            <a:spAutoFit/>
+          </a:bodyPr>
+          <a:lstStyle/>
+          <a:p>
+            <a:r>
+              <a:rPr lang="en-US" sz="900" dirty="0"/>
+              <a:t>Register control request </a:t>
+            </a:r>
+          </a:p>
+          <a:p>
+            <a:r>
+              <a:rPr lang="en-US" sz="900" dirty="0"/>
+              <a:t>Coils control request </a:t>
+            </a:r>
+            <a:endParaRPr lang="en-SG" sz="900" dirty="0"/>
+          </a:p>
+        </p:txBody>
+      </p:sp>
+      <p:sp>
+        <p:nvSpPr>
+          <p:cNvPr id="134" name="TextBox 133">
+            <a:extLst>
+              <a:ext uri="{FF2B5EF4-FFF2-40B4-BE49-F238E27FC236}">
+                <a16:creationId xmlns:a16="http://schemas.microsoft.com/office/drawing/2014/main" id="{37E52008-5AB3-2F21-C57D-0EB49AA477CB}"/>
+              </a:ext>
+            </a:extLst>
+          </p:cNvPr>
+          <p:cNvSpPr txBox="1"/>
+          <p:nvPr/>
+        </p:nvSpPr>
+        <p:spPr>
+          <a:xfrm>
+            <a:off x="10091512" y="2330853"/>
+            <a:ext cx="636759" cy="461665"/>
+          </a:xfrm>
+          <a:prstGeom prst="rect">
+            <a:avLst/>
+          </a:prstGeom>
+          <a:noFill/>
+        </p:spPr>
+        <p:txBody>
+          <a:bodyPr wrap="square" rtlCol="0">
+            <a:spAutoFit/>
+          </a:bodyPr>
+          <a:lstStyle/>
+          <a:p>
+            <a:r>
+              <a:rPr lang="en-US" sz="1200" b="1" dirty="0">
+                <a:solidFill>
+                  <a:srgbClr val="FF0000"/>
+                </a:solidFill>
+              </a:rPr>
+              <a:t>Master HMI</a:t>
+            </a:r>
+          </a:p>
+        </p:txBody>
+      </p:sp>
+      <p:sp>
+        <p:nvSpPr>
+          <p:cNvPr id="135" name="TextBox 134">
+            <a:extLst>
+              <a:ext uri="{FF2B5EF4-FFF2-40B4-BE49-F238E27FC236}">
+                <a16:creationId xmlns:a16="http://schemas.microsoft.com/office/drawing/2014/main" id="{BB509C43-2C6F-EC65-E3F7-5D00A3466D4E}"/>
+              </a:ext>
+            </a:extLst>
+          </p:cNvPr>
+          <p:cNvSpPr txBox="1"/>
+          <p:nvPr/>
+        </p:nvSpPr>
+        <p:spPr>
+          <a:xfrm>
+            <a:off x="10952861" y="2539360"/>
+            <a:ext cx="636759" cy="461665"/>
+          </a:xfrm>
+          <a:prstGeom prst="rect">
+            <a:avLst/>
+          </a:prstGeom>
+          <a:noFill/>
+        </p:spPr>
+        <p:txBody>
+          <a:bodyPr wrap="square" rtlCol="0">
+            <a:spAutoFit/>
+          </a:bodyPr>
+          <a:lstStyle/>
+          <a:p>
+            <a:r>
+              <a:rPr lang="en-US" sz="1200" b="1" dirty="0">
+                <a:solidFill>
+                  <a:srgbClr val="FF0000"/>
+                </a:solidFill>
+              </a:rPr>
+              <a:t>Slave HMI(s)</a:t>
+            </a:r>
+          </a:p>
+        </p:txBody>
+      </p:sp>
+      <p:sp>
+        <p:nvSpPr>
+          <p:cNvPr id="136" name="TextBox 135">
+            <a:extLst>
+              <a:ext uri="{FF2B5EF4-FFF2-40B4-BE49-F238E27FC236}">
+                <a16:creationId xmlns:a16="http://schemas.microsoft.com/office/drawing/2014/main" id="{9A56C468-C660-7D00-5A48-A6FACFB0E3D1}"/>
+              </a:ext>
+            </a:extLst>
+          </p:cNvPr>
+          <p:cNvSpPr txBox="1"/>
+          <p:nvPr/>
+        </p:nvSpPr>
+        <p:spPr>
+          <a:xfrm>
+            <a:off x="11098168" y="3116326"/>
+            <a:ext cx="1093832" cy="430887"/>
+          </a:xfrm>
+          <a:prstGeom prst="rect">
+            <a:avLst/>
+          </a:prstGeom>
+          <a:noFill/>
+        </p:spPr>
+        <p:txBody>
+          <a:bodyPr wrap="square" rtlCol="0">
+            <a:spAutoFit/>
+          </a:bodyPr>
+          <a:lstStyle/>
+          <a:p>
+            <a:r>
+              <a:rPr lang="en-US" sz="1100" b="1" dirty="0">
+                <a:solidFill>
+                  <a:schemeClr val="accent6">
+                    <a:lumMod val="75000"/>
+                  </a:schemeClr>
+                </a:solidFill>
+              </a:rPr>
+              <a:t>Slave HMI IP: 192.168.10.10X</a:t>
+            </a:r>
+            <a:endParaRPr lang="en-SG" sz="1100" b="1" dirty="0">
+              <a:solidFill>
+                <a:schemeClr val="accent6">
+                  <a:lumMod val="75000"/>
+                </a:schemeClr>
+              </a:solidFill>
+            </a:endParaRPr>
+          </a:p>
+        </p:txBody>
+      </p:sp>
+      <p:sp>
+        <p:nvSpPr>
+          <p:cNvPr id="137" name="TextBox 136">
+            <a:extLst>
+              <a:ext uri="{FF2B5EF4-FFF2-40B4-BE49-F238E27FC236}">
+                <a16:creationId xmlns:a16="http://schemas.microsoft.com/office/drawing/2014/main" id="{7EFA15ED-D70D-6AB6-5181-8E75873186AD}"/>
+              </a:ext>
+            </a:extLst>
+          </p:cNvPr>
+          <p:cNvSpPr txBox="1"/>
+          <p:nvPr/>
+        </p:nvSpPr>
+        <p:spPr>
+          <a:xfrm>
+            <a:off x="7891148" y="3789637"/>
+            <a:ext cx="1373285" cy="369332"/>
+          </a:xfrm>
+          <a:prstGeom prst="rect">
+            <a:avLst/>
+          </a:prstGeom>
+          <a:noFill/>
+        </p:spPr>
+        <p:txBody>
+          <a:bodyPr wrap="square" rtlCol="0">
+            <a:spAutoFit/>
+          </a:bodyPr>
+          <a:lstStyle/>
+          <a:p>
+            <a:r>
+              <a:rPr lang="en-US" sz="900" dirty="0"/>
+              <a:t>Register control</a:t>
+            </a:r>
+          </a:p>
+          <a:p>
+            <a:r>
+              <a:rPr lang="en-US" sz="900" dirty="0"/>
+              <a:t>Coils control </a:t>
+            </a:r>
+            <a:endParaRPr lang="en-SG" sz="900" dirty="0"/>
+          </a:p>
+        </p:txBody>
+      </p:sp>
+      <p:sp>
+        <p:nvSpPr>
+          <p:cNvPr id="138" name="TextBox 137">
+            <a:extLst>
+              <a:ext uri="{FF2B5EF4-FFF2-40B4-BE49-F238E27FC236}">
+                <a16:creationId xmlns:a16="http://schemas.microsoft.com/office/drawing/2014/main" id="{0E381E19-7A1F-927B-C45D-46EFB38375DF}"/>
+              </a:ext>
+            </a:extLst>
+          </p:cNvPr>
+          <p:cNvSpPr txBox="1"/>
+          <p:nvPr/>
+        </p:nvSpPr>
+        <p:spPr>
+          <a:xfrm>
+            <a:off x="9454373" y="3813661"/>
+            <a:ext cx="1832136" cy="369332"/>
+          </a:xfrm>
+          <a:prstGeom prst="rect">
+            <a:avLst/>
+          </a:prstGeom>
+          <a:noFill/>
+        </p:spPr>
+        <p:txBody>
+          <a:bodyPr wrap="square" rtlCol="0">
+            <a:spAutoFit/>
+          </a:bodyPr>
+          <a:lstStyle/>
+          <a:p>
+            <a:r>
+              <a:rPr lang="en-US" sz="900" dirty="0"/>
+              <a:t>Register data fetch</a:t>
+            </a:r>
+          </a:p>
+          <a:p>
+            <a:r>
+              <a:rPr lang="en-US" sz="900" dirty="0"/>
+              <a:t>Coils data fetch </a:t>
+            </a:r>
+            <a:endParaRPr lang="en-SG" sz="900" dirty="0"/>
+          </a:p>
+        </p:txBody>
+      </p:sp>
+      <p:sp>
+        <p:nvSpPr>
+          <p:cNvPr id="139" name="TextBox 138">
+            <a:extLst>
+              <a:ext uri="{FF2B5EF4-FFF2-40B4-BE49-F238E27FC236}">
+                <a16:creationId xmlns:a16="http://schemas.microsoft.com/office/drawing/2014/main" id="{BB754AC0-1949-987C-602B-D47D4EA811DB}"/>
+              </a:ext>
+            </a:extLst>
+          </p:cNvPr>
+          <p:cNvSpPr txBox="1"/>
+          <p:nvPr/>
+        </p:nvSpPr>
+        <p:spPr>
+          <a:xfrm>
+            <a:off x="9049907" y="4151513"/>
+            <a:ext cx="1683541" cy="461665"/>
+          </a:xfrm>
+          <a:prstGeom prst="rect">
+            <a:avLst/>
+          </a:prstGeom>
+          <a:noFill/>
+        </p:spPr>
+        <p:txBody>
+          <a:bodyPr wrap="square" rtlCol="0">
+            <a:spAutoFit/>
+          </a:bodyPr>
+          <a:lstStyle/>
+          <a:p>
+            <a:r>
+              <a:rPr lang="en-US" sz="1200" b="1" dirty="0">
+                <a:solidFill>
+                  <a:schemeClr val="accent6">
+                    <a:lumMod val="75000"/>
+                  </a:schemeClr>
+                </a:solidFill>
+              </a:rPr>
+              <a:t>HMI network 192.16.10.x</a:t>
+            </a:r>
+          </a:p>
+        </p:txBody>
+      </p:sp>
+      <p:sp>
+        <p:nvSpPr>
+          <p:cNvPr id="142" name="Rectangle 141">
+            <a:extLst>
+              <a:ext uri="{FF2B5EF4-FFF2-40B4-BE49-F238E27FC236}">
+                <a16:creationId xmlns:a16="http://schemas.microsoft.com/office/drawing/2014/main" id="{F8A34179-9A20-C41F-73C6-BC85CC1CD49D}"/>
+              </a:ext>
+            </a:extLst>
+          </p:cNvPr>
+          <p:cNvSpPr/>
+          <p:nvPr/>
+        </p:nvSpPr>
+        <p:spPr>
+          <a:xfrm>
+            <a:off x="10407659" y="4808462"/>
+            <a:ext cx="1368763" cy="1072273"/>
+          </a:xfrm>
+          <a:prstGeom prst="rect">
+            <a:avLst/>
+          </a:prstGeom>
+        </p:spPr>
+        <p:style>
+          <a:lnRef idx="2">
+            <a:schemeClr val="accent1">
+              <a:shade val="15000"/>
+            </a:schemeClr>
+          </a:lnRef>
+          <a:fillRef idx="1">
+            <a:schemeClr val="accent1"/>
+          </a:fillRef>
+          <a:effectRef idx="0">
+            <a:schemeClr val="accent1"/>
+          </a:effectRef>
+          <a:fontRef idx="minor">
+            <a:schemeClr val="lt1"/>
+          </a:fontRef>
+        </p:style>
+        <p:txBody>
+          <a:bodyPr rtlCol="0" anchor="ctr"/>
+          <a:lstStyle/>
+          <a:p>
+            <a:pPr algn="ctr"/>
+            <a:endParaRPr lang="en-SG"/>
+          </a:p>
+        </p:txBody>
+      </p:sp>
+      <p:pic>
+        <p:nvPicPr>
+          <p:cNvPr id="141" name="Picture 140">
+            <a:extLst>
+              <a:ext uri="{FF2B5EF4-FFF2-40B4-BE49-F238E27FC236}">
+                <a16:creationId xmlns:a16="http://schemas.microsoft.com/office/drawing/2014/main" id="{F10407DC-81A7-EFA4-AB9C-6ED1B2231B8A}"/>
+              </a:ext>
+            </a:extLst>
+          </p:cNvPr>
+          <p:cNvPicPr>
+            <a:picLocks noChangeAspect="1"/>
+          </p:cNvPicPr>
+          <p:nvPr/>
+        </p:nvPicPr>
+        <p:blipFill>
+          <a:blip r:embed="rId8"/>
+          <a:stretch>
+            <a:fillRect/>
+          </a:stretch>
+        </p:blipFill>
+        <p:spPr>
+          <a:xfrm>
+            <a:off x="9905993" y="4976367"/>
+            <a:ext cx="1550062" cy="1078304"/>
+          </a:xfrm>
+          <a:prstGeom prst="rect">
+            <a:avLst/>
+          </a:prstGeom>
+          <a:ln w="12700">
+            <a:solidFill>
+              <a:schemeClr val="tx1"/>
+            </a:solidFill>
+          </a:ln>
+        </p:spPr>
+      </p:pic>
+      <p:cxnSp>
+        <p:nvCxnSpPr>
+          <p:cNvPr id="143" name="Straight Arrow Connector 142">
+            <a:extLst>
+              <a:ext uri="{FF2B5EF4-FFF2-40B4-BE49-F238E27FC236}">
+                <a16:creationId xmlns:a16="http://schemas.microsoft.com/office/drawing/2014/main" id="{D1A46456-FD44-A507-70C4-2DBC868D46BB}"/>
+              </a:ext>
+            </a:extLst>
+          </p:cNvPr>
+          <p:cNvCxnSpPr>
+            <a:cxnSpLocks/>
+          </p:cNvCxnSpPr>
+          <p:nvPr/>
+        </p:nvCxnSpPr>
+        <p:spPr>
+          <a:xfrm>
+            <a:off x="10328507" y="6076762"/>
+            <a:ext cx="0" cy="371616"/>
+          </a:xfrm>
+          <a:prstGeom prst="straightConnector1">
+            <a:avLst/>
+          </a:prstGeom>
+          <a:ln w="19050">
+            <a:solidFill>
+              <a:srgbClr val="00B050"/>
+            </a:solidFill>
+            <a:headEnd type="triangle"/>
+            <a:tailEnd type="triangle"/>
+          </a:ln>
+        </p:spPr>
+        <p:style>
+          <a:lnRef idx="1">
+            <a:schemeClr val="accent1"/>
+          </a:lnRef>
+          <a:fillRef idx="0">
+            <a:schemeClr val="accent1"/>
+          </a:fillRef>
+          <a:effectRef idx="0">
+            <a:schemeClr val="accent1"/>
+          </a:effectRef>
+          <a:fontRef idx="minor">
+            <a:schemeClr val="tx1"/>
+          </a:fontRef>
+        </p:style>
+      </p:cxnSp>
+      <p:cxnSp>
+        <p:nvCxnSpPr>
+          <p:cNvPr id="147" name="Straight Arrow Connector 146">
+            <a:extLst>
+              <a:ext uri="{FF2B5EF4-FFF2-40B4-BE49-F238E27FC236}">
+                <a16:creationId xmlns:a16="http://schemas.microsoft.com/office/drawing/2014/main" id="{36092415-3230-79B5-F01F-BE321CF06F97}"/>
+              </a:ext>
+            </a:extLst>
+          </p:cNvPr>
+          <p:cNvCxnSpPr>
+            <a:cxnSpLocks/>
+          </p:cNvCxnSpPr>
+          <p:nvPr/>
+        </p:nvCxnSpPr>
+        <p:spPr>
+          <a:xfrm>
+            <a:off x="11586531" y="5893089"/>
+            <a:ext cx="0" cy="572243"/>
+          </a:xfrm>
+          <a:prstGeom prst="straightConnector1">
+            <a:avLst/>
+          </a:prstGeom>
+          <a:ln w="19050">
+            <a:solidFill>
+              <a:srgbClr val="00B050"/>
+            </a:solidFill>
+            <a:headEnd type="triangle"/>
+            <a:tailEnd type="triangle"/>
+          </a:ln>
+        </p:spPr>
+        <p:style>
+          <a:lnRef idx="1">
+            <a:schemeClr val="accent1"/>
+          </a:lnRef>
+          <a:fillRef idx="0">
+            <a:schemeClr val="accent1"/>
+          </a:fillRef>
+          <a:effectRef idx="0">
+            <a:schemeClr val="accent1"/>
+          </a:effectRef>
+          <a:fontRef idx="minor">
+            <a:schemeClr val="tx1"/>
+          </a:fontRef>
+        </p:style>
+      </p:cxnSp>
+      <p:sp>
+        <p:nvSpPr>
+          <p:cNvPr id="150" name="TextBox 149">
+            <a:extLst>
+              <a:ext uri="{FF2B5EF4-FFF2-40B4-BE49-F238E27FC236}">
+                <a16:creationId xmlns:a16="http://schemas.microsoft.com/office/drawing/2014/main" id="{602845CD-539A-2905-2665-58D47BB43993}"/>
+              </a:ext>
+            </a:extLst>
+          </p:cNvPr>
+          <p:cNvSpPr txBox="1"/>
+          <p:nvPr/>
+        </p:nvSpPr>
+        <p:spPr>
+          <a:xfrm>
+            <a:off x="9610885" y="4526894"/>
+            <a:ext cx="2392975" cy="523220"/>
+          </a:xfrm>
+          <a:prstGeom prst="rect">
+            <a:avLst/>
+          </a:prstGeom>
+          <a:noFill/>
+        </p:spPr>
+        <p:txBody>
+          <a:bodyPr wrap="square" rtlCol="0">
+            <a:spAutoFit/>
+          </a:bodyPr>
+          <a:lstStyle/>
+          <a:p>
+            <a:r>
+              <a:rPr lang="en-US" sz="1400" b="1" dirty="0"/>
+              <a:t>Train Control panel [under progress]</a:t>
+            </a:r>
+            <a:endParaRPr lang="en-SG" sz="1400" b="1" dirty="0"/>
+          </a:p>
+        </p:txBody>
+      </p:sp>
+      <p:sp>
+        <p:nvSpPr>
+          <p:cNvPr id="151" name="TextBox 150">
+            <a:extLst>
+              <a:ext uri="{FF2B5EF4-FFF2-40B4-BE49-F238E27FC236}">
+                <a16:creationId xmlns:a16="http://schemas.microsoft.com/office/drawing/2014/main" id="{6D45C1DA-B19F-96EA-5DD2-850C1799516F}"/>
+              </a:ext>
+            </a:extLst>
+          </p:cNvPr>
+          <p:cNvSpPr txBox="1"/>
+          <p:nvPr/>
+        </p:nvSpPr>
+        <p:spPr>
+          <a:xfrm>
+            <a:off x="10384309" y="6026845"/>
+            <a:ext cx="1202219" cy="430887"/>
+          </a:xfrm>
+          <a:prstGeom prst="rect">
+            <a:avLst/>
+          </a:prstGeom>
+          <a:noFill/>
+        </p:spPr>
+        <p:txBody>
+          <a:bodyPr wrap="square" rtlCol="0">
+            <a:spAutoFit/>
+          </a:bodyPr>
+          <a:lstStyle/>
+          <a:p>
+            <a:r>
+              <a:rPr lang="en-US" sz="1100" b="1" dirty="0">
+                <a:solidFill>
+                  <a:schemeClr val="accent6">
+                    <a:lumMod val="75000"/>
+                  </a:schemeClr>
+                </a:solidFill>
+              </a:rPr>
+              <a:t>Modbus IP: 192.168.100.2xx</a:t>
+            </a:r>
+            <a:endParaRPr lang="en-SG" sz="1100" b="1" dirty="0">
+              <a:solidFill>
+                <a:schemeClr val="accent6">
+                  <a:lumMod val="75000"/>
+                </a:schemeClr>
+              </a:solidFill>
+            </a:endParaRPr>
+          </a:p>
+        </p:txBody>
+      </p:sp>
+      <p:sp>
+        <p:nvSpPr>
+          <p:cNvPr id="152" name="TextBox 151">
+            <a:extLst>
+              <a:ext uri="{FF2B5EF4-FFF2-40B4-BE49-F238E27FC236}">
+                <a16:creationId xmlns:a16="http://schemas.microsoft.com/office/drawing/2014/main" id="{023662AF-8192-D5C4-83A9-90FD288FD59B}"/>
+              </a:ext>
+            </a:extLst>
+          </p:cNvPr>
+          <p:cNvSpPr txBox="1"/>
+          <p:nvPr/>
+        </p:nvSpPr>
+        <p:spPr>
+          <a:xfrm>
+            <a:off x="9568878" y="6063815"/>
+            <a:ext cx="919080" cy="369332"/>
+          </a:xfrm>
+          <a:prstGeom prst="rect">
+            <a:avLst/>
+          </a:prstGeom>
+          <a:noFill/>
+        </p:spPr>
+        <p:txBody>
+          <a:bodyPr wrap="square" rtlCol="0">
+            <a:spAutoFit/>
+          </a:bodyPr>
+          <a:lstStyle/>
+          <a:p>
+            <a:r>
+              <a:rPr lang="en-US" sz="900" dirty="0"/>
+              <a:t>Coils control request </a:t>
+            </a:r>
+            <a:endParaRPr lang="en-SG" sz="900" dirty="0"/>
+          </a:p>
+        </p:txBody>
+      </p:sp>
+    </p:spTree>
+    <p:extLst>
+      <p:ext uri="{BB962C8B-B14F-4D97-AF65-F5344CB8AC3E}">
+        <p14:creationId xmlns:p14="http://schemas.microsoft.com/office/powerpoint/2010/main" val="2042535231"/>
+      </p:ext>
+    </p:extLst>
+  </p:cSld>
+  <p:clrMapOvr>
+    <a:masterClrMapping/>
+  </p:clrMapOvr>
+</p:sld>
+</file>
+
+<file path=ppt/slides/slide5.xml><?xml version="1.0" encoding="utf-8"?>
+<p:sld xmlns:a="http://schemas.openxmlformats.org/drawingml/2006/main" xmlns:r="http://schemas.openxmlformats.org/officeDocument/2006/relationships" xmlns:p="http://schemas.openxmlformats.org/presentationml/2006/main">
+  <p:cSld>
+    <p:spTree>
+      <p:nvGrpSpPr>
+        <p:cNvPr id="1" name=""/>
+        <p:cNvGrpSpPr/>
+        <p:nvPr/>
+      </p:nvGrpSpPr>
+      <p:grpSpPr>
+        <a:xfrm>
+          <a:off x="0" y="0"/>
+          <a:ext cx="0" cy="0"/>
+          <a:chOff x="0" y="0"/>
+          <a:chExt cx="0" cy="0"/>
+        </a:xfrm>
+      </p:grpSpPr>
+      <p:sp>
+        <p:nvSpPr>
+          <p:cNvPr id="2" name="Rectangle 1">
+            <a:extLst>
+              <a:ext uri="{FF2B5EF4-FFF2-40B4-BE49-F238E27FC236}">
+                <a16:creationId xmlns:a16="http://schemas.microsoft.com/office/drawing/2014/main" id="{57E96B9A-AD27-4584-9A88-80B40D276198}"/>
+              </a:ext>
+            </a:extLst>
+          </p:cNvPr>
+          <p:cNvSpPr/>
+          <p:nvPr/>
+        </p:nvSpPr>
+        <p:spPr>
+          <a:xfrm>
+            <a:off x="9010547" y="173907"/>
+            <a:ext cx="2997600" cy="1605012"/>
+          </a:xfrm>
+          <a:prstGeom prst="rect">
+            <a:avLst/>
+          </a:prstGeom>
+          <a:ln w="9525">
+            <a:prstDash val="sysDash"/>
+          </a:ln>
+        </p:spPr>
+        <p:style>
+          <a:lnRef idx="2">
+            <a:schemeClr val="accent1"/>
+          </a:lnRef>
+          <a:fillRef idx="1">
+            <a:schemeClr val="lt1"/>
+          </a:fillRef>
+          <a:effectRef idx="0">
+            <a:schemeClr val="accent1"/>
+          </a:effectRef>
+          <a:fontRef idx="minor">
+            <a:schemeClr val="dk1"/>
+          </a:fontRef>
+        </p:style>
+        <p:txBody>
+          <a:bodyPr rtlCol="0" anchor="ctr"/>
+          <a:lstStyle/>
+          <a:p>
+            <a:endParaRPr lang="en-SG" sz="1400" b="1" dirty="0"/>
+          </a:p>
+        </p:txBody>
+      </p:sp>
+      <p:pic>
+        <p:nvPicPr>
+          <p:cNvPr id="3" name="Picture 2">
+            <a:extLst>
+              <a:ext uri="{FF2B5EF4-FFF2-40B4-BE49-F238E27FC236}">
+                <a16:creationId xmlns:a16="http://schemas.microsoft.com/office/drawing/2014/main" id="{DDE6B7D5-052A-F9D3-E3E0-266681E17981}"/>
+              </a:ext>
+            </a:extLst>
+          </p:cNvPr>
+          <p:cNvPicPr>
+            <a:picLocks noChangeAspect="1"/>
+          </p:cNvPicPr>
+          <p:nvPr/>
+        </p:nvPicPr>
+        <p:blipFill>
+          <a:blip r:embed="rId3"/>
+          <a:stretch>
+            <a:fillRect/>
+          </a:stretch>
+        </p:blipFill>
+        <p:spPr>
+          <a:xfrm>
+            <a:off x="9155116" y="278482"/>
+            <a:ext cx="2527544" cy="1198685"/>
+          </a:xfrm>
+          <a:prstGeom prst="rect">
+            <a:avLst/>
+          </a:prstGeom>
+        </p:spPr>
+      </p:pic>
+      <p:sp>
+        <p:nvSpPr>
+          <p:cNvPr id="4" name="TextBox 3">
+            <a:extLst>
+              <a:ext uri="{FF2B5EF4-FFF2-40B4-BE49-F238E27FC236}">
+                <a16:creationId xmlns:a16="http://schemas.microsoft.com/office/drawing/2014/main" id="{7357F07A-2050-D646-70E0-241189E16A3A}"/>
+              </a:ext>
+            </a:extLst>
+          </p:cNvPr>
+          <p:cNvSpPr txBox="1"/>
+          <p:nvPr/>
+        </p:nvSpPr>
+        <p:spPr>
+          <a:xfrm>
+            <a:off x="10786086" y="324805"/>
+            <a:ext cx="1191495" cy="430887"/>
+          </a:xfrm>
+          <a:prstGeom prst="rect">
+            <a:avLst/>
+          </a:prstGeom>
+          <a:noFill/>
+        </p:spPr>
+        <p:txBody>
+          <a:bodyPr wrap="square" rtlCol="0">
+            <a:spAutoFit/>
+          </a:bodyPr>
+          <a:lstStyle/>
+          <a:p>
+            <a:r>
+              <a:rPr lang="en-US" sz="1100" b="1" dirty="0"/>
+              <a:t>[Master, Slot-0]</a:t>
+            </a:r>
+          </a:p>
+          <a:p>
+            <a:r>
+              <a:rPr lang="en-US" sz="1100" b="1" dirty="0"/>
+              <a:t>I/O: 15/7</a:t>
+            </a:r>
+            <a:endParaRPr lang="en-SG" sz="1100" b="1" dirty="0"/>
+          </a:p>
+        </p:txBody>
+      </p:sp>
+      <p:sp>
+        <p:nvSpPr>
+          <p:cNvPr id="10" name="TextBox 9">
+            <a:extLst>
+              <a:ext uri="{FF2B5EF4-FFF2-40B4-BE49-F238E27FC236}">
+                <a16:creationId xmlns:a16="http://schemas.microsoft.com/office/drawing/2014/main" id="{D4335098-4115-86F5-BF23-437346C13939}"/>
+              </a:ext>
+            </a:extLst>
+          </p:cNvPr>
+          <p:cNvSpPr txBox="1"/>
+          <p:nvPr/>
+        </p:nvSpPr>
+        <p:spPr>
+          <a:xfrm>
+            <a:off x="9155116" y="1407510"/>
+            <a:ext cx="1508863" cy="430887"/>
+          </a:xfrm>
+          <a:prstGeom prst="rect">
+            <a:avLst/>
+          </a:prstGeom>
+          <a:noFill/>
+        </p:spPr>
+        <p:txBody>
+          <a:bodyPr wrap="square" rtlCol="0">
+            <a:spAutoFit/>
+          </a:bodyPr>
+          <a:lstStyle/>
+          <a:p>
+            <a:r>
+              <a:rPr lang="en-US" sz="1100" b="1" dirty="0"/>
+              <a:t>[Slave, Slot-1]</a:t>
+            </a:r>
+          </a:p>
+          <a:p>
+            <a:r>
+              <a:rPr lang="en-SG" sz="1100" b="1" dirty="0"/>
+              <a:t>I/O: 15/7</a:t>
+            </a:r>
+          </a:p>
+        </p:txBody>
+      </p:sp>
+      <p:sp>
+        <p:nvSpPr>
+          <p:cNvPr id="11" name="TextBox 10">
+            <a:extLst>
+              <a:ext uri="{FF2B5EF4-FFF2-40B4-BE49-F238E27FC236}">
+                <a16:creationId xmlns:a16="http://schemas.microsoft.com/office/drawing/2014/main" id="{FEFA071A-9ED2-FE02-60E1-6F5709FA6A83}"/>
+              </a:ext>
+            </a:extLst>
+          </p:cNvPr>
+          <p:cNvSpPr txBox="1"/>
+          <p:nvPr/>
+        </p:nvSpPr>
+        <p:spPr>
+          <a:xfrm>
+            <a:off x="10683137" y="1408028"/>
+            <a:ext cx="1508863" cy="430887"/>
+          </a:xfrm>
+          <a:prstGeom prst="rect">
+            <a:avLst/>
+          </a:prstGeom>
+          <a:noFill/>
+        </p:spPr>
+        <p:txBody>
+          <a:bodyPr wrap="square" rtlCol="0">
+            <a:spAutoFit/>
+          </a:bodyPr>
+          <a:lstStyle/>
+          <a:p>
+            <a:r>
+              <a:rPr lang="en-US" sz="1100" b="1" dirty="0"/>
+              <a:t>[Slave, Slot-2]</a:t>
+            </a:r>
+          </a:p>
+          <a:p>
+            <a:r>
+              <a:rPr lang="en-US" sz="1100" b="1" dirty="0"/>
+              <a:t>I/O: 9/</a:t>
+            </a:r>
+            <a:r>
+              <a:rPr lang="en-SG" sz="1100" b="1" dirty="0"/>
+              <a:t>5</a:t>
+            </a:r>
+            <a:endParaRPr lang="en-US" sz="1100" b="1" dirty="0"/>
+          </a:p>
+        </p:txBody>
+      </p:sp>
+      <p:sp>
+        <p:nvSpPr>
+          <p:cNvPr id="12" name="TextBox 11">
+            <a:extLst>
+              <a:ext uri="{FF2B5EF4-FFF2-40B4-BE49-F238E27FC236}">
+                <a16:creationId xmlns:a16="http://schemas.microsoft.com/office/drawing/2014/main" id="{0F81FA6D-69A0-C1D2-0044-5836FC5855BB}"/>
+              </a:ext>
+            </a:extLst>
+          </p:cNvPr>
+          <p:cNvSpPr txBox="1"/>
+          <p:nvPr/>
+        </p:nvSpPr>
+        <p:spPr>
+          <a:xfrm>
+            <a:off x="9772387" y="448737"/>
+            <a:ext cx="636759" cy="276999"/>
+          </a:xfrm>
+          <a:prstGeom prst="rect">
+            <a:avLst/>
+          </a:prstGeom>
+          <a:noFill/>
+        </p:spPr>
+        <p:txBody>
+          <a:bodyPr wrap="square" rtlCol="0">
+            <a:spAutoFit/>
+          </a:bodyPr>
+          <a:lstStyle/>
+          <a:p>
+            <a:r>
+              <a:rPr lang="en-US" sz="1200" b="1" dirty="0">
+                <a:solidFill>
+                  <a:srgbClr val="FF0000"/>
+                </a:solidFill>
+              </a:rPr>
+              <a:t>PLC-00</a:t>
+            </a:r>
+          </a:p>
+        </p:txBody>
+      </p:sp>
+      <p:sp>
+        <p:nvSpPr>
+          <p:cNvPr id="13" name="TextBox 12">
+            <a:extLst>
+              <a:ext uri="{FF2B5EF4-FFF2-40B4-BE49-F238E27FC236}">
+                <a16:creationId xmlns:a16="http://schemas.microsoft.com/office/drawing/2014/main" id="{42DF9EE5-AE59-BDFB-54EE-77061C8FA45A}"/>
+              </a:ext>
+            </a:extLst>
+          </p:cNvPr>
+          <p:cNvSpPr txBox="1"/>
+          <p:nvPr/>
+        </p:nvSpPr>
+        <p:spPr>
+          <a:xfrm>
+            <a:off x="8946567" y="1077872"/>
+            <a:ext cx="636759" cy="276999"/>
+          </a:xfrm>
+          <a:prstGeom prst="rect">
+            <a:avLst/>
+          </a:prstGeom>
+          <a:noFill/>
+        </p:spPr>
+        <p:txBody>
+          <a:bodyPr wrap="square" rtlCol="0">
+            <a:spAutoFit/>
+          </a:bodyPr>
+          <a:lstStyle/>
+          <a:p>
+            <a:r>
+              <a:rPr lang="en-US" sz="1200" b="1" dirty="0">
+                <a:solidFill>
+                  <a:srgbClr val="FF0000"/>
+                </a:solidFill>
+              </a:rPr>
+              <a:t>PLC-01</a:t>
+            </a:r>
+          </a:p>
+        </p:txBody>
+      </p:sp>
+      <p:sp>
+        <p:nvSpPr>
+          <p:cNvPr id="14" name="TextBox 13">
+            <a:extLst>
+              <a:ext uri="{FF2B5EF4-FFF2-40B4-BE49-F238E27FC236}">
+                <a16:creationId xmlns:a16="http://schemas.microsoft.com/office/drawing/2014/main" id="{D47F3555-831F-BEDC-11CC-A67F5838F2DC}"/>
+              </a:ext>
+            </a:extLst>
+          </p:cNvPr>
+          <p:cNvSpPr txBox="1"/>
+          <p:nvPr/>
+        </p:nvSpPr>
+        <p:spPr>
+          <a:xfrm>
+            <a:off x="10467706" y="1072993"/>
+            <a:ext cx="636759" cy="276999"/>
+          </a:xfrm>
+          <a:prstGeom prst="rect">
+            <a:avLst/>
+          </a:prstGeom>
+          <a:noFill/>
+        </p:spPr>
+        <p:txBody>
+          <a:bodyPr wrap="square" rtlCol="0">
+            <a:spAutoFit/>
+          </a:bodyPr>
+          <a:lstStyle/>
+          <a:p>
+            <a:r>
+              <a:rPr lang="en-US" sz="1200" b="1" dirty="0">
+                <a:solidFill>
+                  <a:srgbClr val="FF0000"/>
+                </a:solidFill>
+              </a:rPr>
+              <a:t>PLC-02</a:t>
+            </a:r>
+          </a:p>
+        </p:txBody>
+      </p:sp>
+      <p:sp>
+        <p:nvSpPr>
+          <p:cNvPr id="15" name="TextBox 14">
+            <a:extLst>
+              <a:ext uri="{FF2B5EF4-FFF2-40B4-BE49-F238E27FC236}">
+                <a16:creationId xmlns:a16="http://schemas.microsoft.com/office/drawing/2014/main" id="{A290E1E5-03DB-E81B-6A5A-AD5F2CDCAE36}"/>
+              </a:ext>
+            </a:extLst>
+          </p:cNvPr>
+          <p:cNvSpPr txBox="1"/>
+          <p:nvPr/>
+        </p:nvSpPr>
+        <p:spPr>
+          <a:xfrm>
+            <a:off x="8956346" y="182024"/>
+            <a:ext cx="1241289" cy="600164"/>
+          </a:xfrm>
+          <a:prstGeom prst="rect">
+            <a:avLst/>
+          </a:prstGeom>
+          <a:noFill/>
+        </p:spPr>
+        <p:txBody>
+          <a:bodyPr wrap="square" rtlCol="0">
+            <a:spAutoFit/>
+          </a:bodyPr>
+          <a:lstStyle/>
+          <a:p>
+            <a:r>
+              <a:rPr lang="en-US" sz="1100" b="1" dirty="0">
+                <a:solidFill>
+                  <a:srgbClr val="002060"/>
+                </a:solidFill>
+              </a:rPr>
+              <a:t>Junction Signal control PLC network</a:t>
+            </a:r>
+            <a:endParaRPr lang="en-SG" sz="1100" b="1" dirty="0">
+              <a:solidFill>
+                <a:srgbClr val="002060"/>
+              </a:solidFill>
+            </a:endParaRPr>
+          </a:p>
+        </p:txBody>
+      </p:sp>
+      <p:pic>
+        <p:nvPicPr>
+          <p:cNvPr id="20" name="Picture 19">
+            <a:extLst>
+              <a:ext uri="{FF2B5EF4-FFF2-40B4-BE49-F238E27FC236}">
+                <a16:creationId xmlns:a16="http://schemas.microsoft.com/office/drawing/2014/main" id="{60C293DD-5677-B5FC-E9A5-5A16C65128B7}"/>
+              </a:ext>
+            </a:extLst>
+          </p:cNvPr>
+          <p:cNvPicPr>
+            <a:picLocks noChangeAspect="1"/>
+          </p:cNvPicPr>
+          <p:nvPr/>
+        </p:nvPicPr>
+        <p:blipFill>
+          <a:blip r:embed="rId4"/>
+          <a:stretch>
+            <a:fillRect/>
+          </a:stretch>
+        </p:blipFill>
+        <p:spPr>
+          <a:xfrm>
+            <a:off x="234347" y="632955"/>
+            <a:ext cx="2266076" cy="6091445"/>
+          </a:xfrm>
+          <a:prstGeom prst="rect">
+            <a:avLst/>
+          </a:prstGeom>
+          <a:ln w="9525">
+            <a:solidFill>
+              <a:schemeClr val="tx1"/>
+            </a:solidFill>
+          </a:ln>
+        </p:spPr>
+      </p:pic>
+      <p:pic>
+        <p:nvPicPr>
+          <p:cNvPr id="22" name="Picture 21" descr="A picture containing diagram, line, technical drawing, plan&#10;&#10;Description automatically generated">
+            <a:extLst>
+              <a:ext uri="{FF2B5EF4-FFF2-40B4-BE49-F238E27FC236}">
+                <a16:creationId xmlns:a16="http://schemas.microsoft.com/office/drawing/2014/main" id="{A2C53289-3937-43EF-975A-EFE55F9D97EE}"/>
+              </a:ext>
+            </a:extLst>
+          </p:cNvPr>
+          <p:cNvPicPr>
+            <a:picLocks noChangeAspect="1"/>
+          </p:cNvPicPr>
+          <p:nvPr/>
+        </p:nvPicPr>
+        <p:blipFill rotWithShape="1">
+          <a:blip r:embed="rId5">
+            <a:extLst>
+              <a:ext uri="{28A0092B-C50C-407E-A947-70E740481C1C}">
+                <a14:useLocalDpi xmlns:a14="http://schemas.microsoft.com/office/drawing/2010/main" val="0"/>
+              </a:ext>
+            </a:extLst>
+          </a:blip>
+          <a:srcRect l="3141" t="11965" r="26502" b="15956"/>
+          <a:stretch/>
+        </p:blipFill>
+        <p:spPr>
+          <a:xfrm>
+            <a:off x="3471627" y="1508711"/>
+            <a:ext cx="1129179" cy="498603"/>
+          </a:xfrm>
+          <a:prstGeom prst="rect">
+            <a:avLst/>
+          </a:prstGeom>
+        </p:spPr>
+      </p:pic>
+      <p:pic>
+        <p:nvPicPr>
+          <p:cNvPr id="26" name="Picture 25" descr="A picture containing diagram, line, technical drawing, plan&#10;&#10;Description automatically generated">
+            <a:extLst>
+              <a:ext uri="{FF2B5EF4-FFF2-40B4-BE49-F238E27FC236}">
+                <a16:creationId xmlns:a16="http://schemas.microsoft.com/office/drawing/2014/main" id="{39A9450D-39AF-BEF5-C022-325693B3F0D2}"/>
+              </a:ext>
+            </a:extLst>
+          </p:cNvPr>
+          <p:cNvPicPr>
+            <a:picLocks noChangeAspect="1"/>
+          </p:cNvPicPr>
+          <p:nvPr/>
+        </p:nvPicPr>
+        <p:blipFill rotWithShape="1">
+          <a:blip r:embed="rId5">
+            <a:extLst>
+              <a:ext uri="{28A0092B-C50C-407E-A947-70E740481C1C}">
+                <a14:useLocalDpi xmlns:a14="http://schemas.microsoft.com/office/drawing/2010/main" val="0"/>
+              </a:ext>
+            </a:extLst>
+          </a:blip>
+          <a:srcRect l="3141" t="11965" r="26502" b="15956"/>
+          <a:stretch/>
+        </p:blipFill>
+        <p:spPr>
+          <a:xfrm>
+            <a:off x="3466306" y="6216436"/>
+            <a:ext cx="1129179" cy="498603"/>
+          </a:xfrm>
+          <a:prstGeom prst="rect">
+            <a:avLst/>
+          </a:prstGeom>
+        </p:spPr>
+      </p:pic>
+      <p:pic>
+        <p:nvPicPr>
+          <p:cNvPr id="27" name="Picture 26" descr="A picture containing diagram, line, technical drawing, plan&#10;&#10;Description automatically generated">
+            <a:extLst>
+              <a:ext uri="{FF2B5EF4-FFF2-40B4-BE49-F238E27FC236}">
+                <a16:creationId xmlns:a16="http://schemas.microsoft.com/office/drawing/2014/main" id="{F4937391-6315-6D6E-93E9-E49D6279A67A}"/>
+              </a:ext>
+            </a:extLst>
+          </p:cNvPr>
+          <p:cNvPicPr>
+            <a:picLocks noChangeAspect="1"/>
+          </p:cNvPicPr>
+          <p:nvPr/>
+        </p:nvPicPr>
+        <p:blipFill rotWithShape="1">
+          <a:blip r:embed="rId5">
+            <a:extLst>
+              <a:ext uri="{28A0092B-C50C-407E-A947-70E740481C1C}">
+                <a14:useLocalDpi xmlns:a14="http://schemas.microsoft.com/office/drawing/2010/main" val="0"/>
+              </a:ext>
+            </a:extLst>
+          </a:blip>
+          <a:srcRect l="3141" t="11965" r="26502" b="15956"/>
+          <a:stretch/>
+        </p:blipFill>
+        <p:spPr>
+          <a:xfrm>
+            <a:off x="3467857" y="2383665"/>
+            <a:ext cx="1129179" cy="498603"/>
+          </a:xfrm>
+          <a:prstGeom prst="rect">
+            <a:avLst/>
+          </a:prstGeom>
+        </p:spPr>
+      </p:pic>
+      <p:pic>
+        <p:nvPicPr>
+          <p:cNvPr id="28" name="Picture 27" descr="A picture containing diagram, line, technical drawing, plan&#10;&#10;Description automatically generated">
+            <a:extLst>
+              <a:ext uri="{FF2B5EF4-FFF2-40B4-BE49-F238E27FC236}">
+                <a16:creationId xmlns:a16="http://schemas.microsoft.com/office/drawing/2014/main" id="{6BA8AEC6-B35A-E093-E1E0-B62E8DD87F62}"/>
+              </a:ext>
+            </a:extLst>
+          </p:cNvPr>
+          <p:cNvPicPr>
+            <a:picLocks noChangeAspect="1"/>
+          </p:cNvPicPr>
+          <p:nvPr/>
+        </p:nvPicPr>
+        <p:blipFill rotWithShape="1">
+          <a:blip r:embed="rId5">
+            <a:extLst>
+              <a:ext uri="{28A0092B-C50C-407E-A947-70E740481C1C}">
+                <a14:useLocalDpi xmlns:a14="http://schemas.microsoft.com/office/drawing/2010/main" val="0"/>
+              </a:ext>
+            </a:extLst>
+          </a:blip>
+          <a:srcRect l="3141" t="11965" r="26502" b="15956"/>
+          <a:stretch/>
+        </p:blipFill>
+        <p:spPr>
+          <a:xfrm>
+            <a:off x="3467857" y="3179698"/>
+            <a:ext cx="1129179" cy="498603"/>
+          </a:xfrm>
+          <a:prstGeom prst="rect">
+            <a:avLst/>
+          </a:prstGeom>
+        </p:spPr>
+      </p:pic>
+      <p:pic>
+        <p:nvPicPr>
+          <p:cNvPr id="29" name="Picture 28" descr="A picture containing diagram, line, technical drawing, plan&#10;&#10;Description automatically generated">
+            <a:extLst>
+              <a:ext uri="{FF2B5EF4-FFF2-40B4-BE49-F238E27FC236}">
+                <a16:creationId xmlns:a16="http://schemas.microsoft.com/office/drawing/2014/main" id="{2E0894CB-2F6F-4445-5F08-40972056FA55}"/>
+              </a:ext>
+            </a:extLst>
+          </p:cNvPr>
+          <p:cNvPicPr>
+            <a:picLocks noChangeAspect="1"/>
+          </p:cNvPicPr>
+          <p:nvPr/>
+        </p:nvPicPr>
+        <p:blipFill rotWithShape="1">
+          <a:blip r:embed="rId5">
+            <a:extLst>
+              <a:ext uri="{28A0092B-C50C-407E-A947-70E740481C1C}">
+                <a14:useLocalDpi xmlns:a14="http://schemas.microsoft.com/office/drawing/2010/main" val="0"/>
+              </a:ext>
+            </a:extLst>
+          </a:blip>
+          <a:srcRect l="3141" t="11965" r="26502" b="15956"/>
+          <a:stretch/>
+        </p:blipFill>
+        <p:spPr>
+          <a:xfrm>
+            <a:off x="3467336" y="3943639"/>
+            <a:ext cx="1129179" cy="498603"/>
+          </a:xfrm>
+          <a:prstGeom prst="rect">
+            <a:avLst/>
+          </a:prstGeom>
+        </p:spPr>
+      </p:pic>
+      <p:pic>
+        <p:nvPicPr>
+          <p:cNvPr id="30" name="Picture 29" descr="A picture containing diagram, line, technical drawing, plan&#10;&#10;Description automatically generated">
+            <a:extLst>
+              <a:ext uri="{FF2B5EF4-FFF2-40B4-BE49-F238E27FC236}">
+                <a16:creationId xmlns:a16="http://schemas.microsoft.com/office/drawing/2014/main" id="{B1C72961-66B6-A8D1-9DB3-D8F83EF4860F}"/>
+              </a:ext>
+            </a:extLst>
+          </p:cNvPr>
+          <p:cNvPicPr>
+            <a:picLocks noChangeAspect="1"/>
+          </p:cNvPicPr>
+          <p:nvPr/>
+        </p:nvPicPr>
+        <p:blipFill rotWithShape="1">
+          <a:blip r:embed="rId5">
+            <a:extLst>
+              <a:ext uri="{28A0092B-C50C-407E-A947-70E740481C1C}">
+                <a14:useLocalDpi xmlns:a14="http://schemas.microsoft.com/office/drawing/2010/main" val="0"/>
+              </a:ext>
+            </a:extLst>
+          </a:blip>
+          <a:srcRect l="3141" t="11965" r="26502" b="15956"/>
+          <a:stretch/>
+        </p:blipFill>
+        <p:spPr>
+          <a:xfrm>
+            <a:off x="3467335" y="4704351"/>
+            <a:ext cx="1129179" cy="498603"/>
+          </a:xfrm>
+          <a:prstGeom prst="rect">
+            <a:avLst/>
+          </a:prstGeom>
+        </p:spPr>
+      </p:pic>
+      <p:pic>
+        <p:nvPicPr>
+          <p:cNvPr id="31" name="Picture 30" descr="A picture containing diagram, line, technical drawing, plan&#10;&#10;Description automatically generated">
+            <a:extLst>
+              <a:ext uri="{FF2B5EF4-FFF2-40B4-BE49-F238E27FC236}">
+                <a16:creationId xmlns:a16="http://schemas.microsoft.com/office/drawing/2014/main" id="{10795A74-12A9-9E89-2CA0-0595320A12BA}"/>
+              </a:ext>
+            </a:extLst>
+          </p:cNvPr>
+          <p:cNvPicPr>
+            <a:picLocks noChangeAspect="1"/>
+          </p:cNvPicPr>
+          <p:nvPr/>
+        </p:nvPicPr>
+        <p:blipFill rotWithShape="1">
+          <a:blip r:embed="rId5">
+            <a:extLst>
+              <a:ext uri="{28A0092B-C50C-407E-A947-70E740481C1C}">
+                <a14:useLocalDpi xmlns:a14="http://schemas.microsoft.com/office/drawing/2010/main" val="0"/>
+              </a:ext>
+            </a:extLst>
+          </a:blip>
+          <a:srcRect l="3141" t="11965" r="26502" b="15956"/>
+          <a:stretch/>
+        </p:blipFill>
+        <p:spPr>
+          <a:xfrm>
+            <a:off x="3467335" y="5465063"/>
+            <a:ext cx="1129179" cy="498603"/>
+          </a:xfrm>
+          <a:prstGeom prst="rect">
+            <a:avLst/>
+          </a:prstGeom>
+        </p:spPr>
+      </p:pic>
+      <p:pic>
+        <p:nvPicPr>
+          <p:cNvPr id="32" name="Picture 31" descr="A picture containing diagram, line, technical drawing, plan&#10;&#10;Description automatically generated">
+            <a:extLst>
+              <a:ext uri="{FF2B5EF4-FFF2-40B4-BE49-F238E27FC236}">
+                <a16:creationId xmlns:a16="http://schemas.microsoft.com/office/drawing/2014/main" id="{26D7D3EB-EFC8-888C-CBDC-23BFF1324B23}"/>
+              </a:ext>
+            </a:extLst>
+          </p:cNvPr>
+          <p:cNvPicPr>
+            <a:picLocks noChangeAspect="1"/>
+          </p:cNvPicPr>
+          <p:nvPr/>
+        </p:nvPicPr>
+        <p:blipFill rotWithShape="1">
+          <a:blip r:embed="rId5">
+            <a:extLst>
+              <a:ext uri="{28A0092B-C50C-407E-A947-70E740481C1C}">
+                <a14:useLocalDpi xmlns:a14="http://schemas.microsoft.com/office/drawing/2010/main" val="0"/>
+              </a:ext>
+            </a:extLst>
+          </a:blip>
+          <a:srcRect l="3141" t="11965" r="26502" b="15956"/>
+          <a:stretch/>
+        </p:blipFill>
+        <p:spPr>
+          <a:xfrm>
+            <a:off x="6033328" y="1158208"/>
+            <a:ext cx="1129179" cy="498603"/>
+          </a:xfrm>
+          <a:prstGeom prst="rect">
+            <a:avLst/>
+          </a:prstGeom>
+        </p:spPr>
+      </p:pic>
+      <p:pic>
+        <p:nvPicPr>
+          <p:cNvPr id="33" name="Picture 32" descr="A picture containing diagram, line, technical drawing, plan&#10;&#10;Description automatically generated">
+            <a:extLst>
+              <a:ext uri="{FF2B5EF4-FFF2-40B4-BE49-F238E27FC236}">
+                <a16:creationId xmlns:a16="http://schemas.microsoft.com/office/drawing/2014/main" id="{BE8019EB-8CE2-E45D-F163-65C2BEB502B1}"/>
+              </a:ext>
+            </a:extLst>
+          </p:cNvPr>
+          <p:cNvPicPr>
+            <a:picLocks noChangeAspect="1"/>
+          </p:cNvPicPr>
+          <p:nvPr/>
+        </p:nvPicPr>
+        <p:blipFill rotWithShape="1">
+          <a:blip r:embed="rId5">
+            <a:extLst>
+              <a:ext uri="{28A0092B-C50C-407E-A947-70E740481C1C}">
+                <a14:useLocalDpi xmlns:a14="http://schemas.microsoft.com/office/drawing/2010/main" val="0"/>
+              </a:ext>
+            </a:extLst>
+          </a:blip>
+          <a:srcRect l="3141" t="11965" r="26502" b="15956"/>
+          <a:stretch/>
+        </p:blipFill>
+        <p:spPr>
+          <a:xfrm>
+            <a:off x="6033328" y="1929772"/>
+            <a:ext cx="1129179" cy="498603"/>
+          </a:xfrm>
+          <a:prstGeom prst="rect">
+            <a:avLst/>
+          </a:prstGeom>
+        </p:spPr>
+      </p:pic>
+      <p:pic>
+        <p:nvPicPr>
+          <p:cNvPr id="34" name="Picture 33" descr="A picture containing diagram, line, technical drawing, plan&#10;&#10;Description automatically generated">
+            <a:extLst>
+              <a:ext uri="{FF2B5EF4-FFF2-40B4-BE49-F238E27FC236}">
+                <a16:creationId xmlns:a16="http://schemas.microsoft.com/office/drawing/2014/main" id="{FFE3EC2F-B995-2AE6-8DD1-96C772DE5B2C}"/>
+              </a:ext>
+            </a:extLst>
+          </p:cNvPr>
+          <p:cNvPicPr>
+            <a:picLocks noChangeAspect="1"/>
+          </p:cNvPicPr>
+          <p:nvPr/>
+        </p:nvPicPr>
+        <p:blipFill rotWithShape="1">
+          <a:blip r:embed="rId5">
+            <a:extLst>
+              <a:ext uri="{28A0092B-C50C-407E-A947-70E740481C1C}">
+                <a14:useLocalDpi xmlns:a14="http://schemas.microsoft.com/office/drawing/2010/main" val="0"/>
+              </a:ext>
+            </a:extLst>
+          </a:blip>
+          <a:srcRect l="3141" t="11965" r="26502" b="15956"/>
+          <a:stretch/>
+        </p:blipFill>
+        <p:spPr>
+          <a:xfrm>
+            <a:off x="6091231" y="2816689"/>
+            <a:ext cx="1129179" cy="498603"/>
+          </a:xfrm>
+          <a:prstGeom prst="rect">
+            <a:avLst/>
+          </a:prstGeom>
+        </p:spPr>
+      </p:pic>
+      <p:pic>
+        <p:nvPicPr>
+          <p:cNvPr id="35" name="Picture 34" descr="A picture containing diagram, line, technical drawing, plan&#10;&#10;Description automatically generated">
+            <a:extLst>
+              <a:ext uri="{FF2B5EF4-FFF2-40B4-BE49-F238E27FC236}">
+                <a16:creationId xmlns:a16="http://schemas.microsoft.com/office/drawing/2014/main" id="{4CD9FAE1-5567-5BFE-77F0-629E423A0258}"/>
+              </a:ext>
+            </a:extLst>
+          </p:cNvPr>
+          <p:cNvPicPr>
+            <a:picLocks noChangeAspect="1"/>
+          </p:cNvPicPr>
+          <p:nvPr/>
+        </p:nvPicPr>
+        <p:blipFill rotWithShape="1">
+          <a:blip r:embed="rId5">
+            <a:extLst>
+              <a:ext uri="{28A0092B-C50C-407E-A947-70E740481C1C}">
+                <a14:useLocalDpi xmlns:a14="http://schemas.microsoft.com/office/drawing/2010/main" val="0"/>
+              </a:ext>
+            </a:extLst>
+          </a:blip>
+          <a:srcRect l="3141" t="11965" r="26502" b="15956"/>
+          <a:stretch/>
+        </p:blipFill>
+        <p:spPr>
+          <a:xfrm>
+            <a:off x="6167758" y="3733218"/>
+            <a:ext cx="1129179" cy="498603"/>
+          </a:xfrm>
+          <a:prstGeom prst="rect">
+            <a:avLst/>
+          </a:prstGeom>
+        </p:spPr>
+      </p:pic>
+      <p:pic>
+        <p:nvPicPr>
+          <p:cNvPr id="36" name="Picture 35" descr="A picture containing diagram, line, technical drawing, plan&#10;&#10;Description automatically generated">
+            <a:extLst>
+              <a:ext uri="{FF2B5EF4-FFF2-40B4-BE49-F238E27FC236}">
+                <a16:creationId xmlns:a16="http://schemas.microsoft.com/office/drawing/2014/main" id="{480CE01E-5095-A0F5-64F2-81156D87DCF6}"/>
+              </a:ext>
+            </a:extLst>
+          </p:cNvPr>
+          <p:cNvPicPr>
+            <a:picLocks noChangeAspect="1"/>
+          </p:cNvPicPr>
+          <p:nvPr/>
+        </p:nvPicPr>
+        <p:blipFill rotWithShape="1">
+          <a:blip r:embed="rId5">
+            <a:extLst>
+              <a:ext uri="{28A0092B-C50C-407E-A947-70E740481C1C}">
+                <a14:useLocalDpi xmlns:a14="http://schemas.microsoft.com/office/drawing/2010/main" val="0"/>
+              </a:ext>
+            </a:extLst>
+          </a:blip>
+          <a:srcRect l="3141" t="11965" r="26502" b="15956"/>
+          <a:stretch/>
+        </p:blipFill>
+        <p:spPr>
+          <a:xfrm>
+            <a:off x="6167758" y="4494919"/>
+            <a:ext cx="1129179" cy="498603"/>
+          </a:xfrm>
+          <a:prstGeom prst="rect">
+            <a:avLst/>
+          </a:prstGeom>
+        </p:spPr>
+      </p:pic>
+      <p:pic>
+        <p:nvPicPr>
+          <p:cNvPr id="37" name="Picture 36" descr="A picture containing diagram, line, technical drawing, plan&#10;&#10;Description automatically generated">
+            <a:extLst>
+              <a:ext uri="{FF2B5EF4-FFF2-40B4-BE49-F238E27FC236}">
+                <a16:creationId xmlns:a16="http://schemas.microsoft.com/office/drawing/2014/main" id="{81BC5CEE-7AA8-66B3-3232-297FBD255B21}"/>
+              </a:ext>
+            </a:extLst>
+          </p:cNvPr>
+          <p:cNvPicPr>
+            <a:picLocks noChangeAspect="1"/>
+          </p:cNvPicPr>
+          <p:nvPr/>
+        </p:nvPicPr>
+        <p:blipFill rotWithShape="1">
+          <a:blip r:embed="rId5">
+            <a:extLst>
+              <a:ext uri="{28A0092B-C50C-407E-A947-70E740481C1C}">
+                <a14:useLocalDpi xmlns:a14="http://schemas.microsoft.com/office/drawing/2010/main" val="0"/>
+              </a:ext>
+            </a:extLst>
+          </a:blip>
+          <a:srcRect l="3141" t="11965" r="26502" b="15956"/>
+          <a:stretch/>
+        </p:blipFill>
+        <p:spPr>
+          <a:xfrm>
+            <a:off x="6167758" y="5316225"/>
+            <a:ext cx="1129179" cy="498603"/>
+          </a:xfrm>
+          <a:prstGeom prst="rect">
+            <a:avLst/>
+          </a:prstGeom>
+        </p:spPr>
+      </p:pic>
+      <p:pic>
+        <p:nvPicPr>
+          <p:cNvPr id="38" name="Picture 37" descr="A picture containing diagram, line, technical drawing, plan&#10;&#10;Description automatically generated">
+            <a:extLst>
+              <a:ext uri="{FF2B5EF4-FFF2-40B4-BE49-F238E27FC236}">
+                <a16:creationId xmlns:a16="http://schemas.microsoft.com/office/drawing/2014/main" id="{E1BDF9E2-3654-494C-979D-FA2AEC2DED4C}"/>
+              </a:ext>
+            </a:extLst>
+          </p:cNvPr>
+          <p:cNvPicPr>
+            <a:picLocks noChangeAspect="1"/>
+          </p:cNvPicPr>
+          <p:nvPr/>
+        </p:nvPicPr>
+        <p:blipFill rotWithShape="1">
+          <a:blip r:embed="rId5">
+            <a:extLst>
+              <a:ext uri="{28A0092B-C50C-407E-A947-70E740481C1C}">
+                <a14:useLocalDpi xmlns:a14="http://schemas.microsoft.com/office/drawing/2010/main" val="0"/>
+              </a:ext>
+            </a:extLst>
+          </a:blip>
+          <a:srcRect l="3141" t="11965" r="26502" b="15956"/>
+          <a:stretch/>
+        </p:blipFill>
+        <p:spPr>
+          <a:xfrm>
+            <a:off x="6130993" y="6283315"/>
+            <a:ext cx="1129179" cy="498603"/>
+          </a:xfrm>
+          <a:prstGeom prst="rect">
+            <a:avLst/>
+          </a:prstGeom>
+        </p:spPr>
+      </p:pic>
+      <p:pic>
+        <p:nvPicPr>
+          <p:cNvPr id="39" name="Picture 38" descr="A picture containing diagram, line, technical drawing, plan&#10;&#10;Description automatically generated">
+            <a:extLst>
+              <a:ext uri="{FF2B5EF4-FFF2-40B4-BE49-F238E27FC236}">
+                <a16:creationId xmlns:a16="http://schemas.microsoft.com/office/drawing/2014/main" id="{8484A661-8020-60FE-C970-6BC2B449482F}"/>
+              </a:ext>
+            </a:extLst>
+          </p:cNvPr>
+          <p:cNvPicPr>
+            <a:picLocks noChangeAspect="1"/>
+          </p:cNvPicPr>
+          <p:nvPr/>
+        </p:nvPicPr>
+        <p:blipFill rotWithShape="1">
+          <a:blip r:embed="rId5">
+            <a:extLst>
+              <a:ext uri="{28A0092B-C50C-407E-A947-70E740481C1C}">
+                <a14:useLocalDpi xmlns:a14="http://schemas.microsoft.com/office/drawing/2010/main" val="0"/>
+              </a:ext>
+            </a:extLst>
+          </a:blip>
+          <a:srcRect l="3141" t="11965" r="26502" b="15956"/>
+          <a:stretch/>
+        </p:blipFill>
+        <p:spPr>
+          <a:xfrm>
+            <a:off x="8191574" y="2074603"/>
+            <a:ext cx="1129179" cy="498603"/>
+          </a:xfrm>
+          <a:prstGeom prst="rect">
+            <a:avLst/>
+          </a:prstGeom>
+        </p:spPr>
+      </p:pic>
+      <p:pic>
+        <p:nvPicPr>
+          <p:cNvPr id="40" name="Picture 39" descr="A picture containing diagram, line, technical drawing, plan&#10;&#10;Description automatically generated">
+            <a:extLst>
+              <a:ext uri="{FF2B5EF4-FFF2-40B4-BE49-F238E27FC236}">
+                <a16:creationId xmlns:a16="http://schemas.microsoft.com/office/drawing/2014/main" id="{3E99ECAF-0D5C-99AC-6609-666FE3538487}"/>
+              </a:ext>
+            </a:extLst>
+          </p:cNvPr>
+          <p:cNvPicPr>
+            <a:picLocks noChangeAspect="1"/>
+          </p:cNvPicPr>
+          <p:nvPr/>
+        </p:nvPicPr>
+        <p:blipFill rotWithShape="1">
+          <a:blip r:embed="rId5">
+            <a:extLst>
+              <a:ext uri="{28A0092B-C50C-407E-A947-70E740481C1C}">
+                <a14:useLocalDpi xmlns:a14="http://schemas.microsoft.com/office/drawing/2010/main" val="0"/>
+              </a:ext>
+            </a:extLst>
+          </a:blip>
+          <a:srcRect l="3141" t="11965" r="26502" b="15956"/>
+          <a:stretch/>
+        </p:blipFill>
+        <p:spPr>
+          <a:xfrm>
+            <a:off x="8212762" y="3034608"/>
+            <a:ext cx="1129179" cy="498603"/>
+          </a:xfrm>
+          <a:prstGeom prst="rect">
+            <a:avLst/>
+          </a:prstGeom>
+        </p:spPr>
+      </p:pic>
+      <p:pic>
+        <p:nvPicPr>
+          <p:cNvPr id="41" name="Picture 40" descr="A picture containing diagram, line, technical drawing, plan&#10;&#10;Description automatically generated">
+            <a:extLst>
+              <a:ext uri="{FF2B5EF4-FFF2-40B4-BE49-F238E27FC236}">
+                <a16:creationId xmlns:a16="http://schemas.microsoft.com/office/drawing/2014/main" id="{E009D302-BFE5-FBDF-386C-F2F5AF4DBBD9}"/>
+              </a:ext>
+            </a:extLst>
+          </p:cNvPr>
+          <p:cNvPicPr>
+            <a:picLocks noChangeAspect="1"/>
+          </p:cNvPicPr>
+          <p:nvPr/>
+        </p:nvPicPr>
+        <p:blipFill rotWithShape="1">
+          <a:blip r:embed="rId5">
+            <a:extLst>
+              <a:ext uri="{28A0092B-C50C-407E-A947-70E740481C1C}">
+                <a14:useLocalDpi xmlns:a14="http://schemas.microsoft.com/office/drawing/2010/main" val="0"/>
+              </a:ext>
+            </a:extLst>
+          </a:blip>
+          <a:srcRect l="3141" t="11965" r="26502" b="15956"/>
+          <a:stretch/>
+        </p:blipFill>
+        <p:spPr>
+          <a:xfrm>
+            <a:off x="8218432" y="3847035"/>
+            <a:ext cx="1129179" cy="498603"/>
+          </a:xfrm>
+          <a:prstGeom prst="rect">
+            <a:avLst/>
+          </a:prstGeom>
+        </p:spPr>
+      </p:pic>
+      <p:pic>
+        <p:nvPicPr>
+          <p:cNvPr id="42" name="Picture 41" descr="A picture containing diagram, line, technical drawing, plan&#10;&#10;Description automatically generated">
+            <a:extLst>
+              <a:ext uri="{FF2B5EF4-FFF2-40B4-BE49-F238E27FC236}">
+                <a16:creationId xmlns:a16="http://schemas.microsoft.com/office/drawing/2014/main" id="{0696C493-7808-42E3-CCCF-457FBA3CD8B6}"/>
+              </a:ext>
+            </a:extLst>
+          </p:cNvPr>
+          <p:cNvPicPr>
+            <a:picLocks noChangeAspect="1"/>
+          </p:cNvPicPr>
+          <p:nvPr/>
+        </p:nvPicPr>
+        <p:blipFill rotWithShape="1">
+          <a:blip r:embed="rId5">
+            <a:extLst>
+              <a:ext uri="{28A0092B-C50C-407E-A947-70E740481C1C}">
+                <a14:useLocalDpi xmlns:a14="http://schemas.microsoft.com/office/drawing/2010/main" val="0"/>
+              </a:ext>
+            </a:extLst>
+          </a:blip>
+          <a:srcRect l="3141" t="11965" r="26502" b="15956"/>
+          <a:stretch/>
+        </p:blipFill>
+        <p:spPr>
+          <a:xfrm>
+            <a:off x="8302961" y="4761532"/>
+            <a:ext cx="1129179" cy="498603"/>
+          </a:xfrm>
+          <a:prstGeom prst="rect">
+            <a:avLst/>
+          </a:prstGeom>
+        </p:spPr>
+      </p:pic>
+      <p:sp>
+        <p:nvSpPr>
+          <p:cNvPr id="46" name="Rectangle 45">
+            <a:extLst>
+              <a:ext uri="{FF2B5EF4-FFF2-40B4-BE49-F238E27FC236}">
+                <a16:creationId xmlns:a16="http://schemas.microsoft.com/office/drawing/2014/main" id="{68B2A139-76DD-504D-1CFF-CB58243AA034}"/>
+              </a:ext>
+            </a:extLst>
+          </p:cNvPr>
+          <p:cNvSpPr/>
+          <p:nvPr/>
+        </p:nvSpPr>
+        <p:spPr>
+          <a:xfrm>
+            <a:off x="4550776" y="5508827"/>
+            <a:ext cx="803139" cy="293723"/>
+          </a:xfrm>
+          <a:prstGeom prst="rect">
+            <a:avLst/>
+          </a:prstGeom>
+          <a:noFill/>
+          <a:ln>
+            <a:noFill/>
+          </a:ln>
+        </p:spPr>
+        <p:style>
+          <a:lnRef idx="2">
+            <a:schemeClr val="accent1">
+              <a:shade val="50000"/>
+            </a:schemeClr>
+          </a:lnRef>
+          <a:fillRef idx="1">
+            <a:schemeClr val="accent1"/>
+          </a:fillRef>
+          <a:effectRef idx="0">
+            <a:schemeClr val="accent1"/>
+          </a:effectRef>
+          <a:fontRef idx="minor">
+            <a:schemeClr val="lt1"/>
+          </a:fontRef>
+        </p:style>
+        <p:txBody>
+          <a:bodyPr rtlCol="0" anchor="ctr"/>
+          <a:lstStyle/>
+          <a:p>
+            <a:r>
+              <a:rPr lang="en-US" sz="1100" b="1" dirty="0">
+                <a:solidFill>
+                  <a:srgbClr val="002060"/>
+                </a:solidFill>
+              </a:rPr>
+              <a:t>PLC0 Q0.0</a:t>
+            </a:r>
+          </a:p>
+          <a:p>
+            <a:r>
+              <a:rPr lang="en-US" sz="1100" b="1" dirty="0">
+                <a:solidFill>
+                  <a:srgbClr val="002060"/>
+                </a:solidFill>
+              </a:rPr>
+              <a:t>S-we-0</a:t>
+            </a:r>
+            <a:endParaRPr lang="en-SG" sz="1100" b="1" dirty="0">
+              <a:solidFill>
+                <a:srgbClr val="002060"/>
+              </a:solidFill>
+            </a:endParaRPr>
+          </a:p>
+        </p:txBody>
+      </p:sp>
+      <p:cxnSp>
+        <p:nvCxnSpPr>
+          <p:cNvPr id="55" name="Straight Connector 54">
+            <a:extLst>
+              <a:ext uri="{FF2B5EF4-FFF2-40B4-BE49-F238E27FC236}">
+                <a16:creationId xmlns:a16="http://schemas.microsoft.com/office/drawing/2014/main" id="{22B36560-75CD-690F-9532-01AB83ED804A}"/>
+              </a:ext>
+            </a:extLst>
+          </p:cNvPr>
+          <p:cNvCxnSpPr>
+            <a:cxnSpLocks/>
+            <a:endCxn id="31" idx="1"/>
+          </p:cNvCxnSpPr>
+          <p:nvPr/>
+        </p:nvCxnSpPr>
+        <p:spPr>
+          <a:xfrm flipV="1">
+            <a:off x="2500423" y="5714365"/>
+            <a:ext cx="966912" cy="760733"/>
+          </a:xfrm>
+          <a:prstGeom prst="line">
+            <a:avLst/>
+          </a:prstGeom>
+        </p:spPr>
+        <p:style>
+          <a:lnRef idx="1">
+            <a:schemeClr val="accent1"/>
+          </a:lnRef>
+          <a:fillRef idx="0">
+            <a:schemeClr val="accent1"/>
+          </a:fillRef>
+          <a:effectRef idx="0">
+            <a:schemeClr val="accent1"/>
+          </a:effectRef>
+          <a:fontRef idx="minor">
+            <a:schemeClr val="tx1"/>
+          </a:fontRef>
+        </p:style>
+      </p:cxnSp>
+      <p:cxnSp>
+        <p:nvCxnSpPr>
+          <p:cNvPr id="58" name="Straight Connector 57">
+            <a:extLst>
+              <a:ext uri="{FF2B5EF4-FFF2-40B4-BE49-F238E27FC236}">
+                <a16:creationId xmlns:a16="http://schemas.microsoft.com/office/drawing/2014/main" id="{C43F6758-AAD0-CE45-8F87-26DA2A63CBC3}"/>
+              </a:ext>
+            </a:extLst>
+          </p:cNvPr>
+          <p:cNvCxnSpPr>
+            <a:cxnSpLocks/>
+          </p:cNvCxnSpPr>
+          <p:nvPr/>
+        </p:nvCxnSpPr>
+        <p:spPr>
+          <a:xfrm flipV="1">
+            <a:off x="2500423" y="5802550"/>
+            <a:ext cx="1026465" cy="859536"/>
+          </a:xfrm>
+          <a:prstGeom prst="line">
+            <a:avLst/>
+          </a:prstGeom>
+        </p:spPr>
+        <p:style>
+          <a:lnRef idx="1">
+            <a:schemeClr val="dk1"/>
+          </a:lnRef>
+          <a:fillRef idx="0">
+            <a:schemeClr val="dk1"/>
+          </a:fillRef>
+          <a:effectRef idx="0">
+            <a:schemeClr val="dk1"/>
+          </a:effectRef>
+          <a:fontRef idx="minor">
+            <a:schemeClr val="tx1"/>
+          </a:fontRef>
+        </p:style>
+      </p:cxnSp>
+      <p:cxnSp>
+        <p:nvCxnSpPr>
+          <p:cNvPr id="62" name="Straight Connector 61">
+            <a:extLst>
+              <a:ext uri="{FF2B5EF4-FFF2-40B4-BE49-F238E27FC236}">
+                <a16:creationId xmlns:a16="http://schemas.microsoft.com/office/drawing/2014/main" id="{FBAFCDA6-AF8B-1592-D4A4-A0584E4DBC3D}"/>
+              </a:ext>
+            </a:extLst>
+          </p:cNvPr>
+          <p:cNvCxnSpPr>
+            <a:cxnSpLocks/>
+          </p:cNvCxnSpPr>
+          <p:nvPr/>
+        </p:nvCxnSpPr>
+        <p:spPr>
+          <a:xfrm flipV="1">
+            <a:off x="2491708" y="4851686"/>
+            <a:ext cx="1063668" cy="1315915"/>
+          </a:xfrm>
+          <a:prstGeom prst="line">
+            <a:avLst/>
+          </a:prstGeom>
+        </p:spPr>
+        <p:style>
+          <a:lnRef idx="1">
+            <a:schemeClr val="accent1"/>
+          </a:lnRef>
+          <a:fillRef idx="0">
+            <a:schemeClr val="accent1"/>
+          </a:fillRef>
+          <a:effectRef idx="0">
+            <a:schemeClr val="accent1"/>
+          </a:effectRef>
+          <a:fontRef idx="minor">
+            <a:schemeClr val="tx1"/>
+          </a:fontRef>
+        </p:style>
+      </p:cxnSp>
+      <p:cxnSp>
+        <p:nvCxnSpPr>
+          <p:cNvPr id="63" name="Straight Connector 62">
+            <a:extLst>
+              <a:ext uri="{FF2B5EF4-FFF2-40B4-BE49-F238E27FC236}">
+                <a16:creationId xmlns:a16="http://schemas.microsoft.com/office/drawing/2014/main" id="{34BD19B2-ADAE-D25B-722E-058FC60E20DD}"/>
+              </a:ext>
+            </a:extLst>
+          </p:cNvPr>
+          <p:cNvCxnSpPr>
+            <a:cxnSpLocks/>
+          </p:cNvCxnSpPr>
+          <p:nvPr/>
+        </p:nvCxnSpPr>
+        <p:spPr>
+          <a:xfrm flipV="1">
+            <a:off x="2491708" y="5057990"/>
+            <a:ext cx="1043895" cy="1296599"/>
+          </a:xfrm>
+          <a:prstGeom prst="line">
+            <a:avLst/>
+          </a:prstGeom>
+        </p:spPr>
+        <p:style>
+          <a:lnRef idx="1">
+            <a:schemeClr val="dk1"/>
+          </a:lnRef>
+          <a:fillRef idx="0">
+            <a:schemeClr val="dk1"/>
+          </a:fillRef>
+          <a:effectRef idx="0">
+            <a:schemeClr val="dk1"/>
+          </a:effectRef>
+          <a:fontRef idx="minor">
+            <a:schemeClr val="tx1"/>
+          </a:fontRef>
+        </p:style>
+      </p:cxnSp>
+      <p:sp>
+        <p:nvSpPr>
+          <p:cNvPr id="69" name="Rectangle 68">
+            <a:extLst>
+              <a:ext uri="{FF2B5EF4-FFF2-40B4-BE49-F238E27FC236}">
+                <a16:creationId xmlns:a16="http://schemas.microsoft.com/office/drawing/2014/main" id="{029CCB94-A5BA-8C14-3F6A-F24B82C82A1E}"/>
+              </a:ext>
+            </a:extLst>
+          </p:cNvPr>
+          <p:cNvSpPr/>
+          <p:nvPr/>
+        </p:nvSpPr>
+        <p:spPr>
+          <a:xfrm>
+            <a:off x="4571388" y="4753472"/>
+            <a:ext cx="803139" cy="293723"/>
+          </a:xfrm>
+          <a:prstGeom prst="rect">
+            <a:avLst/>
+          </a:prstGeom>
+          <a:noFill/>
+          <a:ln>
+            <a:noFill/>
+          </a:ln>
+        </p:spPr>
+        <p:style>
+          <a:lnRef idx="2">
+            <a:schemeClr val="accent1">
+              <a:shade val="50000"/>
+            </a:schemeClr>
+          </a:lnRef>
+          <a:fillRef idx="1">
+            <a:schemeClr val="accent1"/>
+          </a:fillRef>
+          <a:effectRef idx="0">
+            <a:schemeClr val="accent1"/>
+          </a:effectRef>
+          <a:fontRef idx="minor">
+            <a:schemeClr val="lt1"/>
+          </a:fontRef>
+        </p:style>
+        <p:txBody>
+          <a:bodyPr rtlCol="0" anchor="ctr"/>
+          <a:lstStyle/>
+          <a:p>
+            <a:r>
+              <a:rPr lang="en-US" sz="1100" b="1" dirty="0">
+                <a:solidFill>
+                  <a:srgbClr val="002060"/>
+                </a:solidFill>
+              </a:rPr>
+              <a:t>PLC0 Q0.2</a:t>
+            </a:r>
+          </a:p>
+          <a:p>
+            <a:r>
+              <a:rPr lang="en-US" sz="1100" b="1" dirty="0">
+                <a:solidFill>
+                  <a:srgbClr val="002060"/>
+                </a:solidFill>
+              </a:rPr>
+              <a:t>S-we-2</a:t>
+            </a:r>
+            <a:endParaRPr lang="en-SG" sz="1100" b="1" dirty="0">
+              <a:solidFill>
+                <a:srgbClr val="002060"/>
+              </a:solidFill>
+            </a:endParaRPr>
+          </a:p>
+        </p:txBody>
+      </p:sp>
+      <p:sp>
+        <p:nvSpPr>
+          <p:cNvPr id="70" name="Rectangle 69">
+            <a:extLst>
+              <a:ext uri="{FF2B5EF4-FFF2-40B4-BE49-F238E27FC236}">
+                <a16:creationId xmlns:a16="http://schemas.microsoft.com/office/drawing/2014/main" id="{7AB612C5-4C85-4933-AA84-13988519F145}"/>
+              </a:ext>
+            </a:extLst>
+          </p:cNvPr>
+          <p:cNvSpPr/>
+          <p:nvPr/>
+        </p:nvSpPr>
+        <p:spPr>
+          <a:xfrm>
+            <a:off x="4520167" y="4004224"/>
+            <a:ext cx="803139" cy="293723"/>
+          </a:xfrm>
+          <a:prstGeom prst="rect">
+            <a:avLst/>
+          </a:prstGeom>
+          <a:noFill/>
+          <a:ln>
+            <a:noFill/>
+          </a:ln>
+        </p:spPr>
+        <p:style>
+          <a:lnRef idx="2">
+            <a:schemeClr val="accent1">
+              <a:shade val="50000"/>
+            </a:schemeClr>
+          </a:lnRef>
+          <a:fillRef idx="1">
+            <a:schemeClr val="accent1"/>
+          </a:fillRef>
+          <a:effectRef idx="0">
+            <a:schemeClr val="accent1"/>
+          </a:effectRef>
+          <a:fontRef idx="minor">
+            <a:schemeClr val="lt1"/>
+          </a:fontRef>
+        </p:style>
+        <p:txBody>
+          <a:bodyPr rtlCol="0" anchor="ctr"/>
+          <a:lstStyle/>
+          <a:p>
+            <a:r>
+              <a:rPr lang="en-US" sz="1100" b="1" dirty="0">
+                <a:solidFill>
+                  <a:srgbClr val="002060"/>
+                </a:solidFill>
+              </a:rPr>
+              <a:t>PLC0 Q0.4</a:t>
+            </a:r>
+          </a:p>
+          <a:p>
+            <a:r>
+              <a:rPr lang="en-US" sz="1100" b="1" dirty="0">
+                <a:solidFill>
+                  <a:srgbClr val="002060"/>
+                </a:solidFill>
+              </a:rPr>
+              <a:t>S-we-4</a:t>
+            </a:r>
+            <a:endParaRPr lang="en-SG" sz="1100" b="1" dirty="0">
+              <a:solidFill>
+                <a:srgbClr val="002060"/>
+              </a:solidFill>
+            </a:endParaRPr>
+          </a:p>
+        </p:txBody>
+      </p:sp>
+      <p:cxnSp>
+        <p:nvCxnSpPr>
+          <p:cNvPr id="71" name="Straight Connector 70">
+            <a:extLst>
+              <a:ext uri="{FF2B5EF4-FFF2-40B4-BE49-F238E27FC236}">
+                <a16:creationId xmlns:a16="http://schemas.microsoft.com/office/drawing/2014/main" id="{B6D5F415-DDCC-428E-C3B4-735BEC7AF2FF}"/>
+              </a:ext>
+            </a:extLst>
+          </p:cNvPr>
+          <p:cNvCxnSpPr>
+            <a:cxnSpLocks/>
+          </p:cNvCxnSpPr>
+          <p:nvPr/>
+        </p:nvCxnSpPr>
+        <p:spPr>
+          <a:xfrm flipV="1">
+            <a:off x="2519996" y="4079636"/>
+            <a:ext cx="1044095" cy="1813584"/>
+          </a:xfrm>
+          <a:prstGeom prst="line">
+            <a:avLst/>
+          </a:prstGeom>
+        </p:spPr>
+        <p:style>
+          <a:lnRef idx="1">
+            <a:schemeClr val="accent1"/>
+          </a:lnRef>
+          <a:fillRef idx="0">
+            <a:schemeClr val="accent1"/>
+          </a:fillRef>
+          <a:effectRef idx="0">
+            <a:schemeClr val="accent1"/>
+          </a:effectRef>
+          <a:fontRef idx="minor">
+            <a:schemeClr val="tx1"/>
+          </a:fontRef>
+        </p:style>
+      </p:cxnSp>
+      <p:cxnSp>
+        <p:nvCxnSpPr>
+          <p:cNvPr id="72" name="Straight Connector 71">
+            <a:extLst>
+              <a:ext uri="{FF2B5EF4-FFF2-40B4-BE49-F238E27FC236}">
+                <a16:creationId xmlns:a16="http://schemas.microsoft.com/office/drawing/2014/main" id="{72BF6342-A753-051A-2971-FEA34E7D7958}"/>
+              </a:ext>
+            </a:extLst>
+          </p:cNvPr>
+          <p:cNvCxnSpPr>
+            <a:cxnSpLocks/>
+          </p:cNvCxnSpPr>
+          <p:nvPr/>
+        </p:nvCxnSpPr>
+        <p:spPr>
+          <a:xfrm flipV="1">
+            <a:off x="2519996" y="4285940"/>
+            <a:ext cx="1024322" cy="1718166"/>
+          </a:xfrm>
+          <a:prstGeom prst="line">
+            <a:avLst/>
+          </a:prstGeom>
+        </p:spPr>
+        <p:style>
+          <a:lnRef idx="1">
+            <a:schemeClr val="dk1"/>
+          </a:lnRef>
+          <a:fillRef idx="0">
+            <a:schemeClr val="dk1"/>
+          </a:fillRef>
+          <a:effectRef idx="0">
+            <a:schemeClr val="dk1"/>
+          </a:effectRef>
+          <a:fontRef idx="minor">
+            <a:schemeClr val="tx1"/>
+          </a:fontRef>
+        </p:style>
+      </p:cxnSp>
+      <p:sp>
+        <p:nvSpPr>
+          <p:cNvPr id="77" name="Rectangle 76">
+            <a:extLst>
+              <a:ext uri="{FF2B5EF4-FFF2-40B4-BE49-F238E27FC236}">
+                <a16:creationId xmlns:a16="http://schemas.microsoft.com/office/drawing/2014/main" id="{B2C11E8A-5F7C-13E1-13D0-EFA915D403D1}"/>
+              </a:ext>
+            </a:extLst>
+          </p:cNvPr>
+          <p:cNvSpPr/>
+          <p:nvPr/>
+        </p:nvSpPr>
+        <p:spPr>
+          <a:xfrm>
+            <a:off x="4520166" y="3176539"/>
+            <a:ext cx="803139" cy="293723"/>
+          </a:xfrm>
+          <a:prstGeom prst="rect">
+            <a:avLst/>
+          </a:prstGeom>
+          <a:noFill/>
+          <a:ln>
+            <a:noFill/>
+          </a:ln>
+        </p:spPr>
+        <p:style>
+          <a:lnRef idx="2">
+            <a:schemeClr val="accent1">
+              <a:shade val="50000"/>
+            </a:schemeClr>
+          </a:lnRef>
+          <a:fillRef idx="1">
+            <a:schemeClr val="accent1"/>
+          </a:fillRef>
+          <a:effectRef idx="0">
+            <a:schemeClr val="accent1"/>
+          </a:effectRef>
+          <a:fontRef idx="minor">
+            <a:schemeClr val="lt1"/>
+          </a:fontRef>
+        </p:style>
+        <p:txBody>
+          <a:bodyPr rtlCol="0" anchor="ctr"/>
+          <a:lstStyle/>
+          <a:p>
+            <a:r>
+              <a:rPr lang="en-US" sz="1100" b="1" dirty="0">
+                <a:solidFill>
+                  <a:srgbClr val="002060"/>
+                </a:solidFill>
+              </a:rPr>
+              <a:t>PLC0 Q0.6</a:t>
+            </a:r>
+          </a:p>
+          <a:p>
+            <a:r>
+              <a:rPr lang="en-US" sz="1100" b="1" dirty="0">
+                <a:solidFill>
+                  <a:srgbClr val="002060"/>
+                </a:solidFill>
+              </a:rPr>
+              <a:t>S-we-6</a:t>
+            </a:r>
+            <a:endParaRPr lang="en-SG" sz="1100" b="1" dirty="0">
+              <a:solidFill>
+                <a:srgbClr val="002060"/>
+              </a:solidFill>
+            </a:endParaRPr>
+          </a:p>
+        </p:txBody>
+      </p:sp>
+      <p:sp>
+        <p:nvSpPr>
+          <p:cNvPr id="78" name="Rectangle 77">
+            <a:extLst>
+              <a:ext uri="{FF2B5EF4-FFF2-40B4-BE49-F238E27FC236}">
+                <a16:creationId xmlns:a16="http://schemas.microsoft.com/office/drawing/2014/main" id="{CD865192-4970-C2E5-CF22-924BF893CE58}"/>
+              </a:ext>
+            </a:extLst>
+          </p:cNvPr>
+          <p:cNvSpPr/>
+          <p:nvPr/>
+        </p:nvSpPr>
+        <p:spPr>
+          <a:xfrm>
+            <a:off x="4566391" y="2416762"/>
+            <a:ext cx="803139" cy="293723"/>
+          </a:xfrm>
+          <a:prstGeom prst="rect">
+            <a:avLst/>
+          </a:prstGeom>
+          <a:noFill/>
+          <a:ln>
+            <a:noFill/>
+          </a:ln>
+        </p:spPr>
+        <p:style>
+          <a:lnRef idx="2">
+            <a:schemeClr val="accent1">
+              <a:shade val="50000"/>
+            </a:schemeClr>
+          </a:lnRef>
+          <a:fillRef idx="1">
+            <a:schemeClr val="accent1"/>
+          </a:fillRef>
+          <a:effectRef idx="0">
+            <a:schemeClr val="accent1"/>
+          </a:effectRef>
+          <a:fontRef idx="minor">
+            <a:schemeClr val="lt1"/>
+          </a:fontRef>
+        </p:style>
+        <p:txBody>
+          <a:bodyPr rtlCol="0" anchor="ctr"/>
+          <a:lstStyle/>
+          <a:p>
+            <a:r>
+              <a:rPr lang="en-US" sz="1100" b="1" dirty="0">
+                <a:solidFill>
+                  <a:srgbClr val="002060"/>
+                </a:solidFill>
+              </a:rPr>
+              <a:t>PLC1 Q0.0</a:t>
+            </a:r>
+          </a:p>
+          <a:p>
+            <a:r>
+              <a:rPr lang="en-US" sz="1100" b="1" dirty="0">
+                <a:solidFill>
+                  <a:srgbClr val="002060"/>
+                </a:solidFill>
+              </a:rPr>
+              <a:t>S-we-7</a:t>
+            </a:r>
+            <a:endParaRPr lang="en-SG" sz="1100" b="1" dirty="0">
+              <a:solidFill>
+                <a:srgbClr val="002060"/>
+              </a:solidFill>
+            </a:endParaRPr>
+          </a:p>
+        </p:txBody>
+      </p:sp>
+      <p:cxnSp>
+        <p:nvCxnSpPr>
+          <p:cNvPr id="79" name="Straight Connector 78">
+            <a:extLst>
+              <a:ext uri="{FF2B5EF4-FFF2-40B4-BE49-F238E27FC236}">
+                <a16:creationId xmlns:a16="http://schemas.microsoft.com/office/drawing/2014/main" id="{786EDBC2-B46D-5ECE-3FF1-BFE9C3F34D92}"/>
+              </a:ext>
+            </a:extLst>
+          </p:cNvPr>
+          <p:cNvCxnSpPr>
+            <a:cxnSpLocks/>
+          </p:cNvCxnSpPr>
+          <p:nvPr/>
+        </p:nvCxnSpPr>
+        <p:spPr>
+          <a:xfrm flipV="1">
+            <a:off x="2495976" y="2473410"/>
+            <a:ext cx="1013437" cy="3109901"/>
+          </a:xfrm>
+          <a:prstGeom prst="line">
+            <a:avLst/>
+          </a:prstGeom>
+        </p:spPr>
+        <p:style>
+          <a:lnRef idx="1">
+            <a:schemeClr val="accent1"/>
+          </a:lnRef>
+          <a:fillRef idx="0">
+            <a:schemeClr val="accent1"/>
+          </a:fillRef>
+          <a:effectRef idx="0">
+            <a:schemeClr val="accent1"/>
+          </a:effectRef>
+          <a:fontRef idx="minor">
+            <a:schemeClr val="tx1"/>
+          </a:fontRef>
+        </p:style>
+      </p:cxnSp>
+      <p:cxnSp>
+        <p:nvCxnSpPr>
+          <p:cNvPr id="81" name="Straight Connector 80">
+            <a:extLst>
+              <a:ext uri="{FF2B5EF4-FFF2-40B4-BE49-F238E27FC236}">
+                <a16:creationId xmlns:a16="http://schemas.microsoft.com/office/drawing/2014/main" id="{1A243B0A-7273-24F1-685F-0B978C30AA91}"/>
+              </a:ext>
+            </a:extLst>
+          </p:cNvPr>
+          <p:cNvCxnSpPr>
+            <a:cxnSpLocks/>
+          </p:cNvCxnSpPr>
+          <p:nvPr/>
+        </p:nvCxnSpPr>
+        <p:spPr>
+          <a:xfrm>
+            <a:off x="3321438" y="3088572"/>
+            <a:ext cx="214165" cy="212107"/>
+          </a:xfrm>
+          <a:prstGeom prst="line">
+            <a:avLst/>
+          </a:prstGeom>
+        </p:spPr>
+        <p:style>
+          <a:lnRef idx="1">
+            <a:schemeClr val="accent1"/>
+          </a:lnRef>
+          <a:fillRef idx="0">
+            <a:schemeClr val="accent1"/>
+          </a:fillRef>
+          <a:effectRef idx="0">
+            <a:schemeClr val="accent1"/>
+          </a:effectRef>
+          <a:fontRef idx="minor">
+            <a:schemeClr val="tx1"/>
+          </a:fontRef>
+        </p:style>
+      </p:cxnSp>
+      <p:cxnSp>
+        <p:nvCxnSpPr>
+          <p:cNvPr id="86" name="Straight Connector 85">
+            <a:extLst>
+              <a:ext uri="{FF2B5EF4-FFF2-40B4-BE49-F238E27FC236}">
+                <a16:creationId xmlns:a16="http://schemas.microsoft.com/office/drawing/2014/main" id="{4AA66BA4-C942-4F5D-BD1C-3446B5A3D925}"/>
+              </a:ext>
+            </a:extLst>
+          </p:cNvPr>
+          <p:cNvCxnSpPr>
+            <a:cxnSpLocks/>
+          </p:cNvCxnSpPr>
+          <p:nvPr/>
+        </p:nvCxnSpPr>
+        <p:spPr>
+          <a:xfrm flipV="1">
+            <a:off x="2516751" y="2763709"/>
+            <a:ext cx="1079270" cy="2966937"/>
+          </a:xfrm>
+          <a:prstGeom prst="line">
+            <a:avLst/>
+          </a:prstGeom>
+        </p:spPr>
+        <p:style>
+          <a:lnRef idx="1">
+            <a:schemeClr val="dk1"/>
+          </a:lnRef>
+          <a:fillRef idx="0">
+            <a:schemeClr val="dk1"/>
+          </a:fillRef>
+          <a:effectRef idx="0">
+            <a:schemeClr val="dk1"/>
+          </a:effectRef>
+          <a:fontRef idx="minor">
+            <a:schemeClr val="tx1"/>
+          </a:fontRef>
+        </p:style>
+      </p:cxnSp>
+      <p:cxnSp>
+        <p:nvCxnSpPr>
+          <p:cNvPr id="88" name="Straight Connector 87">
+            <a:extLst>
+              <a:ext uri="{FF2B5EF4-FFF2-40B4-BE49-F238E27FC236}">
+                <a16:creationId xmlns:a16="http://schemas.microsoft.com/office/drawing/2014/main" id="{7B93B211-C24B-DF0F-1CB9-CA3F94CF2AF1}"/>
+              </a:ext>
+            </a:extLst>
+          </p:cNvPr>
+          <p:cNvCxnSpPr>
+            <a:cxnSpLocks/>
+          </p:cNvCxnSpPr>
+          <p:nvPr/>
+        </p:nvCxnSpPr>
+        <p:spPr>
+          <a:xfrm>
+            <a:off x="3356437" y="3413896"/>
+            <a:ext cx="152976" cy="146430"/>
+          </a:xfrm>
+          <a:prstGeom prst="line">
+            <a:avLst/>
+          </a:prstGeom>
+        </p:spPr>
+        <p:style>
+          <a:lnRef idx="1">
+            <a:schemeClr val="dk1"/>
+          </a:lnRef>
+          <a:fillRef idx="0">
+            <a:schemeClr val="dk1"/>
+          </a:fillRef>
+          <a:effectRef idx="0">
+            <a:schemeClr val="dk1"/>
+          </a:effectRef>
+          <a:fontRef idx="minor">
+            <a:schemeClr val="tx1"/>
+          </a:fontRef>
+        </p:style>
+      </p:cxnSp>
+      <p:sp>
+        <p:nvSpPr>
+          <p:cNvPr id="91" name="Rectangle 90">
+            <a:extLst>
+              <a:ext uri="{FF2B5EF4-FFF2-40B4-BE49-F238E27FC236}">
+                <a16:creationId xmlns:a16="http://schemas.microsoft.com/office/drawing/2014/main" id="{F1F61A75-2DA3-D039-AF5D-E1C99EDD85DA}"/>
+              </a:ext>
+            </a:extLst>
+          </p:cNvPr>
+          <p:cNvSpPr/>
+          <p:nvPr/>
+        </p:nvSpPr>
+        <p:spPr>
+          <a:xfrm>
+            <a:off x="4566390" y="6225775"/>
+            <a:ext cx="803139" cy="293723"/>
+          </a:xfrm>
+          <a:prstGeom prst="rect">
+            <a:avLst/>
+          </a:prstGeom>
+          <a:noFill/>
+          <a:ln>
+            <a:noFill/>
+          </a:ln>
+        </p:spPr>
+        <p:style>
+          <a:lnRef idx="2">
+            <a:schemeClr val="accent1">
+              <a:shade val="50000"/>
+            </a:schemeClr>
+          </a:lnRef>
+          <a:fillRef idx="1">
+            <a:schemeClr val="accent1"/>
+          </a:fillRef>
+          <a:effectRef idx="0">
+            <a:schemeClr val="accent1"/>
+          </a:effectRef>
+          <a:fontRef idx="minor">
+            <a:schemeClr val="lt1"/>
+          </a:fontRef>
+        </p:style>
+        <p:txBody>
+          <a:bodyPr rtlCol="0" anchor="ctr"/>
+          <a:lstStyle/>
+          <a:p>
+            <a:r>
+              <a:rPr lang="en-US" sz="1100" b="1" dirty="0">
+                <a:solidFill>
+                  <a:srgbClr val="002060"/>
+                </a:solidFill>
+              </a:rPr>
+              <a:t>PLC0 Q0.1</a:t>
+            </a:r>
+          </a:p>
+          <a:p>
+            <a:r>
+              <a:rPr lang="en-US" sz="1100" b="1" dirty="0">
+                <a:solidFill>
+                  <a:srgbClr val="002060"/>
+                </a:solidFill>
+              </a:rPr>
+              <a:t>S-we-1</a:t>
+            </a:r>
+            <a:endParaRPr lang="en-SG" sz="1100" b="1" dirty="0">
+              <a:solidFill>
+                <a:srgbClr val="002060"/>
+              </a:solidFill>
+            </a:endParaRPr>
+          </a:p>
+        </p:txBody>
+      </p:sp>
+      <p:cxnSp>
+        <p:nvCxnSpPr>
+          <p:cNvPr id="92" name="Straight Connector 91">
+            <a:extLst>
+              <a:ext uri="{FF2B5EF4-FFF2-40B4-BE49-F238E27FC236}">
+                <a16:creationId xmlns:a16="http://schemas.microsoft.com/office/drawing/2014/main" id="{BE7B733C-CA15-0D67-1D99-4D928BD4373D}"/>
+              </a:ext>
+            </a:extLst>
+          </p:cNvPr>
+          <p:cNvCxnSpPr>
+            <a:cxnSpLocks/>
+          </p:cNvCxnSpPr>
+          <p:nvPr/>
+        </p:nvCxnSpPr>
+        <p:spPr>
+          <a:xfrm>
+            <a:off x="3218713" y="5936950"/>
+            <a:ext cx="356236" cy="435686"/>
+          </a:xfrm>
+          <a:prstGeom prst="line">
+            <a:avLst/>
+          </a:prstGeom>
+        </p:spPr>
+        <p:style>
+          <a:lnRef idx="1">
+            <a:schemeClr val="accent1"/>
+          </a:lnRef>
+          <a:fillRef idx="0">
+            <a:schemeClr val="accent1"/>
+          </a:fillRef>
+          <a:effectRef idx="0">
+            <a:schemeClr val="accent1"/>
+          </a:effectRef>
+          <a:fontRef idx="minor">
+            <a:schemeClr val="tx1"/>
+          </a:fontRef>
+        </p:style>
+      </p:cxnSp>
+      <p:cxnSp>
+        <p:nvCxnSpPr>
+          <p:cNvPr id="94" name="Straight Connector 93">
+            <a:extLst>
+              <a:ext uri="{FF2B5EF4-FFF2-40B4-BE49-F238E27FC236}">
+                <a16:creationId xmlns:a16="http://schemas.microsoft.com/office/drawing/2014/main" id="{06DC2549-6C36-9BC6-4B28-3E1B46ED358D}"/>
+              </a:ext>
+            </a:extLst>
+          </p:cNvPr>
+          <p:cNvCxnSpPr>
+            <a:cxnSpLocks/>
+          </p:cNvCxnSpPr>
+          <p:nvPr/>
+        </p:nvCxnSpPr>
+        <p:spPr>
+          <a:xfrm>
+            <a:off x="3135589" y="6140090"/>
+            <a:ext cx="391299" cy="457805"/>
+          </a:xfrm>
+          <a:prstGeom prst="line">
+            <a:avLst/>
+          </a:prstGeom>
+        </p:spPr>
+        <p:style>
+          <a:lnRef idx="1">
+            <a:schemeClr val="dk1"/>
+          </a:lnRef>
+          <a:fillRef idx="0">
+            <a:schemeClr val="dk1"/>
+          </a:fillRef>
+          <a:effectRef idx="0">
+            <a:schemeClr val="dk1"/>
+          </a:effectRef>
+          <a:fontRef idx="minor">
+            <a:schemeClr val="tx1"/>
+          </a:fontRef>
+        </p:style>
+      </p:cxnSp>
+      <p:pic>
+        <p:nvPicPr>
+          <p:cNvPr id="97" name="Picture 96" descr="A picture containing diagram, line, technical drawing, plan&#10;&#10;Description automatically generated">
+            <a:extLst>
+              <a:ext uri="{FF2B5EF4-FFF2-40B4-BE49-F238E27FC236}">
+                <a16:creationId xmlns:a16="http://schemas.microsoft.com/office/drawing/2014/main" id="{6AB12DC1-10CA-DF86-F71D-1DBBA62D8A6C}"/>
+              </a:ext>
+            </a:extLst>
+          </p:cNvPr>
+          <p:cNvPicPr>
+            <a:picLocks noChangeAspect="1"/>
+          </p:cNvPicPr>
+          <p:nvPr/>
+        </p:nvPicPr>
+        <p:blipFill rotWithShape="1">
+          <a:blip r:embed="rId5">
+            <a:extLst>
+              <a:ext uri="{28A0092B-C50C-407E-A947-70E740481C1C}">
+                <a14:useLocalDpi xmlns:a14="http://schemas.microsoft.com/office/drawing/2010/main" val="0"/>
+              </a:ext>
+            </a:extLst>
+          </a:blip>
+          <a:srcRect l="3141" t="11965" r="26502" b="15956"/>
+          <a:stretch/>
+        </p:blipFill>
+        <p:spPr>
+          <a:xfrm>
+            <a:off x="3509413" y="736661"/>
+            <a:ext cx="1129179" cy="498603"/>
+          </a:xfrm>
+          <a:prstGeom prst="rect">
+            <a:avLst/>
+          </a:prstGeom>
+        </p:spPr>
+      </p:pic>
+      <p:sp>
+        <p:nvSpPr>
+          <p:cNvPr id="98" name="Rectangle 97">
+            <a:extLst>
+              <a:ext uri="{FF2B5EF4-FFF2-40B4-BE49-F238E27FC236}">
+                <a16:creationId xmlns:a16="http://schemas.microsoft.com/office/drawing/2014/main" id="{9DA7747C-AEAD-9D0C-67CF-9822E2B6C85D}"/>
+              </a:ext>
+            </a:extLst>
+          </p:cNvPr>
+          <p:cNvSpPr/>
+          <p:nvPr/>
+        </p:nvSpPr>
+        <p:spPr>
+          <a:xfrm>
+            <a:off x="4565023" y="1578060"/>
+            <a:ext cx="803139" cy="293723"/>
+          </a:xfrm>
+          <a:prstGeom prst="rect">
+            <a:avLst/>
+          </a:prstGeom>
+          <a:noFill/>
+          <a:ln>
+            <a:noFill/>
+          </a:ln>
+        </p:spPr>
+        <p:style>
+          <a:lnRef idx="2">
+            <a:schemeClr val="accent1">
+              <a:shade val="50000"/>
+            </a:schemeClr>
+          </a:lnRef>
+          <a:fillRef idx="1">
+            <a:schemeClr val="accent1"/>
+          </a:fillRef>
+          <a:effectRef idx="0">
+            <a:schemeClr val="accent1"/>
+          </a:effectRef>
+          <a:fontRef idx="minor">
+            <a:schemeClr val="lt1"/>
+          </a:fontRef>
+        </p:style>
+        <p:txBody>
+          <a:bodyPr rtlCol="0" anchor="ctr"/>
+          <a:lstStyle/>
+          <a:p>
+            <a:r>
+              <a:rPr lang="en-US" sz="1100" b="1" dirty="0">
+                <a:solidFill>
+                  <a:srgbClr val="002060"/>
+                </a:solidFill>
+              </a:rPr>
+              <a:t>PLC0 Q0.5</a:t>
+            </a:r>
+          </a:p>
+          <a:p>
+            <a:r>
+              <a:rPr lang="en-US" sz="1100" b="1" dirty="0">
+                <a:solidFill>
+                  <a:srgbClr val="002060"/>
+                </a:solidFill>
+              </a:rPr>
+              <a:t>S-we-5</a:t>
+            </a:r>
+            <a:endParaRPr lang="en-SG" sz="1100" b="1" dirty="0">
+              <a:solidFill>
+                <a:srgbClr val="002060"/>
+              </a:solidFill>
+            </a:endParaRPr>
+          </a:p>
+        </p:txBody>
+      </p:sp>
+      <p:sp>
+        <p:nvSpPr>
+          <p:cNvPr id="99" name="Rectangle 98">
+            <a:extLst>
+              <a:ext uri="{FF2B5EF4-FFF2-40B4-BE49-F238E27FC236}">
+                <a16:creationId xmlns:a16="http://schemas.microsoft.com/office/drawing/2014/main" id="{C54A77A4-6342-6E22-48E4-679A2AA9A01C}"/>
+              </a:ext>
+            </a:extLst>
+          </p:cNvPr>
+          <p:cNvSpPr/>
+          <p:nvPr/>
+        </p:nvSpPr>
+        <p:spPr>
+          <a:xfrm>
+            <a:off x="4576328" y="762022"/>
+            <a:ext cx="803139" cy="293723"/>
+          </a:xfrm>
+          <a:prstGeom prst="rect">
+            <a:avLst/>
+          </a:prstGeom>
+          <a:noFill/>
+          <a:ln>
+            <a:noFill/>
+          </a:ln>
+        </p:spPr>
+        <p:style>
+          <a:lnRef idx="2">
+            <a:schemeClr val="accent1">
+              <a:shade val="50000"/>
+            </a:schemeClr>
+          </a:lnRef>
+          <a:fillRef idx="1">
+            <a:schemeClr val="accent1"/>
+          </a:fillRef>
+          <a:effectRef idx="0">
+            <a:schemeClr val="accent1"/>
+          </a:effectRef>
+          <a:fontRef idx="minor">
+            <a:schemeClr val="lt1"/>
+          </a:fontRef>
+        </p:style>
+        <p:txBody>
+          <a:bodyPr rtlCol="0" anchor="ctr"/>
+          <a:lstStyle/>
+          <a:p>
+            <a:r>
+              <a:rPr lang="en-US" sz="1100" b="1" dirty="0">
+                <a:solidFill>
+                  <a:srgbClr val="002060"/>
+                </a:solidFill>
+              </a:rPr>
+              <a:t>PLC0 Q0.3</a:t>
+            </a:r>
+          </a:p>
+          <a:p>
+            <a:r>
+              <a:rPr lang="en-US" sz="1100" b="1" dirty="0">
+                <a:solidFill>
+                  <a:srgbClr val="002060"/>
+                </a:solidFill>
+              </a:rPr>
+              <a:t>S-we-3</a:t>
+            </a:r>
+            <a:endParaRPr lang="en-SG" sz="1100" b="1" dirty="0">
+              <a:solidFill>
+                <a:srgbClr val="002060"/>
+              </a:solidFill>
+            </a:endParaRPr>
+          </a:p>
+        </p:txBody>
+      </p:sp>
+      <p:cxnSp>
+        <p:nvCxnSpPr>
+          <p:cNvPr id="103" name="Connector: Elbow 102">
+            <a:extLst>
+              <a:ext uri="{FF2B5EF4-FFF2-40B4-BE49-F238E27FC236}">
+                <a16:creationId xmlns:a16="http://schemas.microsoft.com/office/drawing/2014/main" id="{2A91F475-5208-908D-C23B-9BB90C379F6C}"/>
+              </a:ext>
+            </a:extLst>
+          </p:cNvPr>
+          <p:cNvCxnSpPr>
+            <a:cxnSpLocks/>
+          </p:cNvCxnSpPr>
+          <p:nvPr/>
+        </p:nvCxnSpPr>
+        <p:spPr>
+          <a:xfrm rot="10800000" flipV="1">
+            <a:off x="3499421" y="1617964"/>
+            <a:ext cx="4291" cy="2434928"/>
+          </a:xfrm>
+          <a:prstGeom prst="bentConnector3">
+            <a:avLst>
+              <a:gd name="adj1" fmla="val 5427430"/>
+            </a:avLst>
+          </a:prstGeom>
+        </p:spPr>
+        <p:style>
+          <a:lnRef idx="1">
+            <a:schemeClr val="accent1"/>
+          </a:lnRef>
+          <a:fillRef idx="0">
+            <a:schemeClr val="accent1"/>
+          </a:fillRef>
+          <a:effectRef idx="0">
+            <a:schemeClr val="accent1"/>
+          </a:effectRef>
+          <a:fontRef idx="minor">
+            <a:schemeClr val="tx1"/>
+          </a:fontRef>
+        </p:style>
+      </p:cxnSp>
+      <p:cxnSp>
+        <p:nvCxnSpPr>
+          <p:cNvPr id="106" name="Connector: Elbow 105">
+            <a:extLst>
+              <a:ext uri="{FF2B5EF4-FFF2-40B4-BE49-F238E27FC236}">
+                <a16:creationId xmlns:a16="http://schemas.microsoft.com/office/drawing/2014/main" id="{FCCB2C4D-790A-EE40-F5F3-9E436D979B55}"/>
+              </a:ext>
+            </a:extLst>
+          </p:cNvPr>
+          <p:cNvCxnSpPr>
+            <a:cxnSpLocks/>
+          </p:cNvCxnSpPr>
+          <p:nvPr/>
+        </p:nvCxnSpPr>
+        <p:spPr>
+          <a:xfrm rot="10800000" flipV="1">
+            <a:off x="3551898" y="1868764"/>
+            <a:ext cx="4291" cy="2434928"/>
+          </a:xfrm>
+          <a:prstGeom prst="bentConnector3">
+            <a:avLst>
+              <a:gd name="adj1" fmla="val 9278583"/>
+            </a:avLst>
+          </a:prstGeom>
+        </p:spPr>
+        <p:style>
+          <a:lnRef idx="1">
+            <a:schemeClr val="dk1"/>
+          </a:lnRef>
+          <a:fillRef idx="0">
+            <a:schemeClr val="dk1"/>
+          </a:fillRef>
+          <a:effectRef idx="0">
+            <a:schemeClr val="dk1"/>
+          </a:effectRef>
+          <a:fontRef idx="minor">
+            <a:schemeClr val="tx1"/>
+          </a:fontRef>
+        </p:style>
+      </p:cxnSp>
+      <p:cxnSp>
+        <p:nvCxnSpPr>
+          <p:cNvPr id="109" name="Connector: Elbow 108">
+            <a:extLst>
+              <a:ext uri="{FF2B5EF4-FFF2-40B4-BE49-F238E27FC236}">
+                <a16:creationId xmlns:a16="http://schemas.microsoft.com/office/drawing/2014/main" id="{00597F0A-9658-1F15-CC99-482CFBD05354}"/>
+              </a:ext>
+            </a:extLst>
+          </p:cNvPr>
+          <p:cNvCxnSpPr>
+            <a:cxnSpLocks/>
+          </p:cNvCxnSpPr>
+          <p:nvPr/>
+        </p:nvCxnSpPr>
+        <p:spPr>
+          <a:xfrm rot="16200000" flipV="1">
+            <a:off x="1612973" y="2807990"/>
+            <a:ext cx="3865723" cy="26190"/>
+          </a:xfrm>
+          <a:prstGeom prst="bentConnector4">
+            <a:avLst>
+              <a:gd name="adj1" fmla="val -533"/>
+              <a:gd name="adj2" fmla="val 2276873"/>
+            </a:avLst>
+          </a:prstGeom>
+        </p:spPr>
+        <p:style>
+          <a:lnRef idx="1">
+            <a:schemeClr val="accent1"/>
+          </a:lnRef>
+          <a:fillRef idx="0">
+            <a:schemeClr val="accent1"/>
+          </a:fillRef>
+          <a:effectRef idx="0">
+            <a:schemeClr val="accent1"/>
+          </a:effectRef>
+          <a:fontRef idx="minor">
+            <a:schemeClr val="tx1"/>
+          </a:fontRef>
+        </p:style>
+      </p:cxnSp>
+      <p:cxnSp>
+        <p:nvCxnSpPr>
+          <p:cNvPr id="113" name="Connector: Elbow 112">
+            <a:extLst>
+              <a:ext uri="{FF2B5EF4-FFF2-40B4-BE49-F238E27FC236}">
+                <a16:creationId xmlns:a16="http://schemas.microsoft.com/office/drawing/2014/main" id="{07690067-E5B4-8BD4-EAC0-BF97D9E07E60}"/>
+              </a:ext>
+            </a:extLst>
+          </p:cNvPr>
+          <p:cNvCxnSpPr>
+            <a:cxnSpLocks/>
+          </p:cNvCxnSpPr>
+          <p:nvPr/>
+        </p:nvCxnSpPr>
+        <p:spPr>
+          <a:xfrm rot="16200000" flipV="1">
+            <a:off x="1533858" y="3083707"/>
+            <a:ext cx="3865723" cy="26190"/>
+          </a:xfrm>
+          <a:prstGeom prst="bentConnector4">
+            <a:avLst>
+              <a:gd name="adj1" fmla="val -533"/>
+              <a:gd name="adj2" fmla="val 1477633"/>
+            </a:avLst>
+          </a:prstGeom>
+        </p:spPr>
+        <p:style>
+          <a:lnRef idx="1">
+            <a:schemeClr val="dk1"/>
+          </a:lnRef>
+          <a:fillRef idx="0">
+            <a:schemeClr val="dk1"/>
+          </a:fillRef>
+          <a:effectRef idx="0">
+            <a:schemeClr val="dk1"/>
+          </a:effectRef>
+          <a:fontRef idx="minor">
+            <a:schemeClr val="tx1"/>
+          </a:fontRef>
+        </p:style>
+      </p:cxnSp>
+      <p:cxnSp>
+        <p:nvCxnSpPr>
+          <p:cNvPr id="115" name="Straight Connector 114">
+            <a:extLst>
+              <a:ext uri="{FF2B5EF4-FFF2-40B4-BE49-F238E27FC236}">
+                <a16:creationId xmlns:a16="http://schemas.microsoft.com/office/drawing/2014/main" id="{F130DC36-C8B6-E7B0-E464-2CDBB287229F}"/>
+              </a:ext>
+            </a:extLst>
+          </p:cNvPr>
+          <p:cNvCxnSpPr>
+            <a:cxnSpLocks/>
+          </p:cNvCxnSpPr>
+          <p:nvPr/>
+        </p:nvCxnSpPr>
+        <p:spPr>
+          <a:xfrm flipV="1">
+            <a:off x="2491708" y="1260625"/>
+            <a:ext cx="3580365" cy="3467413"/>
+          </a:xfrm>
+          <a:prstGeom prst="line">
+            <a:avLst/>
+          </a:prstGeom>
+        </p:spPr>
+        <p:style>
+          <a:lnRef idx="1">
+            <a:schemeClr val="accent1"/>
+          </a:lnRef>
+          <a:fillRef idx="0">
+            <a:schemeClr val="accent1"/>
+          </a:fillRef>
+          <a:effectRef idx="0">
+            <a:schemeClr val="accent1"/>
+          </a:effectRef>
+          <a:fontRef idx="minor">
+            <a:schemeClr val="tx1"/>
+          </a:fontRef>
+        </p:style>
+      </p:cxnSp>
+      <p:cxnSp>
+        <p:nvCxnSpPr>
+          <p:cNvPr id="120" name="Straight Connector 119">
+            <a:extLst>
+              <a:ext uri="{FF2B5EF4-FFF2-40B4-BE49-F238E27FC236}">
+                <a16:creationId xmlns:a16="http://schemas.microsoft.com/office/drawing/2014/main" id="{84AB6476-1589-A9D5-074B-F869986372F6}"/>
+              </a:ext>
+            </a:extLst>
+          </p:cNvPr>
+          <p:cNvCxnSpPr>
+            <a:cxnSpLocks/>
+          </p:cNvCxnSpPr>
+          <p:nvPr/>
+        </p:nvCxnSpPr>
+        <p:spPr>
+          <a:xfrm flipV="1">
+            <a:off x="2489374" y="1527982"/>
+            <a:ext cx="3551372" cy="3372351"/>
+          </a:xfrm>
+          <a:prstGeom prst="line">
+            <a:avLst/>
+          </a:prstGeom>
+        </p:spPr>
+        <p:style>
+          <a:lnRef idx="1">
+            <a:schemeClr val="dk1"/>
+          </a:lnRef>
+          <a:fillRef idx="0">
+            <a:schemeClr val="dk1"/>
+          </a:fillRef>
+          <a:effectRef idx="0">
+            <a:schemeClr val="dk1"/>
+          </a:effectRef>
+          <a:fontRef idx="minor">
+            <a:schemeClr val="tx1"/>
+          </a:fontRef>
+        </p:style>
+      </p:cxnSp>
+      <p:sp>
+        <p:nvSpPr>
+          <p:cNvPr id="122" name="Rectangle 121">
+            <a:extLst>
+              <a:ext uri="{FF2B5EF4-FFF2-40B4-BE49-F238E27FC236}">
+                <a16:creationId xmlns:a16="http://schemas.microsoft.com/office/drawing/2014/main" id="{A250A91A-52BD-C741-2770-5FE4E066D347}"/>
+              </a:ext>
+            </a:extLst>
+          </p:cNvPr>
+          <p:cNvSpPr/>
+          <p:nvPr/>
+        </p:nvSpPr>
+        <p:spPr>
+          <a:xfrm>
+            <a:off x="7124747" y="1162847"/>
+            <a:ext cx="803139" cy="293723"/>
+          </a:xfrm>
+          <a:prstGeom prst="rect">
+            <a:avLst/>
+          </a:prstGeom>
+          <a:noFill/>
+          <a:ln>
+            <a:noFill/>
+          </a:ln>
+        </p:spPr>
+        <p:style>
+          <a:lnRef idx="2">
+            <a:schemeClr val="accent1">
+              <a:shade val="50000"/>
+            </a:schemeClr>
+          </a:lnRef>
+          <a:fillRef idx="1">
+            <a:schemeClr val="accent1"/>
+          </a:fillRef>
+          <a:effectRef idx="0">
+            <a:schemeClr val="accent1"/>
+          </a:effectRef>
+          <a:fontRef idx="minor">
+            <a:schemeClr val="lt1"/>
+          </a:fontRef>
+        </p:style>
+        <p:txBody>
+          <a:bodyPr rtlCol="0" anchor="ctr"/>
+          <a:lstStyle/>
+          <a:p>
+            <a:r>
+              <a:rPr lang="en-US" sz="1100" b="1" dirty="0">
+                <a:solidFill>
+                  <a:srgbClr val="002060"/>
+                </a:solidFill>
+              </a:rPr>
+              <a:t>PLC1 Q0.1</a:t>
+            </a:r>
+          </a:p>
+          <a:p>
+            <a:r>
+              <a:rPr lang="en-US" sz="1100" b="1" dirty="0">
+                <a:solidFill>
+                  <a:srgbClr val="002060"/>
+                </a:solidFill>
+              </a:rPr>
+              <a:t>S-ns-0</a:t>
+            </a:r>
+            <a:endParaRPr lang="en-SG" sz="1100" b="1" dirty="0">
+              <a:solidFill>
+                <a:srgbClr val="002060"/>
+              </a:solidFill>
+            </a:endParaRPr>
+          </a:p>
+        </p:txBody>
+      </p:sp>
+      <p:cxnSp>
+        <p:nvCxnSpPr>
+          <p:cNvPr id="123" name="Straight Connector 122">
+            <a:extLst>
+              <a:ext uri="{FF2B5EF4-FFF2-40B4-BE49-F238E27FC236}">
+                <a16:creationId xmlns:a16="http://schemas.microsoft.com/office/drawing/2014/main" id="{E74982AE-605B-19C5-C3E8-29ABD5DD8535}"/>
+              </a:ext>
+            </a:extLst>
+          </p:cNvPr>
+          <p:cNvCxnSpPr>
+            <a:cxnSpLocks/>
+          </p:cNvCxnSpPr>
+          <p:nvPr/>
+        </p:nvCxnSpPr>
+        <p:spPr>
+          <a:xfrm>
+            <a:off x="5683603" y="1617964"/>
+            <a:ext cx="356236" cy="435686"/>
+          </a:xfrm>
+          <a:prstGeom prst="line">
+            <a:avLst/>
+          </a:prstGeom>
+        </p:spPr>
+        <p:style>
+          <a:lnRef idx="1">
+            <a:schemeClr val="accent1"/>
+          </a:lnRef>
+          <a:fillRef idx="0">
+            <a:schemeClr val="accent1"/>
+          </a:fillRef>
+          <a:effectRef idx="0">
+            <a:schemeClr val="accent1"/>
+          </a:effectRef>
+          <a:fontRef idx="minor">
+            <a:schemeClr val="tx1"/>
+          </a:fontRef>
+        </p:style>
+      </p:cxnSp>
+      <p:cxnSp>
+        <p:nvCxnSpPr>
+          <p:cNvPr id="124" name="Straight Connector 123">
+            <a:extLst>
+              <a:ext uri="{FF2B5EF4-FFF2-40B4-BE49-F238E27FC236}">
+                <a16:creationId xmlns:a16="http://schemas.microsoft.com/office/drawing/2014/main" id="{95004322-524A-ED78-54F0-1DB0DC0F4E52}"/>
+              </a:ext>
+            </a:extLst>
+          </p:cNvPr>
+          <p:cNvCxnSpPr>
+            <a:cxnSpLocks/>
+          </p:cNvCxnSpPr>
+          <p:nvPr/>
+        </p:nvCxnSpPr>
+        <p:spPr>
+          <a:xfrm>
+            <a:off x="5601619" y="1756803"/>
+            <a:ext cx="455421" cy="564204"/>
+          </a:xfrm>
+          <a:prstGeom prst="line">
+            <a:avLst/>
+          </a:prstGeom>
+        </p:spPr>
+        <p:style>
+          <a:lnRef idx="1">
+            <a:schemeClr val="dk1"/>
+          </a:lnRef>
+          <a:fillRef idx="0">
+            <a:schemeClr val="dk1"/>
+          </a:fillRef>
+          <a:effectRef idx="0">
+            <a:schemeClr val="dk1"/>
+          </a:effectRef>
+          <a:fontRef idx="minor">
+            <a:schemeClr val="tx1"/>
+          </a:fontRef>
+        </p:style>
+      </p:cxnSp>
+      <p:sp>
+        <p:nvSpPr>
+          <p:cNvPr id="126" name="Rectangle 125">
+            <a:extLst>
+              <a:ext uri="{FF2B5EF4-FFF2-40B4-BE49-F238E27FC236}">
+                <a16:creationId xmlns:a16="http://schemas.microsoft.com/office/drawing/2014/main" id="{6D646174-8819-2BEE-2319-8716BBADACDA}"/>
+              </a:ext>
+            </a:extLst>
+          </p:cNvPr>
+          <p:cNvSpPr/>
+          <p:nvPr/>
+        </p:nvSpPr>
+        <p:spPr>
+          <a:xfrm>
+            <a:off x="7174650" y="1955483"/>
+            <a:ext cx="803139" cy="293723"/>
+          </a:xfrm>
+          <a:prstGeom prst="rect">
+            <a:avLst/>
+          </a:prstGeom>
+          <a:noFill/>
+          <a:ln>
+            <a:noFill/>
+          </a:ln>
+        </p:spPr>
+        <p:style>
+          <a:lnRef idx="2">
+            <a:schemeClr val="accent1">
+              <a:shade val="50000"/>
+            </a:schemeClr>
+          </a:lnRef>
+          <a:fillRef idx="1">
+            <a:schemeClr val="accent1"/>
+          </a:fillRef>
+          <a:effectRef idx="0">
+            <a:schemeClr val="accent1"/>
+          </a:effectRef>
+          <a:fontRef idx="minor">
+            <a:schemeClr val="lt1"/>
+          </a:fontRef>
+        </p:style>
+        <p:txBody>
+          <a:bodyPr rtlCol="0" anchor="ctr"/>
+          <a:lstStyle/>
+          <a:p>
+            <a:r>
+              <a:rPr lang="en-US" sz="1100" b="1" dirty="0">
+                <a:solidFill>
+                  <a:srgbClr val="002060"/>
+                </a:solidFill>
+              </a:rPr>
+              <a:t>PLC1 Q0.2</a:t>
+            </a:r>
+          </a:p>
+          <a:p>
+            <a:r>
+              <a:rPr lang="en-US" sz="1100" b="1" dirty="0">
+                <a:solidFill>
+                  <a:srgbClr val="002060"/>
+                </a:solidFill>
+              </a:rPr>
+              <a:t>S-ns-1</a:t>
+            </a:r>
+            <a:endParaRPr lang="en-SG" sz="1100" b="1" dirty="0">
+              <a:solidFill>
+                <a:srgbClr val="002060"/>
+              </a:solidFill>
+            </a:endParaRPr>
+          </a:p>
+        </p:txBody>
+      </p:sp>
+      <p:cxnSp>
+        <p:nvCxnSpPr>
+          <p:cNvPr id="127" name="Straight Connector 126">
+            <a:extLst>
+              <a:ext uri="{FF2B5EF4-FFF2-40B4-BE49-F238E27FC236}">
+                <a16:creationId xmlns:a16="http://schemas.microsoft.com/office/drawing/2014/main" id="{2758689F-C630-BFCD-B28B-E40494FE1986}"/>
+              </a:ext>
+            </a:extLst>
+          </p:cNvPr>
+          <p:cNvCxnSpPr>
+            <a:cxnSpLocks/>
+          </p:cNvCxnSpPr>
+          <p:nvPr/>
+        </p:nvCxnSpPr>
+        <p:spPr>
+          <a:xfrm flipV="1">
+            <a:off x="2511003" y="2888711"/>
+            <a:ext cx="3637597" cy="2135270"/>
+          </a:xfrm>
+          <a:prstGeom prst="line">
+            <a:avLst/>
+          </a:prstGeom>
+        </p:spPr>
+        <p:style>
+          <a:lnRef idx="1">
+            <a:schemeClr val="accent1"/>
+          </a:lnRef>
+          <a:fillRef idx="0">
+            <a:schemeClr val="accent1"/>
+          </a:fillRef>
+          <a:effectRef idx="0">
+            <a:schemeClr val="accent1"/>
+          </a:effectRef>
+          <a:fontRef idx="minor">
+            <a:schemeClr val="tx1"/>
+          </a:fontRef>
+        </p:style>
+      </p:cxnSp>
+      <p:cxnSp>
+        <p:nvCxnSpPr>
+          <p:cNvPr id="129" name="Straight Connector 128">
+            <a:extLst>
+              <a:ext uri="{FF2B5EF4-FFF2-40B4-BE49-F238E27FC236}">
+                <a16:creationId xmlns:a16="http://schemas.microsoft.com/office/drawing/2014/main" id="{F4E3B8AA-5194-1E75-A361-EECC1346F8D0}"/>
+              </a:ext>
+            </a:extLst>
+          </p:cNvPr>
+          <p:cNvCxnSpPr>
+            <a:cxnSpLocks/>
+            <a:endCxn id="34" idx="1"/>
+          </p:cNvCxnSpPr>
+          <p:nvPr/>
+        </p:nvCxnSpPr>
+        <p:spPr>
+          <a:xfrm flipV="1">
+            <a:off x="2469601" y="3065991"/>
+            <a:ext cx="3621630" cy="2100433"/>
+          </a:xfrm>
+          <a:prstGeom prst="line">
+            <a:avLst/>
+          </a:prstGeom>
+        </p:spPr>
+        <p:style>
+          <a:lnRef idx="1">
+            <a:schemeClr val="dk1"/>
+          </a:lnRef>
+          <a:fillRef idx="0">
+            <a:schemeClr val="dk1"/>
+          </a:fillRef>
+          <a:effectRef idx="0">
+            <a:schemeClr val="dk1"/>
+          </a:effectRef>
+          <a:fontRef idx="minor">
+            <a:schemeClr val="tx1"/>
+          </a:fontRef>
+        </p:style>
+      </p:cxnSp>
+      <p:sp>
+        <p:nvSpPr>
+          <p:cNvPr id="133" name="Rectangle 132">
+            <a:extLst>
+              <a:ext uri="{FF2B5EF4-FFF2-40B4-BE49-F238E27FC236}">
+                <a16:creationId xmlns:a16="http://schemas.microsoft.com/office/drawing/2014/main" id="{5B29CECD-6375-FC46-B884-C880EEB89E2D}"/>
+              </a:ext>
+            </a:extLst>
+          </p:cNvPr>
+          <p:cNvSpPr/>
+          <p:nvPr/>
+        </p:nvSpPr>
+        <p:spPr>
+          <a:xfrm>
+            <a:off x="7172896" y="2847469"/>
+            <a:ext cx="803139" cy="293723"/>
+          </a:xfrm>
+          <a:prstGeom prst="rect">
+            <a:avLst/>
+          </a:prstGeom>
+          <a:noFill/>
+          <a:ln>
+            <a:noFill/>
+          </a:ln>
+        </p:spPr>
+        <p:style>
+          <a:lnRef idx="2">
+            <a:schemeClr val="accent1">
+              <a:shade val="50000"/>
+            </a:schemeClr>
+          </a:lnRef>
+          <a:fillRef idx="1">
+            <a:schemeClr val="accent1"/>
+          </a:fillRef>
+          <a:effectRef idx="0">
+            <a:schemeClr val="accent1"/>
+          </a:effectRef>
+          <a:fontRef idx="minor">
+            <a:schemeClr val="lt1"/>
+          </a:fontRef>
+        </p:style>
+        <p:txBody>
+          <a:bodyPr rtlCol="0" anchor="ctr"/>
+          <a:lstStyle/>
+          <a:p>
+            <a:r>
+              <a:rPr lang="en-US" sz="1100" b="1" dirty="0">
+                <a:solidFill>
+                  <a:srgbClr val="002060"/>
+                </a:solidFill>
+              </a:rPr>
+              <a:t>PLC1 Q0.3</a:t>
+            </a:r>
+          </a:p>
+          <a:p>
+            <a:r>
+              <a:rPr lang="en-US" sz="1100" b="1" dirty="0">
+                <a:solidFill>
+                  <a:srgbClr val="002060"/>
+                </a:solidFill>
+              </a:rPr>
+              <a:t>S-ns-2</a:t>
+            </a:r>
+            <a:endParaRPr lang="en-SG" sz="1100" b="1" dirty="0">
+              <a:solidFill>
+                <a:srgbClr val="002060"/>
+              </a:solidFill>
+            </a:endParaRPr>
+          </a:p>
+        </p:txBody>
+      </p:sp>
+      <p:cxnSp>
+        <p:nvCxnSpPr>
+          <p:cNvPr id="134" name="Straight Connector 133">
+            <a:extLst>
+              <a:ext uri="{FF2B5EF4-FFF2-40B4-BE49-F238E27FC236}">
+                <a16:creationId xmlns:a16="http://schemas.microsoft.com/office/drawing/2014/main" id="{0E33F025-8918-B4AB-4698-DAF8EFAD7328}"/>
+              </a:ext>
+            </a:extLst>
+          </p:cNvPr>
+          <p:cNvCxnSpPr>
+            <a:cxnSpLocks/>
+          </p:cNvCxnSpPr>
+          <p:nvPr/>
+        </p:nvCxnSpPr>
+        <p:spPr>
+          <a:xfrm flipV="1">
+            <a:off x="2511003" y="3880469"/>
+            <a:ext cx="3695867" cy="1421939"/>
+          </a:xfrm>
+          <a:prstGeom prst="line">
+            <a:avLst/>
+          </a:prstGeom>
+        </p:spPr>
+        <p:style>
+          <a:lnRef idx="1">
+            <a:schemeClr val="accent1"/>
+          </a:lnRef>
+          <a:fillRef idx="0">
+            <a:schemeClr val="accent1"/>
+          </a:fillRef>
+          <a:effectRef idx="0">
+            <a:schemeClr val="accent1"/>
+          </a:effectRef>
+          <a:fontRef idx="minor">
+            <a:schemeClr val="tx1"/>
+          </a:fontRef>
+        </p:style>
+      </p:cxnSp>
+      <p:cxnSp>
+        <p:nvCxnSpPr>
+          <p:cNvPr id="137" name="Straight Connector 136">
+            <a:extLst>
+              <a:ext uri="{FF2B5EF4-FFF2-40B4-BE49-F238E27FC236}">
+                <a16:creationId xmlns:a16="http://schemas.microsoft.com/office/drawing/2014/main" id="{EC48D401-83AE-FADE-A0E8-D3FF288C8754}"/>
+              </a:ext>
+            </a:extLst>
+          </p:cNvPr>
+          <p:cNvCxnSpPr>
+            <a:cxnSpLocks/>
+          </p:cNvCxnSpPr>
+          <p:nvPr/>
+        </p:nvCxnSpPr>
+        <p:spPr>
+          <a:xfrm flipV="1">
+            <a:off x="2467954" y="4140012"/>
+            <a:ext cx="3738916" cy="1351886"/>
+          </a:xfrm>
+          <a:prstGeom prst="line">
+            <a:avLst/>
+          </a:prstGeom>
+        </p:spPr>
+        <p:style>
+          <a:lnRef idx="1">
+            <a:schemeClr val="dk1"/>
+          </a:lnRef>
+          <a:fillRef idx="0">
+            <a:schemeClr val="dk1"/>
+          </a:fillRef>
+          <a:effectRef idx="0">
+            <a:schemeClr val="dk1"/>
+          </a:effectRef>
+          <a:fontRef idx="minor">
+            <a:schemeClr val="tx1"/>
+          </a:fontRef>
+        </p:style>
+      </p:cxnSp>
+      <p:sp>
+        <p:nvSpPr>
+          <p:cNvPr id="139" name="Rectangle 138">
+            <a:extLst>
+              <a:ext uri="{FF2B5EF4-FFF2-40B4-BE49-F238E27FC236}">
+                <a16:creationId xmlns:a16="http://schemas.microsoft.com/office/drawing/2014/main" id="{7D88F0BF-C4C5-4A46-F8C3-9E3CB0C5A37A}"/>
+              </a:ext>
+            </a:extLst>
+          </p:cNvPr>
+          <p:cNvSpPr/>
+          <p:nvPr/>
+        </p:nvSpPr>
+        <p:spPr>
+          <a:xfrm>
+            <a:off x="7206340" y="3760456"/>
+            <a:ext cx="803139" cy="293723"/>
+          </a:xfrm>
+          <a:prstGeom prst="rect">
+            <a:avLst/>
+          </a:prstGeom>
+          <a:noFill/>
+          <a:ln>
+            <a:noFill/>
+          </a:ln>
+        </p:spPr>
+        <p:style>
+          <a:lnRef idx="2">
+            <a:schemeClr val="accent1">
+              <a:shade val="50000"/>
+            </a:schemeClr>
+          </a:lnRef>
+          <a:fillRef idx="1">
+            <a:schemeClr val="accent1"/>
+          </a:fillRef>
+          <a:effectRef idx="0">
+            <a:schemeClr val="accent1"/>
+          </a:effectRef>
+          <a:fontRef idx="minor">
+            <a:schemeClr val="lt1"/>
+          </a:fontRef>
+        </p:style>
+        <p:txBody>
+          <a:bodyPr rtlCol="0" anchor="ctr"/>
+          <a:lstStyle/>
+          <a:p>
+            <a:r>
+              <a:rPr lang="en-US" sz="1100" b="1" dirty="0">
+                <a:solidFill>
+                  <a:srgbClr val="002060"/>
+                </a:solidFill>
+              </a:rPr>
+              <a:t>PLC1 Q0.4</a:t>
+            </a:r>
+          </a:p>
+          <a:p>
+            <a:r>
+              <a:rPr lang="en-US" sz="1100" b="1" dirty="0">
+                <a:solidFill>
+                  <a:srgbClr val="002060"/>
+                </a:solidFill>
+              </a:rPr>
+              <a:t>S-ns-3</a:t>
+            </a:r>
+            <a:endParaRPr lang="en-SG" sz="1100" b="1" dirty="0">
+              <a:solidFill>
+                <a:srgbClr val="002060"/>
+              </a:solidFill>
+            </a:endParaRPr>
+          </a:p>
+        </p:txBody>
+      </p:sp>
+      <p:cxnSp>
+        <p:nvCxnSpPr>
+          <p:cNvPr id="140" name="Straight Connector 139">
+            <a:extLst>
+              <a:ext uri="{FF2B5EF4-FFF2-40B4-BE49-F238E27FC236}">
+                <a16:creationId xmlns:a16="http://schemas.microsoft.com/office/drawing/2014/main" id="{3528CBE3-B2F2-8D81-4CF4-8F027CEB0806}"/>
+              </a:ext>
+            </a:extLst>
+          </p:cNvPr>
+          <p:cNvCxnSpPr>
+            <a:cxnSpLocks/>
+          </p:cNvCxnSpPr>
+          <p:nvPr/>
+        </p:nvCxnSpPr>
+        <p:spPr>
+          <a:xfrm>
+            <a:off x="2511003" y="3560326"/>
+            <a:ext cx="3695867" cy="1044725"/>
+          </a:xfrm>
+          <a:prstGeom prst="line">
+            <a:avLst/>
+          </a:prstGeom>
+        </p:spPr>
+        <p:style>
+          <a:lnRef idx="1">
+            <a:schemeClr val="accent1"/>
+          </a:lnRef>
+          <a:fillRef idx="0">
+            <a:schemeClr val="accent1"/>
+          </a:fillRef>
+          <a:effectRef idx="0">
+            <a:schemeClr val="accent1"/>
+          </a:effectRef>
+          <a:fontRef idx="minor">
+            <a:schemeClr val="tx1"/>
+          </a:fontRef>
+        </p:style>
+      </p:cxnSp>
+      <p:cxnSp>
+        <p:nvCxnSpPr>
+          <p:cNvPr id="143" name="Straight Connector 142">
+            <a:extLst>
+              <a:ext uri="{FF2B5EF4-FFF2-40B4-BE49-F238E27FC236}">
+                <a16:creationId xmlns:a16="http://schemas.microsoft.com/office/drawing/2014/main" id="{33B1C4EB-A6DD-D3D8-A571-969CC5445215}"/>
+              </a:ext>
+            </a:extLst>
+          </p:cNvPr>
+          <p:cNvCxnSpPr>
+            <a:cxnSpLocks/>
+          </p:cNvCxnSpPr>
+          <p:nvPr/>
+        </p:nvCxnSpPr>
+        <p:spPr>
+          <a:xfrm>
+            <a:off x="2519581" y="4464022"/>
+            <a:ext cx="3687289" cy="141029"/>
+          </a:xfrm>
+          <a:prstGeom prst="line">
+            <a:avLst/>
+          </a:prstGeom>
+        </p:spPr>
+        <p:style>
+          <a:lnRef idx="1">
+            <a:schemeClr val="accent1"/>
+          </a:lnRef>
+          <a:fillRef idx="0">
+            <a:schemeClr val="accent1"/>
+          </a:fillRef>
+          <a:effectRef idx="0">
+            <a:schemeClr val="accent1"/>
+          </a:effectRef>
+          <a:fontRef idx="minor">
+            <a:schemeClr val="tx1"/>
+          </a:fontRef>
+        </p:style>
+      </p:cxnSp>
+      <p:cxnSp>
+        <p:nvCxnSpPr>
+          <p:cNvPr id="146" name="Straight Connector 145">
+            <a:extLst>
+              <a:ext uri="{FF2B5EF4-FFF2-40B4-BE49-F238E27FC236}">
+                <a16:creationId xmlns:a16="http://schemas.microsoft.com/office/drawing/2014/main" id="{40BA8562-E47F-46A1-7FE9-3A6D37F1A450}"/>
+              </a:ext>
+            </a:extLst>
+          </p:cNvPr>
+          <p:cNvCxnSpPr>
+            <a:cxnSpLocks/>
+            <a:stCxn id="20" idx="3"/>
+            <a:endCxn id="36" idx="1"/>
+          </p:cNvCxnSpPr>
+          <p:nvPr/>
+        </p:nvCxnSpPr>
+        <p:spPr>
+          <a:xfrm>
+            <a:off x="2500423" y="3678678"/>
+            <a:ext cx="3667335" cy="1065543"/>
+          </a:xfrm>
+          <a:prstGeom prst="line">
+            <a:avLst/>
+          </a:prstGeom>
+        </p:spPr>
+        <p:style>
+          <a:lnRef idx="1">
+            <a:schemeClr val="dk1"/>
+          </a:lnRef>
+          <a:fillRef idx="0">
+            <a:schemeClr val="dk1"/>
+          </a:fillRef>
+          <a:effectRef idx="0">
+            <a:schemeClr val="dk1"/>
+          </a:effectRef>
+          <a:fontRef idx="minor">
+            <a:schemeClr val="tx1"/>
+          </a:fontRef>
+        </p:style>
+      </p:cxnSp>
+      <p:cxnSp>
+        <p:nvCxnSpPr>
+          <p:cNvPr id="149" name="Straight Connector 148">
+            <a:extLst>
+              <a:ext uri="{FF2B5EF4-FFF2-40B4-BE49-F238E27FC236}">
+                <a16:creationId xmlns:a16="http://schemas.microsoft.com/office/drawing/2014/main" id="{95283752-3CB9-0EA7-B386-B78412563619}"/>
+              </a:ext>
+            </a:extLst>
+          </p:cNvPr>
+          <p:cNvCxnSpPr>
+            <a:cxnSpLocks/>
+            <a:endCxn id="36" idx="1"/>
+          </p:cNvCxnSpPr>
+          <p:nvPr/>
+        </p:nvCxnSpPr>
+        <p:spPr>
+          <a:xfrm>
+            <a:off x="2511003" y="4605051"/>
+            <a:ext cx="3656755" cy="139170"/>
+          </a:xfrm>
+          <a:prstGeom prst="line">
+            <a:avLst/>
+          </a:prstGeom>
+        </p:spPr>
+        <p:style>
+          <a:lnRef idx="1">
+            <a:schemeClr val="dk1"/>
+          </a:lnRef>
+          <a:fillRef idx="0">
+            <a:schemeClr val="dk1"/>
+          </a:fillRef>
+          <a:effectRef idx="0">
+            <a:schemeClr val="dk1"/>
+          </a:effectRef>
+          <a:fontRef idx="minor">
+            <a:schemeClr val="tx1"/>
+          </a:fontRef>
+        </p:style>
+      </p:cxnSp>
+      <p:sp>
+        <p:nvSpPr>
+          <p:cNvPr id="152" name="Rectangle 151">
+            <a:extLst>
+              <a:ext uri="{FF2B5EF4-FFF2-40B4-BE49-F238E27FC236}">
+                <a16:creationId xmlns:a16="http://schemas.microsoft.com/office/drawing/2014/main" id="{CF622FA6-5250-641E-6432-3D817314DC7B}"/>
+              </a:ext>
+            </a:extLst>
+          </p:cNvPr>
+          <p:cNvSpPr/>
+          <p:nvPr/>
+        </p:nvSpPr>
+        <p:spPr>
+          <a:xfrm>
+            <a:off x="7231183" y="4494919"/>
+            <a:ext cx="803139" cy="293723"/>
+          </a:xfrm>
+          <a:prstGeom prst="rect">
+            <a:avLst/>
+          </a:prstGeom>
+          <a:noFill/>
+          <a:ln>
+            <a:noFill/>
+          </a:ln>
+        </p:spPr>
+        <p:style>
+          <a:lnRef idx="2">
+            <a:schemeClr val="accent1">
+              <a:shade val="50000"/>
+            </a:schemeClr>
+          </a:lnRef>
+          <a:fillRef idx="1">
+            <a:schemeClr val="accent1"/>
+          </a:fillRef>
+          <a:effectRef idx="0">
+            <a:schemeClr val="accent1"/>
+          </a:effectRef>
+          <a:fontRef idx="minor">
+            <a:schemeClr val="lt1"/>
+          </a:fontRef>
+        </p:style>
+        <p:txBody>
+          <a:bodyPr rtlCol="0" anchor="ctr"/>
+          <a:lstStyle/>
+          <a:p>
+            <a:r>
+              <a:rPr lang="en-US" sz="1100" b="1" dirty="0">
+                <a:solidFill>
+                  <a:srgbClr val="002060"/>
+                </a:solidFill>
+              </a:rPr>
+              <a:t>PLC1 Q0.5</a:t>
+            </a:r>
+          </a:p>
+          <a:p>
+            <a:r>
+              <a:rPr lang="en-US" sz="1100" b="1" dirty="0">
+                <a:solidFill>
+                  <a:srgbClr val="002060"/>
+                </a:solidFill>
+              </a:rPr>
+              <a:t>S-cc-0</a:t>
+            </a:r>
+            <a:endParaRPr lang="en-SG" sz="1100" b="1" dirty="0">
+              <a:solidFill>
+                <a:srgbClr val="002060"/>
+              </a:solidFill>
+            </a:endParaRPr>
+          </a:p>
+        </p:txBody>
+      </p:sp>
+      <p:cxnSp>
+        <p:nvCxnSpPr>
+          <p:cNvPr id="153" name="Straight Connector 152">
+            <a:extLst>
+              <a:ext uri="{FF2B5EF4-FFF2-40B4-BE49-F238E27FC236}">
+                <a16:creationId xmlns:a16="http://schemas.microsoft.com/office/drawing/2014/main" id="{DD953C6C-6759-82FD-7568-1DD0A30B4D78}"/>
+              </a:ext>
+            </a:extLst>
+          </p:cNvPr>
+          <p:cNvCxnSpPr>
+            <a:cxnSpLocks/>
+          </p:cNvCxnSpPr>
+          <p:nvPr/>
+        </p:nvCxnSpPr>
+        <p:spPr>
+          <a:xfrm>
+            <a:off x="2519581" y="4163247"/>
+            <a:ext cx="3703617" cy="1254731"/>
+          </a:xfrm>
+          <a:prstGeom prst="line">
+            <a:avLst/>
+          </a:prstGeom>
+        </p:spPr>
+        <p:style>
+          <a:lnRef idx="1">
+            <a:schemeClr val="accent1"/>
+          </a:lnRef>
+          <a:fillRef idx="0">
+            <a:schemeClr val="accent1"/>
+          </a:fillRef>
+          <a:effectRef idx="0">
+            <a:schemeClr val="accent1"/>
+          </a:effectRef>
+          <a:fontRef idx="minor">
+            <a:schemeClr val="tx1"/>
+          </a:fontRef>
+        </p:style>
+      </p:cxnSp>
+      <p:cxnSp>
+        <p:nvCxnSpPr>
+          <p:cNvPr id="156" name="Straight Connector 155">
+            <a:extLst>
+              <a:ext uri="{FF2B5EF4-FFF2-40B4-BE49-F238E27FC236}">
+                <a16:creationId xmlns:a16="http://schemas.microsoft.com/office/drawing/2014/main" id="{A8D8085D-A9ED-6DD0-04E9-B12346EC1E8B}"/>
+              </a:ext>
+            </a:extLst>
+          </p:cNvPr>
+          <p:cNvCxnSpPr>
+            <a:cxnSpLocks/>
+            <a:endCxn id="37" idx="1"/>
+          </p:cNvCxnSpPr>
+          <p:nvPr/>
+        </p:nvCxnSpPr>
+        <p:spPr>
+          <a:xfrm>
+            <a:off x="2497762" y="4271406"/>
+            <a:ext cx="3669996" cy="1294121"/>
+          </a:xfrm>
+          <a:prstGeom prst="line">
+            <a:avLst/>
+          </a:prstGeom>
+        </p:spPr>
+        <p:style>
+          <a:lnRef idx="1">
+            <a:schemeClr val="dk1"/>
+          </a:lnRef>
+          <a:fillRef idx="0">
+            <a:schemeClr val="dk1"/>
+          </a:fillRef>
+          <a:effectRef idx="0">
+            <a:schemeClr val="dk1"/>
+          </a:effectRef>
+          <a:fontRef idx="minor">
+            <a:schemeClr val="tx1"/>
+          </a:fontRef>
+        </p:style>
+      </p:cxnSp>
+      <p:sp>
+        <p:nvSpPr>
+          <p:cNvPr id="158" name="Rectangle 157">
+            <a:extLst>
+              <a:ext uri="{FF2B5EF4-FFF2-40B4-BE49-F238E27FC236}">
+                <a16:creationId xmlns:a16="http://schemas.microsoft.com/office/drawing/2014/main" id="{978372E1-03C2-28DB-5B2D-F17993CAB3E4}"/>
+              </a:ext>
+            </a:extLst>
+          </p:cNvPr>
+          <p:cNvSpPr/>
+          <p:nvPr/>
+        </p:nvSpPr>
+        <p:spPr>
+          <a:xfrm>
+            <a:off x="7247056" y="5273280"/>
+            <a:ext cx="803139" cy="293723"/>
+          </a:xfrm>
+          <a:prstGeom prst="rect">
+            <a:avLst/>
+          </a:prstGeom>
+          <a:noFill/>
+          <a:ln>
+            <a:noFill/>
+          </a:ln>
+        </p:spPr>
+        <p:style>
+          <a:lnRef idx="2">
+            <a:schemeClr val="accent1">
+              <a:shade val="50000"/>
+            </a:schemeClr>
+          </a:lnRef>
+          <a:fillRef idx="1">
+            <a:schemeClr val="accent1"/>
+          </a:fillRef>
+          <a:effectRef idx="0">
+            <a:schemeClr val="accent1"/>
+          </a:effectRef>
+          <a:fontRef idx="minor">
+            <a:schemeClr val="lt1"/>
+          </a:fontRef>
+        </p:style>
+        <p:txBody>
+          <a:bodyPr rtlCol="0" anchor="ctr"/>
+          <a:lstStyle/>
+          <a:p>
+            <a:r>
+              <a:rPr lang="en-US" sz="1100" b="1" dirty="0">
+                <a:solidFill>
+                  <a:srgbClr val="002060"/>
+                </a:solidFill>
+              </a:rPr>
+              <a:t>PLC1 Q0.6</a:t>
+            </a:r>
+          </a:p>
+          <a:p>
+            <a:r>
+              <a:rPr lang="en-US" sz="1100" b="1" dirty="0">
+                <a:solidFill>
+                  <a:srgbClr val="002060"/>
+                </a:solidFill>
+              </a:rPr>
+              <a:t>S-cc-1</a:t>
+            </a:r>
+            <a:endParaRPr lang="en-SG" sz="1100" b="1" dirty="0">
+              <a:solidFill>
+                <a:srgbClr val="002060"/>
+              </a:solidFill>
+            </a:endParaRPr>
+          </a:p>
+        </p:txBody>
+      </p:sp>
+      <p:cxnSp>
+        <p:nvCxnSpPr>
+          <p:cNvPr id="160" name="Straight Connector 159">
+            <a:extLst>
+              <a:ext uri="{FF2B5EF4-FFF2-40B4-BE49-F238E27FC236}">
+                <a16:creationId xmlns:a16="http://schemas.microsoft.com/office/drawing/2014/main" id="{2A7975FE-4AB4-5C9D-D2D0-B84F5646F78B}"/>
+              </a:ext>
+            </a:extLst>
+          </p:cNvPr>
+          <p:cNvCxnSpPr>
+            <a:cxnSpLocks/>
+          </p:cNvCxnSpPr>
+          <p:nvPr/>
+        </p:nvCxnSpPr>
+        <p:spPr>
+          <a:xfrm>
+            <a:off x="2524177" y="3870010"/>
+            <a:ext cx="3659909" cy="2557321"/>
+          </a:xfrm>
+          <a:prstGeom prst="line">
+            <a:avLst/>
+          </a:prstGeom>
+        </p:spPr>
+        <p:style>
+          <a:lnRef idx="1">
+            <a:schemeClr val="accent1"/>
+          </a:lnRef>
+          <a:fillRef idx="0">
+            <a:schemeClr val="accent1"/>
+          </a:fillRef>
+          <a:effectRef idx="0">
+            <a:schemeClr val="accent1"/>
+          </a:effectRef>
+          <a:fontRef idx="minor">
+            <a:schemeClr val="tx1"/>
+          </a:fontRef>
+        </p:style>
+      </p:cxnSp>
+      <p:cxnSp>
+        <p:nvCxnSpPr>
+          <p:cNvPr id="163" name="Straight Connector 162">
+            <a:extLst>
+              <a:ext uri="{FF2B5EF4-FFF2-40B4-BE49-F238E27FC236}">
+                <a16:creationId xmlns:a16="http://schemas.microsoft.com/office/drawing/2014/main" id="{D8E69CD3-3F74-A7D9-F0A2-CF214B114211}"/>
+              </a:ext>
+            </a:extLst>
+          </p:cNvPr>
+          <p:cNvCxnSpPr>
+            <a:cxnSpLocks/>
+          </p:cNvCxnSpPr>
+          <p:nvPr/>
+        </p:nvCxnSpPr>
+        <p:spPr>
+          <a:xfrm>
+            <a:off x="2491708" y="3990086"/>
+            <a:ext cx="3656892" cy="2690015"/>
+          </a:xfrm>
+          <a:prstGeom prst="line">
+            <a:avLst/>
+          </a:prstGeom>
+        </p:spPr>
+        <p:style>
+          <a:lnRef idx="1">
+            <a:schemeClr val="dk1"/>
+          </a:lnRef>
+          <a:fillRef idx="0">
+            <a:schemeClr val="dk1"/>
+          </a:fillRef>
+          <a:effectRef idx="0">
+            <a:schemeClr val="dk1"/>
+          </a:effectRef>
+          <a:fontRef idx="minor">
+            <a:schemeClr val="tx1"/>
+          </a:fontRef>
+        </p:style>
+      </p:cxnSp>
+      <p:sp>
+        <p:nvSpPr>
+          <p:cNvPr id="166" name="Rectangle 165">
+            <a:extLst>
+              <a:ext uri="{FF2B5EF4-FFF2-40B4-BE49-F238E27FC236}">
+                <a16:creationId xmlns:a16="http://schemas.microsoft.com/office/drawing/2014/main" id="{76130978-DB33-5FB4-C44C-B85EA3BC8125}"/>
+              </a:ext>
+            </a:extLst>
+          </p:cNvPr>
+          <p:cNvSpPr/>
+          <p:nvPr/>
+        </p:nvSpPr>
+        <p:spPr>
+          <a:xfrm>
+            <a:off x="7260751" y="6283315"/>
+            <a:ext cx="803139" cy="293723"/>
+          </a:xfrm>
+          <a:prstGeom prst="rect">
+            <a:avLst/>
+          </a:prstGeom>
+          <a:noFill/>
+          <a:ln>
+            <a:noFill/>
+          </a:ln>
+        </p:spPr>
+        <p:style>
+          <a:lnRef idx="2">
+            <a:schemeClr val="accent1">
+              <a:shade val="50000"/>
+            </a:schemeClr>
+          </a:lnRef>
+          <a:fillRef idx="1">
+            <a:schemeClr val="accent1"/>
+          </a:fillRef>
+          <a:effectRef idx="0">
+            <a:schemeClr val="accent1"/>
+          </a:effectRef>
+          <a:fontRef idx="minor">
+            <a:schemeClr val="lt1"/>
+          </a:fontRef>
+        </p:style>
+        <p:txBody>
+          <a:bodyPr rtlCol="0" anchor="ctr"/>
+          <a:lstStyle/>
+          <a:p>
+            <a:r>
+              <a:rPr lang="en-US" sz="1100" b="1" dirty="0">
+                <a:solidFill>
+                  <a:srgbClr val="002060"/>
+                </a:solidFill>
+              </a:rPr>
+              <a:t>PLC2 Q0.0</a:t>
+            </a:r>
+          </a:p>
+          <a:p>
+            <a:r>
+              <a:rPr lang="en-US" sz="1100" b="1" dirty="0">
+                <a:solidFill>
+                  <a:srgbClr val="002060"/>
+                </a:solidFill>
+              </a:rPr>
+              <a:t>S-cc-2</a:t>
+            </a:r>
+            <a:endParaRPr lang="en-SG" sz="1100" b="1" dirty="0">
+              <a:solidFill>
+                <a:srgbClr val="002060"/>
+              </a:solidFill>
+            </a:endParaRPr>
+          </a:p>
+        </p:txBody>
+      </p:sp>
+      <p:cxnSp>
+        <p:nvCxnSpPr>
+          <p:cNvPr id="168" name="Straight Connector 167">
+            <a:extLst>
+              <a:ext uri="{FF2B5EF4-FFF2-40B4-BE49-F238E27FC236}">
+                <a16:creationId xmlns:a16="http://schemas.microsoft.com/office/drawing/2014/main" id="{01FEE5FA-E303-04EA-FDDF-F72834F6FCA2}"/>
+              </a:ext>
+            </a:extLst>
+          </p:cNvPr>
+          <p:cNvCxnSpPr>
+            <a:cxnSpLocks/>
+          </p:cNvCxnSpPr>
+          <p:nvPr/>
+        </p:nvCxnSpPr>
+        <p:spPr>
+          <a:xfrm>
+            <a:off x="2511003" y="2124018"/>
+            <a:ext cx="5767115" cy="60576"/>
+          </a:xfrm>
+          <a:prstGeom prst="line">
+            <a:avLst/>
+          </a:prstGeom>
+        </p:spPr>
+        <p:style>
+          <a:lnRef idx="1">
+            <a:schemeClr val="accent1"/>
+          </a:lnRef>
+          <a:fillRef idx="0">
+            <a:schemeClr val="accent1"/>
+          </a:fillRef>
+          <a:effectRef idx="0">
+            <a:schemeClr val="accent1"/>
+          </a:effectRef>
+          <a:fontRef idx="minor">
+            <a:schemeClr val="tx1"/>
+          </a:fontRef>
+        </p:style>
+      </p:cxnSp>
+      <p:cxnSp>
+        <p:nvCxnSpPr>
+          <p:cNvPr id="171" name="Straight Connector 170">
+            <a:extLst>
+              <a:ext uri="{FF2B5EF4-FFF2-40B4-BE49-F238E27FC236}">
+                <a16:creationId xmlns:a16="http://schemas.microsoft.com/office/drawing/2014/main" id="{A57C917E-77EE-283C-930D-0361CF5A20AF}"/>
+              </a:ext>
+            </a:extLst>
+          </p:cNvPr>
+          <p:cNvCxnSpPr>
+            <a:cxnSpLocks/>
+          </p:cNvCxnSpPr>
+          <p:nvPr/>
+        </p:nvCxnSpPr>
+        <p:spPr>
+          <a:xfrm flipV="1">
+            <a:off x="2511003" y="2191037"/>
+            <a:ext cx="5767115" cy="221096"/>
+          </a:xfrm>
+          <a:prstGeom prst="line">
+            <a:avLst/>
+          </a:prstGeom>
+        </p:spPr>
+        <p:style>
+          <a:lnRef idx="1">
+            <a:schemeClr val="accent1"/>
+          </a:lnRef>
+          <a:fillRef idx="0">
+            <a:schemeClr val="accent1"/>
+          </a:fillRef>
+          <a:effectRef idx="0">
+            <a:schemeClr val="accent1"/>
+          </a:effectRef>
+          <a:fontRef idx="minor">
+            <a:schemeClr val="tx1"/>
+          </a:fontRef>
+        </p:style>
+      </p:cxnSp>
+      <p:cxnSp>
+        <p:nvCxnSpPr>
+          <p:cNvPr id="174" name="Straight Connector 173">
+            <a:extLst>
+              <a:ext uri="{FF2B5EF4-FFF2-40B4-BE49-F238E27FC236}">
+                <a16:creationId xmlns:a16="http://schemas.microsoft.com/office/drawing/2014/main" id="{C076536F-957E-6499-D12B-C4F018BB3050}"/>
+              </a:ext>
+            </a:extLst>
+          </p:cNvPr>
+          <p:cNvCxnSpPr>
+            <a:cxnSpLocks/>
+          </p:cNvCxnSpPr>
+          <p:nvPr/>
+        </p:nvCxnSpPr>
+        <p:spPr>
+          <a:xfrm>
+            <a:off x="2511561" y="2267152"/>
+            <a:ext cx="5766050" cy="178757"/>
+          </a:xfrm>
+          <a:prstGeom prst="line">
+            <a:avLst/>
+          </a:prstGeom>
+        </p:spPr>
+        <p:style>
+          <a:lnRef idx="1">
+            <a:schemeClr val="dk1"/>
+          </a:lnRef>
+          <a:fillRef idx="0">
+            <a:schemeClr val="dk1"/>
+          </a:fillRef>
+          <a:effectRef idx="0">
+            <a:schemeClr val="dk1"/>
+          </a:effectRef>
+          <a:fontRef idx="minor">
+            <a:schemeClr val="tx1"/>
+          </a:fontRef>
+        </p:style>
+      </p:cxnSp>
+      <p:cxnSp>
+        <p:nvCxnSpPr>
+          <p:cNvPr id="177" name="Straight Connector 176">
+            <a:extLst>
+              <a:ext uri="{FF2B5EF4-FFF2-40B4-BE49-F238E27FC236}">
+                <a16:creationId xmlns:a16="http://schemas.microsoft.com/office/drawing/2014/main" id="{89A24F39-1B4B-6286-114B-0AFAC1FF6270}"/>
+              </a:ext>
+            </a:extLst>
+          </p:cNvPr>
+          <p:cNvCxnSpPr>
+            <a:cxnSpLocks/>
+          </p:cNvCxnSpPr>
+          <p:nvPr/>
+        </p:nvCxnSpPr>
+        <p:spPr>
+          <a:xfrm flipV="1">
+            <a:off x="2502757" y="2466635"/>
+            <a:ext cx="5774854" cy="101508"/>
+          </a:xfrm>
+          <a:prstGeom prst="line">
+            <a:avLst/>
+          </a:prstGeom>
+        </p:spPr>
+        <p:style>
+          <a:lnRef idx="1">
+            <a:schemeClr val="dk1"/>
+          </a:lnRef>
+          <a:fillRef idx="0">
+            <a:schemeClr val="dk1"/>
+          </a:fillRef>
+          <a:effectRef idx="0">
+            <a:schemeClr val="dk1"/>
+          </a:effectRef>
+          <a:fontRef idx="minor">
+            <a:schemeClr val="tx1"/>
+          </a:fontRef>
+        </p:style>
+      </p:cxnSp>
+      <p:sp>
+        <p:nvSpPr>
+          <p:cNvPr id="180" name="Rectangle 179">
+            <a:extLst>
+              <a:ext uri="{FF2B5EF4-FFF2-40B4-BE49-F238E27FC236}">
+                <a16:creationId xmlns:a16="http://schemas.microsoft.com/office/drawing/2014/main" id="{76B34665-9CF3-3C1B-0FC5-894401AC5428}"/>
+              </a:ext>
+            </a:extLst>
+          </p:cNvPr>
+          <p:cNvSpPr/>
+          <p:nvPr/>
+        </p:nvSpPr>
+        <p:spPr>
+          <a:xfrm>
+            <a:off x="9270237" y="2074603"/>
+            <a:ext cx="803139" cy="293723"/>
+          </a:xfrm>
+          <a:prstGeom prst="rect">
+            <a:avLst/>
+          </a:prstGeom>
+          <a:noFill/>
+          <a:ln>
+            <a:noFill/>
+          </a:ln>
+        </p:spPr>
+        <p:style>
+          <a:lnRef idx="2">
+            <a:schemeClr val="accent1">
+              <a:shade val="50000"/>
+            </a:schemeClr>
+          </a:lnRef>
+          <a:fillRef idx="1">
+            <a:schemeClr val="accent1"/>
+          </a:fillRef>
+          <a:effectRef idx="0">
+            <a:schemeClr val="accent1"/>
+          </a:effectRef>
+          <a:fontRef idx="minor">
+            <a:schemeClr val="lt1"/>
+          </a:fontRef>
+        </p:style>
+        <p:txBody>
+          <a:bodyPr rtlCol="0" anchor="ctr"/>
+          <a:lstStyle/>
+          <a:p>
+            <a:r>
+              <a:rPr lang="en-US" sz="1100" b="1" dirty="0">
+                <a:solidFill>
+                  <a:srgbClr val="002060"/>
+                </a:solidFill>
+              </a:rPr>
+              <a:t>PLC2 Q0.1</a:t>
+            </a:r>
+          </a:p>
+          <a:p>
+            <a:r>
+              <a:rPr lang="en-US" sz="1100" b="1" dirty="0">
+                <a:solidFill>
+                  <a:srgbClr val="002060"/>
+                </a:solidFill>
+              </a:rPr>
+              <a:t>S-cc-3</a:t>
+            </a:r>
+            <a:endParaRPr lang="en-SG" sz="1100" b="1" dirty="0">
+              <a:solidFill>
+                <a:srgbClr val="002060"/>
+              </a:solidFill>
+            </a:endParaRPr>
+          </a:p>
+        </p:txBody>
+      </p:sp>
+      <p:cxnSp>
+        <p:nvCxnSpPr>
+          <p:cNvPr id="181" name="Straight Connector 180">
+            <a:extLst>
+              <a:ext uri="{FF2B5EF4-FFF2-40B4-BE49-F238E27FC236}">
+                <a16:creationId xmlns:a16="http://schemas.microsoft.com/office/drawing/2014/main" id="{D8FF51FC-4FE4-2C61-2702-05EF61B7603A}"/>
+              </a:ext>
+            </a:extLst>
+          </p:cNvPr>
+          <p:cNvCxnSpPr>
+            <a:cxnSpLocks/>
+          </p:cNvCxnSpPr>
+          <p:nvPr/>
+        </p:nvCxnSpPr>
+        <p:spPr>
+          <a:xfrm>
+            <a:off x="2519581" y="1838397"/>
+            <a:ext cx="5758030" cy="1302795"/>
+          </a:xfrm>
+          <a:prstGeom prst="line">
+            <a:avLst/>
+          </a:prstGeom>
+        </p:spPr>
+        <p:style>
+          <a:lnRef idx="1">
+            <a:schemeClr val="accent1"/>
+          </a:lnRef>
+          <a:fillRef idx="0">
+            <a:schemeClr val="accent1"/>
+          </a:fillRef>
+          <a:effectRef idx="0">
+            <a:schemeClr val="accent1"/>
+          </a:effectRef>
+          <a:fontRef idx="minor">
+            <a:schemeClr val="tx1"/>
+          </a:fontRef>
+        </p:style>
+      </p:cxnSp>
+      <p:cxnSp>
+        <p:nvCxnSpPr>
+          <p:cNvPr id="184" name="Straight Connector 183">
+            <a:extLst>
+              <a:ext uri="{FF2B5EF4-FFF2-40B4-BE49-F238E27FC236}">
+                <a16:creationId xmlns:a16="http://schemas.microsoft.com/office/drawing/2014/main" id="{2B40BBEC-E7CF-552E-28C0-110BAA4D951C}"/>
+              </a:ext>
+            </a:extLst>
+          </p:cNvPr>
+          <p:cNvCxnSpPr>
+            <a:cxnSpLocks/>
+          </p:cNvCxnSpPr>
+          <p:nvPr/>
+        </p:nvCxnSpPr>
+        <p:spPr>
+          <a:xfrm>
+            <a:off x="2502757" y="2710485"/>
+            <a:ext cx="5800204" cy="430707"/>
+          </a:xfrm>
+          <a:prstGeom prst="line">
+            <a:avLst/>
+          </a:prstGeom>
+        </p:spPr>
+        <p:style>
+          <a:lnRef idx="1">
+            <a:schemeClr val="accent1"/>
+          </a:lnRef>
+          <a:fillRef idx="0">
+            <a:schemeClr val="accent1"/>
+          </a:fillRef>
+          <a:effectRef idx="0">
+            <a:schemeClr val="accent1"/>
+          </a:effectRef>
+          <a:fontRef idx="minor">
+            <a:schemeClr val="tx1"/>
+          </a:fontRef>
+        </p:style>
+      </p:cxnSp>
+      <p:cxnSp>
+        <p:nvCxnSpPr>
+          <p:cNvPr id="187" name="Straight Connector 186">
+            <a:extLst>
+              <a:ext uri="{FF2B5EF4-FFF2-40B4-BE49-F238E27FC236}">
+                <a16:creationId xmlns:a16="http://schemas.microsoft.com/office/drawing/2014/main" id="{7D64EB99-B441-B5D7-9C92-CE0A7F77ACAD}"/>
+              </a:ext>
+            </a:extLst>
+          </p:cNvPr>
+          <p:cNvCxnSpPr>
+            <a:cxnSpLocks/>
+          </p:cNvCxnSpPr>
+          <p:nvPr/>
+        </p:nvCxnSpPr>
+        <p:spPr>
+          <a:xfrm>
+            <a:off x="2502757" y="2007314"/>
+            <a:ext cx="5774854" cy="1406582"/>
+          </a:xfrm>
+          <a:prstGeom prst="line">
+            <a:avLst/>
+          </a:prstGeom>
+        </p:spPr>
+        <p:style>
+          <a:lnRef idx="1">
+            <a:schemeClr val="dk1"/>
+          </a:lnRef>
+          <a:fillRef idx="0">
+            <a:schemeClr val="dk1"/>
+          </a:fillRef>
+          <a:effectRef idx="0">
+            <a:schemeClr val="dk1"/>
+          </a:effectRef>
+          <a:fontRef idx="minor">
+            <a:schemeClr val="tx1"/>
+          </a:fontRef>
+        </p:style>
+      </p:cxnSp>
+      <p:cxnSp>
+        <p:nvCxnSpPr>
+          <p:cNvPr id="190" name="Straight Connector 189">
+            <a:extLst>
+              <a:ext uri="{FF2B5EF4-FFF2-40B4-BE49-F238E27FC236}">
+                <a16:creationId xmlns:a16="http://schemas.microsoft.com/office/drawing/2014/main" id="{16108C68-534C-1772-24A3-D0D5D2ADE2C6}"/>
+              </a:ext>
+            </a:extLst>
+          </p:cNvPr>
+          <p:cNvCxnSpPr>
+            <a:cxnSpLocks/>
+          </p:cNvCxnSpPr>
+          <p:nvPr/>
+        </p:nvCxnSpPr>
+        <p:spPr>
+          <a:xfrm>
+            <a:off x="2511003" y="2847469"/>
+            <a:ext cx="5791958" cy="581531"/>
+          </a:xfrm>
+          <a:prstGeom prst="line">
+            <a:avLst/>
+          </a:prstGeom>
+        </p:spPr>
+        <p:style>
+          <a:lnRef idx="1">
+            <a:schemeClr val="dk1"/>
+          </a:lnRef>
+          <a:fillRef idx="0">
+            <a:schemeClr val="dk1"/>
+          </a:fillRef>
+          <a:effectRef idx="0">
+            <a:schemeClr val="dk1"/>
+          </a:effectRef>
+          <a:fontRef idx="minor">
+            <a:schemeClr val="tx1"/>
+          </a:fontRef>
+        </p:style>
+      </p:cxnSp>
+      <p:sp>
+        <p:nvSpPr>
+          <p:cNvPr id="193" name="Rectangle 192">
+            <a:extLst>
+              <a:ext uri="{FF2B5EF4-FFF2-40B4-BE49-F238E27FC236}">
+                <a16:creationId xmlns:a16="http://schemas.microsoft.com/office/drawing/2014/main" id="{7397F540-3544-319D-2602-494A81D8B991}"/>
+              </a:ext>
+            </a:extLst>
+          </p:cNvPr>
+          <p:cNvSpPr/>
+          <p:nvPr/>
+        </p:nvSpPr>
+        <p:spPr>
+          <a:xfrm>
+            <a:off x="9359276" y="3047763"/>
+            <a:ext cx="803139" cy="293723"/>
+          </a:xfrm>
+          <a:prstGeom prst="rect">
+            <a:avLst/>
+          </a:prstGeom>
+          <a:noFill/>
+          <a:ln>
+            <a:noFill/>
+          </a:ln>
+        </p:spPr>
+        <p:style>
+          <a:lnRef idx="2">
+            <a:schemeClr val="accent1">
+              <a:shade val="50000"/>
+            </a:schemeClr>
+          </a:lnRef>
+          <a:fillRef idx="1">
+            <a:schemeClr val="accent1"/>
+          </a:fillRef>
+          <a:effectRef idx="0">
+            <a:schemeClr val="accent1"/>
+          </a:effectRef>
+          <a:fontRef idx="minor">
+            <a:schemeClr val="lt1"/>
+          </a:fontRef>
+        </p:style>
+        <p:txBody>
+          <a:bodyPr rtlCol="0" anchor="ctr"/>
+          <a:lstStyle/>
+          <a:p>
+            <a:r>
+              <a:rPr lang="en-US" sz="1100" b="1" dirty="0">
+                <a:solidFill>
+                  <a:srgbClr val="002060"/>
+                </a:solidFill>
+              </a:rPr>
+              <a:t>PLC2 Q0.2</a:t>
+            </a:r>
+          </a:p>
+          <a:p>
+            <a:r>
+              <a:rPr lang="en-US" sz="1100" b="1" dirty="0">
+                <a:solidFill>
+                  <a:srgbClr val="002060"/>
+                </a:solidFill>
+              </a:rPr>
+              <a:t>S-cc-4</a:t>
+            </a:r>
+            <a:endParaRPr lang="en-SG" sz="1100" b="1" dirty="0">
+              <a:solidFill>
+                <a:srgbClr val="002060"/>
+              </a:solidFill>
+            </a:endParaRPr>
+          </a:p>
+        </p:txBody>
+      </p:sp>
+      <p:cxnSp>
+        <p:nvCxnSpPr>
+          <p:cNvPr id="194" name="Straight Connector 193">
+            <a:extLst>
+              <a:ext uri="{FF2B5EF4-FFF2-40B4-BE49-F238E27FC236}">
+                <a16:creationId xmlns:a16="http://schemas.microsoft.com/office/drawing/2014/main" id="{4D28DF08-CF7B-2336-E420-54F2D22426DD}"/>
+              </a:ext>
+            </a:extLst>
+          </p:cNvPr>
+          <p:cNvCxnSpPr>
+            <a:cxnSpLocks/>
+          </p:cNvCxnSpPr>
+          <p:nvPr/>
+        </p:nvCxnSpPr>
+        <p:spPr>
+          <a:xfrm>
+            <a:off x="2524177" y="1564990"/>
+            <a:ext cx="5761454" cy="2387078"/>
+          </a:xfrm>
+          <a:prstGeom prst="line">
+            <a:avLst/>
+          </a:prstGeom>
+        </p:spPr>
+        <p:style>
+          <a:lnRef idx="1">
+            <a:schemeClr val="accent1"/>
+          </a:lnRef>
+          <a:fillRef idx="0">
+            <a:schemeClr val="accent1"/>
+          </a:fillRef>
+          <a:effectRef idx="0">
+            <a:schemeClr val="accent1"/>
+          </a:effectRef>
+          <a:fontRef idx="minor">
+            <a:schemeClr val="tx1"/>
+          </a:fontRef>
+        </p:style>
+      </p:cxnSp>
+      <p:cxnSp>
+        <p:nvCxnSpPr>
+          <p:cNvPr id="198" name="Straight Connector 197">
+            <a:extLst>
+              <a:ext uri="{FF2B5EF4-FFF2-40B4-BE49-F238E27FC236}">
+                <a16:creationId xmlns:a16="http://schemas.microsoft.com/office/drawing/2014/main" id="{8CA05DD2-FA4B-4917-D9C7-C2157995E9D4}"/>
+              </a:ext>
+            </a:extLst>
+          </p:cNvPr>
+          <p:cNvCxnSpPr>
+            <a:cxnSpLocks/>
+          </p:cNvCxnSpPr>
+          <p:nvPr/>
+        </p:nvCxnSpPr>
+        <p:spPr>
+          <a:xfrm>
+            <a:off x="2514417" y="3010965"/>
+            <a:ext cx="5815017" cy="986604"/>
+          </a:xfrm>
+          <a:prstGeom prst="line">
+            <a:avLst/>
+          </a:prstGeom>
+        </p:spPr>
+        <p:style>
+          <a:lnRef idx="1">
+            <a:schemeClr val="accent1"/>
+          </a:lnRef>
+          <a:fillRef idx="0">
+            <a:schemeClr val="accent1"/>
+          </a:fillRef>
+          <a:effectRef idx="0">
+            <a:schemeClr val="accent1"/>
+          </a:effectRef>
+          <a:fontRef idx="minor">
+            <a:schemeClr val="tx1"/>
+          </a:fontRef>
+        </p:style>
+      </p:cxnSp>
+      <p:cxnSp>
+        <p:nvCxnSpPr>
+          <p:cNvPr id="201" name="Straight Connector 200">
+            <a:extLst>
+              <a:ext uri="{FF2B5EF4-FFF2-40B4-BE49-F238E27FC236}">
+                <a16:creationId xmlns:a16="http://schemas.microsoft.com/office/drawing/2014/main" id="{2439895D-CD5E-095B-4D53-509009C4636F}"/>
+              </a:ext>
+            </a:extLst>
+          </p:cNvPr>
+          <p:cNvCxnSpPr>
+            <a:cxnSpLocks/>
+          </p:cNvCxnSpPr>
+          <p:nvPr/>
+        </p:nvCxnSpPr>
+        <p:spPr>
+          <a:xfrm>
+            <a:off x="2521436" y="1707658"/>
+            <a:ext cx="5691326" cy="2520498"/>
+          </a:xfrm>
+          <a:prstGeom prst="line">
+            <a:avLst/>
+          </a:prstGeom>
+        </p:spPr>
+        <p:style>
+          <a:lnRef idx="1">
+            <a:schemeClr val="dk1"/>
+          </a:lnRef>
+          <a:fillRef idx="0">
+            <a:schemeClr val="dk1"/>
+          </a:fillRef>
+          <a:effectRef idx="0">
+            <a:schemeClr val="dk1"/>
+          </a:effectRef>
+          <a:fontRef idx="minor">
+            <a:schemeClr val="tx1"/>
+          </a:fontRef>
+        </p:style>
+      </p:cxnSp>
+      <p:cxnSp>
+        <p:nvCxnSpPr>
+          <p:cNvPr id="204" name="Straight Connector 203">
+            <a:extLst>
+              <a:ext uri="{FF2B5EF4-FFF2-40B4-BE49-F238E27FC236}">
+                <a16:creationId xmlns:a16="http://schemas.microsoft.com/office/drawing/2014/main" id="{BCF353B9-33F8-5F0E-0536-61C4D4F3E52F}"/>
+              </a:ext>
+            </a:extLst>
+          </p:cNvPr>
+          <p:cNvCxnSpPr>
+            <a:cxnSpLocks/>
+          </p:cNvCxnSpPr>
+          <p:nvPr/>
+        </p:nvCxnSpPr>
+        <p:spPr>
+          <a:xfrm>
+            <a:off x="2476193" y="3125409"/>
+            <a:ext cx="5736569" cy="1113978"/>
+          </a:xfrm>
+          <a:prstGeom prst="line">
+            <a:avLst/>
+          </a:prstGeom>
+        </p:spPr>
+        <p:style>
+          <a:lnRef idx="1">
+            <a:schemeClr val="dk1"/>
+          </a:lnRef>
+          <a:fillRef idx="0">
+            <a:schemeClr val="dk1"/>
+          </a:fillRef>
+          <a:effectRef idx="0">
+            <a:schemeClr val="dk1"/>
+          </a:effectRef>
+          <a:fontRef idx="minor">
+            <a:schemeClr val="tx1"/>
+          </a:fontRef>
+        </p:style>
+      </p:cxnSp>
+      <p:cxnSp>
+        <p:nvCxnSpPr>
+          <p:cNvPr id="207" name="Straight Connector 206">
+            <a:extLst>
+              <a:ext uri="{FF2B5EF4-FFF2-40B4-BE49-F238E27FC236}">
+                <a16:creationId xmlns:a16="http://schemas.microsoft.com/office/drawing/2014/main" id="{ABA1A9DD-F616-E5D8-FD75-2742CC35FC63}"/>
+              </a:ext>
+            </a:extLst>
+          </p:cNvPr>
+          <p:cNvCxnSpPr>
+            <a:cxnSpLocks/>
+          </p:cNvCxnSpPr>
+          <p:nvPr/>
+        </p:nvCxnSpPr>
+        <p:spPr>
+          <a:xfrm>
+            <a:off x="2519996" y="1288151"/>
+            <a:ext cx="5828596" cy="3611241"/>
+          </a:xfrm>
+          <a:prstGeom prst="line">
+            <a:avLst/>
+          </a:prstGeom>
+        </p:spPr>
+        <p:style>
+          <a:lnRef idx="1">
+            <a:schemeClr val="accent1"/>
+          </a:lnRef>
+          <a:fillRef idx="0">
+            <a:schemeClr val="accent1"/>
+          </a:fillRef>
+          <a:effectRef idx="0">
+            <a:schemeClr val="accent1"/>
+          </a:effectRef>
+          <a:fontRef idx="minor">
+            <a:schemeClr val="tx1"/>
+          </a:fontRef>
+        </p:style>
+      </p:cxnSp>
+      <p:cxnSp>
+        <p:nvCxnSpPr>
+          <p:cNvPr id="210" name="Straight Connector 209">
+            <a:extLst>
+              <a:ext uri="{FF2B5EF4-FFF2-40B4-BE49-F238E27FC236}">
+                <a16:creationId xmlns:a16="http://schemas.microsoft.com/office/drawing/2014/main" id="{B1967B4C-D969-3443-5CFB-92355C408370}"/>
+              </a:ext>
+            </a:extLst>
+          </p:cNvPr>
+          <p:cNvCxnSpPr>
+            <a:cxnSpLocks/>
+          </p:cNvCxnSpPr>
+          <p:nvPr/>
+        </p:nvCxnSpPr>
+        <p:spPr>
+          <a:xfrm>
+            <a:off x="2502661" y="3292036"/>
+            <a:ext cx="5843597" cy="1611456"/>
+          </a:xfrm>
+          <a:prstGeom prst="line">
+            <a:avLst/>
+          </a:prstGeom>
+        </p:spPr>
+        <p:style>
+          <a:lnRef idx="1">
+            <a:schemeClr val="accent1"/>
+          </a:lnRef>
+          <a:fillRef idx="0">
+            <a:schemeClr val="accent1"/>
+          </a:fillRef>
+          <a:effectRef idx="0">
+            <a:schemeClr val="accent1"/>
+          </a:effectRef>
+          <a:fontRef idx="minor">
+            <a:schemeClr val="tx1"/>
+          </a:fontRef>
+        </p:style>
+      </p:cxnSp>
+      <p:cxnSp>
+        <p:nvCxnSpPr>
+          <p:cNvPr id="213" name="Straight Connector 212">
+            <a:extLst>
+              <a:ext uri="{FF2B5EF4-FFF2-40B4-BE49-F238E27FC236}">
+                <a16:creationId xmlns:a16="http://schemas.microsoft.com/office/drawing/2014/main" id="{177868AC-9104-AD37-4674-FCCC9F23A5EE}"/>
+              </a:ext>
+            </a:extLst>
+          </p:cNvPr>
+          <p:cNvCxnSpPr>
+            <a:cxnSpLocks/>
+          </p:cNvCxnSpPr>
+          <p:nvPr/>
+        </p:nvCxnSpPr>
+        <p:spPr>
+          <a:xfrm>
+            <a:off x="2508443" y="1420517"/>
+            <a:ext cx="5833148" cy="3744493"/>
+          </a:xfrm>
+          <a:prstGeom prst="line">
+            <a:avLst/>
+          </a:prstGeom>
+        </p:spPr>
+        <p:style>
+          <a:lnRef idx="1">
+            <a:schemeClr val="dk1"/>
+          </a:lnRef>
+          <a:fillRef idx="0">
+            <a:schemeClr val="dk1"/>
+          </a:fillRef>
+          <a:effectRef idx="0">
+            <a:schemeClr val="dk1"/>
+          </a:effectRef>
+          <a:fontRef idx="minor">
+            <a:schemeClr val="tx1"/>
+          </a:fontRef>
+        </p:style>
+      </p:cxnSp>
+      <p:cxnSp>
+        <p:nvCxnSpPr>
+          <p:cNvPr id="216" name="Straight Connector 215">
+            <a:extLst>
+              <a:ext uri="{FF2B5EF4-FFF2-40B4-BE49-F238E27FC236}">
+                <a16:creationId xmlns:a16="http://schemas.microsoft.com/office/drawing/2014/main" id="{CBBE7A2D-E0D8-9B12-0A67-468D42B07EB3}"/>
+              </a:ext>
+            </a:extLst>
+          </p:cNvPr>
+          <p:cNvCxnSpPr>
+            <a:cxnSpLocks/>
+          </p:cNvCxnSpPr>
+          <p:nvPr/>
+        </p:nvCxnSpPr>
+        <p:spPr>
+          <a:xfrm>
+            <a:off x="2521436" y="3427896"/>
+            <a:ext cx="5797853" cy="1747300"/>
+          </a:xfrm>
+          <a:prstGeom prst="line">
+            <a:avLst/>
+          </a:prstGeom>
+        </p:spPr>
+        <p:style>
+          <a:lnRef idx="1">
+            <a:schemeClr val="dk1"/>
+          </a:lnRef>
+          <a:fillRef idx="0">
+            <a:schemeClr val="dk1"/>
+          </a:fillRef>
+          <a:effectRef idx="0">
+            <a:schemeClr val="dk1"/>
+          </a:effectRef>
+          <a:fontRef idx="minor">
+            <a:schemeClr val="tx1"/>
+          </a:fontRef>
+        </p:style>
+      </p:cxnSp>
+      <p:sp>
+        <p:nvSpPr>
+          <p:cNvPr id="219" name="Rectangle 218">
+            <a:extLst>
+              <a:ext uri="{FF2B5EF4-FFF2-40B4-BE49-F238E27FC236}">
+                <a16:creationId xmlns:a16="http://schemas.microsoft.com/office/drawing/2014/main" id="{A1F51FF1-EBAA-943C-28A8-236465743958}"/>
+              </a:ext>
+            </a:extLst>
+          </p:cNvPr>
+          <p:cNvSpPr/>
+          <p:nvPr/>
+        </p:nvSpPr>
+        <p:spPr>
+          <a:xfrm>
+            <a:off x="9270237" y="3823112"/>
+            <a:ext cx="803139" cy="293723"/>
+          </a:xfrm>
+          <a:prstGeom prst="rect">
+            <a:avLst/>
+          </a:prstGeom>
+          <a:noFill/>
+          <a:ln>
+            <a:noFill/>
+          </a:ln>
+        </p:spPr>
+        <p:style>
+          <a:lnRef idx="2">
+            <a:schemeClr val="accent1">
+              <a:shade val="50000"/>
+            </a:schemeClr>
+          </a:lnRef>
+          <a:fillRef idx="1">
+            <a:schemeClr val="accent1"/>
+          </a:fillRef>
+          <a:effectRef idx="0">
+            <a:schemeClr val="accent1"/>
+          </a:effectRef>
+          <a:fontRef idx="minor">
+            <a:schemeClr val="lt1"/>
+          </a:fontRef>
+        </p:style>
+        <p:txBody>
+          <a:bodyPr rtlCol="0" anchor="ctr"/>
+          <a:lstStyle/>
+          <a:p>
+            <a:r>
+              <a:rPr lang="en-US" sz="1100" b="1" dirty="0">
+                <a:solidFill>
+                  <a:srgbClr val="002060"/>
+                </a:solidFill>
+              </a:rPr>
+              <a:t>PLC2 Q0.3</a:t>
+            </a:r>
+          </a:p>
+          <a:p>
+            <a:r>
+              <a:rPr lang="en-US" sz="1100" b="1" dirty="0">
+                <a:solidFill>
+                  <a:srgbClr val="002060"/>
+                </a:solidFill>
+              </a:rPr>
+              <a:t>S-cc-5</a:t>
+            </a:r>
+            <a:endParaRPr lang="en-SG" sz="1100" b="1" dirty="0">
+              <a:solidFill>
+                <a:srgbClr val="002060"/>
+              </a:solidFill>
+            </a:endParaRPr>
+          </a:p>
+        </p:txBody>
+      </p:sp>
+      <p:sp>
+        <p:nvSpPr>
+          <p:cNvPr id="220" name="Rectangle 219">
+            <a:extLst>
+              <a:ext uri="{FF2B5EF4-FFF2-40B4-BE49-F238E27FC236}">
+                <a16:creationId xmlns:a16="http://schemas.microsoft.com/office/drawing/2014/main" id="{16F606E4-F754-2878-313F-973D8A29BE76}"/>
+              </a:ext>
+            </a:extLst>
+          </p:cNvPr>
+          <p:cNvSpPr/>
+          <p:nvPr/>
+        </p:nvSpPr>
+        <p:spPr>
+          <a:xfrm>
+            <a:off x="9356577" y="4769697"/>
+            <a:ext cx="803139" cy="293723"/>
+          </a:xfrm>
+          <a:prstGeom prst="rect">
+            <a:avLst/>
+          </a:prstGeom>
+          <a:noFill/>
+          <a:ln>
+            <a:noFill/>
+          </a:ln>
+        </p:spPr>
+        <p:style>
+          <a:lnRef idx="2">
+            <a:schemeClr val="accent1">
+              <a:shade val="50000"/>
+            </a:schemeClr>
+          </a:lnRef>
+          <a:fillRef idx="1">
+            <a:schemeClr val="accent1"/>
+          </a:fillRef>
+          <a:effectRef idx="0">
+            <a:schemeClr val="accent1"/>
+          </a:effectRef>
+          <a:fontRef idx="minor">
+            <a:schemeClr val="lt1"/>
+          </a:fontRef>
+        </p:style>
+        <p:txBody>
+          <a:bodyPr rtlCol="0" anchor="ctr"/>
+          <a:lstStyle/>
+          <a:p>
+            <a:r>
+              <a:rPr lang="en-US" sz="1100" b="1" dirty="0">
+                <a:solidFill>
+                  <a:srgbClr val="002060"/>
+                </a:solidFill>
+              </a:rPr>
+              <a:t>PLC2 Q0.4</a:t>
+            </a:r>
+          </a:p>
+          <a:p>
+            <a:r>
+              <a:rPr lang="en-US" sz="1100" b="1" dirty="0">
+                <a:solidFill>
+                  <a:srgbClr val="002060"/>
+                </a:solidFill>
+              </a:rPr>
+              <a:t>S-cc-6</a:t>
+            </a:r>
+            <a:endParaRPr lang="en-SG" sz="1100" b="1" dirty="0">
+              <a:solidFill>
+                <a:srgbClr val="002060"/>
+              </a:solidFill>
+            </a:endParaRPr>
+          </a:p>
+        </p:txBody>
+      </p:sp>
+      <p:cxnSp>
+        <p:nvCxnSpPr>
+          <p:cNvPr id="224" name="Connector: Elbow 223">
+            <a:extLst>
+              <a:ext uri="{FF2B5EF4-FFF2-40B4-BE49-F238E27FC236}">
+                <a16:creationId xmlns:a16="http://schemas.microsoft.com/office/drawing/2014/main" id="{5DFEC2E2-0B25-F967-291E-99D2519209F5}"/>
+              </a:ext>
+            </a:extLst>
+          </p:cNvPr>
+          <p:cNvCxnSpPr>
+            <a:cxnSpLocks/>
+            <a:endCxn id="227" idx="1"/>
+          </p:cNvCxnSpPr>
+          <p:nvPr/>
+        </p:nvCxnSpPr>
+        <p:spPr>
+          <a:xfrm rot="16200000" flipH="1">
+            <a:off x="8406950" y="5499266"/>
+            <a:ext cx="757322" cy="428976"/>
+          </a:xfrm>
+          <a:prstGeom prst="bentConnector2">
+            <a:avLst/>
+          </a:prstGeom>
+          <a:ln>
+            <a:solidFill>
+              <a:srgbClr val="00B050"/>
+            </a:solidFill>
+            <a:tailEnd type="triangle"/>
+          </a:ln>
+        </p:spPr>
+        <p:style>
+          <a:lnRef idx="1">
+            <a:schemeClr val="accent1"/>
+          </a:lnRef>
+          <a:fillRef idx="0">
+            <a:schemeClr val="accent1"/>
+          </a:fillRef>
+          <a:effectRef idx="0">
+            <a:schemeClr val="accent1"/>
+          </a:effectRef>
+          <a:fontRef idx="minor">
+            <a:schemeClr val="tx1"/>
+          </a:fontRef>
+        </p:style>
+      </p:cxnSp>
+      <p:pic>
+        <p:nvPicPr>
+          <p:cNvPr id="227" name="Picture 226" descr="A picture containing text, diagram, line, font&#10;&#10;Description automatically generated">
+            <a:extLst>
+              <a:ext uri="{FF2B5EF4-FFF2-40B4-BE49-F238E27FC236}">
+                <a16:creationId xmlns:a16="http://schemas.microsoft.com/office/drawing/2014/main" id="{0AC5FE0F-057B-55D9-85B0-13DB411D7B53}"/>
+              </a:ext>
+            </a:extLst>
+          </p:cNvPr>
+          <p:cNvPicPr>
+            <a:picLocks noChangeAspect="1"/>
+          </p:cNvPicPr>
+          <p:nvPr/>
+        </p:nvPicPr>
+        <p:blipFill>
+          <a:blip r:embed="rId6">
+            <a:extLst>
+              <a:ext uri="{28A0092B-C50C-407E-A947-70E740481C1C}">
+                <a14:useLocalDpi xmlns:a14="http://schemas.microsoft.com/office/drawing/2010/main" val="0"/>
+              </a:ext>
+            </a:extLst>
+          </a:blip>
+          <a:stretch>
+            <a:fillRect/>
+          </a:stretch>
+        </p:blipFill>
+        <p:spPr>
+          <a:xfrm>
+            <a:off x="9000099" y="5460516"/>
+            <a:ext cx="2997601" cy="1263797"/>
+          </a:xfrm>
+          <a:prstGeom prst="rect">
+            <a:avLst/>
+          </a:prstGeom>
+          <a:ln w="12700">
+            <a:solidFill>
+              <a:schemeClr val="tx1"/>
+            </a:solidFill>
+          </a:ln>
+        </p:spPr>
+      </p:pic>
+      <p:sp>
+        <p:nvSpPr>
+          <p:cNvPr id="231" name="TextBox 230">
+            <a:extLst>
+              <a:ext uri="{FF2B5EF4-FFF2-40B4-BE49-F238E27FC236}">
+                <a16:creationId xmlns:a16="http://schemas.microsoft.com/office/drawing/2014/main" id="{F2CC4269-10CC-E80F-6A9D-EC91E73E4004}"/>
+              </a:ext>
+            </a:extLst>
+          </p:cNvPr>
+          <p:cNvSpPr txBox="1"/>
+          <p:nvPr/>
+        </p:nvSpPr>
+        <p:spPr>
+          <a:xfrm>
+            <a:off x="10286071" y="3845481"/>
+            <a:ext cx="1743065" cy="2000548"/>
+          </a:xfrm>
+          <a:prstGeom prst="rect">
+            <a:avLst/>
+          </a:prstGeom>
+          <a:noFill/>
+        </p:spPr>
+        <p:txBody>
+          <a:bodyPr wrap="square" rtlCol="0">
+            <a:spAutoFit/>
+          </a:bodyPr>
+          <a:lstStyle/>
+          <a:p>
+            <a:r>
+              <a:rPr lang="en-US" sz="1200" b="1" dirty="0"/>
+              <a:t>Ladder Diagram  set information</a:t>
+            </a:r>
+            <a:r>
+              <a:rPr lang="en-US" sz="1200" dirty="0"/>
+              <a:t>: </a:t>
+            </a:r>
+          </a:p>
+          <a:p>
+            <a:endParaRPr lang="en-US" sz="1200" dirty="0"/>
+          </a:p>
+          <a:p>
+            <a:pPr marL="171450" indent="-171450">
+              <a:buFont typeface="Arial" panose="020B0604020202020204" pitchFamily="34" charset="0"/>
+              <a:buChar char="•"/>
+            </a:pPr>
+            <a:r>
+              <a:rPr lang="en-US" sz="1200" dirty="0"/>
+              <a:t>Holding register: 39</a:t>
+            </a:r>
+          </a:p>
+          <a:p>
+            <a:pPr marL="171450" indent="-171450">
+              <a:buFont typeface="Arial" panose="020B0604020202020204" pitchFamily="34" charset="0"/>
+              <a:buChar char="•"/>
+            </a:pPr>
+            <a:r>
+              <a:rPr lang="en-US" sz="1200" dirty="0"/>
+              <a:t>Coil: 19</a:t>
+            </a:r>
+          </a:p>
+          <a:p>
+            <a:pPr marL="171450" indent="-171450">
+              <a:buFont typeface="Arial" panose="020B0604020202020204" pitchFamily="34" charset="0"/>
+              <a:buChar char="•"/>
+            </a:pPr>
+            <a:r>
+              <a:rPr lang="en-US" sz="1200" dirty="0"/>
+              <a:t>Total ladder diagram: 19</a:t>
+            </a:r>
+          </a:p>
+          <a:p>
+            <a:pPr marL="171450" indent="-171450">
+              <a:buFont typeface="Arial" panose="020B0604020202020204" pitchFamily="34" charset="0"/>
+              <a:buChar char="•"/>
+            </a:pPr>
+            <a:r>
+              <a:rPr lang="en-US" sz="1200" dirty="0"/>
+              <a:t>Ladder diagram detail: </a:t>
+            </a:r>
+          </a:p>
+          <a:p>
+            <a:endParaRPr lang="en-US" sz="1400" dirty="0">
+              <a:solidFill>
+                <a:srgbClr val="002060"/>
+              </a:solidFill>
+            </a:endParaRPr>
+          </a:p>
+          <a:p>
+            <a:endParaRPr lang="en-SG" sz="1400" dirty="0">
+              <a:solidFill>
+                <a:srgbClr val="002060"/>
+              </a:solidFill>
+            </a:endParaRPr>
+          </a:p>
+        </p:txBody>
+      </p:sp>
+      <p:sp>
+        <p:nvSpPr>
+          <p:cNvPr id="237" name="TextBox 236">
+            <a:extLst>
+              <a:ext uri="{FF2B5EF4-FFF2-40B4-BE49-F238E27FC236}">
+                <a16:creationId xmlns:a16="http://schemas.microsoft.com/office/drawing/2014/main" id="{EE2A03A0-8094-1C2F-94F1-63CC9B54F3F2}"/>
+              </a:ext>
+            </a:extLst>
+          </p:cNvPr>
+          <p:cNvSpPr txBox="1"/>
+          <p:nvPr/>
+        </p:nvSpPr>
+        <p:spPr>
+          <a:xfrm>
+            <a:off x="234346" y="185682"/>
+            <a:ext cx="3324583" cy="307777"/>
+          </a:xfrm>
+          <a:prstGeom prst="rect">
+            <a:avLst/>
+          </a:prstGeom>
+          <a:noFill/>
+        </p:spPr>
+        <p:txBody>
+          <a:bodyPr wrap="square" rtlCol="0">
+            <a:spAutoFit/>
+          </a:bodyPr>
+          <a:lstStyle/>
+          <a:p>
+            <a:r>
+              <a:rPr lang="en-US" sz="1400" b="1" dirty="0"/>
+              <a:t>Railway Signal system ladder logic </a:t>
+            </a:r>
+            <a:endParaRPr lang="en-SG" sz="1400" b="1" dirty="0"/>
+          </a:p>
+        </p:txBody>
+      </p:sp>
+    </p:spTree>
+    <p:extLst>
+      <p:ext uri="{BB962C8B-B14F-4D97-AF65-F5344CB8AC3E}">
+        <p14:creationId xmlns:p14="http://schemas.microsoft.com/office/powerpoint/2010/main" val="1497523791"/>
+      </p:ext>
+    </p:extLst>
+  </p:cSld>
+  <p:clrMapOvr>
+    <a:masterClrMapping/>
+  </p:clrMapOvr>
+</p:sld>
+</file>
+
+<file path=ppt/slides/slide6.xml><?xml version="1.0" encoding="utf-8"?>
+<p:sld xmlns:a="http://schemas.openxmlformats.org/drawingml/2006/main" xmlns:r="http://schemas.openxmlformats.org/officeDocument/2006/relationships" xmlns:p="http://schemas.openxmlformats.org/presentationml/2006/main">
+  <p:cSld>
+    <p:spTree>
+      <p:nvGrpSpPr>
+        <p:cNvPr id="1" name=""/>
+        <p:cNvGrpSpPr/>
+        <p:nvPr/>
+      </p:nvGrpSpPr>
+      <p:grpSpPr>
+        <a:xfrm>
+          <a:off x="0" y="0"/>
+          <a:ext cx="0" cy="0"/>
+          <a:chOff x="0" y="0"/>
+          <a:chExt cx="0" cy="0"/>
+        </a:xfrm>
+      </p:grpSpPr>
+      <p:pic>
+        <p:nvPicPr>
+          <p:cNvPr id="5" name="Picture 4">
+            <a:extLst>
+              <a:ext uri="{FF2B5EF4-FFF2-40B4-BE49-F238E27FC236}">
+                <a16:creationId xmlns:a16="http://schemas.microsoft.com/office/drawing/2014/main" id="{50FFFFD1-A049-6022-86AE-B359FEDDC439}"/>
+              </a:ext>
+            </a:extLst>
+          </p:cNvPr>
+          <p:cNvPicPr>
+            <a:picLocks noChangeAspect="1"/>
+          </p:cNvPicPr>
+          <p:nvPr/>
+        </p:nvPicPr>
+        <p:blipFill>
+          <a:blip r:embed="rId2"/>
+          <a:stretch>
+            <a:fillRect/>
+          </a:stretch>
+        </p:blipFill>
+        <p:spPr>
+          <a:xfrm>
+            <a:off x="558633" y="1326026"/>
+            <a:ext cx="7050068" cy="4947938"/>
+          </a:xfrm>
+          <a:prstGeom prst="rect">
+            <a:avLst/>
+          </a:prstGeom>
+        </p:spPr>
+      </p:pic>
+      <p:sp>
+        <p:nvSpPr>
+          <p:cNvPr id="6" name="Rectangle 5">
+            <a:extLst>
+              <a:ext uri="{FF2B5EF4-FFF2-40B4-BE49-F238E27FC236}">
+                <a16:creationId xmlns:a16="http://schemas.microsoft.com/office/drawing/2014/main" id="{DEBC031F-1A3B-E841-B817-C37EA538CC18}"/>
+              </a:ext>
+            </a:extLst>
+          </p:cNvPr>
+          <p:cNvSpPr/>
+          <p:nvPr/>
+        </p:nvSpPr>
+        <p:spPr>
+          <a:xfrm>
+            <a:off x="8557061" y="454372"/>
+            <a:ext cx="2997600" cy="1468299"/>
+          </a:xfrm>
+          <a:prstGeom prst="rect">
+            <a:avLst/>
+          </a:prstGeom>
+          <a:ln w="9525">
+            <a:prstDash val="sysDash"/>
+          </a:ln>
+        </p:spPr>
+        <p:style>
+          <a:lnRef idx="2">
+            <a:schemeClr val="accent1"/>
+          </a:lnRef>
+          <a:fillRef idx="1">
+            <a:schemeClr val="lt1"/>
+          </a:fillRef>
+          <a:effectRef idx="0">
+            <a:schemeClr val="accent1"/>
+          </a:effectRef>
+          <a:fontRef idx="minor">
+            <a:schemeClr val="dk1"/>
+          </a:fontRef>
+        </p:style>
+        <p:txBody>
+          <a:bodyPr rtlCol="0" anchor="ctr"/>
+          <a:lstStyle/>
+          <a:p>
+            <a:endParaRPr lang="en-SG" sz="1400" b="1" dirty="0"/>
+          </a:p>
+        </p:txBody>
+      </p:sp>
+      <p:pic>
+        <p:nvPicPr>
+          <p:cNvPr id="7" name="Picture 6">
+            <a:extLst>
+              <a:ext uri="{FF2B5EF4-FFF2-40B4-BE49-F238E27FC236}">
+                <a16:creationId xmlns:a16="http://schemas.microsoft.com/office/drawing/2014/main" id="{046F64C1-9C60-C2FF-4888-70597489B765}"/>
+              </a:ext>
+            </a:extLst>
+          </p:cNvPr>
+          <p:cNvPicPr>
+            <a:picLocks noChangeAspect="1"/>
+          </p:cNvPicPr>
+          <p:nvPr/>
+        </p:nvPicPr>
+        <p:blipFill>
+          <a:blip r:embed="rId3"/>
+          <a:stretch>
+            <a:fillRect/>
+          </a:stretch>
+        </p:blipFill>
+        <p:spPr>
+          <a:xfrm>
+            <a:off x="8701630" y="531515"/>
+            <a:ext cx="2527544" cy="1198685"/>
+          </a:xfrm>
+          <a:prstGeom prst="rect">
+            <a:avLst/>
+          </a:prstGeom>
+        </p:spPr>
+      </p:pic>
+      <p:sp>
+        <p:nvSpPr>
+          <p:cNvPr id="8" name="TextBox 7">
+            <a:extLst>
+              <a:ext uri="{FF2B5EF4-FFF2-40B4-BE49-F238E27FC236}">
+                <a16:creationId xmlns:a16="http://schemas.microsoft.com/office/drawing/2014/main" id="{3BDB4614-61E3-885A-DD60-AF70FE9F9A55}"/>
+              </a:ext>
+            </a:extLst>
+          </p:cNvPr>
+          <p:cNvSpPr txBox="1"/>
+          <p:nvPr/>
+        </p:nvSpPr>
+        <p:spPr>
+          <a:xfrm>
+            <a:off x="10332600" y="577838"/>
+            <a:ext cx="1191495" cy="430887"/>
+          </a:xfrm>
+          <a:prstGeom prst="rect">
+            <a:avLst/>
+          </a:prstGeom>
+          <a:noFill/>
+        </p:spPr>
+        <p:txBody>
+          <a:bodyPr wrap="square" rtlCol="0">
+            <a:spAutoFit/>
+          </a:bodyPr>
+          <a:lstStyle/>
+          <a:p>
+            <a:r>
+              <a:rPr lang="en-US" sz="1100" b="1" dirty="0"/>
+              <a:t>[Master, Slot-0]</a:t>
+            </a:r>
+          </a:p>
+          <a:p>
+            <a:r>
+              <a:rPr lang="en-US" sz="1100" b="1" dirty="0"/>
+              <a:t>I/O: 8/8</a:t>
+            </a:r>
+            <a:endParaRPr lang="en-SG" sz="1100" b="1" dirty="0"/>
+          </a:p>
+        </p:txBody>
+      </p:sp>
+      <p:sp>
+        <p:nvSpPr>
+          <p:cNvPr id="9" name="TextBox 8">
+            <a:extLst>
+              <a:ext uri="{FF2B5EF4-FFF2-40B4-BE49-F238E27FC236}">
+                <a16:creationId xmlns:a16="http://schemas.microsoft.com/office/drawing/2014/main" id="{49684338-5941-5AF1-4B7A-690A9F4F0A53}"/>
+              </a:ext>
+            </a:extLst>
+          </p:cNvPr>
+          <p:cNvSpPr txBox="1"/>
+          <p:nvPr/>
+        </p:nvSpPr>
+        <p:spPr>
+          <a:xfrm>
+            <a:off x="8575256" y="1661061"/>
+            <a:ext cx="1534524" cy="261610"/>
+          </a:xfrm>
+          <a:prstGeom prst="rect">
+            <a:avLst/>
+          </a:prstGeom>
+          <a:noFill/>
+        </p:spPr>
+        <p:txBody>
+          <a:bodyPr wrap="square" rtlCol="0">
+            <a:spAutoFit/>
+          </a:bodyPr>
+          <a:lstStyle/>
+          <a:p>
+            <a:r>
+              <a:rPr lang="en-US" sz="1100" b="1" dirty="0"/>
+              <a:t>[Slave, Slot-1] </a:t>
+            </a:r>
+            <a:r>
+              <a:rPr lang="en-SG" sz="1100" b="1" dirty="0"/>
+              <a:t>I/O: 8/8</a:t>
+            </a:r>
+          </a:p>
+        </p:txBody>
+      </p:sp>
+      <p:sp>
+        <p:nvSpPr>
+          <p:cNvPr id="10" name="TextBox 9">
+            <a:extLst>
+              <a:ext uri="{FF2B5EF4-FFF2-40B4-BE49-F238E27FC236}">
+                <a16:creationId xmlns:a16="http://schemas.microsoft.com/office/drawing/2014/main" id="{69021D3A-E812-611F-5830-D0165AD52759}"/>
+              </a:ext>
+            </a:extLst>
+          </p:cNvPr>
+          <p:cNvSpPr txBox="1"/>
+          <p:nvPr/>
+        </p:nvSpPr>
+        <p:spPr>
+          <a:xfrm>
+            <a:off x="10109779" y="1661061"/>
+            <a:ext cx="1508863" cy="261610"/>
+          </a:xfrm>
+          <a:prstGeom prst="rect">
+            <a:avLst/>
+          </a:prstGeom>
+          <a:noFill/>
+        </p:spPr>
+        <p:txBody>
+          <a:bodyPr wrap="square" rtlCol="0">
+            <a:spAutoFit/>
+          </a:bodyPr>
+          <a:lstStyle/>
+          <a:p>
+            <a:r>
+              <a:rPr lang="en-US" sz="1100" b="1" dirty="0"/>
+              <a:t>[Slave, Slot-2] I/O: 6/</a:t>
+            </a:r>
+            <a:r>
+              <a:rPr lang="en-SG" sz="1100" b="1" dirty="0"/>
+              <a:t>6</a:t>
+            </a:r>
+            <a:endParaRPr lang="en-US" sz="1100" b="1" dirty="0"/>
+          </a:p>
+        </p:txBody>
+      </p:sp>
+      <p:sp>
+        <p:nvSpPr>
+          <p:cNvPr id="11" name="TextBox 10">
+            <a:extLst>
+              <a:ext uri="{FF2B5EF4-FFF2-40B4-BE49-F238E27FC236}">
+                <a16:creationId xmlns:a16="http://schemas.microsoft.com/office/drawing/2014/main" id="{02CEC915-F698-40A1-6638-7CDA4019277E}"/>
+              </a:ext>
+            </a:extLst>
+          </p:cNvPr>
+          <p:cNvSpPr txBox="1"/>
+          <p:nvPr/>
+        </p:nvSpPr>
+        <p:spPr>
+          <a:xfrm>
+            <a:off x="9318901" y="701770"/>
+            <a:ext cx="636759" cy="276999"/>
+          </a:xfrm>
+          <a:prstGeom prst="rect">
+            <a:avLst/>
+          </a:prstGeom>
+          <a:noFill/>
+        </p:spPr>
+        <p:txBody>
+          <a:bodyPr wrap="square" rtlCol="0">
+            <a:spAutoFit/>
+          </a:bodyPr>
+          <a:lstStyle/>
+          <a:p>
+            <a:r>
+              <a:rPr lang="en-US" sz="1200" b="1" dirty="0">
+                <a:solidFill>
+                  <a:srgbClr val="FF0000"/>
+                </a:solidFill>
+              </a:rPr>
+              <a:t>PLC-03</a:t>
+            </a:r>
+          </a:p>
+        </p:txBody>
+      </p:sp>
+      <p:sp>
+        <p:nvSpPr>
+          <p:cNvPr id="12" name="TextBox 11">
+            <a:extLst>
+              <a:ext uri="{FF2B5EF4-FFF2-40B4-BE49-F238E27FC236}">
+                <a16:creationId xmlns:a16="http://schemas.microsoft.com/office/drawing/2014/main" id="{E8225F2B-54B6-788A-66BE-D1894403F2EA}"/>
+              </a:ext>
+            </a:extLst>
+          </p:cNvPr>
+          <p:cNvSpPr txBox="1"/>
+          <p:nvPr/>
+        </p:nvSpPr>
+        <p:spPr>
+          <a:xfrm>
+            <a:off x="8493081" y="1330905"/>
+            <a:ext cx="636759" cy="276999"/>
+          </a:xfrm>
+          <a:prstGeom prst="rect">
+            <a:avLst/>
+          </a:prstGeom>
+          <a:noFill/>
+        </p:spPr>
+        <p:txBody>
+          <a:bodyPr wrap="square" rtlCol="0">
+            <a:spAutoFit/>
+          </a:bodyPr>
+          <a:lstStyle/>
+          <a:p>
+            <a:r>
+              <a:rPr lang="en-US" sz="1200" b="1" dirty="0">
+                <a:solidFill>
+                  <a:srgbClr val="FF0000"/>
+                </a:solidFill>
+              </a:rPr>
+              <a:t>PLC-04</a:t>
+            </a:r>
+          </a:p>
+        </p:txBody>
+      </p:sp>
+      <p:sp>
+        <p:nvSpPr>
+          <p:cNvPr id="13" name="TextBox 12">
+            <a:extLst>
+              <a:ext uri="{FF2B5EF4-FFF2-40B4-BE49-F238E27FC236}">
+                <a16:creationId xmlns:a16="http://schemas.microsoft.com/office/drawing/2014/main" id="{AFAB7852-000F-44E9-796B-A849E92EF449}"/>
+              </a:ext>
+            </a:extLst>
+          </p:cNvPr>
+          <p:cNvSpPr txBox="1"/>
+          <p:nvPr/>
+        </p:nvSpPr>
+        <p:spPr>
+          <a:xfrm>
+            <a:off x="10014220" y="1326026"/>
+            <a:ext cx="636759" cy="276999"/>
+          </a:xfrm>
+          <a:prstGeom prst="rect">
+            <a:avLst/>
+          </a:prstGeom>
+          <a:noFill/>
+        </p:spPr>
+        <p:txBody>
+          <a:bodyPr wrap="square" rtlCol="0">
+            <a:spAutoFit/>
+          </a:bodyPr>
+          <a:lstStyle/>
+          <a:p>
+            <a:r>
+              <a:rPr lang="en-US" sz="1200" b="1" dirty="0">
+                <a:solidFill>
+                  <a:srgbClr val="FF0000"/>
+                </a:solidFill>
+              </a:rPr>
+              <a:t>PLC-05</a:t>
+            </a:r>
+          </a:p>
+        </p:txBody>
+      </p:sp>
+      <p:sp>
+        <p:nvSpPr>
+          <p:cNvPr id="14" name="TextBox 13">
+            <a:extLst>
+              <a:ext uri="{FF2B5EF4-FFF2-40B4-BE49-F238E27FC236}">
+                <a16:creationId xmlns:a16="http://schemas.microsoft.com/office/drawing/2014/main" id="{294FBACD-D362-3CFC-AC61-74E62953F41B}"/>
+              </a:ext>
+            </a:extLst>
+          </p:cNvPr>
+          <p:cNvSpPr txBox="1"/>
+          <p:nvPr/>
+        </p:nvSpPr>
+        <p:spPr>
+          <a:xfrm>
+            <a:off x="8502860" y="435057"/>
+            <a:ext cx="1241289" cy="600164"/>
+          </a:xfrm>
+          <a:prstGeom prst="rect">
+            <a:avLst/>
+          </a:prstGeom>
+          <a:noFill/>
+        </p:spPr>
+        <p:txBody>
+          <a:bodyPr wrap="square" rtlCol="0">
+            <a:spAutoFit/>
+          </a:bodyPr>
+          <a:lstStyle/>
+          <a:p>
+            <a:r>
+              <a:rPr lang="en-US" sz="1100" b="1" dirty="0">
+                <a:solidFill>
+                  <a:srgbClr val="002060"/>
+                </a:solidFill>
+              </a:rPr>
+              <a:t>Station Signal control PLC network</a:t>
+            </a:r>
+            <a:endParaRPr lang="en-SG" sz="1100" b="1" dirty="0">
+              <a:solidFill>
+                <a:srgbClr val="002060"/>
+              </a:solidFill>
+            </a:endParaRPr>
+          </a:p>
+        </p:txBody>
+      </p:sp>
+      <p:sp>
+        <p:nvSpPr>
+          <p:cNvPr id="15" name="TextBox 14">
+            <a:extLst>
+              <a:ext uri="{FF2B5EF4-FFF2-40B4-BE49-F238E27FC236}">
+                <a16:creationId xmlns:a16="http://schemas.microsoft.com/office/drawing/2014/main" id="{BEDCB08E-9362-3783-4998-F9205C54200F}"/>
+              </a:ext>
+            </a:extLst>
+          </p:cNvPr>
+          <p:cNvSpPr txBox="1"/>
+          <p:nvPr/>
+        </p:nvSpPr>
+        <p:spPr>
+          <a:xfrm>
+            <a:off x="10269778" y="381085"/>
+            <a:ext cx="1023376" cy="261610"/>
+          </a:xfrm>
+          <a:prstGeom prst="rect">
+            <a:avLst/>
+          </a:prstGeom>
+          <a:noFill/>
+        </p:spPr>
+        <p:txBody>
+          <a:bodyPr wrap="square" rtlCol="0">
+            <a:spAutoFit/>
+          </a:bodyPr>
+          <a:lstStyle/>
+          <a:p>
+            <a:r>
+              <a:rPr lang="en-US" sz="1100" b="1" dirty="0">
+                <a:solidFill>
+                  <a:srgbClr val="0070C0"/>
+                </a:solidFill>
+              </a:rPr>
+              <a:t>10.0.12.10</a:t>
+            </a:r>
+            <a:endParaRPr lang="en-SG" sz="1100" b="1" dirty="0">
+              <a:solidFill>
+                <a:srgbClr val="0070C0"/>
+              </a:solidFill>
+            </a:endParaRPr>
+          </a:p>
+        </p:txBody>
+      </p:sp>
+      <p:pic>
+        <p:nvPicPr>
+          <p:cNvPr id="16" name="Picture 8" descr="Router | Cisco Network Topology Icons 3015">
+            <a:extLst>
+              <a:ext uri="{FF2B5EF4-FFF2-40B4-BE49-F238E27FC236}">
+                <a16:creationId xmlns:a16="http://schemas.microsoft.com/office/drawing/2014/main" id="{19A785D2-5899-709D-1058-D186391C6A99}"/>
+              </a:ext>
+            </a:extLst>
+          </p:cNvPr>
+          <p:cNvPicPr>
+            <a:picLocks noChangeAspect="1" noChangeArrowheads="1"/>
+          </p:cNvPicPr>
+          <p:nvPr/>
+        </p:nvPicPr>
+        <p:blipFill>
+          <a:blip r:embed="rId4">
+            <a:extLst>
+              <a:ext uri="{28A0092B-C50C-407E-A947-70E740481C1C}">
+                <a14:useLocalDpi xmlns:a14="http://schemas.microsoft.com/office/drawing/2010/main" val="0"/>
+              </a:ext>
+            </a:extLst>
+          </a:blip>
+          <a:srcRect/>
+          <a:stretch>
+            <a:fillRect/>
+          </a:stretch>
+        </p:blipFill>
+        <p:spPr bwMode="auto">
+          <a:xfrm>
+            <a:off x="9991816" y="383746"/>
+            <a:ext cx="296596" cy="202819"/>
+          </a:xfrm>
+          <a:prstGeom prst="rect">
+            <a:avLst/>
+          </a:prstGeom>
+          <a:noFill/>
+          <a:extLst>
+            <a:ext uri="{909E8E84-426E-40DD-AFC4-6F175D3DCCD1}">
+              <a14:hiddenFill xmlns:a14="http://schemas.microsoft.com/office/drawing/2010/main">
+                <a:solidFill>
+                  <a:srgbClr val="FFFFFF"/>
+                </a:solidFill>
+              </a14:hiddenFill>
+            </a:ext>
+          </a:extLst>
+        </p:spPr>
+      </p:pic>
+      <p:sp>
+        <p:nvSpPr>
+          <p:cNvPr id="17" name="TextBox 16">
+            <a:extLst>
+              <a:ext uri="{FF2B5EF4-FFF2-40B4-BE49-F238E27FC236}">
+                <a16:creationId xmlns:a16="http://schemas.microsoft.com/office/drawing/2014/main" id="{4F2D964B-32B5-F3B8-A0C8-A0D412106133}"/>
+              </a:ext>
+            </a:extLst>
+          </p:cNvPr>
+          <p:cNvSpPr txBox="1"/>
+          <p:nvPr/>
+        </p:nvSpPr>
+        <p:spPr>
+          <a:xfrm>
+            <a:off x="8364175" y="3129360"/>
+            <a:ext cx="1743065" cy="2000548"/>
+          </a:xfrm>
+          <a:prstGeom prst="rect">
+            <a:avLst/>
+          </a:prstGeom>
+          <a:noFill/>
+        </p:spPr>
+        <p:txBody>
+          <a:bodyPr wrap="square" rtlCol="0">
+            <a:spAutoFit/>
+          </a:bodyPr>
+          <a:lstStyle/>
+          <a:p>
+            <a:r>
+              <a:rPr lang="en-US" sz="1200" b="1" dirty="0"/>
+              <a:t>Ladder Diagram  set information</a:t>
+            </a:r>
+            <a:r>
+              <a:rPr lang="en-US" sz="1200" dirty="0"/>
+              <a:t>: </a:t>
+            </a:r>
+          </a:p>
+          <a:p>
+            <a:endParaRPr lang="en-US" sz="1200" dirty="0"/>
+          </a:p>
+          <a:p>
+            <a:pPr marL="171450" indent="-171450">
+              <a:buFont typeface="Arial" panose="020B0604020202020204" pitchFamily="34" charset="0"/>
+              <a:buChar char="•"/>
+            </a:pPr>
+            <a:r>
+              <a:rPr lang="en-US" sz="1200" dirty="0"/>
+              <a:t>Holding register: 22</a:t>
+            </a:r>
+          </a:p>
+          <a:p>
+            <a:pPr marL="171450" indent="-171450">
+              <a:buFont typeface="Arial" panose="020B0604020202020204" pitchFamily="34" charset="0"/>
+              <a:buChar char="•"/>
+            </a:pPr>
+            <a:r>
+              <a:rPr lang="en-US" sz="1200" dirty="0"/>
+              <a:t>Coil: 22</a:t>
+            </a:r>
+          </a:p>
+          <a:p>
+            <a:pPr marL="171450" indent="-171450">
+              <a:buFont typeface="Arial" panose="020B0604020202020204" pitchFamily="34" charset="0"/>
+              <a:buChar char="•"/>
+            </a:pPr>
+            <a:r>
+              <a:rPr lang="en-US" sz="1200" dirty="0"/>
+              <a:t>Total ladder diagram: 22</a:t>
+            </a:r>
+          </a:p>
+          <a:p>
+            <a:pPr marL="171450" indent="-171450">
+              <a:buFont typeface="Arial" panose="020B0604020202020204" pitchFamily="34" charset="0"/>
+              <a:buChar char="•"/>
+            </a:pPr>
+            <a:r>
+              <a:rPr lang="en-US" sz="1200" dirty="0"/>
+              <a:t>Ladder diagram detail: </a:t>
+            </a:r>
+          </a:p>
+          <a:p>
+            <a:endParaRPr lang="en-US" sz="1400" dirty="0">
+              <a:solidFill>
+                <a:srgbClr val="002060"/>
+              </a:solidFill>
+            </a:endParaRPr>
+          </a:p>
+          <a:p>
+            <a:endParaRPr lang="en-SG" sz="1400" dirty="0">
+              <a:solidFill>
+                <a:srgbClr val="002060"/>
+              </a:solidFill>
+            </a:endParaRPr>
+          </a:p>
+        </p:txBody>
+      </p:sp>
+      <p:sp>
+        <p:nvSpPr>
+          <p:cNvPr id="18" name="TextBox 17">
+            <a:extLst>
+              <a:ext uri="{FF2B5EF4-FFF2-40B4-BE49-F238E27FC236}">
+                <a16:creationId xmlns:a16="http://schemas.microsoft.com/office/drawing/2014/main" id="{83344CDE-D677-5B91-05AC-62DCFDCBD78B}"/>
+              </a:ext>
+            </a:extLst>
+          </p:cNvPr>
+          <p:cNvSpPr txBox="1"/>
+          <p:nvPr/>
+        </p:nvSpPr>
+        <p:spPr>
+          <a:xfrm>
+            <a:off x="435847" y="485155"/>
+            <a:ext cx="3324583" cy="307777"/>
+          </a:xfrm>
+          <a:prstGeom prst="rect">
+            <a:avLst/>
+          </a:prstGeom>
+          <a:noFill/>
+        </p:spPr>
+        <p:txBody>
+          <a:bodyPr wrap="square" rtlCol="0">
+            <a:spAutoFit/>
+          </a:bodyPr>
+          <a:lstStyle/>
+          <a:p>
+            <a:r>
+              <a:rPr lang="en-US" sz="1400" b="1" dirty="0"/>
+              <a:t>Railway Station system ladder logic </a:t>
+            </a:r>
+            <a:endParaRPr lang="en-SG" sz="1400" b="1" dirty="0"/>
+          </a:p>
+        </p:txBody>
+      </p:sp>
+      <p:pic>
+        <p:nvPicPr>
+          <p:cNvPr id="20" name="Picture 19" descr="A diagram of a block diagram&#10;&#10;Description automatically generated with low confidence">
+            <a:extLst>
+              <a:ext uri="{FF2B5EF4-FFF2-40B4-BE49-F238E27FC236}">
+                <a16:creationId xmlns:a16="http://schemas.microsoft.com/office/drawing/2014/main" id="{60782A70-1316-F793-29E7-D52187010CE8}"/>
+              </a:ext>
+            </a:extLst>
+          </p:cNvPr>
+          <p:cNvPicPr>
+            <a:picLocks noChangeAspect="1"/>
+          </p:cNvPicPr>
+          <p:nvPr/>
+        </p:nvPicPr>
+        <p:blipFill>
+          <a:blip r:embed="rId5">
+            <a:extLst>
+              <a:ext uri="{28A0092B-C50C-407E-A947-70E740481C1C}">
+                <a14:useLocalDpi xmlns:a14="http://schemas.microsoft.com/office/drawing/2010/main" val="0"/>
+              </a:ext>
+            </a:extLst>
+          </a:blip>
+          <a:stretch>
+            <a:fillRect/>
+          </a:stretch>
+        </p:blipFill>
+        <p:spPr>
+          <a:xfrm>
+            <a:off x="8537925" y="5049538"/>
+            <a:ext cx="3159211" cy="1168841"/>
+          </a:xfrm>
+          <a:prstGeom prst="rect">
+            <a:avLst/>
+          </a:prstGeom>
+          <a:ln w="12700">
+            <a:solidFill>
+              <a:schemeClr val="tx1"/>
+            </a:solidFill>
+          </a:ln>
+        </p:spPr>
+      </p:pic>
+      <p:sp>
+        <p:nvSpPr>
+          <p:cNvPr id="21" name="Rectangle 20">
+            <a:extLst>
+              <a:ext uri="{FF2B5EF4-FFF2-40B4-BE49-F238E27FC236}">
+                <a16:creationId xmlns:a16="http://schemas.microsoft.com/office/drawing/2014/main" id="{6609AD68-C8A5-6AF4-4C8E-7E6EA07CA2F4}"/>
+              </a:ext>
+            </a:extLst>
+          </p:cNvPr>
+          <p:cNvSpPr/>
+          <p:nvPr/>
+        </p:nvSpPr>
+        <p:spPr>
+          <a:xfrm>
+            <a:off x="3988106" y="5982159"/>
+            <a:ext cx="859316" cy="291805"/>
+          </a:xfrm>
+          <a:prstGeom prst="rect">
+            <a:avLst/>
+          </a:prstGeom>
+          <a:noFill/>
+          <a:ln w="28575" cap="flat" cmpd="sng" algn="ctr">
+            <a:solidFill>
+              <a:srgbClr val="FF0000"/>
+            </a:solidFill>
+            <a:prstDash val="solid"/>
+            <a:round/>
+            <a:headEnd type="none" w="med" len="med"/>
+            <a:tailEnd type="none" w="med" len="med"/>
+          </a:ln>
+        </p:spPr>
+        <p:style>
+          <a:lnRef idx="0">
+            <a:scrgbClr r="0" g="0" b="0"/>
+          </a:lnRef>
+          <a:fillRef idx="0">
+            <a:scrgbClr r="0" g="0" b="0"/>
+          </a:fillRef>
+          <a:effectRef idx="0">
+            <a:scrgbClr r="0" g="0" b="0"/>
+          </a:effectRef>
+          <a:fontRef idx="minor">
+            <a:schemeClr val="dk1"/>
+          </a:fontRef>
+        </p:style>
+        <p:txBody>
+          <a:bodyPr rtlCol="0" anchor="ctr"/>
+          <a:lstStyle/>
+          <a:p>
+            <a:pPr algn="ctr"/>
+            <a:endParaRPr lang="en-SG" dirty="0"/>
+          </a:p>
+        </p:txBody>
+      </p:sp>
+      <p:cxnSp>
+        <p:nvCxnSpPr>
+          <p:cNvPr id="23" name="Connector: Elbow 22">
+            <a:extLst>
+              <a:ext uri="{FF2B5EF4-FFF2-40B4-BE49-F238E27FC236}">
+                <a16:creationId xmlns:a16="http://schemas.microsoft.com/office/drawing/2014/main" id="{4477396B-D07C-3515-2B2E-60D1E447209F}"/>
+              </a:ext>
+            </a:extLst>
+          </p:cNvPr>
+          <p:cNvCxnSpPr>
+            <a:stCxn id="21" idx="2"/>
+            <a:endCxn id="20" idx="2"/>
+          </p:cNvCxnSpPr>
+          <p:nvPr/>
+        </p:nvCxnSpPr>
+        <p:spPr>
+          <a:xfrm rot="5400000" flipH="1" flipV="1">
+            <a:off x="7239854" y="3396288"/>
+            <a:ext cx="55585" cy="5699767"/>
+          </a:xfrm>
+          <a:prstGeom prst="bentConnector3">
+            <a:avLst>
+              <a:gd name="adj1" fmla="val -411262"/>
+            </a:avLst>
+          </a:prstGeom>
+          <a:ln>
+            <a:solidFill>
+              <a:srgbClr val="FF0000"/>
+            </a:solidFill>
+            <a:tailEnd type="triangle"/>
+          </a:ln>
+        </p:spPr>
+        <p:style>
+          <a:lnRef idx="1">
+            <a:schemeClr val="accent1"/>
+          </a:lnRef>
+          <a:fillRef idx="0">
+            <a:schemeClr val="accent1"/>
+          </a:fillRef>
+          <a:effectRef idx="0">
+            <a:schemeClr val="accent1"/>
+          </a:effectRef>
+          <a:fontRef idx="minor">
+            <a:schemeClr val="tx1"/>
+          </a:fontRef>
+        </p:style>
+      </p:cxnSp>
+    </p:spTree>
+    <p:extLst>
+      <p:ext uri="{BB962C8B-B14F-4D97-AF65-F5344CB8AC3E}">
+        <p14:creationId xmlns:p14="http://schemas.microsoft.com/office/powerpoint/2010/main" val="906589227"/>
+      </p:ext>
+    </p:extLst>
+  </p:cSld>
+  <p:clrMapOvr>
+    <a:masterClrMapping/>
+  </p:clrMapOvr>
+</p:sld>
+</file>
+
+<file path=ppt/slides/slide7.xml><?xml version="1.0" encoding="utf-8"?>
+<p:sld xmlns:a="http://schemas.openxmlformats.org/drawingml/2006/main" xmlns:r="http://schemas.openxmlformats.org/officeDocument/2006/relationships" xmlns:p="http://schemas.openxmlformats.org/presentationml/2006/main">
+  <p:cSld>
+    <p:spTree>
+      <p:nvGrpSpPr>
+        <p:cNvPr id="1" name=""/>
+        <p:cNvGrpSpPr/>
+        <p:nvPr/>
+      </p:nvGrpSpPr>
+      <p:grpSpPr>
+        <a:xfrm>
+          <a:off x="0" y="0"/>
+          <a:ext cx="0" cy="0"/>
+          <a:chOff x="0" y="0"/>
+          <a:chExt cx="0" cy="0"/>
+        </a:xfrm>
+      </p:grpSpPr>
+    </p:spTree>
+    <p:extLst>
+      <p:ext uri="{BB962C8B-B14F-4D97-AF65-F5344CB8AC3E}">
+        <p14:creationId xmlns:p14="http://schemas.microsoft.com/office/powerpoint/2010/main" val="1824549572"/>
+      </p:ext>
+    </p:extLst>
+  </p:cSld>
+  <p:clrMapOvr>
+    <a:masterClrMapping/>
+  </p:clrMapOvr>
+</p:sld>
+</file>
+
 <file path=ppt/theme/theme1.xml><?xml version="1.0" encoding="utf-8"?>
 <a:theme xmlns:a="http://schemas.openxmlformats.org/drawingml/2006/main" name="Office Theme">
   <a:themeElements>
@@ -5333,4 +14625,299 @@
     </a:ext>
   </a:extLst>
 </a:theme>
+</file>
+
+<file path=ppt/theme/theme2.xml><?xml version="1.0" encoding="utf-8"?>
+<a:theme xmlns:a="http://schemas.openxmlformats.org/drawingml/2006/main" name="Office Theme">
+  <a:themeElements>
+    <a:clrScheme name="Office">
+      <a:dk1>
+        <a:sysClr val="windowText" lastClr="000000"/>
+      </a:dk1>
+      <a:lt1>
+        <a:sysClr val="window" lastClr="FFFFFF"/>
+      </a:lt1>
+      <a:dk2>
+        <a:srgbClr val="44546A"/>
+      </a:dk2>
+      <a:lt2>
+        <a:srgbClr val="E7E6E6"/>
+      </a:lt2>
+      <a:accent1>
+        <a:srgbClr val="4472C4"/>
+      </a:accent1>
+      <a:accent2>
+        <a:srgbClr val="ED7D31"/>
+      </a:accent2>
+      <a:accent3>
+        <a:srgbClr val="A5A5A5"/>
+      </a:accent3>
+      <a:accent4>
+        <a:srgbClr val="FFC000"/>
+      </a:accent4>
+      <a:accent5>
+        <a:srgbClr val="5B9BD5"/>
+      </a:accent5>
+      <a:accent6>
+        <a:srgbClr val="70AD47"/>
+      </a:accent6>
+      <a:hlink>
+        <a:srgbClr val="0563C1"/>
+      </a:hlink>
+      <a:folHlink>
+        <a:srgbClr val="954F72"/>
+      </a:folHlink>
+    </a:clrScheme>
+    <a:fontScheme name="Office">
+      <a:majorFont>
+        <a:latin typeface="Calibri Light" panose="020F0302020204030204"/>
+        <a:ea typeface=""/>
+        <a:cs typeface=""/>
+        <a:font script="Jpan" typeface="游ゴシック Light"/>
+        <a:font script="Hang" typeface="맑은 고딕"/>
+        <a:font script="Hans" typeface="等线 Light"/>
+        <a:font script="Hant" typeface="新細明體"/>
+        <a:font script="Arab" typeface="Times New Roman"/>
+        <a:font script="Hebr" typeface="Times New Roman"/>
+        <a:font script="Thai" typeface="Angsana New"/>
+        <a:font script="Ethi" typeface="Nyala"/>
+        <a:font script="Beng" typeface="Vrinda"/>
+        <a:font script="Gujr" typeface="Shruti"/>
+        <a:font script="Khmr" typeface="MoolBoran"/>
+        <a:font script="Knda" typeface="Tunga"/>
+        <a:font script="Guru" typeface="Raavi"/>
+        <a:font script="Cans" typeface="Euphemia"/>
+        <a:font script="Cher" typeface="Plantagenet Cherokee"/>
+        <a:font script="Yiii" typeface="Microsoft Yi Baiti"/>
+        <a:font script="Tibt" typeface="Microsoft Himalaya"/>
+        <a:font script="Thaa" typeface="MV Boli"/>
+        <a:font script="Deva" typeface="Mangal"/>
+        <a:font script="Telu" typeface="Gautami"/>
+        <a:font script="Taml" typeface="Latha"/>
+        <a:font script="Syrc" typeface="Estrangelo Edessa"/>
+        <a:font script="Orya" typeface="Kalinga"/>
+        <a:font script="Mlym" typeface="Kartika"/>
+        <a:font script="Laoo" typeface="DokChampa"/>
+        <a:font script="Sinh" typeface="Iskoola Pota"/>
+        <a:font script="Mong" typeface="Mongolian Baiti"/>
+        <a:font script="Viet" typeface="Times New Roman"/>
+        <a:font script="Uigh" typeface="Microsoft Uighur"/>
+        <a:font script="Geor" typeface="Sylfaen"/>
+        <a:font script="Armn" typeface="Arial"/>
+        <a:font script="Bugi" typeface="Leelawadee UI"/>
+        <a:font script="Bopo" typeface="Microsoft JhengHei"/>
+        <a:font script="Java" typeface="Javanese Text"/>
+        <a:font script="Lisu" typeface="Segoe UI"/>
+        <a:font script="Mymr" typeface="Myanmar Text"/>
+        <a:font script="Nkoo" typeface="Ebrima"/>
+        <a:font script="Olck" typeface="Nirmala UI"/>
+        <a:font script="Osma" typeface="Ebrima"/>
+        <a:font script="Phag" typeface="Phagspa"/>
+        <a:font script="Syrn" typeface="Estrangelo Edessa"/>
+        <a:font script="Syrj" typeface="Estrangelo Edessa"/>
+        <a:font script="Syre" typeface="Estrangelo Edessa"/>
+        <a:font script="Sora" typeface="Nirmala UI"/>
+        <a:font script="Tale" typeface="Microsoft Tai Le"/>
+        <a:font script="Talu" typeface="Microsoft New Tai Lue"/>
+        <a:font script="Tfng" typeface="Ebrima"/>
+      </a:majorFont>
+      <a:minorFont>
+        <a:latin typeface="Calibri" panose="020F0502020204030204"/>
+        <a:ea typeface=""/>
+        <a:cs typeface=""/>
+        <a:font script="Jpan" typeface="游ゴシック"/>
+        <a:font script="Hang" typeface="맑은 고딕"/>
+        <a:font script="Hans" typeface="等线"/>
+        <a:font script="Hant" typeface="新細明體"/>
+        <a:font script="Arab" typeface="Arial"/>
+        <a:font script="Hebr" typeface="Arial"/>
+        <a:font script="Thai" typeface="Cordia New"/>
+        <a:font script="Ethi" typeface="Nyala"/>
+        <a:font script="Beng" typeface="Vrinda"/>
+        <a:font script="Gujr" typeface="Shruti"/>
+        <a:font script="Khmr" typeface="DaunPenh"/>
+        <a:font script="Knda" typeface="Tunga"/>
+        <a:font script="Guru" typeface="Raavi"/>
+        <a:font script="Cans" typeface="Euphemia"/>
+        <a:font script="Cher" typeface="Plantagenet Cherokee"/>
+        <a:font script="Yiii" typeface="Microsoft Yi Baiti"/>
+        <a:font script="Tibt" typeface="Microsoft Himalaya"/>
+        <a:font script="Thaa" typeface="MV Boli"/>
+        <a:font script="Deva" typeface="Mangal"/>
+        <a:font script="Telu" typeface="Gautami"/>
+        <a:font script="Taml" typeface="Latha"/>
+        <a:font script="Syrc" typeface="Estrangelo Edessa"/>
+        <a:font script="Orya" typeface="Kalinga"/>
+        <a:font script="Mlym" typeface="Kartika"/>
+        <a:font script="Laoo" typeface="DokChampa"/>
+        <a:font script="Sinh" typeface="Iskoola Pota"/>
+        <a:font script="Mong" typeface="Mongolian Baiti"/>
+        <a:font script="Viet" typeface="Arial"/>
+        <a:font script="Uigh" typeface="Microsoft Uighur"/>
+        <a:font script="Geor" typeface="Sylfaen"/>
+        <a:font script="Armn" typeface="Arial"/>
+        <a:font script="Bugi" typeface="Leelawadee UI"/>
+        <a:font script="Bopo" typeface="Microsoft JhengHei"/>
+        <a:font script="Java" typeface="Javanese Text"/>
+        <a:font script="Lisu" typeface="Segoe UI"/>
+        <a:font script="Mymr" typeface="Myanmar Text"/>
+        <a:font script="Nkoo" typeface="Ebrima"/>
+        <a:font script="Olck" typeface="Nirmala UI"/>
+        <a:font script="Osma" typeface="Ebrima"/>
+        <a:font script="Phag" typeface="Phagspa"/>
+        <a:font script="Syrn" typeface="Estrangelo Edessa"/>
+        <a:font script="Syrj" typeface="Estrangelo Edessa"/>
+        <a:font script="Syre" typeface="Estrangelo Edessa"/>
+        <a:font script="Sora" typeface="Nirmala UI"/>
+        <a:font script="Tale" typeface="Microsoft Tai Le"/>
+        <a:font script="Talu" typeface="Microsoft New Tai Lue"/>
+        <a:font script="Tfng" typeface="Ebrima"/>
+      </a:minorFont>
+    </a:fontScheme>
+    <a:fmtScheme name="Office">
+      <a:fillStyleLst>
+        <a:solidFill>
+          <a:schemeClr val="phClr"/>
+        </a:solidFill>
+        <a:gradFill rotWithShape="1">
+          <a:gsLst>
+            <a:gs pos="0">
+              <a:schemeClr val="phClr">
+                <a:lumMod val="110000"/>
+                <a:satMod val="105000"/>
+                <a:tint val="67000"/>
+              </a:schemeClr>
+            </a:gs>
+            <a:gs pos="50000">
+              <a:schemeClr val="phClr">
+                <a:lumMod val="105000"/>
+                <a:satMod val="103000"/>
+                <a:tint val="73000"/>
+              </a:schemeClr>
+            </a:gs>
+            <a:gs pos="100000">
+              <a:schemeClr val="phClr">
+                <a:lumMod val="105000"/>
+                <a:satMod val="109000"/>
+                <a:tint val="81000"/>
+              </a:schemeClr>
+            </a:gs>
+          </a:gsLst>
+          <a:lin ang="5400000" scaled="0"/>
+        </a:gradFill>
+        <a:gradFill rotWithShape="1">
+          <a:gsLst>
+            <a:gs pos="0">
+              <a:schemeClr val="phClr">
+                <a:satMod val="103000"/>
+                <a:lumMod val="102000"/>
+                <a:tint val="94000"/>
+              </a:schemeClr>
+            </a:gs>
+            <a:gs pos="50000">
+              <a:schemeClr val="phClr">
+                <a:satMod val="110000"/>
+                <a:lumMod val="100000"/>
+                <a:shade val="100000"/>
+              </a:schemeClr>
+            </a:gs>
+            <a:gs pos="100000">
+              <a:schemeClr val="phClr">
+                <a:lumMod val="99000"/>
+                <a:satMod val="120000"/>
+                <a:shade val="78000"/>
+              </a:schemeClr>
+            </a:gs>
+          </a:gsLst>
+          <a:lin ang="5400000" scaled="0"/>
+        </a:gradFill>
+      </a:fillStyleLst>
+      <a:lnStyleLst>
+        <a:ln w="6350" cap="flat" cmpd="sng" algn="ctr">
+          <a:solidFill>
+            <a:schemeClr val="phClr"/>
+          </a:solidFill>
+          <a:prstDash val="solid"/>
+          <a:miter lim="800000"/>
+        </a:ln>
+        <a:ln w="12700" cap="flat" cmpd="sng" algn="ctr">
+          <a:solidFill>
+            <a:schemeClr val="phClr"/>
+          </a:solidFill>
+          <a:prstDash val="solid"/>
+          <a:miter lim="800000"/>
+        </a:ln>
+        <a:ln w="19050" cap="flat" cmpd="sng" algn="ctr">
+          <a:solidFill>
+            <a:schemeClr val="phClr"/>
+          </a:solidFill>
+          <a:prstDash val="solid"/>
+          <a:miter lim="800000"/>
+        </a:ln>
+      </a:lnStyleLst>
+      <a:effectStyleLst>
+        <a:effectStyle>
+          <a:effectLst/>
+        </a:effectStyle>
+        <a:effectStyle>
+          <a:effectLst/>
+        </a:effectStyle>
+        <a:effectStyle>
+          <a:effectLst>
+            <a:outerShdw blurRad="57150" dist="19050" dir="5400000" algn="ctr" rotWithShape="0">
+              <a:srgbClr val="000000">
+                <a:alpha val="63000"/>
+              </a:srgbClr>
+            </a:outerShdw>
+          </a:effectLst>
+        </a:effectStyle>
+      </a:effectStyleLst>
+      <a:bgFillStyleLst>
+        <a:solidFill>
+          <a:schemeClr val="phClr"/>
+        </a:solidFill>
+        <a:solidFill>
+          <a:schemeClr val="phClr">
+            <a:tint val="95000"/>
+            <a:satMod val="170000"/>
+          </a:schemeClr>
+        </a:solidFill>
+        <a:gradFill rotWithShape="1">
+          <a:gsLst>
+            <a:gs pos="0">
+              <a:schemeClr val="phClr">
+                <a:tint val="93000"/>
+                <a:satMod val="150000"/>
+                <a:shade val="98000"/>
+                <a:lumMod val="102000"/>
+              </a:schemeClr>
+            </a:gs>
+            <a:gs pos="50000">
+              <a:schemeClr val="phClr">
+                <a:tint val="98000"/>
+                <a:satMod val="130000"/>
+                <a:shade val="90000"/>
+                <a:lumMod val="103000"/>
+              </a:schemeClr>
+            </a:gs>
+            <a:gs pos="100000">
+              <a:schemeClr val="phClr">
+                <a:shade val="63000"/>
+                <a:satMod val="120000"/>
+              </a:schemeClr>
+            </a:gs>
+          </a:gsLst>
+          <a:lin ang="5400000" scaled="0"/>
+        </a:gradFill>
+      </a:bgFillStyleLst>
+    </a:fmtScheme>
+  </a:themeElements>
+  <a:objectDefaults/>
+  <a:extraClrSchemeLst/>
+  <a:extLst>
+    <a:ext uri="{05A4C25C-085E-4340-85A3-A5531E510DB2}">
+      <thm15:themeFamily xmlns:thm15="http://schemas.microsoft.com/office/thememl/2012/main" name="Office Theme" id="{62F939B6-93AF-4DB8-9C6B-D6C7DFDC589F}" vid="{4A3C46E8-61CC-4603-A589-7422A47A8E4A}"/>
+    </a:ext>
+  </a:extLst>
+</a:theme>
 </file>
--- a/doc/designDoc.pptx
+++ b/doc/designDoc.pptx
@@ -10521,7 +10521,7 @@
         </p:blipFill>
         <p:spPr>
           <a:xfrm>
-            <a:off x="666944" y="3522727"/>
+            <a:off x="666944" y="4365534"/>
             <a:ext cx="1552381" cy="1580952"/>
           </a:xfrm>
           <a:prstGeom prst="rect">
@@ -10550,7 +10550,7 @@
         </p:nvCxnSpPr>
         <p:spPr>
           <a:xfrm flipV="1">
-            <a:off x="857250" y="4955847"/>
+            <a:off x="857250" y="5798654"/>
             <a:ext cx="0" cy="409575"/>
           </a:xfrm>
           <a:prstGeom prst="straightConnector1">
@@ -10592,7 +10592,7 @@
         </p:nvSpPr>
         <p:spPr>
           <a:xfrm>
-            <a:off x="666944" y="5320606"/>
+            <a:off x="666944" y="6163413"/>
             <a:ext cx="1765252" cy="461665"/>
           </a:xfrm>
           <a:prstGeom prst="rect">
@@ -10636,7 +10636,7 @@
         </p:blipFill>
         <p:spPr>
           <a:xfrm>
-            <a:off x="2981176" y="4689232"/>
+            <a:off x="2981176" y="5532039"/>
             <a:ext cx="2380952" cy="676190"/>
           </a:xfrm>
           <a:prstGeom prst="rect">
@@ -10658,7 +10658,7 @@
         </p:nvSpPr>
         <p:spPr>
           <a:xfrm>
-            <a:off x="6525110" y="3522727"/>
+            <a:off x="6401285" y="4354486"/>
             <a:ext cx="3086250" cy="1200329"/>
           </a:xfrm>
           <a:prstGeom prst="rect">
@@ -10727,7 +10727,7 @@
         </p:blipFill>
         <p:spPr>
           <a:xfrm>
-            <a:off x="6525110" y="4682534"/>
+            <a:off x="6525110" y="5525341"/>
             <a:ext cx="2685714" cy="682887"/>
           </a:xfrm>
           <a:prstGeom prst="rect">
@@ -10749,7 +10749,7 @@
         </p:nvSpPr>
         <p:spPr>
           <a:xfrm>
-            <a:off x="2981176" y="3522727"/>
+            <a:off x="2857369" y="4365534"/>
             <a:ext cx="3086250" cy="1200329"/>
           </a:xfrm>
           <a:prstGeom prst="rect">
@@ -10796,6 +10796,282 @@
               <a:rPr lang="en-SG" sz="1200" dirty="0"/>
               <a:t>UI scenario : </a:t>
             </a:r>
+          </a:p>
+        </p:txBody>
+      </p:sp>
+      <p:pic>
+        <p:nvPicPr>
+          <p:cNvPr id="29" name="Picture 28">
+            <a:extLst>
+              <a:ext uri="{FF2B5EF4-FFF2-40B4-BE49-F238E27FC236}">
+                <a16:creationId xmlns:a16="http://schemas.microsoft.com/office/drawing/2014/main" id="{10E088EF-9559-1FF0-DFAA-06C556598D68}"/>
+              </a:ext>
+            </a:extLst>
+          </p:cNvPr>
+          <p:cNvPicPr>
+            <a:picLocks noChangeAspect="1"/>
+          </p:cNvPicPr>
+          <p:nvPr/>
+        </p:nvPicPr>
+        <p:blipFill>
+          <a:blip r:embed="rId6"/>
+          <a:stretch>
+            <a:fillRect/>
+          </a:stretch>
+        </p:blipFill>
+        <p:spPr>
+          <a:xfrm>
+            <a:off x="4038857" y="809621"/>
+            <a:ext cx="4114286" cy="3057143"/>
+          </a:xfrm>
+          <a:prstGeom prst="rect">
+            <a:avLst/>
+          </a:prstGeom>
+        </p:spPr>
+      </p:pic>
+      <p:cxnSp>
+        <p:nvCxnSpPr>
+          <p:cNvPr id="30" name="Straight Arrow Connector 29">
+            <a:extLst>
+              <a:ext uri="{FF2B5EF4-FFF2-40B4-BE49-F238E27FC236}">
+                <a16:creationId xmlns:a16="http://schemas.microsoft.com/office/drawing/2014/main" id="{CBDD4261-A65C-DE81-47F1-AB87A860D9F5}"/>
+              </a:ext>
+            </a:extLst>
+          </p:cNvPr>
+          <p:cNvCxnSpPr>
+            <a:cxnSpLocks/>
+          </p:cNvCxnSpPr>
+          <p:nvPr/>
+        </p:nvCxnSpPr>
+        <p:spPr>
+          <a:xfrm flipH="1">
+            <a:off x="4504136" y="1171575"/>
+            <a:ext cx="3794298" cy="0"/>
+          </a:xfrm>
+          <a:prstGeom prst="straightConnector1">
+            <a:avLst/>
+          </a:prstGeom>
+          <a:ln w="19050">
+            <a:solidFill>
+              <a:srgbClr val="FF0000"/>
+            </a:solidFill>
+            <a:tailEnd type="triangle"/>
+          </a:ln>
+        </p:spPr>
+        <p:style>
+          <a:lnRef idx="1">
+            <a:schemeClr val="accent1"/>
+          </a:lnRef>
+          <a:fillRef idx="0">
+            <a:schemeClr val="accent1"/>
+          </a:fillRef>
+          <a:effectRef idx="0">
+            <a:schemeClr val="accent1"/>
+          </a:effectRef>
+          <a:fontRef idx="minor">
+            <a:schemeClr val="tx1"/>
+          </a:fontRef>
+        </p:style>
+      </p:cxnSp>
+      <p:sp>
+        <p:nvSpPr>
+          <p:cNvPr id="32" name="TextBox 31">
+            <a:extLst>
+              <a:ext uri="{FF2B5EF4-FFF2-40B4-BE49-F238E27FC236}">
+                <a16:creationId xmlns:a16="http://schemas.microsoft.com/office/drawing/2014/main" id="{05CE139F-60B1-9102-6771-B945DE24C9EC}"/>
+              </a:ext>
+            </a:extLst>
+          </p:cNvPr>
+          <p:cNvSpPr txBox="1"/>
+          <p:nvPr/>
+        </p:nvSpPr>
+        <p:spPr>
+          <a:xfrm>
+            <a:off x="8328198" y="848409"/>
+            <a:ext cx="1644477" cy="646331"/>
+          </a:xfrm>
+          <a:prstGeom prst="rect">
+            <a:avLst/>
+          </a:prstGeom>
+          <a:noFill/>
+        </p:spPr>
+        <p:txBody>
+          <a:bodyPr wrap="square" rtlCol="0">
+            <a:spAutoFit/>
+          </a:bodyPr>
+          <a:lstStyle/>
+          <a:p>
+            <a:r>
+              <a:rPr lang="en-US" sz="1200" b="1" dirty="0"/>
+              <a:t>Step 1: click config dropdown menu and select “load scenario”</a:t>
+            </a:r>
+            <a:endParaRPr lang="en-SG" sz="1200" b="1" dirty="0"/>
+          </a:p>
+        </p:txBody>
+      </p:sp>
+      <p:cxnSp>
+        <p:nvCxnSpPr>
+          <p:cNvPr id="35" name="Straight Arrow Connector 34">
+            <a:extLst>
+              <a:ext uri="{FF2B5EF4-FFF2-40B4-BE49-F238E27FC236}">
+                <a16:creationId xmlns:a16="http://schemas.microsoft.com/office/drawing/2014/main" id="{0BF435BF-8698-C9B0-CFAB-0FA1FBD72E66}"/>
+              </a:ext>
+            </a:extLst>
+          </p:cNvPr>
+          <p:cNvCxnSpPr>
+            <a:cxnSpLocks/>
+          </p:cNvCxnSpPr>
+          <p:nvPr/>
+        </p:nvCxnSpPr>
+        <p:spPr>
+          <a:xfrm flipH="1">
+            <a:off x="7294704" y="2338193"/>
+            <a:ext cx="1033494" cy="383761"/>
+          </a:xfrm>
+          <a:prstGeom prst="straightConnector1">
+            <a:avLst/>
+          </a:prstGeom>
+          <a:ln w="19050">
+            <a:solidFill>
+              <a:srgbClr val="FF0000"/>
+            </a:solidFill>
+            <a:tailEnd type="triangle"/>
+          </a:ln>
+        </p:spPr>
+        <p:style>
+          <a:lnRef idx="1">
+            <a:schemeClr val="accent1"/>
+          </a:lnRef>
+          <a:fillRef idx="0">
+            <a:schemeClr val="accent1"/>
+          </a:fillRef>
+          <a:effectRef idx="0">
+            <a:schemeClr val="accent1"/>
+          </a:effectRef>
+          <a:fontRef idx="minor">
+            <a:schemeClr val="tx1"/>
+          </a:fontRef>
+        </p:style>
+      </p:cxnSp>
+      <p:sp>
+        <p:nvSpPr>
+          <p:cNvPr id="38" name="TextBox 37">
+            <a:extLst>
+              <a:ext uri="{FF2B5EF4-FFF2-40B4-BE49-F238E27FC236}">
+                <a16:creationId xmlns:a16="http://schemas.microsoft.com/office/drawing/2014/main" id="{FCC2338C-EF8D-A162-E347-F0452CDD99F0}"/>
+              </a:ext>
+            </a:extLst>
+          </p:cNvPr>
+          <p:cNvSpPr txBox="1"/>
+          <p:nvPr/>
+        </p:nvSpPr>
+        <p:spPr>
+          <a:xfrm>
+            <a:off x="8406236" y="1706291"/>
+            <a:ext cx="1488840" cy="1015663"/>
+          </a:xfrm>
+          <a:prstGeom prst="rect">
+            <a:avLst/>
+          </a:prstGeom>
+          <a:noFill/>
+        </p:spPr>
+        <p:txBody>
+          <a:bodyPr wrap="square" rtlCol="0">
+            <a:spAutoFit/>
+          </a:bodyPr>
+          <a:lstStyle/>
+          <a:p>
+            <a:r>
+              <a:rPr lang="en-US" sz="1200" b="1" dirty="0"/>
+              <a:t>Step 2:When the Scenario selection window pop-up,</a:t>
+            </a:r>
+          </a:p>
+          <a:p>
+            <a:r>
+              <a:rPr lang="en-US" sz="1200" b="1" dirty="0"/>
+              <a:t>Click the Scenario you want to load </a:t>
+            </a:r>
+            <a:endParaRPr lang="en-SG" sz="1200" b="1" dirty="0"/>
+          </a:p>
+        </p:txBody>
+      </p:sp>
+      <p:cxnSp>
+        <p:nvCxnSpPr>
+          <p:cNvPr id="39" name="Straight Arrow Connector 38">
+            <a:extLst>
+              <a:ext uri="{FF2B5EF4-FFF2-40B4-BE49-F238E27FC236}">
+                <a16:creationId xmlns:a16="http://schemas.microsoft.com/office/drawing/2014/main" id="{AEE0849A-80B4-1070-0AC4-BB7EF448A592}"/>
+              </a:ext>
+            </a:extLst>
+          </p:cNvPr>
+          <p:cNvCxnSpPr>
+            <a:cxnSpLocks/>
+          </p:cNvCxnSpPr>
+          <p:nvPr/>
+        </p:nvCxnSpPr>
+        <p:spPr>
+          <a:xfrm flipH="1">
+            <a:off x="6910916" y="3558504"/>
+            <a:ext cx="1387518" cy="0"/>
+          </a:xfrm>
+          <a:prstGeom prst="straightConnector1">
+            <a:avLst/>
+          </a:prstGeom>
+          <a:ln w="19050">
+            <a:solidFill>
+              <a:srgbClr val="FF0000"/>
+            </a:solidFill>
+            <a:tailEnd type="triangle"/>
+          </a:ln>
+        </p:spPr>
+        <p:style>
+          <a:lnRef idx="1">
+            <a:schemeClr val="accent1"/>
+          </a:lnRef>
+          <a:fillRef idx="0">
+            <a:schemeClr val="accent1"/>
+          </a:fillRef>
+          <a:effectRef idx="0">
+            <a:schemeClr val="accent1"/>
+          </a:effectRef>
+          <a:fontRef idx="minor">
+            <a:schemeClr val="tx1"/>
+          </a:fontRef>
+        </p:style>
+      </p:cxnSp>
+      <p:sp>
+        <p:nvSpPr>
+          <p:cNvPr id="41" name="TextBox 40">
+            <a:extLst>
+              <a:ext uri="{FF2B5EF4-FFF2-40B4-BE49-F238E27FC236}">
+                <a16:creationId xmlns:a16="http://schemas.microsoft.com/office/drawing/2014/main" id="{B3336306-03A6-E676-317A-B53B4721AF95}"/>
+              </a:ext>
+            </a:extLst>
+          </p:cNvPr>
+          <p:cNvSpPr txBox="1"/>
+          <p:nvPr/>
+        </p:nvSpPr>
+        <p:spPr>
+          <a:xfrm>
+            <a:off x="8388585" y="3220433"/>
+            <a:ext cx="1488840" cy="646331"/>
+          </a:xfrm>
+          <a:prstGeom prst="rect">
+            <a:avLst/>
+          </a:prstGeom>
+          <a:noFill/>
+        </p:spPr>
+        <p:txBody>
+          <a:bodyPr wrap="square" rtlCol="0">
+            <a:spAutoFit/>
+          </a:bodyPr>
+          <a:lstStyle/>
+          <a:p>
+            <a:r>
+              <a:rPr lang="en-US" sz="1200" b="1" dirty="0"/>
+              <a:t>Step 3: Click “OK” to load to the real-world simulator</a:t>
+            </a:r>
+            <a:endParaRPr lang="en-SG" sz="1200" b="1" dirty="0"/>
           </a:p>
         </p:txBody>
       </p:sp>

--- a/doc/designDoc.pptx
+++ b/doc/designDoc.pptx
@@ -17841,41 +17841,6 @@
           </a:p>
         </p:txBody>
       </p:sp>
-      <p:pic>
-        <p:nvPicPr>
-          <p:cNvPr id="141" name="Picture 140">
-            <a:extLst>
-              <a:ext uri="{FF2B5EF4-FFF2-40B4-BE49-F238E27FC236}">
-                <a16:creationId xmlns:a16="http://schemas.microsoft.com/office/drawing/2014/main" id="{F10407DC-81A7-EFA4-AB9C-6ED1B2231B8A}"/>
-              </a:ext>
-            </a:extLst>
-          </p:cNvPr>
-          <p:cNvPicPr>
-            <a:picLocks noChangeAspect="1"/>
-          </p:cNvPicPr>
-          <p:nvPr/>
-        </p:nvPicPr>
-        <p:blipFill>
-          <a:blip r:embed="rId8"/>
-          <a:stretch>
-            <a:fillRect/>
-          </a:stretch>
-        </p:blipFill>
-        <p:spPr>
-          <a:xfrm>
-            <a:off x="9905993" y="4976367"/>
-            <a:ext cx="1550062" cy="1078304"/>
-          </a:xfrm>
-          <a:prstGeom prst="rect">
-            <a:avLst/>
-          </a:prstGeom>
-          <a:ln w="12700">
-            <a:solidFill>
-              <a:schemeClr val="tx1"/>
-            </a:solidFill>
-          </a:ln>
-        </p:spPr>
-      </p:pic>
       <p:cxnSp>
         <p:nvCxnSpPr>
           <p:cNvPr id="143" name="Straight Arrow Connector 142">
@@ -17981,7 +17946,7 @@
         <p:spPr>
           <a:xfrm>
             <a:off x="9610885" y="4526894"/>
-            <a:ext cx="2392975" cy="523220"/>
+            <a:ext cx="2392975" cy="307777"/>
           </a:xfrm>
           <a:prstGeom prst="rect">
             <a:avLst/>
@@ -17996,7 +17961,7 @@
           <a:p>
             <a:r>
               <a:rPr lang="en-US" sz="1400" b="1" dirty="0"/>
-              <a:t>Train Control panel [under progress]</a:t>
+              <a:t>Train Control panel</a:t>
             </a:r>
             <a:endParaRPr lang="en-SG" sz="1400" b="1" dirty="0"/>
           </a:p>
@@ -18244,6 +18209,42 @@
           </a:fontRef>
         </p:style>
       </p:cxnSp>
+      <p:pic>
+        <p:nvPicPr>
+          <p:cNvPr id="3" name="Picture 2" descr="A screenshot of a computer&#10;&#10;Description automatically generated">
+            <a:extLst>
+              <a:ext uri="{FF2B5EF4-FFF2-40B4-BE49-F238E27FC236}">
+                <a16:creationId xmlns:a16="http://schemas.microsoft.com/office/drawing/2014/main" id="{8B691F79-4986-D6D9-352A-1596A47D56D3}"/>
+              </a:ext>
+            </a:extLst>
+          </p:cNvPr>
+          <p:cNvPicPr>
+            <a:picLocks noChangeAspect="1"/>
+          </p:cNvPicPr>
+          <p:nvPr/>
+        </p:nvPicPr>
+        <p:blipFill>
+          <a:blip r:embed="rId8">
+            <a:extLst>
+              <a:ext uri="{28A0092B-C50C-407E-A947-70E740481C1C}">
+                <a14:useLocalDpi xmlns:a14="http://schemas.microsoft.com/office/drawing/2010/main" val="0"/>
+              </a:ext>
+            </a:extLst>
+          </a:blip>
+          <a:stretch>
+            <a:fillRect/>
+          </a:stretch>
+        </p:blipFill>
+        <p:spPr>
+          <a:xfrm>
+            <a:off x="9956853" y="4817567"/>
+            <a:ext cx="1940674" cy="1052153"/>
+          </a:xfrm>
+          <a:prstGeom prst="rect">
+            <a:avLst/>
+          </a:prstGeom>
+        </p:spPr>
+      </p:pic>
     </p:spTree>
     <p:extLst>
       <p:ext uri="{BB962C8B-B14F-4D97-AF65-F5344CB8AC3E}">

--- a/doc/designDoc.pptx
+++ b/doc/designDoc.pptx
@@ -216,7 +216,7 @@
           <a:p>
             <a:fld id="{C0790970-3005-464C-B0F1-2C170134C482}" type="datetimeFigureOut">
               <a:rPr lang="en-SG" smtClean="0"/>
-              <a:t>27/7/2023</a:t>
+              <a:t>28/7/2023</a:t>
             </a:fld>
             <a:endParaRPr lang="en-SG"/>
           </a:p>
@@ -885,7 +885,7 @@
           <a:p>
             <a:fld id="{F949A3E6-ADCC-4214-836D-B18BFC6F3D6C}" type="datetimeFigureOut">
               <a:rPr lang="en-SG" smtClean="0"/>
-              <a:t>27/7/2023</a:t>
+              <a:t>28/7/2023</a:t>
             </a:fld>
             <a:endParaRPr lang="en-SG"/>
           </a:p>
@@ -1085,7 +1085,7 @@
           <a:p>
             <a:fld id="{F949A3E6-ADCC-4214-836D-B18BFC6F3D6C}" type="datetimeFigureOut">
               <a:rPr lang="en-SG" smtClean="0"/>
-              <a:t>27/7/2023</a:t>
+              <a:t>28/7/2023</a:t>
             </a:fld>
             <a:endParaRPr lang="en-SG"/>
           </a:p>
@@ -1295,7 +1295,7 @@
           <a:p>
             <a:fld id="{F949A3E6-ADCC-4214-836D-B18BFC6F3D6C}" type="datetimeFigureOut">
               <a:rPr lang="en-SG" smtClean="0"/>
-              <a:t>27/7/2023</a:t>
+              <a:t>28/7/2023</a:t>
             </a:fld>
             <a:endParaRPr lang="en-SG"/>
           </a:p>
@@ -1495,7 +1495,7 @@
           <a:p>
             <a:fld id="{F949A3E6-ADCC-4214-836D-B18BFC6F3D6C}" type="datetimeFigureOut">
               <a:rPr lang="en-SG" smtClean="0"/>
-              <a:t>27/7/2023</a:t>
+              <a:t>28/7/2023</a:t>
             </a:fld>
             <a:endParaRPr lang="en-SG"/>
           </a:p>
@@ -1771,7 +1771,7 @@
           <a:p>
             <a:fld id="{F949A3E6-ADCC-4214-836D-B18BFC6F3D6C}" type="datetimeFigureOut">
               <a:rPr lang="en-SG" smtClean="0"/>
-              <a:t>27/7/2023</a:t>
+              <a:t>28/7/2023</a:t>
             </a:fld>
             <a:endParaRPr lang="en-SG"/>
           </a:p>
@@ -2039,7 +2039,7 @@
           <a:p>
             <a:fld id="{F949A3E6-ADCC-4214-836D-B18BFC6F3D6C}" type="datetimeFigureOut">
               <a:rPr lang="en-SG" smtClean="0"/>
-              <a:t>27/7/2023</a:t>
+              <a:t>28/7/2023</a:t>
             </a:fld>
             <a:endParaRPr lang="en-SG"/>
           </a:p>
@@ -2454,7 +2454,7 @@
           <a:p>
             <a:fld id="{F949A3E6-ADCC-4214-836D-B18BFC6F3D6C}" type="datetimeFigureOut">
               <a:rPr lang="en-SG" smtClean="0"/>
-              <a:t>27/7/2023</a:t>
+              <a:t>28/7/2023</a:t>
             </a:fld>
             <a:endParaRPr lang="en-SG"/>
           </a:p>
@@ -2596,7 +2596,7 @@
           <a:p>
             <a:fld id="{F949A3E6-ADCC-4214-836D-B18BFC6F3D6C}" type="datetimeFigureOut">
               <a:rPr lang="en-SG" smtClean="0"/>
-              <a:t>27/7/2023</a:t>
+              <a:t>28/7/2023</a:t>
             </a:fld>
             <a:endParaRPr lang="en-SG"/>
           </a:p>
@@ -2709,7 +2709,7 @@
           <a:p>
             <a:fld id="{F949A3E6-ADCC-4214-836D-B18BFC6F3D6C}" type="datetimeFigureOut">
               <a:rPr lang="en-SG" smtClean="0"/>
-              <a:t>27/7/2023</a:t>
+              <a:t>28/7/2023</a:t>
             </a:fld>
             <a:endParaRPr lang="en-SG"/>
           </a:p>
@@ -3022,7 +3022,7 @@
           <a:p>
             <a:fld id="{F949A3E6-ADCC-4214-836D-B18BFC6F3D6C}" type="datetimeFigureOut">
               <a:rPr lang="en-SG" smtClean="0"/>
-              <a:t>27/7/2023</a:t>
+              <a:t>28/7/2023</a:t>
             </a:fld>
             <a:endParaRPr lang="en-SG"/>
           </a:p>
@@ -3311,7 +3311,7 @@
           <a:p>
             <a:fld id="{F949A3E6-ADCC-4214-836D-B18BFC6F3D6C}" type="datetimeFigureOut">
               <a:rPr lang="en-SG" smtClean="0"/>
-              <a:t>27/7/2023</a:t>
+              <a:t>28/7/2023</a:t>
             </a:fld>
             <a:endParaRPr lang="en-SG"/>
           </a:p>
@@ -3554,7 +3554,7 @@
           <a:p>
             <a:fld id="{F949A3E6-ADCC-4214-836D-B18BFC6F3D6C}" type="datetimeFigureOut">
               <a:rPr lang="en-SG" smtClean="0"/>
-              <a:t>27/7/2023</a:t>
+              <a:t>28/7/2023</a:t>
             </a:fld>
             <a:endParaRPr lang="en-SG"/>
           </a:p>
@@ -11165,13 +11165,8 @@
           <a:p>
             <a:r>
               <a:rPr lang="en-US" sz="1400" b="1" dirty="0"/>
-              <a:t>Emergency Stop </a:t>
-            </a:r>
-            <a:r>
-              <a:rPr lang="en-US" sz="1400" b="1"/>
-              <a:t>button pressed (Mode-B) :</a:t>
-            </a:r>
-            <a:endParaRPr lang="en-US" sz="1400" b="1" dirty="0"/>
+              <a:t>Emergency Stop button pressed (Mode-B) :</a:t>
+            </a:r>
           </a:p>
           <a:p>
             <a:pPr marL="285750" indent="-285750">
@@ -11566,10 +11561,10 @@
       </p:grpSpPr>
       <p:sp>
         <p:nvSpPr>
-          <p:cNvPr id="119" name="Rectangle 118">
-            <a:extLst>
-              <a:ext uri="{FF2B5EF4-FFF2-40B4-BE49-F238E27FC236}">
-                <a16:creationId xmlns:a16="http://schemas.microsoft.com/office/drawing/2014/main" id="{03F3736B-1922-F568-D223-82D2F118AA8F}"/>
+          <p:cNvPr id="78" name="Rectangle 77">
+            <a:extLst>
+              <a:ext uri="{FF2B5EF4-FFF2-40B4-BE49-F238E27FC236}">
+                <a16:creationId xmlns:a16="http://schemas.microsoft.com/office/drawing/2014/main" id="{D3C53F0D-B84B-E4A7-56B0-1901919DC730}"/>
               </a:ext>
             </a:extLst>
           </p:cNvPr>
@@ -11578,8 +11573,8 @@
         </p:nvSpPr>
         <p:spPr>
           <a:xfrm>
-            <a:off x="9541673" y="4237630"/>
-            <a:ext cx="2364283" cy="1321827"/>
+            <a:off x="8943355" y="490106"/>
+            <a:ext cx="3016073" cy="2116573"/>
           </a:xfrm>
           <a:prstGeom prst="rect">
             <a:avLst/>
@@ -11612,10 +11607,10 @@
       </p:sp>
       <p:pic>
         <p:nvPicPr>
-          <p:cNvPr id="120" name="Picture 119">
-            <a:extLst>
-              <a:ext uri="{FF2B5EF4-FFF2-40B4-BE49-F238E27FC236}">
-                <a16:creationId xmlns:a16="http://schemas.microsoft.com/office/drawing/2014/main" id="{F7573D67-03E4-C237-E959-6E6986166C99}"/>
+          <p:cNvPr id="25" name="Picture 24" descr="A screenshot of a computer&#10;&#10;Description automatically generated">
+            <a:extLst>
+              <a:ext uri="{FF2B5EF4-FFF2-40B4-BE49-F238E27FC236}">
+                <a16:creationId xmlns:a16="http://schemas.microsoft.com/office/drawing/2014/main" id="{AD9A7D63-412C-FC19-A2D2-0B55C22CA078}"/>
               </a:ext>
             </a:extLst>
           </p:cNvPr>
@@ -11625,15 +11620,21 @@
           <p:nvPr/>
         </p:nvPicPr>
         <p:blipFill>
-          <a:blip r:embed="rId2"/>
+          <a:blip r:embed="rId2">
+            <a:extLst>
+              <a:ext uri="{28A0092B-C50C-407E-A947-70E740481C1C}">
+                <a14:useLocalDpi xmlns:a14="http://schemas.microsoft.com/office/drawing/2010/main" val="0"/>
+              </a:ext>
+            </a:extLst>
+          </a:blip>
           <a:stretch>
             <a:fillRect/>
           </a:stretch>
         </p:blipFill>
         <p:spPr>
           <a:xfrm>
-            <a:off x="9620136" y="4065096"/>
-            <a:ext cx="327214" cy="318603"/>
+            <a:off x="8965833" y="780068"/>
+            <a:ext cx="2944693" cy="1686686"/>
           </a:xfrm>
           <a:prstGeom prst="rect">
             <a:avLst/>
@@ -11642,10 +11643,10 @@
       </p:pic>
       <p:sp>
         <p:nvSpPr>
-          <p:cNvPr id="5" name="Rectangle 4">
-            <a:extLst>
-              <a:ext uri="{FF2B5EF4-FFF2-40B4-BE49-F238E27FC236}">
-                <a16:creationId xmlns:a16="http://schemas.microsoft.com/office/drawing/2014/main" id="{CA27E920-3741-D55F-DF77-C548D6EDD033}"/>
+          <p:cNvPr id="74" name="Rectangle 73">
+            <a:extLst>
+              <a:ext uri="{FF2B5EF4-FFF2-40B4-BE49-F238E27FC236}">
+                <a16:creationId xmlns:a16="http://schemas.microsoft.com/office/drawing/2014/main" id="{4CBC52BC-E17E-1A9F-5D1E-C28D20AAB999}"/>
               </a:ext>
             </a:extLst>
           </p:cNvPr>
@@ -11654,8 +11655,8 @@
         </p:nvSpPr>
         <p:spPr>
           <a:xfrm>
-            <a:off x="194316" y="637948"/>
-            <a:ext cx="4738872" cy="2928212"/>
+            <a:off x="5612820" y="521261"/>
+            <a:ext cx="3016073" cy="2116573"/>
           </a:xfrm>
           <a:prstGeom prst="rect">
             <a:avLst/>
@@ -11688,10 +11689,10 @@
       </p:sp>
       <p:pic>
         <p:nvPicPr>
-          <p:cNvPr id="4" name="Picture 3" descr="A picture containing text, screenshot, display, diagram&#10;&#10;Description automatically generated">
-            <a:extLst>
-              <a:ext uri="{FF2B5EF4-FFF2-40B4-BE49-F238E27FC236}">
-                <a16:creationId xmlns:a16="http://schemas.microsoft.com/office/drawing/2014/main" id="{8CB88704-3F40-506B-68C8-74A83386D909}"/>
+          <p:cNvPr id="15" name="Picture 14" descr="A screenshot of a computer&#10;&#10;Description automatically generated">
+            <a:extLst>
+              <a:ext uri="{FF2B5EF4-FFF2-40B4-BE49-F238E27FC236}">
+                <a16:creationId xmlns:a16="http://schemas.microsoft.com/office/drawing/2014/main" id="{34AB4435-843D-8B4B-2C08-555AD72A6898}"/>
               </a:ext>
             </a:extLst>
           </p:cNvPr>
@@ -11701,7 +11702,7 @@
           <p:nvPr/>
         </p:nvPicPr>
         <p:blipFill>
-          <a:blip r:embed="rId3">
+          <a:blip r:embed="rId2">
             <a:extLst>
               <a:ext uri="{28A0092B-C50C-407E-A947-70E740481C1C}">
                 <a14:useLocalDpi xmlns:a14="http://schemas.microsoft.com/office/drawing/2010/main" val="0"/>
@@ -11714,17 +11715,170 @@
         </p:blipFill>
         <p:spPr>
           <a:xfrm>
-            <a:off x="409200" y="1087160"/>
-            <a:ext cx="3998208" cy="2222968"/>
+            <a:off x="5673846" y="788999"/>
+            <a:ext cx="2944693" cy="1686686"/>
+          </a:xfrm>
+          <a:prstGeom prst="rect">
+            <a:avLst/>
+          </a:prstGeom>
+        </p:spPr>
+      </p:pic>
+      <p:sp>
+        <p:nvSpPr>
+          <p:cNvPr id="5" name="Rectangle 4">
+            <a:extLst>
+              <a:ext uri="{FF2B5EF4-FFF2-40B4-BE49-F238E27FC236}">
+                <a16:creationId xmlns:a16="http://schemas.microsoft.com/office/drawing/2014/main" id="{CA27E920-3741-D55F-DF77-C548D6EDD033}"/>
+              </a:ext>
+            </a:extLst>
+          </p:cNvPr>
+          <p:cNvSpPr/>
+          <p:nvPr/>
+        </p:nvSpPr>
+        <p:spPr>
+          <a:xfrm>
+            <a:off x="194316" y="637948"/>
+            <a:ext cx="4738872" cy="2928212"/>
           </a:xfrm>
           <a:prstGeom prst="rect">
             <a:avLst/>
           </a:prstGeom>
           <a:ln w="9525">
-            <a:solidFill>
-              <a:schemeClr val="tx1"/>
-            </a:solidFill>
+            <a:prstDash val="sysDash"/>
           </a:ln>
+        </p:spPr>
+        <p:style>
+          <a:lnRef idx="2">
+            <a:schemeClr val="accent1"/>
+          </a:lnRef>
+          <a:fillRef idx="1">
+            <a:schemeClr val="lt1"/>
+          </a:fillRef>
+          <a:effectRef idx="0">
+            <a:schemeClr val="accent1"/>
+          </a:effectRef>
+          <a:fontRef idx="minor">
+            <a:schemeClr val="dk1"/>
+          </a:fontRef>
+        </p:style>
+        <p:txBody>
+          <a:bodyPr rtlCol="0" anchor="ctr"/>
+          <a:lstStyle/>
+          <a:p>
+            <a:endParaRPr lang="en-SG" sz="1400" b="1" dirty="0"/>
+          </a:p>
+        </p:txBody>
+      </p:sp>
+      <p:pic>
+        <p:nvPicPr>
+          <p:cNvPr id="6" name="Picture 5" descr="A computer screen shot of a computer scheme&#10;&#10;Description automatically generated">
+            <a:extLst>
+              <a:ext uri="{FF2B5EF4-FFF2-40B4-BE49-F238E27FC236}">
+                <a16:creationId xmlns:a16="http://schemas.microsoft.com/office/drawing/2014/main" id="{91C44405-9AE7-F560-2C3A-EC66C96DD077}"/>
+              </a:ext>
+            </a:extLst>
+          </p:cNvPr>
+          <p:cNvPicPr>
+            <a:picLocks noChangeAspect="1"/>
+          </p:cNvPicPr>
+          <p:nvPr/>
+        </p:nvPicPr>
+        <p:blipFill>
+          <a:blip r:embed="rId3">
+            <a:extLst>
+              <a:ext uri="{28A0092B-C50C-407E-A947-70E740481C1C}">
+                <a14:useLocalDpi xmlns:a14="http://schemas.microsoft.com/office/drawing/2010/main" val="0"/>
+              </a:ext>
+            </a:extLst>
+          </a:blip>
+          <a:stretch>
+            <a:fillRect/>
+          </a:stretch>
+        </p:blipFill>
+        <p:spPr>
+          <a:xfrm>
+            <a:off x="400645" y="845014"/>
+            <a:ext cx="4392290" cy="2515853"/>
+          </a:xfrm>
+          <a:prstGeom prst="rect">
+            <a:avLst/>
+          </a:prstGeom>
+        </p:spPr>
+      </p:pic>
+      <p:sp>
+        <p:nvSpPr>
+          <p:cNvPr id="119" name="Rectangle 118">
+            <a:extLst>
+              <a:ext uri="{FF2B5EF4-FFF2-40B4-BE49-F238E27FC236}">
+                <a16:creationId xmlns:a16="http://schemas.microsoft.com/office/drawing/2014/main" id="{03F3736B-1922-F568-D223-82D2F118AA8F}"/>
+              </a:ext>
+            </a:extLst>
+          </p:cNvPr>
+          <p:cNvSpPr/>
+          <p:nvPr/>
+        </p:nvSpPr>
+        <p:spPr>
+          <a:xfrm>
+            <a:off x="9564788" y="4279461"/>
+            <a:ext cx="2364283" cy="1321827"/>
+          </a:xfrm>
+          <a:prstGeom prst="rect">
+            <a:avLst/>
+          </a:prstGeom>
+          <a:ln w="9525">
+            <a:prstDash val="sysDash"/>
+          </a:ln>
+        </p:spPr>
+        <p:style>
+          <a:lnRef idx="2">
+            <a:schemeClr val="accent1"/>
+          </a:lnRef>
+          <a:fillRef idx="1">
+            <a:schemeClr val="lt1"/>
+          </a:fillRef>
+          <a:effectRef idx="0">
+            <a:schemeClr val="accent1"/>
+          </a:effectRef>
+          <a:fontRef idx="minor">
+            <a:schemeClr val="dk1"/>
+          </a:fontRef>
+        </p:style>
+        <p:txBody>
+          <a:bodyPr rtlCol="0" anchor="ctr"/>
+          <a:lstStyle/>
+          <a:p>
+            <a:endParaRPr lang="en-SG" sz="1400" b="1" dirty="0"/>
+          </a:p>
+        </p:txBody>
+      </p:sp>
+      <p:pic>
+        <p:nvPicPr>
+          <p:cNvPr id="120" name="Picture 119">
+            <a:extLst>
+              <a:ext uri="{FF2B5EF4-FFF2-40B4-BE49-F238E27FC236}">
+                <a16:creationId xmlns:a16="http://schemas.microsoft.com/office/drawing/2014/main" id="{F7573D67-03E4-C237-E959-6E6986166C99}"/>
+              </a:ext>
+            </a:extLst>
+          </p:cNvPr>
+          <p:cNvPicPr>
+            <a:picLocks noChangeAspect="1"/>
+          </p:cNvPicPr>
+          <p:nvPr/>
+        </p:nvPicPr>
+        <p:blipFill>
+          <a:blip r:embed="rId4"/>
+          <a:stretch>
+            <a:fillRect/>
+          </a:stretch>
+        </p:blipFill>
+        <p:spPr>
+          <a:xfrm>
+            <a:off x="9620618" y="4027582"/>
+            <a:ext cx="327214" cy="318603"/>
+          </a:xfrm>
+          <a:prstGeom prst="rect">
+            <a:avLst/>
+          </a:prstGeom>
         </p:spPr>
       </p:pic>
       <p:pic>
@@ -11742,7 +11896,7 @@
           <p:nvPr/>
         </p:nvPicPr>
         <p:blipFill>
-          <a:blip r:embed="rId2"/>
+          <a:blip r:embed="rId4"/>
           <a:stretch>
             <a:fillRect/>
           </a:stretch>
@@ -11808,7 +11962,7 @@
           <p:nvPr/>
         </p:nvPicPr>
         <p:blipFill>
-          <a:blip r:embed="rId4">
+          <a:blip r:embed="rId5">
             <a:extLst>
               <a:ext uri="{28A0092B-C50C-407E-A947-70E740481C1C}">
                 <a14:useLocalDpi xmlns:a14="http://schemas.microsoft.com/office/drawing/2010/main" val="0"/>
@@ -11895,7 +12049,7 @@
           <p:nvPr/>
         </p:nvPicPr>
         <p:blipFill>
-          <a:blip r:embed="rId5">
+          <a:blip r:embed="rId6">
             <a:extLst>
               <a:ext uri="{28A0092B-C50C-407E-A947-70E740481C1C}">
                 <a14:useLocalDpi xmlns:a14="http://schemas.microsoft.com/office/drawing/2010/main" val="0"/>
@@ -12028,7 +12182,7 @@
           <p:nvPr/>
         </p:nvPicPr>
         <p:blipFill>
-          <a:blip r:embed="rId2"/>
+          <a:blip r:embed="rId4"/>
           <a:stretch>
             <a:fillRect/>
           </a:stretch>
@@ -12058,7 +12212,7 @@
           <p:nvPr/>
         </p:nvPicPr>
         <p:blipFill>
-          <a:blip r:embed="rId6">
+          <a:blip r:embed="rId7">
             <a:extLst>
               <a:ext uri="{28A0092B-C50C-407E-A947-70E740481C1C}">
                 <a14:useLocalDpi xmlns:a14="http://schemas.microsoft.com/office/drawing/2010/main" val="0"/>
@@ -12145,7 +12299,7 @@
           <p:nvPr/>
         </p:nvPicPr>
         <p:blipFill>
-          <a:blip r:embed="rId2"/>
+          <a:blip r:embed="rId4"/>
           <a:stretch>
             <a:fillRect/>
           </a:stretch>
@@ -12175,7 +12329,7 @@
           <p:nvPr/>
         </p:nvPicPr>
         <p:blipFill>
-          <a:blip r:embed="rId6">
+          <a:blip r:embed="rId7">
             <a:extLst>
               <a:ext uri="{28A0092B-C50C-407E-A947-70E740481C1C}">
                 <a14:useLocalDpi xmlns:a14="http://schemas.microsoft.com/office/drawing/2010/main" val="0"/>
@@ -12262,7 +12416,7 @@
           <p:nvPr/>
         </p:nvPicPr>
         <p:blipFill>
-          <a:blip r:embed="rId2"/>
+          <a:blip r:embed="rId4"/>
           <a:stretch>
             <a:fillRect/>
           </a:stretch>
@@ -12292,7 +12446,7 @@
           <p:nvPr/>
         </p:nvPicPr>
         <p:blipFill>
-          <a:blip r:embed="rId6">
+          <a:blip r:embed="rId7">
             <a:extLst>
               <a:ext uri="{28A0092B-C50C-407E-A947-70E740481C1C}">
                 <a14:useLocalDpi xmlns:a14="http://schemas.microsoft.com/office/drawing/2010/main" val="0"/>
@@ -12333,7 +12487,7 @@
           <p:nvPr/>
         </p:nvPicPr>
         <p:blipFill>
-          <a:blip r:embed="rId2"/>
+          <a:blip r:embed="rId4"/>
           <a:stretch>
             <a:fillRect/>
           </a:stretch>
@@ -12363,7 +12517,7 @@
           <p:nvPr/>
         </p:nvPicPr>
         <p:blipFill>
-          <a:blip r:embed="rId2"/>
+          <a:blip r:embed="rId4"/>
           <a:stretch>
             <a:fillRect/>
           </a:stretch>
@@ -12393,7 +12547,7 @@
           <p:nvPr/>
         </p:nvPicPr>
         <p:blipFill>
-          <a:blip r:embed="rId2"/>
+          <a:blip r:embed="rId4"/>
           <a:stretch>
             <a:fillRect/>
           </a:stretch>
@@ -12459,7 +12613,7 @@
           <p:nvPr/>
         </p:nvPicPr>
         <p:blipFill>
-          <a:blip r:embed="rId4">
+          <a:blip r:embed="rId5">
             <a:extLst>
               <a:ext uri="{28A0092B-C50C-407E-A947-70E740481C1C}">
                 <a14:useLocalDpi xmlns:a14="http://schemas.microsoft.com/office/drawing/2010/main" val="0"/>
@@ -12564,7 +12718,7 @@
           <a:p>
             <a:r>
               <a:rPr lang="en-US" sz="1200" dirty="0"/>
-              <a:t>10.0.10.13.10</a:t>
+              <a:t>10.0.10.13</a:t>
             </a:r>
             <a:r>
               <a:rPr lang="en-US" sz="1800" b="1" dirty="0"/>
@@ -12589,7 +12743,7 @@
           <p:nvPr/>
         </p:nvPicPr>
         <p:blipFill>
-          <a:blip r:embed="rId4">
+          <a:blip r:embed="rId5">
             <a:extLst>
               <a:ext uri="{28A0092B-C50C-407E-A947-70E740481C1C}">
                 <a14:useLocalDpi xmlns:a14="http://schemas.microsoft.com/office/drawing/2010/main" val="0"/>
@@ -12715,7 +12869,7 @@
           <p:nvPr/>
         </p:nvPicPr>
         <p:blipFill>
-          <a:blip r:embed="rId4">
+          <a:blip r:embed="rId5">
             <a:extLst>
               <a:ext uri="{28A0092B-C50C-407E-A947-70E740481C1C}">
                 <a14:useLocalDpi xmlns:a14="http://schemas.microsoft.com/office/drawing/2010/main" val="0"/>
@@ -12854,7 +13008,7 @@
           <a:p>
             <a:r>
               <a:rPr lang="en-US" sz="1200" dirty="0"/>
-              <a:t>10.0.10.12.10</a:t>
+              <a:t>10.0.10.12</a:t>
             </a:r>
             <a:r>
               <a:rPr lang="en-US" sz="1800" b="1" dirty="0"/>
@@ -12894,7 +13048,7 @@
           <a:p>
             <a:r>
               <a:rPr lang="en-US" sz="1200" dirty="0"/>
-              <a:t>10.0.10.12.11</a:t>
+              <a:t>10.0.10.11</a:t>
             </a:r>
             <a:r>
               <a:rPr lang="en-US" sz="1800" b="1" dirty="0"/>
@@ -12963,7 +13117,7 @@
           <p:nvPr/>
         </p:nvPicPr>
         <p:blipFill>
-          <a:blip r:embed="rId5">
+          <a:blip r:embed="rId6">
             <a:extLst>
               <a:ext uri="{28A0092B-C50C-407E-A947-70E740481C1C}">
                 <a14:useLocalDpi xmlns:a14="http://schemas.microsoft.com/office/drawing/2010/main" val="0"/>
@@ -13010,7 +13164,7 @@
           <p:nvPr/>
         </p:nvPicPr>
         <p:blipFill>
-          <a:blip r:embed="rId5">
+          <a:blip r:embed="rId6">
             <a:extLst>
               <a:ext uri="{28A0092B-C50C-407E-A947-70E740481C1C}">
                 <a14:useLocalDpi xmlns:a14="http://schemas.microsoft.com/office/drawing/2010/main" val="0"/>
@@ -13100,7 +13254,7 @@
           <p:nvPr/>
         </p:nvPicPr>
         <p:blipFill>
-          <a:blip r:embed="rId4">
+          <a:blip r:embed="rId5">
             <a:extLst>
               <a:ext uri="{28A0092B-C50C-407E-A947-70E740481C1C}">
                 <a14:useLocalDpi xmlns:a14="http://schemas.microsoft.com/office/drawing/2010/main" val="0"/>
@@ -13147,7 +13301,7 @@
           <p:nvPr/>
         </p:nvPicPr>
         <p:blipFill>
-          <a:blip r:embed="rId4">
+          <a:blip r:embed="rId5">
             <a:extLst>
               <a:ext uri="{28A0092B-C50C-407E-A947-70E740481C1C}">
                 <a14:useLocalDpi xmlns:a14="http://schemas.microsoft.com/office/drawing/2010/main" val="0"/>
@@ -13194,7 +13348,7 @@
           <p:nvPr/>
         </p:nvPicPr>
         <p:blipFill>
-          <a:blip r:embed="rId4">
+          <a:blip r:embed="rId5">
             <a:extLst>
               <a:ext uri="{28A0092B-C50C-407E-A947-70E740481C1C}">
                 <a14:useLocalDpi xmlns:a14="http://schemas.microsoft.com/office/drawing/2010/main" val="0"/>
@@ -13240,7 +13394,7 @@
         </p:nvSpPr>
         <p:spPr>
           <a:xfrm>
-            <a:off x="999164" y="804961"/>
+            <a:off x="1033770" y="692730"/>
             <a:ext cx="2586267" cy="276999"/>
           </a:xfrm>
           <a:prstGeom prst="rect">
@@ -13382,52 +13536,6 @@
           </a:p>
         </p:txBody>
       </p:sp>
-      <p:sp>
-        <p:nvSpPr>
-          <p:cNvPr id="74" name="Rectangle 73">
-            <a:extLst>
-              <a:ext uri="{FF2B5EF4-FFF2-40B4-BE49-F238E27FC236}">
-                <a16:creationId xmlns:a16="http://schemas.microsoft.com/office/drawing/2014/main" id="{4CBC52BC-E17E-1A9F-5D1E-C28D20AAB999}"/>
-              </a:ext>
-            </a:extLst>
-          </p:cNvPr>
-          <p:cNvSpPr/>
-          <p:nvPr/>
-        </p:nvSpPr>
-        <p:spPr>
-          <a:xfrm>
-            <a:off x="5612820" y="521261"/>
-            <a:ext cx="3016073" cy="2116573"/>
-          </a:xfrm>
-          <a:prstGeom prst="rect">
-            <a:avLst/>
-          </a:prstGeom>
-          <a:ln w="9525">
-            <a:prstDash val="sysDash"/>
-          </a:ln>
-        </p:spPr>
-        <p:style>
-          <a:lnRef idx="2">
-            <a:schemeClr val="accent1"/>
-          </a:lnRef>
-          <a:fillRef idx="1">
-            <a:schemeClr val="lt1"/>
-          </a:fillRef>
-          <a:effectRef idx="0">
-            <a:schemeClr val="accent1"/>
-          </a:effectRef>
-          <a:fontRef idx="minor">
-            <a:schemeClr val="dk1"/>
-          </a:fontRef>
-        </p:style>
-        <p:txBody>
-          <a:bodyPr rtlCol="0" anchor="ctr"/>
-          <a:lstStyle/>
-          <a:p>
-            <a:endParaRPr lang="en-SG" sz="1400" b="1" dirty="0"/>
-          </a:p>
-        </p:txBody>
-      </p:sp>
       <p:pic>
         <p:nvPicPr>
           <p:cNvPr id="75" name="Picture 74">
@@ -13443,7 +13551,7 @@
           <p:nvPr/>
         </p:nvPicPr>
         <p:blipFill>
-          <a:blip r:embed="rId2"/>
+          <a:blip r:embed="rId4"/>
           <a:stretch>
             <a:fillRect/>
           </a:stretch>
@@ -13452,36 +13560,6 @@
           <a:xfrm>
             <a:off x="5741279" y="340073"/>
             <a:ext cx="372169" cy="362375"/>
-          </a:xfrm>
-          <a:prstGeom prst="rect">
-            <a:avLst/>
-          </a:prstGeom>
-        </p:spPr>
-      </p:pic>
-      <p:pic>
-        <p:nvPicPr>
-          <p:cNvPr id="71" name="Picture 70">
-            <a:extLst>
-              <a:ext uri="{FF2B5EF4-FFF2-40B4-BE49-F238E27FC236}">
-                <a16:creationId xmlns:a16="http://schemas.microsoft.com/office/drawing/2014/main" id="{5EB3E525-71BF-EFA6-C4A5-D241BE25812F}"/>
-              </a:ext>
-            </a:extLst>
-          </p:cNvPr>
-          <p:cNvPicPr>
-            <a:picLocks noChangeAspect="1"/>
-          </p:cNvPicPr>
-          <p:nvPr/>
-        </p:nvPicPr>
-        <p:blipFill>
-          <a:blip r:embed="rId7"/>
-          <a:stretch>
-            <a:fillRect/>
-          </a:stretch>
-        </p:blipFill>
-        <p:spPr>
-          <a:xfrm>
-            <a:off x="5806031" y="878422"/>
-            <a:ext cx="2695885" cy="1624638"/>
           </a:xfrm>
           <a:prstGeom prst="rect">
             <a:avLst/>
@@ -13563,52 +13641,6 @@
           </a:p>
         </p:txBody>
       </p:sp>
-      <p:sp>
-        <p:nvSpPr>
-          <p:cNvPr id="78" name="Rectangle 77">
-            <a:extLst>
-              <a:ext uri="{FF2B5EF4-FFF2-40B4-BE49-F238E27FC236}">
-                <a16:creationId xmlns:a16="http://schemas.microsoft.com/office/drawing/2014/main" id="{D3C53F0D-B84B-E4A7-56B0-1901919DC730}"/>
-              </a:ext>
-            </a:extLst>
-          </p:cNvPr>
-          <p:cNvSpPr/>
-          <p:nvPr/>
-        </p:nvSpPr>
-        <p:spPr>
-          <a:xfrm>
-            <a:off x="8943355" y="490106"/>
-            <a:ext cx="3016073" cy="2116573"/>
-          </a:xfrm>
-          <a:prstGeom prst="rect">
-            <a:avLst/>
-          </a:prstGeom>
-          <a:ln w="9525">
-            <a:prstDash val="sysDash"/>
-          </a:ln>
-        </p:spPr>
-        <p:style>
-          <a:lnRef idx="2">
-            <a:schemeClr val="accent1"/>
-          </a:lnRef>
-          <a:fillRef idx="1">
-            <a:schemeClr val="lt1"/>
-          </a:fillRef>
-          <a:effectRef idx="0">
-            <a:schemeClr val="accent1"/>
-          </a:effectRef>
-          <a:fontRef idx="minor">
-            <a:schemeClr val="dk1"/>
-          </a:fontRef>
-        </p:style>
-        <p:txBody>
-          <a:bodyPr rtlCol="0" anchor="ctr"/>
-          <a:lstStyle/>
-          <a:p>
-            <a:endParaRPr lang="en-SG" sz="1400" b="1" dirty="0"/>
-          </a:p>
-        </p:txBody>
-      </p:sp>
       <p:pic>
         <p:nvPicPr>
           <p:cNvPr id="79" name="Picture 78">
@@ -13624,7 +13656,7 @@
           <p:nvPr/>
         </p:nvPicPr>
         <p:blipFill>
-          <a:blip r:embed="rId2"/>
+          <a:blip r:embed="rId4"/>
           <a:stretch>
             <a:fillRect/>
           </a:stretch>
@@ -13633,36 +13665,6 @@
           <a:xfrm>
             <a:off x="9071814" y="308918"/>
             <a:ext cx="372169" cy="362375"/>
-          </a:xfrm>
-          <a:prstGeom prst="rect">
-            <a:avLst/>
-          </a:prstGeom>
-        </p:spPr>
-      </p:pic>
-      <p:pic>
-        <p:nvPicPr>
-          <p:cNvPr id="80" name="Picture 79">
-            <a:extLst>
-              <a:ext uri="{FF2B5EF4-FFF2-40B4-BE49-F238E27FC236}">
-                <a16:creationId xmlns:a16="http://schemas.microsoft.com/office/drawing/2014/main" id="{8D4A32AE-E483-6B5E-7E4D-09AB976DA413}"/>
-              </a:ext>
-            </a:extLst>
-          </p:cNvPr>
-          <p:cNvPicPr>
-            <a:picLocks noChangeAspect="1"/>
-          </p:cNvPicPr>
-          <p:nvPr/>
-        </p:nvPicPr>
-        <p:blipFill>
-          <a:blip r:embed="rId7"/>
-          <a:stretch>
-            <a:fillRect/>
-          </a:stretch>
-        </p:blipFill>
-        <p:spPr>
-          <a:xfrm>
-            <a:off x="9136566" y="847267"/>
-            <a:ext cx="2695885" cy="1624638"/>
           </a:xfrm>
           <a:prstGeom prst="rect">
             <a:avLst/>
@@ -13759,7 +13761,7 @@
           <p:nvPr/>
         </p:nvPicPr>
         <p:blipFill>
-          <a:blip r:embed="rId4">
+          <a:blip r:embed="rId5">
             <a:extLst>
               <a:ext uri="{28A0092B-C50C-407E-A947-70E740481C1C}">
                 <a14:useLocalDpi xmlns:a14="http://schemas.microsoft.com/office/drawing/2010/main" val="0"/>
@@ -13806,7 +13808,7 @@
           <p:nvPr/>
         </p:nvPicPr>
         <p:blipFill>
-          <a:blip r:embed="rId4">
+          <a:blip r:embed="rId5">
             <a:extLst>
               <a:ext uri="{28A0092B-C50C-407E-A947-70E740481C1C}">
                 <a14:useLocalDpi xmlns:a14="http://schemas.microsoft.com/office/drawing/2010/main" val="0"/>
@@ -13937,7 +13939,7 @@
           <p:nvPr/>
         </p:nvPicPr>
         <p:blipFill>
-          <a:blip r:embed="rId4">
+          <a:blip r:embed="rId5">
             <a:extLst>
               <a:ext uri="{28A0092B-C50C-407E-A947-70E740481C1C}">
                 <a14:useLocalDpi xmlns:a14="http://schemas.microsoft.com/office/drawing/2010/main" val="0"/>
@@ -13984,7 +13986,7 @@
           <p:nvPr/>
         </p:nvPicPr>
         <p:blipFill>
-          <a:blip r:embed="rId4">
+          <a:blip r:embed="rId5">
             <a:extLst>
               <a:ext uri="{28A0092B-C50C-407E-A947-70E740481C1C}">
                 <a14:useLocalDpi xmlns:a14="http://schemas.microsoft.com/office/drawing/2010/main" val="0"/>
@@ -14360,7 +14362,7 @@
           <p:nvPr/>
         </p:nvPicPr>
         <p:blipFill>
-          <a:blip r:embed="rId5">
+          <a:blip r:embed="rId6">
             <a:extLst>
               <a:ext uri="{28A0092B-C50C-407E-A947-70E740481C1C}">
                 <a14:useLocalDpi xmlns:a14="http://schemas.microsoft.com/office/drawing/2010/main" val="0"/>
@@ -14437,10 +14439,10 @@
       </p:cxnSp>
       <p:pic>
         <p:nvPicPr>
-          <p:cNvPr id="118" name="Picture 117">
-            <a:extLst>
-              <a:ext uri="{FF2B5EF4-FFF2-40B4-BE49-F238E27FC236}">
-                <a16:creationId xmlns:a16="http://schemas.microsoft.com/office/drawing/2014/main" id="{4735696D-2B8B-BDDD-A206-F266411C15BE}"/>
+          <p:cNvPr id="121" name="Picture 120">
+            <a:extLst>
+              <a:ext uri="{FF2B5EF4-FFF2-40B4-BE49-F238E27FC236}">
+                <a16:creationId xmlns:a16="http://schemas.microsoft.com/office/drawing/2014/main" id="{E4F4ED8A-7914-E496-5C12-E48AFE00FE34}"/>
               </a:ext>
             </a:extLst>
           </p:cNvPr>
@@ -14450,32 +14452,27 @@
           <p:nvPr/>
         </p:nvPicPr>
         <p:blipFill>
-          <a:blip r:embed="rId8"/>
+          <a:blip r:embed="rId4"/>
           <a:stretch>
             <a:fillRect/>
           </a:stretch>
         </p:blipFill>
         <p:spPr>
           <a:xfrm>
-            <a:off x="10133094" y="4393723"/>
-            <a:ext cx="1550062" cy="1078304"/>
-          </a:xfrm>
-          <a:prstGeom prst="rect">
-            <a:avLst/>
-          </a:prstGeom>
-          <a:ln w="12700">
-            <a:solidFill>
-              <a:schemeClr val="tx1"/>
-            </a:solidFill>
-          </a:ln>
+            <a:off x="9521928" y="322974"/>
+            <a:ext cx="350593" cy="341367"/>
+          </a:xfrm>
+          <a:prstGeom prst="rect">
+            <a:avLst/>
+          </a:prstGeom>
         </p:spPr>
       </p:pic>
       <p:pic>
         <p:nvPicPr>
-          <p:cNvPr id="121" name="Picture 120">
-            <a:extLst>
-              <a:ext uri="{FF2B5EF4-FFF2-40B4-BE49-F238E27FC236}">
-                <a16:creationId xmlns:a16="http://schemas.microsoft.com/office/drawing/2014/main" id="{E4F4ED8A-7914-E496-5C12-E48AFE00FE34}"/>
+          <p:cNvPr id="122" name="Picture 121">
+            <a:extLst>
+              <a:ext uri="{FF2B5EF4-FFF2-40B4-BE49-F238E27FC236}">
+                <a16:creationId xmlns:a16="http://schemas.microsoft.com/office/drawing/2014/main" id="{C9C89D7F-CDBE-B0CE-6A7C-53ADF129C960}"/>
               </a:ext>
             </a:extLst>
           </p:cNvPr>
@@ -14485,43 +14482,13 @@
           <p:nvPr/>
         </p:nvPicPr>
         <p:blipFill>
-          <a:blip r:embed="rId2"/>
+          <a:blip r:embed="rId4"/>
           <a:stretch>
             <a:fillRect/>
           </a:stretch>
         </p:blipFill>
         <p:spPr>
           <a:xfrm>
-            <a:off x="9521928" y="322974"/>
-            <a:ext cx="350593" cy="341367"/>
-          </a:xfrm>
-          <a:prstGeom prst="rect">
-            <a:avLst/>
-          </a:prstGeom>
-        </p:spPr>
-      </p:pic>
-      <p:pic>
-        <p:nvPicPr>
-          <p:cNvPr id="122" name="Picture 121">
-            <a:extLst>
-              <a:ext uri="{FF2B5EF4-FFF2-40B4-BE49-F238E27FC236}">
-                <a16:creationId xmlns:a16="http://schemas.microsoft.com/office/drawing/2014/main" id="{C9C89D7F-CDBE-B0CE-6A7C-53ADF129C960}"/>
-              </a:ext>
-            </a:extLst>
-          </p:cNvPr>
-          <p:cNvPicPr>
-            <a:picLocks noChangeAspect="1"/>
-          </p:cNvPicPr>
-          <p:nvPr/>
-        </p:nvPicPr>
-        <p:blipFill>
-          <a:blip r:embed="rId2"/>
-          <a:stretch>
-            <a:fillRect/>
-          </a:stretch>
-        </p:blipFill>
-        <p:spPr>
-          <a:xfrm>
             <a:off x="10011649" y="4036914"/>
             <a:ext cx="327215" cy="318604"/>
           </a:xfrm>
@@ -14545,7 +14512,7 @@
           <p:nvPr/>
         </p:nvPicPr>
         <p:blipFill>
-          <a:blip r:embed="rId4">
+          <a:blip r:embed="rId5">
             <a:extLst>
               <a:ext uri="{28A0092B-C50C-407E-A947-70E740481C1C}">
                 <a14:useLocalDpi xmlns:a14="http://schemas.microsoft.com/office/drawing/2010/main" val="0"/>
@@ -15094,6 +15061,42 @@
           </a:p>
         </p:txBody>
       </p:sp>
+      <p:pic>
+        <p:nvPicPr>
+          <p:cNvPr id="2" name="Picture 1" descr="A screenshot of a computer&#10;&#10;Description automatically generated">
+            <a:extLst>
+              <a:ext uri="{FF2B5EF4-FFF2-40B4-BE49-F238E27FC236}">
+                <a16:creationId xmlns:a16="http://schemas.microsoft.com/office/drawing/2014/main" id="{3FD25AB5-01C4-FB88-EEAB-9ED4E85B69A8}"/>
+              </a:ext>
+            </a:extLst>
+          </p:cNvPr>
+          <p:cNvPicPr>
+            <a:picLocks noChangeAspect="1"/>
+          </p:cNvPicPr>
+          <p:nvPr/>
+        </p:nvPicPr>
+        <p:blipFill>
+          <a:blip r:embed="rId8">
+            <a:extLst>
+              <a:ext uri="{28A0092B-C50C-407E-A947-70E740481C1C}">
+                <a14:useLocalDpi xmlns:a14="http://schemas.microsoft.com/office/drawing/2010/main" val="0"/>
+              </a:ext>
+            </a:extLst>
+          </a:blip>
+          <a:stretch>
+            <a:fillRect/>
+          </a:stretch>
+        </p:blipFill>
+        <p:spPr>
+          <a:xfrm>
+            <a:off x="9686227" y="4400210"/>
+            <a:ext cx="2108653" cy="1143224"/>
+          </a:xfrm>
+          <a:prstGeom prst="rect">
+            <a:avLst/>
+          </a:prstGeom>
+        </p:spPr>
+      </p:pic>
     </p:spTree>
     <p:extLst>
       <p:ext uri="{BB962C8B-B14F-4D97-AF65-F5344CB8AC3E}">
@@ -15126,6 +15129,124 @@
       </p:grpSpPr>
       <p:sp>
         <p:nvSpPr>
+          <p:cNvPr id="77" name="Rectangle 76">
+            <a:extLst>
+              <a:ext uri="{FF2B5EF4-FFF2-40B4-BE49-F238E27FC236}">
+                <a16:creationId xmlns:a16="http://schemas.microsoft.com/office/drawing/2014/main" id="{3D4EBB44-9B88-AB21-55D4-B9D1A8451A92}"/>
+              </a:ext>
+            </a:extLst>
+          </p:cNvPr>
+          <p:cNvSpPr/>
+          <p:nvPr/>
+        </p:nvSpPr>
+        <p:spPr>
+          <a:xfrm>
+            <a:off x="6637205" y="602451"/>
+            <a:ext cx="4872807" cy="2513875"/>
+          </a:xfrm>
+          <a:prstGeom prst="rect">
+            <a:avLst/>
+          </a:prstGeom>
+        </p:spPr>
+        <p:style>
+          <a:lnRef idx="2">
+            <a:schemeClr val="accent1">
+              <a:shade val="15000"/>
+            </a:schemeClr>
+          </a:lnRef>
+          <a:fillRef idx="1">
+            <a:schemeClr val="accent1"/>
+          </a:fillRef>
+          <a:effectRef idx="0">
+            <a:schemeClr val="accent1"/>
+          </a:effectRef>
+          <a:fontRef idx="minor">
+            <a:schemeClr val="lt1"/>
+          </a:fontRef>
+        </p:style>
+        <p:txBody>
+          <a:bodyPr rtlCol="0" anchor="ctr"/>
+          <a:lstStyle/>
+          <a:p>
+            <a:pPr algn="ctr"/>
+            <a:endParaRPr lang="en-SG"/>
+          </a:p>
+        </p:txBody>
+      </p:sp>
+      <p:pic>
+        <p:nvPicPr>
+          <p:cNvPr id="8" name="Picture 7" descr="A screenshot of a computer&#10;&#10;Description automatically generated">
+            <a:extLst>
+              <a:ext uri="{FF2B5EF4-FFF2-40B4-BE49-F238E27FC236}">
+                <a16:creationId xmlns:a16="http://schemas.microsoft.com/office/drawing/2014/main" id="{D32D1E9E-C2B8-AC78-CAA2-3FCBF10EC88F}"/>
+              </a:ext>
+            </a:extLst>
+          </p:cNvPr>
+          <p:cNvPicPr>
+            <a:picLocks noChangeAspect="1"/>
+          </p:cNvPicPr>
+          <p:nvPr/>
+        </p:nvPicPr>
+        <p:blipFill>
+          <a:blip r:embed="rId3">
+            <a:extLst>
+              <a:ext uri="{28A0092B-C50C-407E-A947-70E740481C1C}">
+                <a14:useLocalDpi xmlns:a14="http://schemas.microsoft.com/office/drawing/2010/main" val="0"/>
+              </a:ext>
+            </a:extLst>
+          </a:blip>
+          <a:stretch>
+            <a:fillRect/>
+          </a:stretch>
+        </p:blipFill>
+        <p:spPr>
+          <a:xfrm>
+            <a:off x="6386226" y="735714"/>
+            <a:ext cx="4599192" cy="2634364"/>
+          </a:xfrm>
+          <a:prstGeom prst="rect">
+            <a:avLst/>
+          </a:prstGeom>
+        </p:spPr>
+      </p:pic>
+      <p:pic>
+        <p:nvPicPr>
+          <p:cNvPr id="2" name="Picture 1" descr="A computer screen shot of a computer scheme&#10;&#10;Description automatically generated">
+            <a:extLst>
+              <a:ext uri="{FF2B5EF4-FFF2-40B4-BE49-F238E27FC236}">
+                <a16:creationId xmlns:a16="http://schemas.microsoft.com/office/drawing/2014/main" id="{B192FA1B-C2D0-0894-808E-D9A3251B9234}"/>
+              </a:ext>
+            </a:extLst>
+          </p:cNvPr>
+          <p:cNvPicPr>
+            <a:picLocks noChangeAspect="1"/>
+          </p:cNvPicPr>
+          <p:nvPr/>
+        </p:nvPicPr>
+        <p:blipFill>
+          <a:blip r:embed="rId4">
+            <a:extLst>
+              <a:ext uri="{28A0092B-C50C-407E-A947-70E740481C1C}">
+                <a14:useLocalDpi xmlns:a14="http://schemas.microsoft.com/office/drawing/2010/main" val="0"/>
+              </a:ext>
+            </a:extLst>
+          </a:blip>
+          <a:stretch>
+            <a:fillRect/>
+          </a:stretch>
+        </p:blipFill>
+        <p:spPr>
+          <a:xfrm>
+            <a:off x="324088" y="583139"/>
+            <a:ext cx="5325165" cy="3050192"/>
+          </a:xfrm>
+          <a:prstGeom prst="rect">
+            <a:avLst/>
+          </a:prstGeom>
+        </p:spPr>
+      </p:pic>
+      <p:sp>
+        <p:nvSpPr>
           <p:cNvPr id="56" name="Rectangle 55">
             <a:extLst>
               <a:ext uri="{FF2B5EF4-FFF2-40B4-BE49-F238E27FC236}">
@@ -15216,47 +15337,6 @@
           </a:p>
         </p:txBody>
       </p:sp>
-      <p:pic>
-        <p:nvPicPr>
-          <p:cNvPr id="5" name="Picture 4" descr="A picture containing text, screenshot, display, diagram&#10;&#10;Description automatically generated">
-            <a:extLst>
-              <a:ext uri="{FF2B5EF4-FFF2-40B4-BE49-F238E27FC236}">
-                <a16:creationId xmlns:a16="http://schemas.microsoft.com/office/drawing/2014/main" id="{3222D6FD-9EB3-6B14-46AE-7A2BCE74AA32}"/>
-              </a:ext>
-            </a:extLst>
-          </p:cNvPr>
-          <p:cNvPicPr>
-            <a:picLocks noChangeAspect="1"/>
-          </p:cNvPicPr>
-          <p:nvPr/>
-        </p:nvPicPr>
-        <p:blipFill>
-          <a:blip r:embed="rId3">
-            <a:extLst>
-              <a:ext uri="{28A0092B-C50C-407E-A947-70E740481C1C}">
-                <a14:useLocalDpi xmlns:a14="http://schemas.microsoft.com/office/drawing/2010/main" val="0"/>
-              </a:ext>
-            </a:extLst>
-          </a:blip>
-          <a:stretch>
-            <a:fillRect/>
-          </a:stretch>
-        </p:blipFill>
-        <p:spPr>
-          <a:xfrm>
-            <a:off x="326904" y="619859"/>
-            <a:ext cx="5360064" cy="2980148"/>
-          </a:xfrm>
-          <a:prstGeom prst="rect">
-            <a:avLst/>
-          </a:prstGeom>
-          <a:ln w="9525">
-            <a:solidFill>
-              <a:schemeClr val="tx1"/>
-            </a:solidFill>
-          </a:ln>
-        </p:spPr>
-      </p:pic>
       <p:sp>
         <p:nvSpPr>
           <p:cNvPr id="6" name="TextBox 5">
@@ -15357,7 +15437,7 @@
           <p:nvPr/>
         </p:nvPicPr>
         <p:blipFill>
-          <a:blip r:embed="rId4"/>
+          <a:blip r:embed="rId5"/>
           <a:stretch>
             <a:fillRect/>
           </a:stretch>
@@ -15871,484 +15951,6 @@
             <a:extLst>
               <a:ext uri="{FF2B5EF4-FFF2-40B4-BE49-F238E27FC236}">
                 <a16:creationId xmlns:a16="http://schemas.microsoft.com/office/drawing/2014/main" id="{79FD07E4-4E32-82C1-D89C-923ABB0FB0C7}"/>
-              </a:ext>
-            </a:extLst>
-          </p:cNvPr>
-          <p:cNvPicPr>
-            <a:picLocks noChangeAspect="1"/>
-          </p:cNvPicPr>
-          <p:nvPr/>
-        </p:nvPicPr>
-        <p:blipFill>
-          <a:blip r:embed="rId4"/>
-          <a:stretch>
-            <a:fillRect/>
-          </a:stretch>
-        </p:blipFill>
-        <p:spPr>
-          <a:xfrm>
-            <a:off x="2278797" y="4706908"/>
-            <a:ext cx="2527544" cy="1198685"/>
-          </a:xfrm>
-          <a:prstGeom prst="rect">
-            <a:avLst/>
-          </a:prstGeom>
-        </p:spPr>
-      </p:pic>
-      <p:sp>
-        <p:nvSpPr>
-          <p:cNvPr id="32" name="TextBox 31">
-            <a:extLst>
-              <a:ext uri="{FF2B5EF4-FFF2-40B4-BE49-F238E27FC236}">
-                <a16:creationId xmlns:a16="http://schemas.microsoft.com/office/drawing/2014/main" id="{362ECBEF-9804-2CE8-E55A-AB299EC94262}"/>
-              </a:ext>
-            </a:extLst>
-          </p:cNvPr>
-          <p:cNvSpPr txBox="1"/>
-          <p:nvPr/>
-        </p:nvSpPr>
-        <p:spPr>
-          <a:xfrm>
-            <a:off x="3909767" y="4753231"/>
-            <a:ext cx="1191495" cy="430887"/>
-          </a:xfrm>
-          <a:prstGeom prst="rect">
-            <a:avLst/>
-          </a:prstGeom>
-          <a:noFill/>
-        </p:spPr>
-        <p:txBody>
-          <a:bodyPr wrap="square" rtlCol="0">
-            <a:spAutoFit/>
-          </a:bodyPr>
-          <a:lstStyle/>
-          <a:p>
-            <a:r>
-              <a:rPr lang="en-US" sz="1100" b="1" dirty="0"/>
-              <a:t>[Master, Slot-0]</a:t>
-            </a:r>
-          </a:p>
-          <a:p>
-            <a:r>
-              <a:rPr lang="en-US" sz="1100" b="1" dirty="0"/>
-              <a:t>I/O: 8/8</a:t>
-            </a:r>
-            <a:endParaRPr lang="en-SG" sz="1100" b="1" dirty="0"/>
-          </a:p>
-        </p:txBody>
-      </p:sp>
-      <p:sp>
-        <p:nvSpPr>
-          <p:cNvPr id="33" name="TextBox 32">
-            <a:extLst>
-              <a:ext uri="{FF2B5EF4-FFF2-40B4-BE49-F238E27FC236}">
-                <a16:creationId xmlns:a16="http://schemas.microsoft.com/office/drawing/2014/main" id="{79B34D95-B1E5-7344-46A2-7A0CDB3ED049}"/>
-              </a:ext>
-            </a:extLst>
-          </p:cNvPr>
-          <p:cNvSpPr txBox="1"/>
-          <p:nvPr/>
-        </p:nvSpPr>
-        <p:spPr>
-          <a:xfrm>
-            <a:off x="2152423" y="5836454"/>
-            <a:ext cx="1534524" cy="261610"/>
-          </a:xfrm>
-          <a:prstGeom prst="rect">
-            <a:avLst/>
-          </a:prstGeom>
-          <a:noFill/>
-        </p:spPr>
-        <p:txBody>
-          <a:bodyPr wrap="square" rtlCol="0">
-            <a:spAutoFit/>
-          </a:bodyPr>
-          <a:lstStyle/>
-          <a:p>
-            <a:r>
-              <a:rPr lang="en-US" sz="1100" b="1" dirty="0"/>
-              <a:t>[Slave, Slot-1] </a:t>
-            </a:r>
-            <a:r>
-              <a:rPr lang="en-SG" sz="1100" b="1" dirty="0"/>
-              <a:t>I/O: 8/8</a:t>
-            </a:r>
-          </a:p>
-        </p:txBody>
-      </p:sp>
-      <p:sp>
-        <p:nvSpPr>
-          <p:cNvPr id="34" name="TextBox 33">
-            <a:extLst>
-              <a:ext uri="{FF2B5EF4-FFF2-40B4-BE49-F238E27FC236}">
-                <a16:creationId xmlns:a16="http://schemas.microsoft.com/office/drawing/2014/main" id="{4ADC2BBC-455C-3FF5-99E0-FAE84B8F4394}"/>
-              </a:ext>
-            </a:extLst>
-          </p:cNvPr>
-          <p:cNvSpPr txBox="1"/>
-          <p:nvPr/>
-        </p:nvSpPr>
-        <p:spPr>
-          <a:xfrm>
-            <a:off x="3686946" y="5836454"/>
-            <a:ext cx="1508863" cy="261610"/>
-          </a:xfrm>
-          <a:prstGeom prst="rect">
-            <a:avLst/>
-          </a:prstGeom>
-          <a:noFill/>
-        </p:spPr>
-        <p:txBody>
-          <a:bodyPr wrap="square" rtlCol="0">
-            <a:spAutoFit/>
-          </a:bodyPr>
-          <a:lstStyle/>
-          <a:p>
-            <a:r>
-              <a:rPr lang="en-US" sz="1100" b="1" dirty="0"/>
-              <a:t>[Slave, Slot-2] I/O: 6/</a:t>
-            </a:r>
-            <a:r>
-              <a:rPr lang="en-SG" sz="1100" b="1" dirty="0"/>
-              <a:t>6</a:t>
-            </a:r>
-            <a:endParaRPr lang="en-US" sz="1100" b="1" dirty="0"/>
-          </a:p>
-        </p:txBody>
-      </p:sp>
-      <p:sp>
-        <p:nvSpPr>
-          <p:cNvPr id="35" name="TextBox 34">
-            <a:extLst>
-              <a:ext uri="{FF2B5EF4-FFF2-40B4-BE49-F238E27FC236}">
-                <a16:creationId xmlns:a16="http://schemas.microsoft.com/office/drawing/2014/main" id="{F5E1CA3D-7F7F-7D20-7A4F-D2A4C7F4ED94}"/>
-              </a:ext>
-            </a:extLst>
-          </p:cNvPr>
-          <p:cNvSpPr txBox="1"/>
-          <p:nvPr/>
-        </p:nvSpPr>
-        <p:spPr>
-          <a:xfrm>
-            <a:off x="2896068" y="4877163"/>
-            <a:ext cx="636759" cy="276999"/>
-          </a:xfrm>
-          <a:prstGeom prst="rect">
-            <a:avLst/>
-          </a:prstGeom>
-          <a:noFill/>
-        </p:spPr>
-        <p:txBody>
-          <a:bodyPr wrap="square" rtlCol="0">
-            <a:spAutoFit/>
-          </a:bodyPr>
-          <a:lstStyle/>
-          <a:p>
-            <a:r>
-              <a:rPr lang="en-US" sz="1200" b="1" dirty="0">
-                <a:solidFill>
-                  <a:srgbClr val="FF0000"/>
-                </a:solidFill>
-              </a:rPr>
-              <a:t>PLC-03</a:t>
-            </a:r>
-          </a:p>
-        </p:txBody>
-      </p:sp>
-      <p:sp>
-        <p:nvSpPr>
-          <p:cNvPr id="36" name="TextBox 35">
-            <a:extLst>
-              <a:ext uri="{FF2B5EF4-FFF2-40B4-BE49-F238E27FC236}">
-                <a16:creationId xmlns:a16="http://schemas.microsoft.com/office/drawing/2014/main" id="{0648CB60-097D-3C8D-6000-86EED0E78D4B}"/>
-              </a:ext>
-            </a:extLst>
-          </p:cNvPr>
-          <p:cNvSpPr txBox="1"/>
-          <p:nvPr/>
-        </p:nvSpPr>
-        <p:spPr>
-          <a:xfrm>
-            <a:off x="2070248" y="5506298"/>
-            <a:ext cx="636759" cy="276999"/>
-          </a:xfrm>
-          <a:prstGeom prst="rect">
-            <a:avLst/>
-          </a:prstGeom>
-          <a:noFill/>
-        </p:spPr>
-        <p:txBody>
-          <a:bodyPr wrap="square" rtlCol="0">
-            <a:spAutoFit/>
-          </a:bodyPr>
-          <a:lstStyle/>
-          <a:p>
-            <a:r>
-              <a:rPr lang="en-US" sz="1200" b="1" dirty="0">
-                <a:solidFill>
-                  <a:srgbClr val="FF0000"/>
-                </a:solidFill>
-              </a:rPr>
-              <a:t>PLC-04</a:t>
-            </a:r>
-          </a:p>
-        </p:txBody>
-      </p:sp>
-      <p:sp>
-        <p:nvSpPr>
-          <p:cNvPr id="37" name="TextBox 36">
-            <a:extLst>
-              <a:ext uri="{FF2B5EF4-FFF2-40B4-BE49-F238E27FC236}">
-                <a16:creationId xmlns:a16="http://schemas.microsoft.com/office/drawing/2014/main" id="{A1572DB7-3D29-50CD-4AA5-A7F5ADDF8096}"/>
-              </a:ext>
-            </a:extLst>
-          </p:cNvPr>
-          <p:cNvSpPr txBox="1"/>
-          <p:nvPr/>
-        </p:nvSpPr>
-        <p:spPr>
-          <a:xfrm>
-            <a:off x="3591387" y="5501419"/>
-            <a:ext cx="636759" cy="276999"/>
-          </a:xfrm>
-          <a:prstGeom prst="rect">
-            <a:avLst/>
-          </a:prstGeom>
-          <a:noFill/>
-        </p:spPr>
-        <p:txBody>
-          <a:bodyPr wrap="square" rtlCol="0">
-            <a:spAutoFit/>
-          </a:bodyPr>
-          <a:lstStyle/>
-          <a:p>
-            <a:r>
-              <a:rPr lang="en-US" sz="1200" b="1" dirty="0">
-                <a:solidFill>
-                  <a:srgbClr val="FF0000"/>
-                </a:solidFill>
-              </a:rPr>
-              <a:t>PLC-05</a:t>
-            </a:r>
-          </a:p>
-        </p:txBody>
-      </p:sp>
-      <p:sp>
-        <p:nvSpPr>
-          <p:cNvPr id="38" name="TextBox 37">
-            <a:extLst>
-              <a:ext uri="{FF2B5EF4-FFF2-40B4-BE49-F238E27FC236}">
-                <a16:creationId xmlns:a16="http://schemas.microsoft.com/office/drawing/2014/main" id="{E4A5590B-747A-B28E-D235-F6E700AB6BA1}"/>
-              </a:ext>
-            </a:extLst>
-          </p:cNvPr>
-          <p:cNvSpPr txBox="1"/>
-          <p:nvPr/>
-        </p:nvSpPr>
-        <p:spPr>
-          <a:xfrm>
-            <a:off x="2080027" y="4610450"/>
-            <a:ext cx="1241289" cy="600164"/>
-          </a:xfrm>
-          <a:prstGeom prst="rect">
-            <a:avLst/>
-          </a:prstGeom>
-          <a:noFill/>
-        </p:spPr>
-        <p:txBody>
-          <a:bodyPr wrap="square" rtlCol="0">
-            <a:spAutoFit/>
-          </a:bodyPr>
-          <a:lstStyle/>
-          <a:p>
-            <a:r>
-              <a:rPr lang="en-US" sz="1100" b="1" dirty="0">
-                <a:solidFill>
-                  <a:srgbClr val="002060"/>
-                </a:solidFill>
-              </a:rPr>
-              <a:t>Station Signal control PLC network</a:t>
-            </a:r>
-            <a:endParaRPr lang="en-SG" sz="1100" b="1" dirty="0">
-              <a:solidFill>
-                <a:srgbClr val="002060"/>
-              </a:solidFill>
-            </a:endParaRPr>
-          </a:p>
-        </p:txBody>
-      </p:sp>
-      <p:cxnSp>
-        <p:nvCxnSpPr>
-          <p:cNvPr id="40" name="Straight Arrow Connector 39">
-            <a:extLst>
-              <a:ext uri="{FF2B5EF4-FFF2-40B4-BE49-F238E27FC236}">
-                <a16:creationId xmlns:a16="http://schemas.microsoft.com/office/drawing/2014/main" id="{4A6A1618-41D6-8E10-AB2F-B316565E351C}"/>
-              </a:ext>
-            </a:extLst>
-          </p:cNvPr>
-          <p:cNvCxnSpPr>
-            <a:cxnSpLocks/>
-          </p:cNvCxnSpPr>
-          <p:nvPr/>
-        </p:nvCxnSpPr>
-        <p:spPr>
-          <a:xfrm flipV="1">
-            <a:off x="3789228" y="4036444"/>
-            <a:ext cx="0" cy="531177"/>
-          </a:xfrm>
-          <a:prstGeom prst="straightConnector1">
-            <a:avLst/>
-          </a:prstGeom>
-          <a:ln>
-            <a:tailEnd type="triangle"/>
-          </a:ln>
-        </p:spPr>
-        <p:style>
-          <a:lnRef idx="1">
-            <a:schemeClr val="accent1"/>
-          </a:lnRef>
-          <a:fillRef idx="0">
-            <a:schemeClr val="accent1"/>
-          </a:fillRef>
-          <a:effectRef idx="0">
-            <a:schemeClr val="accent1"/>
-          </a:effectRef>
-          <a:fontRef idx="minor">
-            <a:schemeClr val="tx1"/>
-          </a:fontRef>
-        </p:style>
-      </p:cxnSp>
-      <p:sp>
-        <p:nvSpPr>
-          <p:cNvPr id="41" name="TextBox 40">
-            <a:extLst>
-              <a:ext uri="{FF2B5EF4-FFF2-40B4-BE49-F238E27FC236}">
-                <a16:creationId xmlns:a16="http://schemas.microsoft.com/office/drawing/2014/main" id="{6978EA6D-D35A-8B8C-FB8E-F828D458A504}"/>
-              </a:ext>
-            </a:extLst>
-          </p:cNvPr>
-          <p:cNvSpPr txBox="1"/>
-          <p:nvPr/>
-        </p:nvSpPr>
-        <p:spPr>
-          <a:xfrm>
-            <a:off x="3801392" y="4212998"/>
-            <a:ext cx="818082" cy="369332"/>
-          </a:xfrm>
-          <a:prstGeom prst="rect">
-            <a:avLst/>
-          </a:prstGeom>
-          <a:noFill/>
-        </p:spPr>
-        <p:txBody>
-          <a:bodyPr wrap="square" rtlCol="0">
-            <a:spAutoFit/>
-          </a:bodyPr>
-          <a:lstStyle/>
-          <a:p>
-            <a:r>
-              <a:rPr lang="en-US" sz="900" dirty="0"/>
-              <a:t>22 station</a:t>
-            </a:r>
-          </a:p>
-          <a:p>
-            <a:r>
-              <a:rPr lang="en-US" sz="900" dirty="0"/>
-              <a:t>Signal output  </a:t>
-            </a:r>
-            <a:endParaRPr lang="en-SG" sz="900" dirty="0"/>
-          </a:p>
-        </p:txBody>
-      </p:sp>
-      <p:cxnSp>
-        <p:nvCxnSpPr>
-          <p:cNvPr id="42" name="Straight Arrow Connector 41">
-            <a:extLst>
-              <a:ext uri="{FF2B5EF4-FFF2-40B4-BE49-F238E27FC236}">
-                <a16:creationId xmlns:a16="http://schemas.microsoft.com/office/drawing/2014/main" id="{4143464B-74C2-B3E3-EF3D-C3BDA059A9D4}"/>
-              </a:ext>
-            </a:extLst>
-          </p:cNvPr>
-          <p:cNvCxnSpPr>
-            <a:cxnSpLocks/>
-          </p:cNvCxnSpPr>
-          <p:nvPr/>
-        </p:nvCxnSpPr>
-        <p:spPr>
-          <a:xfrm>
-            <a:off x="3609962" y="4047085"/>
-            <a:ext cx="0" cy="535245"/>
-          </a:xfrm>
-          <a:prstGeom prst="straightConnector1">
-            <a:avLst/>
-          </a:prstGeom>
-          <a:ln>
-            <a:tailEnd type="triangle"/>
-          </a:ln>
-        </p:spPr>
-        <p:style>
-          <a:lnRef idx="1">
-            <a:schemeClr val="accent1"/>
-          </a:lnRef>
-          <a:fillRef idx="0">
-            <a:schemeClr val="accent1"/>
-          </a:fillRef>
-          <a:effectRef idx="0">
-            <a:schemeClr val="accent1"/>
-          </a:effectRef>
-          <a:fontRef idx="minor">
-            <a:schemeClr val="tx1"/>
-          </a:fontRef>
-        </p:style>
-      </p:cxnSp>
-      <p:sp>
-        <p:nvSpPr>
-          <p:cNvPr id="45" name="TextBox 44">
-            <a:extLst>
-              <a:ext uri="{FF2B5EF4-FFF2-40B4-BE49-F238E27FC236}">
-                <a16:creationId xmlns:a16="http://schemas.microsoft.com/office/drawing/2014/main" id="{3A8D3AEB-B6C6-BF23-EB8E-04D2EF729A72}"/>
-              </a:ext>
-            </a:extLst>
-          </p:cNvPr>
-          <p:cNvSpPr txBox="1"/>
-          <p:nvPr/>
-        </p:nvSpPr>
-        <p:spPr>
-          <a:xfrm>
-            <a:off x="2791736" y="4146888"/>
-            <a:ext cx="818082" cy="369332"/>
-          </a:xfrm>
-          <a:prstGeom prst="rect">
-            <a:avLst/>
-          </a:prstGeom>
-          <a:noFill/>
-        </p:spPr>
-        <p:txBody>
-          <a:bodyPr wrap="square" rtlCol="0">
-            <a:spAutoFit/>
-          </a:bodyPr>
-          <a:lstStyle/>
-          <a:p>
-            <a:r>
-              <a:rPr lang="en-US" sz="900" dirty="0"/>
-              <a:t>22 station</a:t>
-            </a:r>
-          </a:p>
-          <a:p>
-            <a:r>
-              <a:rPr lang="en-US" sz="900" dirty="0"/>
-              <a:t>Sensors input</a:t>
-            </a:r>
-            <a:endParaRPr lang="en-SG" sz="900" dirty="0"/>
-          </a:p>
-        </p:txBody>
-      </p:sp>
-      <p:pic>
-        <p:nvPicPr>
-          <p:cNvPr id="54" name="Picture 53">
-            <a:extLst>
-              <a:ext uri="{FF2B5EF4-FFF2-40B4-BE49-F238E27FC236}">
-                <a16:creationId xmlns:a16="http://schemas.microsoft.com/office/drawing/2014/main" id="{9509054D-B742-6926-1598-400CD7319724}"/>
               </a:ext>
             </a:extLst>
           </p:cNvPr>
@@ -16365,6 +15967,484 @@
         </p:blipFill>
         <p:spPr>
           <a:xfrm>
+            <a:off x="2278797" y="4706908"/>
+            <a:ext cx="2527544" cy="1198685"/>
+          </a:xfrm>
+          <a:prstGeom prst="rect">
+            <a:avLst/>
+          </a:prstGeom>
+        </p:spPr>
+      </p:pic>
+      <p:sp>
+        <p:nvSpPr>
+          <p:cNvPr id="32" name="TextBox 31">
+            <a:extLst>
+              <a:ext uri="{FF2B5EF4-FFF2-40B4-BE49-F238E27FC236}">
+                <a16:creationId xmlns:a16="http://schemas.microsoft.com/office/drawing/2014/main" id="{362ECBEF-9804-2CE8-E55A-AB299EC94262}"/>
+              </a:ext>
+            </a:extLst>
+          </p:cNvPr>
+          <p:cNvSpPr txBox="1"/>
+          <p:nvPr/>
+        </p:nvSpPr>
+        <p:spPr>
+          <a:xfrm>
+            <a:off x="3909767" y="4753231"/>
+            <a:ext cx="1191495" cy="430887"/>
+          </a:xfrm>
+          <a:prstGeom prst="rect">
+            <a:avLst/>
+          </a:prstGeom>
+          <a:noFill/>
+        </p:spPr>
+        <p:txBody>
+          <a:bodyPr wrap="square" rtlCol="0">
+            <a:spAutoFit/>
+          </a:bodyPr>
+          <a:lstStyle/>
+          <a:p>
+            <a:r>
+              <a:rPr lang="en-US" sz="1100" b="1" dirty="0"/>
+              <a:t>[Master, Slot-0]</a:t>
+            </a:r>
+          </a:p>
+          <a:p>
+            <a:r>
+              <a:rPr lang="en-US" sz="1100" b="1" dirty="0"/>
+              <a:t>I/O: 8/8</a:t>
+            </a:r>
+            <a:endParaRPr lang="en-SG" sz="1100" b="1" dirty="0"/>
+          </a:p>
+        </p:txBody>
+      </p:sp>
+      <p:sp>
+        <p:nvSpPr>
+          <p:cNvPr id="33" name="TextBox 32">
+            <a:extLst>
+              <a:ext uri="{FF2B5EF4-FFF2-40B4-BE49-F238E27FC236}">
+                <a16:creationId xmlns:a16="http://schemas.microsoft.com/office/drawing/2014/main" id="{79B34D95-B1E5-7344-46A2-7A0CDB3ED049}"/>
+              </a:ext>
+            </a:extLst>
+          </p:cNvPr>
+          <p:cNvSpPr txBox="1"/>
+          <p:nvPr/>
+        </p:nvSpPr>
+        <p:spPr>
+          <a:xfrm>
+            <a:off x="2152423" y="5836454"/>
+            <a:ext cx="1534524" cy="261610"/>
+          </a:xfrm>
+          <a:prstGeom prst="rect">
+            <a:avLst/>
+          </a:prstGeom>
+          <a:noFill/>
+        </p:spPr>
+        <p:txBody>
+          <a:bodyPr wrap="square" rtlCol="0">
+            <a:spAutoFit/>
+          </a:bodyPr>
+          <a:lstStyle/>
+          <a:p>
+            <a:r>
+              <a:rPr lang="en-US" sz="1100" b="1" dirty="0"/>
+              <a:t>[Slave, Slot-1] </a:t>
+            </a:r>
+            <a:r>
+              <a:rPr lang="en-SG" sz="1100" b="1" dirty="0"/>
+              <a:t>I/O: 8/8</a:t>
+            </a:r>
+          </a:p>
+        </p:txBody>
+      </p:sp>
+      <p:sp>
+        <p:nvSpPr>
+          <p:cNvPr id="34" name="TextBox 33">
+            <a:extLst>
+              <a:ext uri="{FF2B5EF4-FFF2-40B4-BE49-F238E27FC236}">
+                <a16:creationId xmlns:a16="http://schemas.microsoft.com/office/drawing/2014/main" id="{4ADC2BBC-455C-3FF5-99E0-FAE84B8F4394}"/>
+              </a:ext>
+            </a:extLst>
+          </p:cNvPr>
+          <p:cNvSpPr txBox="1"/>
+          <p:nvPr/>
+        </p:nvSpPr>
+        <p:spPr>
+          <a:xfrm>
+            <a:off x="3686946" y="5836454"/>
+            <a:ext cx="1508863" cy="261610"/>
+          </a:xfrm>
+          <a:prstGeom prst="rect">
+            <a:avLst/>
+          </a:prstGeom>
+          <a:noFill/>
+        </p:spPr>
+        <p:txBody>
+          <a:bodyPr wrap="square" rtlCol="0">
+            <a:spAutoFit/>
+          </a:bodyPr>
+          <a:lstStyle/>
+          <a:p>
+            <a:r>
+              <a:rPr lang="en-US" sz="1100" b="1" dirty="0"/>
+              <a:t>[Slave, Slot-2] I/O: 6/</a:t>
+            </a:r>
+            <a:r>
+              <a:rPr lang="en-SG" sz="1100" b="1" dirty="0"/>
+              <a:t>6</a:t>
+            </a:r>
+            <a:endParaRPr lang="en-US" sz="1100" b="1" dirty="0"/>
+          </a:p>
+        </p:txBody>
+      </p:sp>
+      <p:sp>
+        <p:nvSpPr>
+          <p:cNvPr id="35" name="TextBox 34">
+            <a:extLst>
+              <a:ext uri="{FF2B5EF4-FFF2-40B4-BE49-F238E27FC236}">
+                <a16:creationId xmlns:a16="http://schemas.microsoft.com/office/drawing/2014/main" id="{F5E1CA3D-7F7F-7D20-7A4F-D2A4C7F4ED94}"/>
+              </a:ext>
+            </a:extLst>
+          </p:cNvPr>
+          <p:cNvSpPr txBox="1"/>
+          <p:nvPr/>
+        </p:nvSpPr>
+        <p:spPr>
+          <a:xfrm>
+            <a:off x="2896068" y="4877163"/>
+            <a:ext cx="636759" cy="276999"/>
+          </a:xfrm>
+          <a:prstGeom prst="rect">
+            <a:avLst/>
+          </a:prstGeom>
+          <a:noFill/>
+        </p:spPr>
+        <p:txBody>
+          <a:bodyPr wrap="square" rtlCol="0">
+            <a:spAutoFit/>
+          </a:bodyPr>
+          <a:lstStyle/>
+          <a:p>
+            <a:r>
+              <a:rPr lang="en-US" sz="1200" b="1" dirty="0">
+                <a:solidFill>
+                  <a:srgbClr val="FF0000"/>
+                </a:solidFill>
+              </a:rPr>
+              <a:t>PLC-03</a:t>
+            </a:r>
+          </a:p>
+        </p:txBody>
+      </p:sp>
+      <p:sp>
+        <p:nvSpPr>
+          <p:cNvPr id="36" name="TextBox 35">
+            <a:extLst>
+              <a:ext uri="{FF2B5EF4-FFF2-40B4-BE49-F238E27FC236}">
+                <a16:creationId xmlns:a16="http://schemas.microsoft.com/office/drawing/2014/main" id="{0648CB60-097D-3C8D-6000-86EED0E78D4B}"/>
+              </a:ext>
+            </a:extLst>
+          </p:cNvPr>
+          <p:cNvSpPr txBox="1"/>
+          <p:nvPr/>
+        </p:nvSpPr>
+        <p:spPr>
+          <a:xfrm>
+            <a:off x="2070248" y="5506298"/>
+            <a:ext cx="636759" cy="276999"/>
+          </a:xfrm>
+          <a:prstGeom prst="rect">
+            <a:avLst/>
+          </a:prstGeom>
+          <a:noFill/>
+        </p:spPr>
+        <p:txBody>
+          <a:bodyPr wrap="square" rtlCol="0">
+            <a:spAutoFit/>
+          </a:bodyPr>
+          <a:lstStyle/>
+          <a:p>
+            <a:r>
+              <a:rPr lang="en-US" sz="1200" b="1" dirty="0">
+                <a:solidFill>
+                  <a:srgbClr val="FF0000"/>
+                </a:solidFill>
+              </a:rPr>
+              <a:t>PLC-04</a:t>
+            </a:r>
+          </a:p>
+        </p:txBody>
+      </p:sp>
+      <p:sp>
+        <p:nvSpPr>
+          <p:cNvPr id="37" name="TextBox 36">
+            <a:extLst>
+              <a:ext uri="{FF2B5EF4-FFF2-40B4-BE49-F238E27FC236}">
+                <a16:creationId xmlns:a16="http://schemas.microsoft.com/office/drawing/2014/main" id="{A1572DB7-3D29-50CD-4AA5-A7F5ADDF8096}"/>
+              </a:ext>
+            </a:extLst>
+          </p:cNvPr>
+          <p:cNvSpPr txBox="1"/>
+          <p:nvPr/>
+        </p:nvSpPr>
+        <p:spPr>
+          <a:xfrm>
+            <a:off x="3591387" y="5501419"/>
+            <a:ext cx="636759" cy="276999"/>
+          </a:xfrm>
+          <a:prstGeom prst="rect">
+            <a:avLst/>
+          </a:prstGeom>
+          <a:noFill/>
+        </p:spPr>
+        <p:txBody>
+          <a:bodyPr wrap="square" rtlCol="0">
+            <a:spAutoFit/>
+          </a:bodyPr>
+          <a:lstStyle/>
+          <a:p>
+            <a:r>
+              <a:rPr lang="en-US" sz="1200" b="1" dirty="0">
+                <a:solidFill>
+                  <a:srgbClr val="FF0000"/>
+                </a:solidFill>
+              </a:rPr>
+              <a:t>PLC-05</a:t>
+            </a:r>
+          </a:p>
+        </p:txBody>
+      </p:sp>
+      <p:sp>
+        <p:nvSpPr>
+          <p:cNvPr id="38" name="TextBox 37">
+            <a:extLst>
+              <a:ext uri="{FF2B5EF4-FFF2-40B4-BE49-F238E27FC236}">
+                <a16:creationId xmlns:a16="http://schemas.microsoft.com/office/drawing/2014/main" id="{E4A5590B-747A-B28E-D235-F6E700AB6BA1}"/>
+              </a:ext>
+            </a:extLst>
+          </p:cNvPr>
+          <p:cNvSpPr txBox="1"/>
+          <p:nvPr/>
+        </p:nvSpPr>
+        <p:spPr>
+          <a:xfrm>
+            <a:off x="2080027" y="4610450"/>
+            <a:ext cx="1241289" cy="600164"/>
+          </a:xfrm>
+          <a:prstGeom prst="rect">
+            <a:avLst/>
+          </a:prstGeom>
+          <a:noFill/>
+        </p:spPr>
+        <p:txBody>
+          <a:bodyPr wrap="square" rtlCol="0">
+            <a:spAutoFit/>
+          </a:bodyPr>
+          <a:lstStyle/>
+          <a:p>
+            <a:r>
+              <a:rPr lang="en-US" sz="1100" b="1" dirty="0">
+                <a:solidFill>
+                  <a:srgbClr val="002060"/>
+                </a:solidFill>
+              </a:rPr>
+              <a:t>Station Signal control PLC network</a:t>
+            </a:r>
+            <a:endParaRPr lang="en-SG" sz="1100" b="1" dirty="0">
+              <a:solidFill>
+                <a:srgbClr val="002060"/>
+              </a:solidFill>
+            </a:endParaRPr>
+          </a:p>
+        </p:txBody>
+      </p:sp>
+      <p:cxnSp>
+        <p:nvCxnSpPr>
+          <p:cNvPr id="40" name="Straight Arrow Connector 39">
+            <a:extLst>
+              <a:ext uri="{FF2B5EF4-FFF2-40B4-BE49-F238E27FC236}">
+                <a16:creationId xmlns:a16="http://schemas.microsoft.com/office/drawing/2014/main" id="{4A6A1618-41D6-8E10-AB2F-B316565E351C}"/>
+              </a:ext>
+            </a:extLst>
+          </p:cNvPr>
+          <p:cNvCxnSpPr>
+            <a:cxnSpLocks/>
+          </p:cNvCxnSpPr>
+          <p:nvPr/>
+        </p:nvCxnSpPr>
+        <p:spPr>
+          <a:xfrm flipV="1">
+            <a:off x="3789228" y="4036444"/>
+            <a:ext cx="0" cy="531177"/>
+          </a:xfrm>
+          <a:prstGeom prst="straightConnector1">
+            <a:avLst/>
+          </a:prstGeom>
+          <a:ln>
+            <a:tailEnd type="triangle"/>
+          </a:ln>
+        </p:spPr>
+        <p:style>
+          <a:lnRef idx="1">
+            <a:schemeClr val="accent1"/>
+          </a:lnRef>
+          <a:fillRef idx="0">
+            <a:schemeClr val="accent1"/>
+          </a:fillRef>
+          <a:effectRef idx="0">
+            <a:schemeClr val="accent1"/>
+          </a:effectRef>
+          <a:fontRef idx="minor">
+            <a:schemeClr val="tx1"/>
+          </a:fontRef>
+        </p:style>
+      </p:cxnSp>
+      <p:sp>
+        <p:nvSpPr>
+          <p:cNvPr id="41" name="TextBox 40">
+            <a:extLst>
+              <a:ext uri="{FF2B5EF4-FFF2-40B4-BE49-F238E27FC236}">
+                <a16:creationId xmlns:a16="http://schemas.microsoft.com/office/drawing/2014/main" id="{6978EA6D-D35A-8B8C-FB8E-F828D458A504}"/>
+              </a:ext>
+            </a:extLst>
+          </p:cNvPr>
+          <p:cNvSpPr txBox="1"/>
+          <p:nvPr/>
+        </p:nvSpPr>
+        <p:spPr>
+          <a:xfrm>
+            <a:off x="3801392" y="4212998"/>
+            <a:ext cx="818082" cy="369332"/>
+          </a:xfrm>
+          <a:prstGeom prst="rect">
+            <a:avLst/>
+          </a:prstGeom>
+          <a:noFill/>
+        </p:spPr>
+        <p:txBody>
+          <a:bodyPr wrap="square" rtlCol="0">
+            <a:spAutoFit/>
+          </a:bodyPr>
+          <a:lstStyle/>
+          <a:p>
+            <a:r>
+              <a:rPr lang="en-US" sz="900" dirty="0"/>
+              <a:t>22 station</a:t>
+            </a:r>
+          </a:p>
+          <a:p>
+            <a:r>
+              <a:rPr lang="en-US" sz="900" dirty="0"/>
+              <a:t>Signal output  </a:t>
+            </a:r>
+            <a:endParaRPr lang="en-SG" sz="900" dirty="0"/>
+          </a:p>
+        </p:txBody>
+      </p:sp>
+      <p:cxnSp>
+        <p:nvCxnSpPr>
+          <p:cNvPr id="42" name="Straight Arrow Connector 41">
+            <a:extLst>
+              <a:ext uri="{FF2B5EF4-FFF2-40B4-BE49-F238E27FC236}">
+                <a16:creationId xmlns:a16="http://schemas.microsoft.com/office/drawing/2014/main" id="{4143464B-74C2-B3E3-EF3D-C3BDA059A9D4}"/>
+              </a:ext>
+            </a:extLst>
+          </p:cNvPr>
+          <p:cNvCxnSpPr>
+            <a:cxnSpLocks/>
+          </p:cNvCxnSpPr>
+          <p:nvPr/>
+        </p:nvCxnSpPr>
+        <p:spPr>
+          <a:xfrm>
+            <a:off x="3609962" y="4047085"/>
+            <a:ext cx="0" cy="535245"/>
+          </a:xfrm>
+          <a:prstGeom prst="straightConnector1">
+            <a:avLst/>
+          </a:prstGeom>
+          <a:ln>
+            <a:tailEnd type="triangle"/>
+          </a:ln>
+        </p:spPr>
+        <p:style>
+          <a:lnRef idx="1">
+            <a:schemeClr val="accent1"/>
+          </a:lnRef>
+          <a:fillRef idx="0">
+            <a:schemeClr val="accent1"/>
+          </a:fillRef>
+          <a:effectRef idx="0">
+            <a:schemeClr val="accent1"/>
+          </a:effectRef>
+          <a:fontRef idx="minor">
+            <a:schemeClr val="tx1"/>
+          </a:fontRef>
+        </p:style>
+      </p:cxnSp>
+      <p:sp>
+        <p:nvSpPr>
+          <p:cNvPr id="45" name="TextBox 44">
+            <a:extLst>
+              <a:ext uri="{FF2B5EF4-FFF2-40B4-BE49-F238E27FC236}">
+                <a16:creationId xmlns:a16="http://schemas.microsoft.com/office/drawing/2014/main" id="{3A8D3AEB-B6C6-BF23-EB8E-04D2EF729A72}"/>
+              </a:ext>
+            </a:extLst>
+          </p:cNvPr>
+          <p:cNvSpPr txBox="1"/>
+          <p:nvPr/>
+        </p:nvSpPr>
+        <p:spPr>
+          <a:xfrm>
+            <a:off x="2791736" y="4146888"/>
+            <a:ext cx="818082" cy="369332"/>
+          </a:xfrm>
+          <a:prstGeom prst="rect">
+            <a:avLst/>
+          </a:prstGeom>
+          <a:noFill/>
+        </p:spPr>
+        <p:txBody>
+          <a:bodyPr wrap="square" rtlCol="0">
+            <a:spAutoFit/>
+          </a:bodyPr>
+          <a:lstStyle/>
+          <a:p>
+            <a:r>
+              <a:rPr lang="en-US" sz="900" dirty="0"/>
+              <a:t>22 station</a:t>
+            </a:r>
+          </a:p>
+          <a:p>
+            <a:r>
+              <a:rPr lang="en-US" sz="900" dirty="0"/>
+              <a:t>Sensors input</a:t>
+            </a:r>
+            <a:endParaRPr lang="en-SG" sz="900" dirty="0"/>
+          </a:p>
+        </p:txBody>
+      </p:sp>
+      <p:pic>
+        <p:nvPicPr>
+          <p:cNvPr id="54" name="Picture 53">
+            <a:extLst>
+              <a:ext uri="{FF2B5EF4-FFF2-40B4-BE49-F238E27FC236}">
+                <a16:creationId xmlns:a16="http://schemas.microsoft.com/office/drawing/2014/main" id="{9509054D-B742-6926-1598-400CD7319724}"/>
+              </a:ext>
+            </a:extLst>
+          </p:cNvPr>
+          <p:cNvPicPr>
+            <a:picLocks noChangeAspect="1"/>
+          </p:cNvPicPr>
+          <p:nvPr/>
+        </p:nvPicPr>
+        <p:blipFill>
+          <a:blip r:embed="rId6"/>
+          <a:stretch>
+            <a:fillRect/>
+          </a:stretch>
+        </p:blipFill>
+        <p:spPr>
+          <a:xfrm>
             <a:off x="326904" y="4830052"/>
             <a:ext cx="818082" cy="468901"/>
           </a:xfrm>
@@ -16388,7 +16468,7 @@
           <p:nvPr/>
         </p:nvPicPr>
         <p:blipFill>
-          <a:blip r:embed="rId5"/>
+          <a:blip r:embed="rId6"/>
           <a:stretch>
             <a:fillRect/>
           </a:stretch>
@@ -16864,88 +16944,6 @@
       </p:sp>
       <p:sp>
         <p:nvSpPr>
-          <p:cNvPr id="77" name="Rectangle 76">
-            <a:extLst>
-              <a:ext uri="{FF2B5EF4-FFF2-40B4-BE49-F238E27FC236}">
-                <a16:creationId xmlns:a16="http://schemas.microsoft.com/office/drawing/2014/main" id="{3D4EBB44-9B88-AB21-55D4-B9D1A8451A92}"/>
-              </a:ext>
-            </a:extLst>
-          </p:cNvPr>
-          <p:cNvSpPr/>
-          <p:nvPr/>
-        </p:nvSpPr>
-        <p:spPr>
-          <a:xfrm>
-            <a:off x="6637205" y="602451"/>
-            <a:ext cx="4872807" cy="2513875"/>
-          </a:xfrm>
-          <a:prstGeom prst="rect">
-            <a:avLst/>
-          </a:prstGeom>
-        </p:spPr>
-        <p:style>
-          <a:lnRef idx="2">
-            <a:schemeClr val="accent1">
-              <a:shade val="15000"/>
-            </a:schemeClr>
-          </a:lnRef>
-          <a:fillRef idx="1">
-            <a:schemeClr val="accent1"/>
-          </a:fillRef>
-          <a:effectRef idx="0">
-            <a:schemeClr val="accent1"/>
-          </a:effectRef>
-          <a:fontRef idx="minor">
-            <a:schemeClr val="lt1"/>
-          </a:fontRef>
-        </p:style>
-        <p:txBody>
-          <a:bodyPr rtlCol="0" anchor="ctr"/>
-          <a:lstStyle/>
-          <a:p>
-            <a:pPr algn="ctr"/>
-            <a:endParaRPr lang="en-SG"/>
-          </a:p>
-        </p:txBody>
-      </p:sp>
-      <p:pic>
-        <p:nvPicPr>
-          <p:cNvPr id="76" name="Picture 75" descr="A screen shot of a computer&#10;&#10;Description automatically generated with medium confidence">
-            <a:extLst>
-              <a:ext uri="{FF2B5EF4-FFF2-40B4-BE49-F238E27FC236}">
-                <a16:creationId xmlns:a16="http://schemas.microsoft.com/office/drawing/2014/main" id="{6C0B181F-2B32-8A97-E630-7F0901E494C1}"/>
-              </a:ext>
-            </a:extLst>
-          </p:cNvPr>
-          <p:cNvPicPr>
-            <a:picLocks noChangeAspect="1"/>
-          </p:cNvPicPr>
-          <p:nvPr/>
-        </p:nvPicPr>
-        <p:blipFill>
-          <a:blip r:embed="rId6">
-            <a:extLst>
-              <a:ext uri="{28A0092B-C50C-407E-A947-70E740481C1C}">
-                <a14:useLocalDpi xmlns:a14="http://schemas.microsoft.com/office/drawing/2010/main" val="0"/>
-              </a:ext>
-            </a:extLst>
-          </a:blip>
-          <a:stretch>
-            <a:fillRect/>
-          </a:stretch>
-        </p:blipFill>
-        <p:spPr>
-          <a:xfrm>
-            <a:off x="6349118" y="788870"/>
-            <a:ext cx="4603743" cy="2642126"/>
-          </a:xfrm>
-          <a:prstGeom prst="rect">
-            <a:avLst/>
-          </a:prstGeom>
-        </p:spPr>
-      </p:pic>
-      <p:sp>
-        <p:nvSpPr>
           <p:cNvPr id="78" name="TextBox 77">
             <a:extLst>
               <a:ext uri="{FF2B5EF4-FFF2-40B4-BE49-F238E27FC236}">
@@ -18017,7 +18015,7 @@
         </p:nvSpPr>
         <p:spPr>
           <a:xfrm>
-            <a:off x="10091512" y="2330853"/>
+            <a:off x="10405034" y="2859938"/>
             <a:ext cx="636759" cy="461665"/>
           </a:xfrm>
           <a:prstGeom prst="rect">
@@ -18696,7 +18694,7 @@
         </p:blipFill>
         <p:spPr>
           <a:xfrm>
-            <a:off x="9956853" y="4817567"/>
+            <a:off x="9547153" y="4963423"/>
             <a:ext cx="1940674" cy="1052153"/>
           </a:xfrm>
           <a:prstGeom prst="rect">

--- a/doc/designDoc.pptx
+++ b/doc/designDoc.pptx
@@ -27608,7 +27608,7 @@
         </p:nvSpPr>
         <p:spPr>
           <a:xfrm>
-            <a:off x="5076879" y="5981266"/>
+            <a:off x="5030038" y="5878953"/>
             <a:ext cx="956157" cy="430887"/>
           </a:xfrm>
           <a:prstGeom prst="rect">
@@ -28945,6 +28945,392 @@
               <a:t>Railway[Metro] IT/OT System Security Test Platform Network Diagram and Components View </a:t>
             </a:r>
             <a:endParaRPr lang="en-SG" sz="1600" b="1" dirty="0"/>
+          </a:p>
+        </p:txBody>
+      </p:sp>
+      <p:pic>
+        <p:nvPicPr>
+          <p:cNvPr id="2" name="Picture 1">
+            <a:extLst>
+              <a:ext uri="{FF2B5EF4-FFF2-40B4-BE49-F238E27FC236}">
+                <a16:creationId xmlns:a16="http://schemas.microsoft.com/office/drawing/2014/main" id="{72F09F5B-0F5D-59D0-4981-9A2D7EF016F7}"/>
+              </a:ext>
+            </a:extLst>
+          </p:cNvPr>
+          <p:cNvPicPr>
+            <a:picLocks noChangeAspect="1"/>
+          </p:cNvPicPr>
+          <p:nvPr/>
+        </p:nvPicPr>
+        <p:blipFill>
+          <a:blip r:embed="rId13"/>
+          <a:stretch>
+            <a:fillRect/>
+          </a:stretch>
+        </p:blipFill>
+        <p:spPr>
+          <a:xfrm>
+            <a:off x="6153786" y="5428885"/>
+            <a:ext cx="406276" cy="340647"/>
+          </a:xfrm>
+          <a:prstGeom prst="rect">
+            <a:avLst/>
+          </a:prstGeom>
+          <a:ln w="9525">
+            <a:solidFill>
+              <a:schemeClr val="tx1"/>
+            </a:solidFill>
+          </a:ln>
+        </p:spPr>
+      </p:pic>
+      <p:cxnSp>
+        <p:nvCxnSpPr>
+          <p:cNvPr id="3" name="Straight Connector 2">
+            <a:extLst>
+              <a:ext uri="{FF2B5EF4-FFF2-40B4-BE49-F238E27FC236}">
+                <a16:creationId xmlns:a16="http://schemas.microsoft.com/office/drawing/2014/main" id="{13FDD0D8-D7E1-5597-9195-F486A59AC28D}"/>
+              </a:ext>
+            </a:extLst>
+          </p:cNvPr>
+          <p:cNvCxnSpPr>
+            <a:cxnSpLocks/>
+          </p:cNvCxnSpPr>
+          <p:nvPr/>
+        </p:nvCxnSpPr>
+        <p:spPr>
+          <a:xfrm>
+            <a:off x="6346579" y="5126140"/>
+            <a:ext cx="0" cy="273377"/>
+          </a:xfrm>
+          <a:prstGeom prst="line">
+            <a:avLst/>
+          </a:prstGeom>
+          <a:ln w="19050">
+            <a:prstDash val="sysDash"/>
+          </a:ln>
+        </p:spPr>
+        <p:style>
+          <a:lnRef idx="1">
+            <a:schemeClr val="dk1"/>
+          </a:lnRef>
+          <a:fillRef idx="0">
+            <a:schemeClr val="dk1"/>
+          </a:fillRef>
+          <a:effectRef idx="0">
+            <a:schemeClr val="dk1"/>
+          </a:effectRef>
+          <a:fontRef idx="minor">
+            <a:schemeClr val="tx1"/>
+          </a:fontRef>
+        </p:style>
+      </p:cxnSp>
+      <p:sp>
+        <p:nvSpPr>
+          <p:cNvPr id="21" name="TextBox 20">
+            <a:extLst>
+              <a:ext uri="{FF2B5EF4-FFF2-40B4-BE49-F238E27FC236}">
+                <a16:creationId xmlns:a16="http://schemas.microsoft.com/office/drawing/2014/main" id="{1719E49A-63BE-57D0-8B62-08FCD69FCA93}"/>
+              </a:ext>
+            </a:extLst>
+          </p:cNvPr>
+          <p:cNvSpPr txBox="1"/>
+          <p:nvPr/>
+        </p:nvSpPr>
+        <p:spPr>
+          <a:xfrm>
+            <a:off x="6534276" y="5402720"/>
+            <a:ext cx="1546830" cy="430887"/>
+          </a:xfrm>
+          <a:prstGeom prst="rect">
+            <a:avLst/>
+          </a:prstGeom>
+          <a:noFill/>
+        </p:spPr>
+        <p:txBody>
+          <a:bodyPr wrap="square" rtlCol="0">
+            <a:spAutoFit/>
+          </a:bodyPr>
+          <a:lstStyle/>
+          <a:p>
+            <a:r>
+              <a:rPr lang="en-SG" sz="1100" dirty="0">
+                <a:solidFill>
+                  <a:schemeClr val="bg1"/>
+                </a:solidFill>
+              </a:rPr>
+              <a:t>Local HW-Engineering admin laptop </a:t>
+            </a:r>
+          </a:p>
+        </p:txBody>
+      </p:sp>
+      <p:pic>
+        <p:nvPicPr>
+          <p:cNvPr id="22" name="Picture 4">
+            <a:extLst>
+              <a:ext uri="{FF2B5EF4-FFF2-40B4-BE49-F238E27FC236}">
+                <a16:creationId xmlns:a16="http://schemas.microsoft.com/office/drawing/2014/main" id="{7D7C0EC2-BA9A-BA6B-3C66-3B60F9A9E217}"/>
+              </a:ext>
+            </a:extLst>
+          </p:cNvPr>
+          <p:cNvPicPr>
+            <a:picLocks noChangeAspect="1" noChangeArrowheads="1"/>
+          </p:cNvPicPr>
+          <p:nvPr/>
+        </p:nvPicPr>
+        <p:blipFill>
+          <a:blip r:embed="rId14">
+            <a:extLst>
+              <a:ext uri="{28A0092B-C50C-407E-A947-70E740481C1C}">
+                <a14:useLocalDpi xmlns:a14="http://schemas.microsoft.com/office/drawing/2010/main" val="0"/>
+              </a:ext>
+            </a:extLst>
+          </a:blip>
+          <a:srcRect/>
+          <a:stretch>
+            <a:fillRect/>
+          </a:stretch>
+        </p:blipFill>
+        <p:spPr bwMode="auto">
+          <a:xfrm>
+            <a:off x="6162737" y="5988638"/>
+            <a:ext cx="379932" cy="379932"/>
+          </a:xfrm>
+          <a:prstGeom prst="rect">
+            <a:avLst/>
+          </a:prstGeom>
+          <a:noFill/>
+          <a:extLst>
+            <a:ext uri="{909E8E84-426E-40DD-AFC4-6F175D3DCCD1}">
+              <a14:hiddenFill xmlns:a14="http://schemas.microsoft.com/office/drawing/2010/main">
+                <a:solidFill>
+                  <a:srgbClr val="FFFFFF"/>
+                </a:solidFill>
+              </a14:hiddenFill>
+            </a:ext>
+          </a:extLst>
+        </p:spPr>
+      </p:pic>
+      <p:cxnSp>
+        <p:nvCxnSpPr>
+          <p:cNvPr id="23" name="Straight Arrow Connector 22">
+            <a:extLst>
+              <a:ext uri="{FF2B5EF4-FFF2-40B4-BE49-F238E27FC236}">
+                <a16:creationId xmlns:a16="http://schemas.microsoft.com/office/drawing/2014/main" id="{CBBF6F78-E253-AB84-3A18-78479152FE31}"/>
+              </a:ext>
+            </a:extLst>
+          </p:cNvPr>
+          <p:cNvCxnSpPr>
+            <a:cxnSpLocks/>
+            <a:stCxn id="22" idx="0"/>
+            <a:endCxn id="2" idx="2"/>
+          </p:cNvCxnSpPr>
+          <p:nvPr/>
+        </p:nvCxnSpPr>
+        <p:spPr>
+          <a:xfrm flipV="1">
+            <a:off x="6352703" y="5769532"/>
+            <a:ext cx="4221" cy="219106"/>
+          </a:xfrm>
+          <a:prstGeom prst="straightConnector1">
+            <a:avLst/>
+          </a:prstGeom>
+          <a:ln w="19050">
+            <a:tailEnd type="triangle"/>
+          </a:ln>
+        </p:spPr>
+        <p:style>
+          <a:lnRef idx="1">
+            <a:schemeClr val="accent1"/>
+          </a:lnRef>
+          <a:fillRef idx="0">
+            <a:schemeClr val="accent1"/>
+          </a:fillRef>
+          <a:effectRef idx="0">
+            <a:schemeClr val="accent1"/>
+          </a:effectRef>
+          <a:fontRef idx="minor">
+            <a:schemeClr val="tx1"/>
+          </a:fontRef>
+        </p:style>
+      </p:cxnSp>
+      <p:sp>
+        <p:nvSpPr>
+          <p:cNvPr id="32" name="TextBox 31">
+            <a:extLst>
+              <a:ext uri="{FF2B5EF4-FFF2-40B4-BE49-F238E27FC236}">
+                <a16:creationId xmlns:a16="http://schemas.microsoft.com/office/drawing/2014/main" id="{28DF0431-FEE2-E7D6-3F3F-A71DE9C544CB}"/>
+              </a:ext>
+            </a:extLst>
+          </p:cNvPr>
+          <p:cNvSpPr txBox="1"/>
+          <p:nvPr/>
+        </p:nvSpPr>
+        <p:spPr>
+          <a:xfrm>
+            <a:off x="6514445" y="5937682"/>
+            <a:ext cx="956157" cy="430887"/>
+          </a:xfrm>
+          <a:prstGeom prst="rect">
+            <a:avLst/>
+          </a:prstGeom>
+          <a:noFill/>
+        </p:spPr>
+        <p:txBody>
+          <a:bodyPr wrap="square" rtlCol="0">
+            <a:spAutoFit/>
+          </a:bodyPr>
+          <a:lstStyle/>
+          <a:p>
+            <a:r>
+              <a:rPr lang="en-SG" sz="1100" b="1" dirty="0">
+                <a:solidFill>
+                  <a:srgbClr val="0070C0"/>
+                </a:solidFill>
+              </a:rPr>
+              <a:t>Field device admin</a:t>
+            </a:r>
+          </a:p>
+        </p:txBody>
+      </p:sp>
+      <p:sp>
+        <p:nvSpPr>
+          <p:cNvPr id="33" name="TextBox 32">
+            <a:extLst>
+              <a:ext uri="{FF2B5EF4-FFF2-40B4-BE49-F238E27FC236}">
+                <a16:creationId xmlns:a16="http://schemas.microsoft.com/office/drawing/2014/main" id="{8CAAF772-1F29-613F-1C20-6710842C4C5C}"/>
+              </a:ext>
+            </a:extLst>
+          </p:cNvPr>
+          <p:cNvSpPr txBox="1"/>
+          <p:nvPr/>
+        </p:nvSpPr>
+        <p:spPr>
+          <a:xfrm>
+            <a:off x="682453" y="2925135"/>
+            <a:ext cx="1257727" cy="246221"/>
+          </a:xfrm>
+          <a:prstGeom prst="rect">
+            <a:avLst/>
+          </a:prstGeom>
+          <a:noFill/>
+        </p:spPr>
+        <p:txBody>
+          <a:bodyPr wrap="square">
+            <a:spAutoFit/>
+          </a:bodyPr>
+          <a:lstStyle/>
+          <a:p>
+            <a:r>
+              <a:rPr lang="en-US" sz="1000" b="1" dirty="0">
+                <a:solidFill>
+                  <a:schemeClr val="tx1">
+                    <a:lumMod val="75000"/>
+                    <a:lumOff val="25000"/>
+                  </a:schemeClr>
+                </a:solidFill>
+              </a:rPr>
+              <a:t>Ethernet TCP/IP </a:t>
+            </a:r>
+            <a:endParaRPr lang="en-SG" sz="1000" dirty="0">
+              <a:solidFill>
+                <a:schemeClr val="tx1">
+                  <a:lumMod val="75000"/>
+                  <a:lumOff val="25000"/>
+                </a:schemeClr>
+              </a:solidFill>
+            </a:endParaRPr>
+          </a:p>
+        </p:txBody>
+      </p:sp>
+      <p:sp>
+        <p:nvSpPr>
+          <p:cNvPr id="34" name="TextBox 33">
+            <a:extLst>
+              <a:ext uri="{FF2B5EF4-FFF2-40B4-BE49-F238E27FC236}">
+                <a16:creationId xmlns:a16="http://schemas.microsoft.com/office/drawing/2014/main" id="{2FFB22B5-84C1-EA0C-A9BC-E6A6A0305257}"/>
+              </a:ext>
+            </a:extLst>
+          </p:cNvPr>
+          <p:cNvSpPr txBox="1"/>
+          <p:nvPr/>
+        </p:nvSpPr>
+        <p:spPr>
+          <a:xfrm>
+            <a:off x="3285700" y="2925117"/>
+            <a:ext cx="1975162" cy="246221"/>
+          </a:xfrm>
+          <a:prstGeom prst="rect">
+            <a:avLst/>
+          </a:prstGeom>
+          <a:noFill/>
+        </p:spPr>
+        <p:txBody>
+          <a:bodyPr wrap="square">
+            <a:spAutoFit/>
+          </a:bodyPr>
+          <a:lstStyle/>
+          <a:p>
+            <a:r>
+              <a:rPr lang="en-US" sz="1000" b="1" dirty="0">
+                <a:solidFill>
+                  <a:schemeClr val="tx1">
+                    <a:lumMod val="95000"/>
+                    <a:lumOff val="5000"/>
+                  </a:schemeClr>
+                </a:solidFill>
+              </a:rPr>
+              <a:t>Ethernet TCP/IP and Modbus TCP </a:t>
+            </a:r>
+            <a:endParaRPr lang="en-SG" sz="1000" dirty="0">
+              <a:solidFill>
+                <a:schemeClr val="tx1">
+                  <a:lumMod val="95000"/>
+                  <a:lumOff val="5000"/>
+                </a:schemeClr>
+              </a:solidFill>
+            </a:endParaRPr>
+          </a:p>
+        </p:txBody>
+      </p:sp>
+      <p:sp>
+        <p:nvSpPr>
+          <p:cNvPr id="35" name="TextBox 34">
+            <a:extLst>
+              <a:ext uri="{FF2B5EF4-FFF2-40B4-BE49-F238E27FC236}">
+                <a16:creationId xmlns:a16="http://schemas.microsoft.com/office/drawing/2014/main" id="{12D4CDA3-B905-1A5D-2A53-68C055D8CEFE}"/>
+              </a:ext>
+            </a:extLst>
+          </p:cNvPr>
+          <p:cNvSpPr txBox="1"/>
+          <p:nvPr/>
+        </p:nvSpPr>
+        <p:spPr>
+          <a:xfrm>
+            <a:off x="5961743" y="4049020"/>
+            <a:ext cx="1257727" cy="246221"/>
+          </a:xfrm>
+          <a:prstGeom prst="rect">
+            <a:avLst/>
+          </a:prstGeom>
+          <a:noFill/>
+        </p:spPr>
+        <p:txBody>
+          <a:bodyPr wrap="square">
+            <a:spAutoFit/>
+          </a:bodyPr>
+          <a:lstStyle/>
+          <a:p>
+            <a:r>
+              <a:rPr lang="en-SG" sz="1000" b="1" dirty="0">
+                <a:solidFill>
+                  <a:schemeClr val="tx1">
+                    <a:lumMod val="95000"/>
+                    <a:lumOff val="5000"/>
+                  </a:schemeClr>
+                </a:solidFill>
+              </a:rPr>
+              <a:t>Modbus TCP</a:t>
+            </a:r>
           </a:p>
         </p:txBody>
       </p:sp>

--- a/doc/designDoc.pptx
+++ b/doc/designDoc.pptx
@@ -5,7 +5,7 @@
     <p:sldMasterId id="2147483648" r:id="rId1"/>
   </p:sldMasterIdLst>
   <p:notesMasterIdLst>
-    <p:notesMasterId r:id="rId28"/>
+    <p:notesMasterId r:id="rId29"/>
   </p:notesMasterIdLst>
   <p:sldIdLst>
     <p:sldId id="256" r:id="rId2"/>
@@ -31,9 +31,10 @@
     <p:sldId id="259" r:id="rId22"/>
     <p:sldId id="280" r:id="rId23"/>
     <p:sldId id="281" r:id="rId24"/>
-    <p:sldId id="260" r:id="rId25"/>
-    <p:sldId id="261" r:id="rId26"/>
-    <p:sldId id="262" r:id="rId27"/>
+    <p:sldId id="282" r:id="rId25"/>
+    <p:sldId id="260" r:id="rId26"/>
+    <p:sldId id="261" r:id="rId27"/>
+    <p:sldId id="262" r:id="rId28"/>
   </p:sldIdLst>
   <p:sldSz cx="12192000" cy="6858000"/>
   <p:notesSz cx="6858000" cy="9144000"/>
@@ -222,7 +223,7 @@
           <a:p>
             <a:fld id="{C0790970-3005-464C-B0F1-2C170134C482}" type="datetimeFigureOut">
               <a:rPr lang="en-SG" smtClean="0"/>
-              <a:t>12/9/2023</a:t>
+              <a:t>7/10/2023</a:t>
             </a:fld>
             <a:endParaRPr lang="en-SG"/>
           </a:p>
@@ -891,7 +892,7 @@
           <a:p>
             <a:fld id="{339835C3-D1D1-4287-8520-E4130C4A71CB}" type="slidenum">
               <a:rPr lang="en-SG" smtClean="0"/>
-              <a:t>24</a:t>
+              <a:t>25</a:t>
             </a:fld>
             <a:endParaRPr lang="en-SG"/>
           </a:p>
@@ -1059,7 +1060,7 @@
           <a:p>
             <a:fld id="{F949A3E6-ADCC-4214-836D-B18BFC6F3D6C}" type="datetimeFigureOut">
               <a:rPr lang="en-SG" smtClean="0"/>
-              <a:t>12/9/2023</a:t>
+              <a:t>7/10/2023</a:t>
             </a:fld>
             <a:endParaRPr lang="en-SG"/>
           </a:p>
@@ -1259,7 +1260,7 @@
           <a:p>
             <a:fld id="{F949A3E6-ADCC-4214-836D-B18BFC6F3D6C}" type="datetimeFigureOut">
               <a:rPr lang="en-SG" smtClean="0"/>
-              <a:t>12/9/2023</a:t>
+              <a:t>7/10/2023</a:t>
             </a:fld>
             <a:endParaRPr lang="en-SG"/>
           </a:p>
@@ -1469,7 +1470,7 @@
           <a:p>
             <a:fld id="{F949A3E6-ADCC-4214-836D-B18BFC6F3D6C}" type="datetimeFigureOut">
               <a:rPr lang="en-SG" smtClean="0"/>
-              <a:t>12/9/2023</a:t>
+              <a:t>7/10/2023</a:t>
             </a:fld>
             <a:endParaRPr lang="en-SG"/>
           </a:p>
@@ -1669,7 +1670,7 @@
           <a:p>
             <a:fld id="{F949A3E6-ADCC-4214-836D-B18BFC6F3D6C}" type="datetimeFigureOut">
               <a:rPr lang="en-SG" smtClean="0"/>
-              <a:t>12/9/2023</a:t>
+              <a:t>7/10/2023</a:t>
             </a:fld>
             <a:endParaRPr lang="en-SG"/>
           </a:p>
@@ -1945,7 +1946,7 @@
           <a:p>
             <a:fld id="{F949A3E6-ADCC-4214-836D-B18BFC6F3D6C}" type="datetimeFigureOut">
               <a:rPr lang="en-SG" smtClean="0"/>
-              <a:t>12/9/2023</a:t>
+              <a:t>7/10/2023</a:t>
             </a:fld>
             <a:endParaRPr lang="en-SG"/>
           </a:p>
@@ -2213,7 +2214,7 @@
           <a:p>
             <a:fld id="{F949A3E6-ADCC-4214-836D-B18BFC6F3D6C}" type="datetimeFigureOut">
               <a:rPr lang="en-SG" smtClean="0"/>
-              <a:t>12/9/2023</a:t>
+              <a:t>7/10/2023</a:t>
             </a:fld>
             <a:endParaRPr lang="en-SG"/>
           </a:p>
@@ -2628,7 +2629,7 @@
           <a:p>
             <a:fld id="{F949A3E6-ADCC-4214-836D-B18BFC6F3D6C}" type="datetimeFigureOut">
               <a:rPr lang="en-SG" smtClean="0"/>
-              <a:t>12/9/2023</a:t>
+              <a:t>7/10/2023</a:t>
             </a:fld>
             <a:endParaRPr lang="en-SG"/>
           </a:p>
@@ -2770,7 +2771,7 @@
           <a:p>
             <a:fld id="{F949A3E6-ADCC-4214-836D-B18BFC6F3D6C}" type="datetimeFigureOut">
               <a:rPr lang="en-SG" smtClean="0"/>
-              <a:t>12/9/2023</a:t>
+              <a:t>7/10/2023</a:t>
             </a:fld>
             <a:endParaRPr lang="en-SG"/>
           </a:p>
@@ -2883,7 +2884,7 @@
           <a:p>
             <a:fld id="{F949A3E6-ADCC-4214-836D-B18BFC6F3D6C}" type="datetimeFigureOut">
               <a:rPr lang="en-SG" smtClean="0"/>
-              <a:t>12/9/2023</a:t>
+              <a:t>7/10/2023</a:t>
             </a:fld>
             <a:endParaRPr lang="en-SG"/>
           </a:p>
@@ -3196,7 +3197,7 @@
           <a:p>
             <a:fld id="{F949A3E6-ADCC-4214-836D-B18BFC6F3D6C}" type="datetimeFigureOut">
               <a:rPr lang="en-SG" smtClean="0"/>
-              <a:t>12/9/2023</a:t>
+              <a:t>7/10/2023</a:t>
             </a:fld>
             <a:endParaRPr lang="en-SG"/>
           </a:p>
@@ -3485,7 +3486,7 @@
           <a:p>
             <a:fld id="{F949A3E6-ADCC-4214-836D-B18BFC6F3D6C}" type="datetimeFigureOut">
               <a:rPr lang="en-SG" smtClean="0"/>
-              <a:t>12/9/2023</a:t>
+              <a:t>7/10/2023</a:t>
             </a:fld>
             <a:endParaRPr lang="en-SG"/>
           </a:p>
@@ -3728,7 +3729,7 @@
           <a:p>
             <a:fld id="{F949A3E6-ADCC-4214-836D-B18BFC6F3D6C}" type="datetimeFigureOut">
               <a:rPr lang="en-SG" smtClean="0"/>
-              <a:t>12/9/2023</a:t>
+              <a:t>7/10/2023</a:t>
             </a:fld>
             <a:endParaRPr lang="en-SG"/>
           </a:p>
@@ -33895,58 +33896,12 @@
           <a:chExt cx="0" cy="0"/>
         </a:xfrm>
       </p:grpSpPr>
-      <p:sp>
-        <p:nvSpPr>
-          <p:cNvPr id="2" name="Rectangle 1">
-            <a:extLst>
-              <a:ext uri="{FF2B5EF4-FFF2-40B4-BE49-F238E27FC236}">
-                <a16:creationId xmlns:a16="http://schemas.microsoft.com/office/drawing/2014/main" id="{57E96B9A-AD27-4584-9A88-80B40D276198}"/>
-              </a:ext>
-            </a:extLst>
-          </p:cNvPr>
-          <p:cNvSpPr/>
-          <p:nvPr/>
-        </p:nvSpPr>
-        <p:spPr>
-          <a:xfrm>
-            <a:off x="9010547" y="173907"/>
-            <a:ext cx="2997600" cy="1605012"/>
-          </a:xfrm>
-          <a:prstGeom prst="rect">
-            <a:avLst/>
-          </a:prstGeom>
-          <a:ln w="9525">
-            <a:prstDash val="sysDash"/>
-          </a:ln>
-        </p:spPr>
-        <p:style>
-          <a:lnRef idx="2">
-            <a:schemeClr val="accent1"/>
-          </a:lnRef>
-          <a:fillRef idx="1">
-            <a:schemeClr val="lt1"/>
-          </a:fillRef>
-          <a:effectRef idx="0">
-            <a:schemeClr val="accent1"/>
-          </a:effectRef>
-          <a:fontRef idx="minor">
-            <a:schemeClr val="dk1"/>
-          </a:fontRef>
-        </p:style>
-        <p:txBody>
-          <a:bodyPr rtlCol="0" anchor="ctr"/>
-          <a:lstStyle/>
-          <a:p>
-            <a:endParaRPr lang="en-SG" sz="1400" b="1" dirty="0"/>
-          </a:p>
-        </p:txBody>
-      </p:sp>
       <p:pic>
         <p:nvPicPr>
-          <p:cNvPr id="3" name="Picture 2">
-            <a:extLst>
-              <a:ext uri="{FF2B5EF4-FFF2-40B4-BE49-F238E27FC236}">
-                <a16:creationId xmlns:a16="http://schemas.microsoft.com/office/drawing/2014/main" id="{DDE6B7D5-052A-F9D3-E3E0-266681E17981}"/>
+          <p:cNvPr id="4" name="Picture 3">
+            <a:extLst>
+              <a:ext uri="{FF2B5EF4-FFF2-40B4-BE49-F238E27FC236}">
+                <a16:creationId xmlns:a16="http://schemas.microsoft.com/office/drawing/2014/main" id="{CD16C94F-DD48-1775-17CD-BFEFC43CE9E9}"/>
               </a:ext>
             </a:extLst>
           </p:cNvPr>
@@ -33956,317 +33911,34 @@
           <p:nvPr/>
         </p:nvPicPr>
         <p:blipFill>
-          <a:blip r:embed="rId3"/>
+          <a:blip r:embed="rId2">
+            <a:alphaModFix amt="70000"/>
+          </a:blip>
           <a:stretch>
             <a:fillRect/>
           </a:stretch>
         </p:blipFill>
         <p:spPr>
           <a:xfrm>
-            <a:off x="9155116" y="278482"/>
-            <a:ext cx="2527544" cy="1198685"/>
-          </a:xfrm>
-          <a:prstGeom prst="rect">
-            <a:avLst/>
-          </a:prstGeom>
+            <a:off x="5103142" y="2868549"/>
+            <a:ext cx="6752657" cy="3699510"/>
+          </a:xfrm>
+          <a:prstGeom prst="rect">
+            <a:avLst/>
+          </a:prstGeom>
+          <a:ln w="6350">
+            <a:solidFill>
+              <a:schemeClr val="tx1"/>
+            </a:solidFill>
+          </a:ln>
         </p:spPr>
       </p:pic>
-      <p:sp>
-        <p:nvSpPr>
-          <p:cNvPr id="4" name="TextBox 3">
-            <a:extLst>
-              <a:ext uri="{FF2B5EF4-FFF2-40B4-BE49-F238E27FC236}">
-                <a16:creationId xmlns:a16="http://schemas.microsoft.com/office/drawing/2014/main" id="{7357F07A-2050-D646-70E0-241189E16A3A}"/>
-              </a:ext>
-            </a:extLst>
-          </p:cNvPr>
-          <p:cNvSpPr txBox="1"/>
-          <p:nvPr/>
-        </p:nvSpPr>
-        <p:spPr>
-          <a:xfrm>
-            <a:off x="10786086" y="324805"/>
-            <a:ext cx="1191495" cy="430887"/>
-          </a:xfrm>
-          <a:prstGeom prst="rect">
-            <a:avLst/>
-          </a:prstGeom>
-          <a:noFill/>
-        </p:spPr>
-        <p:txBody>
-          <a:bodyPr wrap="square" rtlCol="0">
-            <a:spAutoFit/>
-          </a:bodyPr>
-          <a:lstStyle/>
-          <a:p>
-            <a:r>
-              <a:rPr lang="en-US" sz="1100" b="1" dirty="0"/>
-              <a:t>[Master, Slot-0]</a:t>
-            </a:r>
-          </a:p>
-          <a:p>
-            <a:r>
-              <a:rPr lang="en-US" sz="1100" b="1" dirty="0"/>
-              <a:t>I/O: 15/7</a:t>
-            </a:r>
-            <a:endParaRPr lang="en-SG" sz="1100" b="1" dirty="0"/>
-          </a:p>
-        </p:txBody>
-      </p:sp>
-      <p:sp>
-        <p:nvSpPr>
-          <p:cNvPr id="10" name="TextBox 9">
-            <a:extLst>
-              <a:ext uri="{FF2B5EF4-FFF2-40B4-BE49-F238E27FC236}">
-                <a16:creationId xmlns:a16="http://schemas.microsoft.com/office/drawing/2014/main" id="{D4335098-4115-86F5-BF23-437346C13939}"/>
-              </a:ext>
-            </a:extLst>
-          </p:cNvPr>
-          <p:cNvSpPr txBox="1"/>
-          <p:nvPr/>
-        </p:nvSpPr>
-        <p:spPr>
-          <a:xfrm>
-            <a:off x="9155116" y="1407510"/>
-            <a:ext cx="1508863" cy="430887"/>
-          </a:xfrm>
-          <a:prstGeom prst="rect">
-            <a:avLst/>
-          </a:prstGeom>
-          <a:noFill/>
-        </p:spPr>
-        <p:txBody>
-          <a:bodyPr wrap="square" rtlCol="0">
-            <a:spAutoFit/>
-          </a:bodyPr>
-          <a:lstStyle/>
-          <a:p>
-            <a:r>
-              <a:rPr lang="en-US" sz="1100" b="1" dirty="0"/>
-              <a:t>[Slave, Slot-1]</a:t>
-            </a:r>
-          </a:p>
-          <a:p>
-            <a:r>
-              <a:rPr lang="en-SG" sz="1100" b="1" dirty="0"/>
-              <a:t>I/O: 15/7</a:t>
-            </a:r>
-          </a:p>
-        </p:txBody>
-      </p:sp>
-      <p:sp>
-        <p:nvSpPr>
-          <p:cNvPr id="11" name="TextBox 10">
-            <a:extLst>
-              <a:ext uri="{FF2B5EF4-FFF2-40B4-BE49-F238E27FC236}">
-                <a16:creationId xmlns:a16="http://schemas.microsoft.com/office/drawing/2014/main" id="{FEFA071A-9ED2-FE02-60E1-6F5709FA6A83}"/>
-              </a:ext>
-            </a:extLst>
-          </p:cNvPr>
-          <p:cNvSpPr txBox="1"/>
-          <p:nvPr/>
-        </p:nvSpPr>
-        <p:spPr>
-          <a:xfrm>
-            <a:off x="10683137" y="1408028"/>
-            <a:ext cx="1508863" cy="430887"/>
-          </a:xfrm>
-          <a:prstGeom prst="rect">
-            <a:avLst/>
-          </a:prstGeom>
-          <a:noFill/>
-        </p:spPr>
-        <p:txBody>
-          <a:bodyPr wrap="square" rtlCol="0">
-            <a:spAutoFit/>
-          </a:bodyPr>
-          <a:lstStyle/>
-          <a:p>
-            <a:r>
-              <a:rPr lang="en-US" sz="1100" b="1" dirty="0"/>
-              <a:t>[Slave, Slot-2]</a:t>
-            </a:r>
-          </a:p>
-          <a:p>
-            <a:r>
-              <a:rPr lang="en-US" sz="1100" b="1" dirty="0"/>
-              <a:t>I/O: 9/</a:t>
-            </a:r>
-            <a:r>
-              <a:rPr lang="en-SG" sz="1100" b="1" dirty="0"/>
-              <a:t>5</a:t>
-            </a:r>
-            <a:endParaRPr lang="en-US" sz="1100" b="1" dirty="0"/>
-          </a:p>
-        </p:txBody>
-      </p:sp>
-      <p:sp>
-        <p:nvSpPr>
-          <p:cNvPr id="12" name="TextBox 11">
-            <a:extLst>
-              <a:ext uri="{FF2B5EF4-FFF2-40B4-BE49-F238E27FC236}">
-                <a16:creationId xmlns:a16="http://schemas.microsoft.com/office/drawing/2014/main" id="{0F81FA6D-69A0-C1D2-0044-5836FC5855BB}"/>
-              </a:ext>
-            </a:extLst>
-          </p:cNvPr>
-          <p:cNvSpPr txBox="1"/>
-          <p:nvPr/>
-        </p:nvSpPr>
-        <p:spPr>
-          <a:xfrm>
-            <a:off x="9772387" y="448737"/>
-            <a:ext cx="636759" cy="276999"/>
-          </a:xfrm>
-          <a:prstGeom prst="rect">
-            <a:avLst/>
-          </a:prstGeom>
-          <a:noFill/>
-        </p:spPr>
-        <p:txBody>
-          <a:bodyPr wrap="square" rtlCol="0">
-            <a:spAutoFit/>
-          </a:bodyPr>
-          <a:lstStyle/>
-          <a:p>
-            <a:r>
-              <a:rPr lang="en-US" sz="1200" b="1" dirty="0">
-                <a:solidFill>
-                  <a:srgbClr val="FF0000"/>
-                </a:solidFill>
-              </a:rPr>
-              <a:t>PLC-00</a:t>
-            </a:r>
-          </a:p>
-        </p:txBody>
-      </p:sp>
-      <p:sp>
-        <p:nvSpPr>
-          <p:cNvPr id="13" name="TextBox 12">
-            <a:extLst>
-              <a:ext uri="{FF2B5EF4-FFF2-40B4-BE49-F238E27FC236}">
-                <a16:creationId xmlns:a16="http://schemas.microsoft.com/office/drawing/2014/main" id="{42DF9EE5-AE59-BDFB-54EE-77061C8FA45A}"/>
-              </a:ext>
-            </a:extLst>
-          </p:cNvPr>
-          <p:cNvSpPr txBox="1"/>
-          <p:nvPr/>
-        </p:nvSpPr>
-        <p:spPr>
-          <a:xfrm>
-            <a:off x="8946567" y="1077872"/>
-            <a:ext cx="636759" cy="276999"/>
-          </a:xfrm>
-          <a:prstGeom prst="rect">
-            <a:avLst/>
-          </a:prstGeom>
-          <a:noFill/>
-        </p:spPr>
-        <p:txBody>
-          <a:bodyPr wrap="square" rtlCol="0">
-            <a:spAutoFit/>
-          </a:bodyPr>
-          <a:lstStyle/>
-          <a:p>
-            <a:r>
-              <a:rPr lang="en-US" sz="1200" b="1" dirty="0">
-                <a:solidFill>
-                  <a:srgbClr val="FF0000"/>
-                </a:solidFill>
-              </a:rPr>
-              <a:t>PLC-01</a:t>
-            </a:r>
-          </a:p>
-        </p:txBody>
-      </p:sp>
-      <p:sp>
-        <p:nvSpPr>
-          <p:cNvPr id="14" name="TextBox 13">
-            <a:extLst>
-              <a:ext uri="{FF2B5EF4-FFF2-40B4-BE49-F238E27FC236}">
-                <a16:creationId xmlns:a16="http://schemas.microsoft.com/office/drawing/2014/main" id="{D47F3555-831F-BEDC-11CC-A67F5838F2DC}"/>
-              </a:ext>
-            </a:extLst>
-          </p:cNvPr>
-          <p:cNvSpPr txBox="1"/>
-          <p:nvPr/>
-        </p:nvSpPr>
-        <p:spPr>
-          <a:xfrm>
-            <a:off x="10467706" y="1072993"/>
-            <a:ext cx="636759" cy="276999"/>
-          </a:xfrm>
-          <a:prstGeom prst="rect">
-            <a:avLst/>
-          </a:prstGeom>
-          <a:noFill/>
-        </p:spPr>
-        <p:txBody>
-          <a:bodyPr wrap="square" rtlCol="0">
-            <a:spAutoFit/>
-          </a:bodyPr>
-          <a:lstStyle/>
-          <a:p>
-            <a:r>
-              <a:rPr lang="en-US" sz="1200" b="1" dirty="0">
-                <a:solidFill>
-                  <a:srgbClr val="FF0000"/>
-                </a:solidFill>
-              </a:rPr>
-              <a:t>PLC-02</a:t>
-            </a:r>
-          </a:p>
-        </p:txBody>
-      </p:sp>
-      <p:sp>
-        <p:nvSpPr>
-          <p:cNvPr id="15" name="TextBox 14">
-            <a:extLst>
-              <a:ext uri="{FF2B5EF4-FFF2-40B4-BE49-F238E27FC236}">
-                <a16:creationId xmlns:a16="http://schemas.microsoft.com/office/drawing/2014/main" id="{A290E1E5-03DB-E81B-6A5A-AD5F2CDCAE36}"/>
-              </a:ext>
-            </a:extLst>
-          </p:cNvPr>
-          <p:cNvSpPr txBox="1"/>
-          <p:nvPr/>
-        </p:nvSpPr>
-        <p:spPr>
-          <a:xfrm>
-            <a:off x="8956346" y="182024"/>
-            <a:ext cx="1241289" cy="600164"/>
-          </a:xfrm>
-          <a:prstGeom prst="rect">
-            <a:avLst/>
-          </a:prstGeom>
-          <a:noFill/>
-        </p:spPr>
-        <p:txBody>
-          <a:bodyPr wrap="square" rtlCol="0">
-            <a:spAutoFit/>
-          </a:bodyPr>
-          <a:lstStyle/>
-          <a:p>
-            <a:r>
-              <a:rPr lang="en-US" sz="1100" b="1" dirty="0">
-                <a:solidFill>
-                  <a:srgbClr val="002060"/>
-                </a:solidFill>
-              </a:rPr>
-              <a:t>Junction Signal control PLC network</a:t>
-            </a:r>
-            <a:endParaRPr lang="en-SG" sz="1100" b="1" dirty="0">
-              <a:solidFill>
-                <a:srgbClr val="002060"/>
-              </a:solidFill>
-            </a:endParaRPr>
-          </a:p>
-        </p:txBody>
-      </p:sp>
       <p:pic>
         <p:nvPicPr>
-          <p:cNvPr id="20" name="Picture 19">
-            <a:extLst>
-              <a:ext uri="{FF2B5EF4-FFF2-40B4-BE49-F238E27FC236}">
-                <a16:creationId xmlns:a16="http://schemas.microsoft.com/office/drawing/2014/main" id="{60C293DD-5677-B5FC-E9A5-5A16C65128B7}"/>
+          <p:cNvPr id="6" name="Picture 5" descr="A diagram of a network&#10;&#10;Description automatically generated with medium confidence">
+            <a:extLst>
+              <a:ext uri="{FF2B5EF4-FFF2-40B4-BE49-F238E27FC236}">
+                <a16:creationId xmlns:a16="http://schemas.microsoft.com/office/drawing/2014/main" id="{8C910D90-47F7-4BAF-1E50-6A2A129E791C}"/>
               </a:ext>
             </a:extLst>
           </p:cNvPr>
@@ -34276,685 +33948,66 @@
           <p:nvPr/>
         </p:nvPicPr>
         <p:blipFill>
-          <a:blip r:embed="rId4"/>
+          <a:blip r:embed="rId3">
+            <a:extLst>
+              <a:ext uri="{28A0092B-C50C-407E-A947-70E740481C1C}">
+                <a14:useLocalDpi xmlns:a14="http://schemas.microsoft.com/office/drawing/2010/main" val="0"/>
+              </a:ext>
+            </a:extLst>
+          </a:blip>
           <a:stretch>
             <a:fillRect/>
           </a:stretch>
         </p:blipFill>
         <p:spPr>
           <a:xfrm>
-            <a:off x="234347" y="632955"/>
-            <a:ext cx="2266076" cy="6091445"/>
-          </a:xfrm>
-          <a:prstGeom prst="rect">
-            <a:avLst/>
-          </a:prstGeom>
-          <a:ln w="9525">
+            <a:off x="321886" y="687472"/>
+            <a:ext cx="4464399" cy="4605380"/>
+          </a:xfrm>
+          <a:prstGeom prst="rect">
+            <a:avLst/>
+          </a:prstGeom>
+        </p:spPr>
+      </p:pic>
+      <p:sp>
+        <p:nvSpPr>
+          <p:cNvPr id="7" name="Oval 6">
+            <a:extLst>
+              <a:ext uri="{FF2B5EF4-FFF2-40B4-BE49-F238E27FC236}">
+                <a16:creationId xmlns:a16="http://schemas.microsoft.com/office/drawing/2014/main" id="{F1B9E232-B4D6-6566-B93D-2E262ED3746E}"/>
+              </a:ext>
+            </a:extLst>
+          </p:cNvPr>
+          <p:cNvSpPr/>
+          <p:nvPr/>
+        </p:nvSpPr>
+        <p:spPr>
+          <a:xfrm>
+            <a:off x="9601961" y="4280154"/>
+            <a:ext cx="542163" cy="2025396"/>
+          </a:xfrm>
+          <a:prstGeom prst="ellipse">
+            <a:avLst/>
+          </a:prstGeom>
+          <a:noFill/>
+          <a:ln w="19050">
             <a:solidFill>
-              <a:schemeClr val="tx1"/>
+              <a:schemeClr val="accent2"/>
             </a:solidFill>
+            <a:prstDash val="sysDash"/>
           </a:ln>
-        </p:spPr>
-      </p:pic>
-      <p:pic>
-        <p:nvPicPr>
-          <p:cNvPr id="22" name="Picture 21" descr="A picture containing diagram, line, technical drawing, plan&#10;&#10;Description automatically generated">
-            <a:extLst>
-              <a:ext uri="{FF2B5EF4-FFF2-40B4-BE49-F238E27FC236}">
-                <a16:creationId xmlns:a16="http://schemas.microsoft.com/office/drawing/2014/main" id="{A2C53289-3937-43EF-975A-EFE55F9D97EE}"/>
-              </a:ext>
-            </a:extLst>
-          </p:cNvPr>
-          <p:cNvPicPr>
-            <a:picLocks noChangeAspect="1"/>
-          </p:cNvPicPr>
-          <p:nvPr/>
-        </p:nvPicPr>
-        <p:blipFill rotWithShape="1">
-          <a:blip r:embed="rId5">
-            <a:extLst>
-              <a:ext uri="{28A0092B-C50C-407E-A947-70E740481C1C}">
-                <a14:useLocalDpi xmlns:a14="http://schemas.microsoft.com/office/drawing/2010/main" val="0"/>
-              </a:ext>
-            </a:extLst>
-          </a:blip>
-          <a:srcRect l="3141" t="11965" r="26502" b="15956"/>
-          <a:stretch/>
-        </p:blipFill>
-        <p:spPr>
-          <a:xfrm>
-            <a:off x="3471627" y="1508711"/>
-            <a:ext cx="1129179" cy="498603"/>
-          </a:xfrm>
-          <a:prstGeom prst="rect">
-            <a:avLst/>
-          </a:prstGeom>
-        </p:spPr>
-      </p:pic>
-      <p:pic>
-        <p:nvPicPr>
-          <p:cNvPr id="26" name="Picture 25" descr="A picture containing diagram, line, technical drawing, plan&#10;&#10;Description automatically generated">
-            <a:extLst>
-              <a:ext uri="{FF2B5EF4-FFF2-40B4-BE49-F238E27FC236}">
-                <a16:creationId xmlns:a16="http://schemas.microsoft.com/office/drawing/2014/main" id="{39A9450D-39AF-BEF5-C022-325693B3F0D2}"/>
-              </a:ext>
-            </a:extLst>
-          </p:cNvPr>
-          <p:cNvPicPr>
-            <a:picLocks noChangeAspect="1"/>
-          </p:cNvPicPr>
-          <p:nvPr/>
-        </p:nvPicPr>
-        <p:blipFill rotWithShape="1">
-          <a:blip r:embed="rId5">
-            <a:extLst>
-              <a:ext uri="{28A0092B-C50C-407E-A947-70E740481C1C}">
-                <a14:useLocalDpi xmlns:a14="http://schemas.microsoft.com/office/drawing/2010/main" val="0"/>
-              </a:ext>
-            </a:extLst>
-          </a:blip>
-          <a:srcRect l="3141" t="11965" r="26502" b="15956"/>
-          <a:stretch/>
-        </p:blipFill>
-        <p:spPr>
-          <a:xfrm>
-            <a:off x="3466306" y="6216436"/>
-            <a:ext cx="1129179" cy="498603"/>
-          </a:xfrm>
-          <a:prstGeom prst="rect">
-            <a:avLst/>
-          </a:prstGeom>
-        </p:spPr>
-      </p:pic>
-      <p:pic>
-        <p:nvPicPr>
-          <p:cNvPr id="27" name="Picture 26" descr="A picture containing diagram, line, technical drawing, plan&#10;&#10;Description automatically generated">
-            <a:extLst>
-              <a:ext uri="{FF2B5EF4-FFF2-40B4-BE49-F238E27FC236}">
-                <a16:creationId xmlns:a16="http://schemas.microsoft.com/office/drawing/2014/main" id="{F4937391-6315-6D6E-93E9-E49D6279A67A}"/>
-              </a:ext>
-            </a:extLst>
-          </p:cNvPr>
-          <p:cNvPicPr>
-            <a:picLocks noChangeAspect="1"/>
-          </p:cNvPicPr>
-          <p:nvPr/>
-        </p:nvPicPr>
-        <p:blipFill rotWithShape="1">
-          <a:blip r:embed="rId5">
-            <a:extLst>
-              <a:ext uri="{28A0092B-C50C-407E-A947-70E740481C1C}">
-                <a14:useLocalDpi xmlns:a14="http://schemas.microsoft.com/office/drawing/2010/main" val="0"/>
-              </a:ext>
-            </a:extLst>
-          </a:blip>
-          <a:srcRect l="3141" t="11965" r="26502" b="15956"/>
-          <a:stretch/>
-        </p:blipFill>
-        <p:spPr>
-          <a:xfrm>
-            <a:off x="3467857" y="2383665"/>
-            <a:ext cx="1129179" cy="498603"/>
-          </a:xfrm>
-          <a:prstGeom prst="rect">
-            <a:avLst/>
-          </a:prstGeom>
-        </p:spPr>
-      </p:pic>
-      <p:pic>
-        <p:nvPicPr>
-          <p:cNvPr id="28" name="Picture 27" descr="A picture containing diagram, line, technical drawing, plan&#10;&#10;Description automatically generated">
-            <a:extLst>
-              <a:ext uri="{FF2B5EF4-FFF2-40B4-BE49-F238E27FC236}">
-                <a16:creationId xmlns:a16="http://schemas.microsoft.com/office/drawing/2014/main" id="{6BA8AEC6-B35A-E093-E1E0-B62E8DD87F62}"/>
-              </a:ext>
-            </a:extLst>
-          </p:cNvPr>
-          <p:cNvPicPr>
-            <a:picLocks noChangeAspect="1"/>
-          </p:cNvPicPr>
-          <p:nvPr/>
-        </p:nvPicPr>
-        <p:blipFill rotWithShape="1">
-          <a:blip r:embed="rId5">
-            <a:extLst>
-              <a:ext uri="{28A0092B-C50C-407E-A947-70E740481C1C}">
-                <a14:useLocalDpi xmlns:a14="http://schemas.microsoft.com/office/drawing/2010/main" val="0"/>
-              </a:ext>
-            </a:extLst>
-          </a:blip>
-          <a:srcRect l="3141" t="11965" r="26502" b="15956"/>
-          <a:stretch/>
-        </p:blipFill>
-        <p:spPr>
-          <a:xfrm>
-            <a:off x="3467857" y="3179698"/>
-            <a:ext cx="1129179" cy="498603"/>
-          </a:xfrm>
-          <a:prstGeom prst="rect">
-            <a:avLst/>
-          </a:prstGeom>
-        </p:spPr>
-      </p:pic>
-      <p:pic>
-        <p:nvPicPr>
-          <p:cNvPr id="29" name="Picture 28" descr="A picture containing diagram, line, technical drawing, plan&#10;&#10;Description automatically generated">
-            <a:extLst>
-              <a:ext uri="{FF2B5EF4-FFF2-40B4-BE49-F238E27FC236}">
-                <a16:creationId xmlns:a16="http://schemas.microsoft.com/office/drawing/2014/main" id="{2E0894CB-2F6F-4445-5F08-40972056FA55}"/>
-              </a:ext>
-            </a:extLst>
-          </p:cNvPr>
-          <p:cNvPicPr>
-            <a:picLocks noChangeAspect="1"/>
-          </p:cNvPicPr>
-          <p:nvPr/>
-        </p:nvPicPr>
-        <p:blipFill rotWithShape="1">
-          <a:blip r:embed="rId5">
-            <a:extLst>
-              <a:ext uri="{28A0092B-C50C-407E-A947-70E740481C1C}">
-                <a14:useLocalDpi xmlns:a14="http://schemas.microsoft.com/office/drawing/2010/main" val="0"/>
-              </a:ext>
-            </a:extLst>
-          </a:blip>
-          <a:srcRect l="3141" t="11965" r="26502" b="15956"/>
-          <a:stretch/>
-        </p:blipFill>
-        <p:spPr>
-          <a:xfrm>
-            <a:off x="3467336" y="3943639"/>
-            <a:ext cx="1129179" cy="498603"/>
-          </a:xfrm>
-          <a:prstGeom prst="rect">
-            <a:avLst/>
-          </a:prstGeom>
-        </p:spPr>
-      </p:pic>
-      <p:pic>
-        <p:nvPicPr>
-          <p:cNvPr id="30" name="Picture 29" descr="A picture containing diagram, line, technical drawing, plan&#10;&#10;Description automatically generated">
-            <a:extLst>
-              <a:ext uri="{FF2B5EF4-FFF2-40B4-BE49-F238E27FC236}">
-                <a16:creationId xmlns:a16="http://schemas.microsoft.com/office/drawing/2014/main" id="{B1C72961-66B6-A8D1-9DB3-D8F83EF4860F}"/>
-              </a:ext>
-            </a:extLst>
-          </p:cNvPr>
-          <p:cNvPicPr>
-            <a:picLocks noChangeAspect="1"/>
-          </p:cNvPicPr>
-          <p:nvPr/>
-        </p:nvPicPr>
-        <p:blipFill rotWithShape="1">
-          <a:blip r:embed="rId5">
-            <a:extLst>
-              <a:ext uri="{28A0092B-C50C-407E-A947-70E740481C1C}">
-                <a14:useLocalDpi xmlns:a14="http://schemas.microsoft.com/office/drawing/2010/main" val="0"/>
-              </a:ext>
-            </a:extLst>
-          </a:blip>
-          <a:srcRect l="3141" t="11965" r="26502" b="15956"/>
-          <a:stretch/>
-        </p:blipFill>
-        <p:spPr>
-          <a:xfrm>
-            <a:off x="3467335" y="4704351"/>
-            <a:ext cx="1129179" cy="498603"/>
-          </a:xfrm>
-          <a:prstGeom prst="rect">
-            <a:avLst/>
-          </a:prstGeom>
-        </p:spPr>
-      </p:pic>
-      <p:pic>
-        <p:nvPicPr>
-          <p:cNvPr id="31" name="Picture 30" descr="A picture containing diagram, line, technical drawing, plan&#10;&#10;Description automatically generated">
-            <a:extLst>
-              <a:ext uri="{FF2B5EF4-FFF2-40B4-BE49-F238E27FC236}">
-                <a16:creationId xmlns:a16="http://schemas.microsoft.com/office/drawing/2014/main" id="{10795A74-12A9-9E89-2CA0-0595320A12BA}"/>
-              </a:ext>
-            </a:extLst>
-          </p:cNvPr>
-          <p:cNvPicPr>
-            <a:picLocks noChangeAspect="1"/>
-          </p:cNvPicPr>
-          <p:nvPr/>
-        </p:nvPicPr>
-        <p:blipFill rotWithShape="1">
-          <a:blip r:embed="rId5">
-            <a:extLst>
-              <a:ext uri="{28A0092B-C50C-407E-A947-70E740481C1C}">
-                <a14:useLocalDpi xmlns:a14="http://schemas.microsoft.com/office/drawing/2010/main" val="0"/>
-              </a:ext>
-            </a:extLst>
-          </a:blip>
-          <a:srcRect l="3141" t="11965" r="26502" b="15956"/>
-          <a:stretch/>
-        </p:blipFill>
-        <p:spPr>
-          <a:xfrm>
-            <a:off x="3467335" y="5465063"/>
-            <a:ext cx="1129179" cy="498603"/>
-          </a:xfrm>
-          <a:prstGeom prst="rect">
-            <a:avLst/>
-          </a:prstGeom>
-        </p:spPr>
-      </p:pic>
-      <p:pic>
-        <p:nvPicPr>
-          <p:cNvPr id="32" name="Picture 31" descr="A picture containing diagram, line, technical drawing, plan&#10;&#10;Description automatically generated">
-            <a:extLst>
-              <a:ext uri="{FF2B5EF4-FFF2-40B4-BE49-F238E27FC236}">
-                <a16:creationId xmlns:a16="http://schemas.microsoft.com/office/drawing/2014/main" id="{26D7D3EB-EFC8-888C-CBDC-23BFF1324B23}"/>
-              </a:ext>
-            </a:extLst>
-          </p:cNvPr>
-          <p:cNvPicPr>
-            <a:picLocks noChangeAspect="1"/>
-          </p:cNvPicPr>
-          <p:nvPr/>
-        </p:nvPicPr>
-        <p:blipFill rotWithShape="1">
-          <a:blip r:embed="rId5">
-            <a:extLst>
-              <a:ext uri="{28A0092B-C50C-407E-A947-70E740481C1C}">
-                <a14:useLocalDpi xmlns:a14="http://schemas.microsoft.com/office/drawing/2010/main" val="0"/>
-              </a:ext>
-            </a:extLst>
-          </a:blip>
-          <a:srcRect l="3141" t="11965" r="26502" b="15956"/>
-          <a:stretch/>
-        </p:blipFill>
-        <p:spPr>
-          <a:xfrm>
-            <a:off x="6033328" y="1158208"/>
-            <a:ext cx="1129179" cy="498603"/>
-          </a:xfrm>
-          <a:prstGeom prst="rect">
-            <a:avLst/>
-          </a:prstGeom>
-        </p:spPr>
-      </p:pic>
-      <p:pic>
-        <p:nvPicPr>
-          <p:cNvPr id="33" name="Picture 32" descr="A picture containing diagram, line, technical drawing, plan&#10;&#10;Description automatically generated">
-            <a:extLst>
-              <a:ext uri="{FF2B5EF4-FFF2-40B4-BE49-F238E27FC236}">
-                <a16:creationId xmlns:a16="http://schemas.microsoft.com/office/drawing/2014/main" id="{BE8019EB-8CE2-E45D-F163-65C2BEB502B1}"/>
-              </a:ext>
-            </a:extLst>
-          </p:cNvPr>
-          <p:cNvPicPr>
-            <a:picLocks noChangeAspect="1"/>
-          </p:cNvPicPr>
-          <p:nvPr/>
-        </p:nvPicPr>
-        <p:blipFill rotWithShape="1">
-          <a:blip r:embed="rId5">
-            <a:extLst>
-              <a:ext uri="{28A0092B-C50C-407E-A947-70E740481C1C}">
-                <a14:useLocalDpi xmlns:a14="http://schemas.microsoft.com/office/drawing/2010/main" val="0"/>
-              </a:ext>
-            </a:extLst>
-          </a:blip>
-          <a:srcRect l="3141" t="11965" r="26502" b="15956"/>
-          <a:stretch/>
-        </p:blipFill>
-        <p:spPr>
-          <a:xfrm>
-            <a:off x="6033328" y="1929772"/>
-            <a:ext cx="1129179" cy="498603"/>
-          </a:xfrm>
-          <a:prstGeom prst="rect">
-            <a:avLst/>
-          </a:prstGeom>
-        </p:spPr>
-      </p:pic>
-      <p:pic>
-        <p:nvPicPr>
-          <p:cNvPr id="34" name="Picture 33" descr="A picture containing diagram, line, technical drawing, plan&#10;&#10;Description automatically generated">
-            <a:extLst>
-              <a:ext uri="{FF2B5EF4-FFF2-40B4-BE49-F238E27FC236}">
-                <a16:creationId xmlns:a16="http://schemas.microsoft.com/office/drawing/2014/main" id="{FFE3EC2F-B995-2AE6-8DD1-96C772DE5B2C}"/>
-              </a:ext>
-            </a:extLst>
-          </p:cNvPr>
-          <p:cNvPicPr>
-            <a:picLocks noChangeAspect="1"/>
-          </p:cNvPicPr>
-          <p:nvPr/>
-        </p:nvPicPr>
-        <p:blipFill rotWithShape="1">
-          <a:blip r:embed="rId5">
-            <a:extLst>
-              <a:ext uri="{28A0092B-C50C-407E-A947-70E740481C1C}">
-                <a14:useLocalDpi xmlns:a14="http://schemas.microsoft.com/office/drawing/2010/main" val="0"/>
-              </a:ext>
-            </a:extLst>
-          </a:blip>
-          <a:srcRect l="3141" t="11965" r="26502" b="15956"/>
-          <a:stretch/>
-        </p:blipFill>
-        <p:spPr>
-          <a:xfrm>
-            <a:off x="6091231" y="2816689"/>
-            <a:ext cx="1129179" cy="498603"/>
-          </a:xfrm>
-          <a:prstGeom prst="rect">
-            <a:avLst/>
-          </a:prstGeom>
-        </p:spPr>
-      </p:pic>
-      <p:pic>
-        <p:nvPicPr>
-          <p:cNvPr id="35" name="Picture 34" descr="A picture containing diagram, line, technical drawing, plan&#10;&#10;Description automatically generated">
-            <a:extLst>
-              <a:ext uri="{FF2B5EF4-FFF2-40B4-BE49-F238E27FC236}">
-                <a16:creationId xmlns:a16="http://schemas.microsoft.com/office/drawing/2014/main" id="{4CD9FAE1-5567-5BFE-77F0-629E423A0258}"/>
-              </a:ext>
-            </a:extLst>
-          </p:cNvPr>
-          <p:cNvPicPr>
-            <a:picLocks noChangeAspect="1"/>
-          </p:cNvPicPr>
-          <p:nvPr/>
-        </p:nvPicPr>
-        <p:blipFill rotWithShape="1">
-          <a:blip r:embed="rId5">
-            <a:extLst>
-              <a:ext uri="{28A0092B-C50C-407E-A947-70E740481C1C}">
-                <a14:useLocalDpi xmlns:a14="http://schemas.microsoft.com/office/drawing/2010/main" val="0"/>
-              </a:ext>
-            </a:extLst>
-          </a:blip>
-          <a:srcRect l="3141" t="11965" r="26502" b="15956"/>
-          <a:stretch/>
-        </p:blipFill>
-        <p:spPr>
-          <a:xfrm>
-            <a:off x="6167758" y="3733218"/>
-            <a:ext cx="1129179" cy="498603"/>
-          </a:xfrm>
-          <a:prstGeom prst="rect">
-            <a:avLst/>
-          </a:prstGeom>
-        </p:spPr>
-      </p:pic>
-      <p:pic>
-        <p:nvPicPr>
-          <p:cNvPr id="36" name="Picture 35" descr="A picture containing diagram, line, technical drawing, plan&#10;&#10;Description automatically generated">
-            <a:extLst>
-              <a:ext uri="{FF2B5EF4-FFF2-40B4-BE49-F238E27FC236}">
-                <a16:creationId xmlns:a16="http://schemas.microsoft.com/office/drawing/2014/main" id="{480CE01E-5095-A0F5-64F2-81156D87DCF6}"/>
-              </a:ext>
-            </a:extLst>
-          </p:cNvPr>
-          <p:cNvPicPr>
-            <a:picLocks noChangeAspect="1"/>
-          </p:cNvPicPr>
-          <p:nvPr/>
-        </p:nvPicPr>
-        <p:blipFill rotWithShape="1">
-          <a:blip r:embed="rId5">
-            <a:extLst>
-              <a:ext uri="{28A0092B-C50C-407E-A947-70E740481C1C}">
-                <a14:useLocalDpi xmlns:a14="http://schemas.microsoft.com/office/drawing/2010/main" val="0"/>
-              </a:ext>
-            </a:extLst>
-          </a:blip>
-          <a:srcRect l="3141" t="11965" r="26502" b="15956"/>
-          <a:stretch/>
-        </p:blipFill>
-        <p:spPr>
-          <a:xfrm>
-            <a:off x="6167758" y="4494919"/>
-            <a:ext cx="1129179" cy="498603"/>
-          </a:xfrm>
-          <a:prstGeom prst="rect">
-            <a:avLst/>
-          </a:prstGeom>
-        </p:spPr>
-      </p:pic>
-      <p:pic>
-        <p:nvPicPr>
-          <p:cNvPr id="37" name="Picture 36" descr="A picture containing diagram, line, technical drawing, plan&#10;&#10;Description automatically generated">
-            <a:extLst>
-              <a:ext uri="{FF2B5EF4-FFF2-40B4-BE49-F238E27FC236}">
-                <a16:creationId xmlns:a16="http://schemas.microsoft.com/office/drawing/2014/main" id="{81BC5CEE-7AA8-66B3-3232-297FBD255B21}"/>
-              </a:ext>
-            </a:extLst>
-          </p:cNvPr>
-          <p:cNvPicPr>
-            <a:picLocks noChangeAspect="1"/>
-          </p:cNvPicPr>
-          <p:nvPr/>
-        </p:nvPicPr>
-        <p:blipFill rotWithShape="1">
-          <a:blip r:embed="rId5">
-            <a:extLst>
-              <a:ext uri="{28A0092B-C50C-407E-A947-70E740481C1C}">
-                <a14:useLocalDpi xmlns:a14="http://schemas.microsoft.com/office/drawing/2010/main" val="0"/>
-              </a:ext>
-            </a:extLst>
-          </a:blip>
-          <a:srcRect l="3141" t="11965" r="26502" b="15956"/>
-          <a:stretch/>
-        </p:blipFill>
-        <p:spPr>
-          <a:xfrm>
-            <a:off x="6167758" y="5316225"/>
-            <a:ext cx="1129179" cy="498603"/>
-          </a:xfrm>
-          <a:prstGeom prst="rect">
-            <a:avLst/>
-          </a:prstGeom>
-        </p:spPr>
-      </p:pic>
-      <p:pic>
-        <p:nvPicPr>
-          <p:cNvPr id="38" name="Picture 37" descr="A picture containing diagram, line, technical drawing, plan&#10;&#10;Description automatically generated">
-            <a:extLst>
-              <a:ext uri="{FF2B5EF4-FFF2-40B4-BE49-F238E27FC236}">
-                <a16:creationId xmlns:a16="http://schemas.microsoft.com/office/drawing/2014/main" id="{E1BDF9E2-3654-494C-979D-FA2AEC2DED4C}"/>
-              </a:ext>
-            </a:extLst>
-          </p:cNvPr>
-          <p:cNvPicPr>
-            <a:picLocks noChangeAspect="1"/>
-          </p:cNvPicPr>
-          <p:nvPr/>
-        </p:nvPicPr>
-        <p:blipFill rotWithShape="1">
-          <a:blip r:embed="rId5">
-            <a:extLst>
-              <a:ext uri="{28A0092B-C50C-407E-A947-70E740481C1C}">
-                <a14:useLocalDpi xmlns:a14="http://schemas.microsoft.com/office/drawing/2010/main" val="0"/>
-              </a:ext>
-            </a:extLst>
-          </a:blip>
-          <a:srcRect l="3141" t="11965" r="26502" b="15956"/>
-          <a:stretch/>
-        </p:blipFill>
-        <p:spPr>
-          <a:xfrm>
-            <a:off x="6130993" y="6283315"/>
-            <a:ext cx="1129179" cy="498603"/>
-          </a:xfrm>
-          <a:prstGeom prst="rect">
-            <a:avLst/>
-          </a:prstGeom>
-        </p:spPr>
-      </p:pic>
-      <p:pic>
-        <p:nvPicPr>
-          <p:cNvPr id="39" name="Picture 38" descr="A picture containing diagram, line, technical drawing, plan&#10;&#10;Description automatically generated">
-            <a:extLst>
-              <a:ext uri="{FF2B5EF4-FFF2-40B4-BE49-F238E27FC236}">
-                <a16:creationId xmlns:a16="http://schemas.microsoft.com/office/drawing/2014/main" id="{8484A661-8020-60FE-C970-6BC2B449482F}"/>
-              </a:ext>
-            </a:extLst>
-          </p:cNvPr>
-          <p:cNvPicPr>
-            <a:picLocks noChangeAspect="1"/>
-          </p:cNvPicPr>
-          <p:nvPr/>
-        </p:nvPicPr>
-        <p:blipFill rotWithShape="1">
-          <a:blip r:embed="rId5">
-            <a:extLst>
-              <a:ext uri="{28A0092B-C50C-407E-A947-70E740481C1C}">
-                <a14:useLocalDpi xmlns:a14="http://schemas.microsoft.com/office/drawing/2010/main" val="0"/>
-              </a:ext>
-            </a:extLst>
-          </a:blip>
-          <a:srcRect l="3141" t="11965" r="26502" b="15956"/>
-          <a:stretch/>
-        </p:blipFill>
-        <p:spPr>
-          <a:xfrm>
-            <a:off x="8191574" y="2074603"/>
-            <a:ext cx="1129179" cy="498603"/>
-          </a:xfrm>
-          <a:prstGeom prst="rect">
-            <a:avLst/>
-          </a:prstGeom>
-        </p:spPr>
-      </p:pic>
-      <p:pic>
-        <p:nvPicPr>
-          <p:cNvPr id="40" name="Picture 39" descr="A picture containing diagram, line, technical drawing, plan&#10;&#10;Description automatically generated">
-            <a:extLst>
-              <a:ext uri="{FF2B5EF4-FFF2-40B4-BE49-F238E27FC236}">
-                <a16:creationId xmlns:a16="http://schemas.microsoft.com/office/drawing/2014/main" id="{3E99ECAF-0D5C-99AC-6609-666FE3538487}"/>
-              </a:ext>
-            </a:extLst>
-          </p:cNvPr>
-          <p:cNvPicPr>
-            <a:picLocks noChangeAspect="1"/>
-          </p:cNvPicPr>
-          <p:nvPr/>
-        </p:nvPicPr>
-        <p:blipFill rotWithShape="1">
-          <a:blip r:embed="rId5">
-            <a:extLst>
-              <a:ext uri="{28A0092B-C50C-407E-A947-70E740481C1C}">
-                <a14:useLocalDpi xmlns:a14="http://schemas.microsoft.com/office/drawing/2010/main" val="0"/>
-              </a:ext>
-            </a:extLst>
-          </a:blip>
-          <a:srcRect l="3141" t="11965" r="26502" b="15956"/>
-          <a:stretch/>
-        </p:blipFill>
-        <p:spPr>
-          <a:xfrm>
-            <a:off x="8212762" y="3034608"/>
-            <a:ext cx="1129179" cy="498603"/>
-          </a:xfrm>
-          <a:prstGeom prst="rect">
-            <a:avLst/>
-          </a:prstGeom>
-        </p:spPr>
-      </p:pic>
-      <p:pic>
-        <p:nvPicPr>
-          <p:cNvPr id="41" name="Picture 40" descr="A picture containing diagram, line, technical drawing, plan&#10;&#10;Description automatically generated">
-            <a:extLst>
-              <a:ext uri="{FF2B5EF4-FFF2-40B4-BE49-F238E27FC236}">
-                <a16:creationId xmlns:a16="http://schemas.microsoft.com/office/drawing/2014/main" id="{E009D302-BFE5-FBDF-386C-F2F5AF4DBBD9}"/>
-              </a:ext>
-            </a:extLst>
-          </p:cNvPr>
-          <p:cNvPicPr>
-            <a:picLocks noChangeAspect="1"/>
-          </p:cNvPicPr>
-          <p:nvPr/>
-        </p:nvPicPr>
-        <p:blipFill rotWithShape="1">
-          <a:blip r:embed="rId5">
-            <a:extLst>
-              <a:ext uri="{28A0092B-C50C-407E-A947-70E740481C1C}">
-                <a14:useLocalDpi xmlns:a14="http://schemas.microsoft.com/office/drawing/2010/main" val="0"/>
-              </a:ext>
-            </a:extLst>
-          </a:blip>
-          <a:srcRect l="3141" t="11965" r="26502" b="15956"/>
-          <a:stretch/>
-        </p:blipFill>
-        <p:spPr>
-          <a:xfrm>
-            <a:off x="8218432" y="3847035"/>
-            <a:ext cx="1129179" cy="498603"/>
-          </a:xfrm>
-          <a:prstGeom prst="rect">
-            <a:avLst/>
-          </a:prstGeom>
-        </p:spPr>
-      </p:pic>
-      <p:pic>
-        <p:nvPicPr>
-          <p:cNvPr id="42" name="Picture 41" descr="A picture containing diagram, line, technical drawing, plan&#10;&#10;Description automatically generated">
-            <a:extLst>
-              <a:ext uri="{FF2B5EF4-FFF2-40B4-BE49-F238E27FC236}">
-                <a16:creationId xmlns:a16="http://schemas.microsoft.com/office/drawing/2014/main" id="{0696C493-7808-42E3-CCCF-457FBA3CD8B6}"/>
-              </a:ext>
-            </a:extLst>
-          </p:cNvPr>
-          <p:cNvPicPr>
-            <a:picLocks noChangeAspect="1"/>
-          </p:cNvPicPr>
-          <p:nvPr/>
-        </p:nvPicPr>
-        <p:blipFill rotWithShape="1">
-          <a:blip r:embed="rId5">
-            <a:extLst>
-              <a:ext uri="{28A0092B-C50C-407E-A947-70E740481C1C}">
-                <a14:useLocalDpi xmlns:a14="http://schemas.microsoft.com/office/drawing/2010/main" val="0"/>
-              </a:ext>
-            </a:extLst>
-          </a:blip>
-          <a:srcRect l="3141" t="11965" r="26502" b="15956"/>
-          <a:stretch/>
-        </p:blipFill>
-        <p:spPr>
-          <a:xfrm>
-            <a:off x="8302961" y="4761532"/>
-            <a:ext cx="1129179" cy="498603"/>
-          </a:xfrm>
-          <a:prstGeom prst="rect">
-            <a:avLst/>
-          </a:prstGeom>
-        </p:spPr>
-      </p:pic>
-      <p:sp>
-        <p:nvSpPr>
-          <p:cNvPr id="46" name="Rectangle 45">
-            <a:extLst>
-              <a:ext uri="{FF2B5EF4-FFF2-40B4-BE49-F238E27FC236}">
-                <a16:creationId xmlns:a16="http://schemas.microsoft.com/office/drawing/2014/main" id="{68B2A139-76DD-504D-1CFF-CB58243AA034}"/>
-              </a:ext>
-            </a:extLst>
-          </p:cNvPr>
-          <p:cNvSpPr/>
-          <p:nvPr/>
-        </p:nvSpPr>
-        <p:spPr>
-          <a:xfrm>
-            <a:off x="4550776" y="5508827"/>
-            <a:ext cx="803139" cy="293723"/>
-          </a:xfrm>
-          <a:prstGeom prst="rect">
-            <a:avLst/>
-          </a:prstGeom>
-          <a:noFill/>
-          <a:ln>
-            <a:noFill/>
-          </a:ln>
+          <a:effectLst>
+            <a:outerShdw blurRad="50800" dist="38100" dir="2700000" algn="tl" rotWithShape="0">
+              <a:prstClr val="black">
+                <a:alpha val="40000"/>
+              </a:prstClr>
+            </a:outerShdw>
+          </a:effectLst>
         </p:spPr>
         <p:style>
           <a:lnRef idx="2">
             <a:schemeClr val="accent1">
-              <a:shade val="50000"/>
+              <a:shade val="15000"/>
             </a:schemeClr>
           </a:lnRef>
           <a:fillRef idx="1">
@@ -34971,55 +34024,40 @@
           <a:bodyPr rtlCol="0" anchor="ctr"/>
           <a:lstStyle/>
           <a:p>
-            <a:r>
-              <a:rPr lang="en-US" sz="1100" b="1" dirty="0">
-                <a:solidFill>
-                  <a:srgbClr val="002060"/>
-                </a:solidFill>
-              </a:rPr>
-              <a:t>PLC0 Q0.0</a:t>
-            </a:r>
-          </a:p>
-          <a:p>
-            <a:r>
-              <a:rPr lang="en-US" sz="1100" b="1" dirty="0">
-                <a:solidFill>
-                  <a:srgbClr val="002060"/>
-                </a:solidFill>
-              </a:rPr>
-              <a:t>S-we-0</a:t>
-            </a:r>
-            <a:endParaRPr lang="en-SG" sz="1100" b="1" dirty="0">
-              <a:solidFill>
-                <a:srgbClr val="002060"/>
-              </a:solidFill>
-            </a:endParaRPr>
+            <a:pPr algn="ctr"/>
+            <a:endParaRPr lang="en-SG" dirty="0"/>
           </a:p>
         </p:txBody>
       </p:sp>
       <p:cxnSp>
         <p:nvCxnSpPr>
-          <p:cNvPr id="55" name="Straight Connector 54">
-            <a:extLst>
-              <a:ext uri="{FF2B5EF4-FFF2-40B4-BE49-F238E27FC236}">
-                <a16:creationId xmlns:a16="http://schemas.microsoft.com/office/drawing/2014/main" id="{22B36560-75CD-690F-9532-01AB83ED804A}"/>
+          <p:cNvPr id="8" name="Connector: Elbow 7">
+            <a:extLst>
+              <a:ext uri="{FF2B5EF4-FFF2-40B4-BE49-F238E27FC236}">
+                <a16:creationId xmlns:a16="http://schemas.microsoft.com/office/drawing/2014/main" id="{A41B088C-EE8D-2CB0-89B1-AB77DD891A42}"/>
               </a:ext>
             </a:extLst>
           </p:cNvPr>
           <p:cNvCxnSpPr>
             <a:cxnSpLocks/>
-            <a:endCxn id="31" idx="1"/>
+            <a:stCxn id="7" idx="0"/>
           </p:cNvCxnSpPr>
           <p:nvPr/>
         </p:nvCxnSpPr>
         <p:spPr>
-          <a:xfrm flipV="1">
-            <a:off x="2500423" y="5714365"/>
-            <a:ext cx="966912" cy="760733"/>
-          </a:xfrm>
-          <a:prstGeom prst="line">
-            <a:avLst/>
-          </a:prstGeom>
+          <a:xfrm rot="16200000" flipV="1">
+            <a:off x="4737732" y="-855157"/>
+            <a:ext cx="2951663" cy="7318960"/>
+          </a:xfrm>
+          <a:prstGeom prst="bentConnector2">
+            <a:avLst/>
+          </a:prstGeom>
+          <a:ln w="19050">
+            <a:solidFill>
+              <a:schemeClr val="accent2"/>
+            </a:solidFill>
+            <a:tailEnd type="triangle"/>
+          </a:ln>
         </p:spPr>
         <p:style>
           <a:lnRef idx="1">
@@ -35036,3144 +34074,90 @@
           </a:fontRef>
         </p:style>
       </p:cxnSp>
+      <p:sp>
+        <p:nvSpPr>
+          <p:cNvPr id="11" name="Oval 10">
+            <a:extLst>
+              <a:ext uri="{FF2B5EF4-FFF2-40B4-BE49-F238E27FC236}">
+                <a16:creationId xmlns:a16="http://schemas.microsoft.com/office/drawing/2014/main" id="{182F0876-5956-6F39-65B2-A3BF0543229D}"/>
+              </a:ext>
+            </a:extLst>
+          </p:cNvPr>
+          <p:cNvSpPr/>
+          <p:nvPr/>
+        </p:nvSpPr>
+        <p:spPr>
+          <a:xfrm>
+            <a:off x="6448393" y="3893672"/>
+            <a:ext cx="2105058" cy="1802278"/>
+          </a:xfrm>
+          <a:prstGeom prst="ellipse">
+            <a:avLst/>
+          </a:prstGeom>
+          <a:noFill/>
+          <a:ln w="38100">
+            <a:solidFill>
+              <a:srgbClr val="00B050"/>
+            </a:solidFill>
+            <a:prstDash val="sysDash"/>
+          </a:ln>
+          <a:effectLst>
+            <a:outerShdw blurRad="50800" dist="38100" dir="2700000" algn="tl" rotWithShape="0">
+              <a:prstClr val="black">
+                <a:alpha val="40000"/>
+              </a:prstClr>
+            </a:outerShdw>
+          </a:effectLst>
+        </p:spPr>
+        <p:style>
+          <a:lnRef idx="2">
+            <a:schemeClr val="accent1">
+              <a:shade val="15000"/>
+            </a:schemeClr>
+          </a:lnRef>
+          <a:fillRef idx="1">
+            <a:schemeClr val="accent1"/>
+          </a:fillRef>
+          <a:effectRef idx="0">
+            <a:schemeClr val="accent1"/>
+          </a:effectRef>
+          <a:fontRef idx="minor">
+            <a:schemeClr val="lt1"/>
+          </a:fontRef>
+        </p:style>
+        <p:txBody>
+          <a:bodyPr rtlCol="0" anchor="ctr"/>
+          <a:lstStyle/>
+          <a:p>
+            <a:pPr algn="ctr"/>
+            <a:endParaRPr lang="en-SG" dirty="0"/>
+          </a:p>
+        </p:txBody>
+      </p:sp>
       <p:cxnSp>
         <p:nvCxnSpPr>
-          <p:cNvPr id="58" name="Straight Connector 57">
-            <a:extLst>
-              <a:ext uri="{FF2B5EF4-FFF2-40B4-BE49-F238E27FC236}">
-                <a16:creationId xmlns:a16="http://schemas.microsoft.com/office/drawing/2014/main" id="{C43F6758-AAD0-CE45-8F87-26DA2A63CBC3}"/>
+          <p:cNvPr id="12" name="Connector: Elbow 11">
+            <a:extLst>
+              <a:ext uri="{FF2B5EF4-FFF2-40B4-BE49-F238E27FC236}">
+                <a16:creationId xmlns:a16="http://schemas.microsoft.com/office/drawing/2014/main" id="{174995ED-FAAF-2B43-15A2-8436A627E9C6}"/>
               </a:ext>
             </a:extLst>
           </p:cNvPr>
           <p:cNvCxnSpPr>
             <a:cxnSpLocks/>
+            <a:stCxn id="11" idx="0"/>
           </p:cNvCxnSpPr>
           <p:nvPr/>
         </p:nvCxnSpPr>
         <p:spPr>
-          <a:xfrm flipV="1">
-            <a:off x="2500423" y="5802550"/>
-            <a:ext cx="1026465" cy="859536"/>
-          </a:xfrm>
-          <a:prstGeom prst="line">
-            <a:avLst/>
-          </a:prstGeom>
-        </p:spPr>
-        <p:style>
-          <a:lnRef idx="1">
-            <a:schemeClr val="dk1"/>
-          </a:lnRef>
-          <a:fillRef idx="0">
-            <a:schemeClr val="dk1"/>
-          </a:fillRef>
-          <a:effectRef idx="0">
-            <a:schemeClr val="dk1"/>
-          </a:effectRef>
-          <a:fontRef idx="minor">
-            <a:schemeClr val="tx1"/>
-          </a:fontRef>
-        </p:style>
-      </p:cxnSp>
-      <p:cxnSp>
-        <p:nvCxnSpPr>
-          <p:cNvPr id="62" name="Straight Connector 61">
-            <a:extLst>
-              <a:ext uri="{FF2B5EF4-FFF2-40B4-BE49-F238E27FC236}">
-                <a16:creationId xmlns:a16="http://schemas.microsoft.com/office/drawing/2014/main" id="{FBAFCDA6-AF8B-1592-D4A4-A0584E4DBC3D}"/>
-              </a:ext>
-            </a:extLst>
-          </p:cNvPr>
-          <p:cNvCxnSpPr>
-            <a:cxnSpLocks/>
-          </p:cNvCxnSpPr>
-          <p:nvPr/>
-        </p:nvCxnSpPr>
-        <p:spPr>
-          <a:xfrm flipV="1">
-            <a:off x="2491708" y="4851686"/>
-            <a:ext cx="1063668" cy="1315915"/>
-          </a:xfrm>
-          <a:prstGeom prst="line">
-            <a:avLst/>
-          </a:prstGeom>
-        </p:spPr>
-        <p:style>
-          <a:lnRef idx="1">
-            <a:schemeClr val="accent1"/>
-          </a:lnRef>
-          <a:fillRef idx="0">
-            <a:schemeClr val="accent1"/>
-          </a:fillRef>
-          <a:effectRef idx="0">
-            <a:schemeClr val="accent1"/>
-          </a:effectRef>
-          <a:fontRef idx="minor">
-            <a:schemeClr val="tx1"/>
-          </a:fontRef>
-        </p:style>
-      </p:cxnSp>
-      <p:cxnSp>
-        <p:nvCxnSpPr>
-          <p:cNvPr id="63" name="Straight Connector 62">
-            <a:extLst>
-              <a:ext uri="{FF2B5EF4-FFF2-40B4-BE49-F238E27FC236}">
-                <a16:creationId xmlns:a16="http://schemas.microsoft.com/office/drawing/2014/main" id="{34BD19B2-ADAE-D25B-722E-058FC60E20DD}"/>
-              </a:ext>
-            </a:extLst>
-          </p:cNvPr>
-          <p:cNvCxnSpPr>
-            <a:cxnSpLocks/>
-          </p:cNvCxnSpPr>
-          <p:nvPr/>
-        </p:nvCxnSpPr>
-        <p:spPr>
-          <a:xfrm flipV="1">
-            <a:off x="2491708" y="5057990"/>
-            <a:ext cx="1043895" cy="1296599"/>
-          </a:xfrm>
-          <a:prstGeom prst="line">
-            <a:avLst/>
-          </a:prstGeom>
-        </p:spPr>
-        <p:style>
-          <a:lnRef idx="1">
-            <a:schemeClr val="dk1"/>
-          </a:lnRef>
-          <a:fillRef idx="0">
-            <a:schemeClr val="dk1"/>
-          </a:fillRef>
-          <a:effectRef idx="0">
-            <a:schemeClr val="dk1"/>
-          </a:effectRef>
-          <a:fontRef idx="minor">
-            <a:schemeClr val="tx1"/>
-          </a:fontRef>
-        </p:style>
-      </p:cxnSp>
-      <p:sp>
-        <p:nvSpPr>
-          <p:cNvPr id="69" name="Rectangle 68">
-            <a:extLst>
-              <a:ext uri="{FF2B5EF4-FFF2-40B4-BE49-F238E27FC236}">
-                <a16:creationId xmlns:a16="http://schemas.microsoft.com/office/drawing/2014/main" id="{029CCB94-A5BA-8C14-3F6A-F24B82C82A1E}"/>
-              </a:ext>
-            </a:extLst>
-          </p:cNvPr>
-          <p:cNvSpPr/>
-          <p:nvPr/>
-        </p:nvSpPr>
-        <p:spPr>
-          <a:xfrm>
-            <a:off x="4571388" y="4753472"/>
-            <a:ext cx="803139" cy="293723"/>
-          </a:xfrm>
-          <a:prstGeom prst="rect">
-            <a:avLst/>
-          </a:prstGeom>
-          <a:noFill/>
-          <a:ln>
-            <a:noFill/>
-          </a:ln>
-        </p:spPr>
-        <p:style>
-          <a:lnRef idx="2">
-            <a:schemeClr val="accent1">
-              <a:shade val="50000"/>
-            </a:schemeClr>
-          </a:lnRef>
-          <a:fillRef idx="1">
-            <a:schemeClr val="accent1"/>
-          </a:fillRef>
-          <a:effectRef idx="0">
-            <a:schemeClr val="accent1"/>
-          </a:effectRef>
-          <a:fontRef idx="minor">
-            <a:schemeClr val="lt1"/>
-          </a:fontRef>
-        </p:style>
-        <p:txBody>
-          <a:bodyPr rtlCol="0" anchor="ctr"/>
-          <a:lstStyle/>
-          <a:p>
-            <a:r>
-              <a:rPr lang="en-US" sz="1100" b="1" dirty="0">
-                <a:solidFill>
-                  <a:srgbClr val="002060"/>
-                </a:solidFill>
-              </a:rPr>
-              <a:t>PLC0 Q0.2</a:t>
-            </a:r>
-          </a:p>
-          <a:p>
-            <a:r>
-              <a:rPr lang="en-US" sz="1100" b="1" dirty="0">
-                <a:solidFill>
-                  <a:srgbClr val="002060"/>
-                </a:solidFill>
-              </a:rPr>
-              <a:t>S-we-2</a:t>
-            </a:r>
-            <a:endParaRPr lang="en-SG" sz="1100" b="1" dirty="0">
-              <a:solidFill>
-                <a:srgbClr val="002060"/>
-              </a:solidFill>
-            </a:endParaRPr>
-          </a:p>
-        </p:txBody>
-      </p:sp>
-      <p:sp>
-        <p:nvSpPr>
-          <p:cNvPr id="70" name="Rectangle 69">
-            <a:extLst>
-              <a:ext uri="{FF2B5EF4-FFF2-40B4-BE49-F238E27FC236}">
-                <a16:creationId xmlns:a16="http://schemas.microsoft.com/office/drawing/2014/main" id="{7AB612C5-4C85-4933-AA84-13988519F145}"/>
-              </a:ext>
-            </a:extLst>
-          </p:cNvPr>
-          <p:cNvSpPr/>
-          <p:nvPr/>
-        </p:nvSpPr>
-        <p:spPr>
-          <a:xfrm>
-            <a:off x="4520167" y="4004224"/>
-            <a:ext cx="803139" cy="293723"/>
-          </a:xfrm>
-          <a:prstGeom prst="rect">
-            <a:avLst/>
-          </a:prstGeom>
-          <a:noFill/>
-          <a:ln>
-            <a:noFill/>
-          </a:ln>
-        </p:spPr>
-        <p:style>
-          <a:lnRef idx="2">
-            <a:schemeClr val="accent1">
-              <a:shade val="50000"/>
-            </a:schemeClr>
-          </a:lnRef>
-          <a:fillRef idx="1">
-            <a:schemeClr val="accent1"/>
-          </a:fillRef>
-          <a:effectRef idx="0">
-            <a:schemeClr val="accent1"/>
-          </a:effectRef>
-          <a:fontRef idx="minor">
-            <a:schemeClr val="lt1"/>
-          </a:fontRef>
-        </p:style>
-        <p:txBody>
-          <a:bodyPr rtlCol="0" anchor="ctr"/>
-          <a:lstStyle/>
-          <a:p>
-            <a:r>
-              <a:rPr lang="en-US" sz="1100" b="1" dirty="0">
-                <a:solidFill>
-                  <a:srgbClr val="002060"/>
-                </a:solidFill>
-              </a:rPr>
-              <a:t>PLC0 Q0.4</a:t>
-            </a:r>
-          </a:p>
-          <a:p>
-            <a:r>
-              <a:rPr lang="en-US" sz="1100" b="1" dirty="0">
-                <a:solidFill>
-                  <a:srgbClr val="002060"/>
-                </a:solidFill>
-              </a:rPr>
-              <a:t>S-we-4</a:t>
-            </a:r>
-            <a:endParaRPr lang="en-SG" sz="1100" b="1" dirty="0">
-              <a:solidFill>
-                <a:srgbClr val="002060"/>
-              </a:solidFill>
-            </a:endParaRPr>
-          </a:p>
-        </p:txBody>
-      </p:sp>
-      <p:cxnSp>
-        <p:nvCxnSpPr>
-          <p:cNvPr id="71" name="Straight Connector 70">
-            <a:extLst>
-              <a:ext uri="{FF2B5EF4-FFF2-40B4-BE49-F238E27FC236}">
-                <a16:creationId xmlns:a16="http://schemas.microsoft.com/office/drawing/2014/main" id="{B6D5F415-DDCC-428E-C3B4-735BEC7AF2FF}"/>
-              </a:ext>
-            </a:extLst>
-          </p:cNvPr>
-          <p:cNvCxnSpPr>
-            <a:cxnSpLocks/>
-          </p:cNvCxnSpPr>
-          <p:nvPr/>
-        </p:nvCxnSpPr>
-        <p:spPr>
-          <a:xfrm flipV="1">
-            <a:off x="2519996" y="4079636"/>
-            <a:ext cx="1044095" cy="1813584"/>
-          </a:xfrm>
-          <a:prstGeom prst="line">
-            <a:avLst/>
-          </a:prstGeom>
-        </p:spPr>
-        <p:style>
-          <a:lnRef idx="1">
-            <a:schemeClr val="accent1"/>
-          </a:lnRef>
-          <a:fillRef idx="0">
-            <a:schemeClr val="accent1"/>
-          </a:fillRef>
-          <a:effectRef idx="0">
-            <a:schemeClr val="accent1"/>
-          </a:effectRef>
-          <a:fontRef idx="minor">
-            <a:schemeClr val="tx1"/>
-          </a:fontRef>
-        </p:style>
-      </p:cxnSp>
-      <p:cxnSp>
-        <p:nvCxnSpPr>
-          <p:cNvPr id="72" name="Straight Connector 71">
-            <a:extLst>
-              <a:ext uri="{FF2B5EF4-FFF2-40B4-BE49-F238E27FC236}">
-                <a16:creationId xmlns:a16="http://schemas.microsoft.com/office/drawing/2014/main" id="{72BF6342-A753-051A-2971-FEA34E7D7958}"/>
-              </a:ext>
-            </a:extLst>
-          </p:cNvPr>
-          <p:cNvCxnSpPr>
-            <a:cxnSpLocks/>
-          </p:cNvCxnSpPr>
-          <p:nvPr/>
-        </p:nvCxnSpPr>
-        <p:spPr>
-          <a:xfrm flipV="1">
-            <a:off x="2519996" y="4285940"/>
-            <a:ext cx="1024322" cy="1718166"/>
-          </a:xfrm>
-          <a:prstGeom prst="line">
-            <a:avLst/>
-          </a:prstGeom>
-        </p:spPr>
-        <p:style>
-          <a:lnRef idx="1">
-            <a:schemeClr val="dk1"/>
-          </a:lnRef>
-          <a:fillRef idx="0">
-            <a:schemeClr val="dk1"/>
-          </a:fillRef>
-          <a:effectRef idx="0">
-            <a:schemeClr val="dk1"/>
-          </a:effectRef>
-          <a:fontRef idx="minor">
-            <a:schemeClr val="tx1"/>
-          </a:fontRef>
-        </p:style>
-      </p:cxnSp>
-      <p:sp>
-        <p:nvSpPr>
-          <p:cNvPr id="77" name="Rectangle 76">
-            <a:extLst>
-              <a:ext uri="{FF2B5EF4-FFF2-40B4-BE49-F238E27FC236}">
-                <a16:creationId xmlns:a16="http://schemas.microsoft.com/office/drawing/2014/main" id="{B2C11E8A-5F7C-13E1-13D0-EFA915D403D1}"/>
-              </a:ext>
-            </a:extLst>
-          </p:cNvPr>
-          <p:cNvSpPr/>
-          <p:nvPr/>
-        </p:nvSpPr>
-        <p:spPr>
-          <a:xfrm>
-            <a:off x="4520166" y="3176539"/>
-            <a:ext cx="803139" cy="293723"/>
-          </a:xfrm>
-          <a:prstGeom prst="rect">
-            <a:avLst/>
-          </a:prstGeom>
-          <a:noFill/>
-          <a:ln>
-            <a:noFill/>
-          </a:ln>
-        </p:spPr>
-        <p:style>
-          <a:lnRef idx="2">
-            <a:schemeClr val="accent1">
-              <a:shade val="50000"/>
-            </a:schemeClr>
-          </a:lnRef>
-          <a:fillRef idx="1">
-            <a:schemeClr val="accent1"/>
-          </a:fillRef>
-          <a:effectRef idx="0">
-            <a:schemeClr val="accent1"/>
-          </a:effectRef>
-          <a:fontRef idx="minor">
-            <a:schemeClr val="lt1"/>
-          </a:fontRef>
-        </p:style>
-        <p:txBody>
-          <a:bodyPr rtlCol="0" anchor="ctr"/>
-          <a:lstStyle/>
-          <a:p>
-            <a:r>
-              <a:rPr lang="en-US" sz="1100" b="1" dirty="0">
-                <a:solidFill>
-                  <a:srgbClr val="002060"/>
-                </a:solidFill>
-              </a:rPr>
-              <a:t>PLC0 Q0.6</a:t>
-            </a:r>
-          </a:p>
-          <a:p>
-            <a:r>
-              <a:rPr lang="en-US" sz="1100" b="1" dirty="0">
-                <a:solidFill>
-                  <a:srgbClr val="002060"/>
-                </a:solidFill>
-              </a:rPr>
-              <a:t>S-we-6</a:t>
-            </a:r>
-            <a:endParaRPr lang="en-SG" sz="1100" b="1" dirty="0">
-              <a:solidFill>
-                <a:srgbClr val="002060"/>
-              </a:solidFill>
-            </a:endParaRPr>
-          </a:p>
-        </p:txBody>
-      </p:sp>
-      <p:sp>
-        <p:nvSpPr>
-          <p:cNvPr id="78" name="Rectangle 77">
-            <a:extLst>
-              <a:ext uri="{FF2B5EF4-FFF2-40B4-BE49-F238E27FC236}">
-                <a16:creationId xmlns:a16="http://schemas.microsoft.com/office/drawing/2014/main" id="{CD865192-4970-C2E5-CF22-924BF893CE58}"/>
-              </a:ext>
-            </a:extLst>
-          </p:cNvPr>
-          <p:cNvSpPr/>
-          <p:nvPr/>
-        </p:nvSpPr>
-        <p:spPr>
-          <a:xfrm>
-            <a:off x="4566391" y="2416762"/>
-            <a:ext cx="803139" cy="293723"/>
-          </a:xfrm>
-          <a:prstGeom prst="rect">
-            <a:avLst/>
-          </a:prstGeom>
-          <a:noFill/>
-          <a:ln>
-            <a:noFill/>
-          </a:ln>
-        </p:spPr>
-        <p:style>
-          <a:lnRef idx="2">
-            <a:schemeClr val="accent1">
-              <a:shade val="50000"/>
-            </a:schemeClr>
-          </a:lnRef>
-          <a:fillRef idx="1">
-            <a:schemeClr val="accent1"/>
-          </a:fillRef>
-          <a:effectRef idx="0">
-            <a:schemeClr val="accent1"/>
-          </a:effectRef>
-          <a:fontRef idx="minor">
-            <a:schemeClr val="lt1"/>
-          </a:fontRef>
-        </p:style>
-        <p:txBody>
-          <a:bodyPr rtlCol="0" anchor="ctr"/>
-          <a:lstStyle/>
-          <a:p>
-            <a:r>
-              <a:rPr lang="en-US" sz="1100" b="1" dirty="0">
-                <a:solidFill>
-                  <a:srgbClr val="002060"/>
-                </a:solidFill>
-              </a:rPr>
-              <a:t>PLC1 Q0.0</a:t>
-            </a:r>
-          </a:p>
-          <a:p>
-            <a:r>
-              <a:rPr lang="en-US" sz="1100" b="1" dirty="0">
-                <a:solidFill>
-                  <a:srgbClr val="002060"/>
-                </a:solidFill>
-              </a:rPr>
-              <a:t>S-we-7</a:t>
-            </a:r>
-            <a:endParaRPr lang="en-SG" sz="1100" b="1" dirty="0">
-              <a:solidFill>
-                <a:srgbClr val="002060"/>
-              </a:solidFill>
-            </a:endParaRPr>
-          </a:p>
-        </p:txBody>
-      </p:sp>
-      <p:cxnSp>
-        <p:nvCxnSpPr>
-          <p:cNvPr id="79" name="Straight Connector 78">
-            <a:extLst>
-              <a:ext uri="{FF2B5EF4-FFF2-40B4-BE49-F238E27FC236}">
-                <a16:creationId xmlns:a16="http://schemas.microsoft.com/office/drawing/2014/main" id="{786EDBC2-B46D-5ECE-3FF1-BFE9C3F34D92}"/>
-              </a:ext>
-            </a:extLst>
-          </p:cNvPr>
-          <p:cNvCxnSpPr>
-            <a:cxnSpLocks/>
-          </p:cNvCxnSpPr>
-          <p:nvPr/>
-        </p:nvCxnSpPr>
-        <p:spPr>
-          <a:xfrm flipV="1">
-            <a:off x="2495976" y="2473410"/>
-            <a:ext cx="1013437" cy="3109901"/>
-          </a:xfrm>
-          <a:prstGeom prst="line">
-            <a:avLst/>
-          </a:prstGeom>
-        </p:spPr>
-        <p:style>
-          <a:lnRef idx="1">
-            <a:schemeClr val="accent1"/>
-          </a:lnRef>
-          <a:fillRef idx="0">
-            <a:schemeClr val="accent1"/>
-          </a:fillRef>
-          <a:effectRef idx="0">
-            <a:schemeClr val="accent1"/>
-          </a:effectRef>
-          <a:fontRef idx="minor">
-            <a:schemeClr val="tx1"/>
-          </a:fontRef>
-        </p:style>
-      </p:cxnSp>
-      <p:cxnSp>
-        <p:nvCxnSpPr>
-          <p:cNvPr id="81" name="Straight Connector 80">
-            <a:extLst>
-              <a:ext uri="{FF2B5EF4-FFF2-40B4-BE49-F238E27FC236}">
-                <a16:creationId xmlns:a16="http://schemas.microsoft.com/office/drawing/2014/main" id="{1A243B0A-7273-24F1-685F-0B978C30AA91}"/>
-              </a:ext>
-            </a:extLst>
-          </p:cNvPr>
-          <p:cNvCxnSpPr>
-            <a:cxnSpLocks/>
-          </p:cNvCxnSpPr>
-          <p:nvPr/>
-        </p:nvCxnSpPr>
-        <p:spPr>
-          <a:xfrm>
-            <a:off x="3321438" y="3088572"/>
-            <a:ext cx="214165" cy="212107"/>
-          </a:xfrm>
-          <a:prstGeom prst="line">
-            <a:avLst/>
-          </a:prstGeom>
-        </p:spPr>
-        <p:style>
-          <a:lnRef idx="1">
-            <a:schemeClr val="accent1"/>
-          </a:lnRef>
-          <a:fillRef idx="0">
-            <a:schemeClr val="accent1"/>
-          </a:fillRef>
-          <a:effectRef idx="0">
-            <a:schemeClr val="accent1"/>
-          </a:effectRef>
-          <a:fontRef idx="minor">
-            <a:schemeClr val="tx1"/>
-          </a:fontRef>
-        </p:style>
-      </p:cxnSp>
-      <p:cxnSp>
-        <p:nvCxnSpPr>
-          <p:cNvPr id="86" name="Straight Connector 85">
-            <a:extLst>
-              <a:ext uri="{FF2B5EF4-FFF2-40B4-BE49-F238E27FC236}">
-                <a16:creationId xmlns:a16="http://schemas.microsoft.com/office/drawing/2014/main" id="{4AA66BA4-C942-4F5D-BD1C-3446B5A3D925}"/>
-              </a:ext>
-            </a:extLst>
-          </p:cNvPr>
-          <p:cNvCxnSpPr>
-            <a:cxnSpLocks/>
-          </p:cNvCxnSpPr>
-          <p:nvPr/>
-        </p:nvCxnSpPr>
-        <p:spPr>
-          <a:xfrm flipV="1">
-            <a:off x="2516751" y="2763709"/>
-            <a:ext cx="1079270" cy="2966937"/>
-          </a:xfrm>
-          <a:prstGeom prst="line">
-            <a:avLst/>
-          </a:prstGeom>
-        </p:spPr>
-        <p:style>
-          <a:lnRef idx="1">
-            <a:schemeClr val="dk1"/>
-          </a:lnRef>
-          <a:fillRef idx="0">
-            <a:schemeClr val="dk1"/>
-          </a:fillRef>
-          <a:effectRef idx="0">
-            <a:schemeClr val="dk1"/>
-          </a:effectRef>
-          <a:fontRef idx="minor">
-            <a:schemeClr val="tx1"/>
-          </a:fontRef>
-        </p:style>
-      </p:cxnSp>
-      <p:cxnSp>
-        <p:nvCxnSpPr>
-          <p:cNvPr id="88" name="Straight Connector 87">
-            <a:extLst>
-              <a:ext uri="{FF2B5EF4-FFF2-40B4-BE49-F238E27FC236}">
-                <a16:creationId xmlns:a16="http://schemas.microsoft.com/office/drawing/2014/main" id="{7B93B211-C24B-DF0F-1CB9-CA3F94CF2AF1}"/>
-              </a:ext>
-            </a:extLst>
-          </p:cNvPr>
-          <p:cNvCxnSpPr>
-            <a:cxnSpLocks/>
-          </p:cNvCxnSpPr>
-          <p:nvPr/>
-        </p:nvCxnSpPr>
-        <p:spPr>
-          <a:xfrm>
-            <a:off x="3356437" y="3413896"/>
-            <a:ext cx="152976" cy="146430"/>
-          </a:xfrm>
-          <a:prstGeom prst="line">
-            <a:avLst/>
-          </a:prstGeom>
-        </p:spPr>
-        <p:style>
-          <a:lnRef idx="1">
-            <a:schemeClr val="dk1"/>
-          </a:lnRef>
-          <a:fillRef idx="0">
-            <a:schemeClr val="dk1"/>
-          </a:fillRef>
-          <a:effectRef idx="0">
-            <a:schemeClr val="dk1"/>
-          </a:effectRef>
-          <a:fontRef idx="minor">
-            <a:schemeClr val="tx1"/>
-          </a:fontRef>
-        </p:style>
-      </p:cxnSp>
-      <p:sp>
-        <p:nvSpPr>
-          <p:cNvPr id="91" name="Rectangle 90">
-            <a:extLst>
-              <a:ext uri="{FF2B5EF4-FFF2-40B4-BE49-F238E27FC236}">
-                <a16:creationId xmlns:a16="http://schemas.microsoft.com/office/drawing/2014/main" id="{F1F61A75-2DA3-D039-AF5D-E1C99EDD85DA}"/>
-              </a:ext>
-            </a:extLst>
-          </p:cNvPr>
-          <p:cNvSpPr/>
-          <p:nvPr/>
-        </p:nvSpPr>
-        <p:spPr>
-          <a:xfrm>
-            <a:off x="4566390" y="6225775"/>
-            <a:ext cx="803139" cy="293723"/>
-          </a:xfrm>
-          <a:prstGeom prst="rect">
-            <a:avLst/>
-          </a:prstGeom>
-          <a:noFill/>
-          <a:ln>
-            <a:noFill/>
-          </a:ln>
-        </p:spPr>
-        <p:style>
-          <a:lnRef idx="2">
-            <a:schemeClr val="accent1">
-              <a:shade val="50000"/>
-            </a:schemeClr>
-          </a:lnRef>
-          <a:fillRef idx="1">
-            <a:schemeClr val="accent1"/>
-          </a:fillRef>
-          <a:effectRef idx="0">
-            <a:schemeClr val="accent1"/>
-          </a:effectRef>
-          <a:fontRef idx="minor">
-            <a:schemeClr val="lt1"/>
-          </a:fontRef>
-        </p:style>
-        <p:txBody>
-          <a:bodyPr rtlCol="0" anchor="ctr"/>
-          <a:lstStyle/>
-          <a:p>
-            <a:r>
-              <a:rPr lang="en-US" sz="1100" b="1" dirty="0">
-                <a:solidFill>
-                  <a:srgbClr val="002060"/>
-                </a:solidFill>
-              </a:rPr>
-              <a:t>PLC0 Q0.1</a:t>
-            </a:r>
-          </a:p>
-          <a:p>
-            <a:r>
-              <a:rPr lang="en-US" sz="1100" b="1" dirty="0">
-                <a:solidFill>
-                  <a:srgbClr val="002060"/>
-                </a:solidFill>
-              </a:rPr>
-              <a:t>S-we-1</a:t>
-            </a:r>
-            <a:endParaRPr lang="en-SG" sz="1100" b="1" dirty="0">
-              <a:solidFill>
-                <a:srgbClr val="002060"/>
-              </a:solidFill>
-            </a:endParaRPr>
-          </a:p>
-        </p:txBody>
-      </p:sp>
-      <p:cxnSp>
-        <p:nvCxnSpPr>
-          <p:cNvPr id="92" name="Straight Connector 91">
-            <a:extLst>
-              <a:ext uri="{FF2B5EF4-FFF2-40B4-BE49-F238E27FC236}">
-                <a16:creationId xmlns:a16="http://schemas.microsoft.com/office/drawing/2014/main" id="{BE7B733C-CA15-0D67-1D99-4D928BD4373D}"/>
-              </a:ext>
-            </a:extLst>
-          </p:cNvPr>
-          <p:cNvCxnSpPr>
-            <a:cxnSpLocks/>
-          </p:cNvCxnSpPr>
-          <p:nvPr/>
-        </p:nvCxnSpPr>
-        <p:spPr>
-          <a:xfrm>
-            <a:off x="3218713" y="5936950"/>
-            <a:ext cx="356236" cy="435686"/>
-          </a:xfrm>
-          <a:prstGeom prst="line">
-            <a:avLst/>
-          </a:prstGeom>
-        </p:spPr>
-        <p:style>
-          <a:lnRef idx="1">
-            <a:schemeClr val="accent1"/>
-          </a:lnRef>
-          <a:fillRef idx="0">
-            <a:schemeClr val="accent1"/>
-          </a:fillRef>
-          <a:effectRef idx="0">
-            <a:schemeClr val="accent1"/>
-          </a:effectRef>
-          <a:fontRef idx="minor">
-            <a:schemeClr val="tx1"/>
-          </a:fontRef>
-        </p:style>
-      </p:cxnSp>
-      <p:cxnSp>
-        <p:nvCxnSpPr>
-          <p:cNvPr id="94" name="Straight Connector 93">
-            <a:extLst>
-              <a:ext uri="{FF2B5EF4-FFF2-40B4-BE49-F238E27FC236}">
-                <a16:creationId xmlns:a16="http://schemas.microsoft.com/office/drawing/2014/main" id="{06DC2549-6C36-9BC6-4B28-3E1B46ED358D}"/>
-              </a:ext>
-            </a:extLst>
-          </p:cNvPr>
-          <p:cNvCxnSpPr>
-            <a:cxnSpLocks/>
-          </p:cNvCxnSpPr>
-          <p:nvPr/>
-        </p:nvCxnSpPr>
-        <p:spPr>
-          <a:xfrm>
-            <a:off x="3135589" y="6140090"/>
-            <a:ext cx="391299" cy="457805"/>
-          </a:xfrm>
-          <a:prstGeom prst="line">
-            <a:avLst/>
-          </a:prstGeom>
-        </p:spPr>
-        <p:style>
-          <a:lnRef idx="1">
-            <a:schemeClr val="dk1"/>
-          </a:lnRef>
-          <a:fillRef idx="0">
-            <a:schemeClr val="dk1"/>
-          </a:fillRef>
-          <a:effectRef idx="0">
-            <a:schemeClr val="dk1"/>
-          </a:effectRef>
-          <a:fontRef idx="minor">
-            <a:schemeClr val="tx1"/>
-          </a:fontRef>
-        </p:style>
-      </p:cxnSp>
-      <p:pic>
-        <p:nvPicPr>
-          <p:cNvPr id="97" name="Picture 96" descr="A picture containing diagram, line, technical drawing, plan&#10;&#10;Description automatically generated">
-            <a:extLst>
-              <a:ext uri="{FF2B5EF4-FFF2-40B4-BE49-F238E27FC236}">
-                <a16:creationId xmlns:a16="http://schemas.microsoft.com/office/drawing/2014/main" id="{6AB12DC1-10CA-DF86-F71D-1DBBA62D8A6C}"/>
-              </a:ext>
-            </a:extLst>
-          </p:cNvPr>
-          <p:cNvPicPr>
-            <a:picLocks noChangeAspect="1"/>
-          </p:cNvPicPr>
-          <p:nvPr/>
-        </p:nvPicPr>
-        <p:blipFill rotWithShape="1">
-          <a:blip r:embed="rId5">
-            <a:extLst>
-              <a:ext uri="{28A0092B-C50C-407E-A947-70E740481C1C}">
-                <a14:useLocalDpi xmlns:a14="http://schemas.microsoft.com/office/drawing/2010/main" val="0"/>
-              </a:ext>
-            </a:extLst>
-          </a:blip>
-          <a:srcRect l="3141" t="11965" r="26502" b="15956"/>
-          <a:stretch/>
-        </p:blipFill>
-        <p:spPr>
-          <a:xfrm>
-            <a:off x="3509413" y="736661"/>
-            <a:ext cx="1129179" cy="498603"/>
-          </a:xfrm>
-          <a:prstGeom prst="rect">
-            <a:avLst/>
-          </a:prstGeom>
-        </p:spPr>
-      </p:pic>
-      <p:sp>
-        <p:nvSpPr>
-          <p:cNvPr id="98" name="Rectangle 97">
-            <a:extLst>
-              <a:ext uri="{FF2B5EF4-FFF2-40B4-BE49-F238E27FC236}">
-                <a16:creationId xmlns:a16="http://schemas.microsoft.com/office/drawing/2014/main" id="{9DA7747C-AEAD-9D0C-67CF-9822E2B6C85D}"/>
-              </a:ext>
-            </a:extLst>
-          </p:cNvPr>
-          <p:cNvSpPr/>
-          <p:nvPr/>
-        </p:nvSpPr>
-        <p:spPr>
-          <a:xfrm>
-            <a:off x="4565023" y="1578060"/>
-            <a:ext cx="803139" cy="293723"/>
-          </a:xfrm>
-          <a:prstGeom prst="rect">
-            <a:avLst/>
-          </a:prstGeom>
-          <a:noFill/>
-          <a:ln>
-            <a:noFill/>
-          </a:ln>
-        </p:spPr>
-        <p:style>
-          <a:lnRef idx="2">
-            <a:schemeClr val="accent1">
-              <a:shade val="50000"/>
-            </a:schemeClr>
-          </a:lnRef>
-          <a:fillRef idx="1">
-            <a:schemeClr val="accent1"/>
-          </a:fillRef>
-          <a:effectRef idx="0">
-            <a:schemeClr val="accent1"/>
-          </a:effectRef>
-          <a:fontRef idx="minor">
-            <a:schemeClr val="lt1"/>
-          </a:fontRef>
-        </p:style>
-        <p:txBody>
-          <a:bodyPr rtlCol="0" anchor="ctr"/>
-          <a:lstStyle/>
-          <a:p>
-            <a:r>
-              <a:rPr lang="en-US" sz="1100" b="1" dirty="0">
-                <a:solidFill>
-                  <a:srgbClr val="002060"/>
-                </a:solidFill>
-              </a:rPr>
-              <a:t>PLC0 Q0.5</a:t>
-            </a:r>
-          </a:p>
-          <a:p>
-            <a:r>
-              <a:rPr lang="en-US" sz="1100" b="1" dirty="0">
-                <a:solidFill>
-                  <a:srgbClr val="002060"/>
-                </a:solidFill>
-              </a:rPr>
-              <a:t>S-we-5</a:t>
-            </a:r>
-            <a:endParaRPr lang="en-SG" sz="1100" b="1" dirty="0">
-              <a:solidFill>
-                <a:srgbClr val="002060"/>
-              </a:solidFill>
-            </a:endParaRPr>
-          </a:p>
-        </p:txBody>
-      </p:sp>
-      <p:sp>
-        <p:nvSpPr>
-          <p:cNvPr id="99" name="Rectangle 98">
-            <a:extLst>
-              <a:ext uri="{FF2B5EF4-FFF2-40B4-BE49-F238E27FC236}">
-                <a16:creationId xmlns:a16="http://schemas.microsoft.com/office/drawing/2014/main" id="{C54A77A4-6342-6E22-48E4-679A2AA9A01C}"/>
-              </a:ext>
-            </a:extLst>
-          </p:cNvPr>
-          <p:cNvSpPr/>
-          <p:nvPr/>
-        </p:nvSpPr>
-        <p:spPr>
-          <a:xfrm>
-            <a:off x="4576328" y="762022"/>
-            <a:ext cx="803139" cy="293723"/>
-          </a:xfrm>
-          <a:prstGeom prst="rect">
-            <a:avLst/>
-          </a:prstGeom>
-          <a:noFill/>
-          <a:ln>
-            <a:noFill/>
-          </a:ln>
-        </p:spPr>
-        <p:style>
-          <a:lnRef idx="2">
-            <a:schemeClr val="accent1">
-              <a:shade val="50000"/>
-            </a:schemeClr>
-          </a:lnRef>
-          <a:fillRef idx="1">
-            <a:schemeClr val="accent1"/>
-          </a:fillRef>
-          <a:effectRef idx="0">
-            <a:schemeClr val="accent1"/>
-          </a:effectRef>
-          <a:fontRef idx="minor">
-            <a:schemeClr val="lt1"/>
-          </a:fontRef>
-        </p:style>
-        <p:txBody>
-          <a:bodyPr rtlCol="0" anchor="ctr"/>
-          <a:lstStyle/>
-          <a:p>
-            <a:r>
-              <a:rPr lang="en-US" sz="1100" b="1" dirty="0">
-                <a:solidFill>
-                  <a:srgbClr val="002060"/>
-                </a:solidFill>
-              </a:rPr>
-              <a:t>PLC0 Q0.3</a:t>
-            </a:r>
-          </a:p>
-          <a:p>
-            <a:r>
-              <a:rPr lang="en-US" sz="1100" b="1" dirty="0">
-                <a:solidFill>
-                  <a:srgbClr val="002060"/>
-                </a:solidFill>
-              </a:rPr>
-              <a:t>S-we-3</a:t>
-            </a:r>
-            <a:endParaRPr lang="en-SG" sz="1100" b="1" dirty="0">
-              <a:solidFill>
-                <a:srgbClr val="002060"/>
-              </a:solidFill>
-            </a:endParaRPr>
-          </a:p>
-        </p:txBody>
-      </p:sp>
-      <p:cxnSp>
-        <p:nvCxnSpPr>
-          <p:cNvPr id="103" name="Connector: Elbow 102">
-            <a:extLst>
-              <a:ext uri="{FF2B5EF4-FFF2-40B4-BE49-F238E27FC236}">
-                <a16:creationId xmlns:a16="http://schemas.microsoft.com/office/drawing/2014/main" id="{2A91F475-5208-908D-C23B-9BB90C379F6C}"/>
-              </a:ext>
-            </a:extLst>
-          </p:cNvPr>
-          <p:cNvCxnSpPr>
-            <a:cxnSpLocks/>
-          </p:cNvCxnSpPr>
-          <p:nvPr/>
-        </p:nvCxnSpPr>
-        <p:spPr>
-          <a:xfrm rot="10800000" flipV="1">
-            <a:off x="3499421" y="1617964"/>
-            <a:ext cx="4291" cy="2434928"/>
-          </a:xfrm>
-          <a:prstGeom prst="bentConnector3">
-            <a:avLst>
-              <a:gd name="adj1" fmla="val 5427430"/>
-            </a:avLst>
-          </a:prstGeom>
-        </p:spPr>
-        <p:style>
-          <a:lnRef idx="1">
-            <a:schemeClr val="accent1"/>
-          </a:lnRef>
-          <a:fillRef idx="0">
-            <a:schemeClr val="accent1"/>
-          </a:fillRef>
-          <a:effectRef idx="0">
-            <a:schemeClr val="accent1"/>
-          </a:effectRef>
-          <a:fontRef idx="minor">
-            <a:schemeClr val="tx1"/>
-          </a:fontRef>
-        </p:style>
-      </p:cxnSp>
-      <p:cxnSp>
-        <p:nvCxnSpPr>
-          <p:cNvPr id="106" name="Connector: Elbow 105">
-            <a:extLst>
-              <a:ext uri="{FF2B5EF4-FFF2-40B4-BE49-F238E27FC236}">
-                <a16:creationId xmlns:a16="http://schemas.microsoft.com/office/drawing/2014/main" id="{FCCB2C4D-790A-EE40-F5F3-9E436D979B55}"/>
-              </a:ext>
-            </a:extLst>
-          </p:cNvPr>
-          <p:cNvCxnSpPr>
-            <a:cxnSpLocks/>
-          </p:cNvCxnSpPr>
-          <p:nvPr/>
-        </p:nvCxnSpPr>
-        <p:spPr>
-          <a:xfrm rot="10800000" flipV="1">
-            <a:off x="3551898" y="1868764"/>
-            <a:ext cx="4291" cy="2434928"/>
-          </a:xfrm>
-          <a:prstGeom prst="bentConnector3">
-            <a:avLst>
-              <a:gd name="adj1" fmla="val 9278583"/>
-            </a:avLst>
-          </a:prstGeom>
-        </p:spPr>
-        <p:style>
-          <a:lnRef idx="1">
-            <a:schemeClr val="dk1"/>
-          </a:lnRef>
-          <a:fillRef idx="0">
-            <a:schemeClr val="dk1"/>
-          </a:fillRef>
-          <a:effectRef idx="0">
-            <a:schemeClr val="dk1"/>
-          </a:effectRef>
-          <a:fontRef idx="minor">
-            <a:schemeClr val="tx1"/>
-          </a:fontRef>
-        </p:style>
-      </p:cxnSp>
-      <p:cxnSp>
-        <p:nvCxnSpPr>
-          <p:cNvPr id="109" name="Connector: Elbow 108">
-            <a:extLst>
-              <a:ext uri="{FF2B5EF4-FFF2-40B4-BE49-F238E27FC236}">
-                <a16:creationId xmlns:a16="http://schemas.microsoft.com/office/drawing/2014/main" id="{00597F0A-9658-1F15-CC99-482CFBD05354}"/>
-              </a:ext>
-            </a:extLst>
-          </p:cNvPr>
-          <p:cNvCxnSpPr>
-            <a:cxnSpLocks/>
-          </p:cNvCxnSpPr>
-          <p:nvPr/>
-        </p:nvCxnSpPr>
-        <p:spPr>
           <a:xfrm rot="16200000" flipV="1">
-            <a:off x="1612973" y="2807990"/>
-            <a:ext cx="3865723" cy="26190"/>
-          </a:xfrm>
-          <a:prstGeom prst="bentConnector4">
-            <a:avLst>
-              <a:gd name="adj1" fmla="val -533"/>
-              <a:gd name="adj2" fmla="val 2276873"/>
-            </a:avLst>
-          </a:prstGeom>
-        </p:spPr>
-        <p:style>
-          <a:lnRef idx="1">
-            <a:schemeClr val="accent1"/>
-          </a:lnRef>
-          <a:fillRef idx="0">
-            <a:schemeClr val="accent1"/>
-          </a:fillRef>
-          <a:effectRef idx="0">
-            <a:schemeClr val="accent1"/>
-          </a:effectRef>
-          <a:fontRef idx="minor">
-            <a:schemeClr val="tx1"/>
-          </a:fontRef>
-        </p:style>
-      </p:cxnSp>
-      <p:cxnSp>
-        <p:nvCxnSpPr>
-          <p:cNvPr id="113" name="Connector: Elbow 112">
-            <a:extLst>
-              <a:ext uri="{FF2B5EF4-FFF2-40B4-BE49-F238E27FC236}">
-                <a16:creationId xmlns:a16="http://schemas.microsoft.com/office/drawing/2014/main" id="{07690067-E5B4-8BD4-EAC0-BF97D9E07E60}"/>
-              </a:ext>
-            </a:extLst>
-          </p:cNvPr>
-          <p:cNvCxnSpPr>
-            <a:cxnSpLocks/>
-          </p:cNvCxnSpPr>
-          <p:nvPr/>
-        </p:nvCxnSpPr>
-        <p:spPr>
-          <a:xfrm rot="16200000" flipV="1">
-            <a:off x="1533858" y="3083707"/>
-            <a:ext cx="3865723" cy="26190"/>
-          </a:xfrm>
-          <a:prstGeom prst="bentConnector4">
-            <a:avLst>
-              <a:gd name="adj1" fmla="val -533"/>
-              <a:gd name="adj2" fmla="val 1477633"/>
-            </a:avLst>
-          </a:prstGeom>
-        </p:spPr>
-        <p:style>
-          <a:lnRef idx="1">
-            <a:schemeClr val="dk1"/>
-          </a:lnRef>
-          <a:fillRef idx="0">
-            <a:schemeClr val="dk1"/>
-          </a:fillRef>
-          <a:effectRef idx="0">
-            <a:schemeClr val="dk1"/>
-          </a:effectRef>
-          <a:fontRef idx="minor">
-            <a:schemeClr val="tx1"/>
-          </a:fontRef>
-        </p:style>
-      </p:cxnSp>
-      <p:cxnSp>
-        <p:nvCxnSpPr>
-          <p:cNvPr id="115" name="Straight Connector 114">
-            <a:extLst>
-              <a:ext uri="{FF2B5EF4-FFF2-40B4-BE49-F238E27FC236}">
-                <a16:creationId xmlns:a16="http://schemas.microsoft.com/office/drawing/2014/main" id="{F130DC36-C8B6-E7B0-E464-2CDBB287229F}"/>
-              </a:ext>
-            </a:extLst>
-          </p:cNvPr>
-          <p:cNvCxnSpPr>
-            <a:cxnSpLocks/>
-          </p:cNvCxnSpPr>
-          <p:nvPr/>
-        </p:nvCxnSpPr>
-        <p:spPr>
-          <a:xfrm flipV="1">
-            <a:off x="2491708" y="1260625"/>
-            <a:ext cx="3580365" cy="3467413"/>
-          </a:xfrm>
-          <a:prstGeom prst="line">
-            <a:avLst/>
-          </a:prstGeom>
-        </p:spPr>
-        <p:style>
-          <a:lnRef idx="1">
-            <a:schemeClr val="accent1"/>
-          </a:lnRef>
-          <a:fillRef idx="0">
-            <a:schemeClr val="accent1"/>
-          </a:fillRef>
-          <a:effectRef idx="0">
-            <a:schemeClr val="accent1"/>
-          </a:effectRef>
-          <a:fontRef idx="minor">
-            <a:schemeClr val="tx1"/>
-          </a:fontRef>
-        </p:style>
-      </p:cxnSp>
-      <p:cxnSp>
-        <p:nvCxnSpPr>
-          <p:cNvPr id="120" name="Straight Connector 119">
-            <a:extLst>
-              <a:ext uri="{FF2B5EF4-FFF2-40B4-BE49-F238E27FC236}">
-                <a16:creationId xmlns:a16="http://schemas.microsoft.com/office/drawing/2014/main" id="{84AB6476-1589-A9D5-074B-F869986372F6}"/>
-              </a:ext>
-            </a:extLst>
-          </p:cNvPr>
-          <p:cNvCxnSpPr>
-            <a:cxnSpLocks/>
-          </p:cNvCxnSpPr>
-          <p:nvPr/>
-        </p:nvCxnSpPr>
-        <p:spPr>
-          <a:xfrm flipV="1">
-            <a:off x="2489374" y="1527982"/>
-            <a:ext cx="3551372" cy="3372351"/>
-          </a:xfrm>
-          <a:prstGeom prst="line">
-            <a:avLst/>
-          </a:prstGeom>
-        </p:spPr>
-        <p:style>
-          <a:lnRef idx="1">
-            <a:schemeClr val="dk1"/>
-          </a:lnRef>
-          <a:fillRef idx="0">
-            <a:schemeClr val="dk1"/>
-          </a:fillRef>
-          <a:effectRef idx="0">
-            <a:schemeClr val="dk1"/>
-          </a:effectRef>
-          <a:fontRef idx="minor">
-            <a:schemeClr val="tx1"/>
-          </a:fontRef>
-        </p:style>
-      </p:cxnSp>
-      <p:sp>
-        <p:nvSpPr>
-          <p:cNvPr id="122" name="Rectangle 121">
-            <a:extLst>
-              <a:ext uri="{FF2B5EF4-FFF2-40B4-BE49-F238E27FC236}">
-                <a16:creationId xmlns:a16="http://schemas.microsoft.com/office/drawing/2014/main" id="{A250A91A-52BD-C741-2770-5FE4E066D347}"/>
-              </a:ext>
-            </a:extLst>
-          </p:cNvPr>
-          <p:cNvSpPr/>
-          <p:nvPr/>
-        </p:nvSpPr>
-        <p:spPr>
-          <a:xfrm>
-            <a:off x="7124747" y="1162847"/>
-            <a:ext cx="803139" cy="293723"/>
-          </a:xfrm>
-          <a:prstGeom prst="rect">
-            <a:avLst/>
-          </a:prstGeom>
-          <a:noFill/>
-          <a:ln>
-            <a:noFill/>
-          </a:ln>
-        </p:spPr>
-        <p:style>
-          <a:lnRef idx="2">
-            <a:schemeClr val="accent1">
-              <a:shade val="50000"/>
-            </a:schemeClr>
-          </a:lnRef>
-          <a:fillRef idx="1">
-            <a:schemeClr val="accent1"/>
-          </a:fillRef>
-          <a:effectRef idx="0">
-            <a:schemeClr val="accent1"/>
-          </a:effectRef>
-          <a:fontRef idx="minor">
-            <a:schemeClr val="lt1"/>
-          </a:fontRef>
-        </p:style>
-        <p:txBody>
-          <a:bodyPr rtlCol="0" anchor="ctr"/>
-          <a:lstStyle/>
-          <a:p>
-            <a:r>
-              <a:rPr lang="en-US" sz="1100" b="1" dirty="0">
-                <a:solidFill>
-                  <a:srgbClr val="002060"/>
-                </a:solidFill>
-              </a:rPr>
-              <a:t>PLC1 Q0.1</a:t>
-            </a:r>
-          </a:p>
-          <a:p>
-            <a:r>
-              <a:rPr lang="en-US" sz="1100" b="1" dirty="0">
-                <a:solidFill>
-                  <a:srgbClr val="002060"/>
-                </a:solidFill>
-              </a:rPr>
-              <a:t>S-ns-0</a:t>
-            </a:r>
-            <a:endParaRPr lang="en-SG" sz="1100" b="1" dirty="0">
-              <a:solidFill>
-                <a:srgbClr val="002060"/>
-              </a:solidFill>
-            </a:endParaRPr>
-          </a:p>
-        </p:txBody>
-      </p:sp>
-      <p:cxnSp>
-        <p:nvCxnSpPr>
-          <p:cNvPr id="123" name="Straight Connector 122">
-            <a:extLst>
-              <a:ext uri="{FF2B5EF4-FFF2-40B4-BE49-F238E27FC236}">
-                <a16:creationId xmlns:a16="http://schemas.microsoft.com/office/drawing/2014/main" id="{E74982AE-605B-19C5-C3E8-29ABD5DD8535}"/>
-              </a:ext>
-            </a:extLst>
-          </p:cNvPr>
-          <p:cNvCxnSpPr>
-            <a:cxnSpLocks/>
-          </p:cNvCxnSpPr>
-          <p:nvPr/>
-        </p:nvCxnSpPr>
-        <p:spPr>
-          <a:xfrm>
-            <a:off x="5683603" y="1617964"/>
-            <a:ext cx="356236" cy="435686"/>
-          </a:xfrm>
-          <a:prstGeom prst="line">
-            <a:avLst/>
-          </a:prstGeom>
-        </p:spPr>
-        <p:style>
-          <a:lnRef idx="1">
-            <a:schemeClr val="accent1"/>
-          </a:lnRef>
-          <a:fillRef idx="0">
-            <a:schemeClr val="accent1"/>
-          </a:fillRef>
-          <a:effectRef idx="0">
-            <a:schemeClr val="accent1"/>
-          </a:effectRef>
-          <a:fontRef idx="minor">
-            <a:schemeClr val="tx1"/>
-          </a:fontRef>
-        </p:style>
-      </p:cxnSp>
-      <p:cxnSp>
-        <p:nvCxnSpPr>
-          <p:cNvPr id="124" name="Straight Connector 123">
-            <a:extLst>
-              <a:ext uri="{FF2B5EF4-FFF2-40B4-BE49-F238E27FC236}">
-                <a16:creationId xmlns:a16="http://schemas.microsoft.com/office/drawing/2014/main" id="{95004322-524A-ED78-54F0-1DB0DC0F4E52}"/>
-              </a:ext>
-            </a:extLst>
-          </p:cNvPr>
-          <p:cNvCxnSpPr>
-            <a:cxnSpLocks/>
-          </p:cNvCxnSpPr>
-          <p:nvPr/>
-        </p:nvCxnSpPr>
-        <p:spPr>
-          <a:xfrm>
-            <a:off x="5601619" y="1756803"/>
-            <a:ext cx="455421" cy="564204"/>
-          </a:xfrm>
-          <a:prstGeom prst="line">
-            <a:avLst/>
-          </a:prstGeom>
-        </p:spPr>
-        <p:style>
-          <a:lnRef idx="1">
-            <a:schemeClr val="dk1"/>
-          </a:lnRef>
-          <a:fillRef idx="0">
-            <a:schemeClr val="dk1"/>
-          </a:fillRef>
-          <a:effectRef idx="0">
-            <a:schemeClr val="dk1"/>
-          </a:effectRef>
-          <a:fontRef idx="minor">
-            <a:schemeClr val="tx1"/>
-          </a:fontRef>
-        </p:style>
-      </p:cxnSp>
-      <p:sp>
-        <p:nvSpPr>
-          <p:cNvPr id="126" name="Rectangle 125">
-            <a:extLst>
-              <a:ext uri="{FF2B5EF4-FFF2-40B4-BE49-F238E27FC236}">
-                <a16:creationId xmlns:a16="http://schemas.microsoft.com/office/drawing/2014/main" id="{6D646174-8819-2BEE-2319-8716BBADACDA}"/>
-              </a:ext>
-            </a:extLst>
-          </p:cNvPr>
-          <p:cNvSpPr/>
-          <p:nvPr/>
-        </p:nvSpPr>
-        <p:spPr>
-          <a:xfrm>
-            <a:off x="7174650" y="1955483"/>
-            <a:ext cx="803139" cy="293723"/>
-          </a:xfrm>
-          <a:prstGeom prst="rect">
-            <a:avLst/>
-          </a:prstGeom>
-          <a:noFill/>
-          <a:ln>
-            <a:noFill/>
-          </a:ln>
-        </p:spPr>
-        <p:style>
-          <a:lnRef idx="2">
-            <a:schemeClr val="accent1">
-              <a:shade val="50000"/>
-            </a:schemeClr>
-          </a:lnRef>
-          <a:fillRef idx="1">
-            <a:schemeClr val="accent1"/>
-          </a:fillRef>
-          <a:effectRef idx="0">
-            <a:schemeClr val="accent1"/>
-          </a:effectRef>
-          <a:fontRef idx="minor">
-            <a:schemeClr val="lt1"/>
-          </a:fontRef>
-        </p:style>
-        <p:txBody>
-          <a:bodyPr rtlCol="0" anchor="ctr"/>
-          <a:lstStyle/>
-          <a:p>
-            <a:r>
-              <a:rPr lang="en-US" sz="1100" b="1" dirty="0">
-                <a:solidFill>
-                  <a:srgbClr val="002060"/>
-                </a:solidFill>
-              </a:rPr>
-              <a:t>PLC1 Q0.2</a:t>
-            </a:r>
-          </a:p>
-          <a:p>
-            <a:r>
-              <a:rPr lang="en-US" sz="1100" b="1" dirty="0">
-                <a:solidFill>
-                  <a:srgbClr val="002060"/>
-                </a:solidFill>
-              </a:rPr>
-              <a:t>S-ns-1</a:t>
-            </a:r>
-            <a:endParaRPr lang="en-SG" sz="1100" b="1" dirty="0">
-              <a:solidFill>
-                <a:srgbClr val="002060"/>
-              </a:solidFill>
-            </a:endParaRPr>
-          </a:p>
-        </p:txBody>
-      </p:sp>
-      <p:cxnSp>
-        <p:nvCxnSpPr>
-          <p:cNvPr id="127" name="Straight Connector 126">
-            <a:extLst>
-              <a:ext uri="{FF2B5EF4-FFF2-40B4-BE49-F238E27FC236}">
-                <a16:creationId xmlns:a16="http://schemas.microsoft.com/office/drawing/2014/main" id="{2758689F-C630-BFCD-B28B-E40494FE1986}"/>
-              </a:ext>
-            </a:extLst>
-          </p:cNvPr>
-          <p:cNvCxnSpPr>
-            <a:cxnSpLocks/>
-          </p:cNvCxnSpPr>
-          <p:nvPr/>
-        </p:nvCxnSpPr>
-        <p:spPr>
-          <a:xfrm flipV="1">
-            <a:off x="2511003" y="2888711"/>
-            <a:ext cx="3637597" cy="2135270"/>
-          </a:xfrm>
-          <a:prstGeom prst="line">
-            <a:avLst/>
-          </a:prstGeom>
-        </p:spPr>
-        <p:style>
-          <a:lnRef idx="1">
-            <a:schemeClr val="accent1"/>
-          </a:lnRef>
-          <a:fillRef idx="0">
-            <a:schemeClr val="accent1"/>
-          </a:fillRef>
-          <a:effectRef idx="0">
-            <a:schemeClr val="accent1"/>
-          </a:effectRef>
-          <a:fontRef idx="minor">
-            <a:schemeClr val="tx1"/>
-          </a:fontRef>
-        </p:style>
-      </p:cxnSp>
-      <p:cxnSp>
-        <p:nvCxnSpPr>
-          <p:cNvPr id="129" name="Straight Connector 128">
-            <a:extLst>
-              <a:ext uri="{FF2B5EF4-FFF2-40B4-BE49-F238E27FC236}">
-                <a16:creationId xmlns:a16="http://schemas.microsoft.com/office/drawing/2014/main" id="{F4E3B8AA-5194-1E75-A361-EECC1346F8D0}"/>
-              </a:ext>
-            </a:extLst>
-          </p:cNvPr>
-          <p:cNvCxnSpPr>
-            <a:cxnSpLocks/>
-            <a:endCxn id="34" idx="1"/>
-          </p:cNvCxnSpPr>
-          <p:nvPr/>
-        </p:nvCxnSpPr>
-        <p:spPr>
-          <a:xfrm flipV="1">
-            <a:off x="2469601" y="3065991"/>
-            <a:ext cx="3621630" cy="2100433"/>
-          </a:xfrm>
-          <a:prstGeom prst="line">
-            <a:avLst/>
-          </a:prstGeom>
-        </p:spPr>
-        <p:style>
-          <a:lnRef idx="1">
-            <a:schemeClr val="dk1"/>
-          </a:lnRef>
-          <a:fillRef idx="0">
-            <a:schemeClr val="dk1"/>
-          </a:fillRef>
-          <a:effectRef idx="0">
-            <a:schemeClr val="dk1"/>
-          </a:effectRef>
-          <a:fontRef idx="minor">
-            <a:schemeClr val="tx1"/>
-          </a:fontRef>
-        </p:style>
-      </p:cxnSp>
-      <p:sp>
-        <p:nvSpPr>
-          <p:cNvPr id="133" name="Rectangle 132">
-            <a:extLst>
-              <a:ext uri="{FF2B5EF4-FFF2-40B4-BE49-F238E27FC236}">
-                <a16:creationId xmlns:a16="http://schemas.microsoft.com/office/drawing/2014/main" id="{5B29CECD-6375-FC46-B884-C880EEB89E2D}"/>
-              </a:ext>
-            </a:extLst>
-          </p:cNvPr>
-          <p:cNvSpPr/>
-          <p:nvPr/>
-        </p:nvSpPr>
-        <p:spPr>
-          <a:xfrm>
-            <a:off x="7172896" y="2847469"/>
-            <a:ext cx="803139" cy="293723"/>
-          </a:xfrm>
-          <a:prstGeom prst="rect">
-            <a:avLst/>
-          </a:prstGeom>
-          <a:noFill/>
-          <a:ln>
-            <a:noFill/>
-          </a:ln>
-        </p:spPr>
-        <p:style>
-          <a:lnRef idx="2">
-            <a:schemeClr val="accent1">
-              <a:shade val="50000"/>
-            </a:schemeClr>
-          </a:lnRef>
-          <a:fillRef idx="1">
-            <a:schemeClr val="accent1"/>
-          </a:fillRef>
-          <a:effectRef idx="0">
-            <a:schemeClr val="accent1"/>
-          </a:effectRef>
-          <a:fontRef idx="minor">
-            <a:schemeClr val="lt1"/>
-          </a:fontRef>
-        </p:style>
-        <p:txBody>
-          <a:bodyPr rtlCol="0" anchor="ctr"/>
-          <a:lstStyle/>
-          <a:p>
-            <a:r>
-              <a:rPr lang="en-US" sz="1100" b="1" dirty="0">
-                <a:solidFill>
-                  <a:srgbClr val="002060"/>
-                </a:solidFill>
-              </a:rPr>
-              <a:t>PLC1 Q0.3</a:t>
-            </a:r>
-          </a:p>
-          <a:p>
-            <a:r>
-              <a:rPr lang="en-US" sz="1100" b="1" dirty="0">
-                <a:solidFill>
-                  <a:srgbClr val="002060"/>
-                </a:solidFill>
-              </a:rPr>
-              <a:t>S-ns-2</a:t>
-            </a:r>
-            <a:endParaRPr lang="en-SG" sz="1100" b="1" dirty="0">
-              <a:solidFill>
-                <a:srgbClr val="002060"/>
-              </a:solidFill>
-            </a:endParaRPr>
-          </a:p>
-        </p:txBody>
-      </p:sp>
-      <p:cxnSp>
-        <p:nvCxnSpPr>
-          <p:cNvPr id="134" name="Straight Connector 133">
-            <a:extLst>
-              <a:ext uri="{FF2B5EF4-FFF2-40B4-BE49-F238E27FC236}">
-                <a16:creationId xmlns:a16="http://schemas.microsoft.com/office/drawing/2014/main" id="{0E33F025-8918-B4AB-4698-DAF8EFAD7328}"/>
-              </a:ext>
-            </a:extLst>
-          </p:cNvPr>
-          <p:cNvCxnSpPr>
-            <a:cxnSpLocks/>
-          </p:cNvCxnSpPr>
-          <p:nvPr/>
-        </p:nvCxnSpPr>
-        <p:spPr>
-          <a:xfrm flipV="1">
-            <a:off x="2511003" y="3880469"/>
-            <a:ext cx="3695867" cy="1421939"/>
-          </a:xfrm>
-          <a:prstGeom prst="line">
-            <a:avLst/>
-          </a:prstGeom>
-        </p:spPr>
-        <p:style>
-          <a:lnRef idx="1">
-            <a:schemeClr val="accent1"/>
-          </a:lnRef>
-          <a:fillRef idx="0">
-            <a:schemeClr val="accent1"/>
-          </a:fillRef>
-          <a:effectRef idx="0">
-            <a:schemeClr val="accent1"/>
-          </a:effectRef>
-          <a:fontRef idx="minor">
-            <a:schemeClr val="tx1"/>
-          </a:fontRef>
-        </p:style>
-      </p:cxnSp>
-      <p:cxnSp>
-        <p:nvCxnSpPr>
-          <p:cNvPr id="137" name="Straight Connector 136">
-            <a:extLst>
-              <a:ext uri="{FF2B5EF4-FFF2-40B4-BE49-F238E27FC236}">
-                <a16:creationId xmlns:a16="http://schemas.microsoft.com/office/drawing/2014/main" id="{EC48D401-83AE-FADE-A0E8-D3FF288C8754}"/>
-              </a:ext>
-            </a:extLst>
-          </p:cNvPr>
-          <p:cNvCxnSpPr>
-            <a:cxnSpLocks/>
-          </p:cNvCxnSpPr>
-          <p:nvPr/>
-        </p:nvCxnSpPr>
-        <p:spPr>
-          <a:xfrm flipV="1">
-            <a:off x="2467954" y="4140012"/>
-            <a:ext cx="3738916" cy="1351886"/>
-          </a:xfrm>
-          <a:prstGeom prst="line">
-            <a:avLst/>
-          </a:prstGeom>
-        </p:spPr>
-        <p:style>
-          <a:lnRef idx="1">
-            <a:schemeClr val="dk1"/>
-          </a:lnRef>
-          <a:fillRef idx="0">
-            <a:schemeClr val="dk1"/>
-          </a:fillRef>
-          <a:effectRef idx="0">
-            <a:schemeClr val="dk1"/>
-          </a:effectRef>
-          <a:fontRef idx="minor">
-            <a:schemeClr val="tx1"/>
-          </a:fontRef>
-        </p:style>
-      </p:cxnSp>
-      <p:sp>
-        <p:nvSpPr>
-          <p:cNvPr id="139" name="Rectangle 138">
-            <a:extLst>
-              <a:ext uri="{FF2B5EF4-FFF2-40B4-BE49-F238E27FC236}">
-                <a16:creationId xmlns:a16="http://schemas.microsoft.com/office/drawing/2014/main" id="{7D88F0BF-C4C5-4A46-F8C3-9E3CB0C5A37A}"/>
-              </a:ext>
-            </a:extLst>
-          </p:cNvPr>
-          <p:cNvSpPr/>
-          <p:nvPr/>
-        </p:nvSpPr>
-        <p:spPr>
-          <a:xfrm>
-            <a:off x="7206340" y="3760456"/>
-            <a:ext cx="803139" cy="293723"/>
-          </a:xfrm>
-          <a:prstGeom prst="rect">
-            <a:avLst/>
-          </a:prstGeom>
-          <a:noFill/>
-          <a:ln>
-            <a:noFill/>
-          </a:ln>
-        </p:spPr>
-        <p:style>
-          <a:lnRef idx="2">
-            <a:schemeClr val="accent1">
-              <a:shade val="50000"/>
-            </a:schemeClr>
-          </a:lnRef>
-          <a:fillRef idx="1">
-            <a:schemeClr val="accent1"/>
-          </a:fillRef>
-          <a:effectRef idx="0">
-            <a:schemeClr val="accent1"/>
-          </a:effectRef>
-          <a:fontRef idx="minor">
-            <a:schemeClr val="lt1"/>
-          </a:fontRef>
-        </p:style>
-        <p:txBody>
-          <a:bodyPr rtlCol="0" anchor="ctr"/>
-          <a:lstStyle/>
-          <a:p>
-            <a:r>
-              <a:rPr lang="en-US" sz="1100" b="1" dirty="0">
-                <a:solidFill>
-                  <a:srgbClr val="002060"/>
-                </a:solidFill>
-              </a:rPr>
-              <a:t>PLC1 Q0.4</a:t>
-            </a:r>
-          </a:p>
-          <a:p>
-            <a:r>
-              <a:rPr lang="en-US" sz="1100" b="1" dirty="0">
-                <a:solidFill>
-                  <a:srgbClr val="002060"/>
-                </a:solidFill>
-              </a:rPr>
-              <a:t>S-ns-3</a:t>
-            </a:r>
-            <a:endParaRPr lang="en-SG" sz="1100" b="1" dirty="0">
-              <a:solidFill>
-                <a:srgbClr val="002060"/>
-              </a:solidFill>
-            </a:endParaRPr>
-          </a:p>
-        </p:txBody>
-      </p:sp>
-      <p:cxnSp>
-        <p:nvCxnSpPr>
-          <p:cNvPr id="140" name="Straight Connector 139">
-            <a:extLst>
-              <a:ext uri="{FF2B5EF4-FFF2-40B4-BE49-F238E27FC236}">
-                <a16:creationId xmlns:a16="http://schemas.microsoft.com/office/drawing/2014/main" id="{3528CBE3-B2F2-8D81-4CF4-8F027CEB0806}"/>
-              </a:ext>
-            </a:extLst>
-          </p:cNvPr>
-          <p:cNvCxnSpPr>
-            <a:cxnSpLocks/>
-          </p:cNvCxnSpPr>
-          <p:nvPr/>
-        </p:nvCxnSpPr>
-        <p:spPr>
-          <a:xfrm>
-            <a:off x="2511003" y="3560326"/>
-            <a:ext cx="3695867" cy="1044725"/>
-          </a:xfrm>
-          <a:prstGeom prst="line">
-            <a:avLst/>
-          </a:prstGeom>
-        </p:spPr>
-        <p:style>
-          <a:lnRef idx="1">
-            <a:schemeClr val="accent1"/>
-          </a:lnRef>
-          <a:fillRef idx="0">
-            <a:schemeClr val="accent1"/>
-          </a:fillRef>
-          <a:effectRef idx="0">
-            <a:schemeClr val="accent1"/>
-          </a:effectRef>
-          <a:fontRef idx="minor">
-            <a:schemeClr val="tx1"/>
-          </a:fontRef>
-        </p:style>
-      </p:cxnSp>
-      <p:cxnSp>
-        <p:nvCxnSpPr>
-          <p:cNvPr id="143" name="Straight Connector 142">
-            <a:extLst>
-              <a:ext uri="{FF2B5EF4-FFF2-40B4-BE49-F238E27FC236}">
-                <a16:creationId xmlns:a16="http://schemas.microsoft.com/office/drawing/2014/main" id="{33B1C4EB-A6DD-D3D8-A571-969CC5445215}"/>
-              </a:ext>
-            </a:extLst>
-          </p:cNvPr>
-          <p:cNvCxnSpPr>
-            <a:cxnSpLocks/>
-          </p:cNvCxnSpPr>
-          <p:nvPr/>
-        </p:nvCxnSpPr>
-        <p:spPr>
-          <a:xfrm>
-            <a:off x="2519581" y="4464022"/>
-            <a:ext cx="3687289" cy="141029"/>
-          </a:xfrm>
-          <a:prstGeom prst="line">
-            <a:avLst/>
-          </a:prstGeom>
-        </p:spPr>
-        <p:style>
-          <a:lnRef idx="1">
-            <a:schemeClr val="accent1"/>
-          </a:lnRef>
-          <a:fillRef idx="0">
-            <a:schemeClr val="accent1"/>
-          </a:fillRef>
-          <a:effectRef idx="0">
-            <a:schemeClr val="accent1"/>
-          </a:effectRef>
-          <a:fontRef idx="minor">
-            <a:schemeClr val="tx1"/>
-          </a:fontRef>
-        </p:style>
-      </p:cxnSp>
-      <p:cxnSp>
-        <p:nvCxnSpPr>
-          <p:cNvPr id="146" name="Straight Connector 145">
-            <a:extLst>
-              <a:ext uri="{FF2B5EF4-FFF2-40B4-BE49-F238E27FC236}">
-                <a16:creationId xmlns:a16="http://schemas.microsoft.com/office/drawing/2014/main" id="{40BA8562-E47F-46A1-7FE9-3A6D37F1A450}"/>
-              </a:ext>
-            </a:extLst>
-          </p:cNvPr>
-          <p:cNvCxnSpPr>
-            <a:cxnSpLocks/>
-            <a:stCxn id="20" idx="3"/>
-            <a:endCxn id="36" idx="1"/>
-          </p:cNvCxnSpPr>
-          <p:nvPr/>
-        </p:nvCxnSpPr>
-        <p:spPr>
-          <a:xfrm>
-            <a:off x="2500423" y="3678678"/>
-            <a:ext cx="3667335" cy="1065543"/>
-          </a:xfrm>
-          <a:prstGeom prst="line">
-            <a:avLst/>
-          </a:prstGeom>
-        </p:spPr>
-        <p:style>
-          <a:lnRef idx="1">
-            <a:schemeClr val="dk1"/>
-          </a:lnRef>
-          <a:fillRef idx="0">
-            <a:schemeClr val="dk1"/>
-          </a:fillRef>
-          <a:effectRef idx="0">
-            <a:schemeClr val="dk1"/>
-          </a:effectRef>
-          <a:fontRef idx="minor">
-            <a:schemeClr val="tx1"/>
-          </a:fontRef>
-        </p:style>
-      </p:cxnSp>
-      <p:cxnSp>
-        <p:nvCxnSpPr>
-          <p:cNvPr id="149" name="Straight Connector 148">
-            <a:extLst>
-              <a:ext uri="{FF2B5EF4-FFF2-40B4-BE49-F238E27FC236}">
-                <a16:creationId xmlns:a16="http://schemas.microsoft.com/office/drawing/2014/main" id="{95283752-3CB9-0EA7-B386-B78412563619}"/>
-              </a:ext>
-            </a:extLst>
-          </p:cNvPr>
-          <p:cNvCxnSpPr>
-            <a:cxnSpLocks/>
-            <a:endCxn id="36" idx="1"/>
-          </p:cNvCxnSpPr>
-          <p:nvPr/>
-        </p:nvCxnSpPr>
-        <p:spPr>
-          <a:xfrm>
-            <a:off x="2511003" y="4605051"/>
-            <a:ext cx="3656755" cy="139170"/>
-          </a:xfrm>
-          <a:prstGeom prst="line">
-            <a:avLst/>
-          </a:prstGeom>
-        </p:spPr>
-        <p:style>
-          <a:lnRef idx="1">
-            <a:schemeClr val="dk1"/>
-          </a:lnRef>
-          <a:fillRef idx="0">
-            <a:schemeClr val="dk1"/>
-          </a:fillRef>
-          <a:effectRef idx="0">
-            <a:schemeClr val="dk1"/>
-          </a:effectRef>
-          <a:fontRef idx="minor">
-            <a:schemeClr val="tx1"/>
-          </a:fontRef>
-        </p:style>
-      </p:cxnSp>
-      <p:sp>
-        <p:nvSpPr>
-          <p:cNvPr id="152" name="Rectangle 151">
-            <a:extLst>
-              <a:ext uri="{FF2B5EF4-FFF2-40B4-BE49-F238E27FC236}">
-                <a16:creationId xmlns:a16="http://schemas.microsoft.com/office/drawing/2014/main" id="{CF622FA6-5250-641E-6432-3D817314DC7B}"/>
-              </a:ext>
-            </a:extLst>
-          </p:cNvPr>
-          <p:cNvSpPr/>
-          <p:nvPr/>
-        </p:nvSpPr>
-        <p:spPr>
-          <a:xfrm>
-            <a:off x="7231183" y="4494919"/>
-            <a:ext cx="803139" cy="293723"/>
-          </a:xfrm>
-          <a:prstGeom prst="rect">
-            <a:avLst/>
-          </a:prstGeom>
-          <a:noFill/>
-          <a:ln>
-            <a:noFill/>
-          </a:ln>
-        </p:spPr>
-        <p:style>
-          <a:lnRef idx="2">
-            <a:schemeClr val="accent1">
-              <a:shade val="50000"/>
-            </a:schemeClr>
-          </a:lnRef>
-          <a:fillRef idx="1">
-            <a:schemeClr val="accent1"/>
-          </a:fillRef>
-          <a:effectRef idx="0">
-            <a:schemeClr val="accent1"/>
-          </a:effectRef>
-          <a:fontRef idx="minor">
-            <a:schemeClr val="lt1"/>
-          </a:fontRef>
-        </p:style>
-        <p:txBody>
-          <a:bodyPr rtlCol="0" anchor="ctr"/>
-          <a:lstStyle/>
-          <a:p>
-            <a:r>
-              <a:rPr lang="en-US" sz="1100" b="1" dirty="0">
-                <a:solidFill>
-                  <a:srgbClr val="002060"/>
-                </a:solidFill>
-              </a:rPr>
-              <a:t>PLC1 Q0.5</a:t>
-            </a:r>
-          </a:p>
-          <a:p>
-            <a:r>
-              <a:rPr lang="en-US" sz="1100" b="1" dirty="0">
-                <a:solidFill>
-                  <a:srgbClr val="002060"/>
-                </a:solidFill>
-              </a:rPr>
-              <a:t>S-cc-0</a:t>
-            </a:r>
-            <a:endParaRPr lang="en-SG" sz="1100" b="1" dirty="0">
-              <a:solidFill>
-                <a:srgbClr val="002060"/>
-              </a:solidFill>
-            </a:endParaRPr>
-          </a:p>
-        </p:txBody>
-      </p:sp>
-      <p:cxnSp>
-        <p:nvCxnSpPr>
-          <p:cNvPr id="153" name="Straight Connector 152">
-            <a:extLst>
-              <a:ext uri="{FF2B5EF4-FFF2-40B4-BE49-F238E27FC236}">
-                <a16:creationId xmlns:a16="http://schemas.microsoft.com/office/drawing/2014/main" id="{DD953C6C-6759-82FD-7568-1DD0A30B4D78}"/>
-              </a:ext>
-            </a:extLst>
-          </p:cNvPr>
-          <p:cNvCxnSpPr>
-            <a:cxnSpLocks/>
-          </p:cNvCxnSpPr>
-          <p:nvPr/>
-        </p:nvCxnSpPr>
-        <p:spPr>
-          <a:xfrm>
-            <a:off x="2519581" y="4163247"/>
-            <a:ext cx="3703617" cy="1254731"/>
-          </a:xfrm>
-          <a:prstGeom prst="line">
-            <a:avLst/>
-          </a:prstGeom>
-        </p:spPr>
-        <p:style>
-          <a:lnRef idx="1">
-            <a:schemeClr val="accent1"/>
-          </a:lnRef>
-          <a:fillRef idx="0">
-            <a:schemeClr val="accent1"/>
-          </a:fillRef>
-          <a:effectRef idx="0">
-            <a:schemeClr val="accent1"/>
-          </a:effectRef>
-          <a:fontRef idx="minor">
-            <a:schemeClr val="tx1"/>
-          </a:fontRef>
-        </p:style>
-      </p:cxnSp>
-      <p:cxnSp>
-        <p:nvCxnSpPr>
-          <p:cNvPr id="156" name="Straight Connector 155">
-            <a:extLst>
-              <a:ext uri="{FF2B5EF4-FFF2-40B4-BE49-F238E27FC236}">
-                <a16:creationId xmlns:a16="http://schemas.microsoft.com/office/drawing/2014/main" id="{A8D8085D-A9ED-6DD0-04E9-B12346EC1E8B}"/>
-              </a:ext>
-            </a:extLst>
-          </p:cNvPr>
-          <p:cNvCxnSpPr>
-            <a:cxnSpLocks/>
-            <a:endCxn id="37" idx="1"/>
-          </p:cNvCxnSpPr>
-          <p:nvPr/>
-        </p:nvCxnSpPr>
-        <p:spPr>
-          <a:xfrm>
-            <a:off x="2497762" y="4271406"/>
-            <a:ext cx="3669996" cy="1294121"/>
-          </a:xfrm>
-          <a:prstGeom prst="line">
-            <a:avLst/>
-          </a:prstGeom>
-        </p:spPr>
-        <p:style>
-          <a:lnRef idx="1">
-            <a:schemeClr val="dk1"/>
-          </a:lnRef>
-          <a:fillRef idx="0">
-            <a:schemeClr val="dk1"/>
-          </a:fillRef>
-          <a:effectRef idx="0">
-            <a:schemeClr val="dk1"/>
-          </a:effectRef>
-          <a:fontRef idx="minor">
-            <a:schemeClr val="tx1"/>
-          </a:fontRef>
-        </p:style>
-      </p:cxnSp>
-      <p:sp>
-        <p:nvSpPr>
-          <p:cNvPr id="158" name="Rectangle 157">
-            <a:extLst>
-              <a:ext uri="{FF2B5EF4-FFF2-40B4-BE49-F238E27FC236}">
-                <a16:creationId xmlns:a16="http://schemas.microsoft.com/office/drawing/2014/main" id="{978372E1-03C2-28DB-5B2D-F17993CAB3E4}"/>
-              </a:ext>
-            </a:extLst>
-          </p:cNvPr>
-          <p:cNvSpPr/>
-          <p:nvPr/>
-        </p:nvSpPr>
-        <p:spPr>
-          <a:xfrm>
-            <a:off x="7247056" y="5273280"/>
-            <a:ext cx="803139" cy="293723"/>
-          </a:xfrm>
-          <a:prstGeom prst="rect">
-            <a:avLst/>
-          </a:prstGeom>
-          <a:noFill/>
-          <a:ln>
-            <a:noFill/>
-          </a:ln>
-        </p:spPr>
-        <p:style>
-          <a:lnRef idx="2">
-            <a:schemeClr val="accent1">
-              <a:shade val="50000"/>
-            </a:schemeClr>
-          </a:lnRef>
-          <a:fillRef idx="1">
-            <a:schemeClr val="accent1"/>
-          </a:fillRef>
-          <a:effectRef idx="0">
-            <a:schemeClr val="accent1"/>
-          </a:effectRef>
-          <a:fontRef idx="minor">
-            <a:schemeClr val="lt1"/>
-          </a:fontRef>
-        </p:style>
-        <p:txBody>
-          <a:bodyPr rtlCol="0" anchor="ctr"/>
-          <a:lstStyle/>
-          <a:p>
-            <a:r>
-              <a:rPr lang="en-US" sz="1100" b="1" dirty="0">
-                <a:solidFill>
-                  <a:srgbClr val="002060"/>
-                </a:solidFill>
-              </a:rPr>
-              <a:t>PLC1 Q0.6</a:t>
-            </a:r>
-          </a:p>
-          <a:p>
-            <a:r>
-              <a:rPr lang="en-US" sz="1100" b="1" dirty="0">
-                <a:solidFill>
-                  <a:srgbClr val="002060"/>
-                </a:solidFill>
-              </a:rPr>
-              <a:t>S-cc-1</a:t>
-            </a:r>
-            <a:endParaRPr lang="en-SG" sz="1100" b="1" dirty="0">
-              <a:solidFill>
-                <a:srgbClr val="002060"/>
-              </a:solidFill>
-            </a:endParaRPr>
-          </a:p>
-        </p:txBody>
-      </p:sp>
-      <p:cxnSp>
-        <p:nvCxnSpPr>
-          <p:cNvPr id="160" name="Straight Connector 159">
-            <a:extLst>
-              <a:ext uri="{FF2B5EF4-FFF2-40B4-BE49-F238E27FC236}">
-                <a16:creationId xmlns:a16="http://schemas.microsoft.com/office/drawing/2014/main" id="{2A7975FE-4AB4-5C9D-D2D0-B84F5646F78B}"/>
-              </a:ext>
-            </a:extLst>
-          </p:cNvPr>
-          <p:cNvCxnSpPr>
-            <a:cxnSpLocks/>
-          </p:cNvCxnSpPr>
-          <p:nvPr/>
-        </p:nvCxnSpPr>
-        <p:spPr>
-          <a:xfrm>
-            <a:off x="2524177" y="3870010"/>
-            <a:ext cx="3659909" cy="2557321"/>
-          </a:xfrm>
-          <a:prstGeom prst="line">
-            <a:avLst/>
-          </a:prstGeom>
-        </p:spPr>
-        <p:style>
-          <a:lnRef idx="1">
-            <a:schemeClr val="accent1"/>
-          </a:lnRef>
-          <a:fillRef idx="0">
-            <a:schemeClr val="accent1"/>
-          </a:fillRef>
-          <a:effectRef idx="0">
-            <a:schemeClr val="accent1"/>
-          </a:effectRef>
-          <a:fontRef idx="minor">
-            <a:schemeClr val="tx1"/>
-          </a:fontRef>
-        </p:style>
-      </p:cxnSp>
-      <p:cxnSp>
-        <p:nvCxnSpPr>
-          <p:cNvPr id="163" name="Straight Connector 162">
-            <a:extLst>
-              <a:ext uri="{FF2B5EF4-FFF2-40B4-BE49-F238E27FC236}">
-                <a16:creationId xmlns:a16="http://schemas.microsoft.com/office/drawing/2014/main" id="{D8E69CD3-3F74-A7D9-F0A2-CF214B114211}"/>
-              </a:ext>
-            </a:extLst>
-          </p:cNvPr>
-          <p:cNvCxnSpPr>
-            <a:cxnSpLocks/>
-          </p:cNvCxnSpPr>
-          <p:nvPr/>
-        </p:nvCxnSpPr>
-        <p:spPr>
-          <a:xfrm>
-            <a:off x="2491708" y="3990086"/>
-            <a:ext cx="3656892" cy="2690015"/>
-          </a:xfrm>
-          <a:prstGeom prst="line">
-            <a:avLst/>
-          </a:prstGeom>
-        </p:spPr>
-        <p:style>
-          <a:lnRef idx="1">
-            <a:schemeClr val="dk1"/>
-          </a:lnRef>
-          <a:fillRef idx="0">
-            <a:schemeClr val="dk1"/>
-          </a:fillRef>
-          <a:effectRef idx="0">
-            <a:schemeClr val="dk1"/>
-          </a:effectRef>
-          <a:fontRef idx="minor">
-            <a:schemeClr val="tx1"/>
-          </a:fontRef>
-        </p:style>
-      </p:cxnSp>
-      <p:sp>
-        <p:nvSpPr>
-          <p:cNvPr id="166" name="Rectangle 165">
-            <a:extLst>
-              <a:ext uri="{FF2B5EF4-FFF2-40B4-BE49-F238E27FC236}">
-                <a16:creationId xmlns:a16="http://schemas.microsoft.com/office/drawing/2014/main" id="{76130978-DB33-5FB4-C44C-B85EA3BC8125}"/>
-              </a:ext>
-            </a:extLst>
-          </p:cNvPr>
-          <p:cNvSpPr/>
-          <p:nvPr/>
-        </p:nvSpPr>
-        <p:spPr>
-          <a:xfrm>
-            <a:off x="7260751" y="6283315"/>
-            <a:ext cx="803139" cy="293723"/>
-          </a:xfrm>
-          <a:prstGeom prst="rect">
-            <a:avLst/>
-          </a:prstGeom>
-          <a:noFill/>
-          <a:ln>
-            <a:noFill/>
-          </a:ln>
-        </p:spPr>
-        <p:style>
-          <a:lnRef idx="2">
-            <a:schemeClr val="accent1">
-              <a:shade val="50000"/>
-            </a:schemeClr>
-          </a:lnRef>
-          <a:fillRef idx="1">
-            <a:schemeClr val="accent1"/>
-          </a:fillRef>
-          <a:effectRef idx="0">
-            <a:schemeClr val="accent1"/>
-          </a:effectRef>
-          <a:fontRef idx="minor">
-            <a:schemeClr val="lt1"/>
-          </a:fontRef>
-        </p:style>
-        <p:txBody>
-          <a:bodyPr rtlCol="0" anchor="ctr"/>
-          <a:lstStyle/>
-          <a:p>
-            <a:r>
-              <a:rPr lang="en-US" sz="1100" b="1" dirty="0">
-                <a:solidFill>
-                  <a:srgbClr val="002060"/>
-                </a:solidFill>
-              </a:rPr>
-              <a:t>PLC2 Q0.0</a:t>
-            </a:r>
-          </a:p>
-          <a:p>
-            <a:r>
-              <a:rPr lang="en-US" sz="1100" b="1" dirty="0">
-                <a:solidFill>
-                  <a:srgbClr val="002060"/>
-                </a:solidFill>
-              </a:rPr>
-              <a:t>S-cc-2</a:t>
-            </a:r>
-            <a:endParaRPr lang="en-SG" sz="1100" b="1" dirty="0">
-              <a:solidFill>
-                <a:srgbClr val="002060"/>
-              </a:solidFill>
-            </a:endParaRPr>
-          </a:p>
-        </p:txBody>
-      </p:sp>
-      <p:cxnSp>
-        <p:nvCxnSpPr>
-          <p:cNvPr id="168" name="Straight Connector 167">
-            <a:extLst>
-              <a:ext uri="{FF2B5EF4-FFF2-40B4-BE49-F238E27FC236}">
-                <a16:creationId xmlns:a16="http://schemas.microsoft.com/office/drawing/2014/main" id="{01FEE5FA-E303-04EA-FDDF-F72834F6FCA2}"/>
-              </a:ext>
-            </a:extLst>
-          </p:cNvPr>
-          <p:cNvCxnSpPr>
-            <a:cxnSpLocks/>
-          </p:cNvCxnSpPr>
-          <p:nvPr/>
-        </p:nvCxnSpPr>
-        <p:spPr>
-          <a:xfrm>
-            <a:off x="2511003" y="2124018"/>
-            <a:ext cx="5767115" cy="60576"/>
-          </a:xfrm>
-          <a:prstGeom prst="line">
-            <a:avLst/>
-          </a:prstGeom>
-        </p:spPr>
-        <p:style>
-          <a:lnRef idx="1">
-            <a:schemeClr val="accent1"/>
-          </a:lnRef>
-          <a:fillRef idx="0">
-            <a:schemeClr val="accent1"/>
-          </a:fillRef>
-          <a:effectRef idx="0">
-            <a:schemeClr val="accent1"/>
-          </a:effectRef>
-          <a:fontRef idx="minor">
-            <a:schemeClr val="tx1"/>
-          </a:fontRef>
-        </p:style>
-      </p:cxnSp>
-      <p:cxnSp>
-        <p:nvCxnSpPr>
-          <p:cNvPr id="171" name="Straight Connector 170">
-            <a:extLst>
-              <a:ext uri="{FF2B5EF4-FFF2-40B4-BE49-F238E27FC236}">
-                <a16:creationId xmlns:a16="http://schemas.microsoft.com/office/drawing/2014/main" id="{A57C917E-77EE-283C-930D-0361CF5A20AF}"/>
-              </a:ext>
-            </a:extLst>
-          </p:cNvPr>
-          <p:cNvCxnSpPr>
-            <a:cxnSpLocks/>
-          </p:cNvCxnSpPr>
-          <p:nvPr/>
-        </p:nvCxnSpPr>
-        <p:spPr>
-          <a:xfrm flipV="1">
-            <a:off x="2511003" y="2191037"/>
-            <a:ext cx="5767115" cy="221096"/>
-          </a:xfrm>
-          <a:prstGeom prst="line">
-            <a:avLst/>
-          </a:prstGeom>
-        </p:spPr>
-        <p:style>
-          <a:lnRef idx="1">
-            <a:schemeClr val="accent1"/>
-          </a:lnRef>
-          <a:fillRef idx="0">
-            <a:schemeClr val="accent1"/>
-          </a:fillRef>
-          <a:effectRef idx="0">
-            <a:schemeClr val="accent1"/>
-          </a:effectRef>
-          <a:fontRef idx="minor">
-            <a:schemeClr val="tx1"/>
-          </a:fontRef>
-        </p:style>
-      </p:cxnSp>
-      <p:cxnSp>
-        <p:nvCxnSpPr>
-          <p:cNvPr id="174" name="Straight Connector 173">
-            <a:extLst>
-              <a:ext uri="{FF2B5EF4-FFF2-40B4-BE49-F238E27FC236}">
-                <a16:creationId xmlns:a16="http://schemas.microsoft.com/office/drawing/2014/main" id="{C076536F-957E-6499-D12B-C4F018BB3050}"/>
-              </a:ext>
-            </a:extLst>
-          </p:cNvPr>
-          <p:cNvCxnSpPr>
-            <a:cxnSpLocks/>
-          </p:cNvCxnSpPr>
-          <p:nvPr/>
-        </p:nvCxnSpPr>
-        <p:spPr>
-          <a:xfrm>
-            <a:off x="2511561" y="2267152"/>
-            <a:ext cx="5766050" cy="178757"/>
-          </a:xfrm>
-          <a:prstGeom prst="line">
-            <a:avLst/>
-          </a:prstGeom>
-        </p:spPr>
-        <p:style>
-          <a:lnRef idx="1">
-            <a:schemeClr val="dk1"/>
-          </a:lnRef>
-          <a:fillRef idx="0">
-            <a:schemeClr val="dk1"/>
-          </a:fillRef>
-          <a:effectRef idx="0">
-            <a:schemeClr val="dk1"/>
-          </a:effectRef>
-          <a:fontRef idx="minor">
-            <a:schemeClr val="tx1"/>
-          </a:fontRef>
-        </p:style>
-      </p:cxnSp>
-      <p:cxnSp>
-        <p:nvCxnSpPr>
-          <p:cNvPr id="177" name="Straight Connector 176">
-            <a:extLst>
-              <a:ext uri="{FF2B5EF4-FFF2-40B4-BE49-F238E27FC236}">
-                <a16:creationId xmlns:a16="http://schemas.microsoft.com/office/drawing/2014/main" id="{89A24F39-1B4B-6286-114B-0AFAC1FF6270}"/>
-              </a:ext>
-            </a:extLst>
-          </p:cNvPr>
-          <p:cNvCxnSpPr>
-            <a:cxnSpLocks/>
-          </p:cNvCxnSpPr>
-          <p:nvPr/>
-        </p:nvCxnSpPr>
-        <p:spPr>
-          <a:xfrm flipV="1">
-            <a:off x="2502757" y="2466635"/>
-            <a:ext cx="5774854" cy="101508"/>
-          </a:xfrm>
-          <a:prstGeom prst="line">
-            <a:avLst/>
-          </a:prstGeom>
-        </p:spPr>
-        <p:style>
-          <a:lnRef idx="1">
-            <a:schemeClr val="dk1"/>
-          </a:lnRef>
-          <a:fillRef idx="0">
-            <a:schemeClr val="dk1"/>
-          </a:fillRef>
-          <a:effectRef idx="0">
-            <a:schemeClr val="dk1"/>
-          </a:effectRef>
-          <a:fontRef idx="minor">
-            <a:schemeClr val="tx1"/>
-          </a:fontRef>
-        </p:style>
-      </p:cxnSp>
-      <p:sp>
-        <p:nvSpPr>
-          <p:cNvPr id="180" name="Rectangle 179">
-            <a:extLst>
-              <a:ext uri="{FF2B5EF4-FFF2-40B4-BE49-F238E27FC236}">
-                <a16:creationId xmlns:a16="http://schemas.microsoft.com/office/drawing/2014/main" id="{76B34665-9CF3-3C1B-0FC5-894401AC5428}"/>
-              </a:ext>
-            </a:extLst>
-          </p:cNvPr>
-          <p:cNvSpPr/>
-          <p:nvPr/>
-        </p:nvSpPr>
-        <p:spPr>
-          <a:xfrm>
-            <a:off x="9270237" y="2074603"/>
-            <a:ext cx="803139" cy="293723"/>
-          </a:xfrm>
-          <a:prstGeom prst="rect">
-            <a:avLst/>
-          </a:prstGeom>
-          <a:noFill/>
-          <a:ln>
-            <a:noFill/>
-          </a:ln>
-        </p:spPr>
-        <p:style>
-          <a:lnRef idx="2">
-            <a:schemeClr val="accent1">
-              <a:shade val="50000"/>
-            </a:schemeClr>
-          </a:lnRef>
-          <a:fillRef idx="1">
-            <a:schemeClr val="accent1"/>
-          </a:fillRef>
-          <a:effectRef idx="0">
-            <a:schemeClr val="accent1"/>
-          </a:effectRef>
-          <a:fontRef idx="minor">
-            <a:schemeClr val="lt1"/>
-          </a:fontRef>
-        </p:style>
-        <p:txBody>
-          <a:bodyPr rtlCol="0" anchor="ctr"/>
-          <a:lstStyle/>
-          <a:p>
-            <a:r>
-              <a:rPr lang="en-US" sz="1100" b="1" dirty="0">
-                <a:solidFill>
-                  <a:srgbClr val="002060"/>
-                </a:solidFill>
-              </a:rPr>
-              <a:t>PLC2 Q0.1</a:t>
-            </a:r>
-          </a:p>
-          <a:p>
-            <a:r>
-              <a:rPr lang="en-US" sz="1100" b="1" dirty="0">
-                <a:solidFill>
-                  <a:srgbClr val="002060"/>
-                </a:solidFill>
-              </a:rPr>
-              <a:t>S-cc-3</a:t>
-            </a:r>
-            <a:endParaRPr lang="en-SG" sz="1100" b="1" dirty="0">
-              <a:solidFill>
-                <a:srgbClr val="002060"/>
-              </a:solidFill>
-            </a:endParaRPr>
-          </a:p>
-        </p:txBody>
-      </p:sp>
-      <p:cxnSp>
-        <p:nvCxnSpPr>
-          <p:cNvPr id="181" name="Straight Connector 180">
-            <a:extLst>
-              <a:ext uri="{FF2B5EF4-FFF2-40B4-BE49-F238E27FC236}">
-                <a16:creationId xmlns:a16="http://schemas.microsoft.com/office/drawing/2014/main" id="{D8FF51FC-4FE4-2C61-2702-05EF61B7603A}"/>
-              </a:ext>
-            </a:extLst>
-          </p:cNvPr>
-          <p:cNvCxnSpPr>
-            <a:cxnSpLocks/>
-          </p:cNvCxnSpPr>
-          <p:nvPr/>
-        </p:nvCxnSpPr>
-        <p:spPr>
-          <a:xfrm>
-            <a:off x="2519581" y="1838397"/>
-            <a:ext cx="5758030" cy="1302795"/>
-          </a:xfrm>
-          <a:prstGeom prst="line">
-            <a:avLst/>
-          </a:prstGeom>
-        </p:spPr>
-        <p:style>
-          <a:lnRef idx="1">
-            <a:schemeClr val="accent1"/>
-          </a:lnRef>
-          <a:fillRef idx="0">
-            <a:schemeClr val="accent1"/>
-          </a:fillRef>
-          <a:effectRef idx="0">
-            <a:schemeClr val="accent1"/>
-          </a:effectRef>
-          <a:fontRef idx="minor">
-            <a:schemeClr val="tx1"/>
-          </a:fontRef>
-        </p:style>
-      </p:cxnSp>
-      <p:cxnSp>
-        <p:nvCxnSpPr>
-          <p:cNvPr id="184" name="Straight Connector 183">
-            <a:extLst>
-              <a:ext uri="{FF2B5EF4-FFF2-40B4-BE49-F238E27FC236}">
-                <a16:creationId xmlns:a16="http://schemas.microsoft.com/office/drawing/2014/main" id="{2B40BBEC-E7CF-552E-28C0-110BAA4D951C}"/>
-              </a:ext>
-            </a:extLst>
-          </p:cNvPr>
-          <p:cNvCxnSpPr>
-            <a:cxnSpLocks/>
-          </p:cNvCxnSpPr>
-          <p:nvPr/>
-        </p:nvCxnSpPr>
-        <p:spPr>
-          <a:xfrm>
-            <a:off x="2502757" y="2710485"/>
-            <a:ext cx="5800204" cy="430707"/>
-          </a:xfrm>
-          <a:prstGeom prst="line">
-            <a:avLst/>
-          </a:prstGeom>
-        </p:spPr>
-        <p:style>
-          <a:lnRef idx="1">
-            <a:schemeClr val="accent1"/>
-          </a:lnRef>
-          <a:fillRef idx="0">
-            <a:schemeClr val="accent1"/>
-          </a:fillRef>
-          <a:effectRef idx="0">
-            <a:schemeClr val="accent1"/>
-          </a:effectRef>
-          <a:fontRef idx="minor">
-            <a:schemeClr val="tx1"/>
-          </a:fontRef>
-        </p:style>
-      </p:cxnSp>
-      <p:cxnSp>
-        <p:nvCxnSpPr>
-          <p:cNvPr id="187" name="Straight Connector 186">
-            <a:extLst>
-              <a:ext uri="{FF2B5EF4-FFF2-40B4-BE49-F238E27FC236}">
-                <a16:creationId xmlns:a16="http://schemas.microsoft.com/office/drawing/2014/main" id="{7D64EB99-B441-B5D7-9C92-CE0A7F77ACAD}"/>
-              </a:ext>
-            </a:extLst>
-          </p:cNvPr>
-          <p:cNvCxnSpPr>
-            <a:cxnSpLocks/>
-          </p:cNvCxnSpPr>
-          <p:nvPr/>
-        </p:nvCxnSpPr>
-        <p:spPr>
-          <a:xfrm>
-            <a:off x="2502757" y="2007314"/>
-            <a:ext cx="5774854" cy="1406582"/>
-          </a:xfrm>
-          <a:prstGeom prst="line">
-            <a:avLst/>
-          </a:prstGeom>
-        </p:spPr>
-        <p:style>
-          <a:lnRef idx="1">
-            <a:schemeClr val="dk1"/>
-          </a:lnRef>
-          <a:fillRef idx="0">
-            <a:schemeClr val="dk1"/>
-          </a:fillRef>
-          <a:effectRef idx="0">
-            <a:schemeClr val="dk1"/>
-          </a:effectRef>
-          <a:fontRef idx="minor">
-            <a:schemeClr val="tx1"/>
-          </a:fontRef>
-        </p:style>
-      </p:cxnSp>
-      <p:cxnSp>
-        <p:nvCxnSpPr>
-          <p:cNvPr id="190" name="Straight Connector 189">
-            <a:extLst>
-              <a:ext uri="{FF2B5EF4-FFF2-40B4-BE49-F238E27FC236}">
-                <a16:creationId xmlns:a16="http://schemas.microsoft.com/office/drawing/2014/main" id="{16108C68-534C-1772-24A3-D0D5D2ADE2C6}"/>
-              </a:ext>
-            </a:extLst>
-          </p:cNvPr>
-          <p:cNvCxnSpPr>
-            <a:cxnSpLocks/>
-          </p:cNvCxnSpPr>
-          <p:nvPr/>
-        </p:nvCxnSpPr>
-        <p:spPr>
-          <a:xfrm>
-            <a:off x="2511003" y="2847469"/>
-            <a:ext cx="5791958" cy="581531"/>
-          </a:xfrm>
-          <a:prstGeom prst="line">
-            <a:avLst/>
-          </a:prstGeom>
-        </p:spPr>
-        <p:style>
-          <a:lnRef idx="1">
-            <a:schemeClr val="dk1"/>
-          </a:lnRef>
-          <a:fillRef idx="0">
-            <a:schemeClr val="dk1"/>
-          </a:fillRef>
-          <a:effectRef idx="0">
-            <a:schemeClr val="dk1"/>
-          </a:effectRef>
-          <a:fontRef idx="minor">
-            <a:schemeClr val="tx1"/>
-          </a:fontRef>
-        </p:style>
-      </p:cxnSp>
-      <p:sp>
-        <p:nvSpPr>
-          <p:cNvPr id="193" name="Rectangle 192">
-            <a:extLst>
-              <a:ext uri="{FF2B5EF4-FFF2-40B4-BE49-F238E27FC236}">
-                <a16:creationId xmlns:a16="http://schemas.microsoft.com/office/drawing/2014/main" id="{7397F540-3544-319D-2602-494A81D8B991}"/>
-              </a:ext>
-            </a:extLst>
-          </p:cNvPr>
-          <p:cNvSpPr/>
-          <p:nvPr/>
-        </p:nvSpPr>
-        <p:spPr>
-          <a:xfrm>
-            <a:off x="9359276" y="3047763"/>
-            <a:ext cx="803139" cy="293723"/>
-          </a:xfrm>
-          <a:prstGeom prst="rect">
-            <a:avLst/>
-          </a:prstGeom>
-          <a:noFill/>
-          <a:ln>
-            <a:noFill/>
-          </a:ln>
-        </p:spPr>
-        <p:style>
-          <a:lnRef idx="2">
-            <a:schemeClr val="accent1">
-              <a:shade val="50000"/>
-            </a:schemeClr>
-          </a:lnRef>
-          <a:fillRef idx="1">
-            <a:schemeClr val="accent1"/>
-          </a:fillRef>
-          <a:effectRef idx="0">
-            <a:schemeClr val="accent1"/>
-          </a:effectRef>
-          <a:fontRef idx="minor">
-            <a:schemeClr val="lt1"/>
-          </a:fontRef>
-        </p:style>
-        <p:txBody>
-          <a:bodyPr rtlCol="0" anchor="ctr"/>
-          <a:lstStyle/>
-          <a:p>
-            <a:r>
-              <a:rPr lang="en-US" sz="1100" b="1" dirty="0">
-                <a:solidFill>
-                  <a:srgbClr val="002060"/>
-                </a:solidFill>
-              </a:rPr>
-              <a:t>PLC2 Q0.2</a:t>
-            </a:r>
-          </a:p>
-          <a:p>
-            <a:r>
-              <a:rPr lang="en-US" sz="1100" b="1" dirty="0">
-                <a:solidFill>
-                  <a:srgbClr val="002060"/>
-                </a:solidFill>
-              </a:rPr>
-              <a:t>S-cc-4</a:t>
-            </a:r>
-            <a:endParaRPr lang="en-SG" sz="1100" b="1" dirty="0">
-              <a:solidFill>
-                <a:srgbClr val="002060"/>
-              </a:solidFill>
-            </a:endParaRPr>
-          </a:p>
-        </p:txBody>
-      </p:sp>
-      <p:cxnSp>
-        <p:nvCxnSpPr>
-          <p:cNvPr id="194" name="Straight Connector 193">
-            <a:extLst>
-              <a:ext uri="{FF2B5EF4-FFF2-40B4-BE49-F238E27FC236}">
-                <a16:creationId xmlns:a16="http://schemas.microsoft.com/office/drawing/2014/main" id="{4D28DF08-CF7B-2336-E420-54F2D22426DD}"/>
-              </a:ext>
-            </a:extLst>
-          </p:cNvPr>
-          <p:cNvCxnSpPr>
-            <a:cxnSpLocks/>
-          </p:cNvCxnSpPr>
-          <p:nvPr/>
-        </p:nvCxnSpPr>
-        <p:spPr>
-          <a:xfrm>
-            <a:off x="2524177" y="1564990"/>
-            <a:ext cx="5761454" cy="2387078"/>
-          </a:xfrm>
-          <a:prstGeom prst="line">
-            <a:avLst/>
-          </a:prstGeom>
-        </p:spPr>
-        <p:style>
-          <a:lnRef idx="1">
-            <a:schemeClr val="accent1"/>
-          </a:lnRef>
-          <a:fillRef idx="0">
-            <a:schemeClr val="accent1"/>
-          </a:fillRef>
-          <a:effectRef idx="0">
-            <a:schemeClr val="accent1"/>
-          </a:effectRef>
-          <a:fontRef idx="minor">
-            <a:schemeClr val="tx1"/>
-          </a:fontRef>
-        </p:style>
-      </p:cxnSp>
-      <p:cxnSp>
-        <p:nvCxnSpPr>
-          <p:cNvPr id="198" name="Straight Connector 197">
-            <a:extLst>
-              <a:ext uri="{FF2B5EF4-FFF2-40B4-BE49-F238E27FC236}">
-                <a16:creationId xmlns:a16="http://schemas.microsoft.com/office/drawing/2014/main" id="{8CA05DD2-FA4B-4917-D9C7-C2157995E9D4}"/>
-              </a:ext>
-            </a:extLst>
-          </p:cNvPr>
-          <p:cNvCxnSpPr>
-            <a:cxnSpLocks/>
-          </p:cNvCxnSpPr>
-          <p:nvPr/>
-        </p:nvCxnSpPr>
-        <p:spPr>
-          <a:xfrm>
-            <a:off x="2514417" y="3010965"/>
-            <a:ext cx="5815017" cy="986604"/>
-          </a:xfrm>
-          <a:prstGeom prst="line">
-            <a:avLst/>
-          </a:prstGeom>
-        </p:spPr>
-        <p:style>
-          <a:lnRef idx="1">
-            <a:schemeClr val="accent1"/>
-          </a:lnRef>
-          <a:fillRef idx="0">
-            <a:schemeClr val="accent1"/>
-          </a:fillRef>
-          <a:effectRef idx="0">
-            <a:schemeClr val="accent1"/>
-          </a:effectRef>
-          <a:fontRef idx="minor">
-            <a:schemeClr val="tx1"/>
-          </a:fontRef>
-        </p:style>
-      </p:cxnSp>
-      <p:cxnSp>
-        <p:nvCxnSpPr>
-          <p:cNvPr id="201" name="Straight Connector 200">
-            <a:extLst>
-              <a:ext uri="{FF2B5EF4-FFF2-40B4-BE49-F238E27FC236}">
-                <a16:creationId xmlns:a16="http://schemas.microsoft.com/office/drawing/2014/main" id="{2439895D-CD5E-095B-4D53-509009C4636F}"/>
-              </a:ext>
-            </a:extLst>
-          </p:cNvPr>
-          <p:cNvCxnSpPr>
-            <a:cxnSpLocks/>
-          </p:cNvCxnSpPr>
-          <p:nvPr/>
-        </p:nvCxnSpPr>
-        <p:spPr>
-          <a:xfrm>
-            <a:off x="2521436" y="1707658"/>
-            <a:ext cx="5691326" cy="2520498"/>
-          </a:xfrm>
-          <a:prstGeom prst="line">
-            <a:avLst/>
-          </a:prstGeom>
-        </p:spPr>
-        <p:style>
-          <a:lnRef idx="1">
-            <a:schemeClr val="dk1"/>
-          </a:lnRef>
-          <a:fillRef idx="0">
-            <a:schemeClr val="dk1"/>
-          </a:fillRef>
-          <a:effectRef idx="0">
-            <a:schemeClr val="dk1"/>
-          </a:effectRef>
-          <a:fontRef idx="minor">
-            <a:schemeClr val="tx1"/>
-          </a:fontRef>
-        </p:style>
-      </p:cxnSp>
-      <p:cxnSp>
-        <p:nvCxnSpPr>
-          <p:cNvPr id="204" name="Straight Connector 203">
-            <a:extLst>
-              <a:ext uri="{FF2B5EF4-FFF2-40B4-BE49-F238E27FC236}">
-                <a16:creationId xmlns:a16="http://schemas.microsoft.com/office/drawing/2014/main" id="{BCF353B9-33F8-5F0E-0536-61C4D4F3E52F}"/>
-              </a:ext>
-            </a:extLst>
-          </p:cNvPr>
-          <p:cNvCxnSpPr>
-            <a:cxnSpLocks/>
-          </p:cNvCxnSpPr>
-          <p:nvPr/>
-        </p:nvCxnSpPr>
-        <p:spPr>
-          <a:xfrm>
-            <a:off x="2476193" y="3125409"/>
-            <a:ext cx="5736569" cy="1113978"/>
-          </a:xfrm>
-          <a:prstGeom prst="line">
-            <a:avLst/>
-          </a:prstGeom>
-        </p:spPr>
-        <p:style>
-          <a:lnRef idx="1">
-            <a:schemeClr val="dk1"/>
-          </a:lnRef>
-          <a:fillRef idx="0">
-            <a:schemeClr val="dk1"/>
-          </a:fillRef>
-          <a:effectRef idx="0">
-            <a:schemeClr val="dk1"/>
-          </a:effectRef>
-          <a:fontRef idx="minor">
-            <a:schemeClr val="tx1"/>
-          </a:fontRef>
-        </p:style>
-      </p:cxnSp>
-      <p:cxnSp>
-        <p:nvCxnSpPr>
-          <p:cNvPr id="207" name="Straight Connector 206">
-            <a:extLst>
-              <a:ext uri="{FF2B5EF4-FFF2-40B4-BE49-F238E27FC236}">
-                <a16:creationId xmlns:a16="http://schemas.microsoft.com/office/drawing/2014/main" id="{ABA1A9DD-F616-E5D8-FD75-2742CC35FC63}"/>
-              </a:ext>
-            </a:extLst>
-          </p:cNvPr>
-          <p:cNvCxnSpPr>
-            <a:cxnSpLocks/>
-          </p:cNvCxnSpPr>
-          <p:nvPr/>
-        </p:nvCxnSpPr>
-        <p:spPr>
-          <a:xfrm>
-            <a:off x="2519996" y="1288151"/>
-            <a:ext cx="5828596" cy="3611241"/>
-          </a:xfrm>
-          <a:prstGeom prst="line">
-            <a:avLst/>
-          </a:prstGeom>
-        </p:spPr>
-        <p:style>
-          <a:lnRef idx="1">
-            <a:schemeClr val="accent1"/>
-          </a:lnRef>
-          <a:fillRef idx="0">
-            <a:schemeClr val="accent1"/>
-          </a:fillRef>
-          <a:effectRef idx="0">
-            <a:schemeClr val="accent1"/>
-          </a:effectRef>
-          <a:fontRef idx="minor">
-            <a:schemeClr val="tx1"/>
-          </a:fontRef>
-        </p:style>
-      </p:cxnSp>
-      <p:cxnSp>
-        <p:nvCxnSpPr>
-          <p:cNvPr id="210" name="Straight Connector 209">
-            <a:extLst>
-              <a:ext uri="{FF2B5EF4-FFF2-40B4-BE49-F238E27FC236}">
-                <a16:creationId xmlns:a16="http://schemas.microsoft.com/office/drawing/2014/main" id="{B1967B4C-D969-3443-5CFB-92355C408370}"/>
-              </a:ext>
-            </a:extLst>
-          </p:cNvPr>
-          <p:cNvCxnSpPr>
-            <a:cxnSpLocks/>
-          </p:cNvCxnSpPr>
-          <p:nvPr/>
-        </p:nvCxnSpPr>
-        <p:spPr>
-          <a:xfrm>
-            <a:off x="2502661" y="3292036"/>
-            <a:ext cx="5843597" cy="1611456"/>
-          </a:xfrm>
-          <a:prstGeom prst="line">
-            <a:avLst/>
-          </a:prstGeom>
-        </p:spPr>
-        <p:style>
-          <a:lnRef idx="1">
-            <a:schemeClr val="accent1"/>
-          </a:lnRef>
-          <a:fillRef idx="0">
-            <a:schemeClr val="accent1"/>
-          </a:fillRef>
-          <a:effectRef idx="0">
-            <a:schemeClr val="accent1"/>
-          </a:effectRef>
-          <a:fontRef idx="minor">
-            <a:schemeClr val="tx1"/>
-          </a:fontRef>
-        </p:style>
-      </p:cxnSp>
-      <p:cxnSp>
-        <p:nvCxnSpPr>
-          <p:cNvPr id="213" name="Straight Connector 212">
-            <a:extLst>
-              <a:ext uri="{FF2B5EF4-FFF2-40B4-BE49-F238E27FC236}">
-                <a16:creationId xmlns:a16="http://schemas.microsoft.com/office/drawing/2014/main" id="{177868AC-9104-AD37-4674-FCCC9F23A5EE}"/>
-              </a:ext>
-            </a:extLst>
-          </p:cNvPr>
-          <p:cNvCxnSpPr>
-            <a:cxnSpLocks/>
-          </p:cNvCxnSpPr>
-          <p:nvPr/>
-        </p:nvCxnSpPr>
-        <p:spPr>
-          <a:xfrm>
-            <a:off x="2508443" y="1420517"/>
-            <a:ext cx="5833148" cy="3744493"/>
-          </a:xfrm>
-          <a:prstGeom prst="line">
-            <a:avLst/>
-          </a:prstGeom>
-        </p:spPr>
-        <p:style>
-          <a:lnRef idx="1">
-            <a:schemeClr val="dk1"/>
-          </a:lnRef>
-          <a:fillRef idx="0">
-            <a:schemeClr val="dk1"/>
-          </a:fillRef>
-          <a:effectRef idx="0">
-            <a:schemeClr val="dk1"/>
-          </a:effectRef>
-          <a:fontRef idx="minor">
-            <a:schemeClr val="tx1"/>
-          </a:fontRef>
-        </p:style>
-      </p:cxnSp>
-      <p:cxnSp>
-        <p:nvCxnSpPr>
-          <p:cNvPr id="216" name="Straight Connector 215">
-            <a:extLst>
-              <a:ext uri="{FF2B5EF4-FFF2-40B4-BE49-F238E27FC236}">
-                <a16:creationId xmlns:a16="http://schemas.microsoft.com/office/drawing/2014/main" id="{CBBE7A2D-E0D8-9B12-0A67-468D42B07EB3}"/>
-              </a:ext>
-            </a:extLst>
-          </p:cNvPr>
-          <p:cNvCxnSpPr>
-            <a:cxnSpLocks/>
-          </p:cNvCxnSpPr>
-          <p:nvPr/>
-        </p:nvCxnSpPr>
-        <p:spPr>
-          <a:xfrm>
-            <a:off x="2521436" y="3427896"/>
-            <a:ext cx="5797853" cy="1747300"/>
-          </a:xfrm>
-          <a:prstGeom prst="line">
-            <a:avLst/>
-          </a:prstGeom>
-        </p:spPr>
-        <p:style>
-          <a:lnRef idx="1">
-            <a:schemeClr val="dk1"/>
-          </a:lnRef>
-          <a:fillRef idx="0">
-            <a:schemeClr val="dk1"/>
-          </a:fillRef>
-          <a:effectRef idx="0">
-            <a:schemeClr val="dk1"/>
-          </a:effectRef>
-          <a:fontRef idx="minor">
-            <a:schemeClr val="tx1"/>
-          </a:fontRef>
-        </p:style>
-      </p:cxnSp>
-      <p:sp>
-        <p:nvSpPr>
-          <p:cNvPr id="219" name="Rectangle 218">
-            <a:extLst>
-              <a:ext uri="{FF2B5EF4-FFF2-40B4-BE49-F238E27FC236}">
-                <a16:creationId xmlns:a16="http://schemas.microsoft.com/office/drawing/2014/main" id="{A1F51FF1-EBAA-943C-28A8-236465743958}"/>
-              </a:ext>
-            </a:extLst>
-          </p:cNvPr>
-          <p:cNvSpPr/>
-          <p:nvPr/>
-        </p:nvSpPr>
-        <p:spPr>
-          <a:xfrm>
-            <a:off x="9270237" y="3823112"/>
-            <a:ext cx="803139" cy="293723"/>
-          </a:xfrm>
-          <a:prstGeom prst="rect">
-            <a:avLst/>
-          </a:prstGeom>
-          <a:noFill/>
-          <a:ln>
-            <a:noFill/>
-          </a:ln>
-        </p:spPr>
-        <p:style>
-          <a:lnRef idx="2">
-            <a:schemeClr val="accent1">
-              <a:shade val="50000"/>
-            </a:schemeClr>
-          </a:lnRef>
-          <a:fillRef idx="1">
-            <a:schemeClr val="accent1"/>
-          </a:fillRef>
-          <a:effectRef idx="0">
-            <a:schemeClr val="accent1"/>
-          </a:effectRef>
-          <a:fontRef idx="minor">
-            <a:schemeClr val="lt1"/>
-          </a:fontRef>
-        </p:style>
-        <p:txBody>
-          <a:bodyPr rtlCol="0" anchor="ctr"/>
-          <a:lstStyle/>
-          <a:p>
-            <a:r>
-              <a:rPr lang="en-US" sz="1100" b="1" dirty="0">
-                <a:solidFill>
-                  <a:srgbClr val="002060"/>
-                </a:solidFill>
-              </a:rPr>
-              <a:t>PLC2 Q0.3</a:t>
-            </a:r>
-          </a:p>
-          <a:p>
-            <a:r>
-              <a:rPr lang="en-US" sz="1100" b="1" dirty="0">
-                <a:solidFill>
-                  <a:srgbClr val="002060"/>
-                </a:solidFill>
-              </a:rPr>
-              <a:t>S-cc-5</a:t>
-            </a:r>
-            <a:endParaRPr lang="en-SG" sz="1100" b="1" dirty="0">
-              <a:solidFill>
-                <a:srgbClr val="002060"/>
-              </a:solidFill>
-            </a:endParaRPr>
-          </a:p>
-        </p:txBody>
-      </p:sp>
-      <p:sp>
-        <p:nvSpPr>
-          <p:cNvPr id="220" name="Rectangle 219">
-            <a:extLst>
-              <a:ext uri="{FF2B5EF4-FFF2-40B4-BE49-F238E27FC236}">
-                <a16:creationId xmlns:a16="http://schemas.microsoft.com/office/drawing/2014/main" id="{16F606E4-F754-2878-313F-973D8A29BE76}"/>
-              </a:ext>
-            </a:extLst>
-          </p:cNvPr>
-          <p:cNvSpPr/>
-          <p:nvPr/>
-        </p:nvSpPr>
-        <p:spPr>
-          <a:xfrm>
-            <a:off x="9356577" y="4769697"/>
-            <a:ext cx="803139" cy="293723"/>
-          </a:xfrm>
-          <a:prstGeom prst="rect">
-            <a:avLst/>
-          </a:prstGeom>
-          <a:noFill/>
-          <a:ln>
-            <a:noFill/>
-          </a:ln>
-        </p:spPr>
-        <p:style>
-          <a:lnRef idx="2">
-            <a:schemeClr val="accent1">
-              <a:shade val="50000"/>
-            </a:schemeClr>
-          </a:lnRef>
-          <a:fillRef idx="1">
-            <a:schemeClr val="accent1"/>
-          </a:fillRef>
-          <a:effectRef idx="0">
-            <a:schemeClr val="accent1"/>
-          </a:effectRef>
-          <a:fontRef idx="minor">
-            <a:schemeClr val="lt1"/>
-          </a:fontRef>
-        </p:style>
-        <p:txBody>
-          <a:bodyPr rtlCol="0" anchor="ctr"/>
-          <a:lstStyle/>
-          <a:p>
-            <a:r>
-              <a:rPr lang="en-US" sz="1100" b="1" dirty="0">
-                <a:solidFill>
-                  <a:srgbClr val="002060"/>
-                </a:solidFill>
-              </a:rPr>
-              <a:t>PLC2 Q0.4</a:t>
-            </a:r>
-          </a:p>
-          <a:p>
-            <a:r>
-              <a:rPr lang="en-US" sz="1100" b="1" dirty="0">
-                <a:solidFill>
-                  <a:srgbClr val="002060"/>
-                </a:solidFill>
-              </a:rPr>
-              <a:t>S-cc-6</a:t>
-            </a:r>
-            <a:endParaRPr lang="en-SG" sz="1100" b="1" dirty="0">
-              <a:solidFill>
-                <a:srgbClr val="002060"/>
-              </a:solidFill>
-            </a:endParaRPr>
-          </a:p>
-        </p:txBody>
-      </p:sp>
-      <p:cxnSp>
-        <p:nvCxnSpPr>
-          <p:cNvPr id="224" name="Connector: Elbow 223">
-            <a:extLst>
-              <a:ext uri="{FF2B5EF4-FFF2-40B4-BE49-F238E27FC236}">
-                <a16:creationId xmlns:a16="http://schemas.microsoft.com/office/drawing/2014/main" id="{5DFEC2E2-0B25-F967-291E-99D2519209F5}"/>
-              </a:ext>
-            </a:extLst>
-          </p:cNvPr>
-          <p:cNvCxnSpPr>
-            <a:cxnSpLocks/>
-            <a:endCxn id="227" idx="1"/>
-          </p:cNvCxnSpPr>
-          <p:nvPr/>
-        </p:nvCxnSpPr>
-        <p:spPr>
-          <a:xfrm rot="16200000" flipH="1">
-            <a:off x="8406950" y="5499266"/>
-            <a:ext cx="757322" cy="428976"/>
+            <a:off x="5006093" y="1398843"/>
+            <a:ext cx="1874541" cy="3115118"/>
           </a:xfrm>
           <a:prstGeom prst="bentConnector2">
             <a:avLst/>
           </a:prstGeom>
-          <a:ln>
+          <a:ln w="19050">
             <a:solidFill>
               <a:srgbClr val="00B050"/>
             </a:solidFill>
@@ -38195,53 +34179,12 @@
           </a:fontRef>
         </p:style>
       </p:cxnSp>
-      <p:pic>
-        <p:nvPicPr>
-          <p:cNvPr id="227" name="Picture 226" descr="A picture containing text, diagram, line, font&#10;&#10;Description automatically generated">
-            <a:extLst>
-              <a:ext uri="{FF2B5EF4-FFF2-40B4-BE49-F238E27FC236}">
-                <a16:creationId xmlns:a16="http://schemas.microsoft.com/office/drawing/2014/main" id="{0AC5FE0F-057B-55D9-85B0-13DB411D7B53}"/>
-              </a:ext>
-            </a:extLst>
-          </p:cNvPr>
-          <p:cNvPicPr>
-            <a:picLocks noChangeAspect="1"/>
-          </p:cNvPicPr>
-          <p:nvPr/>
-        </p:nvPicPr>
-        <p:blipFill>
-          <a:blip r:embed="rId6">
-            <a:extLst>
-              <a:ext uri="{28A0092B-C50C-407E-A947-70E740481C1C}">
-                <a14:useLocalDpi xmlns:a14="http://schemas.microsoft.com/office/drawing/2010/main" val="0"/>
-              </a:ext>
-            </a:extLst>
-          </a:blip>
-          <a:stretch>
-            <a:fillRect/>
-          </a:stretch>
-        </p:blipFill>
-        <p:spPr>
-          <a:xfrm>
-            <a:off x="9000099" y="5460516"/>
-            <a:ext cx="2997601" cy="1263797"/>
-          </a:xfrm>
-          <a:prstGeom prst="rect">
-            <a:avLst/>
-          </a:prstGeom>
-          <a:ln w="12700">
-            <a:solidFill>
-              <a:schemeClr val="tx1"/>
-            </a:solidFill>
-          </a:ln>
-        </p:spPr>
-      </p:pic>
-      <p:sp>
-        <p:nvSpPr>
-          <p:cNvPr id="231" name="TextBox 230">
-            <a:extLst>
-              <a:ext uri="{FF2B5EF4-FFF2-40B4-BE49-F238E27FC236}">
-                <a16:creationId xmlns:a16="http://schemas.microsoft.com/office/drawing/2014/main" id="{F2CC4269-10CC-E80F-6A9D-EC91E73E4004}"/>
+      <p:sp>
+        <p:nvSpPr>
+          <p:cNvPr id="21" name="TextBox 20">
+            <a:extLst>
+              <a:ext uri="{FF2B5EF4-FFF2-40B4-BE49-F238E27FC236}">
+                <a16:creationId xmlns:a16="http://schemas.microsoft.com/office/drawing/2014/main" id="{BD4C2038-496E-1310-3FC2-A6DC20847FAE}"/>
               </a:ext>
             </a:extLst>
           </p:cNvPr>
@@ -38250,8 +34193,149 @@
         </p:nvSpPr>
         <p:spPr>
           <a:xfrm>
-            <a:off x="10163162" y="3487111"/>
-            <a:ext cx="1743065" cy="2185214"/>
+            <a:off x="5436369" y="2077566"/>
+            <a:ext cx="2200094" cy="646331"/>
+          </a:xfrm>
+          <a:prstGeom prst="rect">
+            <a:avLst/>
+          </a:prstGeom>
+          <a:noFill/>
+        </p:spPr>
+        <p:txBody>
+          <a:bodyPr wrap="square">
+            <a:spAutoFit/>
+          </a:bodyPr>
+          <a:lstStyle/>
+          <a:p>
+            <a:r>
+              <a:rPr lang="en-US" sz="1200" b="1" dirty="0">
+                <a:solidFill>
+                  <a:srgbClr val="00B050"/>
+                </a:solidFill>
+              </a:rPr>
+              <a:t>Network Map Info:</a:t>
+            </a:r>
+          </a:p>
+          <a:p>
+            <a:r>
+              <a:rPr lang="en-US" sz="1200" b="1" dirty="0">
+                <a:solidFill>
+                  <a:srgbClr val="00B050"/>
+                </a:solidFill>
+              </a:rPr>
+              <a:t>Supervision network SCADA.(For OT attack test )</a:t>
+            </a:r>
+          </a:p>
+        </p:txBody>
+      </p:sp>
+      <p:sp>
+        <p:nvSpPr>
+          <p:cNvPr id="22" name="TextBox 21">
+            <a:extLst>
+              <a:ext uri="{FF2B5EF4-FFF2-40B4-BE49-F238E27FC236}">
+                <a16:creationId xmlns:a16="http://schemas.microsoft.com/office/drawing/2014/main" id="{0506598B-485B-BAA6-BE4C-F80F90CA29D3}"/>
+              </a:ext>
+            </a:extLst>
+          </p:cNvPr>
+          <p:cNvSpPr txBox="1"/>
+          <p:nvPr/>
+        </p:nvSpPr>
+        <p:spPr>
+          <a:xfrm>
+            <a:off x="8055757" y="1328490"/>
+            <a:ext cx="1745468" cy="646331"/>
+          </a:xfrm>
+          <a:prstGeom prst="rect">
+            <a:avLst/>
+          </a:prstGeom>
+          <a:noFill/>
+        </p:spPr>
+        <p:txBody>
+          <a:bodyPr wrap="square">
+            <a:spAutoFit/>
+          </a:bodyPr>
+          <a:lstStyle/>
+          <a:p>
+            <a:r>
+              <a:rPr lang="en-US" sz="1200" b="1" dirty="0">
+                <a:solidFill>
+                  <a:schemeClr val="accent2">
+                    <a:lumMod val="75000"/>
+                  </a:schemeClr>
+                </a:solidFill>
+              </a:rPr>
+              <a:t>Network Map Info:</a:t>
+            </a:r>
+          </a:p>
+          <a:p>
+            <a:r>
+              <a:rPr lang="en-US" sz="1200" b="1" dirty="0">
+                <a:solidFill>
+                  <a:schemeClr val="accent2">
+                    <a:lumMod val="75000"/>
+                  </a:schemeClr>
+                </a:solidFill>
+              </a:rPr>
+              <a:t>Physical wire connection emulation network</a:t>
+            </a:r>
+          </a:p>
+        </p:txBody>
+      </p:sp>
+      <p:sp>
+        <p:nvSpPr>
+          <p:cNvPr id="24" name="TextBox 23">
+            <a:extLst>
+              <a:ext uri="{FF2B5EF4-FFF2-40B4-BE49-F238E27FC236}">
+                <a16:creationId xmlns:a16="http://schemas.microsoft.com/office/drawing/2014/main" id="{363D1FBE-9DBB-C45D-46BF-BE4439FDA53D}"/>
+              </a:ext>
+            </a:extLst>
+          </p:cNvPr>
+          <p:cNvSpPr txBox="1"/>
+          <p:nvPr/>
+        </p:nvSpPr>
+        <p:spPr>
+          <a:xfrm>
+            <a:off x="784557" y="4571445"/>
+            <a:ext cx="1998126" cy="646331"/>
+          </a:xfrm>
+          <a:prstGeom prst="rect">
+            <a:avLst/>
+          </a:prstGeom>
+          <a:noFill/>
+        </p:spPr>
+        <p:txBody>
+          <a:bodyPr wrap="square">
+            <a:spAutoFit/>
+          </a:bodyPr>
+          <a:lstStyle/>
+          <a:p>
+            <a:r>
+              <a:rPr lang="en-US" sz="1200" b="1" dirty="0">
+                <a:solidFill>
+                  <a:schemeClr val="accent1"/>
+                </a:solidFill>
+              </a:rPr>
+              <a:t>OpenStack provider network used as the Green team development network </a:t>
+            </a:r>
+          </a:p>
+        </p:txBody>
+      </p:sp>
+      <p:sp>
+        <p:nvSpPr>
+          <p:cNvPr id="26" name="TextBox 25">
+            <a:extLst>
+              <a:ext uri="{FF2B5EF4-FFF2-40B4-BE49-F238E27FC236}">
+                <a16:creationId xmlns:a16="http://schemas.microsoft.com/office/drawing/2014/main" id="{FA902C86-623F-4437-8747-A760868B5F63}"/>
+              </a:ext>
+            </a:extLst>
+          </p:cNvPr>
+          <p:cNvSpPr txBox="1"/>
+          <p:nvPr/>
+        </p:nvSpPr>
+        <p:spPr>
+          <a:xfrm>
+            <a:off x="494871" y="344703"/>
+            <a:ext cx="4941497" cy="369332"/>
           </a:xfrm>
           <a:prstGeom prst="rect">
             <a:avLst/>
@@ -38265,123 +34349,98 @@
           <a:lstStyle/>
           <a:p>
             <a:r>
-              <a:rPr lang="en-US" sz="1200" b="1" dirty="0"/>
-              <a:t>Ladder Diagram  set information</a:t>
-            </a:r>
-            <a:r>
-              <a:rPr lang="en-US" sz="1200" dirty="0"/>
-              <a:t>: </a:t>
-            </a:r>
-          </a:p>
-          <a:p>
-            <a:endParaRPr lang="en-US" sz="1200" dirty="0"/>
-          </a:p>
-          <a:p>
-            <a:pPr marL="171450" indent="-171450">
-              <a:buFont typeface="Arial" panose="020B0604020202020204" pitchFamily="34" charset="0"/>
-              <a:buChar char="•"/>
+              <a:rPr lang="en-SG" b="1" dirty="0"/>
+              <a:t>Railway system cyber range system on OpenStack</a:t>
+            </a:r>
+          </a:p>
+        </p:txBody>
+      </p:sp>
+      <p:sp>
+        <p:nvSpPr>
+          <p:cNvPr id="29" name="TextBox 28">
+            <a:extLst>
+              <a:ext uri="{FF2B5EF4-FFF2-40B4-BE49-F238E27FC236}">
+                <a16:creationId xmlns:a16="http://schemas.microsoft.com/office/drawing/2014/main" id="{CBBD41A4-24AB-F9F4-8E6D-576214EF5252}"/>
+              </a:ext>
+            </a:extLst>
+          </p:cNvPr>
+          <p:cNvSpPr txBox="1"/>
+          <p:nvPr/>
+        </p:nvSpPr>
+        <p:spPr>
+          <a:xfrm>
+            <a:off x="221993" y="5308252"/>
+            <a:ext cx="4881149" cy="1384995"/>
+          </a:xfrm>
+          <a:prstGeom prst="rect">
+            <a:avLst/>
+          </a:prstGeom>
+          <a:noFill/>
+        </p:spPr>
+        <p:txBody>
+          <a:bodyPr wrap="square">
+            <a:spAutoFit/>
+          </a:bodyPr>
+          <a:lstStyle/>
+          <a:p>
+            <a:r>
+              <a:rPr lang="en-US" sz="1200" b="1" dirty="0">
+                <a:solidFill>
+                  <a:schemeClr val="tx1">
+                    <a:lumMod val="75000"/>
+                    <a:lumOff val="25000"/>
+                  </a:schemeClr>
+                </a:solidFill>
+              </a:rPr>
+              <a:t>Next Step work: </a:t>
+            </a:r>
+          </a:p>
+          <a:p>
+            <a:pPr marL="228600" indent="-228600">
+              <a:buAutoNum type="arabicPeriod"/>
             </a:pPr>
             <a:r>
-              <a:rPr lang="en-US" sz="1200" dirty="0"/>
-              <a:t>PLC number: 3</a:t>
-            </a:r>
-          </a:p>
-          <a:p>
-            <a:pPr marL="171450" indent="-171450">
-              <a:buFont typeface="Arial" panose="020B0604020202020204" pitchFamily="34" charset="0"/>
-              <a:buChar char="•"/>
+              <a:rPr lang="en-US" sz="1200" b="1" dirty="0">
+                <a:solidFill>
+                  <a:schemeClr val="tx1">
+                    <a:lumMod val="75000"/>
+                    <a:lumOff val="25000"/>
+                  </a:schemeClr>
+                </a:solidFill>
+              </a:rPr>
+              <a:t>Add one subnet (jump host link to OT network) with 10 small empty ubuntu VMs named as HR server, Web billing server , finance server, file server, email server … to simulate the corporate network. </a:t>
+            </a:r>
+          </a:p>
+          <a:p>
+            <a:pPr marL="228600" indent="-228600">
+              <a:buAutoNum type="arabicPeriod"/>
             </a:pPr>
             <a:r>
-              <a:rPr lang="en-US" sz="1200" dirty="0"/>
-              <a:t>Holding register: 39</a:t>
-            </a:r>
-          </a:p>
-          <a:p>
-            <a:pPr marL="171450" indent="-171450">
-              <a:buFont typeface="Arial" panose="020B0604020202020204" pitchFamily="34" charset="0"/>
-              <a:buChar char="•"/>
-            </a:pPr>
-            <a:r>
-              <a:rPr lang="en-US" sz="1200" dirty="0"/>
-              <a:t>Coil: 19</a:t>
-            </a:r>
-          </a:p>
-          <a:p>
-            <a:pPr marL="171450" indent="-171450">
-              <a:buFont typeface="Arial" panose="020B0604020202020204" pitchFamily="34" charset="0"/>
-              <a:buChar char="•"/>
-            </a:pPr>
-            <a:r>
-              <a:rPr lang="en-US" sz="1200" dirty="0"/>
-              <a:t>Total ladder diagram: 19</a:t>
-            </a:r>
-          </a:p>
-          <a:p>
-            <a:pPr marL="171450" indent="-171450">
-              <a:buFont typeface="Arial" panose="020B0604020202020204" pitchFamily="34" charset="0"/>
-              <a:buChar char="•"/>
-            </a:pPr>
-            <a:r>
-              <a:rPr lang="en-US" sz="1200" dirty="0"/>
-              <a:t>Ladder diagram detail: </a:t>
-            </a:r>
-          </a:p>
-          <a:p>
-            <a:endParaRPr lang="en-US" sz="1400" dirty="0">
+              <a:rPr lang="en-US" sz="1200" b="1" dirty="0">
+                <a:solidFill>
+                  <a:schemeClr val="tx1">
+                    <a:lumMod val="75000"/>
+                    <a:lumOff val="25000"/>
+                  </a:schemeClr>
+                </a:solidFill>
+              </a:rPr>
+              <a:t>Add one subnet (jump host link to corporate  network) with 5 small empty ubuntu VMs named as DC server, NTP server , DNS server, VPN server … to simulate the DMZ network.</a:t>
+            </a:r>
+            <a:endParaRPr lang="en-SG" sz="1200" b="1" dirty="0">
               <a:solidFill>
-                <a:srgbClr val="002060"/>
+                <a:schemeClr val="tx1">
+                  <a:lumMod val="75000"/>
+                  <a:lumOff val="25000"/>
+                </a:schemeClr>
               </a:solidFill>
             </a:endParaRPr>
-          </a:p>
-          <a:p>
-            <a:endParaRPr lang="en-SG" sz="1400" dirty="0">
-              <a:solidFill>
-                <a:srgbClr val="002060"/>
-              </a:solidFill>
-            </a:endParaRPr>
-          </a:p>
-        </p:txBody>
-      </p:sp>
-      <p:sp>
-        <p:nvSpPr>
-          <p:cNvPr id="237" name="TextBox 236">
-            <a:extLst>
-              <a:ext uri="{FF2B5EF4-FFF2-40B4-BE49-F238E27FC236}">
-                <a16:creationId xmlns:a16="http://schemas.microsoft.com/office/drawing/2014/main" id="{EE2A03A0-8094-1C2F-94F1-63CC9B54F3F2}"/>
-              </a:ext>
-            </a:extLst>
-          </p:cNvPr>
-          <p:cNvSpPr txBox="1"/>
-          <p:nvPr/>
-        </p:nvSpPr>
-        <p:spPr>
-          <a:xfrm>
-            <a:off x="234346" y="185682"/>
-            <a:ext cx="3324583" cy="307777"/>
-          </a:xfrm>
-          <a:prstGeom prst="rect">
-            <a:avLst/>
-          </a:prstGeom>
-          <a:noFill/>
-        </p:spPr>
-        <p:txBody>
-          <a:bodyPr wrap="square" rtlCol="0">
-            <a:spAutoFit/>
-          </a:bodyPr>
-          <a:lstStyle/>
-          <a:p>
-            <a:r>
-              <a:rPr lang="en-US" sz="1400" b="1" dirty="0"/>
-              <a:t>Railway Signal System PLC set ladder logic </a:t>
-            </a:r>
-            <a:endParaRPr lang="en-SG" sz="1400" b="1" dirty="0"/>
           </a:p>
         </p:txBody>
       </p:sp>
     </p:spTree>
     <p:extLst>
       <p:ext uri="{BB962C8B-B14F-4D97-AF65-F5344CB8AC3E}">
-        <p14:creationId xmlns:p14="http://schemas.microsoft.com/office/powerpoint/2010/main" val="1497523791"/>
+        <p14:creationId xmlns:p14="http://schemas.microsoft.com/office/powerpoint/2010/main" val="3457011862"/>
       </p:ext>
     </p:extLst>
   </p:cSld>
@@ -38408,6 +34467,4519 @@
           <a:chExt cx="0" cy="0"/>
         </a:xfrm>
       </p:grpSpPr>
+      <p:sp>
+        <p:nvSpPr>
+          <p:cNvPr id="2" name="Rectangle 1">
+            <a:extLst>
+              <a:ext uri="{FF2B5EF4-FFF2-40B4-BE49-F238E27FC236}">
+                <a16:creationId xmlns:a16="http://schemas.microsoft.com/office/drawing/2014/main" id="{57E96B9A-AD27-4584-9A88-80B40D276198}"/>
+              </a:ext>
+            </a:extLst>
+          </p:cNvPr>
+          <p:cNvSpPr/>
+          <p:nvPr/>
+        </p:nvSpPr>
+        <p:spPr>
+          <a:xfrm>
+            <a:off x="9010547" y="173907"/>
+            <a:ext cx="2997600" cy="1605012"/>
+          </a:xfrm>
+          <a:prstGeom prst="rect">
+            <a:avLst/>
+          </a:prstGeom>
+          <a:ln w="9525">
+            <a:prstDash val="sysDash"/>
+          </a:ln>
+        </p:spPr>
+        <p:style>
+          <a:lnRef idx="2">
+            <a:schemeClr val="accent1"/>
+          </a:lnRef>
+          <a:fillRef idx="1">
+            <a:schemeClr val="lt1"/>
+          </a:fillRef>
+          <a:effectRef idx="0">
+            <a:schemeClr val="accent1"/>
+          </a:effectRef>
+          <a:fontRef idx="minor">
+            <a:schemeClr val="dk1"/>
+          </a:fontRef>
+        </p:style>
+        <p:txBody>
+          <a:bodyPr rtlCol="0" anchor="ctr"/>
+          <a:lstStyle/>
+          <a:p>
+            <a:endParaRPr lang="en-SG" sz="1400" b="1" dirty="0"/>
+          </a:p>
+        </p:txBody>
+      </p:sp>
+      <p:pic>
+        <p:nvPicPr>
+          <p:cNvPr id="3" name="Picture 2">
+            <a:extLst>
+              <a:ext uri="{FF2B5EF4-FFF2-40B4-BE49-F238E27FC236}">
+                <a16:creationId xmlns:a16="http://schemas.microsoft.com/office/drawing/2014/main" id="{DDE6B7D5-052A-F9D3-E3E0-266681E17981}"/>
+              </a:ext>
+            </a:extLst>
+          </p:cNvPr>
+          <p:cNvPicPr>
+            <a:picLocks noChangeAspect="1"/>
+          </p:cNvPicPr>
+          <p:nvPr/>
+        </p:nvPicPr>
+        <p:blipFill>
+          <a:blip r:embed="rId3"/>
+          <a:stretch>
+            <a:fillRect/>
+          </a:stretch>
+        </p:blipFill>
+        <p:spPr>
+          <a:xfrm>
+            <a:off x="9155116" y="278482"/>
+            <a:ext cx="2527544" cy="1198685"/>
+          </a:xfrm>
+          <a:prstGeom prst="rect">
+            <a:avLst/>
+          </a:prstGeom>
+        </p:spPr>
+      </p:pic>
+      <p:sp>
+        <p:nvSpPr>
+          <p:cNvPr id="4" name="TextBox 3">
+            <a:extLst>
+              <a:ext uri="{FF2B5EF4-FFF2-40B4-BE49-F238E27FC236}">
+                <a16:creationId xmlns:a16="http://schemas.microsoft.com/office/drawing/2014/main" id="{7357F07A-2050-D646-70E0-241189E16A3A}"/>
+              </a:ext>
+            </a:extLst>
+          </p:cNvPr>
+          <p:cNvSpPr txBox="1"/>
+          <p:nvPr/>
+        </p:nvSpPr>
+        <p:spPr>
+          <a:xfrm>
+            <a:off x="10786086" y="324805"/>
+            <a:ext cx="1191495" cy="430887"/>
+          </a:xfrm>
+          <a:prstGeom prst="rect">
+            <a:avLst/>
+          </a:prstGeom>
+          <a:noFill/>
+        </p:spPr>
+        <p:txBody>
+          <a:bodyPr wrap="square" rtlCol="0">
+            <a:spAutoFit/>
+          </a:bodyPr>
+          <a:lstStyle/>
+          <a:p>
+            <a:r>
+              <a:rPr lang="en-US" sz="1100" b="1" dirty="0"/>
+              <a:t>[Master, Slot-0]</a:t>
+            </a:r>
+          </a:p>
+          <a:p>
+            <a:r>
+              <a:rPr lang="en-US" sz="1100" b="1" dirty="0"/>
+              <a:t>I/O: 15/7</a:t>
+            </a:r>
+            <a:endParaRPr lang="en-SG" sz="1100" b="1" dirty="0"/>
+          </a:p>
+        </p:txBody>
+      </p:sp>
+      <p:sp>
+        <p:nvSpPr>
+          <p:cNvPr id="10" name="TextBox 9">
+            <a:extLst>
+              <a:ext uri="{FF2B5EF4-FFF2-40B4-BE49-F238E27FC236}">
+                <a16:creationId xmlns:a16="http://schemas.microsoft.com/office/drawing/2014/main" id="{D4335098-4115-86F5-BF23-437346C13939}"/>
+              </a:ext>
+            </a:extLst>
+          </p:cNvPr>
+          <p:cNvSpPr txBox="1"/>
+          <p:nvPr/>
+        </p:nvSpPr>
+        <p:spPr>
+          <a:xfrm>
+            <a:off x="9155116" y="1407510"/>
+            <a:ext cx="1508863" cy="430887"/>
+          </a:xfrm>
+          <a:prstGeom prst="rect">
+            <a:avLst/>
+          </a:prstGeom>
+          <a:noFill/>
+        </p:spPr>
+        <p:txBody>
+          <a:bodyPr wrap="square" rtlCol="0">
+            <a:spAutoFit/>
+          </a:bodyPr>
+          <a:lstStyle/>
+          <a:p>
+            <a:r>
+              <a:rPr lang="en-US" sz="1100" b="1" dirty="0"/>
+              <a:t>[Slave, Slot-1]</a:t>
+            </a:r>
+          </a:p>
+          <a:p>
+            <a:r>
+              <a:rPr lang="en-SG" sz="1100" b="1" dirty="0"/>
+              <a:t>I/O: 15/7</a:t>
+            </a:r>
+          </a:p>
+        </p:txBody>
+      </p:sp>
+      <p:sp>
+        <p:nvSpPr>
+          <p:cNvPr id="11" name="TextBox 10">
+            <a:extLst>
+              <a:ext uri="{FF2B5EF4-FFF2-40B4-BE49-F238E27FC236}">
+                <a16:creationId xmlns:a16="http://schemas.microsoft.com/office/drawing/2014/main" id="{FEFA071A-9ED2-FE02-60E1-6F5709FA6A83}"/>
+              </a:ext>
+            </a:extLst>
+          </p:cNvPr>
+          <p:cNvSpPr txBox="1"/>
+          <p:nvPr/>
+        </p:nvSpPr>
+        <p:spPr>
+          <a:xfrm>
+            <a:off x="10683137" y="1408028"/>
+            <a:ext cx="1508863" cy="430887"/>
+          </a:xfrm>
+          <a:prstGeom prst="rect">
+            <a:avLst/>
+          </a:prstGeom>
+          <a:noFill/>
+        </p:spPr>
+        <p:txBody>
+          <a:bodyPr wrap="square" rtlCol="0">
+            <a:spAutoFit/>
+          </a:bodyPr>
+          <a:lstStyle/>
+          <a:p>
+            <a:r>
+              <a:rPr lang="en-US" sz="1100" b="1" dirty="0"/>
+              <a:t>[Slave, Slot-2]</a:t>
+            </a:r>
+          </a:p>
+          <a:p>
+            <a:r>
+              <a:rPr lang="en-US" sz="1100" b="1" dirty="0"/>
+              <a:t>I/O: 9/</a:t>
+            </a:r>
+            <a:r>
+              <a:rPr lang="en-SG" sz="1100" b="1" dirty="0"/>
+              <a:t>5</a:t>
+            </a:r>
+            <a:endParaRPr lang="en-US" sz="1100" b="1" dirty="0"/>
+          </a:p>
+        </p:txBody>
+      </p:sp>
+      <p:sp>
+        <p:nvSpPr>
+          <p:cNvPr id="12" name="TextBox 11">
+            <a:extLst>
+              <a:ext uri="{FF2B5EF4-FFF2-40B4-BE49-F238E27FC236}">
+                <a16:creationId xmlns:a16="http://schemas.microsoft.com/office/drawing/2014/main" id="{0F81FA6D-69A0-C1D2-0044-5836FC5855BB}"/>
+              </a:ext>
+            </a:extLst>
+          </p:cNvPr>
+          <p:cNvSpPr txBox="1"/>
+          <p:nvPr/>
+        </p:nvSpPr>
+        <p:spPr>
+          <a:xfrm>
+            <a:off x="9772387" y="448737"/>
+            <a:ext cx="636759" cy="276999"/>
+          </a:xfrm>
+          <a:prstGeom prst="rect">
+            <a:avLst/>
+          </a:prstGeom>
+          <a:noFill/>
+        </p:spPr>
+        <p:txBody>
+          <a:bodyPr wrap="square" rtlCol="0">
+            <a:spAutoFit/>
+          </a:bodyPr>
+          <a:lstStyle/>
+          <a:p>
+            <a:r>
+              <a:rPr lang="en-US" sz="1200" b="1" dirty="0">
+                <a:solidFill>
+                  <a:srgbClr val="FF0000"/>
+                </a:solidFill>
+              </a:rPr>
+              <a:t>PLC-00</a:t>
+            </a:r>
+          </a:p>
+        </p:txBody>
+      </p:sp>
+      <p:sp>
+        <p:nvSpPr>
+          <p:cNvPr id="13" name="TextBox 12">
+            <a:extLst>
+              <a:ext uri="{FF2B5EF4-FFF2-40B4-BE49-F238E27FC236}">
+                <a16:creationId xmlns:a16="http://schemas.microsoft.com/office/drawing/2014/main" id="{42DF9EE5-AE59-BDFB-54EE-77061C8FA45A}"/>
+              </a:ext>
+            </a:extLst>
+          </p:cNvPr>
+          <p:cNvSpPr txBox="1"/>
+          <p:nvPr/>
+        </p:nvSpPr>
+        <p:spPr>
+          <a:xfrm>
+            <a:off x="8946567" y="1077872"/>
+            <a:ext cx="636759" cy="276999"/>
+          </a:xfrm>
+          <a:prstGeom prst="rect">
+            <a:avLst/>
+          </a:prstGeom>
+          <a:noFill/>
+        </p:spPr>
+        <p:txBody>
+          <a:bodyPr wrap="square" rtlCol="0">
+            <a:spAutoFit/>
+          </a:bodyPr>
+          <a:lstStyle/>
+          <a:p>
+            <a:r>
+              <a:rPr lang="en-US" sz="1200" b="1" dirty="0">
+                <a:solidFill>
+                  <a:srgbClr val="FF0000"/>
+                </a:solidFill>
+              </a:rPr>
+              <a:t>PLC-01</a:t>
+            </a:r>
+          </a:p>
+        </p:txBody>
+      </p:sp>
+      <p:sp>
+        <p:nvSpPr>
+          <p:cNvPr id="14" name="TextBox 13">
+            <a:extLst>
+              <a:ext uri="{FF2B5EF4-FFF2-40B4-BE49-F238E27FC236}">
+                <a16:creationId xmlns:a16="http://schemas.microsoft.com/office/drawing/2014/main" id="{D47F3555-831F-BEDC-11CC-A67F5838F2DC}"/>
+              </a:ext>
+            </a:extLst>
+          </p:cNvPr>
+          <p:cNvSpPr txBox="1"/>
+          <p:nvPr/>
+        </p:nvSpPr>
+        <p:spPr>
+          <a:xfrm>
+            <a:off x="10467706" y="1072993"/>
+            <a:ext cx="636759" cy="276999"/>
+          </a:xfrm>
+          <a:prstGeom prst="rect">
+            <a:avLst/>
+          </a:prstGeom>
+          <a:noFill/>
+        </p:spPr>
+        <p:txBody>
+          <a:bodyPr wrap="square" rtlCol="0">
+            <a:spAutoFit/>
+          </a:bodyPr>
+          <a:lstStyle/>
+          <a:p>
+            <a:r>
+              <a:rPr lang="en-US" sz="1200" b="1" dirty="0">
+                <a:solidFill>
+                  <a:srgbClr val="FF0000"/>
+                </a:solidFill>
+              </a:rPr>
+              <a:t>PLC-02</a:t>
+            </a:r>
+          </a:p>
+        </p:txBody>
+      </p:sp>
+      <p:sp>
+        <p:nvSpPr>
+          <p:cNvPr id="15" name="TextBox 14">
+            <a:extLst>
+              <a:ext uri="{FF2B5EF4-FFF2-40B4-BE49-F238E27FC236}">
+                <a16:creationId xmlns:a16="http://schemas.microsoft.com/office/drawing/2014/main" id="{A290E1E5-03DB-E81B-6A5A-AD5F2CDCAE36}"/>
+              </a:ext>
+            </a:extLst>
+          </p:cNvPr>
+          <p:cNvSpPr txBox="1"/>
+          <p:nvPr/>
+        </p:nvSpPr>
+        <p:spPr>
+          <a:xfrm>
+            <a:off x="8956346" y="182024"/>
+            <a:ext cx="1241289" cy="600164"/>
+          </a:xfrm>
+          <a:prstGeom prst="rect">
+            <a:avLst/>
+          </a:prstGeom>
+          <a:noFill/>
+        </p:spPr>
+        <p:txBody>
+          <a:bodyPr wrap="square" rtlCol="0">
+            <a:spAutoFit/>
+          </a:bodyPr>
+          <a:lstStyle/>
+          <a:p>
+            <a:r>
+              <a:rPr lang="en-US" sz="1100" b="1" dirty="0">
+                <a:solidFill>
+                  <a:srgbClr val="002060"/>
+                </a:solidFill>
+              </a:rPr>
+              <a:t>Junction Signal control PLC network</a:t>
+            </a:r>
+            <a:endParaRPr lang="en-SG" sz="1100" b="1" dirty="0">
+              <a:solidFill>
+                <a:srgbClr val="002060"/>
+              </a:solidFill>
+            </a:endParaRPr>
+          </a:p>
+        </p:txBody>
+      </p:sp>
+      <p:pic>
+        <p:nvPicPr>
+          <p:cNvPr id="20" name="Picture 19">
+            <a:extLst>
+              <a:ext uri="{FF2B5EF4-FFF2-40B4-BE49-F238E27FC236}">
+                <a16:creationId xmlns:a16="http://schemas.microsoft.com/office/drawing/2014/main" id="{60C293DD-5677-B5FC-E9A5-5A16C65128B7}"/>
+              </a:ext>
+            </a:extLst>
+          </p:cNvPr>
+          <p:cNvPicPr>
+            <a:picLocks noChangeAspect="1"/>
+          </p:cNvPicPr>
+          <p:nvPr/>
+        </p:nvPicPr>
+        <p:blipFill>
+          <a:blip r:embed="rId4"/>
+          <a:stretch>
+            <a:fillRect/>
+          </a:stretch>
+        </p:blipFill>
+        <p:spPr>
+          <a:xfrm>
+            <a:off x="234347" y="632955"/>
+            <a:ext cx="2266076" cy="6091445"/>
+          </a:xfrm>
+          <a:prstGeom prst="rect">
+            <a:avLst/>
+          </a:prstGeom>
+          <a:ln w="9525">
+            <a:solidFill>
+              <a:schemeClr val="tx1"/>
+            </a:solidFill>
+          </a:ln>
+        </p:spPr>
+      </p:pic>
+      <p:pic>
+        <p:nvPicPr>
+          <p:cNvPr id="22" name="Picture 21" descr="A picture containing diagram, line, technical drawing, plan&#10;&#10;Description automatically generated">
+            <a:extLst>
+              <a:ext uri="{FF2B5EF4-FFF2-40B4-BE49-F238E27FC236}">
+                <a16:creationId xmlns:a16="http://schemas.microsoft.com/office/drawing/2014/main" id="{A2C53289-3937-43EF-975A-EFE55F9D97EE}"/>
+              </a:ext>
+            </a:extLst>
+          </p:cNvPr>
+          <p:cNvPicPr>
+            <a:picLocks noChangeAspect="1"/>
+          </p:cNvPicPr>
+          <p:nvPr/>
+        </p:nvPicPr>
+        <p:blipFill rotWithShape="1">
+          <a:blip r:embed="rId5">
+            <a:extLst>
+              <a:ext uri="{28A0092B-C50C-407E-A947-70E740481C1C}">
+                <a14:useLocalDpi xmlns:a14="http://schemas.microsoft.com/office/drawing/2010/main" val="0"/>
+              </a:ext>
+            </a:extLst>
+          </a:blip>
+          <a:srcRect l="3141" t="11965" r="26502" b="15956"/>
+          <a:stretch/>
+        </p:blipFill>
+        <p:spPr>
+          <a:xfrm>
+            <a:off x="3471627" y="1508711"/>
+            <a:ext cx="1129179" cy="498603"/>
+          </a:xfrm>
+          <a:prstGeom prst="rect">
+            <a:avLst/>
+          </a:prstGeom>
+        </p:spPr>
+      </p:pic>
+      <p:pic>
+        <p:nvPicPr>
+          <p:cNvPr id="26" name="Picture 25" descr="A picture containing diagram, line, technical drawing, plan&#10;&#10;Description automatically generated">
+            <a:extLst>
+              <a:ext uri="{FF2B5EF4-FFF2-40B4-BE49-F238E27FC236}">
+                <a16:creationId xmlns:a16="http://schemas.microsoft.com/office/drawing/2014/main" id="{39A9450D-39AF-BEF5-C022-325693B3F0D2}"/>
+              </a:ext>
+            </a:extLst>
+          </p:cNvPr>
+          <p:cNvPicPr>
+            <a:picLocks noChangeAspect="1"/>
+          </p:cNvPicPr>
+          <p:nvPr/>
+        </p:nvPicPr>
+        <p:blipFill rotWithShape="1">
+          <a:blip r:embed="rId5">
+            <a:extLst>
+              <a:ext uri="{28A0092B-C50C-407E-A947-70E740481C1C}">
+                <a14:useLocalDpi xmlns:a14="http://schemas.microsoft.com/office/drawing/2010/main" val="0"/>
+              </a:ext>
+            </a:extLst>
+          </a:blip>
+          <a:srcRect l="3141" t="11965" r="26502" b="15956"/>
+          <a:stretch/>
+        </p:blipFill>
+        <p:spPr>
+          <a:xfrm>
+            <a:off x="3466306" y="6216436"/>
+            <a:ext cx="1129179" cy="498603"/>
+          </a:xfrm>
+          <a:prstGeom prst="rect">
+            <a:avLst/>
+          </a:prstGeom>
+        </p:spPr>
+      </p:pic>
+      <p:pic>
+        <p:nvPicPr>
+          <p:cNvPr id="27" name="Picture 26" descr="A picture containing diagram, line, technical drawing, plan&#10;&#10;Description automatically generated">
+            <a:extLst>
+              <a:ext uri="{FF2B5EF4-FFF2-40B4-BE49-F238E27FC236}">
+                <a16:creationId xmlns:a16="http://schemas.microsoft.com/office/drawing/2014/main" id="{F4937391-6315-6D6E-93E9-E49D6279A67A}"/>
+              </a:ext>
+            </a:extLst>
+          </p:cNvPr>
+          <p:cNvPicPr>
+            <a:picLocks noChangeAspect="1"/>
+          </p:cNvPicPr>
+          <p:nvPr/>
+        </p:nvPicPr>
+        <p:blipFill rotWithShape="1">
+          <a:blip r:embed="rId5">
+            <a:extLst>
+              <a:ext uri="{28A0092B-C50C-407E-A947-70E740481C1C}">
+                <a14:useLocalDpi xmlns:a14="http://schemas.microsoft.com/office/drawing/2010/main" val="0"/>
+              </a:ext>
+            </a:extLst>
+          </a:blip>
+          <a:srcRect l="3141" t="11965" r="26502" b="15956"/>
+          <a:stretch/>
+        </p:blipFill>
+        <p:spPr>
+          <a:xfrm>
+            <a:off x="3467857" y="2383665"/>
+            <a:ext cx="1129179" cy="498603"/>
+          </a:xfrm>
+          <a:prstGeom prst="rect">
+            <a:avLst/>
+          </a:prstGeom>
+        </p:spPr>
+      </p:pic>
+      <p:pic>
+        <p:nvPicPr>
+          <p:cNvPr id="28" name="Picture 27" descr="A picture containing diagram, line, technical drawing, plan&#10;&#10;Description automatically generated">
+            <a:extLst>
+              <a:ext uri="{FF2B5EF4-FFF2-40B4-BE49-F238E27FC236}">
+                <a16:creationId xmlns:a16="http://schemas.microsoft.com/office/drawing/2014/main" id="{6BA8AEC6-B35A-E093-E1E0-B62E8DD87F62}"/>
+              </a:ext>
+            </a:extLst>
+          </p:cNvPr>
+          <p:cNvPicPr>
+            <a:picLocks noChangeAspect="1"/>
+          </p:cNvPicPr>
+          <p:nvPr/>
+        </p:nvPicPr>
+        <p:blipFill rotWithShape="1">
+          <a:blip r:embed="rId5">
+            <a:extLst>
+              <a:ext uri="{28A0092B-C50C-407E-A947-70E740481C1C}">
+                <a14:useLocalDpi xmlns:a14="http://schemas.microsoft.com/office/drawing/2010/main" val="0"/>
+              </a:ext>
+            </a:extLst>
+          </a:blip>
+          <a:srcRect l="3141" t="11965" r="26502" b="15956"/>
+          <a:stretch/>
+        </p:blipFill>
+        <p:spPr>
+          <a:xfrm>
+            <a:off x="3467857" y="3179698"/>
+            <a:ext cx="1129179" cy="498603"/>
+          </a:xfrm>
+          <a:prstGeom prst="rect">
+            <a:avLst/>
+          </a:prstGeom>
+        </p:spPr>
+      </p:pic>
+      <p:pic>
+        <p:nvPicPr>
+          <p:cNvPr id="29" name="Picture 28" descr="A picture containing diagram, line, technical drawing, plan&#10;&#10;Description automatically generated">
+            <a:extLst>
+              <a:ext uri="{FF2B5EF4-FFF2-40B4-BE49-F238E27FC236}">
+                <a16:creationId xmlns:a16="http://schemas.microsoft.com/office/drawing/2014/main" id="{2E0894CB-2F6F-4445-5F08-40972056FA55}"/>
+              </a:ext>
+            </a:extLst>
+          </p:cNvPr>
+          <p:cNvPicPr>
+            <a:picLocks noChangeAspect="1"/>
+          </p:cNvPicPr>
+          <p:nvPr/>
+        </p:nvPicPr>
+        <p:blipFill rotWithShape="1">
+          <a:blip r:embed="rId5">
+            <a:extLst>
+              <a:ext uri="{28A0092B-C50C-407E-A947-70E740481C1C}">
+                <a14:useLocalDpi xmlns:a14="http://schemas.microsoft.com/office/drawing/2010/main" val="0"/>
+              </a:ext>
+            </a:extLst>
+          </a:blip>
+          <a:srcRect l="3141" t="11965" r="26502" b="15956"/>
+          <a:stretch/>
+        </p:blipFill>
+        <p:spPr>
+          <a:xfrm>
+            <a:off x="3467336" y="3943639"/>
+            <a:ext cx="1129179" cy="498603"/>
+          </a:xfrm>
+          <a:prstGeom prst="rect">
+            <a:avLst/>
+          </a:prstGeom>
+        </p:spPr>
+      </p:pic>
+      <p:pic>
+        <p:nvPicPr>
+          <p:cNvPr id="30" name="Picture 29" descr="A picture containing diagram, line, technical drawing, plan&#10;&#10;Description automatically generated">
+            <a:extLst>
+              <a:ext uri="{FF2B5EF4-FFF2-40B4-BE49-F238E27FC236}">
+                <a16:creationId xmlns:a16="http://schemas.microsoft.com/office/drawing/2014/main" id="{B1C72961-66B6-A8D1-9DB3-D8F83EF4860F}"/>
+              </a:ext>
+            </a:extLst>
+          </p:cNvPr>
+          <p:cNvPicPr>
+            <a:picLocks noChangeAspect="1"/>
+          </p:cNvPicPr>
+          <p:nvPr/>
+        </p:nvPicPr>
+        <p:blipFill rotWithShape="1">
+          <a:blip r:embed="rId5">
+            <a:extLst>
+              <a:ext uri="{28A0092B-C50C-407E-A947-70E740481C1C}">
+                <a14:useLocalDpi xmlns:a14="http://schemas.microsoft.com/office/drawing/2010/main" val="0"/>
+              </a:ext>
+            </a:extLst>
+          </a:blip>
+          <a:srcRect l="3141" t="11965" r="26502" b="15956"/>
+          <a:stretch/>
+        </p:blipFill>
+        <p:spPr>
+          <a:xfrm>
+            <a:off x="3467335" y="4704351"/>
+            <a:ext cx="1129179" cy="498603"/>
+          </a:xfrm>
+          <a:prstGeom prst="rect">
+            <a:avLst/>
+          </a:prstGeom>
+        </p:spPr>
+      </p:pic>
+      <p:pic>
+        <p:nvPicPr>
+          <p:cNvPr id="31" name="Picture 30" descr="A picture containing diagram, line, technical drawing, plan&#10;&#10;Description automatically generated">
+            <a:extLst>
+              <a:ext uri="{FF2B5EF4-FFF2-40B4-BE49-F238E27FC236}">
+                <a16:creationId xmlns:a16="http://schemas.microsoft.com/office/drawing/2014/main" id="{10795A74-12A9-9E89-2CA0-0595320A12BA}"/>
+              </a:ext>
+            </a:extLst>
+          </p:cNvPr>
+          <p:cNvPicPr>
+            <a:picLocks noChangeAspect="1"/>
+          </p:cNvPicPr>
+          <p:nvPr/>
+        </p:nvPicPr>
+        <p:blipFill rotWithShape="1">
+          <a:blip r:embed="rId5">
+            <a:extLst>
+              <a:ext uri="{28A0092B-C50C-407E-A947-70E740481C1C}">
+                <a14:useLocalDpi xmlns:a14="http://schemas.microsoft.com/office/drawing/2010/main" val="0"/>
+              </a:ext>
+            </a:extLst>
+          </a:blip>
+          <a:srcRect l="3141" t="11965" r="26502" b="15956"/>
+          <a:stretch/>
+        </p:blipFill>
+        <p:spPr>
+          <a:xfrm>
+            <a:off x="3467335" y="5465063"/>
+            <a:ext cx="1129179" cy="498603"/>
+          </a:xfrm>
+          <a:prstGeom prst="rect">
+            <a:avLst/>
+          </a:prstGeom>
+        </p:spPr>
+      </p:pic>
+      <p:pic>
+        <p:nvPicPr>
+          <p:cNvPr id="32" name="Picture 31" descr="A picture containing diagram, line, technical drawing, plan&#10;&#10;Description automatically generated">
+            <a:extLst>
+              <a:ext uri="{FF2B5EF4-FFF2-40B4-BE49-F238E27FC236}">
+                <a16:creationId xmlns:a16="http://schemas.microsoft.com/office/drawing/2014/main" id="{26D7D3EB-EFC8-888C-CBDC-23BFF1324B23}"/>
+              </a:ext>
+            </a:extLst>
+          </p:cNvPr>
+          <p:cNvPicPr>
+            <a:picLocks noChangeAspect="1"/>
+          </p:cNvPicPr>
+          <p:nvPr/>
+        </p:nvPicPr>
+        <p:blipFill rotWithShape="1">
+          <a:blip r:embed="rId5">
+            <a:extLst>
+              <a:ext uri="{28A0092B-C50C-407E-A947-70E740481C1C}">
+                <a14:useLocalDpi xmlns:a14="http://schemas.microsoft.com/office/drawing/2010/main" val="0"/>
+              </a:ext>
+            </a:extLst>
+          </a:blip>
+          <a:srcRect l="3141" t="11965" r="26502" b="15956"/>
+          <a:stretch/>
+        </p:blipFill>
+        <p:spPr>
+          <a:xfrm>
+            <a:off x="6033328" y="1158208"/>
+            <a:ext cx="1129179" cy="498603"/>
+          </a:xfrm>
+          <a:prstGeom prst="rect">
+            <a:avLst/>
+          </a:prstGeom>
+        </p:spPr>
+      </p:pic>
+      <p:pic>
+        <p:nvPicPr>
+          <p:cNvPr id="33" name="Picture 32" descr="A picture containing diagram, line, technical drawing, plan&#10;&#10;Description automatically generated">
+            <a:extLst>
+              <a:ext uri="{FF2B5EF4-FFF2-40B4-BE49-F238E27FC236}">
+                <a16:creationId xmlns:a16="http://schemas.microsoft.com/office/drawing/2014/main" id="{BE8019EB-8CE2-E45D-F163-65C2BEB502B1}"/>
+              </a:ext>
+            </a:extLst>
+          </p:cNvPr>
+          <p:cNvPicPr>
+            <a:picLocks noChangeAspect="1"/>
+          </p:cNvPicPr>
+          <p:nvPr/>
+        </p:nvPicPr>
+        <p:blipFill rotWithShape="1">
+          <a:blip r:embed="rId5">
+            <a:extLst>
+              <a:ext uri="{28A0092B-C50C-407E-A947-70E740481C1C}">
+                <a14:useLocalDpi xmlns:a14="http://schemas.microsoft.com/office/drawing/2010/main" val="0"/>
+              </a:ext>
+            </a:extLst>
+          </a:blip>
+          <a:srcRect l="3141" t="11965" r="26502" b="15956"/>
+          <a:stretch/>
+        </p:blipFill>
+        <p:spPr>
+          <a:xfrm>
+            <a:off x="6033328" y="1929772"/>
+            <a:ext cx="1129179" cy="498603"/>
+          </a:xfrm>
+          <a:prstGeom prst="rect">
+            <a:avLst/>
+          </a:prstGeom>
+        </p:spPr>
+      </p:pic>
+      <p:pic>
+        <p:nvPicPr>
+          <p:cNvPr id="34" name="Picture 33" descr="A picture containing diagram, line, technical drawing, plan&#10;&#10;Description automatically generated">
+            <a:extLst>
+              <a:ext uri="{FF2B5EF4-FFF2-40B4-BE49-F238E27FC236}">
+                <a16:creationId xmlns:a16="http://schemas.microsoft.com/office/drawing/2014/main" id="{FFE3EC2F-B995-2AE6-8DD1-96C772DE5B2C}"/>
+              </a:ext>
+            </a:extLst>
+          </p:cNvPr>
+          <p:cNvPicPr>
+            <a:picLocks noChangeAspect="1"/>
+          </p:cNvPicPr>
+          <p:nvPr/>
+        </p:nvPicPr>
+        <p:blipFill rotWithShape="1">
+          <a:blip r:embed="rId5">
+            <a:extLst>
+              <a:ext uri="{28A0092B-C50C-407E-A947-70E740481C1C}">
+                <a14:useLocalDpi xmlns:a14="http://schemas.microsoft.com/office/drawing/2010/main" val="0"/>
+              </a:ext>
+            </a:extLst>
+          </a:blip>
+          <a:srcRect l="3141" t="11965" r="26502" b="15956"/>
+          <a:stretch/>
+        </p:blipFill>
+        <p:spPr>
+          <a:xfrm>
+            <a:off x="6091231" y="2816689"/>
+            <a:ext cx="1129179" cy="498603"/>
+          </a:xfrm>
+          <a:prstGeom prst="rect">
+            <a:avLst/>
+          </a:prstGeom>
+        </p:spPr>
+      </p:pic>
+      <p:pic>
+        <p:nvPicPr>
+          <p:cNvPr id="35" name="Picture 34" descr="A picture containing diagram, line, technical drawing, plan&#10;&#10;Description automatically generated">
+            <a:extLst>
+              <a:ext uri="{FF2B5EF4-FFF2-40B4-BE49-F238E27FC236}">
+                <a16:creationId xmlns:a16="http://schemas.microsoft.com/office/drawing/2014/main" id="{4CD9FAE1-5567-5BFE-77F0-629E423A0258}"/>
+              </a:ext>
+            </a:extLst>
+          </p:cNvPr>
+          <p:cNvPicPr>
+            <a:picLocks noChangeAspect="1"/>
+          </p:cNvPicPr>
+          <p:nvPr/>
+        </p:nvPicPr>
+        <p:blipFill rotWithShape="1">
+          <a:blip r:embed="rId5">
+            <a:extLst>
+              <a:ext uri="{28A0092B-C50C-407E-A947-70E740481C1C}">
+                <a14:useLocalDpi xmlns:a14="http://schemas.microsoft.com/office/drawing/2010/main" val="0"/>
+              </a:ext>
+            </a:extLst>
+          </a:blip>
+          <a:srcRect l="3141" t="11965" r="26502" b="15956"/>
+          <a:stretch/>
+        </p:blipFill>
+        <p:spPr>
+          <a:xfrm>
+            <a:off x="6167758" y="3733218"/>
+            <a:ext cx="1129179" cy="498603"/>
+          </a:xfrm>
+          <a:prstGeom prst="rect">
+            <a:avLst/>
+          </a:prstGeom>
+        </p:spPr>
+      </p:pic>
+      <p:pic>
+        <p:nvPicPr>
+          <p:cNvPr id="36" name="Picture 35" descr="A picture containing diagram, line, technical drawing, plan&#10;&#10;Description automatically generated">
+            <a:extLst>
+              <a:ext uri="{FF2B5EF4-FFF2-40B4-BE49-F238E27FC236}">
+                <a16:creationId xmlns:a16="http://schemas.microsoft.com/office/drawing/2014/main" id="{480CE01E-5095-A0F5-64F2-81156D87DCF6}"/>
+              </a:ext>
+            </a:extLst>
+          </p:cNvPr>
+          <p:cNvPicPr>
+            <a:picLocks noChangeAspect="1"/>
+          </p:cNvPicPr>
+          <p:nvPr/>
+        </p:nvPicPr>
+        <p:blipFill rotWithShape="1">
+          <a:blip r:embed="rId5">
+            <a:extLst>
+              <a:ext uri="{28A0092B-C50C-407E-A947-70E740481C1C}">
+                <a14:useLocalDpi xmlns:a14="http://schemas.microsoft.com/office/drawing/2010/main" val="0"/>
+              </a:ext>
+            </a:extLst>
+          </a:blip>
+          <a:srcRect l="3141" t="11965" r="26502" b="15956"/>
+          <a:stretch/>
+        </p:blipFill>
+        <p:spPr>
+          <a:xfrm>
+            <a:off x="6167758" y="4494919"/>
+            <a:ext cx="1129179" cy="498603"/>
+          </a:xfrm>
+          <a:prstGeom prst="rect">
+            <a:avLst/>
+          </a:prstGeom>
+        </p:spPr>
+      </p:pic>
+      <p:pic>
+        <p:nvPicPr>
+          <p:cNvPr id="37" name="Picture 36" descr="A picture containing diagram, line, technical drawing, plan&#10;&#10;Description automatically generated">
+            <a:extLst>
+              <a:ext uri="{FF2B5EF4-FFF2-40B4-BE49-F238E27FC236}">
+                <a16:creationId xmlns:a16="http://schemas.microsoft.com/office/drawing/2014/main" id="{81BC5CEE-7AA8-66B3-3232-297FBD255B21}"/>
+              </a:ext>
+            </a:extLst>
+          </p:cNvPr>
+          <p:cNvPicPr>
+            <a:picLocks noChangeAspect="1"/>
+          </p:cNvPicPr>
+          <p:nvPr/>
+        </p:nvPicPr>
+        <p:blipFill rotWithShape="1">
+          <a:blip r:embed="rId5">
+            <a:extLst>
+              <a:ext uri="{28A0092B-C50C-407E-A947-70E740481C1C}">
+                <a14:useLocalDpi xmlns:a14="http://schemas.microsoft.com/office/drawing/2010/main" val="0"/>
+              </a:ext>
+            </a:extLst>
+          </a:blip>
+          <a:srcRect l="3141" t="11965" r="26502" b="15956"/>
+          <a:stretch/>
+        </p:blipFill>
+        <p:spPr>
+          <a:xfrm>
+            <a:off x="6167758" y="5316225"/>
+            <a:ext cx="1129179" cy="498603"/>
+          </a:xfrm>
+          <a:prstGeom prst="rect">
+            <a:avLst/>
+          </a:prstGeom>
+        </p:spPr>
+      </p:pic>
+      <p:pic>
+        <p:nvPicPr>
+          <p:cNvPr id="38" name="Picture 37" descr="A picture containing diagram, line, technical drawing, plan&#10;&#10;Description automatically generated">
+            <a:extLst>
+              <a:ext uri="{FF2B5EF4-FFF2-40B4-BE49-F238E27FC236}">
+                <a16:creationId xmlns:a16="http://schemas.microsoft.com/office/drawing/2014/main" id="{E1BDF9E2-3654-494C-979D-FA2AEC2DED4C}"/>
+              </a:ext>
+            </a:extLst>
+          </p:cNvPr>
+          <p:cNvPicPr>
+            <a:picLocks noChangeAspect="1"/>
+          </p:cNvPicPr>
+          <p:nvPr/>
+        </p:nvPicPr>
+        <p:blipFill rotWithShape="1">
+          <a:blip r:embed="rId5">
+            <a:extLst>
+              <a:ext uri="{28A0092B-C50C-407E-A947-70E740481C1C}">
+                <a14:useLocalDpi xmlns:a14="http://schemas.microsoft.com/office/drawing/2010/main" val="0"/>
+              </a:ext>
+            </a:extLst>
+          </a:blip>
+          <a:srcRect l="3141" t="11965" r="26502" b="15956"/>
+          <a:stretch/>
+        </p:blipFill>
+        <p:spPr>
+          <a:xfrm>
+            <a:off x="6130993" y="6283315"/>
+            <a:ext cx="1129179" cy="498603"/>
+          </a:xfrm>
+          <a:prstGeom prst="rect">
+            <a:avLst/>
+          </a:prstGeom>
+        </p:spPr>
+      </p:pic>
+      <p:pic>
+        <p:nvPicPr>
+          <p:cNvPr id="39" name="Picture 38" descr="A picture containing diagram, line, technical drawing, plan&#10;&#10;Description automatically generated">
+            <a:extLst>
+              <a:ext uri="{FF2B5EF4-FFF2-40B4-BE49-F238E27FC236}">
+                <a16:creationId xmlns:a16="http://schemas.microsoft.com/office/drawing/2014/main" id="{8484A661-8020-60FE-C970-6BC2B449482F}"/>
+              </a:ext>
+            </a:extLst>
+          </p:cNvPr>
+          <p:cNvPicPr>
+            <a:picLocks noChangeAspect="1"/>
+          </p:cNvPicPr>
+          <p:nvPr/>
+        </p:nvPicPr>
+        <p:blipFill rotWithShape="1">
+          <a:blip r:embed="rId5">
+            <a:extLst>
+              <a:ext uri="{28A0092B-C50C-407E-A947-70E740481C1C}">
+                <a14:useLocalDpi xmlns:a14="http://schemas.microsoft.com/office/drawing/2010/main" val="0"/>
+              </a:ext>
+            </a:extLst>
+          </a:blip>
+          <a:srcRect l="3141" t="11965" r="26502" b="15956"/>
+          <a:stretch/>
+        </p:blipFill>
+        <p:spPr>
+          <a:xfrm>
+            <a:off x="8191574" y="2074603"/>
+            <a:ext cx="1129179" cy="498603"/>
+          </a:xfrm>
+          <a:prstGeom prst="rect">
+            <a:avLst/>
+          </a:prstGeom>
+        </p:spPr>
+      </p:pic>
+      <p:pic>
+        <p:nvPicPr>
+          <p:cNvPr id="40" name="Picture 39" descr="A picture containing diagram, line, technical drawing, plan&#10;&#10;Description automatically generated">
+            <a:extLst>
+              <a:ext uri="{FF2B5EF4-FFF2-40B4-BE49-F238E27FC236}">
+                <a16:creationId xmlns:a16="http://schemas.microsoft.com/office/drawing/2014/main" id="{3E99ECAF-0D5C-99AC-6609-666FE3538487}"/>
+              </a:ext>
+            </a:extLst>
+          </p:cNvPr>
+          <p:cNvPicPr>
+            <a:picLocks noChangeAspect="1"/>
+          </p:cNvPicPr>
+          <p:nvPr/>
+        </p:nvPicPr>
+        <p:blipFill rotWithShape="1">
+          <a:blip r:embed="rId5">
+            <a:extLst>
+              <a:ext uri="{28A0092B-C50C-407E-A947-70E740481C1C}">
+                <a14:useLocalDpi xmlns:a14="http://schemas.microsoft.com/office/drawing/2010/main" val="0"/>
+              </a:ext>
+            </a:extLst>
+          </a:blip>
+          <a:srcRect l="3141" t="11965" r="26502" b="15956"/>
+          <a:stretch/>
+        </p:blipFill>
+        <p:spPr>
+          <a:xfrm>
+            <a:off x="8212762" y="3034608"/>
+            <a:ext cx="1129179" cy="498603"/>
+          </a:xfrm>
+          <a:prstGeom prst="rect">
+            <a:avLst/>
+          </a:prstGeom>
+        </p:spPr>
+      </p:pic>
+      <p:pic>
+        <p:nvPicPr>
+          <p:cNvPr id="41" name="Picture 40" descr="A picture containing diagram, line, technical drawing, plan&#10;&#10;Description automatically generated">
+            <a:extLst>
+              <a:ext uri="{FF2B5EF4-FFF2-40B4-BE49-F238E27FC236}">
+                <a16:creationId xmlns:a16="http://schemas.microsoft.com/office/drawing/2014/main" id="{E009D302-BFE5-FBDF-386C-F2F5AF4DBBD9}"/>
+              </a:ext>
+            </a:extLst>
+          </p:cNvPr>
+          <p:cNvPicPr>
+            <a:picLocks noChangeAspect="1"/>
+          </p:cNvPicPr>
+          <p:nvPr/>
+        </p:nvPicPr>
+        <p:blipFill rotWithShape="1">
+          <a:blip r:embed="rId5">
+            <a:extLst>
+              <a:ext uri="{28A0092B-C50C-407E-A947-70E740481C1C}">
+                <a14:useLocalDpi xmlns:a14="http://schemas.microsoft.com/office/drawing/2010/main" val="0"/>
+              </a:ext>
+            </a:extLst>
+          </a:blip>
+          <a:srcRect l="3141" t="11965" r="26502" b="15956"/>
+          <a:stretch/>
+        </p:blipFill>
+        <p:spPr>
+          <a:xfrm>
+            <a:off x="8218432" y="3847035"/>
+            <a:ext cx="1129179" cy="498603"/>
+          </a:xfrm>
+          <a:prstGeom prst="rect">
+            <a:avLst/>
+          </a:prstGeom>
+        </p:spPr>
+      </p:pic>
+      <p:pic>
+        <p:nvPicPr>
+          <p:cNvPr id="42" name="Picture 41" descr="A picture containing diagram, line, technical drawing, plan&#10;&#10;Description automatically generated">
+            <a:extLst>
+              <a:ext uri="{FF2B5EF4-FFF2-40B4-BE49-F238E27FC236}">
+                <a16:creationId xmlns:a16="http://schemas.microsoft.com/office/drawing/2014/main" id="{0696C493-7808-42E3-CCCF-457FBA3CD8B6}"/>
+              </a:ext>
+            </a:extLst>
+          </p:cNvPr>
+          <p:cNvPicPr>
+            <a:picLocks noChangeAspect="1"/>
+          </p:cNvPicPr>
+          <p:nvPr/>
+        </p:nvPicPr>
+        <p:blipFill rotWithShape="1">
+          <a:blip r:embed="rId5">
+            <a:extLst>
+              <a:ext uri="{28A0092B-C50C-407E-A947-70E740481C1C}">
+                <a14:useLocalDpi xmlns:a14="http://schemas.microsoft.com/office/drawing/2010/main" val="0"/>
+              </a:ext>
+            </a:extLst>
+          </a:blip>
+          <a:srcRect l="3141" t="11965" r="26502" b="15956"/>
+          <a:stretch/>
+        </p:blipFill>
+        <p:spPr>
+          <a:xfrm>
+            <a:off x="8302961" y="4761532"/>
+            <a:ext cx="1129179" cy="498603"/>
+          </a:xfrm>
+          <a:prstGeom prst="rect">
+            <a:avLst/>
+          </a:prstGeom>
+        </p:spPr>
+      </p:pic>
+      <p:sp>
+        <p:nvSpPr>
+          <p:cNvPr id="46" name="Rectangle 45">
+            <a:extLst>
+              <a:ext uri="{FF2B5EF4-FFF2-40B4-BE49-F238E27FC236}">
+                <a16:creationId xmlns:a16="http://schemas.microsoft.com/office/drawing/2014/main" id="{68B2A139-76DD-504D-1CFF-CB58243AA034}"/>
+              </a:ext>
+            </a:extLst>
+          </p:cNvPr>
+          <p:cNvSpPr/>
+          <p:nvPr/>
+        </p:nvSpPr>
+        <p:spPr>
+          <a:xfrm>
+            <a:off x="4550776" y="5508827"/>
+            <a:ext cx="803139" cy="293723"/>
+          </a:xfrm>
+          <a:prstGeom prst="rect">
+            <a:avLst/>
+          </a:prstGeom>
+          <a:noFill/>
+          <a:ln>
+            <a:noFill/>
+          </a:ln>
+        </p:spPr>
+        <p:style>
+          <a:lnRef idx="2">
+            <a:schemeClr val="accent1">
+              <a:shade val="50000"/>
+            </a:schemeClr>
+          </a:lnRef>
+          <a:fillRef idx="1">
+            <a:schemeClr val="accent1"/>
+          </a:fillRef>
+          <a:effectRef idx="0">
+            <a:schemeClr val="accent1"/>
+          </a:effectRef>
+          <a:fontRef idx="minor">
+            <a:schemeClr val="lt1"/>
+          </a:fontRef>
+        </p:style>
+        <p:txBody>
+          <a:bodyPr rtlCol="0" anchor="ctr"/>
+          <a:lstStyle/>
+          <a:p>
+            <a:r>
+              <a:rPr lang="en-US" sz="1100" b="1" dirty="0">
+                <a:solidFill>
+                  <a:srgbClr val="002060"/>
+                </a:solidFill>
+              </a:rPr>
+              <a:t>PLC0 Q0.0</a:t>
+            </a:r>
+          </a:p>
+          <a:p>
+            <a:r>
+              <a:rPr lang="en-US" sz="1100" b="1" dirty="0">
+                <a:solidFill>
+                  <a:srgbClr val="002060"/>
+                </a:solidFill>
+              </a:rPr>
+              <a:t>S-we-0</a:t>
+            </a:r>
+            <a:endParaRPr lang="en-SG" sz="1100" b="1" dirty="0">
+              <a:solidFill>
+                <a:srgbClr val="002060"/>
+              </a:solidFill>
+            </a:endParaRPr>
+          </a:p>
+        </p:txBody>
+      </p:sp>
+      <p:cxnSp>
+        <p:nvCxnSpPr>
+          <p:cNvPr id="55" name="Straight Connector 54">
+            <a:extLst>
+              <a:ext uri="{FF2B5EF4-FFF2-40B4-BE49-F238E27FC236}">
+                <a16:creationId xmlns:a16="http://schemas.microsoft.com/office/drawing/2014/main" id="{22B36560-75CD-690F-9532-01AB83ED804A}"/>
+              </a:ext>
+            </a:extLst>
+          </p:cNvPr>
+          <p:cNvCxnSpPr>
+            <a:cxnSpLocks/>
+            <a:endCxn id="31" idx="1"/>
+          </p:cNvCxnSpPr>
+          <p:nvPr/>
+        </p:nvCxnSpPr>
+        <p:spPr>
+          <a:xfrm flipV="1">
+            <a:off x="2500423" y="5714365"/>
+            <a:ext cx="966912" cy="760733"/>
+          </a:xfrm>
+          <a:prstGeom prst="line">
+            <a:avLst/>
+          </a:prstGeom>
+        </p:spPr>
+        <p:style>
+          <a:lnRef idx="1">
+            <a:schemeClr val="accent1"/>
+          </a:lnRef>
+          <a:fillRef idx="0">
+            <a:schemeClr val="accent1"/>
+          </a:fillRef>
+          <a:effectRef idx="0">
+            <a:schemeClr val="accent1"/>
+          </a:effectRef>
+          <a:fontRef idx="minor">
+            <a:schemeClr val="tx1"/>
+          </a:fontRef>
+        </p:style>
+      </p:cxnSp>
+      <p:cxnSp>
+        <p:nvCxnSpPr>
+          <p:cNvPr id="58" name="Straight Connector 57">
+            <a:extLst>
+              <a:ext uri="{FF2B5EF4-FFF2-40B4-BE49-F238E27FC236}">
+                <a16:creationId xmlns:a16="http://schemas.microsoft.com/office/drawing/2014/main" id="{C43F6758-AAD0-CE45-8F87-26DA2A63CBC3}"/>
+              </a:ext>
+            </a:extLst>
+          </p:cNvPr>
+          <p:cNvCxnSpPr>
+            <a:cxnSpLocks/>
+          </p:cNvCxnSpPr>
+          <p:nvPr/>
+        </p:nvCxnSpPr>
+        <p:spPr>
+          <a:xfrm flipV="1">
+            <a:off x="2500423" y="5802550"/>
+            <a:ext cx="1026465" cy="859536"/>
+          </a:xfrm>
+          <a:prstGeom prst="line">
+            <a:avLst/>
+          </a:prstGeom>
+        </p:spPr>
+        <p:style>
+          <a:lnRef idx="1">
+            <a:schemeClr val="dk1"/>
+          </a:lnRef>
+          <a:fillRef idx="0">
+            <a:schemeClr val="dk1"/>
+          </a:fillRef>
+          <a:effectRef idx="0">
+            <a:schemeClr val="dk1"/>
+          </a:effectRef>
+          <a:fontRef idx="minor">
+            <a:schemeClr val="tx1"/>
+          </a:fontRef>
+        </p:style>
+      </p:cxnSp>
+      <p:cxnSp>
+        <p:nvCxnSpPr>
+          <p:cNvPr id="62" name="Straight Connector 61">
+            <a:extLst>
+              <a:ext uri="{FF2B5EF4-FFF2-40B4-BE49-F238E27FC236}">
+                <a16:creationId xmlns:a16="http://schemas.microsoft.com/office/drawing/2014/main" id="{FBAFCDA6-AF8B-1592-D4A4-A0584E4DBC3D}"/>
+              </a:ext>
+            </a:extLst>
+          </p:cNvPr>
+          <p:cNvCxnSpPr>
+            <a:cxnSpLocks/>
+          </p:cNvCxnSpPr>
+          <p:nvPr/>
+        </p:nvCxnSpPr>
+        <p:spPr>
+          <a:xfrm flipV="1">
+            <a:off x="2491708" y="4851686"/>
+            <a:ext cx="1063668" cy="1315915"/>
+          </a:xfrm>
+          <a:prstGeom prst="line">
+            <a:avLst/>
+          </a:prstGeom>
+        </p:spPr>
+        <p:style>
+          <a:lnRef idx="1">
+            <a:schemeClr val="accent1"/>
+          </a:lnRef>
+          <a:fillRef idx="0">
+            <a:schemeClr val="accent1"/>
+          </a:fillRef>
+          <a:effectRef idx="0">
+            <a:schemeClr val="accent1"/>
+          </a:effectRef>
+          <a:fontRef idx="minor">
+            <a:schemeClr val="tx1"/>
+          </a:fontRef>
+        </p:style>
+      </p:cxnSp>
+      <p:cxnSp>
+        <p:nvCxnSpPr>
+          <p:cNvPr id="63" name="Straight Connector 62">
+            <a:extLst>
+              <a:ext uri="{FF2B5EF4-FFF2-40B4-BE49-F238E27FC236}">
+                <a16:creationId xmlns:a16="http://schemas.microsoft.com/office/drawing/2014/main" id="{34BD19B2-ADAE-D25B-722E-058FC60E20DD}"/>
+              </a:ext>
+            </a:extLst>
+          </p:cNvPr>
+          <p:cNvCxnSpPr>
+            <a:cxnSpLocks/>
+          </p:cNvCxnSpPr>
+          <p:nvPr/>
+        </p:nvCxnSpPr>
+        <p:spPr>
+          <a:xfrm flipV="1">
+            <a:off x="2491708" y="5057990"/>
+            <a:ext cx="1043895" cy="1296599"/>
+          </a:xfrm>
+          <a:prstGeom prst="line">
+            <a:avLst/>
+          </a:prstGeom>
+        </p:spPr>
+        <p:style>
+          <a:lnRef idx="1">
+            <a:schemeClr val="dk1"/>
+          </a:lnRef>
+          <a:fillRef idx="0">
+            <a:schemeClr val="dk1"/>
+          </a:fillRef>
+          <a:effectRef idx="0">
+            <a:schemeClr val="dk1"/>
+          </a:effectRef>
+          <a:fontRef idx="minor">
+            <a:schemeClr val="tx1"/>
+          </a:fontRef>
+        </p:style>
+      </p:cxnSp>
+      <p:sp>
+        <p:nvSpPr>
+          <p:cNvPr id="69" name="Rectangle 68">
+            <a:extLst>
+              <a:ext uri="{FF2B5EF4-FFF2-40B4-BE49-F238E27FC236}">
+                <a16:creationId xmlns:a16="http://schemas.microsoft.com/office/drawing/2014/main" id="{029CCB94-A5BA-8C14-3F6A-F24B82C82A1E}"/>
+              </a:ext>
+            </a:extLst>
+          </p:cNvPr>
+          <p:cNvSpPr/>
+          <p:nvPr/>
+        </p:nvSpPr>
+        <p:spPr>
+          <a:xfrm>
+            <a:off x="4571388" y="4753472"/>
+            <a:ext cx="803139" cy="293723"/>
+          </a:xfrm>
+          <a:prstGeom prst="rect">
+            <a:avLst/>
+          </a:prstGeom>
+          <a:noFill/>
+          <a:ln>
+            <a:noFill/>
+          </a:ln>
+        </p:spPr>
+        <p:style>
+          <a:lnRef idx="2">
+            <a:schemeClr val="accent1">
+              <a:shade val="50000"/>
+            </a:schemeClr>
+          </a:lnRef>
+          <a:fillRef idx="1">
+            <a:schemeClr val="accent1"/>
+          </a:fillRef>
+          <a:effectRef idx="0">
+            <a:schemeClr val="accent1"/>
+          </a:effectRef>
+          <a:fontRef idx="minor">
+            <a:schemeClr val="lt1"/>
+          </a:fontRef>
+        </p:style>
+        <p:txBody>
+          <a:bodyPr rtlCol="0" anchor="ctr"/>
+          <a:lstStyle/>
+          <a:p>
+            <a:r>
+              <a:rPr lang="en-US" sz="1100" b="1" dirty="0">
+                <a:solidFill>
+                  <a:srgbClr val="002060"/>
+                </a:solidFill>
+              </a:rPr>
+              <a:t>PLC0 Q0.2</a:t>
+            </a:r>
+          </a:p>
+          <a:p>
+            <a:r>
+              <a:rPr lang="en-US" sz="1100" b="1" dirty="0">
+                <a:solidFill>
+                  <a:srgbClr val="002060"/>
+                </a:solidFill>
+              </a:rPr>
+              <a:t>S-we-2</a:t>
+            </a:r>
+            <a:endParaRPr lang="en-SG" sz="1100" b="1" dirty="0">
+              <a:solidFill>
+                <a:srgbClr val="002060"/>
+              </a:solidFill>
+            </a:endParaRPr>
+          </a:p>
+        </p:txBody>
+      </p:sp>
+      <p:sp>
+        <p:nvSpPr>
+          <p:cNvPr id="70" name="Rectangle 69">
+            <a:extLst>
+              <a:ext uri="{FF2B5EF4-FFF2-40B4-BE49-F238E27FC236}">
+                <a16:creationId xmlns:a16="http://schemas.microsoft.com/office/drawing/2014/main" id="{7AB612C5-4C85-4933-AA84-13988519F145}"/>
+              </a:ext>
+            </a:extLst>
+          </p:cNvPr>
+          <p:cNvSpPr/>
+          <p:nvPr/>
+        </p:nvSpPr>
+        <p:spPr>
+          <a:xfrm>
+            <a:off x="4520167" y="4004224"/>
+            <a:ext cx="803139" cy="293723"/>
+          </a:xfrm>
+          <a:prstGeom prst="rect">
+            <a:avLst/>
+          </a:prstGeom>
+          <a:noFill/>
+          <a:ln>
+            <a:noFill/>
+          </a:ln>
+        </p:spPr>
+        <p:style>
+          <a:lnRef idx="2">
+            <a:schemeClr val="accent1">
+              <a:shade val="50000"/>
+            </a:schemeClr>
+          </a:lnRef>
+          <a:fillRef idx="1">
+            <a:schemeClr val="accent1"/>
+          </a:fillRef>
+          <a:effectRef idx="0">
+            <a:schemeClr val="accent1"/>
+          </a:effectRef>
+          <a:fontRef idx="minor">
+            <a:schemeClr val="lt1"/>
+          </a:fontRef>
+        </p:style>
+        <p:txBody>
+          <a:bodyPr rtlCol="0" anchor="ctr"/>
+          <a:lstStyle/>
+          <a:p>
+            <a:r>
+              <a:rPr lang="en-US" sz="1100" b="1" dirty="0">
+                <a:solidFill>
+                  <a:srgbClr val="002060"/>
+                </a:solidFill>
+              </a:rPr>
+              <a:t>PLC0 Q0.4</a:t>
+            </a:r>
+          </a:p>
+          <a:p>
+            <a:r>
+              <a:rPr lang="en-US" sz="1100" b="1" dirty="0">
+                <a:solidFill>
+                  <a:srgbClr val="002060"/>
+                </a:solidFill>
+              </a:rPr>
+              <a:t>S-we-4</a:t>
+            </a:r>
+            <a:endParaRPr lang="en-SG" sz="1100" b="1" dirty="0">
+              <a:solidFill>
+                <a:srgbClr val="002060"/>
+              </a:solidFill>
+            </a:endParaRPr>
+          </a:p>
+        </p:txBody>
+      </p:sp>
+      <p:cxnSp>
+        <p:nvCxnSpPr>
+          <p:cNvPr id="71" name="Straight Connector 70">
+            <a:extLst>
+              <a:ext uri="{FF2B5EF4-FFF2-40B4-BE49-F238E27FC236}">
+                <a16:creationId xmlns:a16="http://schemas.microsoft.com/office/drawing/2014/main" id="{B6D5F415-DDCC-428E-C3B4-735BEC7AF2FF}"/>
+              </a:ext>
+            </a:extLst>
+          </p:cNvPr>
+          <p:cNvCxnSpPr>
+            <a:cxnSpLocks/>
+          </p:cNvCxnSpPr>
+          <p:nvPr/>
+        </p:nvCxnSpPr>
+        <p:spPr>
+          <a:xfrm flipV="1">
+            <a:off x="2519996" y="4079636"/>
+            <a:ext cx="1044095" cy="1813584"/>
+          </a:xfrm>
+          <a:prstGeom prst="line">
+            <a:avLst/>
+          </a:prstGeom>
+        </p:spPr>
+        <p:style>
+          <a:lnRef idx="1">
+            <a:schemeClr val="accent1"/>
+          </a:lnRef>
+          <a:fillRef idx="0">
+            <a:schemeClr val="accent1"/>
+          </a:fillRef>
+          <a:effectRef idx="0">
+            <a:schemeClr val="accent1"/>
+          </a:effectRef>
+          <a:fontRef idx="minor">
+            <a:schemeClr val="tx1"/>
+          </a:fontRef>
+        </p:style>
+      </p:cxnSp>
+      <p:cxnSp>
+        <p:nvCxnSpPr>
+          <p:cNvPr id="72" name="Straight Connector 71">
+            <a:extLst>
+              <a:ext uri="{FF2B5EF4-FFF2-40B4-BE49-F238E27FC236}">
+                <a16:creationId xmlns:a16="http://schemas.microsoft.com/office/drawing/2014/main" id="{72BF6342-A753-051A-2971-FEA34E7D7958}"/>
+              </a:ext>
+            </a:extLst>
+          </p:cNvPr>
+          <p:cNvCxnSpPr>
+            <a:cxnSpLocks/>
+          </p:cNvCxnSpPr>
+          <p:nvPr/>
+        </p:nvCxnSpPr>
+        <p:spPr>
+          <a:xfrm flipV="1">
+            <a:off x="2519996" y="4285940"/>
+            <a:ext cx="1024322" cy="1718166"/>
+          </a:xfrm>
+          <a:prstGeom prst="line">
+            <a:avLst/>
+          </a:prstGeom>
+        </p:spPr>
+        <p:style>
+          <a:lnRef idx="1">
+            <a:schemeClr val="dk1"/>
+          </a:lnRef>
+          <a:fillRef idx="0">
+            <a:schemeClr val="dk1"/>
+          </a:fillRef>
+          <a:effectRef idx="0">
+            <a:schemeClr val="dk1"/>
+          </a:effectRef>
+          <a:fontRef idx="minor">
+            <a:schemeClr val="tx1"/>
+          </a:fontRef>
+        </p:style>
+      </p:cxnSp>
+      <p:sp>
+        <p:nvSpPr>
+          <p:cNvPr id="77" name="Rectangle 76">
+            <a:extLst>
+              <a:ext uri="{FF2B5EF4-FFF2-40B4-BE49-F238E27FC236}">
+                <a16:creationId xmlns:a16="http://schemas.microsoft.com/office/drawing/2014/main" id="{B2C11E8A-5F7C-13E1-13D0-EFA915D403D1}"/>
+              </a:ext>
+            </a:extLst>
+          </p:cNvPr>
+          <p:cNvSpPr/>
+          <p:nvPr/>
+        </p:nvSpPr>
+        <p:spPr>
+          <a:xfrm>
+            <a:off x="4520166" y="3176539"/>
+            <a:ext cx="803139" cy="293723"/>
+          </a:xfrm>
+          <a:prstGeom prst="rect">
+            <a:avLst/>
+          </a:prstGeom>
+          <a:noFill/>
+          <a:ln>
+            <a:noFill/>
+          </a:ln>
+        </p:spPr>
+        <p:style>
+          <a:lnRef idx="2">
+            <a:schemeClr val="accent1">
+              <a:shade val="50000"/>
+            </a:schemeClr>
+          </a:lnRef>
+          <a:fillRef idx="1">
+            <a:schemeClr val="accent1"/>
+          </a:fillRef>
+          <a:effectRef idx="0">
+            <a:schemeClr val="accent1"/>
+          </a:effectRef>
+          <a:fontRef idx="minor">
+            <a:schemeClr val="lt1"/>
+          </a:fontRef>
+        </p:style>
+        <p:txBody>
+          <a:bodyPr rtlCol="0" anchor="ctr"/>
+          <a:lstStyle/>
+          <a:p>
+            <a:r>
+              <a:rPr lang="en-US" sz="1100" b="1" dirty="0">
+                <a:solidFill>
+                  <a:srgbClr val="002060"/>
+                </a:solidFill>
+              </a:rPr>
+              <a:t>PLC0 Q0.6</a:t>
+            </a:r>
+          </a:p>
+          <a:p>
+            <a:r>
+              <a:rPr lang="en-US" sz="1100" b="1" dirty="0">
+                <a:solidFill>
+                  <a:srgbClr val="002060"/>
+                </a:solidFill>
+              </a:rPr>
+              <a:t>S-we-6</a:t>
+            </a:r>
+            <a:endParaRPr lang="en-SG" sz="1100" b="1" dirty="0">
+              <a:solidFill>
+                <a:srgbClr val="002060"/>
+              </a:solidFill>
+            </a:endParaRPr>
+          </a:p>
+        </p:txBody>
+      </p:sp>
+      <p:sp>
+        <p:nvSpPr>
+          <p:cNvPr id="78" name="Rectangle 77">
+            <a:extLst>
+              <a:ext uri="{FF2B5EF4-FFF2-40B4-BE49-F238E27FC236}">
+                <a16:creationId xmlns:a16="http://schemas.microsoft.com/office/drawing/2014/main" id="{CD865192-4970-C2E5-CF22-924BF893CE58}"/>
+              </a:ext>
+            </a:extLst>
+          </p:cNvPr>
+          <p:cNvSpPr/>
+          <p:nvPr/>
+        </p:nvSpPr>
+        <p:spPr>
+          <a:xfrm>
+            <a:off x="4566391" y="2416762"/>
+            <a:ext cx="803139" cy="293723"/>
+          </a:xfrm>
+          <a:prstGeom prst="rect">
+            <a:avLst/>
+          </a:prstGeom>
+          <a:noFill/>
+          <a:ln>
+            <a:noFill/>
+          </a:ln>
+        </p:spPr>
+        <p:style>
+          <a:lnRef idx="2">
+            <a:schemeClr val="accent1">
+              <a:shade val="50000"/>
+            </a:schemeClr>
+          </a:lnRef>
+          <a:fillRef idx="1">
+            <a:schemeClr val="accent1"/>
+          </a:fillRef>
+          <a:effectRef idx="0">
+            <a:schemeClr val="accent1"/>
+          </a:effectRef>
+          <a:fontRef idx="minor">
+            <a:schemeClr val="lt1"/>
+          </a:fontRef>
+        </p:style>
+        <p:txBody>
+          <a:bodyPr rtlCol="0" anchor="ctr"/>
+          <a:lstStyle/>
+          <a:p>
+            <a:r>
+              <a:rPr lang="en-US" sz="1100" b="1" dirty="0">
+                <a:solidFill>
+                  <a:srgbClr val="002060"/>
+                </a:solidFill>
+              </a:rPr>
+              <a:t>PLC1 Q0.0</a:t>
+            </a:r>
+          </a:p>
+          <a:p>
+            <a:r>
+              <a:rPr lang="en-US" sz="1100" b="1" dirty="0">
+                <a:solidFill>
+                  <a:srgbClr val="002060"/>
+                </a:solidFill>
+              </a:rPr>
+              <a:t>S-we-7</a:t>
+            </a:r>
+            <a:endParaRPr lang="en-SG" sz="1100" b="1" dirty="0">
+              <a:solidFill>
+                <a:srgbClr val="002060"/>
+              </a:solidFill>
+            </a:endParaRPr>
+          </a:p>
+        </p:txBody>
+      </p:sp>
+      <p:cxnSp>
+        <p:nvCxnSpPr>
+          <p:cNvPr id="79" name="Straight Connector 78">
+            <a:extLst>
+              <a:ext uri="{FF2B5EF4-FFF2-40B4-BE49-F238E27FC236}">
+                <a16:creationId xmlns:a16="http://schemas.microsoft.com/office/drawing/2014/main" id="{786EDBC2-B46D-5ECE-3FF1-BFE9C3F34D92}"/>
+              </a:ext>
+            </a:extLst>
+          </p:cNvPr>
+          <p:cNvCxnSpPr>
+            <a:cxnSpLocks/>
+          </p:cNvCxnSpPr>
+          <p:nvPr/>
+        </p:nvCxnSpPr>
+        <p:spPr>
+          <a:xfrm flipV="1">
+            <a:off x="2495976" y="2473410"/>
+            <a:ext cx="1013437" cy="3109901"/>
+          </a:xfrm>
+          <a:prstGeom prst="line">
+            <a:avLst/>
+          </a:prstGeom>
+        </p:spPr>
+        <p:style>
+          <a:lnRef idx="1">
+            <a:schemeClr val="accent1"/>
+          </a:lnRef>
+          <a:fillRef idx="0">
+            <a:schemeClr val="accent1"/>
+          </a:fillRef>
+          <a:effectRef idx="0">
+            <a:schemeClr val="accent1"/>
+          </a:effectRef>
+          <a:fontRef idx="minor">
+            <a:schemeClr val="tx1"/>
+          </a:fontRef>
+        </p:style>
+      </p:cxnSp>
+      <p:cxnSp>
+        <p:nvCxnSpPr>
+          <p:cNvPr id="81" name="Straight Connector 80">
+            <a:extLst>
+              <a:ext uri="{FF2B5EF4-FFF2-40B4-BE49-F238E27FC236}">
+                <a16:creationId xmlns:a16="http://schemas.microsoft.com/office/drawing/2014/main" id="{1A243B0A-7273-24F1-685F-0B978C30AA91}"/>
+              </a:ext>
+            </a:extLst>
+          </p:cNvPr>
+          <p:cNvCxnSpPr>
+            <a:cxnSpLocks/>
+          </p:cNvCxnSpPr>
+          <p:nvPr/>
+        </p:nvCxnSpPr>
+        <p:spPr>
+          <a:xfrm>
+            <a:off x="3321438" y="3088572"/>
+            <a:ext cx="214165" cy="212107"/>
+          </a:xfrm>
+          <a:prstGeom prst="line">
+            <a:avLst/>
+          </a:prstGeom>
+        </p:spPr>
+        <p:style>
+          <a:lnRef idx="1">
+            <a:schemeClr val="accent1"/>
+          </a:lnRef>
+          <a:fillRef idx="0">
+            <a:schemeClr val="accent1"/>
+          </a:fillRef>
+          <a:effectRef idx="0">
+            <a:schemeClr val="accent1"/>
+          </a:effectRef>
+          <a:fontRef idx="minor">
+            <a:schemeClr val="tx1"/>
+          </a:fontRef>
+        </p:style>
+      </p:cxnSp>
+      <p:cxnSp>
+        <p:nvCxnSpPr>
+          <p:cNvPr id="86" name="Straight Connector 85">
+            <a:extLst>
+              <a:ext uri="{FF2B5EF4-FFF2-40B4-BE49-F238E27FC236}">
+                <a16:creationId xmlns:a16="http://schemas.microsoft.com/office/drawing/2014/main" id="{4AA66BA4-C942-4F5D-BD1C-3446B5A3D925}"/>
+              </a:ext>
+            </a:extLst>
+          </p:cNvPr>
+          <p:cNvCxnSpPr>
+            <a:cxnSpLocks/>
+          </p:cNvCxnSpPr>
+          <p:nvPr/>
+        </p:nvCxnSpPr>
+        <p:spPr>
+          <a:xfrm flipV="1">
+            <a:off x="2516751" y="2763709"/>
+            <a:ext cx="1079270" cy="2966937"/>
+          </a:xfrm>
+          <a:prstGeom prst="line">
+            <a:avLst/>
+          </a:prstGeom>
+        </p:spPr>
+        <p:style>
+          <a:lnRef idx="1">
+            <a:schemeClr val="dk1"/>
+          </a:lnRef>
+          <a:fillRef idx="0">
+            <a:schemeClr val="dk1"/>
+          </a:fillRef>
+          <a:effectRef idx="0">
+            <a:schemeClr val="dk1"/>
+          </a:effectRef>
+          <a:fontRef idx="minor">
+            <a:schemeClr val="tx1"/>
+          </a:fontRef>
+        </p:style>
+      </p:cxnSp>
+      <p:cxnSp>
+        <p:nvCxnSpPr>
+          <p:cNvPr id="88" name="Straight Connector 87">
+            <a:extLst>
+              <a:ext uri="{FF2B5EF4-FFF2-40B4-BE49-F238E27FC236}">
+                <a16:creationId xmlns:a16="http://schemas.microsoft.com/office/drawing/2014/main" id="{7B93B211-C24B-DF0F-1CB9-CA3F94CF2AF1}"/>
+              </a:ext>
+            </a:extLst>
+          </p:cNvPr>
+          <p:cNvCxnSpPr>
+            <a:cxnSpLocks/>
+          </p:cNvCxnSpPr>
+          <p:nvPr/>
+        </p:nvCxnSpPr>
+        <p:spPr>
+          <a:xfrm>
+            <a:off x="3356437" y="3413896"/>
+            <a:ext cx="152976" cy="146430"/>
+          </a:xfrm>
+          <a:prstGeom prst="line">
+            <a:avLst/>
+          </a:prstGeom>
+        </p:spPr>
+        <p:style>
+          <a:lnRef idx="1">
+            <a:schemeClr val="dk1"/>
+          </a:lnRef>
+          <a:fillRef idx="0">
+            <a:schemeClr val="dk1"/>
+          </a:fillRef>
+          <a:effectRef idx="0">
+            <a:schemeClr val="dk1"/>
+          </a:effectRef>
+          <a:fontRef idx="minor">
+            <a:schemeClr val="tx1"/>
+          </a:fontRef>
+        </p:style>
+      </p:cxnSp>
+      <p:sp>
+        <p:nvSpPr>
+          <p:cNvPr id="91" name="Rectangle 90">
+            <a:extLst>
+              <a:ext uri="{FF2B5EF4-FFF2-40B4-BE49-F238E27FC236}">
+                <a16:creationId xmlns:a16="http://schemas.microsoft.com/office/drawing/2014/main" id="{F1F61A75-2DA3-D039-AF5D-E1C99EDD85DA}"/>
+              </a:ext>
+            </a:extLst>
+          </p:cNvPr>
+          <p:cNvSpPr/>
+          <p:nvPr/>
+        </p:nvSpPr>
+        <p:spPr>
+          <a:xfrm>
+            <a:off x="4566390" y="6225775"/>
+            <a:ext cx="803139" cy="293723"/>
+          </a:xfrm>
+          <a:prstGeom prst="rect">
+            <a:avLst/>
+          </a:prstGeom>
+          <a:noFill/>
+          <a:ln>
+            <a:noFill/>
+          </a:ln>
+        </p:spPr>
+        <p:style>
+          <a:lnRef idx="2">
+            <a:schemeClr val="accent1">
+              <a:shade val="50000"/>
+            </a:schemeClr>
+          </a:lnRef>
+          <a:fillRef idx="1">
+            <a:schemeClr val="accent1"/>
+          </a:fillRef>
+          <a:effectRef idx="0">
+            <a:schemeClr val="accent1"/>
+          </a:effectRef>
+          <a:fontRef idx="minor">
+            <a:schemeClr val="lt1"/>
+          </a:fontRef>
+        </p:style>
+        <p:txBody>
+          <a:bodyPr rtlCol="0" anchor="ctr"/>
+          <a:lstStyle/>
+          <a:p>
+            <a:r>
+              <a:rPr lang="en-US" sz="1100" b="1" dirty="0">
+                <a:solidFill>
+                  <a:srgbClr val="002060"/>
+                </a:solidFill>
+              </a:rPr>
+              <a:t>PLC0 Q0.1</a:t>
+            </a:r>
+          </a:p>
+          <a:p>
+            <a:r>
+              <a:rPr lang="en-US" sz="1100" b="1" dirty="0">
+                <a:solidFill>
+                  <a:srgbClr val="002060"/>
+                </a:solidFill>
+              </a:rPr>
+              <a:t>S-we-1</a:t>
+            </a:r>
+            <a:endParaRPr lang="en-SG" sz="1100" b="1" dirty="0">
+              <a:solidFill>
+                <a:srgbClr val="002060"/>
+              </a:solidFill>
+            </a:endParaRPr>
+          </a:p>
+        </p:txBody>
+      </p:sp>
+      <p:cxnSp>
+        <p:nvCxnSpPr>
+          <p:cNvPr id="92" name="Straight Connector 91">
+            <a:extLst>
+              <a:ext uri="{FF2B5EF4-FFF2-40B4-BE49-F238E27FC236}">
+                <a16:creationId xmlns:a16="http://schemas.microsoft.com/office/drawing/2014/main" id="{BE7B733C-CA15-0D67-1D99-4D928BD4373D}"/>
+              </a:ext>
+            </a:extLst>
+          </p:cNvPr>
+          <p:cNvCxnSpPr>
+            <a:cxnSpLocks/>
+          </p:cNvCxnSpPr>
+          <p:nvPr/>
+        </p:nvCxnSpPr>
+        <p:spPr>
+          <a:xfrm>
+            <a:off x="3218713" y="5936950"/>
+            <a:ext cx="356236" cy="435686"/>
+          </a:xfrm>
+          <a:prstGeom prst="line">
+            <a:avLst/>
+          </a:prstGeom>
+        </p:spPr>
+        <p:style>
+          <a:lnRef idx="1">
+            <a:schemeClr val="accent1"/>
+          </a:lnRef>
+          <a:fillRef idx="0">
+            <a:schemeClr val="accent1"/>
+          </a:fillRef>
+          <a:effectRef idx="0">
+            <a:schemeClr val="accent1"/>
+          </a:effectRef>
+          <a:fontRef idx="minor">
+            <a:schemeClr val="tx1"/>
+          </a:fontRef>
+        </p:style>
+      </p:cxnSp>
+      <p:cxnSp>
+        <p:nvCxnSpPr>
+          <p:cNvPr id="94" name="Straight Connector 93">
+            <a:extLst>
+              <a:ext uri="{FF2B5EF4-FFF2-40B4-BE49-F238E27FC236}">
+                <a16:creationId xmlns:a16="http://schemas.microsoft.com/office/drawing/2014/main" id="{06DC2549-6C36-9BC6-4B28-3E1B46ED358D}"/>
+              </a:ext>
+            </a:extLst>
+          </p:cNvPr>
+          <p:cNvCxnSpPr>
+            <a:cxnSpLocks/>
+          </p:cNvCxnSpPr>
+          <p:nvPr/>
+        </p:nvCxnSpPr>
+        <p:spPr>
+          <a:xfrm>
+            <a:off x="3135589" y="6140090"/>
+            <a:ext cx="391299" cy="457805"/>
+          </a:xfrm>
+          <a:prstGeom prst="line">
+            <a:avLst/>
+          </a:prstGeom>
+        </p:spPr>
+        <p:style>
+          <a:lnRef idx="1">
+            <a:schemeClr val="dk1"/>
+          </a:lnRef>
+          <a:fillRef idx="0">
+            <a:schemeClr val="dk1"/>
+          </a:fillRef>
+          <a:effectRef idx="0">
+            <a:schemeClr val="dk1"/>
+          </a:effectRef>
+          <a:fontRef idx="minor">
+            <a:schemeClr val="tx1"/>
+          </a:fontRef>
+        </p:style>
+      </p:cxnSp>
+      <p:pic>
+        <p:nvPicPr>
+          <p:cNvPr id="97" name="Picture 96" descr="A picture containing diagram, line, technical drawing, plan&#10;&#10;Description automatically generated">
+            <a:extLst>
+              <a:ext uri="{FF2B5EF4-FFF2-40B4-BE49-F238E27FC236}">
+                <a16:creationId xmlns:a16="http://schemas.microsoft.com/office/drawing/2014/main" id="{6AB12DC1-10CA-DF86-F71D-1DBBA62D8A6C}"/>
+              </a:ext>
+            </a:extLst>
+          </p:cNvPr>
+          <p:cNvPicPr>
+            <a:picLocks noChangeAspect="1"/>
+          </p:cNvPicPr>
+          <p:nvPr/>
+        </p:nvPicPr>
+        <p:blipFill rotWithShape="1">
+          <a:blip r:embed="rId5">
+            <a:extLst>
+              <a:ext uri="{28A0092B-C50C-407E-A947-70E740481C1C}">
+                <a14:useLocalDpi xmlns:a14="http://schemas.microsoft.com/office/drawing/2010/main" val="0"/>
+              </a:ext>
+            </a:extLst>
+          </a:blip>
+          <a:srcRect l="3141" t="11965" r="26502" b="15956"/>
+          <a:stretch/>
+        </p:blipFill>
+        <p:spPr>
+          <a:xfrm>
+            <a:off x="3509413" y="736661"/>
+            <a:ext cx="1129179" cy="498603"/>
+          </a:xfrm>
+          <a:prstGeom prst="rect">
+            <a:avLst/>
+          </a:prstGeom>
+        </p:spPr>
+      </p:pic>
+      <p:sp>
+        <p:nvSpPr>
+          <p:cNvPr id="98" name="Rectangle 97">
+            <a:extLst>
+              <a:ext uri="{FF2B5EF4-FFF2-40B4-BE49-F238E27FC236}">
+                <a16:creationId xmlns:a16="http://schemas.microsoft.com/office/drawing/2014/main" id="{9DA7747C-AEAD-9D0C-67CF-9822E2B6C85D}"/>
+              </a:ext>
+            </a:extLst>
+          </p:cNvPr>
+          <p:cNvSpPr/>
+          <p:nvPr/>
+        </p:nvSpPr>
+        <p:spPr>
+          <a:xfrm>
+            <a:off x="4565023" y="1578060"/>
+            <a:ext cx="803139" cy="293723"/>
+          </a:xfrm>
+          <a:prstGeom prst="rect">
+            <a:avLst/>
+          </a:prstGeom>
+          <a:noFill/>
+          <a:ln>
+            <a:noFill/>
+          </a:ln>
+        </p:spPr>
+        <p:style>
+          <a:lnRef idx="2">
+            <a:schemeClr val="accent1">
+              <a:shade val="50000"/>
+            </a:schemeClr>
+          </a:lnRef>
+          <a:fillRef idx="1">
+            <a:schemeClr val="accent1"/>
+          </a:fillRef>
+          <a:effectRef idx="0">
+            <a:schemeClr val="accent1"/>
+          </a:effectRef>
+          <a:fontRef idx="minor">
+            <a:schemeClr val="lt1"/>
+          </a:fontRef>
+        </p:style>
+        <p:txBody>
+          <a:bodyPr rtlCol="0" anchor="ctr"/>
+          <a:lstStyle/>
+          <a:p>
+            <a:r>
+              <a:rPr lang="en-US" sz="1100" b="1" dirty="0">
+                <a:solidFill>
+                  <a:srgbClr val="002060"/>
+                </a:solidFill>
+              </a:rPr>
+              <a:t>PLC0 Q0.5</a:t>
+            </a:r>
+          </a:p>
+          <a:p>
+            <a:r>
+              <a:rPr lang="en-US" sz="1100" b="1" dirty="0">
+                <a:solidFill>
+                  <a:srgbClr val="002060"/>
+                </a:solidFill>
+              </a:rPr>
+              <a:t>S-we-5</a:t>
+            </a:r>
+            <a:endParaRPr lang="en-SG" sz="1100" b="1" dirty="0">
+              <a:solidFill>
+                <a:srgbClr val="002060"/>
+              </a:solidFill>
+            </a:endParaRPr>
+          </a:p>
+        </p:txBody>
+      </p:sp>
+      <p:sp>
+        <p:nvSpPr>
+          <p:cNvPr id="99" name="Rectangle 98">
+            <a:extLst>
+              <a:ext uri="{FF2B5EF4-FFF2-40B4-BE49-F238E27FC236}">
+                <a16:creationId xmlns:a16="http://schemas.microsoft.com/office/drawing/2014/main" id="{C54A77A4-6342-6E22-48E4-679A2AA9A01C}"/>
+              </a:ext>
+            </a:extLst>
+          </p:cNvPr>
+          <p:cNvSpPr/>
+          <p:nvPr/>
+        </p:nvSpPr>
+        <p:spPr>
+          <a:xfrm>
+            <a:off x="4576328" y="762022"/>
+            <a:ext cx="803139" cy="293723"/>
+          </a:xfrm>
+          <a:prstGeom prst="rect">
+            <a:avLst/>
+          </a:prstGeom>
+          <a:noFill/>
+          <a:ln>
+            <a:noFill/>
+          </a:ln>
+        </p:spPr>
+        <p:style>
+          <a:lnRef idx="2">
+            <a:schemeClr val="accent1">
+              <a:shade val="50000"/>
+            </a:schemeClr>
+          </a:lnRef>
+          <a:fillRef idx="1">
+            <a:schemeClr val="accent1"/>
+          </a:fillRef>
+          <a:effectRef idx="0">
+            <a:schemeClr val="accent1"/>
+          </a:effectRef>
+          <a:fontRef idx="minor">
+            <a:schemeClr val="lt1"/>
+          </a:fontRef>
+        </p:style>
+        <p:txBody>
+          <a:bodyPr rtlCol="0" anchor="ctr"/>
+          <a:lstStyle/>
+          <a:p>
+            <a:r>
+              <a:rPr lang="en-US" sz="1100" b="1" dirty="0">
+                <a:solidFill>
+                  <a:srgbClr val="002060"/>
+                </a:solidFill>
+              </a:rPr>
+              <a:t>PLC0 Q0.3</a:t>
+            </a:r>
+          </a:p>
+          <a:p>
+            <a:r>
+              <a:rPr lang="en-US" sz="1100" b="1" dirty="0">
+                <a:solidFill>
+                  <a:srgbClr val="002060"/>
+                </a:solidFill>
+              </a:rPr>
+              <a:t>S-we-3</a:t>
+            </a:r>
+            <a:endParaRPr lang="en-SG" sz="1100" b="1" dirty="0">
+              <a:solidFill>
+                <a:srgbClr val="002060"/>
+              </a:solidFill>
+            </a:endParaRPr>
+          </a:p>
+        </p:txBody>
+      </p:sp>
+      <p:cxnSp>
+        <p:nvCxnSpPr>
+          <p:cNvPr id="103" name="Connector: Elbow 102">
+            <a:extLst>
+              <a:ext uri="{FF2B5EF4-FFF2-40B4-BE49-F238E27FC236}">
+                <a16:creationId xmlns:a16="http://schemas.microsoft.com/office/drawing/2014/main" id="{2A91F475-5208-908D-C23B-9BB90C379F6C}"/>
+              </a:ext>
+            </a:extLst>
+          </p:cNvPr>
+          <p:cNvCxnSpPr>
+            <a:cxnSpLocks/>
+          </p:cNvCxnSpPr>
+          <p:nvPr/>
+        </p:nvCxnSpPr>
+        <p:spPr>
+          <a:xfrm rot="10800000" flipV="1">
+            <a:off x="3499421" y="1617964"/>
+            <a:ext cx="4291" cy="2434928"/>
+          </a:xfrm>
+          <a:prstGeom prst="bentConnector3">
+            <a:avLst>
+              <a:gd name="adj1" fmla="val 5427430"/>
+            </a:avLst>
+          </a:prstGeom>
+        </p:spPr>
+        <p:style>
+          <a:lnRef idx="1">
+            <a:schemeClr val="accent1"/>
+          </a:lnRef>
+          <a:fillRef idx="0">
+            <a:schemeClr val="accent1"/>
+          </a:fillRef>
+          <a:effectRef idx="0">
+            <a:schemeClr val="accent1"/>
+          </a:effectRef>
+          <a:fontRef idx="minor">
+            <a:schemeClr val="tx1"/>
+          </a:fontRef>
+        </p:style>
+      </p:cxnSp>
+      <p:cxnSp>
+        <p:nvCxnSpPr>
+          <p:cNvPr id="106" name="Connector: Elbow 105">
+            <a:extLst>
+              <a:ext uri="{FF2B5EF4-FFF2-40B4-BE49-F238E27FC236}">
+                <a16:creationId xmlns:a16="http://schemas.microsoft.com/office/drawing/2014/main" id="{FCCB2C4D-790A-EE40-F5F3-9E436D979B55}"/>
+              </a:ext>
+            </a:extLst>
+          </p:cNvPr>
+          <p:cNvCxnSpPr>
+            <a:cxnSpLocks/>
+          </p:cNvCxnSpPr>
+          <p:nvPr/>
+        </p:nvCxnSpPr>
+        <p:spPr>
+          <a:xfrm rot="10800000" flipV="1">
+            <a:off x="3551898" y="1868764"/>
+            <a:ext cx="4291" cy="2434928"/>
+          </a:xfrm>
+          <a:prstGeom prst="bentConnector3">
+            <a:avLst>
+              <a:gd name="adj1" fmla="val 9278583"/>
+            </a:avLst>
+          </a:prstGeom>
+        </p:spPr>
+        <p:style>
+          <a:lnRef idx="1">
+            <a:schemeClr val="dk1"/>
+          </a:lnRef>
+          <a:fillRef idx="0">
+            <a:schemeClr val="dk1"/>
+          </a:fillRef>
+          <a:effectRef idx="0">
+            <a:schemeClr val="dk1"/>
+          </a:effectRef>
+          <a:fontRef idx="minor">
+            <a:schemeClr val="tx1"/>
+          </a:fontRef>
+        </p:style>
+      </p:cxnSp>
+      <p:cxnSp>
+        <p:nvCxnSpPr>
+          <p:cNvPr id="109" name="Connector: Elbow 108">
+            <a:extLst>
+              <a:ext uri="{FF2B5EF4-FFF2-40B4-BE49-F238E27FC236}">
+                <a16:creationId xmlns:a16="http://schemas.microsoft.com/office/drawing/2014/main" id="{00597F0A-9658-1F15-CC99-482CFBD05354}"/>
+              </a:ext>
+            </a:extLst>
+          </p:cNvPr>
+          <p:cNvCxnSpPr>
+            <a:cxnSpLocks/>
+          </p:cNvCxnSpPr>
+          <p:nvPr/>
+        </p:nvCxnSpPr>
+        <p:spPr>
+          <a:xfrm rot="16200000" flipV="1">
+            <a:off x="1612973" y="2807990"/>
+            <a:ext cx="3865723" cy="26190"/>
+          </a:xfrm>
+          <a:prstGeom prst="bentConnector4">
+            <a:avLst>
+              <a:gd name="adj1" fmla="val -533"/>
+              <a:gd name="adj2" fmla="val 2276873"/>
+            </a:avLst>
+          </a:prstGeom>
+        </p:spPr>
+        <p:style>
+          <a:lnRef idx="1">
+            <a:schemeClr val="accent1"/>
+          </a:lnRef>
+          <a:fillRef idx="0">
+            <a:schemeClr val="accent1"/>
+          </a:fillRef>
+          <a:effectRef idx="0">
+            <a:schemeClr val="accent1"/>
+          </a:effectRef>
+          <a:fontRef idx="minor">
+            <a:schemeClr val="tx1"/>
+          </a:fontRef>
+        </p:style>
+      </p:cxnSp>
+      <p:cxnSp>
+        <p:nvCxnSpPr>
+          <p:cNvPr id="113" name="Connector: Elbow 112">
+            <a:extLst>
+              <a:ext uri="{FF2B5EF4-FFF2-40B4-BE49-F238E27FC236}">
+                <a16:creationId xmlns:a16="http://schemas.microsoft.com/office/drawing/2014/main" id="{07690067-E5B4-8BD4-EAC0-BF97D9E07E60}"/>
+              </a:ext>
+            </a:extLst>
+          </p:cNvPr>
+          <p:cNvCxnSpPr>
+            <a:cxnSpLocks/>
+          </p:cNvCxnSpPr>
+          <p:nvPr/>
+        </p:nvCxnSpPr>
+        <p:spPr>
+          <a:xfrm rot="16200000" flipV="1">
+            <a:off x="1533858" y="3083707"/>
+            <a:ext cx="3865723" cy="26190"/>
+          </a:xfrm>
+          <a:prstGeom prst="bentConnector4">
+            <a:avLst>
+              <a:gd name="adj1" fmla="val -533"/>
+              <a:gd name="adj2" fmla="val 1477633"/>
+            </a:avLst>
+          </a:prstGeom>
+        </p:spPr>
+        <p:style>
+          <a:lnRef idx="1">
+            <a:schemeClr val="dk1"/>
+          </a:lnRef>
+          <a:fillRef idx="0">
+            <a:schemeClr val="dk1"/>
+          </a:fillRef>
+          <a:effectRef idx="0">
+            <a:schemeClr val="dk1"/>
+          </a:effectRef>
+          <a:fontRef idx="minor">
+            <a:schemeClr val="tx1"/>
+          </a:fontRef>
+        </p:style>
+      </p:cxnSp>
+      <p:cxnSp>
+        <p:nvCxnSpPr>
+          <p:cNvPr id="115" name="Straight Connector 114">
+            <a:extLst>
+              <a:ext uri="{FF2B5EF4-FFF2-40B4-BE49-F238E27FC236}">
+                <a16:creationId xmlns:a16="http://schemas.microsoft.com/office/drawing/2014/main" id="{F130DC36-C8B6-E7B0-E464-2CDBB287229F}"/>
+              </a:ext>
+            </a:extLst>
+          </p:cNvPr>
+          <p:cNvCxnSpPr>
+            <a:cxnSpLocks/>
+          </p:cNvCxnSpPr>
+          <p:nvPr/>
+        </p:nvCxnSpPr>
+        <p:spPr>
+          <a:xfrm flipV="1">
+            <a:off x="2491708" y="1260625"/>
+            <a:ext cx="3580365" cy="3467413"/>
+          </a:xfrm>
+          <a:prstGeom prst="line">
+            <a:avLst/>
+          </a:prstGeom>
+        </p:spPr>
+        <p:style>
+          <a:lnRef idx="1">
+            <a:schemeClr val="accent1"/>
+          </a:lnRef>
+          <a:fillRef idx="0">
+            <a:schemeClr val="accent1"/>
+          </a:fillRef>
+          <a:effectRef idx="0">
+            <a:schemeClr val="accent1"/>
+          </a:effectRef>
+          <a:fontRef idx="minor">
+            <a:schemeClr val="tx1"/>
+          </a:fontRef>
+        </p:style>
+      </p:cxnSp>
+      <p:cxnSp>
+        <p:nvCxnSpPr>
+          <p:cNvPr id="120" name="Straight Connector 119">
+            <a:extLst>
+              <a:ext uri="{FF2B5EF4-FFF2-40B4-BE49-F238E27FC236}">
+                <a16:creationId xmlns:a16="http://schemas.microsoft.com/office/drawing/2014/main" id="{84AB6476-1589-A9D5-074B-F869986372F6}"/>
+              </a:ext>
+            </a:extLst>
+          </p:cNvPr>
+          <p:cNvCxnSpPr>
+            <a:cxnSpLocks/>
+          </p:cNvCxnSpPr>
+          <p:nvPr/>
+        </p:nvCxnSpPr>
+        <p:spPr>
+          <a:xfrm flipV="1">
+            <a:off x="2489374" y="1527982"/>
+            <a:ext cx="3551372" cy="3372351"/>
+          </a:xfrm>
+          <a:prstGeom prst="line">
+            <a:avLst/>
+          </a:prstGeom>
+        </p:spPr>
+        <p:style>
+          <a:lnRef idx="1">
+            <a:schemeClr val="dk1"/>
+          </a:lnRef>
+          <a:fillRef idx="0">
+            <a:schemeClr val="dk1"/>
+          </a:fillRef>
+          <a:effectRef idx="0">
+            <a:schemeClr val="dk1"/>
+          </a:effectRef>
+          <a:fontRef idx="minor">
+            <a:schemeClr val="tx1"/>
+          </a:fontRef>
+        </p:style>
+      </p:cxnSp>
+      <p:sp>
+        <p:nvSpPr>
+          <p:cNvPr id="122" name="Rectangle 121">
+            <a:extLst>
+              <a:ext uri="{FF2B5EF4-FFF2-40B4-BE49-F238E27FC236}">
+                <a16:creationId xmlns:a16="http://schemas.microsoft.com/office/drawing/2014/main" id="{A250A91A-52BD-C741-2770-5FE4E066D347}"/>
+              </a:ext>
+            </a:extLst>
+          </p:cNvPr>
+          <p:cNvSpPr/>
+          <p:nvPr/>
+        </p:nvSpPr>
+        <p:spPr>
+          <a:xfrm>
+            <a:off x="7124747" y="1162847"/>
+            <a:ext cx="803139" cy="293723"/>
+          </a:xfrm>
+          <a:prstGeom prst="rect">
+            <a:avLst/>
+          </a:prstGeom>
+          <a:noFill/>
+          <a:ln>
+            <a:noFill/>
+          </a:ln>
+        </p:spPr>
+        <p:style>
+          <a:lnRef idx="2">
+            <a:schemeClr val="accent1">
+              <a:shade val="50000"/>
+            </a:schemeClr>
+          </a:lnRef>
+          <a:fillRef idx="1">
+            <a:schemeClr val="accent1"/>
+          </a:fillRef>
+          <a:effectRef idx="0">
+            <a:schemeClr val="accent1"/>
+          </a:effectRef>
+          <a:fontRef idx="minor">
+            <a:schemeClr val="lt1"/>
+          </a:fontRef>
+        </p:style>
+        <p:txBody>
+          <a:bodyPr rtlCol="0" anchor="ctr"/>
+          <a:lstStyle/>
+          <a:p>
+            <a:r>
+              <a:rPr lang="en-US" sz="1100" b="1" dirty="0">
+                <a:solidFill>
+                  <a:srgbClr val="002060"/>
+                </a:solidFill>
+              </a:rPr>
+              <a:t>PLC1 Q0.1</a:t>
+            </a:r>
+          </a:p>
+          <a:p>
+            <a:r>
+              <a:rPr lang="en-US" sz="1100" b="1" dirty="0">
+                <a:solidFill>
+                  <a:srgbClr val="002060"/>
+                </a:solidFill>
+              </a:rPr>
+              <a:t>S-ns-0</a:t>
+            </a:r>
+            <a:endParaRPr lang="en-SG" sz="1100" b="1" dirty="0">
+              <a:solidFill>
+                <a:srgbClr val="002060"/>
+              </a:solidFill>
+            </a:endParaRPr>
+          </a:p>
+        </p:txBody>
+      </p:sp>
+      <p:cxnSp>
+        <p:nvCxnSpPr>
+          <p:cNvPr id="123" name="Straight Connector 122">
+            <a:extLst>
+              <a:ext uri="{FF2B5EF4-FFF2-40B4-BE49-F238E27FC236}">
+                <a16:creationId xmlns:a16="http://schemas.microsoft.com/office/drawing/2014/main" id="{E74982AE-605B-19C5-C3E8-29ABD5DD8535}"/>
+              </a:ext>
+            </a:extLst>
+          </p:cNvPr>
+          <p:cNvCxnSpPr>
+            <a:cxnSpLocks/>
+          </p:cNvCxnSpPr>
+          <p:nvPr/>
+        </p:nvCxnSpPr>
+        <p:spPr>
+          <a:xfrm>
+            <a:off x="5683603" y="1617964"/>
+            <a:ext cx="356236" cy="435686"/>
+          </a:xfrm>
+          <a:prstGeom prst="line">
+            <a:avLst/>
+          </a:prstGeom>
+        </p:spPr>
+        <p:style>
+          <a:lnRef idx="1">
+            <a:schemeClr val="accent1"/>
+          </a:lnRef>
+          <a:fillRef idx="0">
+            <a:schemeClr val="accent1"/>
+          </a:fillRef>
+          <a:effectRef idx="0">
+            <a:schemeClr val="accent1"/>
+          </a:effectRef>
+          <a:fontRef idx="minor">
+            <a:schemeClr val="tx1"/>
+          </a:fontRef>
+        </p:style>
+      </p:cxnSp>
+      <p:cxnSp>
+        <p:nvCxnSpPr>
+          <p:cNvPr id="124" name="Straight Connector 123">
+            <a:extLst>
+              <a:ext uri="{FF2B5EF4-FFF2-40B4-BE49-F238E27FC236}">
+                <a16:creationId xmlns:a16="http://schemas.microsoft.com/office/drawing/2014/main" id="{95004322-524A-ED78-54F0-1DB0DC0F4E52}"/>
+              </a:ext>
+            </a:extLst>
+          </p:cNvPr>
+          <p:cNvCxnSpPr>
+            <a:cxnSpLocks/>
+          </p:cNvCxnSpPr>
+          <p:nvPr/>
+        </p:nvCxnSpPr>
+        <p:spPr>
+          <a:xfrm>
+            <a:off x="5601619" y="1756803"/>
+            <a:ext cx="455421" cy="564204"/>
+          </a:xfrm>
+          <a:prstGeom prst="line">
+            <a:avLst/>
+          </a:prstGeom>
+        </p:spPr>
+        <p:style>
+          <a:lnRef idx="1">
+            <a:schemeClr val="dk1"/>
+          </a:lnRef>
+          <a:fillRef idx="0">
+            <a:schemeClr val="dk1"/>
+          </a:fillRef>
+          <a:effectRef idx="0">
+            <a:schemeClr val="dk1"/>
+          </a:effectRef>
+          <a:fontRef idx="minor">
+            <a:schemeClr val="tx1"/>
+          </a:fontRef>
+        </p:style>
+      </p:cxnSp>
+      <p:sp>
+        <p:nvSpPr>
+          <p:cNvPr id="126" name="Rectangle 125">
+            <a:extLst>
+              <a:ext uri="{FF2B5EF4-FFF2-40B4-BE49-F238E27FC236}">
+                <a16:creationId xmlns:a16="http://schemas.microsoft.com/office/drawing/2014/main" id="{6D646174-8819-2BEE-2319-8716BBADACDA}"/>
+              </a:ext>
+            </a:extLst>
+          </p:cNvPr>
+          <p:cNvSpPr/>
+          <p:nvPr/>
+        </p:nvSpPr>
+        <p:spPr>
+          <a:xfrm>
+            <a:off x="7174650" y="1955483"/>
+            <a:ext cx="803139" cy="293723"/>
+          </a:xfrm>
+          <a:prstGeom prst="rect">
+            <a:avLst/>
+          </a:prstGeom>
+          <a:noFill/>
+          <a:ln>
+            <a:noFill/>
+          </a:ln>
+        </p:spPr>
+        <p:style>
+          <a:lnRef idx="2">
+            <a:schemeClr val="accent1">
+              <a:shade val="50000"/>
+            </a:schemeClr>
+          </a:lnRef>
+          <a:fillRef idx="1">
+            <a:schemeClr val="accent1"/>
+          </a:fillRef>
+          <a:effectRef idx="0">
+            <a:schemeClr val="accent1"/>
+          </a:effectRef>
+          <a:fontRef idx="minor">
+            <a:schemeClr val="lt1"/>
+          </a:fontRef>
+        </p:style>
+        <p:txBody>
+          <a:bodyPr rtlCol="0" anchor="ctr"/>
+          <a:lstStyle/>
+          <a:p>
+            <a:r>
+              <a:rPr lang="en-US" sz="1100" b="1" dirty="0">
+                <a:solidFill>
+                  <a:srgbClr val="002060"/>
+                </a:solidFill>
+              </a:rPr>
+              <a:t>PLC1 Q0.2</a:t>
+            </a:r>
+          </a:p>
+          <a:p>
+            <a:r>
+              <a:rPr lang="en-US" sz="1100" b="1" dirty="0">
+                <a:solidFill>
+                  <a:srgbClr val="002060"/>
+                </a:solidFill>
+              </a:rPr>
+              <a:t>S-ns-1</a:t>
+            </a:r>
+            <a:endParaRPr lang="en-SG" sz="1100" b="1" dirty="0">
+              <a:solidFill>
+                <a:srgbClr val="002060"/>
+              </a:solidFill>
+            </a:endParaRPr>
+          </a:p>
+        </p:txBody>
+      </p:sp>
+      <p:cxnSp>
+        <p:nvCxnSpPr>
+          <p:cNvPr id="127" name="Straight Connector 126">
+            <a:extLst>
+              <a:ext uri="{FF2B5EF4-FFF2-40B4-BE49-F238E27FC236}">
+                <a16:creationId xmlns:a16="http://schemas.microsoft.com/office/drawing/2014/main" id="{2758689F-C630-BFCD-B28B-E40494FE1986}"/>
+              </a:ext>
+            </a:extLst>
+          </p:cNvPr>
+          <p:cNvCxnSpPr>
+            <a:cxnSpLocks/>
+          </p:cNvCxnSpPr>
+          <p:nvPr/>
+        </p:nvCxnSpPr>
+        <p:spPr>
+          <a:xfrm flipV="1">
+            <a:off x="2511003" y="2888711"/>
+            <a:ext cx="3637597" cy="2135270"/>
+          </a:xfrm>
+          <a:prstGeom prst="line">
+            <a:avLst/>
+          </a:prstGeom>
+        </p:spPr>
+        <p:style>
+          <a:lnRef idx="1">
+            <a:schemeClr val="accent1"/>
+          </a:lnRef>
+          <a:fillRef idx="0">
+            <a:schemeClr val="accent1"/>
+          </a:fillRef>
+          <a:effectRef idx="0">
+            <a:schemeClr val="accent1"/>
+          </a:effectRef>
+          <a:fontRef idx="minor">
+            <a:schemeClr val="tx1"/>
+          </a:fontRef>
+        </p:style>
+      </p:cxnSp>
+      <p:cxnSp>
+        <p:nvCxnSpPr>
+          <p:cNvPr id="129" name="Straight Connector 128">
+            <a:extLst>
+              <a:ext uri="{FF2B5EF4-FFF2-40B4-BE49-F238E27FC236}">
+                <a16:creationId xmlns:a16="http://schemas.microsoft.com/office/drawing/2014/main" id="{F4E3B8AA-5194-1E75-A361-EECC1346F8D0}"/>
+              </a:ext>
+            </a:extLst>
+          </p:cNvPr>
+          <p:cNvCxnSpPr>
+            <a:cxnSpLocks/>
+            <a:endCxn id="34" idx="1"/>
+          </p:cNvCxnSpPr>
+          <p:nvPr/>
+        </p:nvCxnSpPr>
+        <p:spPr>
+          <a:xfrm flipV="1">
+            <a:off x="2469601" y="3065991"/>
+            <a:ext cx="3621630" cy="2100433"/>
+          </a:xfrm>
+          <a:prstGeom prst="line">
+            <a:avLst/>
+          </a:prstGeom>
+        </p:spPr>
+        <p:style>
+          <a:lnRef idx="1">
+            <a:schemeClr val="dk1"/>
+          </a:lnRef>
+          <a:fillRef idx="0">
+            <a:schemeClr val="dk1"/>
+          </a:fillRef>
+          <a:effectRef idx="0">
+            <a:schemeClr val="dk1"/>
+          </a:effectRef>
+          <a:fontRef idx="minor">
+            <a:schemeClr val="tx1"/>
+          </a:fontRef>
+        </p:style>
+      </p:cxnSp>
+      <p:sp>
+        <p:nvSpPr>
+          <p:cNvPr id="133" name="Rectangle 132">
+            <a:extLst>
+              <a:ext uri="{FF2B5EF4-FFF2-40B4-BE49-F238E27FC236}">
+                <a16:creationId xmlns:a16="http://schemas.microsoft.com/office/drawing/2014/main" id="{5B29CECD-6375-FC46-B884-C880EEB89E2D}"/>
+              </a:ext>
+            </a:extLst>
+          </p:cNvPr>
+          <p:cNvSpPr/>
+          <p:nvPr/>
+        </p:nvSpPr>
+        <p:spPr>
+          <a:xfrm>
+            <a:off x="7172896" y="2847469"/>
+            <a:ext cx="803139" cy="293723"/>
+          </a:xfrm>
+          <a:prstGeom prst="rect">
+            <a:avLst/>
+          </a:prstGeom>
+          <a:noFill/>
+          <a:ln>
+            <a:noFill/>
+          </a:ln>
+        </p:spPr>
+        <p:style>
+          <a:lnRef idx="2">
+            <a:schemeClr val="accent1">
+              <a:shade val="50000"/>
+            </a:schemeClr>
+          </a:lnRef>
+          <a:fillRef idx="1">
+            <a:schemeClr val="accent1"/>
+          </a:fillRef>
+          <a:effectRef idx="0">
+            <a:schemeClr val="accent1"/>
+          </a:effectRef>
+          <a:fontRef idx="minor">
+            <a:schemeClr val="lt1"/>
+          </a:fontRef>
+        </p:style>
+        <p:txBody>
+          <a:bodyPr rtlCol="0" anchor="ctr"/>
+          <a:lstStyle/>
+          <a:p>
+            <a:r>
+              <a:rPr lang="en-US" sz="1100" b="1" dirty="0">
+                <a:solidFill>
+                  <a:srgbClr val="002060"/>
+                </a:solidFill>
+              </a:rPr>
+              <a:t>PLC1 Q0.3</a:t>
+            </a:r>
+          </a:p>
+          <a:p>
+            <a:r>
+              <a:rPr lang="en-US" sz="1100" b="1" dirty="0">
+                <a:solidFill>
+                  <a:srgbClr val="002060"/>
+                </a:solidFill>
+              </a:rPr>
+              <a:t>S-ns-2</a:t>
+            </a:r>
+            <a:endParaRPr lang="en-SG" sz="1100" b="1" dirty="0">
+              <a:solidFill>
+                <a:srgbClr val="002060"/>
+              </a:solidFill>
+            </a:endParaRPr>
+          </a:p>
+        </p:txBody>
+      </p:sp>
+      <p:cxnSp>
+        <p:nvCxnSpPr>
+          <p:cNvPr id="134" name="Straight Connector 133">
+            <a:extLst>
+              <a:ext uri="{FF2B5EF4-FFF2-40B4-BE49-F238E27FC236}">
+                <a16:creationId xmlns:a16="http://schemas.microsoft.com/office/drawing/2014/main" id="{0E33F025-8918-B4AB-4698-DAF8EFAD7328}"/>
+              </a:ext>
+            </a:extLst>
+          </p:cNvPr>
+          <p:cNvCxnSpPr>
+            <a:cxnSpLocks/>
+          </p:cNvCxnSpPr>
+          <p:nvPr/>
+        </p:nvCxnSpPr>
+        <p:spPr>
+          <a:xfrm flipV="1">
+            <a:off x="2511003" y="3880469"/>
+            <a:ext cx="3695867" cy="1421939"/>
+          </a:xfrm>
+          <a:prstGeom prst="line">
+            <a:avLst/>
+          </a:prstGeom>
+        </p:spPr>
+        <p:style>
+          <a:lnRef idx="1">
+            <a:schemeClr val="accent1"/>
+          </a:lnRef>
+          <a:fillRef idx="0">
+            <a:schemeClr val="accent1"/>
+          </a:fillRef>
+          <a:effectRef idx="0">
+            <a:schemeClr val="accent1"/>
+          </a:effectRef>
+          <a:fontRef idx="minor">
+            <a:schemeClr val="tx1"/>
+          </a:fontRef>
+        </p:style>
+      </p:cxnSp>
+      <p:cxnSp>
+        <p:nvCxnSpPr>
+          <p:cNvPr id="137" name="Straight Connector 136">
+            <a:extLst>
+              <a:ext uri="{FF2B5EF4-FFF2-40B4-BE49-F238E27FC236}">
+                <a16:creationId xmlns:a16="http://schemas.microsoft.com/office/drawing/2014/main" id="{EC48D401-83AE-FADE-A0E8-D3FF288C8754}"/>
+              </a:ext>
+            </a:extLst>
+          </p:cNvPr>
+          <p:cNvCxnSpPr>
+            <a:cxnSpLocks/>
+          </p:cNvCxnSpPr>
+          <p:nvPr/>
+        </p:nvCxnSpPr>
+        <p:spPr>
+          <a:xfrm flipV="1">
+            <a:off x="2467954" y="4140012"/>
+            <a:ext cx="3738916" cy="1351886"/>
+          </a:xfrm>
+          <a:prstGeom prst="line">
+            <a:avLst/>
+          </a:prstGeom>
+        </p:spPr>
+        <p:style>
+          <a:lnRef idx="1">
+            <a:schemeClr val="dk1"/>
+          </a:lnRef>
+          <a:fillRef idx="0">
+            <a:schemeClr val="dk1"/>
+          </a:fillRef>
+          <a:effectRef idx="0">
+            <a:schemeClr val="dk1"/>
+          </a:effectRef>
+          <a:fontRef idx="minor">
+            <a:schemeClr val="tx1"/>
+          </a:fontRef>
+        </p:style>
+      </p:cxnSp>
+      <p:sp>
+        <p:nvSpPr>
+          <p:cNvPr id="139" name="Rectangle 138">
+            <a:extLst>
+              <a:ext uri="{FF2B5EF4-FFF2-40B4-BE49-F238E27FC236}">
+                <a16:creationId xmlns:a16="http://schemas.microsoft.com/office/drawing/2014/main" id="{7D88F0BF-C4C5-4A46-F8C3-9E3CB0C5A37A}"/>
+              </a:ext>
+            </a:extLst>
+          </p:cNvPr>
+          <p:cNvSpPr/>
+          <p:nvPr/>
+        </p:nvSpPr>
+        <p:spPr>
+          <a:xfrm>
+            <a:off x="7206340" y="3760456"/>
+            <a:ext cx="803139" cy="293723"/>
+          </a:xfrm>
+          <a:prstGeom prst="rect">
+            <a:avLst/>
+          </a:prstGeom>
+          <a:noFill/>
+          <a:ln>
+            <a:noFill/>
+          </a:ln>
+        </p:spPr>
+        <p:style>
+          <a:lnRef idx="2">
+            <a:schemeClr val="accent1">
+              <a:shade val="50000"/>
+            </a:schemeClr>
+          </a:lnRef>
+          <a:fillRef idx="1">
+            <a:schemeClr val="accent1"/>
+          </a:fillRef>
+          <a:effectRef idx="0">
+            <a:schemeClr val="accent1"/>
+          </a:effectRef>
+          <a:fontRef idx="minor">
+            <a:schemeClr val="lt1"/>
+          </a:fontRef>
+        </p:style>
+        <p:txBody>
+          <a:bodyPr rtlCol="0" anchor="ctr"/>
+          <a:lstStyle/>
+          <a:p>
+            <a:r>
+              <a:rPr lang="en-US" sz="1100" b="1" dirty="0">
+                <a:solidFill>
+                  <a:srgbClr val="002060"/>
+                </a:solidFill>
+              </a:rPr>
+              <a:t>PLC1 Q0.4</a:t>
+            </a:r>
+          </a:p>
+          <a:p>
+            <a:r>
+              <a:rPr lang="en-US" sz="1100" b="1" dirty="0">
+                <a:solidFill>
+                  <a:srgbClr val="002060"/>
+                </a:solidFill>
+              </a:rPr>
+              <a:t>S-ns-3</a:t>
+            </a:r>
+            <a:endParaRPr lang="en-SG" sz="1100" b="1" dirty="0">
+              <a:solidFill>
+                <a:srgbClr val="002060"/>
+              </a:solidFill>
+            </a:endParaRPr>
+          </a:p>
+        </p:txBody>
+      </p:sp>
+      <p:cxnSp>
+        <p:nvCxnSpPr>
+          <p:cNvPr id="140" name="Straight Connector 139">
+            <a:extLst>
+              <a:ext uri="{FF2B5EF4-FFF2-40B4-BE49-F238E27FC236}">
+                <a16:creationId xmlns:a16="http://schemas.microsoft.com/office/drawing/2014/main" id="{3528CBE3-B2F2-8D81-4CF4-8F027CEB0806}"/>
+              </a:ext>
+            </a:extLst>
+          </p:cNvPr>
+          <p:cNvCxnSpPr>
+            <a:cxnSpLocks/>
+          </p:cNvCxnSpPr>
+          <p:nvPr/>
+        </p:nvCxnSpPr>
+        <p:spPr>
+          <a:xfrm>
+            <a:off x="2511003" y="3560326"/>
+            <a:ext cx="3695867" cy="1044725"/>
+          </a:xfrm>
+          <a:prstGeom prst="line">
+            <a:avLst/>
+          </a:prstGeom>
+        </p:spPr>
+        <p:style>
+          <a:lnRef idx="1">
+            <a:schemeClr val="accent1"/>
+          </a:lnRef>
+          <a:fillRef idx="0">
+            <a:schemeClr val="accent1"/>
+          </a:fillRef>
+          <a:effectRef idx="0">
+            <a:schemeClr val="accent1"/>
+          </a:effectRef>
+          <a:fontRef idx="minor">
+            <a:schemeClr val="tx1"/>
+          </a:fontRef>
+        </p:style>
+      </p:cxnSp>
+      <p:cxnSp>
+        <p:nvCxnSpPr>
+          <p:cNvPr id="143" name="Straight Connector 142">
+            <a:extLst>
+              <a:ext uri="{FF2B5EF4-FFF2-40B4-BE49-F238E27FC236}">
+                <a16:creationId xmlns:a16="http://schemas.microsoft.com/office/drawing/2014/main" id="{33B1C4EB-A6DD-D3D8-A571-969CC5445215}"/>
+              </a:ext>
+            </a:extLst>
+          </p:cNvPr>
+          <p:cNvCxnSpPr>
+            <a:cxnSpLocks/>
+          </p:cNvCxnSpPr>
+          <p:nvPr/>
+        </p:nvCxnSpPr>
+        <p:spPr>
+          <a:xfrm>
+            <a:off x="2519581" y="4464022"/>
+            <a:ext cx="3687289" cy="141029"/>
+          </a:xfrm>
+          <a:prstGeom prst="line">
+            <a:avLst/>
+          </a:prstGeom>
+        </p:spPr>
+        <p:style>
+          <a:lnRef idx="1">
+            <a:schemeClr val="accent1"/>
+          </a:lnRef>
+          <a:fillRef idx="0">
+            <a:schemeClr val="accent1"/>
+          </a:fillRef>
+          <a:effectRef idx="0">
+            <a:schemeClr val="accent1"/>
+          </a:effectRef>
+          <a:fontRef idx="minor">
+            <a:schemeClr val="tx1"/>
+          </a:fontRef>
+        </p:style>
+      </p:cxnSp>
+      <p:cxnSp>
+        <p:nvCxnSpPr>
+          <p:cNvPr id="146" name="Straight Connector 145">
+            <a:extLst>
+              <a:ext uri="{FF2B5EF4-FFF2-40B4-BE49-F238E27FC236}">
+                <a16:creationId xmlns:a16="http://schemas.microsoft.com/office/drawing/2014/main" id="{40BA8562-E47F-46A1-7FE9-3A6D37F1A450}"/>
+              </a:ext>
+            </a:extLst>
+          </p:cNvPr>
+          <p:cNvCxnSpPr>
+            <a:cxnSpLocks/>
+            <a:stCxn id="20" idx="3"/>
+            <a:endCxn id="36" idx="1"/>
+          </p:cNvCxnSpPr>
+          <p:nvPr/>
+        </p:nvCxnSpPr>
+        <p:spPr>
+          <a:xfrm>
+            <a:off x="2500423" y="3678678"/>
+            <a:ext cx="3667335" cy="1065543"/>
+          </a:xfrm>
+          <a:prstGeom prst="line">
+            <a:avLst/>
+          </a:prstGeom>
+        </p:spPr>
+        <p:style>
+          <a:lnRef idx="1">
+            <a:schemeClr val="dk1"/>
+          </a:lnRef>
+          <a:fillRef idx="0">
+            <a:schemeClr val="dk1"/>
+          </a:fillRef>
+          <a:effectRef idx="0">
+            <a:schemeClr val="dk1"/>
+          </a:effectRef>
+          <a:fontRef idx="minor">
+            <a:schemeClr val="tx1"/>
+          </a:fontRef>
+        </p:style>
+      </p:cxnSp>
+      <p:cxnSp>
+        <p:nvCxnSpPr>
+          <p:cNvPr id="149" name="Straight Connector 148">
+            <a:extLst>
+              <a:ext uri="{FF2B5EF4-FFF2-40B4-BE49-F238E27FC236}">
+                <a16:creationId xmlns:a16="http://schemas.microsoft.com/office/drawing/2014/main" id="{95283752-3CB9-0EA7-B386-B78412563619}"/>
+              </a:ext>
+            </a:extLst>
+          </p:cNvPr>
+          <p:cNvCxnSpPr>
+            <a:cxnSpLocks/>
+            <a:endCxn id="36" idx="1"/>
+          </p:cNvCxnSpPr>
+          <p:nvPr/>
+        </p:nvCxnSpPr>
+        <p:spPr>
+          <a:xfrm>
+            <a:off x="2511003" y="4605051"/>
+            <a:ext cx="3656755" cy="139170"/>
+          </a:xfrm>
+          <a:prstGeom prst="line">
+            <a:avLst/>
+          </a:prstGeom>
+        </p:spPr>
+        <p:style>
+          <a:lnRef idx="1">
+            <a:schemeClr val="dk1"/>
+          </a:lnRef>
+          <a:fillRef idx="0">
+            <a:schemeClr val="dk1"/>
+          </a:fillRef>
+          <a:effectRef idx="0">
+            <a:schemeClr val="dk1"/>
+          </a:effectRef>
+          <a:fontRef idx="minor">
+            <a:schemeClr val="tx1"/>
+          </a:fontRef>
+        </p:style>
+      </p:cxnSp>
+      <p:sp>
+        <p:nvSpPr>
+          <p:cNvPr id="152" name="Rectangle 151">
+            <a:extLst>
+              <a:ext uri="{FF2B5EF4-FFF2-40B4-BE49-F238E27FC236}">
+                <a16:creationId xmlns:a16="http://schemas.microsoft.com/office/drawing/2014/main" id="{CF622FA6-5250-641E-6432-3D817314DC7B}"/>
+              </a:ext>
+            </a:extLst>
+          </p:cNvPr>
+          <p:cNvSpPr/>
+          <p:nvPr/>
+        </p:nvSpPr>
+        <p:spPr>
+          <a:xfrm>
+            <a:off x="7231183" y="4494919"/>
+            <a:ext cx="803139" cy="293723"/>
+          </a:xfrm>
+          <a:prstGeom prst="rect">
+            <a:avLst/>
+          </a:prstGeom>
+          <a:noFill/>
+          <a:ln>
+            <a:noFill/>
+          </a:ln>
+        </p:spPr>
+        <p:style>
+          <a:lnRef idx="2">
+            <a:schemeClr val="accent1">
+              <a:shade val="50000"/>
+            </a:schemeClr>
+          </a:lnRef>
+          <a:fillRef idx="1">
+            <a:schemeClr val="accent1"/>
+          </a:fillRef>
+          <a:effectRef idx="0">
+            <a:schemeClr val="accent1"/>
+          </a:effectRef>
+          <a:fontRef idx="minor">
+            <a:schemeClr val="lt1"/>
+          </a:fontRef>
+        </p:style>
+        <p:txBody>
+          <a:bodyPr rtlCol="0" anchor="ctr"/>
+          <a:lstStyle/>
+          <a:p>
+            <a:r>
+              <a:rPr lang="en-US" sz="1100" b="1" dirty="0">
+                <a:solidFill>
+                  <a:srgbClr val="002060"/>
+                </a:solidFill>
+              </a:rPr>
+              <a:t>PLC1 Q0.5</a:t>
+            </a:r>
+          </a:p>
+          <a:p>
+            <a:r>
+              <a:rPr lang="en-US" sz="1100" b="1" dirty="0">
+                <a:solidFill>
+                  <a:srgbClr val="002060"/>
+                </a:solidFill>
+              </a:rPr>
+              <a:t>S-cc-0</a:t>
+            </a:r>
+            <a:endParaRPr lang="en-SG" sz="1100" b="1" dirty="0">
+              <a:solidFill>
+                <a:srgbClr val="002060"/>
+              </a:solidFill>
+            </a:endParaRPr>
+          </a:p>
+        </p:txBody>
+      </p:sp>
+      <p:cxnSp>
+        <p:nvCxnSpPr>
+          <p:cNvPr id="153" name="Straight Connector 152">
+            <a:extLst>
+              <a:ext uri="{FF2B5EF4-FFF2-40B4-BE49-F238E27FC236}">
+                <a16:creationId xmlns:a16="http://schemas.microsoft.com/office/drawing/2014/main" id="{DD953C6C-6759-82FD-7568-1DD0A30B4D78}"/>
+              </a:ext>
+            </a:extLst>
+          </p:cNvPr>
+          <p:cNvCxnSpPr>
+            <a:cxnSpLocks/>
+          </p:cNvCxnSpPr>
+          <p:nvPr/>
+        </p:nvCxnSpPr>
+        <p:spPr>
+          <a:xfrm>
+            <a:off x="2519581" y="4163247"/>
+            <a:ext cx="3703617" cy="1254731"/>
+          </a:xfrm>
+          <a:prstGeom prst="line">
+            <a:avLst/>
+          </a:prstGeom>
+        </p:spPr>
+        <p:style>
+          <a:lnRef idx="1">
+            <a:schemeClr val="accent1"/>
+          </a:lnRef>
+          <a:fillRef idx="0">
+            <a:schemeClr val="accent1"/>
+          </a:fillRef>
+          <a:effectRef idx="0">
+            <a:schemeClr val="accent1"/>
+          </a:effectRef>
+          <a:fontRef idx="minor">
+            <a:schemeClr val="tx1"/>
+          </a:fontRef>
+        </p:style>
+      </p:cxnSp>
+      <p:cxnSp>
+        <p:nvCxnSpPr>
+          <p:cNvPr id="156" name="Straight Connector 155">
+            <a:extLst>
+              <a:ext uri="{FF2B5EF4-FFF2-40B4-BE49-F238E27FC236}">
+                <a16:creationId xmlns:a16="http://schemas.microsoft.com/office/drawing/2014/main" id="{A8D8085D-A9ED-6DD0-04E9-B12346EC1E8B}"/>
+              </a:ext>
+            </a:extLst>
+          </p:cNvPr>
+          <p:cNvCxnSpPr>
+            <a:cxnSpLocks/>
+            <a:endCxn id="37" idx="1"/>
+          </p:cNvCxnSpPr>
+          <p:nvPr/>
+        </p:nvCxnSpPr>
+        <p:spPr>
+          <a:xfrm>
+            <a:off x="2497762" y="4271406"/>
+            <a:ext cx="3669996" cy="1294121"/>
+          </a:xfrm>
+          <a:prstGeom prst="line">
+            <a:avLst/>
+          </a:prstGeom>
+        </p:spPr>
+        <p:style>
+          <a:lnRef idx="1">
+            <a:schemeClr val="dk1"/>
+          </a:lnRef>
+          <a:fillRef idx="0">
+            <a:schemeClr val="dk1"/>
+          </a:fillRef>
+          <a:effectRef idx="0">
+            <a:schemeClr val="dk1"/>
+          </a:effectRef>
+          <a:fontRef idx="minor">
+            <a:schemeClr val="tx1"/>
+          </a:fontRef>
+        </p:style>
+      </p:cxnSp>
+      <p:sp>
+        <p:nvSpPr>
+          <p:cNvPr id="158" name="Rectangle 157">
+            <a:extLst>
+              <a:ext uri="{FF2B5EF4-FFF2-40B4-BE49-F238E27FC236}">
+                <a16:creationId xmlns:a16="http://schemas.microsoft.com/office/drawing/2014/main" id="{978372E1-03C2-28DB-5B2D-F17993CAB3E4}"/>
+              </a:ext>
+            </a:extLst>
+          </p:cNvPr>
+          <p:cNvSpPr/>
+          <p:nvPr/>
+        </p:nvSpPr>
+        <p:spPr>
+          <a:xfrm>
+            <a:off x="7247056" y="5273280"/>
+            <a:ext cx="803139" cy="293723"/>
+          </a:xfrm>
+          <a:prstGeom prst="rect">
+            <a:avLst/>
+          </a:prstGeom>
+          <a:noFill/>
+          <a:ln>
+            <a:noFill/>
+          </a:ln>
+        </p:spPr>
+        <p:style>
+          <a:lnRef idx="2">
+            <a:schemeClr val="accent1">
+              <a:shade val="50000"/>
+            </a:schemeClr>
+          </a:lnRef>
+          <a:fillRef idx="1">
+            <a:schemeClr val="accent1"/>
+          </a:fillRef>
+          <a:effectRef idx="0">
+            <a:schemeClr val="accent1"/>
+          </a:effectRef>
+          <a:fontRef idx="minor">
+            <a:schemeClr val="lt1"/>
+          </a:fontRef>
+        </p:style>
+        <p:txBody>
+          <a:bodyPr rtlCol="0" anchor="ctr"/>
+          <a:lstStyle/>
+          <a:p>
+            <a:r>
+              <a:rPr lang="en-US" sz="1100" b="1" dirty="0">
+                <a:solidFill>
+                  <a:srgbClr val="002060"/>
+                </a:solidFill>
+              </a:rPr>
+              <a:t>PLC1 Q0.6</a:t>
+            </a:r>
+          </a:p>
+          <a:p>
+            <a:r>
+              <a:rPr lang="en-US" sz="1100" b="1" dirty="0">
+                <a:solidFill>
+                  <a:srgbClr val="002060"/>
+                </a:solidFill>
+              </a:rPr>
+              <a:t>S-cc-1</a:t>
+            </a:r>
+            <a:endParaRPr lang="en-SG" sz="1100" b="1" dirty="0">
+              <a:solidFill>
+                <a:srgbClr val="002060"/>
+              </a:solidFill>
+            </a:endParaRPr>
+          </a:p>
+        </p:txBody>
+      </p:sp>
+      <p:cxnSp>
+        <p:nvCxnSpPr>
+          <p:cNvPr id="160" name="Straight Connector 159">
+            <a:extLst>
+              <a:ext uri="{FF2B5EF4-FFF2-40B4-BE49-F238E27FC236}">
+                <a16:creationId xmlns:a16="http://schemas.microsoft.com/office/drawing/2014/main" id="{2A7975FE-4AB4-5C9D-D2D0-B84F5646F78B}"/>
+              </a:ext>
+            </a:extLst>
+          </p:cNvPr>
+          <p:cNvCxnSpPr>
+            <a:cxnSpLocks/>
+          </p:cNvCxnSpPr>
+          <p:nvPr/>
+        </p:nvCxnSpPr>
+        <p:spPr>
+          <a:xfrm>
+            <a:off x="2524177" y="3870010"/>
+            <a:ext cx="3659909" cy="2557321"/>
+          </a:xfrm>
+          <a:prstGeom prst="line">
+            <a:avLst/>
+          </a:prstGeom>
+        </p:spPr>
+        <p:style>
+          <a:lnRef idx="1">
+            <a:schemeClr val="accent1"/>
+          </a:lnRef>
+          <a:fillRef idx="0">
+            <a:schemeClr val="accent1"/>
+          </a:fillRef>
+          <a:effectRef idx="0">
+            <a:schemeClr val="accent1"/>
+          </a:effectRef>
+          <a:fontRef idx="minor">
+            <a:schemeClr val="tx1"/>
+          </a:fontRef>
+        </p:style>
+      </p:cxnSp>
+      <p:cxnSp>
+        <p:nvCxnSpPr>
+          <p:cNvPr id="163" name="Straight Connector 162">
+            <a:extLst>
+              <a:ext uri="{FF2B5EF4-FFF2-40B4-BE49-F238E27FC236}">
+                <a16:creationId xmlns:a16="http://schemas.microsoft.com/office/drawing/2014/main" id="{D8E69CD3-3F74-A7D9-F0A2-CF214B114211}"/>
+              </a:ext>
+            </a:extLst>
+          </p:cNvPr>
+          <p:cNvCxnSpPr>
+            <a:cxnSpLocks/>
+          </p:cNvCxnSpPr>
+          <p:nvPr/>
+        </p:nvCxnSpPr>
+        <p:spPr>
+          <a:xfrm>
+            <a:off x="2491708" y="3990086"/>
+            <a:ext cx="3656892" cy="2690015"/>
+          </a:xfrm>
+          <a:prstGeom prst="line">
+            <a:avLst/>
+          </a:prstGeom>
+        </p:spPr>
+        <p:style>
+          <a:lnRef idx="1">
+            <a:schemeClr val="dk1"/>
+          </a:lnRef>
+          <a:fillRef idx="0">
+            <a:schemeClr val="dk1"/>
+          </a:fillRef>
+          <a:effectRef idx="0">
+            <a:schemeClr val="dk1"/>
+          </a:effectRef>
+          <a:fontRef idx="minor">
+            <a:schemeClr val="tx1"/>
+          </a:fontRef>
+        </p:style>
+      </p:cxnSp>
+      <p:sp>
+        <p:nvSpPr>
+          <p:cNvPr id="166" name="Rectangle 165">
+            <a:extLst>
+              <a:ext uri="{FF2B5EF4-FFF2-40B4-BE49-F238E27FC236}">
+                <a16:creationId xmlns:a16="http://schemas.microsoft.com/office/drawing/2014/main" id="{76130978-DB33-5FB4-C44C-B85EA3BC8125}"/>
+              </a:ext>
+            </a:extLst>
+          </p:cNvPr>
+          <p:cNvSpPr/>
+          <p:nvPr/>
+        </p:nvSpPr>
+        <p:spPr>
+          <a:xfrm>
+            <a:off x="7260751" y="6283315"/>
+            <a:ext cx="803139" cy="293723"/>
+          </a:xfrm>
+          <a:prstGeom prst="rect">
+            <a:avLst/>
+          </a:prstGeom>
+          <a:noFill/>
+          <a:ln>
+            <a:noFill/>
+          </a:ln>
+        </p:spPr>
+        <p:style>
+          <a:lnRef idx="2">
+            <a:schemeClr val="accent1">
+              <a:shade val="50000"/>
+            </a:schemeClr>
+          </a:lnRef>
+          <a:fillRef idx="1">
+            <a:schemeClr val="accent1"/>
+          </a:fillRef>
+          <a:effectRef idx="0">
+            <a:schemeClr val="accent1"/>
+          </a:effectRef>
+          <a:fontRef idx="minor">
+            <a:schemeClr val="lt1"/>
+          </a:fontRef>
+        </p:style>
+        <p:txBody>
+          <a:bodyPr rtlCol="0" anchor="ctr"/>
+          <a:lstStyle/>
+          <a:p>
+            <a:r>
+              <a:rPr lang="en-US" sz="1100" b="1" dirty="0">
+                <a:solidFill>
+                  <a:srgbClr val="002060"/>
+                </a:solidFill>
+              </a:rPr>
+              <a:t>PLC2 Q0.0</a:t>
+            </a:r>
+          </a:p>
+          <a:p>
+            <a:r>
+              <a:rPr lang="en-US" sz="1100" b="1" dirty="0">
+                <a:solidFill>
+                  <a:srgbClr val="002060"/>
+                </a:solidFill>
+              </a:rPr>
+              <a:t>S-cc-2</a:t>
+            </a:r>
+            <a:endParaRPr lang="en-SG" sz="1100" b="1" dirty="0">
+              <a:solidFill>
+                <a:srgbClr val="002060"/>
+              </a:solidFill>
+            </a:endParaRPr>
+          </a:p>
+        </p:txBody>
+      </p:sp>
+      <p:cxnSp>
+        <p:nvCxnSpPr>
+          <p:cNvPr id="168" name="Straight Connector 167">
+            <a:extLst>
+              <a:ext uri="{FF2B5EF4-FFF2-40B4-BE49-F238E27FC236}">
+                <a16:creationId xmlns:a16="http://schemas.microsoft.com/office/drawing/2014/main" id="{01FEE5FA-E303-04EA-FDDF-F72834F6FCA2}"/>
+              </a:ext>
+            </a:extLst>
+          </p:cNvPr>
+          <p:cNvCxnSpPr>
+            <a:cxnSpLocks/>
+          </p:cNvCxnSpPr>
+          <p:nvPr/>
+        </p:nvCxnSpPr>
+        <p:spPr>
+          <a:xfrm>
+            <a:off x="2511003" y="2124018"/>
+            <a:ext cx="5767115" cy="60576"/>
+          </a:xfrm>
+          <a:prstGeom prst="line">
+            <a:avLst/>
+          </a:prstGeom>
+        </p:spPr>
+        <p:style>
+          <a:lnRef idx="1">
+            <a:schemeClr val="accent1"/>
+          </a:lnRef>
+          <a:fillRef idx="0">
+            <a:schemeClr val="accent1"/>
+          </a:fillRef>
+          <a:effectRef idx="0">
+            <a:schemeClr val="accent1"/>
+          </a:effectRef>
+          <a:fontRef idx="minor">
+            <a:schemeClr val="tx1"/>
+          </a:fontRef>
+        </p:style>
+      </p:cxnSp>
+      <p:cxnSp>
+        <p:nvCxnSpPr>
+          <p:cNvPr id="171" name="Straight Connector 170">
+            <a:extLst>
+              <a:ext uri="{FF2B5EF4-FFF2-40B4-BE49-F238E27FC236}">
+                <a16:creationId xmlns:a16="http://schemas.microsoft.com/office/drawing/2014/main" id="{A57C917E-77EE-283C-930D-0361CF5A20AF}"/>
+              </a:ext>
+            </a:extLst>
+          </p:cNvPr>
+          <p:cNvCxnSpPr>
+            <a:cxnSpLocks/>
+          </p:cNvCxnSpPr>
+          <p:nvPr/>
+        </p:nvCxnSpPr>
+        <p:spPr>
+          <a:xfrm flipV="1">
+            <a:off x="2511003" y="2191037"/>
+            <a:ext cx="5767115" cy="221096"/>
+          </a:xfrm>
+          <a:prstGeom prst="line">
+            <a:avLst/>
+          </a:prstGeom>
+        </p:spPr>
+        <p:style>
+          <a:lnRef idx="1">
+            <a:schemeClr val="accent1"/>
+          </a:lnRef>
+          <a:fillRef idx="0">
+            <a:schemeClr val="accent1"/>
+          </a:fillRef>
+          <a:effectRef idx="0">
+            <a:schemeClr val="accent1"/>
+          </a:effectRef>
+          <a:fontRef idx="minor">
+            <a:schemeClr val="tx1"/>
+          </a:fontRef>
+        </p:style>
+      </p:cxnSp>
+      <p:cxnSp>
+        <p:nvCxnSpPr>
+          <p:cNvPr id="174" name="Straight Connector 173">
+            <a:extLst>
+              <a:ext uri="{FF2B5EF4-FFF2-40B4-BE49-F238E27FC236}">
+                <a16:creationId xmlns:a16="http://schemas.microsoft.com/office/drawing/2014/main" id="{C076536F-957E-6499-D12B-C4F018BB3050}"/>
+              </a:ext>
+            </a:extLst>
+          </p:cNvPr>
+          <p:cNvCxnSpPr>
+            <a:cxnSpLocks/>
+          </p:cNvCxnSpPr>
+          <p:nvPr/>
+        </p:nvCxnSpPr>
+        <p:spPr>
+          <a:xfrm>
+            <a:off x="2511561" y="2267152"/>
+            <a:ext cx="5766050" cy="178757"/>
+          </a:xfrm>
+          <a:prstGeom prst="line">
+            <a:avLst/>
+          </a:prstGeom>
+        </p:spPr>
+        <p:style>
+          <a:lnRef idx="1">
+            <a:schemeClr val="dk1"/>
+          </a:lnRef>
+          <a:fillRef idx="0">
+            <a:schemeClr val="dk1"/>
+          </a:fillRef>
+          <a:effectRef idx="0">
+            <a:schemeClr val="dk1"/>
+          </a:effectRef>
+          <a:fontRef idx="minor">
+            <a:schemeClr val="tx1"/>
+          </a:fontRef>
+        </p:style>
+      </p:cxnSp>
+      <p:cxnSp>
+        <p:nvCxnSpPr>
+          <p:cNvPr id="177" name="Straight Connector 176">
+            <a:extLst>
+              <a:ext uri="{FF2B5EF4-FFF2-40B4-BE49-F238E27FC236}">
+                <a16:creationId xmlns:a16="http://schemas.microsoft.com/office/drawing/2014/main" id="{89A24F39-1B4B-6286-114B-0AFAC1FF6270}"/>
+              </a:ext>
+            </a:extLst>
+          </p:cNvPr>
+          <p:cNvCxnSpPr>
+            <a:cxnSpLocks/>
+          </p:cNvCxnSpPr>
+          <p:nvPr/>
+        </p:nvCxnSpPr>
+        <p:spPr>
+          <a:xfrm flipV="1">
+            <a:off x="2502757" y="2466635"/>
+            <a:ext cx="5774854" cy="101508"/>
+          </a:xfrm>
+          <a:prstGeom prst="line">
+            <a:avLst/>
+          </a:prstGeom>
+        </p:spPr>
+        <p:style>
+          <a:lnRef idx="1">
+            <a:schemeClr val="dk1"/>
+          </a:lnRef>
+          <a:fillRef idx="0">
+            <a:schemeClr val="dk1"/>
+          </a:fillRef>
+          <a:effectRef idx="0">
+            <a:schemeClr val="dk1"/>
+          </a:effectRef>
+          <a:fontRef idx="minor">
+            <a:schemeClr val="tx1"/>
+          </a:fontRef>
+        </p:style>
+      </p:cxnSp>
+      <p:sp>
+        <p:nvSpPr>
+          <p:cNvPr id="180" name="Rectangle 179">
+            <a:extLst>
+              <a:ext uri="{FF2B5EF4-FFF2-40B4-BE49-F238E27FC236}">
+                <a16:creationId xmlns:a16="http://schemas.microsoft.com/office/drawing/2014/main" id="{76B34665-9CF3-3C1B-0FC5-894401AC5428}"/>
+              </a:ext>
+            </a:extLst>
+          </p:cNvPr>
+          <p:cNvSpPr/>
+          <p:nvPr/>
+        </p:nvSpPr>
+        <p:spPr>
+          <a:xfrm>
+            <a:off x="9270237" y="2074603"/>
+            <a:ext cx="803139" cy="293723"/>
+          </a:xfrm>
+          <a:prstGeom prst="rect">
+            <a:avLst/>
+          </a:prstGeom>
+          <a:noFill/>
+          <a:ln>
+            <a:noFill/>
+          </a:ln>
+        </p:spPr>
+        <p:style>
+          <a:lnRef idx="2">
+            <a:schemeClr val="accent1">
+              <a:shade val="50000"/>
+            </a:schemeClr>
+          </a:lnRef>
+          <a:fillRef idx="1">
+            <a:schemeClr val="accent1"/>
+          </a:fillRef>
+          <a:effectRef idx="0">
+            <a:schemeClr val="accent1"/>
+          </a:effectRef>
+          <a:fontRef idx="minor">
+            <a:schemeClr val="lt1"/>
+          </a:fontRef>
+        </p:style>
+        <p:txBody>
+          <a:bodyPr rtlCol="0" anchor="ctr"/>
+          <a:lstStyle/>
+          <a:p>
+            <a:r>
+              <a:rPr lang="en-US" sz="1100" b="1" dirty="0">
+                <a:solidFill>
+                  <a:srgbClr val="002060"/>
+                </a:solidFill>
+              </a:rPr>
+              <a:t>PLC2 Q0.1</a:t>
+            </a:r>
+          </a:p>
+          <a:p>
+            <a:r>
+              <a:rPr lang="en-US" sz="1100" b="1" dirty="0">
+                <a:solidFill>
+                  <a:srgbClr val="002060"/>
+                </a:solidFill>
+              </a:rPr>
+              <a:t>S-cc-3</a:t>
+            </a:r>
+            <a:endParaRPr lang="en-SG" sz="1100" b="1" dirty="0">
+              <a:solidFill>
+                <a:srgbClr val="002060"/>
+              </a:solidFill>
+            </a:endParaRPr>
+          </a:p>
+        </p:txBody>
+      </p:sp>
+      <p:cxnSp>
+        <p:nvCxnSpPr>
+          <p:cNvPr id="181" name="Straight Connector 180">
+            <a:extLst>
+              <a:ext uri="{FF2B5EF4-FFF2-40B4-BE49-F238E27FC236}">
+                <a16:creationId xmlns:a16="http://schemas.microsoft.com/office/drawing/2014/main" id="{D8FF51FC-4FE4-2C61-2702-05EF61B7603A}"/>
+              </a:ext>
+            </a:extLst>
+          </p:cNvPr>
+          <p:cNvCxnSpPr>
+            <a:cxnSpLocks/>
+          </p:cNvCxnSpPr>
+          <p:nvPr/>
+        </p:nvCxnSpPr>
+        <p:spPr>
+          <a:xfrm>
+            <a:off x="2519581" y="1838397"/>
+            <a:ext cx="5758030" cy="1302795"/>
+          </a:xfrm>
+          <a:prstGeom prst="line">
+            <a:avLst/>
+          </a:prstGeom>
+        </p:spPr>
+        <p:style>
+          <a:lnRef idx="1">
+            <a:schemeClr val="accent1"/>
+          </a:lnRef>
+          <a:fillRef idx="0">
+            <a:schemeClr val="accent1"/>
+          </a:fillRef>
+          <a:effectRef idx="0">
+            <a:schemeClr val="accent1"/>
+          </a:effectRef>
+          <a:fontRef idx="minor">
+            <a:schemeClr val="tx1"/>
+          </a:fontRef>
+        </p:style>
+      </p:cxnSp>
+      <p:cxnSp>
+        <p:nvCxnSpPr>
+          <p:cNvPr id="184" name="Straight Connector 183">
+            <a:extLst>
+              <a:ext uri="{FF2B5EF4-FFF2-40B4-BE49-F238E27FC236}">
+                <a16:creationId xmlns:a16="http://schemas.microsoft.com/office/drawing/2014/main" id="{2B40BBEC-E7CF-552E-28C0-110BAA4D951C}"/>
+              </a:ext>
+            </a:extLst>
+          </p:cNvPr>
+          <p:cNvCxnSpPr>
+            <a:cxnSpLocks/>
+          </p:cNvCxnSpPr>
+          <p:nvPr/>
+        </p:nvCxnSpPr>
+        <p:spPr>
+          <a:xfrm>
+            <a:off x="2502757" y="2710485"/>
+            <a:ext cx="5800204" cy="430707"/>
+          </a:xfrm>
+          <a:prstGeom prst="line">
+            <a:avLst/>
+          </a:prstGeom>
+        </p:spPr>
+        <p:style>
+          <a:lnRef idx="1">
+            <a:schemeClr val="accent1"/>
+          </a:lnRef>
+          <a:fillRef idx="0">
+            <a:schemeClr val="accent1"/>
+          </a:fillRef>
+          <a:effectRef idx="0">
+            <a:schemeClr val="accent1"/>
+          </a:effectRef>
+          <a:fontRef idx="minor">
+            <a:schemeClr val="tx1"/>
+          </a:fontRef>
+        </p:style>
+      </p:cxnSp>
+      <p:cxnSp>
+        <p:nvCxnSpPr>
+          <p:cNvPr id="187" name="Straight Connector 186">
+            <a:extLst>
+              <a:ext uri="{FF2B5EF4-FFF2-40B4-BE49-F238E27FC236}">
+                <a16:creationId xmlns:a16="http://schemas.microsoft.com/office/drawing/2014/main" id="{7D64EB99-B441-B5D7-9C92-CE0A7F77ACAD}"/>
+              </a:ext>
+            </a:extLst>
+          </p:cNvPr>
+          <p:cNvCxnSpPr>
+            <a:cxnSpLocks/>
+          </p:cNvCxnSpPr>
+          <p:nvPr/>
+        </p:nvCxnSpPr>
+        <p:spPr>
+          <a:xfrm>
+            <a:off x="2502757" y="2007314"/>
+            <a:ext cx="5774854" cy="1406582"/>
+          </a:xfrm>
+          <a:prstGeom prst="line">
+            <a:avLst/>
+          </a:prstGeom>
+        </p:spPr>
+        <p:style>
+          <a:lnRef idx="1">
+            <a:schemeClr val="dk1"/>
+          </a:lnRef>
+          <a:fillRef idx="0">
+            <a:schemeClr val="dk1"/>
+          </a:fillRef>
+          <a:effectRef idx="0">
+            <a:schemeClr val="dk1"/>
+          </a:effectRef>
+          <a:fontRef idx="minor">
+            <a:schemeClr val="tx1"/>
+          </a:fontRef>
+        </p:style>
+      </p:cxnSp>
+      <p:cxnSp>
+        <p:nvCxnSpPr>
+          <p:cNvPr id="190" name="Straight Connector 189">
+            <a:extLst>
+              <a:ext uri="{FF2B5EF4-FFF2-40B4-BE49-F238E27FC236}">
+                <a16:creationId xmlns:a16="http://schemas.microsoft.com/office/drawing/2014/main" id="{16108C68-534C-1772-24A3-D0D5D2ADE2C6}"/>
+              </a:ext>
+            </a:extLst>
+          </p:cNvPr>
+          <p:cNvCxnSpPr>
+            <a:cxnSpLocks/>
+          </p:cNvCxnSpPr>
+          <p:nvPr/>
+        </p:nvCxnSpPr>
+        <p:spPr>
+          <a:xfrm>
+            <a:off x="2511003" y="2847469"/>
+            <a:ext cx="5791958" cy="581531"/>
+          </a:xfrm>
+          <a:prstGeom prst="line">
+            <a:avLst/>
+          </a:prstGeom>
+        </p:spPr>
+        <p:style>
+          <a:lnRef idx="1">
+            <a:schemeClr val="dk1"/>
+          </a:lnRef>
+          <a:fillRef idx="0">
+            <a:schemeClr val="dk1"/>
+          </a:fillRef>
+          <a:effectRef idx="0">
+            <a:schemeClr val="dk1"/>
+          </a:effectRef>
+          <a:fontRef idx="minor">
+            <a:schemeClr val="tx1"/>
+          </a:fontRef>
+        </p:style>
+      </p:cxnSp>
+      <p:sp>
+        <p:nvSpPr>
+          <p:cNvPr id="193" name="Rectangle 192">
+            <a:extLst>
+              <a:ext uri="{FF2B5EF4-FFF2-40B4-BE49-F238E27FC236}">
+                <a16:creationId xmlns:a16="http://schemas.microsoft.com/office/drawing/2014/main" id="{7397F540-3544-319D-2602-494A81D8B991}"/>
+              </a:ext>
+            </a:extLst>
+          </p:cNvPr>
+          <p:cNvSpPr/>
+          <p:nvPr/>
+        </p:nvSpPr>
+        <p:spPr>
+          <a:xfrm>
+            <a:off x="9359276" y="3047763"/>
+            <a:ext cx="803139" cy="293723"/>
+          </a:xfrm>
+          <a:prstGeom prst="rect">
+            <a:avLst/>
+          </a:prstGeom>
+          <a:noFill/>
+          <a:ln>
+            <a:noFill/>
+          </a:ln>
+        </p:spPr>
+        <p:style>
+          <a:lnRef idx="2">
+            <a:schemeClr val="accent1">
+              <a:shade val="50000"/>
+            </a:schemeClr>
+          </a:lnRef>
+          <a:fillRef idx="1">
+            <a:schemeClr val="accent1"/>
+          </a:fillRef>
+          <a:effectRef idx="0">
+            <a:schemeClr val="accent1"/>
+          </a:effectRef>
+          <a:fontRef idx="minor">
+            <a:schemeClr val="lt1"/>
+          </a:fontRef>
+        </p:style>
+        <p:txBody>
+          <a:bodyPr rtlCol="0" anchor="ctr"/>
+          <a:lstStyle/>
+          <a:p>
+            <a:r>
+              <a:rPr lang="en-US" sz="1100" b="1" dirty="0">
+                <a:solidFill>
+                  <a:srgbClr val="002060"/>
+                </a:solidFill>
+              </a:rPr>
+              <a:t>PLC2 Q0.2</a:t>
+            </a:r>
+          </a:p>
+          <a:p>
+            <a:r>
+              <a:rPr lang="en-US" sz="1100" b="1" dirty="0">
+                <a:solidFill>
+                  <a:srgbClr val="002060"/>
+                </a:solidFill>
+              </a:rPr>
+              <a:t>S-cc-4</a:t>
+            </a:r>
+            <a:endParaRPr lang="en-SG" sz="1100" b="1" dirty="0">
+              <a:solidFill>
+                <a:srgbClr val="002060"/>
+              </a:solidFill>
+            </a:endParaRPr>
+          </a:p>
+        </p:txBody>
+      </p:sp>
+      <p:cxnSp>
+        <p:nvCxnSpPr>
+          <p:cNvPr id="194" name="Straight Connector 193">
+            <a:extLst>
+              <a:ext uri="{FF2B5EF4-FFF2-40B4-BE49-F238E27FC236}">
+                <a16:creationId xmlns:a16="http://schemas.microsoft.com/office/drawing/2014/main" id="{4D28DF08-CF7B-2336-E420-54F2D22426DD}"/>
+              </a:ext>
+            </a:extLst>
+          </p:cNvPr>
+          <p:cNvCxnSpPr>
+            <a:cxnSpLocks/>
+          </p:cNvCxnSpPr>
+          <p:nvPr/>
+        </p:nvCxnSpPr>
+        <p:spPr>
+          <a:xfrm>
+            <a:off x="2524177" y="1564990"/>
+            <a:ext cx="5761454" cy="2387078"/>
+          </a:xfrm>
+          <a:prstGeom prst="line">
+            <a:avLst/>
+          </a:prstGeom>
+        </p:spPr>
+        <p:style>
+          <a:lnRef idx="1">
+            <a:schemeClr val="accent1"/>
+          </a:lnRef>
+          <a:fillRef idx="0">
+            <a:schemeClr val="accent1"/>
+          </a:fillRef>
+          <a:effectRef idx="0">
+            <a:schemeClr val="accent1"/>
+          </a:effectRef>
+          <a:fontRef idx="minor">
+            <a:schemeClr val="tx1"/>
+          </a:fontRef>
+        </p:style>
+      </p:cxnSp>
+      <p:cxnSp>
+        <p:nvCxnSpPr>
+          <p:cNvPr id="198" name="Straight Connector 197">
+            <a:extLst>
+              <a:ext uri="{FF2B5EF4-FFF2-40B4-BE49-F238E27FC236}">
+                <a16:creationId xmlns:a16="http://schemas.microsoft.com/office/drawing/2014/main" id="{8CA05DD2-FA4B-4917-D9C7-C2157995E9D4}"/>
+              </a:ext>
+            </a:extLst>
+          </p:cNvPr>
+          <p:cNvCxnSpPr>
+            <a:cxnSpLocks/>
+          </p:cNvCxnSpPr>
+          <p:nvPr/>
+        </p:nvCxnSpPr>
+        <p:spPr>
+          <a:xfrm>
+            <a:off x="2514417" y="3010965"/>
+            <a:ext cx="5815017" cy="986604"/>
+          </a:xfrm>
+          <a:prstGeom prst="line">
+            <a:avLst/>
+          </a:prstGeom>
+        </p:spPr>
+        <p:style>
+          <a:lnRef idx="1">
+            <a:schemeClr val="accent1"/>
+          </a:lnRef>
+          <a:fillRef idx="0">
+            <a:schemeClr val="accent1"/>
+          </a:fillRef>
+          <a:effectRef idx="0">
+            <a:schemeClr val="accent1"/>
+          </a:effectRef>
+          <a:fontRef idx="minor">
+            <a:schemeClr val="tx1"/>
+          </a:fontRef>
+        </p:style>
+      </p:cxnSp>
+      <p:cxnSp>
+        <p:nvCxnSpPr>
+          <p:cNvPr id="201" name="Straight Connector 200">
+            <a:extLst>
+              <a:ext uri="{FF2B5EF4-FFF2-40B4-BE49-F238E27FC236}">
+                <a16:creationId xmlns:a16="http://schemas.microsoft.com/office/drawing/2014/main" id="{2439895D-CD5E-095B-4D53-509009C4636F}"/>
+              </a:ext>
+            </a:extLst>
+          </p:cNvPr>
+          <p:cNvCxnSpPr>
+            <a:cxnSpLocks/>
+          </p:cNvCxnSpPr>
+          <p:nvPr/>
+        </p:nvCxnSpPr>
+        <p:spPr>
+          <a:xfrm>
+            <a:off x="2521436" y="1707658"/>
+            <a:ext cx="5691326" cy="2520498"/>
+          </a:xfrm>
+          <a:prstGeom prst="line">
+            <a:avLst/>
+          </a:prstGeom>
+        </p:spPr>
+        <p:style>
+          <a:lnRef idx="1">
+            <a:schemeClr val="dk1"/>
+          </a:lnRef>
+          <a:fillRef idx="0">
+            <a:schemeClr val="dk1"/>
+          </a:fillRef>
+          <a:effectRef idx="0">
+            <a:schemeClr val="dk1"/>
+          </a:effectRef>
+          <a:fontRef idx="minor">
+            <a:schemeClr val="tx1"/>
+          </a:fontRef>
+        </p:style>
+      </p:cxnSp>
+      <p:cxnSp>
+        <p:nvCxnSpPr>
+          <p:cNvPr id="204" name="Straight Connector 203">
+            <a:extLst>
+              <a:ext uri="{FF2B5EF4-FFF2-40B4-BE49-F238E27FC236}">
+                <a16:creationId xmlns:a16="http://schemas.microsoft.com/office/drawing/2014/main" id="{BCF353B9-33F8-5F0E-0536-61C4D4F3E52F}"/>
+              </a:ext>
+            </a:extLst>
+          </p:cNvPr>
+          <p:cNvCxnSpPr>
+            <a:cxnSpLocks/>
+          </p:cNvCxnSpPr>
+          <p:nvPr/>
+        </p:nvCxnSpPr>
+        <p:spPr>
+          <a:xfrm>
+            <a:off x="2476193" y="3125409"/>
+            <a:ext cx="5736569" cy="1113978"/>
+          </a:xfrm>
+          <a:prstGeom prst="line">
+            <a:avLst/>
+          </a:prstGeom>
+        </p:spPr>
+        <p:style>
+          <a:lnRef idx="1">
+            <a:schemeClr val="dk1"/>
+          </a:lnRef>
+          <a:fillRef idx="0">
+            <a:schemeClr val="dk1"/>
+          </a:fillRef>
+          <a:effectRef idx="0">
+            <a:schemeClr val="dk1"/>
+          </a:effectRef>
+          <a:fontRef idx="minor">
+            <a:schemeClr val="tx1"/>
+          </a:fontRef>
+        </p:style>
+      </p:cxnSp>
+      <p:cxnSp>
+        <p:nvCxnSpPr>
+          <p:cNvPr id="207" name="Straight Connector 206">
+            <a:extLst>
+              <a:ext uri="{FF2B5EF4-FFF2-40B4-BE49-F238E27FC236}">
+                <a16:creationId xmlns:a16="http://schemas.microsoft.com/office/drawing/2014/main" id="{ABA1A9DD-F616-E5D8-FD75-2742CC35FC63}"/>
+              </a:ext>
+            </a:extLst>
+          </p:cNvPr>
+          <p:cNvCxnSpPr>
+            <a:cxnSpLocks/>
+          </p:cNvCxnSpPr>
+          <p:nvPr/>
+        </p:nvCxnSpPr>
+        <p:spPr>
+          <a:xfrm>
+            <a:off x="2519996" y="1288151"/>
+            <a:ext cx="5828596" cy="3611241"/>
+          </a:xfrm>
+          <a:prstGeom prst="line">
+            <a:avLst/>
+          </a:prstGeom>
+        </p:spPr>
+        <p:style>
+          <a:lnRef idx="1">
+            <a:schemeClr val="accent1"/>
+          </a:lnRef>
+          <a:fillRef idx="0">
+            <a:schemeClr val="accent1"/>
+          </a:fillRef>
+          <a:effectRef idx="0">
+            <a:schemeClr val="accent1"/>
+          </a:effectRef>
+          <a:fontRef idx="minor">
+            <a:schemeClr val="tx1"/>
+          </a:fontRef>
+        </p:style>
+      </p:cxnSp>
+      <p:cxnSp>
+        <p:nvCxnSpPr>
+          <p:cNvPr id="210" name="Straight Connector 209">
+            <a:extLst>
+              <a:ext uri="{FF2B5EF4-FFF2-40B4-BE49-F238E27FC236}">
+                <a16:creationId xmlns:a16="http://schemas.microsoft.com/office/drawing/2014/main" id="{B1967B4C-D969-3443-5CFB-92355C408370}"/>
+              </a:ext>
+            </a:extLst>
+          </p:cNvPr>
+          <p:cNvCxnSpPr>
+            <a:cxnSpLocks/>
+          </p:cNvCxnSpPr>
+          <p:nvPr/>
+        </p:nvCxnSpPr>
+        <p:spPr>
+          <a:xfrm>
+            <a:off x="2502661" y="3292036"/>
+            <a:ext cx="5843597" cy="1611456"/>
+          </a:xfrm>
+          <a:prstGeom prst="line">
+            <a:avLst/>
+          </a:prstGeom>
+        </p:spPr>
+        <p:style>
+          <a:lnRef idx="1">
+            <a:schemeClr val="accent1"/>
+          </a:lnRef>
+          <a:fillRef idx="0">
+            <a:schemeClr val="accent1"/>
+          </a:fillRef>
+          <a:effectRef idx="0">
+            <a:schemeClr val="accent1"/>
+          </a:effectRef>
+          <a:fontRef idx="minor">
+            <a:schemeClr val="tx1"/>
+          </a:fontRef>
+        </p:style>
+      </p:cxnSp>
+      <p:cxnSp>
+        <p:nvCxnSpPr>
+          <p:cNvPr id="213" name="Straight Connector 212">
+            <a:extLst>
+              <a:ext uri="{FF2B5EF4-FFF2-40B4-BE49-F238E27FC236}">
+                <a16:creationId xmlns:a16="http://schemas.microsoft.com/office/drawing/2014/main" id="{177868AC-9104-AD37-4674-FCCC9F23A5EE}"/>
+              </a:ext>
+            </a:extLst>
+          </p:cNvPr>
+          <p:cNvCxnSpPr>
+            <a:cxnSpLocks/>
+          </p:cNvCxnSpPr>
+          <p:nvPr/>
+        </p:nvCxnSpPr>
+        <p:spPr>
+          <a:xfrm>
+            <a:off x="2508443" y="1420517"/>
+            <a:ext cx="5833148" cy="3744493"/>
+          </a:xfrm>
+          <a:prstGeom prst="line">
+            <a:avLst/>
+          </a:prstGeom>
+        </p:spPr>
+        <p:style>
+          <a:lnRef idx="1">
+            <a:schemeClr val="dk1"/>
+          </a:lnRef>
+          <a:fillRef idx="0">
+            <a:schemeClr val="dk1"/>
+          </a:fillRef>
+          <a:effectRef idx="0">
+            <a:schemeClr val="dk1"/>
+          </a:effectRef>
+          <a:fontRef idx="minor">
+            <a:schemeClr val="tx1"/>
+          </a:fontRef>
+        </p:style>
+      </p:cxnSp>
+      <p:cxnSp>
+        <p:nvCxnSpPr>
+          <p:cNvPr id="216" name="Straight Connector 215">
+            <a:extLst>
+              <a:ext uri="{FF2B5EF4-FFF2-40B4-BE49-F238E27FC236}">
+                <a16:creationId xmlns:a16="http://schemas.microsoft.com/office/drawing/2014/main" id="{CBBE7A2D-E0D8-9B12-0A67-468D42B07EB3}"/>
+              </a:ext>
+            </a:extLst>
+          </p:cNvPr>
+          <p:cNvCxnSpPr>
+            <a:cxnSpLocks/>
+          </p:cNvCxnSpPr>
+          <p:nvPr/>
+        </p:nvCxnSpPr>
+        <p:spPr>
+          <a:xfrm>
+            <a:off x="2521436" y="3427896"/>
+            <a:ext cx="5797853" cy="1747300"/>
+          </a:xfrm>
+          <a:prstGeom prst="line">
+            <a:avLst/>
+          </a:prstGeom>
+        </p:spPr>
+        <p:style>
+          <a:lnRef idx="1">
+            <a:schemeClr val="dk1"/>
+          </a:lnRef>
+          <a:fillRef idx="0">
+            <a:schemeClr val="dk1"/>
+          </a:fillRef>
+          <a:effectRef idx="0">
+            <a:schemeClr val="dk1"/>
+          </a:effectRef>
+          <a:fontRef idx="minor">
+            <a:schemeClr val="tx1"/>
+          </a:fontRef>
+        </p:style>
+      </p:cxnSp>
+      <p:sp>
+        <p:nvSpPr>
+          <p:cNvPr id="219" name="Rectangle 218">
+            <a:extLst>
+              <a:ext uri="{FF2B5EF4-FFF2-40B4-BE49-F238E27FC236}">
+                <a16:creationId xmlns:a16="http://schemas.microsoft.com/office/drawing/2014/main" id="{A1F51FF1-EBAA-943C-28A8-236465743958}"/>
+              </a:ext>
+            </a:extLst>
+          </p:cNvPr>
+          <p:cNvSpPr/>
+          <p:nvPr/>
+        </p:nvSpPr>
+        <p:spPr>
+          <a:xfrm>
+            <a:off x="9270237" y="3823112"/>
+            <a:ext cx="803139" cy="293723"/>
+          </a:xfrm>
+          <a:prstGeom prst="rect">
+            <a:avLst/>
+          </a:prstGeom>
+          <a:noFill/>
+          <a:ln>
+            <a:noFill/>
+          </a:ln>
+        </p:spPr>
+        <p:style>
+          <a:lnRef idx="2">
+            <a:schemeClr val="accent1">
+              <a:shade val="50000"/>
+            </a:schemeClr>
+          </a:lnRef>
+          <a:fillRef idx="1">
+            <a:schemeClr val="accent1"/>
+          </a:fillRef>
+          <a:effectRef idx="0">
+            <a:schemeClr val="accent1"/>
+          </a:effectRef>
+          <a:fontRef idx="minor">
+            <a:schemeClr val="lt1"/>
+          </a:fontRef>
+        </p:style>
+        <p:txBody>
+          <a:bodyPr rtlCol="0" anchor="ctr"/>
+          <a:lstStyle/>
+          <a:p>
+            <a:r>
+              <a:rPr lang="en-US" sz="1100" b="1" dirty="0">
+                <a:solidFill>
+                  <a:srgbClr val="002060"/>
+                </a:solidFill>
+              </a:rPr>
+              <a:t>PLC2 Q0.3</a:t>
+            </a:r>
+          </a:p>
+          <a:p>
+            <a:r>
+              <a:rPr lang="en-US" sz="1100" b="1" dirty="0">
+                <a:solidFill>
+                  <a:srgbClr val="002060"/>
+                </a:solidFill>
+              </a:rPr>
+              <a:t>S-cc-5</a:t>
+            </a:r>
+            <a:endParaRPr lang="en-SG" sz="1100" b="1" dirty="0">
+              <a:solidFill>
+                <a:srgbClr val="002060"/>
+              </a:solidFill>
+            </a:endParaRPr>
+          </a:p>
+        </p:txBody>
+      </p:sp>
+      <p:sp>
+        <p:nvSpPr>
+          <p:cNvPr id="220" name="Rectangle 219">
+            <a:extLst>
+              <a:ext uri="{FF2B5EF4-FFF2-40B4-BE49-F238E27FC236}">
+                <a16:creationId xmlns:a16="http://schemas.microsoft.com/office/drawing/2014/main" id="{16F606E4-F754-2878-313F-973D8A29BE76}"/>
+              </a:ext>
+            </a:extLst>
+          </p:cNvPr>
+          <p:cNvSpPr/>
+          <p:nvPr/>
+        </p:nvSpPr>
+        <p:spPr>
+          <a:xfrm>
+            <a:off x="9356577" y="4769697"/>
+            <a:ext cx="803139" cy="293723"/>
+          </a:xfrm>
+          <a:prstGeom prst="rect">
+            <a:avLst/>
+          </a:prstGeom>
+          <a:noFill/>
+          <a:ln>
+            <a:noFill/>
+          </a:ln>
+        </p:spPr>
+        <p:style>
+          <a:lnRef idx="2">
+            <a:schemeClr val="accent1">
+              <a:shade val="50000"/>
+            </a:schemeClr>
+          </a:lnRef>
+          <a:fillRef idx="1">
+            <a:schemeClr val="accent1"/>
+          </a:fillRef>
+          <a:effectRef idx="0">
+            <a:schemeClr val="accent1"/>
+          </a:effectRef>
+          <a:fontRef idx="minor">
+            <a:schemeClr val="lt1"/>
+          </a:fontRef>
+        </p:style>
+        <p:txBody>
+          <a:bodyPr rtlCol="0" anchor="ctr"/>
+          <a:lstStyle/>
+          <a:p>
+            <a:r>
+              <a:rPr lang="en-US" sz="1100" b="1" dirty="0">
+                <a:solidFill>
+                  <a:srgbClr val="002060"/>
+                </a:solidFill>
+              </a:rPr>
+              <a:t>PLC2 Q0.4</a:t>
+            </a:r>
+          </a:p>
+          <a:p>
+            <a:r>
+              <a:rPr lang="en-US" sz="1100" b="1" dirty="0">
+                <a:solidFill>
+                  <a:srgbClr val="002060"/>
+                </a:solidFill>
+              </a:rPr>
+              <a:t>S-cc-6</a:t>
+            </a:r>
+            <a:endParaRPr lang="en-SG" sz="1100" b="1" dirty="0">
+              <a:solidFill>
+                <a:srgbClr val="002060"/>
+              </a:solidFill>
+            </a:endParaRPr>
+          </a:p>
+        </p:txBody>
+      </p:sp>
+      <p:cxnSp>
+        <p:nvCxnSpPr>
+          <p:cNvPr id="224" name="Connector: Elbow 223">
+            <a:extLst>
+              <a:ext uri="{FF2B5EF4-FFF2-40B4-BE49-F238E27FC236}">
+                <a16:creationId xmlns:a16="http://schemas.microsoft.com/office/drawing/2014/main" id="{5DFEC2E2-0B25-F967-291E-99D2519209F5}"/>
+              </a:ext>
+            </a:extLst>
+          </p:cNvPr>
+          <p:cNvCxnSpPr>
+            <a:cxnSpLocks/>
+            <a:endCxn id="227" idx="1"/>
+          </p:cNvCxnSpPr>
+          <p:nvPr/>
+        </p:nvCxnSpPr>
+        <p:spPr>
+          <a:xfrm rot="16200000" flipH="1">
+            <a:off x="8406950" y="5499266"/>
+            <a:ext cx="757322" cy="428976"/>
+          </a:xfrm>
+          <a:prstGeom prst="bentConnector2">
+            <a:avLst/>
+          </a:prstGeom>
+          <a:ln>
+            <a:solidFill>
+              <a:srgbClr val="00B050"/>
+            </a:solidFill>
+            <a:tailEnd type="triangle"/>
+          </a:ln>
+        </p:spPr>
+        <p:style>
+          <a:lnRef idx="1">
+            <a:schemeClr val="accent1"/>
+          </a:lnRef>
+          <a:fillRef idx="0">
+            <a:schemeClr val="accent1"/>
+          </a:fillRef>
+          <a:effectRef idx="0">
+            <a:schemeClr val="accent1"/>
+          </a:effectRef>
+          <a:fontRef idx="minor">
+            <a:schemeClr val="tx1"/>
+          </a:fontRef>
+        </p:style>
+      </p:cxnSp>
+      <p:pic>
+        <p:nvPicPr>
+          <p:cNvPr id="227" name="Picture 226" descr="A picture containing text, diagram, line, font&#10;&#10;Description automatically generated">
+            <a:extLst>
+              <a:ext uri="{FF2B5EF4-FFF2-40B4-BE49-F238E27FC236}">
+                <a16:creationId xmlns:a16="http://schemas.microsoft.com/office/drawing/2014/main" id="{0AC5FE0F-057B-55D9-85B0-13DB411D7B53}"/>
+              </a:ext>
+            </a:extLst>
+          </p:cNvPr>
+          <p:cNvPicPr>
+            <a:picLocks noChangeAspect="1"/>
+          </p:cNvPicPr>
+          <p:nvPr/>
+        </p:nvPicPr>
+        <p:blipFill>
+          <a:blip r:embed="rId6">
+            <a:extLst>
+              <a:ext uri="{28A0092B-C50C-407E-A947-70E740481C1C}">
+                <a14:useLocalDpi xmlns:a14="http://schemas.microsoft.com/office/drawing/2010/main" val="0"/>
+              </a:ext>
+            </a:extLst>
+          </a:blip>
+          <a:stretch>
+            <a:fillRect/>
+          </a:stretch>
+        </p:blipFill>
+        <p:spPr>
+          <a:xfrm>
+            <a:off x="9000099" y="5460516"/>
+            <a:ext cx="2997601" cy="1263797"/>
+          </a:xfrm>
+          <a:prstGeom prst="rect">
+            <a:avLst/>
+          </a:prstGeom>
+          <a:ln w="12700">
+            <a:solidFill>
+              <a:schemeClr val="tx1"/>
+            </a:solidFill>
+          </a:ln>
+        </p:spPr>
+      </p:pic>
+      <p:sp>
+        <p:nvSpPr>
+          <p:cNvPr id="231" name="TextBox 230">
+            <a:extLst>
+              <a:ext uri="{FF2B5EF4-FFF2-40B4-BE49-F238E27FC236}">
+                <a16:creationId xmlns:a16="http://schemas.microsoft.com/office/drawing/2014/main" id="{F2CC4269-10CC-E80F-6A9D-EC91E73E4004}"/>
+              </a:ext>
+            </a:extLst>
+          </p:cNvPr>
+          <p:cNvSpPr txBox="1"/>
+          <p:nvPr/>
+        </p:nvSpPr>
+        <p:spPr>
+          <a:xfrm>
+            <a:off x="10163162" y="3487111"/>
+            <a:ext cx="1743065" cy="2185214"/>
+          </a:xfrm>
+          <a:prstGeom prst="rect">
+            <a:avLst/>
+          </a:prstGeom>
+          <a:noFill/>
+        </p:spPr>
+        <p:txBody>
+          <a:bodyPr wrap="square" rtlCol="0">
+            <a:spAutoFit/>
+          </a:bodyPr>
+          <a:lstStyle/>
+          <a:p>
+            <a:r>
+              <a:rPr lang="en-US" sz="1200" b="1" dirty="0"/>
+              <a:t>Ladder Diagram  set information</a:t>
+            </a:r>
+            <a:r>
+              <a:rPr lang="en-US" sz="1200" dirty="0"/>
+              <a:t>: </a:t>
+            </a:r>
+          </a:p>
+          <a:p>
+            <a:endParaRPr lang="en-US" sz="1200" dirty="0"/>
+          </a:p>
+          <a:p>
+            <a:pPr marL="171450" indent="-171450">
+              <a:buFont typeface="Arial" panose="020B0604020202020204" pitchFamily="34" charset="0"/>
+              <a:buChar char="•"/>
+            </a:pPr>
+            <a:r>
+              <a:rPr lang="en-US" sz="1200" dirty="0"/>
+              <a:t>PLC number: 3</a:t>
+            </a:r>
+          </a:p>
+          <a:p>
+            <a:pPr marL="171450" indent="-171450">
+              <a:buFont typeface="Arial" panose="020B0604020202020204" pitchFamily="34" charset="0"/>
+              <a:buChar char="•"/>
+            </a:pPr>
+            <a:r>
+              <a:rPr lang="en-US" sz="1200" dirty="0"/>
+              <a:t>Holding register: 39</a:t>
+            </a:r>
+          </a:p>
+          <a:p>
+            <a:pPr marL="171450" indent="-171450">
+              <a:buFont typeface="Arial" panose="020B0604020202020204" pitchFamily="34" charset="0"/>
+              <a:buChar char="•"/>
+            </a:pPr>
+            <a:r>
+              <a:rPr lang="en-US" sz="1200" dirty="0"/>
+              <a:t>Coil: 19</a:t>
+            </a:r>
+          </a:p>
+          <a:p>
+            <a:pPr marL="171450" indent="-171450">
+              <a:buFont typeface="Arial" panose="020B0604020202020204" pitchFamily="34" charset="0"/>
+              <a:buChar char="•"/>
+            </a:pPr>
+            <a:r>
+              <a:rPr lang="en-US" sz="1200" dirty="0"/>
+              <a:t>Total ladder diagram: 19</a:t>
+            </a:r>
+          </a:p>
+          <a:p>
+            <a:pPr marL="171450" indent="-171450">
+              <a:buFont typeface="Arial" panose="020B0604020202020204" pitchFamily="34" charset="0"/>
+              <a:buChar char="•"/>
+            </a:pPr>
+            <a:r>
+              <a:rPr lang="en-US" sz="1200" dirty="0"/>
+              <a:t>Ladder diagram detail: </a:t>
+            </a:r>
+          </a:p>
+          <a:p>
+            <a:endParaRPr lang="en-US" sz="1400" dirty="0">
+              <a:solidFill>
+                <a:srgbClr val="002060"/>
+              </a:solidFill>
+            </a:endParaRPr>
+          </a:p>
+          <a:p>
+            <a:endParaRPr lang="en-SG" sz="1400" dirty="0">
+              <a:solidFill>
+                <a:srgbClr val="002060"/>
+              </a:solidFill>
+            </a:endParaRPr>
+          </a:p>
+        </p:txBody>
+      </p:sp>
+      <p:sp>
+        <p:nvSpPr>
+          <p:cNvPr id="237" name="TextBox 236">
+            <a:extLst>
+              <a:ext uri="{FF2B5EF4-FFF2-40B4-BE49-F238E27FC236}">
+                <a16:creationId xmlns:a16="http://schemas.microsoft.com/office/drawing/2014/main" id="{EE2A03A0-8094-1C2F-94F1-63CC9B54F3F2}"/>
+              </a:ext>
+            </a:extLst>
+          </p:cNvPr>
+          <p:cNvSpPr txBox="1"/>
+          <p:nvPr/>
+        </p:nvSpPr>
+        <p:spPr>
+          <a:xfrm>
+            <a:off x="234346" y="185682"/>
+            <a:ext cx="3324583" cy="307777"/>
+          </a:xfrm>
+          <a:prstGeom prst="rect">
+            <a:avLst/>
+          </a:prstGeom>
+          <a:noFill/>
+        </p:spPr>
+        <p:txBody>
+          <a:bodyPr wrap="square" rtlCol="0">
+            <a:spAutoFit/>
+          </a:bodyPr>
+          <a:lstStyle/>
+          <a:p>
+            <a:r>
+              <a:rPr lang="en-US" sz="1400" b="1" dirty="0"/>
+              <a:t>Railway Signal System PLC set ladder logic </a:t>
+            </a:r>
+            <a:endParaRPr lang="en-SG" sz="1400" b="1" dirty="0"/>
+          </a:p>
+        </p:txBody>
+      </p:sp>
+    </p:spTree>
+    <p:extLst>
+      <p:ext uri="{BB962C8B-B14F-4D97-AF65-F5344CB8AC3E}">
+        <p14:creationId xmlns:p14="http://schemas.microsoft.com/office/powerpoint/2010/main" val="1497523791"/>
+      </p:ext>
+    </p:extLst>
+  </p:cSld>
+  <p:clrMapOvr>
+    <a:masterClrMapping/>
+  </p:clrMapOvr>
+</p:sld>
+</file>
+
+<file path=ppt/slides/slide26.xml><?xml version="1.0" encoding="utf-8"?>
+<p:sld xmlns:a="http://schemas.openxmlformats.org/drawingml/2006/main" xmlns:r="http://schemas.openxmlformats.org/officeDocument/2006/relationships" xmlns:p="http://schemas.openxmlformats.org/presentationml/2006/main">
+  <p:cSld>
+    <p:spTree>
+      <p:nvGrpSpPr>
+        <p:cNvPr id="1" name=""/>
+        <p:cNvGrpSpPr/>
+        <p:nvPr/>
+      </p:nvGrpSpPr>
+      <p:grpSpPr>
+        <a:xfrm>
+          <a:off x="0" y="0"/>
+          <a:ext cx="0" cy="0"/>
+          <a:chOff x="0" y="0"/>
+          <a:chExt cx="0" cy="0"/>
+        </a:xfrm>
+      </p:grpSpPr>
       <p:pic>
         <p:nvPicPr>
           <p:cNvPr id="5" name="Picture 4">
@@ -39184,7 +39756,7 @@
 </p:sld>
 </file>
 
-<file path=ppt/slides/slide26.xml><?xml version="1.0" encoding="utf-8"?>
+<file path=ppt/slides/slide27.xml><?xml version="1.0" encoding="utf-8"?>
 <p:sld xmlns:a="http://schemas.openxmlformats.org/drawingml/2006/main" xmlns:r="http://schemas.openxmlformats.org/officeDocument/2006/relationships" xmlns:p="http://schemas.openxmlformats.org/presentationml/2006/main">
   <p:cSld>
     <p:spTree>

--- a/doc/designDoc.pptx
+++ b/doc/designDoc.pptx
@@ -223,7 +223,7 @@
           <a:p>
             <a:fld id="{C0790970-3005-464C-B0F1-2C170134C482}" type="datetimeFigureOut">
               <a:rPr lang="en-SG" smtClean="0"/>
-              <a:t>7/10/2023</a:t>
+              <a:t>20/12/2023</a:t>
             </a:fld>
             <a:endParaRPr lang="en-SG"/>
           </a:p>
@@ -1060,7 +1060,7 @@
           <a:p>
             <a:fld id="{F949A3E6-ADCC-4214-836D-B18BFC6F3D6C}" type="datetimeFigureOut">
               <a:rPr lang="en-SG" smtClean="0"/>
-              <a:t>7/10/2023</a:t>
+              <a:t>20/12/2023</a:t>
             </a:fld>
             <a:endParaRPr lang="en-SG"/>
           </a:p>
@@ -1260,7 +1260,7 @@
           <a:p>
             <a:fld id="{F949A3E6-ADCC-4214-836D-B18BFC6F3D6C}" type="datetimeFigureOut">
               <a:rPr lang="en-SG" smtClean="0"/>
-              <a:t>7/10/2023</a:t>
+              <a:t>20/12/2023</a:t>
             </a:fld>
             <a:endParaRPr lang="en-SG"/>
           </a:p>
@@ -1470,7 +1470,7 @@
           <a:p>
             <a:fld id="{F949A3E6-ADCC-4214-836D-B18BFC6F3D6C}" type="datetimeFigureOut">
               <a:rPr lang="en-SG" smtClean="0"/>
-              <a:t>7/10/2023</a:t>
+              <a:t>20/12/2023</a:t>
             </a:fld>
             <a:endParaRPr lang="en-SG"/>
           </a:p>
@@ -1670,7 +1670,7 @@
           <a:p>
             <a:fld id="{F949A3E6-ADCC-4214-836D-B18BFC6F3D6C}" type="datetimeFigureOut">
               <a:rPr lang="en-SG" smtClean="0"/>
-              <a:t>7/10/2023</a:t>
+              <a:t>20/12/2023</a:t>
             </a:fld>
             <a:endParaRPr lang="en-SG"/>
           </a:p>
@@ -1946,7 +1946,7 @@
           <a:p>
             <a:fld id="{F949A3E6-ADCC-4214-836D-B18BFC6F3D6C}" type="datetimeFigureOut">
               <a:rPr lang="en-SG" smtClean="0"/>
-              <a:t>7/10/2023</a:t>
+              <a:t>20/12/2023</a:t>
             </a:fld>
             <a:endParaRPr lang="en-SG"/>
           </a:p>
@@ -2214,7 +2214,7 @@
           <a:p>
             <a:fld id="{F949A3E6-ADCC-4214-836D-B18BFC6F3D6C}" type="datetimeFigureOut">
               <a:rPr lang="en-SG" smtClean="0"/>
-              <a:t>7/10/2023</a:t>
+              <a:t>20/12/2023</a:t>
             </a:fld>
             <a:endParaRPr lang="en-SG"/>
           </a:p>
@@ -2629,7 +2629,7 @@
           <a:p>
             <a:fld id="{F949A3E6-ADCC-4214-836D-B18BFC6F3D6C}" type="datetimeFigureOut">
               <a:rPr lang="en-SG" smtClean="0"/>
-              <a:t>7/10/2023</a:t>
+              <a:t>20/12/2023</a:t>
             </a:fld>
             <a:endParaRPr lang="en-SG"/>
           </a:p>
@@ -2771,7 +2771,7 @@
           <a:p>
             <a:fld id="{F949A3E6-ADCC-4214-836D-B18BFC6F3D6C}" type="datetimeFigureOut">
               <a:rPr lang="en-SG" smtClean="0"/>
-              <a:t>7/10/2023</a:t>
+              <a:t>20/12/2023</a:t>
             </a:fld>
             <a:endParaRPr lang="en-SG"/>
           </a:p>
@@ -2884,7 +2884,7 @@
           <a:p>
             <a:fld id="{F949A3E6-ADCC-4214-836D-B18BFC6F3D6C}" type="datetimeFigureOut">
               <a:rPr lang="en-SG" smtClean="0"/>
-              <a:t>7/10/2023</a:t>
+              <a:t>20/12/2023</a:t>
             </a:fld>
             <a:endParaRPr lang="en-SG"/>
           </a:p>
@@ -3197,7 +3197,7 @@
           <a:p>
             <a:fld id="{F949A3E6-ADCC-4214-836D-B18BFC6F3D6C}" type="datetimeFigureOut">
               <a:rPr lang="en-SG" smtClean="0"/>
-              <a:t>7/10/2023</a:t>
+              <a:t>20/12/2023</a:t>
             </a:fld>
             <a:endParaRPr lang="en-SG"/>
           </a:p>
@@ -3486,7 +3486,7 @@
           <a:p>
             <a:fld id="{F949A3E6-ADCC-4214-836D-B18BFC6F3D6C}" type="datetimeFigureOut">
               <a:rPr lang="en-SG" smtClean="0"/>
-              <a:t>7/10/2023</a:t>
+              <a:t>20/12/2023</a:t>
             </a:fld>
             <a:endParaRPr lang="en-SG"/>
           </a:p>
@@ -3729,7 +3729,7 @@
           <a:p>
             <a:fld id="{F949A3E6-ADCC-4214-836D-B18BFC6F3D6C}" type="datetimeFigureOut">
               <a:rPr lang="en-SG" smtClean="0"/>
-              <a:t>7/10/2023</a:t>
+              <a:t>20/12/2023</a:t>
             </a:fld>
             <a:endParaRPr lang="en-SG"/>
           </a:p>

--- a/doc/designDoc.pptx
+++ b/doc/designDoc.pptx
@@ -5,7 +5,7 @@
     <p:sldMasterId id="2147483648" r:id="rId1"/>
   </p:sldMasterIdLst>
   <p:notesMasterIdLst>
-    <p:notesMasterId r:id="rId29"/>
+    <p:notesMasterId r:id="rId30"/>
   </p:notesMasterIdLst>
   <p:sldIdLst>
     <p:sldId id="256" r:id="rId2"/>
@@ -35,6 +35,7 @@
     <p:sldId id="260" r:id="rId26"/>
     <p:sldId id="261" r:id="rId27"/>
     <p:sldId id="262" r:id="rId28"/>
+    <p:sldId id="283" r:id="rId29"/>
   </p:sldIdLst>
   <p:sldSz cx="12192000" cy="6858000"/>
   <p:notesSz cx="6858000" cy="9144000"/>
@@ -223,7 +224,7 @@
           <a:p>
             <a:fld id="{C0790970-3005-464C-B0F1-2C170134C482}" type="datetimeFigureOut">
               <a:rPr lang="en-SG" smtClean="0"/>
-              <a:t>20/12/2023</a:t>
+              <a:t>20/1/2024</a:t>
             </a:fld>
             <a:endParaRPr lang="en-SG"/>
           </a:p>
@@ -1060,7 +1061,7 @@
           <a:p>
             <a:fld id="{F949A3E6-ADCC-4214-836D-B18BFC6F3D6C}" type="datetimeFigureOut">
               <a:rPr lang="en-SG" smtClean="0"/>
-              <a:t>20/12/2023</a:t>
+              <a:t>20/1/2024</a:t>
             </a:fld>
             <a:endParaRPr lang="en-SG"/>
           </a:p>
@@ -1260,7 +1261,7 @@
           <a:p>
             <a:fld id="{F949A3E6-ADCC-4214-836D-B18BFC6F3D6C}" type="datetimeFigureOut">
               <a:rPr lang="en-SG" smtClean="0"/>
-              <a:t>20/12/2023</a:t>
+              <a:t>20/1/2024</a:t>
             </a:fld>
             <a:endParaRPr lang="en-SG"/>
           </a:p>
@@ -1470,7 +1471,7 @@
           <a:p>
             <a:fld id="{F949A3E6-ADCC-4214-836D-B18BFC6F3D6C}" type="datetimeFigureOut">
               <a:rPr lang="en-SG" smtClean="0"/>
-              <a:t>20/12/2023</a:t>
+              <a:t>20/1/2024</a:t>
             </a:fld>
             <a:endParaRPr lang="en-SG"/>
           </a:p>
@@ -1670,7 +1671,7 @@
           <a:p>
             <a:fld id="{F949A3E6-ADCC-4214-836D-B18BFC6F3D6C}" type="datetimeFigureOut">
               <a:rPr lang="en-SG" smtClean="0"/>
-              <a:t>20/12/2023</a:t>
+              <a:t>20/1/2024</a:t>
             </a:fld>
             <a:endParaRPr lang="en-SG"/>
           </a:p>
@@ -1946,7 +1947,7 @@
           <a:p>
             <a:fld id="{F949A3E6-ADCC-4214-836D-B18BFC6F3D6C}" type="datetimeFigureOut">
               <a:rPr lang="en-SG" smtClean="0"/>
-              <a:t>20/12/2023</a:t>
+              <a:t>20/1/2024</a:t>
             </a:fld>
             <a:endParaRPr lang="en-SG"/>
           </a:p>
@@ -2214,7 +2215,7 @@
           <a:p>
             <a:fld id="{F949A3E6-ADCC-4214-836D-B18BFC6F3D6C}" type="datetimeFigureOut">
               <a:rPr lang="en-SG" smtClean="0"/>
-              <a:t>20/12/2023</a:t>
+              <a:t>20/1/2024</a:t>
             </a:fld>
             <a:endParaRPr lang="en-SG"/>
           </a:p>
@@ -2629,7 +2630,7 @@
           <a:p>
             <a:fld id="{F949A3E6-ADCC-4214-836D-B18BFC6F3D6C}" type="datetimeFigureOut">
               <a:rPr lang="en-SG" smtClean="0"/>
-              <a:t>20/12/2023</a:t>
+              <a:t>20/1/2024</a:t>
             </a:fld>
             <a:endParaRPr lang="en-SG"/>
           </a:p>
@@ -2771,7 +2772,7 @@
           <a:p>
             <a:fld id="{F949A3E6-ADCC-4214-836D-B18BFC6F3D6C}" type="datetimeFigureOut">
               <a:rPr lang="en-SG" smtClean="0"/>
-              <a:t>20/12/2023</a:t>
+              <a:t>20/1/2024</a:t>
             </a:fld>
             <a:endParaRPr lang="en-SG"/>
           </a:p>
@@ -2884,7 +2885,7 @@
           <a:p>
             <a:fld id="{F949A3E6-ADCC-4214-836D-B18BFC6F3D6C}" type="datetimeFigureOut">
               <a:rPr lang="en-SG" smtClean="0"/>
-              <a:t>20/12/2023</a:t>
+              <a:t>20/1/2024</a:t>
             </a:fld>
             <a:endParaRPr lang="en-SG"/>
           </a:p>
@@ -3197,7 +3198,7 @@
           <a:p>
             <a:fld id="{F949A3E6-ADCC-4214-836D-B18BFC6F3D6C}" type="datetimeFigureOut">
               <a:rPr lang="en-SG" smtClean="0"/>
-              <a:t>20/12/2023</a:t>
+              <a:t>20/1/2024</a:t>
             </a:fld>
             <a:endParaRPr lang="en-SG"/>
           </a:p>
@@ -3486,7 +3487,7 @@
           <a:p>
             <a:fld id="{F949A3E6-ADCC-4214-836D-B18BFC6F3D6C}" type="datetimeFigureOut">
               <a:rPr lang="en-SG" smtClean="0"/>
-              <a:t>20/12/2023</a:t>
+              <a:t>20/1/2024</a:t>
             </a:fld>
             <a:endParaRPr lang="en-SG"/>
           </a:p>
@@ -3729,7 +3730,7 @@
           <a:p>
             <a:fld id="{F949A3E6-ADCC-4214-836D-B18BFC6F3D6C}" type="datetimeFigureOut">
               <a:rPr lang="en-SG" smtClean="0"/>
-              <a:t>20/12/2023</a:t>
+              <a:t>20/1/2024</a:t>
             </a:fld>
             <a:endParaRPr lang="en-SG"/>
           </a:p>
@@ -40335,6 +40336,1199 @@
     <p:extLst>
       <p:ext uri="{BB962C8B-B14F-4D97-AF65-F5344CB8AC3E}">
         <p14:creationId xmlns:p14="http://schemas.microsoft.com/office/powerpoint/2010/main" val="1824549572"/>
+      </p:ext>
+    </p:extLst>
+  </p:cSld>
+  <p:clrMapOvr>
+    <a:masterClrMapping/>
+  </p:clrMapOvr>
+</p:sld>
+</file>
+
+<file path=ppt/slides/slide28.xml><?xml version="1.0" encoding="utf-8"?>
+<p:sld xmlns:a="http://schemas.openxmlformats.org/drawingml/2006/main" xmlns:r="http://schemas.openxmlformats.org/officeDocument/2006/relationships" xmlns:p="http://schemas.openxmlformats.org/presentationml/2006/main">
+  <p:cSld>
+    <p:spTree>
+      <p:nvGrpSpPr>
+        <p:cNvPr id="1" name=""/>
+        <p:cNvGrpSpPr/>
+        <p:nvPr/>
+      </p:nvGrpSpPr>
+      <p:grpSpPr>
+        <a:xfrm>
+          <a:off x="0" y="0"/>
+          <a:ext cx="0" cy="0"/>
+          <a:chOff x="0" y="0"/>
+          <a:chExt cx="0" cy="0"/>
+        </a:xfrm>
+      </p:grpSpPr>
+      <p:pic>
+        <p:nvPicPr>
+          <p:cNvPr id="5" name="Picture 4" descr="A screenshot of a computer&#10;&#10;Description automatically generated">
+            <a:extLst>
+              <a:ext uri="{FF2B5EF4-FFF2-40B4-BE49-F238E27FC236}">
+                <a16:creationId xmlns:a16="http://schemas.microsoft.com/office/drawing/2014/main" id="{FDA85464-B6C7-A44C-92FC-B4B725003964}"/>
+              </a:ext>
+            </a:extLst>
+          </p:cNvPr>
+          <p:cNvPicPr>
+            <a:picLocks noChangeAspect="1"/>
+          </p:cNvPicPr>
+          <p:nvPr/>
+        </p:nvPicPr>
+        <p:blipFill>
+          <a:blip r:embed="rId2">
+            <a:extLst>
+              <a:ext uri="{28A0092B-C50C-407E-A947-70E740481C1C}">
+                <a14:useLocalDpi xmlns:a14="http://schemas.microsoft.com/office/drawing/2010/main" val="0"/>
+              </a:ext>
+            </a:extLst>
+          </a:blip>
+          <a:stretch>
+            <a:fillRect/>
+          </a:stretch>
+        </p:blipFill>
+        <p:spPr>
+          <a:xfrm>
+            <a:off x="720340" y="537326"/>
+            <a:ext cx="10751319" cy="5783348"/>
+          </a:xfrm>
+          <a:prstGeom prst="rect">
+            <a:avLst/>
+          </a:prstGeom>
+          <a:ln w="9525">
+            <a:solidFill>
+              <a:schemeClr val="tx1"/>
+            </a:solidFill>
+          </a:ln>
+        </p:spPr>
+      </p:pic>
+      <p:cxnSp>
+        <p:nvCxnSpPr>
+          <p:cNvPr id="6" name="Straight Arrow Connector 5">
+            <a:extLst>
+              <a:ext uri="{FF2B5EF4-FFF2-40B4-BE49-F238E27FC236}">
+                <a16:creationId xmlns:a16="http://schemas.microsoft.com/office/drawing/2014/main" id="{41708043-14C8-BD74-D316-EFB9D63703B4}"/>
+              </a:ext>
+            </a:extLst>
+          </p:cNvPr>
+          <p:cNvCxnSpPr>
+            <a:cxnSpLocks/>
+          </p:cNvCxnSpPr>
+          <p:nvPr/>
+        </p:nvCxnSpPr>
+        <p:spPr>
+          <a:xfrm>
+            <a:off x="1455452" y="421215"/>
+            <a:ext cx="0" cy="549746"/>
+          </a:xfrm>
+          <a:prstGeom prst="straightConnector1">
+            <a:avLst/>
+          </a:prstGeom>
+          <a:ln w="19050">
+            <a:solidFill>
+              <a:srgbClr val="FF0000"/>
+            </a:solidFill>
+            <a:tailEnd type="triangle"/>
+          </a:ln>
+        </p:spPr>
+        <p:style>
+          <a:lnRef idx="1">
+            <a:schemeClr val="accent5"/>
+          </a:lnRef>
+          <a:fillRef idx="0">
+            <a:schemeClr val="accent5"/>
+          </a:fillRef>
+          <a:effectRef idx="0">
+            <a:schemeClr val="accent5"/>
+          </a:effectRef>
+          <a:fontRef idx="minor">
+            <a:schemeClr val="tx1"/>
+          </a:fontRef>
+        </p:style>
+      </p:cxnSp>
+      <p:sp>
+        <p:nvSpPr>
+          <p:cNvPr id="7" name="TextBox 6">
+            <a:extLst>
+              <a:ext uri="{FF2B5EF4-FFF2-40B4-BE49-F238E27FC236}">
+                <a16:creationId xmlns:a16="http://schemas.microsoft.com/office/drawing/2014/main" id="{2090F97A-1C14-1595-F211-8F89FFF1A3AE}"/>
+              </a:ext>
+            </a:extLst>
+          </p:cNvPr>
+          <p:cNvSpPr txBox="1"/>
+          <p:nvPr/>
+        </p:nvSpPr>
+        <p:spPr>
+          <a:xfrm>
+            <a:off x="805182" y="144216"/>
+            <a:ext cx="1847974" cy="276999"/>
+          </a:xfrm>
+          <a:prstGeom prst="rect">
+            <a:avLst/>
+          </a:prstGeom>
+          <a:noFill/>
+        </p:spPr>
+        <p:txBody>
+          <a:bodyPr wrap="square" rtlCol="0">
+            <a:spAutoFit/>
+          </a:bodyPr>
+          <a:lstStyle/>
+          <a:p>
+            <a:r>
+              <a:rPr lang="en-US" sz="1200" b="1" dirty="0"/>
+              <a:t>Train State Panel</a:t>
+            </a:r>
+            <a:endParaRPr lang="en-SG" sz="1200" b="1" dirty="0"/>
+          </a:p>
+        </p:txBody>
+      </p:sp>
+      <p:sp>
+        <p:nvSpPr>
+          <p:cNvPr id="10" name="Rectangle 9">
+            <a:extLst>
+              <a:ext uri="{FF2B5EF4-FFF2-40B4-BE49-F238E27FC236}">
+                <a16:creationId xmlns:a16="http://schemas.microsoft.com/office/drawing/2014/main" id="{60DD1642-B423-608B-AFB2-C1B545F1360D}"/>
+              </a:ext>
+            </a:extLst>
+          </p:cNvPr>
+          <p:cNvSpPr/>
+          <p:nvPr/>
+        </p:nvSpPr>
+        <p:spPr>
+          <a:xfrm>
+            <a:off x="720340" y="886120"/>
+            <a:ext cx="1932816" cy="1800519"/>
+          </a:xfrm>
+          <a:prstGeom prst="rect">
+            <a:avLst/>
+          </a:prstGeom>
+          <a:noFill/>
+          <a:ln w="28575" cap="flat" cmpd="sng" algn="ctr">
+            <a:solidFill>
+              <a:srgbClr val="FF0000"/>
+            </a:solidFill>
+            <a:prstDash val="sysDash"/>
+            <a:round/>
+            <a:headEnd type="none" w="med" len="med"/>
+            <a:tailEnd type="none" w="med" len="med"/>
+          </a:ln>
+        </p:spPr>
+        <p:style>
+          <a:lnRef idx="0">
+            <a:scrgbClr r="0" g="0" b="0"/>
+          </a:lnRef>
+          <a:fillRef idx="0">
+            <a:scrgbClr r="0" g="0" b="0"/>
+          </a:fillRef>
+          <a:effectRef idx="0">
+            <a:scrgbClr r="0" g="0" b="0"/>
+          </a:effectRef>
+          <a:fontRef idx="minor">
+            <a:schemeClr val="accent1"/>
+          </a:fontRef>
+        </p:style>
+        <p:txBody>
+          <a:bodyPr rtlCol="0" anchor="ctr"/>
+          <a:lstStyle/>
+          <a:p>
+            <a:pPr algn="ctr"/>
+            <a:endParaRPr lang="en-SG" dirty="0"/>
+          </a:p>
+        </p:txBody>
+      </p:sp>
+      <p:cxnSp>
+        <p:nvCxnSpPr>
+          <p:cNvPr id="11" name="Straight Arrow Connector 10">
+            <a:extLst>
+              <a:ext uri="{FF2B5EF4-FFF2-40B4-BE49-F238E27FC236}">
+                <a16:creationId xmlns:a16="http://schemas.microsoft.com/office/drawing/2014/main" id="{2C799765-360D-C70B-7CD7-DD48FE33357A}"/>
+              </a:ext>
+            </a:extLst>
+          </p:cNvPr>
+          <p:cNvCxnSpPr>
+            <a:cxnSpLocks/>
+          </p:cNvCxnSpPr>
+          <p:nvPr/>
+        </p:nvCxnSpPr>
+        <p:spPr>
+          <a:xfrm>
+            <a:off x="2852190" y="413281"/>
+            <a:ext cx="0" cy="607802"/>
+          </a:xfrm>
+          <a:prstGeom prst="straightConnector1">
+            <a:avLst/>
+          </a:prstGeom>
+          <a:ln w="19050">
+            <a:solidFill>
+              <a:srgbClr val="FF0000"/>
+            </a:solidFill>
+            <a:tailEnd type="triangle"/>
+          </a:ln>
+        </p:spPr>
+        <p:style>
+          <a:lnRef idx="1">
+            <a:schemeClr val="accent5"/>
+          </a:lnRef>
+          <a:fillRef idx="0">
+            <a:schemeClr val="accent5"/>
+          </a:fillRef>
+          <a:effectRef idx="0">
+            <a:schemeClr val="accent5"/>
+          </a:effectRef>
+          <a:fontRef idx="minor">
+            <a:schemeClr val="tx1"/>
+          </a:fontRef>
+        </p:style>
+      </p:cxnSp>
+      <p:sp>
+        <p:nvSpPr>
+          <p:cNvPr id="12" name="TextBox 11">
+            <a:extLst>
+              <a:ext uri="{FF2B5EF4-FFF2-40B4-BE49-F238E27FC236}">
+                <a16:creationId xmlns:a16="http://schemas.microsoft.com/office/drawing/2014/main" id="{AA790A99-2524-2B1F-4E69-CECD591B94A6}"/>
+              </a:ext>
+            </a:extLst>
+          </p:cNvPr>
+          <p:cNvSpPr txBox="1"/>
+          <p:nvPr/>
+        </p:nvSpPr>
+        <p:spPr>
+          <a:xfrm>
+            <a:off x="2512765" y="144216"/>
+            <a:ext cx="739242" cy="276999"/>
+          </a:xfrm>
+          <a:prstGeom prst="rect">
+            <a:avLst/>
+          </a:prstGeom>
+          <a:noFill/>
+        </p:spPr>
+        <p:txBody>
+          <a:bodyPr wrap="square" rtlCol="0">
+            <a:spAutoFit/>
+          </a:bodyPr>
+          <a:lstStyle/>
+          <a:p>
+            <a:r>
+              <a:rPr lang="en-US" sz="1200" b="1" dirty="0"/>
+              <a:t>Train ID</a:t>
+            </a:r>
+            <a:endParaRPr lang="en-SG" sz="1200" b="1" dirty="0"/>
+          </a:p>
+        </p:txBody>
+      </p:sp>
+      <p:sp>
+        <p:nvSpPr>
+          <p:cNvPr id="14" name="TextBox 13">
+            <a:extLst>
+              <a:ext uri="{FF2B5EF4-FFF2-40B4-BE49-F238E27FC236}">
+                <a16:creationId xmlns:a16="http://schemas.microsoft.com/office/drawing/2014/main" id="{1E963444-7FD4-6CB1-0EA3-F3D45CB63EA0}"/>
+              </a:ext>
+            </a:extLst>
+          </p:cNvPr>
+          <p:cNvSpPr txBox="1"/>
+          <p:nvPr/>
+        </p:nvSpPr>
+        <p:spPr>
+          <a:xfrm>
+            <a:off x="3324944" y="144216"/>
+            <a:ext cx="1539287" cy="276999"/>
+          </a:xfrm>
+          <a:prstGeom prst="rect">
+            <a:avLst/>
+          </a:prstGeom>
+          <a:noFill/>
+        </p:spPr>
+        <p:txBody>
+          <a:bodyPr wrap="square" rtlCol="0">
+            <a:spAutoFit/>
+          </a:bodyPr>
+          <a:lstStyle/>
+          <a:p>
+            <a:r>
+              <a:rPr lang="en-US" sz="1200" b="1" dirty="0"/>
+              <a:t>Train DC power state </a:t>
+            </a:r>
+            <a:endParaRPr lang="en-SG" sz="1200" b="1" dirty="0"/>
+          </a:p>
+        </p:txBody>
+      </p:sp>
+      <p:cxnSp>
+        <p:nvCxnSpPr>
+          <p:cNvPr id="15" name="Straight Arrow Connector 14">
+            <a:extLst>
+              <a:ext uri="{FF2B5EF4-FFF2-40B4-BE49-F238E27FC236}">
+                <a16:creationId xmlns:a16="http://schemas.microsoft.com/office/drawing/2014/main" id="{97D34C7A-B37E-7E44-987C-C090770E5DE6}"/>
+              </a:ext>
+            </a:extLst>
+          </p:cNvPr>
+          <p:cNvCxnSpPr>
+            <a:cxnSpLocks/>
+          </p:cNvCxnSpPr>
+          <p:nvPr/>
+        </p:nvCxnSpPr>
+        <p:spPr>
+          <a:xfrm>
+            <a:off x="3984978" y="421215"/>
+            <a:ext cx="0" cy="860830"/>
+          </a:xfrm>
+          <a:prstGeom prst="straightConnector1">
+            <a:avLst/>
+          </a:prstGeom>
+          <a:ln w="19050">
+            <a:solidFill>
+              <a:srgbClr val="FF0000"/>
+            </a:solidFill>
+            <a:tailEnd type="triangle"/>
+          </a:ln>
+        </p:spPr>
+        <p:style>
+          <a:lnRef idx="1">
+            <a:schemeClr val="accent5"/>
+          </a:lnRef>
+          <a:fillRef idx="0">
+            <a:schemeClr val="accent5"/>
+          </a:fillRef>
+          <a:effectRef idx="0">
+            <a:schemeClr val="accent5"/>
+          </a:effectRef>
+          <a:fontRef idx="minor">
+            <a:schemeClr val="tx1"/>
+          </a:fontRef>
+        </p:style>
+      </p:cxnSp>
+      <p:cxnSp>
+        <p:nvCxnSpPr>
+          <p:cNvPr id="17" name="Straight Arrow Connector 16">
+            <a:extLst>
+              <a:ext uri="{FF2B5EF4-FFF2-40B4-BE49-F238E27FC236}">
+                <a16:creationId xmlns:a16="http://schemas.microsoft.com/office/drawing/2014/main" id="{F2B704D2-E996-F4E7-A2BC-4B8A2D09FB48}"/>
+              </a:ext>
+            </a:extLst>
+          </p:cNvPr>
+          <p:cNvCxnSpPr>
+            <a:cxnSpLocks/>
+          </p:cNvCxnSpPr>
+          <p:nvPr/>
+        </p:nvCxnSpPr>
+        <p:spPr>
+          <a:xfrm>
+            <a:off x="5805923" y="413281"/>
+            <a:ext cx="0" cy="1068298"/>
+          </a:xfrm>
+          <a:prstGeom prst="straightConnector1">
+            <a:avLst/>
+          </a:prstGeom>
+          <a:ln w="19050">
+            <a:solidFill>
+              <a:srgbClr val="FF0000"/>
+            </a:solidFill>
+            <a:tailEnd type="triangle"/>
+          </a:ln>
+        </p:spPr>
+        <p:style>
+          <a:lnRef idx="1">
+            <a:schemeClr val="accent5"/>
+          </a:lnRef>
+          <a:fillRef idx="0">
+            <a:schemeClr val="accent5"/>
+          </a:fillRef>
+          <a:effectRef idx="0">
+            <a:schemeClr val="accent5"/>
+          </a:effectRef>
+          <a:fontRef idx="minor">
+            <a:schemeClr val="tx1"/>
+          </a:fontRef>
+        </p:style>
+      </p:cxnSp>
+      <p:sp>
+        <p:nvSpPr>
+          <p:cNvPr id="19" name="TextBox 18">
+            <a:extLst>
+              <a:ext uri="{FF2B5EF4-FFF2-40B4-BE49-F238E27FC236}">
+                <a16:creationId xmlns:a16="http://schemas.microsoft.com/office/drawing/2014/main" id="{51BC7A4D-971F-9A4E-571B-FA3F7DAF6228}"/>
+              </a:ext>
+            </a:extLst>
+          </p:cNvPr>
+          <p:cNvSpPr txBox="1"/>
+          <p:nvPr/>
+        </p:nvSpPr>
+        <p:spPr>
+          <a:xfrm>
+            <a:off x="5036279" y="136282"/>
+            <a:ext cx="1430509" cy="276999"/>
+          </a:xfrm>
+          <a:prstGeom prst="rect">
+            <a:avLst/>
+          </a:prstGeom>
+          <a:noFill/>
+        </p:spPr>
+        <p:txBody>
+          <a:bodyPr wrap="square" rtlCol="0">
+            <a:spAutoFit/>
+          </a:bodyPr>
+          <a:lstStyle/>
+          <a:p>
+            <a:r>
+              <a:rPr lang="en-US" sz="1200" b="1" dirty="0"/>
+              <a:t>Train DC Current(A)</a:t>
+            </a:r>
+            <a:endParaRPr lang="en-SG" sz="1200" b="1" dirty="0"/>
+          </a:p>
+        </p:txBody>
+      </p:sp>
+      <p:sp>
+        <p:nvSpPr>
+          <p:cNvPr id="20" name="TextBox 19">
+            <a:extLst>
+              <a:ext uri="{FF2B5EF4-FFF2-40B4-BE49-F238E27FC236}">
+                <a16:creationId xmlns:a16="http://schemas.microsoft.com/office/drawing/2014/main" id="{D5C5BC5B-6D40-A8C8-422A-C0A73E4F5DAA}"/>
+              </a:ext>
+            </a:extLst>
+          </p:cNvPr>
+          <p:cNvSpPr txBox="1"/>
+          <p:nvPr/>
+        </p:nvSpPr>
+        <p:spPr>
+          <a:xfrm>
+            <a:off x="6771479" y="136281"/>
+            <a:ext cx="1430509" cy="276999"/>
+          </a:xfrm>
+          <a:prstGeom prst="rect">
+            <a:avLst/>
+          </a:prstGeom>
+          <a:noFill/>
+        </p:spPr>
+        <p:txBody>
+          <a:bodyPr wrap="square" rtlCol="0">
+            <a:spAutoFit/>
+          </a:bodyPr>
+          <a:lstStyle/>
+          <a:p>
+            <a:r>
+              <a:rPr lang="en-US" sz="1200" b="1" dirty="0"/>
+              <a:t>Train DC Voltage(V)</a:t>
+            </a:r>
+            <a:endParaRPr lang="en-SG" sz="1200" b="1" dirty="0"/>
+          </a:p>
+        </p:txBody>
+      </p:sp>
+      <p:cxnSp>
+        <p:nvCxnSpPr>
+          <p:cNvPr id="21" name="Straight Arrow Connector 20">
+            <a:extLst>
+              <a:ext uri="{FF2B5EF4-FFF2-40B4-BE49-F238E27FC236}">
+                <a16:creationId xmlns:a16="http://schemas.microsoft.com/office/drawing/2014/main" id="{AC5ACA58-C9DE-A298-6ABC-7A97D8E2F404}"/>
+              </a:ext>
+            </a:extLst>
+          </p:cNvPr>
+          <p:cNvCxnSpPr>
+            <a:cxnSpLocks/>
+          </p:cNvCxnSpPr>
+          <p:nvPr/>
+        </p:nvCxnSpPr>
+        <p:spPr>
+          <a:xfrm>
+            <a:off x="7617440" y="421215"/>
+            <a:ext cx="0" cy="1365164"/>
+          </a:xfrm>
+          <a:prstGeom prst="straightConnector1">
+            <a:avLst/>
+          </a:prstGeom>
+          <a:ln w="19050">
+            <a:solidFill>
+              <a:srgbClr val="FF0000"/>
+            </a:solidFill>
+            <a:tailEnd type="triangle"/>
+          </a:ln>
+        </p:spPr>
+        <p:style>
+          <a:lnRef idx="1">
+            <a:schemeClr val="accent5"/>
+          </a:lnRef>
+          <a:fillRef idx="0">
+            <a:schemeClr val="accent5"/>
+          </a:fillRef>
+          <a:effectRef idx="0">
+            <a:schemeClr val="accent5"/>
+          </a:effectRef>
+          <a:fontRef idx="minor">
+            <a:schemeClr val="tx1"/>
+          </a:fontRef>
+        </p:style>
+      </p:cxnSp>
+      <p:cxnSp>
+        <p:nvCxnSpPr>
+          <p:cNvPr id="23" name="Straight Arrow Connector 22">
+            <a:extLst>
+              <a:ext uri="{FF2B5EF4-FFF2-40B4-BE49-F238E27FC236}">
+                <a16:creationId xmlns:a16="http://schemas.microsoft.com/office/drawing/2014/main" id="{22009CC3-8405-7B96-9F84-047D00E8D3EB}"/>
+              </a:ext>
+            </a:extLst>
+          </p:cNvPr>
+          <p:cNvCxnSpPr>
+            <a:cxnSpLocks/>
+          </p:cNvCxnSpPr>
+          <p:nvPr/>
+        </p:nvCxnSpPr>
+        <p:spPr>
+          <a:xfrm flipV="1">
+            <a:off x="1380217" y="5242874"/>
+            <a:ext cx="0" cy="1261621"/>
+          </a:xfrm>
+          <a:prstGeom prst="straightConnector1">
+            <a:avLst/>
+          </a:prstGeom>
+          <a:ln w="19050">
+            <a:solidFill>
+              <a:srgbClr val="FF0000"/>
+            </a:solidFill>
+            <a:tailEnd type="triangle"/>
+          </a:ln>
+        </p:spPr>
+        <p:style>
+          <a:lnRef idx="1">
+            <a:schemeClr val="accent5"/>
+          </a:lnRef>
+          <a:fillRef idx="0">
+            <a:schemeClr val="accent5"/>
+          </a:fillRef>
+          <a:effectRef idx="0">
+            <a:schemeClr val="accent5"/>
+          </a:effectRef>
+          <a:fontRef idx="minor">
+            <a:schemeClr val="tx1"/>
+          </a:fontRef>
+        </p:style>
+      </p:cxnSp>
+      <p:sp>
+        <p:nvSpPr>
+          <p:cNvPr id="26" name="TextBox 25">
+            <a:extLst>
+              <a:ext uri="{FF2B5EF4-FFF2-40B4-BE49-F238E27FC236}">
+                <a16:creationId xmlns:a16="http://schemas.microsoft.com/office/drawing/2014/main" id="{1DC0A388-5CA5-0DA1-6C8F-22F8A961A507}"/>
+              </a:ext>
+            </a:extLst>
+          </p:cNvPr>
+          <p:cNvSpPr txBox="1"/>
+          <p:nvPr/>
+        </p:nvSpPr>
+        <p:spPr>
+          <a:xfrm>
+            <a:off x="531801" y="6504495"/>
+            <a:ext cx="1847302" cy="276999"/>
+          </a:xfrm>
+          <a:prstGeom prst="rect">
+            <a:avLst/>
+          </a:prstGeom>
+          <a:noFill/>
+        </p:spPr>
+        <p:txBody>
+          <a:bodyPr wrap="square" rtlCol="0">
+            <a:spAutoFit/>
+          </a:bodyPr>
+          <a:lstStyle/>
+          <a:p>
+            <a:r>
+              <a:rPr lang="en-US" sz="1200" b="1" dirty="0"/>
+              <a:t>Train current speed gauge </a:t>
+            </a:r>
+            <a:endParaRPr lang="en-SG" sz="1200" b="1" dirty="0"/>
+          </a:p>
+        </p:txBody>
+      </p:sp>
+      <p:cxnSp>
+        <p:nvCxnSpPr>
+          <p:cNvPr id="27" name="Straight Arrow Connector 26">
+            <a:extLst>
+              <a:ext uri="{FF2B5EF4-FFF2-40B4-BE49-F238E27FC236}">
+                <a16:creationId xmlns:a16="http://schemas.microsoft.com/office/drawing/2014/main" id="{5B637409-F6DF-8BE7-A2CB-1971766EFC0C}"/>
+              </a:ext>
+            </a:extLst>
+          </p:cNvPr>
+          <p:cNvCxnSpPr>
+            <a:cxnSpLocks/>
+          </p:cNvCxnSpPr>
+          <p:nvPr/>
+        </p:nvCxnSpPr>
+        <p:spPr>
+          <a:xfrm flipV="1">
+            <a:off x="3266909" y="5873684"/>
+            <a:ext cx="0" cy="545970"/>
+          </a:xfrm>
+          <a:prstGeom prst="straightConnector1">
+            <a:avLst/>
+          </a:prstGeom>
+          <a:ln w="19050">
+            <a:solidFill>
+              <a:srgbClr val="FF0000"/>
+            </a:solidFill>
+            <a:tailEnd type="triangle"/>
+          </a:ln>
+        </p:spPr>
+        <p:style>
+          <a:lnRef idx="1">
+            <a:schemeClr val="accent5"/>
+          </a:lnRef>
+          <a:fillRef idx="0">
+            <a:schemeClr val="accent5"/>
+          </a:fillRef>
+          <a:effectRef idx="0">
+            <a:schemeClr val="accent5"/>
+          </a:effectRef>
+          <a:fontRef idx="minor">
+            <a:schemeClr val="tx1"/>
+          </a:fontRef>
+        </p:style>
+      </p:cxnSp>
+      <p:sp>
+        <p:nvSpPr>
+          <p:cNvPr id="29" name="TextBox 28">
+            <a:extLst>
+              <a:ext uri="{FF2B5EF4-FFF2-40B4-BE49-F238E27FC236}">
+                <a16:creationId xmlns:a16="http://schemas.microsoft.com/office/drawing/2014/main" id="{222882C3-7E4E-F68F-E379-826E511CB13E}"/>
+              </a:ext>
+            </a:extLst>
+          </p:cNvPr>
+          <p:cNvSpPr txBox="1"/>
+          <p:nvPr/>
+        </p:nvSpPr>
+        <p:spPr>
+          <a:xfrm>
+            <a:off x="2653156" y="6357441"/>
+            <a:ext cx="1847302" cy="461665"/>
+          </a:xfrm>
+          <a:prstGeom prst="rect">
+            <a:avLst/>
+          </a:prstGeom>
+          <a:noFill/>
+        </p:spPr>
+        <p:txBody>
+          <a:bodyPr wrap="square" rtlCol="0">
+            <a:spAutoFit/>
+          </a:bodyPr>
+          <a:lstStyle/>
+          <a:p>
+            <a:r>
+              <a:rPr lang="en-US" sz="1200" b="1" dirty="0"/>
+              <a:t>Train average speed indicator</a:t>
+            </a:r>
+            <a:endParaRPr lang="en-SG" sz="1200" b="1" dirty="0"/>
+          </a:p>
+        </p:txBody>
+      </p:sp>
+      <p:cxnSp>
+        <p:nvCxnSpPr>
+          <p:cNvPr id="30" name="Straight Arrow Connector 29">
+            <a:extLst>
+              <a:ext uri="{FF2B5EF4-FFF2-40B4-BE49-F238E27FC236}">
+                <a16:creationId xmlns:a16="http://schemas.microsoft.com/office/drawing/2014/main" id="{1D085A42-3605-A6C9-C66E-A74291F6B222}"/>
+              </a:ext>
+            </a:extLst>
+          </p:cNvPr>
+          <p:cNvCxnSpPr>
+            <a:cxnSpLocks/>
+          </p:cNvCxnSpPr>
+          <p:nvPr/>
+        </p:nvCxnSpPr>
+        <p:spPr>
+          <a:xfrm flipV="1">
+            <a:off x="5137608" y="5873684"/>
+            <a:ext cx="478146" cy="630811"/>
+          </a:xfrm>
+          <a:prstGeom prst="straightConnector1">
+            <a:avLst/>
+          </a:prstGeom>
+          <a:ln w="19050">
+            <a:solidFill>
+              <a:srgbClr val="FF0000"/>
+            </a:solidFill>
+            <a:tailEnd type="triangle"/>
+          </a:ln>
+        </p:spPr>
+        <p:style>
+          <a:lnRef idx="1">
+            <a:schemeClr val="accent5"/>
+          </a:lnRef>
+          <a:fillRef idx="0">
+            <a:schemeClr val="accent5"/>
+          </a:fillRef>
+          <a:effectRef idx="0">
+            <a:schemeClr val="accent5"/>
+          </a:effectRef>
+          <a:fontRef idx="minor">
+            <a:schemeClr val="tx1"/>
+          </a:fontRef>
+        </p:style>
+      </p:cxnSp>
+      <p:sp>
+        <p:nvSpPr>
+          <p:cNvPr id="32" name="TextBox 31">
+            <a:extLst>
+              <a:ext uri="{FF2B5EF4-FFF2-40B4-BE49-F238E27FC236}">
+                <a16:creationId xmlns:a16="http://schemas.microsoft.com/office/drawing/2014/main" id="{2FD32469-6EA2-D765-D01A-18966B1C7833}"/>
+              </a:ext>
+            </a:extLst>
+          </p:cNvPr>
+          <p:cNvSpPr txBox="1"/>
+          <p:nvPr/>
+        </p:nvSpPr>
+        <p:spPr>
+          <a:xfrm>
+            <a:off x="4209646" y="6412161"/>
+            <a:ext cx="1596277" cy="461665"/>
+          </a:xfrm>
+          <a:prstGeom prst="rect">
+            <a:avLst/>
+          </a:prstGeom>
+          <a:noFill/>
+        </p:spPr>
+        <p:txBody>
+          <a:bodyPr wrap="square" rtlCol="0">
+            <a:spAutoFit/>
+          </a:bodyPr>
+          <a:lstStyle/>
+          <a:p>
+            <a:r>
+              <a:rPr lang="en-US" sz="1200" b="1" dirty="0"/>
+              <a:t>Train poser state reset button</a:t>
+            </a:r>
+            <a:endParaRPr lang="en-SG" sz="1200" b="1" dirty="0"/>
+          </a:p>
+        </p:txBody>
+      </p:sp>
+      <p:cxnSp>
+        <p:nvCxnSpPr>
+          <p:cNvPr id="33" name="Straight Arrow Connector 32">
+            <a:extLst>
+              <a:ext uri="{FF2B5EF4-FFF2-40B4-BE49-F238E27FC236}">
+                <a16:creationId xmlns:a16="http://schemas.microsoft.com/office/drawing/2014/main" id="{B87BC8B3-4664-F562-4BE5-8B6DC63E26CE}"/>
+              </a:ext>
+            </a:extLst>
+          </p:cNvPr>
+          <p:cNvCxnSpPr>
+            <a:cxnSpLocks/>
+          </p:cNvCxnSpPr>
+          <p:nvPr/>
+        </p:nvCxnSpPr>
+        <p:spPr>
+          <a:xfrm flipH="1" flipV="1">
+            <a:off x="6056948" y="5873684"/>
+            <a:ext cx="329131" cy="630811"/>
+          </a:xfrm>
+          <a:prstGeom prst="straightConnector1">
+            <a:avLst/>
+          </a:prstGeom>
+          <a:ln w="19050">
+            <a:solidFill>
+              <a:srgbClr val="FF0000"/>
+            </a:solidFill>
+            <a:tailEnd type="triangle"/>
+          </a:ln>
+        </p:spPr>
+        <p:style>
+          <a:lnRef idx="1">
+            <a:schemeClr val="accent5"/>
+          </a:lnRef>
+          <a:fillRef idx="0">
+            <a:schemeClr val="accent5"/>
+          </a:fillRef>
+          <a:effectRef idx="0">
+            <a:schemeClr val="accent5"/>
+          </a:effectRef>
+          <a:fontRef idx="minor">
+            <a:schemeClr val="tx1"/>
+          </a:fontRef>
+        </p:style>
+      </p:cxnSp>
+      <p:sp>
+        <p:nvSpPr>
+          <p:cNvPr id="36" name="TextBox 35">
+            <a:extLst>
+              <a:ext uri="{FF2B5EF4-FFF2-40B4-BE49-F238E27FC236}">
+                <a16:creationId xmlns:a16="http://schemas.microsoft.com/office/drawing/2014/main" id="{5BAE624F-4363-68B8-6E84-5D175FA4919E}"/>
+              </a:ext>
+            </a:extLst>
+          </p:cNvPr>
+          <p:cNvSpPr txBox="1"/>
+          <p:nvPr/>
+        </p:nvSpPr>
+        <p:spPr>
+          <a:xfrm>
+            <a:off x="5890175" y="6455614"/>
+            <a:ext cx="2056621" cy="276999"/>
+          </a:xfrm>
+          <a:prstGeom prst="rect">
+            <a:avLst/>
+          </a:prstGeom>
+          <a:noFill/>
+        </p:spPr>
+        <p:txBody>
+          <a:bodyPr wrap="square" rtlCol="0">
+            <a:spAutoFit/>
+          </a:bodyPr>
+          <a:lstStyle/>
+          <a:p>
+            <a:r>
+              <a:rPr lang="en-US" sz="1200" b="1" dirty="0"/>
+              <a:t>Train emergency stop button</a:t>
+            </a:r>
+            <a:endParaRPr lang="en-SG" sz="1200" b="1" dirty="0"/>
+          </a:p>
+        </p:txBody>
+      </p:sp>
+      <p:cxnSp>
+        <p:nvCxnSpPr>
+          <p:cNvPr id="37" name="Straight Arrow Connector 36">
+            <a:extLst>
+              <a:ext uri="{FF2B5EF4-FFF2-40B4-BE49-F238E27FC236}">
+                <a16:creationId xmlns:a16="http://schemas.microsoft.com/office/drawing/2014/main" id="{3FF06BBD-B2DC-3B60-8F3E-06A744755A51}"/>
+              </a:ext>
+            </a:extLst>
+          </p:cNvPr>
+          <p:cNvCxnSpPr>
+            <a:cxnSpLocks/>
+          </p:cNvCxnSpPr>
+          <p:nvPr/>
+        </p:nvCxnSpPr>
+        <p:spPr>
+          <a:xfrm>
+            <a:off x="9489876" y="413280"/>
+            <a:ext cx="0" cy="880583"/>
+          </a:xfrm>
+          <a:prstGeom prst="straightConnector1">
+            <a:avLst/>
+          </a:prstGeom>
+          <a:ln w="19050">
+            <a:solidFill>
+              <a:srgbClr val="FF0000"/>
+            </a:solidFill>
+            <a:tailEnd type="triangle"/>
+          </a:ln>
+        </p:spPr>
+        <p:style>
+          <a:lnRef idx="1">
+            <a:schemeClr val="accent5"/>
+          </a:lnRef>
+          <a:fillRef idx="0">
+            <a:schemeClr val="accent5"/>
+          </a:fillRef>
+          <a:effectRef idx="0">
+            <a:schemeClr val="accent5"/>
+          </a:effectRef>
+          <a:fontRef idx="minor">
+            <a:schemeClr val="tx1"/>
+          </a:fontRef>
+        </p:style>
+      </p:cxnSp>
+      <p:sp>
+        <p:nvSpPr>
+          <p:cNvPr id="40" name="TextBox 39">
+            <a:extLst>
+              <a:ext uri="{FF2B5EF4-FFF2-40B4-BE49-F238E27FC236}">
+                <a16:creationId xmlns:a16="http://schemas.microsoft.com/office/drawing/2014/main" id="{BF014EB6-04F2-0CA9-0B1A-9806A45ADD5B}"/>
+              </a:ext>
+            </a:extLst>
+          </p:cNvPr>
+          <p:cNvSpPr txBox="1"/>
+          <p:nvPr/>
+        </p:nvSpPr>
+        <p:spPr>
+          <a:xfrm>
+            <a:off x="8841153" y="160346"/>
+            <a:ext cx="1792280" cy="276999"/>
+          </a:xfrm>
+          <a:prstGeom prst="rect">
+            <a:avLst/>
+          </a:prstGeom>
+          <a:noFill/>
+        </p:spPr>
+        <p:txBody>
+          <a:bodyPr wrap="square" rtlCol="0">
+            <a:spAutoFit/>
+          </a:bodyPr>
+          <a:lstStyle/>
+          <a:p>
+            <a:r>
+              <a:rPr lang="en-US" sz="1200" b="1" dirty="0"/>
+              <a:t>Train state history table </a:t>
+            </a:r>
+            <a:endParaRPr lang="en-SG" sz="1200" b="1" dirty="0"/>
+          </a:p>
+        </p:txBody>
+      </p:sp>
+      <p:sp>
+        <p:nvSpPr>
+          <p:cNvPr id="41" name="TextBox 40">
+            <a:extLst>
+              <a:ext uri="{FF2B5EF4-FFF2-40B4-BE49-F238E27FC236}">
+                <a16:creationId xmlns:a16="http://schemas.microsoft.com/office/drawing/2014/main" id="{BB425E60-C437-C869-FBC2-F04114C91D28}"/>
+              </a:ext>
+            </a:extLst>
+          </p:cNvPr>
+          <p:cNvSpPr txBox="1"/>
+          <p:nvPr/>
+        </p:nvSpPr>
+        <p:spPr>
+          <a:xfrm>
+            <a:off x="8107574" y="6342766"/>
+            <a:ext cx="1558333" cy="461665"/>
+          </a:xfrm>
+          <a:prstGeom prst="rect">
+            <a:avLst/>
+          </a:prstGeom>
+          <a:noFill/>
+        </p:spPr>
+        <p:txBody>
+          <a:bodyPr wrap="square" rtlCol="0">
+            <a:spAutoFit/>
+          </a:bodyPr>
+          <a:lstStyle/>
+          <a:p>
+            <a:r>
+              <a:rPr lang="en-US" sz="1200" b="1" dirty="0"/>
+              <a:t>Train’s Control PLC state panel </a:t>
+            </a:r>
+            <a:endParaRPr lang="en-SG" sz="1200" b="1" dirty="0"/>
+          </a:p>
+        </p:txBody>
+      </p:sp>
+      <p:sp>
+        <p:nvSpPr>
+          <p:cNvPr id="42" name="Rectangle 41">
+            <a:extLst>
+              <a:ext uri="{FF2B5EF4-FFF2-40B4-BE49-F238E27FC236}">
+                <a16:creationId xmlns:a16="http://schemas.microsoft.com/office/drawing/2014/main" id="{C83BFF6B-81F6-01F5-DF2F-9A755F52C90F}"/>
+              </a:ext>
+            </a:extLst>
+          </p:cNvPr>
+          <p:cNvSpPr/>
+          <p:nvPr/>
+        </p:nvSpPr>
+        <p:spPr>
+          <a:xfrm>
+            <a:off x="7992282" y="1021083"/>
+            <a:ext cx="3479371" cy="1800519"/>
+          </a:xfrm>
+          <a:prstGeom prst="rect">
+            <a:avLst/>
+          </a:prstGeom>
+          <a:noFill/>
+          <a:ln w="28575" cap="flat" cmpd="sng" algn="ctr">
+            <a:solidFill>
+              <a:srgbClr val="FF0000"/>
+            </a:solidFill>
+            <a:prstDash val="sysDash"/>
+            <a:round/>
+            <a:headEnd type="none" w="med" len="med"/>
+            <a:tailEnd type="none" w="med" len="med"/>
+          </a:ln>
+        </p:spPr>
+        <p:style>
+          <a:lnRef idx="0">
+            <a:scrgbClr r="0" g="0" b="0"/>
+          </a:lnRef>
+          <a:fillRef idx="0">
+            <a:scrgbClr r="0" g="0" b="0"/>
+          </a:fillRef>
+          <a:effectRef idx="0">
+            <a:scrgbClr r="0" g="0" b="0"/>
+          </a:effectRef>
+          <a:fontRef idx="minor">
+            <a:schemeClr val="accent1"/>
+          </a:fontRef>
+        </p:style>
+        <p:txBody>
+          <a:bodyPr rtlCol="0" anchor="ctr"/>
+          <a:lstStyle/>
+          <a:p>
+            <a:pPr algn="ctr"/>
+            <a:endParaRPr lang="en-SG" dirty="0"/>
+          </a:p>
+        </p:txBody>
+      </p:sp>
+      <p:sp>
+        <p:nvSpPr>
+          <p:cNvPr id="44" name="Rectangle 43">
+            <a:extLst>
+              <a:ext uri="{FF2B5EF4-FFF2-40B4-BE49-F238E27FC236}">
+                <a16:creationId xmlns:a16="http://schemas.microsoft.com/office/drawing/2014/main" id="{217DCD1E-B209-B758-A593-5D598261C650}"/>
+              </a:ext>
+            </a:extLst>
+          </p:cNvPr>
+          <p:cNvSpPr/>
+          <p:nvPr/>
+        </p:nvSpPr>
+        <p:spPr>
+          <a:xfrm>
+            <a:off x="8012783" y="3005423"/>
+            <a:ext cx="1791094" cy="2396136"/>
+          </a:xfrm>
+          <a:prstGeom prst="rect">
+            <a:avLst/>
+          </a:prstGeom>
+          <a:noFill/>
+          <a:ln w="28575" cap="flat" cmpd="sng" algn="ctr">
+            <a:solidFill>
+              <a:srgbClr val="FF0000"/>
+            </a:solidFill>
+            <a:prstDash val="sysDash"/>
+            <a:round/>
+            <a:headEnd type="none" w="med" len="med"/>
+            <a:tailEnd type="none" w="med" len="med"/>
+          </a:ln>
+        </p:spPr>
+        <p:style>
+          <a:lnRef idx="0">
+            <a:scrgbClr r="0" g="0" b="0"/>
+          </a:lnRef>
+          <a:fillRef idx="0">
+            <a:scrgbClr r="0" g="0" b="0"/>
+          </a:fillRef>
+          <a:effectRef idx="0">
+            <a:scrgbClr r="0" g="0" b="0"/>
+          </a:effectRef>
+          <a:fontRef idx="minor">
+            <a:schemeClr val="accent1"/>
+          </a:fontRef>
+        </p:style>
+        <p:txBody>
+          <a:bodyPr rtlCol="0" anchor="ctr"/>
+          <a:lstStyle/>
+          <a:p>
+            <a:pPr algn="ctr"/>
+            <a:endParaRPr lang="en-SG" dirty="0"/>
+          </a:p>
+        </p:txBody>
+      </p:sp>
+      <p:cxnSp>
+        <p:nvCxnSpPr>
+          <p:cNvPr id="45" name="Straight Arrow Connector 44">
+            <a:extLst>
+              <a:ext uri="{FF2B5EF4-FFF2-40B4-BE49-F238E27FC236}">
+                <a16:creationId xmlns:a16="http://schemas.microsoft.com/office/drawing/2014/main" id="{51C58AA9-F50C-B580-B38F-1355A1EF4B89}"/>
+              </a:ext>
+            </a:extLst>
+          </p:cNvPr>
+          <p:cNvCxnSpPr>
+            <a:cxnSpLocks/>
+          </p:cNvCxnSpPr>
+          <p:nvPr/>
+        </p:nvCxnSpPr>
+        <p:spPr>
+          <a:xfrm flipV="1">
+            <a:off x="9162854" y="5401559"/>
+            <a:ext cx="0" cy="955882"/>
+          </a:xfrm>
+          <a:prstGeom prst="straightConnector1">
+            <a:avLst/>
+          </a:prstGeom>
+          <a:ln w="19050">
+            <a:solidFill>
+              <a:srgbClr val="FF0000"/>
+            </a:solidFill>
+            <a:tailEnd type="triangle"/>
+          </a:ln>
+        </p:spPr>
+        <p:style>
+          <a:lnRef idx="1">
+            <a:schemeClr val="accent5"/>
+          </a:lnRef>
+          <a:fillRef idx="0">
+            <a:schemeClr val="accent5"/>
+          </a:fillRef>
+          <a:effectRef idx="0">
+            <a:schemeClr val="accent5"/>
+          </a:effectRef>
+          <a:fontRef idx="minor">
+            <a:schemeClr val="tx1"/>
+          </a:fontRef>
+        </p:style>
+      </p:cxnSp>
+      <p:cxnSp>
+        <p:nvCxnSpPr>
+          <p:cNvPr id="49" name="Straight Arrow Connector 48">
+            <a:extLst>
+              <a:ext uri="{FF2B5EF4-FFF2-40B4-BE49-F238E27FC236}">
+                <a16:creationId xmlns:a16="http://schemas.microsoft.com/office/drawing/2014/main" id="{D336E08F-5D71-8BC4-D805-0A7663A64CD6}"/>
+              </a:ext>
+            </a:extLst>
+          </p:cNvPr>
+          <p:cNvCxnSpPr>
+            <a:cxnSpLocks/>
+          </p:cNvCxnSpPr>
+          <p:nvPr/>
+        </p:nvCxnSpPr>
+        <p:spPr>
+          <a:xfrm flipH="1" flipV="1">
+            <a:off x="9824302" y="5638800"/>
+            <a:ext cx="875121" cy="771427"/>
+          </a:xfrm>
+          <a:prstGeom prst="straightConnector1">
+            <a:avLst/>
+          </a:prstGeom>
+          <a:ln w="19050">
+            <a:solidFill>
+              <a:srgbClr val="FF0000"/>
+            </a:solidFill>
+            <a:tailEnd type="triangle"/>
+          </a:ln>
+        </p:spPr>
+        <p:style>
+          <a:lnRef idx="1">
+            <a:schemeClr val="accent5"/>
+          </a:lnRef>
+          <a:fillRef idx="0">
+            <a:schemeClr val="accent5"/>
+          </a:fillRef>
+          <a:effectRef idx="0">
+            <a:schemeClr val="accent5"/>
+          </a:effectRef>
+          <a:fontRef idx="minor">
+            <a:schemeClr val="tx1"/>
+          </a:fontRef>
+        </p:style>
+      </p:cxnSp>
+      <p:sp>
+        <p:nvSpPr>
+          <p:cNvPr id="51" name="TextBox 50">
+            <a:extLst>
+              <a:ext uri="{FF2B5EF4-FFF2-40B4-BE49-F238E27FC236}">
+                <a16:creationId xmlns:a16="http://schemas.microsoft.com/office/drawing/2014/main" id="{738DD148-728C-EFB5-3E7A-9A71587DF481}"/>
+              </a:ext>
+            </a:extLst>
+          </p:cNvPr>
+          <p:cNvSpPr txBox="1"/>
+          <p:nvPr/>
+        </p:nvSpPr>
+        <p:spPr>
+          <a:xfrm>
+            <a:off x="9772575" y="6390683"/>
+            <a:ext cx="1872676" cy="461665"/>
+          </a:xfrm>
+          <a:prstGeom prst="rect">
+            <a:avLst/>
+          </a:prstGeom>
+          <a:noFill/>
+        </p:spPr>
+        <p:txBody>
+          <a:bodyPr wrap="square" rtlCol="0">
+            <a:spAutoFit/>
+          </a:bodyPr>
+          <a:lstStyle/>
+          <a:p>
+            <a:r>
+              <a:rPr lang="en-US" sz="1200" b="1" dirty="0"/>
+              <a:t>Train’s collision avoidance  overload control </a:t>
+            </a:r>
+            <a:endParaRPr lang="en-SG" sz="1200" b="1" dirty="0"/>
+          </a:p>
+        </p:txBody>
+      </p:sp>
+    </p:spTree>
+    <p:extLst>
+      <p:ext uri="{BB962C8B-B14F-4D97-AF65-F5344CB8AC3E}">
+        <p14:creationId xmlns:p14="http://schemas.microsoft.com/office/powerpoint/2010/main" val="1483953560"/>
       </p:ext>
     </p:extLst>
   </p:cSld>

--- a/doc/designDoc.pptx
+++ b/doc/designDoc.pptx
@@ -5,7 +5,7 @@
     <p:sldMasterId id="2147483648" r:id="rId1"/>
   </p:sldMasterIdLst>
   <p:notesMasterIdLst>
-    <p:notesMasterId r:id="rId30"/>
+    <p:notesMasterId r:id="rId32"/>
   </p:notesMasterIdLst>
   <p:sldIdLst>
     <p:sldId id="256" r:id="rId2"/>
@@ -36,6 +36,8 @@
     <p:sldId id="261" r:id="rId27"/>
     <p:sldId id="262" r:id="rId28"/>
     <p:sldId id="283" r:id="rId29"/>
+    <p:sldId id="284" r:id="rId30"/>
+    <p:sldId id="285" r:id="rId31"/>
   </p:sldIdLst>
   <p:sldSz cx="12192000" cy="6858000"/>
   <p:notesSz cx="6858000" cy="9144000"/>
@@ -224,7 +226,7 @@
           <a:p>
             <a:fld id="{C0790970-3005-464C-B0F1-2C170134C482}" type="datetimeFigureOut">
               <a:rPr lang="en-SG" smtClean="0"/>
-              <a:t>20/1/2024</a:t>
+              <a:t>12/3/2024</a:t>
             </a:fld>
             <a:endParaRPr lang="en-SG"/>
           </a:p>
@@ -1061,7 +1063,7 @@
           <a:p>
             <a:fld id="{F949A3E6-ADCC-4214-836D-B18BFC6F3D6C}" type="datetimeFigureOut">
               <a:rPr lang="en-SG" smtClean="0"/>
-              <a:t>20/1/2024</a:t>
+              <a:t>12/3/2024</a:t>
             </a:fld>
             <a:endParaRPr lang="en-SG"/>
           </a:p>
@@ -1261,7 +1263,7 @@
           <a:p>
             <a:fld id="{F949A3E6-ADCC-4214-836D-B18BFC6F3D6C}" type="datetimeFigureOut">
               <a:rPr lang="en-SG" smtClean="0"/>
-              <a:t>20/1/2024</a:t>
+              <a:t>12/3/2024</a:t>
             </a:fld>
             <a:endParaRPr lang="en-SG"/>
           </a:p>
@@ -1471,7 +1473,7 @@
           <a:p>
             <a:fld id="{F949A3E6-ADCC-4214-836D-B18BFC6F3D6C}" type="datetimeFigureOut">
               <a:rPr lang="en-SG" smtClean="0"/>
-              <a:t>20/1/2024</a:t>
+              <a:t>12/3/2024</a:t>
             </a:fld>
             <a:endParaRPr lang="en-SG"/>
           </a:p>
@@ -1671,7 +1673,7 @@
           <a:p>
             <a:fld id="{F949A3E6-ADCC-4214-836D-B18BFC6F3D6C}" type="datetimeFigureOut">
               <a:rPr lang="en-SG" smtClean="0"/>
-              <a:t>20/1/2024</a:t>
+              <a:t>12/3/2024</a:t>
             </a:fld>
             <a:endParaRPr lang="en-SG"/>
           </a:p>
@@ -1947,7 +1949,7 @@
           <a:p>
             <a:fld id="{F949A3E6-ADCC-4214-836D-B18BFC6F3D6C}" type="datetimeFigureOut">
               <a:rPr lang="en-SG" smtClean="0"/>
-              <a:t>20/1/2024</a:t>
+              <a:t>12/3/2024</a:t>
             </a:fld>
             <a:endParaRPr lang="en-SG"/>
           </a:p>
@@ -2215,7 +2217,7 @@
           <a:p>
             <a:fld id="{F949A3E6-ADCC-4214-836D-B18BFC6F3D6C}" type="datetimeFigureOut">
               <a:rPr lang="en-SG" smtClean="0"/>
-              <a:t>20/1/2024</a:t>
+              <a:t>12/3/2024</a:t>
             </a:fld>
             <a:endParaRPr lang="en-SG"/>
           </a:p>
@@ -2630,7 +2632,7 @@
           <a:p>
             <a:fld id="{F949A3E6-ADCC-4214-836D-B18BFC6F3D6C}" type="datetimeFigureOut">
               <a:rPr lang="en-SG" smtClean="0"/>
-              <a:t>20/1/2024</a:t>
+              <a:t>12/3/2024</a:t>
             </a:fld>
             <a:endParaRPr lang="en-SG"/>
           </a:p>
@@ -2772,7 +2774,7 @@
           <a:p>
             <a:fld id="{F949A3E6-ADCC-4214-836D-B18BFC6F3D6C}" type="datetimeFigureOut">
               <a:rPr lang="en-SG" smtClean="0"/>
-              <a:t>20/1/2024</a:t>
+              <a:t>12/3/2024</a:t>
             </a:fld>
             <a:endParaRPr lang="en-SG"/>
           </a:p>
@@ -2885,7 +2887,7 @@
           <a:p>
             <a:fld id="{F949A3E6-ADCC-4214-836D-B18BFC6F3D6C}" type="datetimeFigureOut">
               <a:rPr lang="en-SG" smtClean="0"/>
-              <a:t>20/1/2024</a:t>
+              <a:t>12/3/2024</a:t>
             </a:fld>
             <a:endParaRPr lang="en-SG"/>
           </a:p>
@@ -3198,7 +3200,7 @@
           <a:p>
             <a:fld id="{F949A3E6-ADCC-4214-836D-B18BFC6F3D6C}" type="datetimeFigureOut">
               <a:rPr lang="en-SG" smtClean="0"/>
-              <a:t>20/1/2024</a:t>
+              <a:t>12/3/2024</a:t>
             </a:fld>
             <a:endParaRPr lang="en-SG"/>
           </a:p>
@@ -3487,7 +3489,7 @@
           <a:p>
             <a:fld id="{F949A3E6-ADCC-4214-836D-B18BFC6F3D6C}" type="datetimeFigureOut">
               <a:rPr lang="en-SG" smtClean="0"/>
-              <a:t>20/1/2024</a:t>
+              <a:t>12/3/2024</a:t>
             </a:fld>
             <a:endParaRPr lang="en-SG"/>
           </a:p>
@@ -3730,7 +3732,7 @@
           <a:p>
             <a:fld id="{F949A3E6-ADCC-4214-836D-B18BFC6F3D6C}" type="datetimeFigureOut">
               <a:rPr lang="en-SG" smtClean="0"/>
-              <a:t>20/1/2024</a:t>
+              <a:t>12/3/2024</a:t>
             </a:fld>
             <a:endParaRPr lang="en-SG"/>
           </a:p>
@@ -25200,8 +25202,12 @@
           <a:lstStyle/>
           <a:p>
             <a:r>
+              <a:rPr lang="en-US" sz="1400" b="1" dirty="0"/>
+              <a:t>Corporate</a:t>
+            </a:r>
+            <a:r>
               <a:rPr lang="en-SG" sz="1400" b="1" dirty="0"/>
-              <a:t>Cooperate network [IT network]</a:t>
+              <a:t> network [IT network]</a:t>
             </a:r>
           </a:p>
         </p:txBody>
@@ -27522,7 +27528,7 @@
           <a:p>
             <a:r>
               <a:rPr lang="en-SG" sz="1400" b="1" dirty="0"/>
-              <a:t>Cooperate Network</a:t>
+              <a:t>Corporate Network</a:t>
             </a:r>
           </a:p>
         </p:txBody>
@@ -28234,7 +28240,7 @@
                   <a:schemeClr val="bg1"/>
                 </a:solidFill>
               </a:rPr>
-              <a:t>Cooperate IT servers</a:t>
+              <a:t>Corporate IT servers</a:t>
             </a:r>
           </a:p>
         </p:txBody>
@@ -29682,7 +29688,7 @@
           <a:p>
             <a:r>
               <a:rPr lang="en-SG" sz="1400" b="1" dirty="0"/>
-              <a:t>Cooperate network [IT network]</a:t>
+              <a:t>Corporate network [IT network]</a:t>
             </a:r>
           </a:p>
         </p:txBody>
@@ -31968,7 +31974,7 @@
           <a:p>
             <a:r>
               <a:rPr lang="en-SG" sz="1400" b="1" dirty="0"/>
-              <a:t>Cooperate Network</a:t>
+              <a:t>Corporate Network</a:t>
             </a:r>
           </a:p>
         </p:txBody>
@@ -32680,7 +32686,7 @@
                   <a:schemeClr val="bg1"/>
                 </a:solidFill>
               </a:rPr>
-              <a:t>Cooperate IT servers</a:t>
+              <a:t>Corporate IT servers</a:t>
             </a:r>
           </a:p>
         </p:txBody>
@@ -39788,7 +39794,7 @@
         </p:nvSpPr>
         <p:spPr>
           <a:xfrm>
-            <a:off x="298348" y="537881"/>
+            <a:off x="327845" y="301428"/>
             <a:ext cx="3456723" cy="307777"/>
           </a:xfrm>
           <a:prstGeom prst="rect">
@@ -39824,7 +39830,7 @@
         </p:nvSpPr>
         <p:spPr>
           <a:xfrm>
-            <a:off x="6628962" y="865446"/>
+            <a:off x="6658459" y="628993"/>
             <a:ext cx="1585965" cy="1468299"/>
           </a:xfrm>
           <a:prstGeom prst="rect">
@@ -39878,7 +39884,7 @@
         </p:blipFill>
         <p:spPr>
           <a:xfrm>
-            <a:off x="6773518" y="1085048"/>
+            <a:off x="6803015" y="848595"/>
             <a:ext cx="818082" cy="468901"/>
           </a:xfrm>
           <a:prstGeom prst="rect">
@@ -39908,7 +39914,7 @@
         </p:blipFill>
         <p:spPr>
           <a:xfrm>
-            <a:off x="6773518" y="1798963"/>
+            <a:off x="6803015" y="1562510"/>
             <a:ext cx="818082" cy="468901"/>
           </a:xfrm>
           <a:prstGeom prst="rect">
@@ -39933,7 +39939,7 @@
         </p:nvCxnSpPr>
         <p:spPr>
           <a:xfrm>
-            <a:off x="7182559" y="1553949"/>
+            <a:off x="7212056" y="1317496"/>
             <a:ext cx="0" cy="245014"/>
           </a:xfrm>
           <a:prstGeom prst="line">
@@ -39969,7 +39975,7 @@
         </p:nvSpPr>
         <p:spPr>
           <a:xfrm>
-            <a:off x="6489588" y="352578"/>
+            <a:off x="6519085" y="116125"/>
             <a:ext cx="1241289" cy="600164"/>
           </a:xfrm>
           <a:prstGeom prst="rect">
@@ -40013,7 +40019,7 @@
         </p:nvSpPr>
         <p:spPr>
           <a:xfrm>
-            <a:off x="6550749" y="1216724"/>
+            <a:off x="6580246" y="980271"/>
             <a:ext cx="636759" cy="276999"/>
           </a:xfrm>
           <a:prstGeom prst="rect">
@@ -40052,7 +40058,7 @@
         </p:nvSpPr>
         <p:spPr>
           <a:xfrm>
-            <a:off x="6545800" y="1945256"/>
+            <a:off x="6575297" y="1708803"/>
             <a:ext cx="636759" cy="276999"/>
           </a:xfrm>
           <a:prstGeom prst="rect">
@@ -40091,7 +40097,7 @@
         </p:nvSpPr>
         <p:spPr>
           <a:xfrm>
-            <a:off x="7546573" y="1709304"/>
+            <a:off x="7576070" y="1472851"/>
             <a:ext cx="820086" cy="600164"/>
           </a:xfrm>
           <a:prstGeom prst="rect">
@@ -40130,7 +40136,7 @@
         </p:nvSpPr>
         <p:spPr>
           <a:xfrm>
-            <a:off x="7535688" y="1038060"/>
+            <a:off x="7565185" y="801607"/>
             <a:ext cx="719667" cy="600164"/>
           </a:xfrm>
           <a:prstGeom prst="rect">
@@ -40187,7 +40193,7 @@
         </p:blipFill>
         <p:spPr bwMode="auto">
           <a:xfrm>
-            <a:off x="7265146" y="810964"/>
+            <a:off x="7294643" y="574511"/>
             <a:ext cx="296596" cy="202819"/>
           </a:xfrm>
           <a:prstGeom prst="rect">
@@ -40219,7 +40225,7 @@
         </p:nvSpPr>
         <p:spPr>
           <a:xfrm>
-            <a:off x="6628962" y="2449096"/>
+            <a:off x="6658459" y="2212643"/>
             <a:ext cx="2174604" cy="1754326"/>
           </a:xfrm>
           <a:prstGeom prst="rect">
@@ -40319,7 +40325,7 @@
         </p:blipFill>
         <p:spPr>
           <a:xfrm>
-            <a:off x="298348" y="1046351"/>
+            <a:off x="327845" y="809898"/>
             <a:ext cx="6207024" cy="2999880"/>
           </a:xfrm>
           <a:prstGeom prst="rect">
@@ -40332,6 +40338,2565 @@
           </a:ln>
         </p:spPr>
       </p:pic>
+      <p:cxnSp>
+        <p:nvCxnSpPr>
+          <p:cNvPr id="16" name="Straight Connector 15">
+            <a:extLst>
+              <a:ext uri="{FF2B5EF4-FFF2-40B4-BE49-F238E27FC236}">
+                <a16:creationId xmlns:a16="http://schemas.microsoft.com/office/drawing/2014/main" id="{39026FB0-8747-0DA7-3B28-BF7ACD31D214}"/>
+              </a:ext>
+            </a:extLst>
+          </p:cNvPr>
+          <p:cNvCxnSpPr/>
+          <p:nvPr/>
+        </p:nvCxnSpPr>
+        <p:spPr>
+          <a:xfrm>
+            <a:off x="2595155" y="4681845"/>
+            <a:ext cx="0" cy="426720"/>
+          </a:xfrm>
+          <a:prstGeom prst="line">
+            <a:avLst/>
+          </a:prstGeom>
+          <a:ln w="28575">
+            <a:solidFill>
+              <a:schemeClr val="tx1"/>
+            </a:solidFill>
+          </a:ln>
+        </p:spPr>
+        <p:style>
+          <a:lnRef idx="1">
+            <a:schemeClr val="accent1"/>
+          </a:lnRef>
+          <a:fillRef idx="0">
+            <a:schemeClr val="accent1"/>
+          </a:fillRef>
+          <a:effectRef idx="0">
+            <a:schemeClr val="accent1"/>
+          </a:effectRef>
+          <a:fontRef idx="minor">
+            <a:schemeClr val="tx1"/>
+          </a:fontRef>
+        </p:style>
+      </p:cxnSp>
+      <p:cxnSp>
+        <p:nvCxnSpPr>
+          <p:cNvPr id="17" name="Straight Connector 16">
+            <a:extLst>
+              <a:ext uri="{FF2B5EF4-FFF2-40B4-BE49-F238E27FC236}">
+                <a16:creationId xmlns:a16="http://schemas.microsoft.com/office/drawing/2014/main" id="{FB5E6D18-2B60-80AF-5107-333496B14DFC}"/>
+              </a:ext>
+            </a:extLst>
+          </p:cNvPr>
+          <p:cNvCxnSpPr>
+            <a:cxnSpLocks/>
+          </p:cNvCxnSpPr>
+          <p:nvPr/>
+        </p:nvCxnSpPr>
+        <p:spPr>
+          <a:xfrm>
+            <a:off x="2595155" y="4681845"/>
+            <a:ext cx="444136" cy="0"/>
+          </a:xfrm>
+          <a:prstGeom prst="line">
+            <a:avLst/>
+          </a:prstGeom>
+          <a:ln w="28575">
+            <a:solidFill>
+              <a:schemeClr val="tx1"/>
+            </a:solidFill>
+          </a:ln>
+        </p:spPr>
+        <p:style>
+          <a:lnRef idx="1">
+            <a:schemeClr val="accent1"/>
+          </a:lnRef>
+          <a:fillRef idx="0">
+            <a:schemeClr val="accent1"/>
+          </a:fillRef>
+          <a:effectRef idx="0">
+            <a:schemeClr val="accent1"/>
+          </a:effectRef>
+          <a:fontRef idx="minor">
+            <a:schemeClr val="tx1"/>
+          </a:fontRef>
+        </p:style>
+      </p:cxnSp>
+      <p:cxnSp>
+        <p:nvCxnSpPr>
+          <p:cNvPr id="2" name="Straight Connector 1">
+            <a:extLst>
+              <a:ext uri="{FF2B5EF4-FFF2-40B4-BE49-F238E27FC236}">
+                <a16:creationId xmlns:a16="http://schemas.microsoft.com/office/drawing/2014/main" id="{4121AD2A-323B-D7A4-C877-979688236A2D}"/>
+              </a:ext>
+            </a:extLst>
+          </p:cNvPr>
+          <p:cNvCxnSpPr>
+            <a:cxnSpLocks/>
+          </p:cNvCxnSpPr>
+          <p:nvPr/>
+        </p:nvCxnSpPr>
+        <p:spPr>
+          <a:xfrm>
+            <a:off x="3039291" y="4681845"/>
+            <a:ext cx="0" cy="426720"/>
+          </a:xfrm>
+          <a:prstGeom prst="line">
+            <a:avLst/>
+          </a:prstGeom>
+          <a:ln w="28575">
+            <a:solidFill>
+              <a:schemeClr val="tx1"/>
+            </a:solidFill>
+          </a:ln>
+        </p:spPr>
+        <p:style>
+          <a:lnRef idx="1">
+            <a:schemeClr val="accent1"/>
+          </a:lnRef>
+          <a:fillRef idx="0">
+            <a:schemeClr val="accent1"/>
+          </a:fillRef>
+          <a:effectRef idx="0">
+            <a:schemeClr val="accent1"/>
+          </a:effectRef>
+          <a:fontRef idx="minor">
+            <a:schemeClr val="tx1"/>
+          </a:fontRef>
+        </p:style>
+      </p:cxnSp>
+      <p:cxnSp>
+        <p:nvCxnSpPr>
+          <p:cNvPr id="20" name="Straight Connector 19">
+            <a:extLst>
+              <a:ext uri="{FF2B5EF4-FFF2-40B4-BE49-F238E27FC236}">
+                <a16:creationId xmlns:a16="http://schemas.microsoft.com/office/drawing/2014/main" id="{B6965A8E-B901-EA05-D356-B28F0D011D9A}"/>
+              </a:ext>
+            </a:extLst>
+          </p:cNvPr>
+          <p:cNvCxnSpPr>
+            <a:cxnSpLocks/>
+          </p:cNvCxnSpPr>
+          <p:nvPr/>
+        </p:nvCxnSpPr>
+        <p:spPr>
+          <a:xfrm>
+            <a:off x="3039291" y="5108565"/>
+            <a:ext cx="392066" cy="0"/>
+          </a:xfrm>
+          <a:prstGeom prst="line">
+            <a:avLst/>
+          </a:prstGeom>
+          <a:ln w="28575">
+            <a:solidFill>
+              <a:schemeClr val="tx1"/>
+            </a:solidFill>
+          </a:ln>
+        </p:spPr>
+        <p:style>
+          <a:lnRef idx="1">
+            <a:schemeClr val="accent1"/>
+          </a:lnRef>
+          <a:fillRef idx="0">
+            <a:schemeClr val="accent1"/>
+          </a:fillRef>
+          <a:effectRef idx="0">
+            <a:schemeClr val="accent1"/>
+          </a:effectRef>
+          <a:fontRef idx="minor">
+            <a:schemeClr val="tx1"/>
+          </a:fontRef>
+        </p:style>
+      </p:cxnSp>
+      <p:cxnSp>
+        <p:nvCxnSpPr>
+          <p:cNvPr id="24" name="Straight Connector 23">
+            <a:extLst>
+              <a:ext uri="{FF2B5EF4-FFF2-40B4-BE49-F238E27FC236}">
+                <a16:creationId xmlns:a16="http://schemas.microsoft.com/office/drawing/2014/main" id="{0256A812-DB9F-A928-00DC-7D4B2F1D7534}"/>
+              </a:ext>
+            </a:extLst>
+          </p:cNvPr>
+          <p:cNvCxnSpPr>
+            <a:cxnSpLocks/>
+          </p:cNvCxnSpPr>
+          <p:nvPr/>
+        </p:nvCxnSpPr>
+        <p:spPr>
+          <a:xfrm flipV="1">
+            <a:off x="3431357" y="4681845"/>
+            <a:ext cx="0" cy="426720"/>
+          </a:xfrm>
+          <a:prstGeom prst="line">
+            <a:avLst/>
+          </a:prstGeom>
+          <a:ln w="28575">
+            <a:solidFill>
+              <a:schemeClr val="tx1"/>
+            </a:solidFill>
+          </a:ln>
+        </p:spPr>
+        <p:style>
+          <a:lnRef idx="1">
+            <a:schemeClr val="accent1"/>
+          </a:lnRef>
+          <a:fillRef idx="0">
+            <a:schemeClr val="accent1"/>
+          </a:fillRef>
+          <a:effectRef idx="0">
+            <a:schemeClr val="accent1"/>
+          </a:effectRef>
+          <a:fontRef idx="minor">
+            <a:schemeClr val="tx1"/>
+          </a:fontRef>
+        </p:style>
+      </p:cxnSp>
+      <p:cxnSp>
+        <p:nvCxnSpPr>
+          <p:cNvPr id="26" name="Straight Connector 25">
+            <a:extLst>
+              <a:ext uri="{FF2B5EF4-FFF2-40B4-BE49-F238E27FC236}">
+                <a16:creationId xmlns:a16="http://schemas.microsoft.com/office/drawing/2014/main" id="{8723F55A-E406-5436-83D7-F41F4919E393}"/>
+              </a:ext>
+            </a:extLst>
+          </p:cNvPr>
+          <p:cNvCxnSpPr>
+            <a:cxnSpLocks/>
+          </p:cNvCxnSpPr>
+          <p:nvPr/>
+        </p:nvCxnSpPr>
+        <p:spPr>
+          <a:xfrm>
+            <a:off x="3431357" y="4702137"/>
+            <a:ext cx="444136" cy="0"/>
+          </a:xfrm>
+          <a:prstGeom prst="line">
+            <a:avLst/>
+          </a:prstGeom>
+          <a:ln w="28575">
+            <a:solidFill>
+              <a:schemeClr val="tx1"/>
+            </a:solidFill>
+          </a:ln>
+        </p:spPr>
+        <p:style>
+          <a:lnRef idx="1">
+            <a:schemeClr val="accent1"/>
+          </a:lnRef>
+          <a:fillRef idx="0">
+            <a:schemeClr val="accent1"/>
+          </a:fillRef>
+          <a:effectRef idx="0">
+            <a:schemeClr val="accent1"/>
+          </a:effectRef>
+          <a:fontRef idx="minor">
+            <a:schemeClr val="tx1"/>
+          </a:fontRef>
+        </p:style>
+      </p:cxnSp>
+      <p:cxnSp>
+        <p:nvCxnSpPr>
+          <p:cNvPr id="27" name="Straight Connector 26">
+            <a:extLst>
+              <a:ext uri="{FF2B5EF4-FFF2-40B4-BE49-F238E27FC236}">
+                <a16:creationId xmlns:a16="http://schemas.microsoft.com/office/drawing/2014/main" id="{98ED224C-E707-9D64-8FFB-95461FE7EDC2}"/>
+              </a:ext>
+            </a:extLst>
+          </p:cNvPr>
+          <p:cNvCxnSpPr>
+            <a:cxnSpLocks/>
+          </p:cNvCxnSpPr>
+          <p:nvPr/>
+        </p:nvCxnSpPr>
+        <p:spPr>
+          <a:xfrm flipV="1">
+            <a:off x="3875493" y="4702137"/>
+            <a:ext cx="0" cy="406428"/>
+          </a:xfrm>
+          <a:prstGeom prst="line">
+            <a:avLst/>
+          </a:prstGeom>
+          <a:ln w="28575">
+            <a:solidFill>
+              <a:schemeClr val="tx1"/>
+            </a:solidFill>
+          </a:ln>
+        </p:spPr>
+        <p:style>
+          <a:lnRef idx="1">
+            <a:schemeClr val="accent1"/>
+          </a:lnRef>
+          <a:fillRef idx="0">
+            <a:schemeClr val="accent1"/>
+          </a:fillRef>
+          <a:effectRef idx="0">
+            <a:schemeClr val="accent1"/>
+          </a:effectRef>
+          <a:fontRef idx="minor">
+            <a:schemeClr val="tx1"/>
+          </a:fontRef>
+        </p:style>
+      </p:cxnSp>
+      <p:cxnSp>
+        <p:nvCxnSpPr>
+          <p:cNvPr id="30" name="Straight Connector 29">
+            <a:extLst>
+              <a:ext uri="{FF2B5EF4-FFF2-40B4-BE49-F238E27FC236}">
+                <a16:creationId xmlns:a16="http://schemas.microsoft.com/office/drawing/2014/main" id="{F605C76B-7900-4D74-BC90-B5509FAC88AE}"/>
+              </a:ext>
+            </a:extLst>
+          </p:cNvPr>
+          <p:cNvCxnSpPr>
+            <a:cxnSpLocks/>
+          </p:cNvCxnSpPr>
+          <p:nvPr/>
+        </p:nvCxnSpPr>
+        <p:spPr>
+          <a:xfrm>
+            <a:off x="3875493" y="5108565"/>
+            <a:ext cx="444136" cy="0"/>
+          </a:xfrm>
+          <a:prstGeom prst="line">
+            <a:avLst/>
+          </a:prstGeom>
+          <a:ln w="28575">
+            <a:solidFill>
+              <a:schemeClr val="tx1"/>
+            </a:solidFill>
+          </a:ln>
+        </p:spPr>
+        <p:style>
+          <a:lnRef idx="1">
+            <a:schemeClr val="accent1"/>
+          </a:lnRef>
+          <a:fillRef idx="0">
+            <a:schemeClr val="accent1"/>
+          </a:fillRef>
+          <a:effectRef idx="0">
+            <a:schemeClr val="accent1"/>
+          </a:effectRef>
+          <a:fontRef idx="minor">
+            <a:schemeClr val="tx1"/>
+          </a:fontRef>
+        </p:style>
+      </p:cxnSp>
+      <p:cxnSp>
+        <p:nvCxnSpPr>
+          <p:cNvPr id="31" name="Straight Connector 30">
+            <a:extLst>
+              <a:ext uri="{FF2B5EF4-FFF2-40B4-BE49-F238E27FC236}">
+                <a16:creationId xmlns:a16="http://schemas.microsoft.com/office/drawing/2014/main" id="{DDFB4A67-8688-C719-EA35-398791BFB751}"/>
+              </a:ext>
+            </a:extLst>
+          </p:cNvPr>
+          <p:cNvCxnSpPr>
+            <a:cxnSpLocks/>
+          </p:cNvCxnSpPr>
+          <p:nvPr/>
+        </p:nvCxnSpPr>
+        <p:spPr>
+          <a:xfrm flipV="1">
+            <a:off x="4319629" y="4702137"/>
+            <a:ext cx="0" cy="406428"/>
+          </a:xfrm>
+          <a:prstGeom prst="line">
+            <a:avLst/>
+          </a:prstGeom>
+          <a:ln w="28575">
+            <a:solidFill>
+              <a:schemeClr val="tx1"/>
+            </a:solidFill>
+          </a:ln>
+        </p:spPr>
+        <p:style>
+          <a:lnRef idx="1">
+            <a:schemeClr val="accent1"/>
+          </a:lnRef>
+          <a:fillRef idx="0">
+            <a:schemeClr val="accent1"/>
+          </a:fillRef>
+          <a:effectRef idx="0">
+            <a:schemeClr val="accent1"/>
+          </a:effectRef>
+          <a:fontRef idx="minor">
+            <a:schemeClr val="tx1"/>
+          </a:fontRef>
+        </p:style>
+      </p:cxnSp>
+      <p:cxnSp>
+        <p:nvCxnSpPr>
+          <p:cNvPr id="32" name="Straight Connector 31">
+            <a:extLst>
+              <a:ext uri="{FF2B5EF4-FFF2-40B4-BE49-F238E27FC236}">
+                <a16:creationId xmlns:a16="http://schemas.microsoft.com/office/drawing/2014/main" id="{63AB5C39-8E07-BD66-3D09-7656B50C60F4}"/>
+              </a:ext>
+            </a:extLst>
+          </p:cNvPr>
+          <p:cNvCxnSpPr>
+            <a:cxnSpLocks/>
+          </p:cNvCxnSpPr>
+          <p:nvPr/>
+        </p:nvCxnSpPr>
+        <p:spPr>
+          <a:xfrm flipV="1">
+            <a:off x="4763765" y="4702137"/>
+            <a:ext cx="0" cy="406428"/>
+          </a:xfrm>
+          <a:prstGeom prst="line">
+            <a:avLst/>
+          </a:prstGeom>
+          <a:ln w="28575">
+            <a:solidFill>
+              <a:schemeClr val="tx1"/>
+            </a:solidFill>
+          </a:ln>
+        </p:spPr>
+        <p:style>
+          <a:lnRef idx="1">
+            <a:schemeClr val="accent1"/>
+          </a:lnRef>
+          <a:fillRef idx="0">
+            <a:schemeClr val="accent1"/>
+          </a:fillRef>
+          <a:effectRef idx="0">
+            <a:schemeClr val="accent1"/>
+          </a:effectRef>
+          <a:fontRef idx="minor">
+            <a:schemeClr val="tx1"/>
+          </a:fontRef>
+        </p:style>
+      </p:cxnSp>
+      <p:cxnSp>
+        <p:nvCxnSpPr>
+          <p:cNvPr id="33" name="Straight Connector 32">
+            <a:extLst>
+              <a:ext uri="{FF2B5EF4-FFF2-40B4-BE49-F238E27FC236}">
+                <a16:creationId xmlns:a16="http://schemas.microsoft.com/office/drawing/2014/main" id="{ABA4ED4E-F868-2572-F525-309C11B9A627}"/>
+              </a:ext>
+            </a:extLst>
+          </p:cNvPr>
+          <p:cNvCxnSpPr>
+            <a:cxnSpLocks/>
+          </p:cNvCxnSpPr>
+          <p:nvPr/>
+        </p:nvCxnSpPr>
+        <p:spPr>
+          <a:xfrm>
+            <a:off x="4319629" y="4702137"/>
+            <a:ext cx="444136" cy="0"/>
+          </a:xfrm>
+          <a:prstGeom prst="line">
+            <a:avLst/>
+          </a:prstGeom>
+          <a:ln w="28575">
+            <a:solidFill>
+              <a:schemeClr val="tx1"/>
+            </a:solidFill>
+          </a:ln>
+        </p:spPr>
+        <p:style>
+          <a:lnRef idx="1">
+            <a:schemeClr val="accent1"/>
+          </a:lnRef>
+          <a:fillRef idx="0">
+            <a:schemeClr val="accent1"/>
+          </a:fillRef>
+          <a:effectRef idx="0">
+            <a:schemeClr val="accent1"/>
+          </a:effectRef>
+          <a:fontRef idx="minor">
+            <a:schemeClr val="tx1"/>
+          </a:fontRef>
+        </p:style>
+      </p:cxnSp>
+      <p:cxnSp>
+        <p:nvCxnSpPr>
+          <p:cNvPr id="34" name="Straight Connector 33">
+            <a:extLst>
+              <a:ext uri="{FF2B5EF4-FFF2-40B4-BE49-F238E27FC236}">
+                <a16:creationId xmlns:a16="http://schemas.microsoft.com/office/drawing/2014/main" id="{31F992A7-F7D5-BCE0-3557-2948F016FEC5}"/>
+              </a:ext>
+            </a:extLst>
+          </p:cNvPr>
+          <p:cNvCxnSpPr>
+            <a:cxnSpLocks/>
+          </p:cNvCxnSpPr>
+          <p:nvPr/>
+        </p:nvCxnSpPr>
+        <p:spPr>
+          <a:xfrm>
+            <a:off x="4763765" y="5108565"/>
+            <a:ext cx="444136" cy="0"/>
+          </a:xfrm>
+          <a:prstGeom prst="line">
+            <a:avLst/>
+          </a:prstGeom>
+          <a:ln w="28575">
+            <a:solidFill>
+              <a:schemeClr val="tx1"/>
+            </a:solidFill>
+          </a:ln>
+        </p:spPr>
+        <p:style>
+          <a:lnRef idx="1">
+            <a:schemeClr val="accent1"/>
+          </a:lnRef>
+          <a:fillRef idx="0">
+            <a:schemeClr val="accent1"/>
+          </a:fillRef>
+          <a:effectRef idx="0">
+            <a:schemeClr val="accent1"/>
+          </a:effectRef>
+          <a:fontRef idx="minor">
+            <a:schemeClr val="tx1"/>
+          </a:fontRef>
+        </p:style>
+      </p:cxnSp>
+      <p:cxnSp>
+        <p:nvCxnSpPr>
+          <p:cNvPr id="35" name="Straight Connector 34">
+            <a:extLst>
+              <a:ext uri="{FF2B5EF4-FFF2-40B4-BE49-F238E27FC236}">
+                <a16:creationId xmlns:a16="http://schemas.microsoft.com/office/drawing/2014/main" id="{35372AE6-8FDA-5C93-D01B-74B452DF56AE}"/>
+              </a:ext>
+            </a:extLst>
+          </p:cNvPr>
+          <p:cNvCxnSpPr>
+            <a:cxnSpLocks/>
+          </p:cNvCxnSpPr>
+          <p:nvPr/>
+        </p:nvCxnSpPr>
+        <p:spPr>
+          <a:xfrm>
+            <a:off x="5198474" y="4710666"/>
+            <a:ext cx="444136" cy="0"/>
+          </a:xfrm>
+          <a:prstGeom prst="line">
+            <a:avLst/>
+          </a:prstGeom>
+          <a:ln w="28575">
+            <a:solidFill>
+              <a:schemeClr val="tx1"/>
+            </a:solidFill>
+          </a:ln>
+        </p:spPr>
+        <p:style>
+          <a:lnRef idx="1">
+            <a:schemeClr val="accent1"/>
+          </a:lnRef>
+          <a:fillRef idx="0">
+            <a:schemeClr val="accent1"/>
+          </a:fillRef>
+          <a:effectRef idx="0">
+            <a:schemeClr val="accent1"/>
+          </a:effectRef>
+          <a:fontRef idx="minor">
+            <a:schemeClr val="tx1"/>
+          </a:fontRef>
+        </p:style>
+      </p:cxnSp>
+      <p:cxnSp>
+        <p:nvCxnSpPr>
+          <p:cNvPr id="36" name="Straight Connector 35">
+            <a:extLst>
+              <a:ext uri="{FF2B5EF4-FFF2-40B4-BE49-F238E27FC236}">
+                <a16:creationId xmlns:a16="http://schemas.microsoft.com/office/drawing/2014/main" id="{2791357E-58AC-0208-F054-454BA5FCDE6F}"/>
+              </a:ext>
+            </a:extLst>
+          </p:cNvPr>
+          <p:cNvCxnSpPr>
+            <a:cxnSpLocks/>
+          </p:cNvCxnSpPr>
+          <p:nvPr/>
+        </p:nvCxnSpPr>
+        <p:spPr>
+          <a:xfrm flipV="1">
+            <a:off x="5193847" y="4702137"/>
+            <a:ext cx="0" cy="406428"/>
+          </a:xfrm>
+          <a:prstGeom prst="line">
+            <a:avLst/>
+          </a:prstGeom>
+          <a:ln w="28575">
+            <a:solidFill>
+              <a:schemeClr val="tx1"/>
+            </a:solidFill>
+          </a:ln>
+        </p:spPr>
+        <p:style>
+          <a:lnRef idx="1">
+            <a:schemeClr val="accent1"/>
+          </a:lnRef>
+          <a:fillRef idx="0">
+            <a:schemeClr val="accent1"/>
+          </a:fillRef>
+          <a:effectRef idx="0">
+            <a:schemeClr val="accent1"/>
+          </a:effectRef>
+          <a:fontRef idx="minor">
+            <a:schemeClr val="tx1"/>
+          </a:fontRef>
+        </p:style>
+      </p:cxnSp>
+      <p:cxnSp>
+        <p:nvCxnSpPr>
+          <p:cNvPr id="37" name="Straight Connector 36">
+            <a:extLst>
+              <a:ext uri="{FF2B5EF4-FFF2-40B4-BE49-F238E27FC236}">
+                <a16:creationId xmlns:a16="http://schemas.microsoft.com/office/drawing/2014/main" id="{DFCAAD5B-5FA4-7521-CE0D-A0D15CAA0918}"/>
+              </a:ext>
+            </a:extLst>
+          </p:cNvPr>
+          <p:cNvCxnSpPr>
+            <a:cxnSpLocks/>
+          </p:cNvCxnSpPr>
+          <p:nvPr/>
+        </p:nvCxnSpPr>
+        <p:spPr>
+          <a:xfrm flipV="1">
+            <a:off x="5629138" y="4710666"/>
+            <a:ext cx="0" cy="406428"/>
+          </a:xfrm>
+          <a:prstGeom prst="line">
+            <a:avLst/>
+          </a:prstGeom>
+          <a:ln w="28575">
+            <a:solidFill>
+              <a:schemeClr val="tx1"/>
+            </a:solidFill>
+          </a:ln>
+        </p:spPr>
+        <p:style>
+          <a:lnRef idx="1">
+            <a:schemeClr val="accent1"/>
+          </a:lnRef>
+          <a:fillRef idx="0">
+            <a:schemeClr val="accent1"/>
+          </a:fillRef>
+          <a:effectRef idx="0">
+            <a:schemeClr val="accent1"/>
+          </a:effectRef>
+          <a:fontRef idx="minor">
+            <a:schemeClr val="tx1"/>
+          </a:fontRef>
+        </p:style>
+      </p:cxnSp>
+      <p:cxnSp>
+        <p:nvCxnSpPr>
+          <p:cNvPr id="38" name="Straight Connector 37">
+            <a:extLst>
+              <a:ext uri="{FF2B5EF4-FFF2-40B4-BE49-F238E27FC236}">
+                <a16:creationId xmlns:a16="http://schemas.microsoft.com/office/drawing/2014/main" id="{F1A953EB-AA50-D6FB-7399-97779F41BC60}"/>
+              </a:ext>
+            </a:extLst>
+          </p:cNvPr>
+          <p:cNvCxnSpPr>
+            <a:cxnSpLocks/>
+          </p:cNvCxnSpPr>
+          <p:nvPr/>
+        </p:nvCxnSpPr>
+        <p:spPr>
+          <a:xfrm flipV="1">
+            <a:off x="6064577" y="4710666"/>
+            <a:ext cx="0" cy="406428"/>
+          </a:xfrm>
+          <a:prstGeom prst="line">
+            <a:avLst/>
+          </a:prstGeom>
+          <a:ln w="28575">
+            <a:solidFill>
+              <a:schemeClr val="tx1"/>
+            </a:solidFill>
+          </a:ln>
+        </p:spPr>
+        <p:style>
+          <a:lnRef idx="1">
+            <a:schemeClr val="accent1"/>
+          </a:lnRef>
+          <a:fillRef idx="0">
+            <a:schemeClr val="accent1"/>
+          </a:fillRef>
+          <a:effectRef idx="0">
+            <a:schemeClr val="accent1"/>
+          </a:effectRef>
+          <a:fontRef idx="minor">
+            <a:schemeClr val="tx1"/>
+          </a:fontRef>
+        </p:style>
+      </p:cxnSp>
+      <p:cxnSp>
+        <p:nvCxnSpPr>
+          <p:cNvPr id="39" name="Straight Connector 38">
+            <a:extLst>
+              <a:ext uri="{FF2B5EF4-FFF2-40B4-BE49-F238E27FC236}">
+                <a16:creationId xmlns:a16="http://schemas.microsoft.com/office/drawing/2014/main" id="{857F756F-BF30-189A-2E64-6264BC1F68E7}"/>
+              </a:ext>
+            </a:extLst>
+          </p:cNvPr>
+          <p:cNvCxnSpPr>
+            <a:cxnSpLocks/>
+          </p:cNvCxnSpPr>
+          <p:nvPr/>
+        </p:nvCxnSpPr>
+        <p:spPr>
+          <a:xfrm>
+            <a:off x="5633010" y="5108565"/>
+            <a:ext cx="444136" cy="0"/>
+          </a:xfrm>
+          <a:prstGeom prst="line">
+            <a:avLst/>
+          </a:prstGeom>
+          <a:ln w="28575">
+            <a:solidFill>
+              <a:schemeClr val="tx1"/>
+            </a:solidFill>
+          </a:ln>
+        </p:spPr>
+        <p:style>
+          <a:lnRef idx="1">
+            <a:schemeClr val="accent1"/>
+          </a:lnRef>
+          <a:fillRef idx="0">
+            <a:schemeClr val="accent1"/>
+          </a:fillRef>
+          <a:effectRef idx="0">
+            <a:schemeClr val="accent1"/>
+          </a:effectRef>
+          <a:fontRef idx="minor">
+            <a:schemeClr val="tx1"/>
+          </a:fontRef>
+        </p:style>
+      </p:cxnSp>
+      <p:cxnSp>
+        <p:nvCxnSpPr>
+          <p:cNvPr id="40" name="Straight Connector 39">
+            <a:extLst>
+              <a:ext uri="{FF2B5EF4-FFF2-40B4-BE49-F238E27FC236}">
+                <a16:creationId xmlns:a16="http://schemas.microsoft.com/office/drawing/2014/main" id="{7EBEC7FE-8200-31BE-7708-90D6C81E2129}"/>
+              </a:ext>
+            </a:extLst>
+          </p:cNvPr>
+          <p:cNvCxnSpPr>
+            <a:cxnSpLocks/>
+          </p:cNvCxnSpPr>
+          <p:nvPr/>
+        </p:nvCxnSpPr>
+        <p:spPr>
+          <a:xfrm>
+            <a:off x="6054879" y="4702137"/>
+            <a:ext cx="444136" cy="0"/>
+          </a:xfrm>
+          <a:prstGeom prst="line">
+            <a:avLst/>
+          </a:prstGeom>
+          <a:ln w="28575">
+            <a:solidFill>
+              <a:schemeClr val="tx1"/>
+            </a:solidFill>
+          </a:ln>
+        </p:spPr>
+        <p:style>
+          <a:lnRef idx="1">
+            <a:schemeClr val="accent1"/>
+          </a:lnRef>
+          <a:fillRef idx="0">
+            <a:schemeClr val="accent1"/>
+          </a:fillRef>
+          <a:effectRef idx="0">
+            <a:schemeClr val="accent1"/>
+          </a:effectRef>
+          <a:fontRef idx="minor">
+            <a:schemeClr val="tx1"/>
+          </a:fontRef>
+        </p:style>
+      </p:cxnSp>
+      <p:cxnSp>
+        <p:nvCxnSpPr>
+          <p:cNvPr id="41" name="Straight Connector 40">
+            <a:extLst>
+              <a:ext uri="{FF2B5EF4-FFF2-40B4-BE49-F238E27FC236}">
+                <a16:creationId xmlns:a16="http://schemas.microsoft.com/office/drawing/2014/main" id="{C1FEA68A-6B52-4C5C-B991-FA06063A96C7}"/>
+              </a:ext>
+            </a:extLst>
+          </p:cNvPr>
+          <p:cNvCxnSpPr>
+            <a:cxnSpLocks/>
+          </p:cNvCxnSpPr>
+          <p:nvPr/>
+        </p:nvCxnSpPr>
+        <p:spPr>
+          <a:xfrm flipV="1">
+            <a:off x="6484874" y="4710666"/>
+            <a:ext cx="0" cy="406428"/>
+          </a:xfrm>
+          <a:prstGeom prst="line">
+            <a:avLst/>
+          </a:prstGeom>
+          <a:ln w="28575">
+            <a:solidFill>
+              <a:schemeClr val="tx1"/>
+            </a:solidFill>
+          </a:ln>
+        </p:spPr>
+        <p:style>
+          <a:lnRef idx="1">
+            <a:schemeClr val="accent1"/>
+          </a:lnRef>
+          <a:fillRef idx="0">
+            <a:schemeClr val="accent1"/>
+          </a:fillRef>
+          <a:effectRef idx="0">
+            <a:schemeClr val="accent1"/>
+          </a:effectRef>
+          <a:fontRef idx="minor">
+            <a:schemeClr val="tx1"/>
+          </a:fontRef>
+        </p:style>
+      </p:cxnSp>
+      <p:cxnSp>
+        <p:nvCxnSpPr>
+          <p:cNvPr id="42" name="Straight Connector 41">
+            <a:extLst>
+              <a:ext uri="{FF2B5EF4-FFF2-40B4-BE49-F238E27FC236}">
+                <a16:creationId xmlns:a16="http://schemas.microsoft.com/office/drawing/2014/main" id="{34D1DD88-23C5-CB54-27EC-C115BB0A8C04}"/>
+              </a:ext>
+            </a:extLst>
+          </p:cNvPr>
+          <p:cNvCxnSpPr/>
+          <p:nvPr/>
+        </p:nvCxnSpPr>
+        <p:spPr>
+          <a:xfrm>
+            <a:off x="6929010" y="4681845"/>
+            <a:ext cx="0" cy="426720"/>
+          </a:xfrm>
+          <a:prstGeom prst="line">
+            <a:avLst/>
+          </a:prstGeom>
+          <a:ln w="28575">
+            <a:solidFill>
+              <a:schemeClr val="tx1"/>
+            </a:solidFill>
+          </a:ln>
+        </p:spPr>
+        <p:style>
+          <a:lnRef idx="1">
+            <a:schemeClr val="accent1"/>
+          </a:lnRef>
+          <a:fillRef idx="0">
+            <a:schemeClr val="accent1"/>
+          </a:fillRef>
+          <a:effectRef idx="0">
+            <a:schemeClr val="accent1"/>
+          </a:effectRef>
+          <a:fontRef idx="minor">
+            <a:schemeClr val="tx1"/>
+          </a:fontRef>
+        </p:style>
+      </p:cxnSp>
+      <p:cxnSp>
+        <p:nvCxnSpPr>
+          <p:cNvPr id="43" name="Straight Connector 42">
+            <a:extLst>
+              <a:ext uri="{FF2B5EF4-FFF2-40B4-BE49-F238E27FC236}">
+                <a16:creationId xmlns:a16="http://schemas.microsoft.com/office/drawing/2014/main" id="{2A7222FA-F75F-3EEF-AD59-3D15C71A1780}"/>
+              </a:ext>
+            </a:extLst>
+          </p:cNvPr>
+          <p:cNvCxnSpPr>
+            <a:cxnSpLocks/>
+          </p:cNvCxnSpPr>
+          <p:nvPr/>
+        </p:nvCxnSpPr>
+        <p:spPr>
+          <a:xfrm>
+            <a:off x="6484874" y="5117590"/>
+            <a:ext cx="444136" cy="0"/>
+          </a:xfrm>
+          <a:prstGeom prst="line">
+            <a:avLst/>
+          </a:prstGeom>
+          <a:ln w="28575">
+            <a:solidFill>
+              <a:schemeClr val="tx1"/>
+            </a:solidFill>
+          </a:ln>
+        </p:spPr>
+        <p:style>
+          <a:lnRef idx="1">
+            <a:schemeClr val="accent1"/>
+          </a:lnRef>
+          <a:fillRef idx="0">
+            <a:schemeClr val="accent1"/>
+          </a:fillRef>
+          <a:effectRef idx="0">
+            <a:schemeClr val="accent1"/>
+          </a:effectRef>
+          <a:fontRef idx="minor">
+            <a:schemeClr val="tx1"/>
+          </a:fontRef>
+        </p:style>
+      </p:cxnSp>
+      <p:cxnSp>
+        <p:nvCxnSpPr>
+          <p:cNvPr id="44" name="Straight Connector 43">
+            <a:extLst>
+              <a:ext uri="{FF2B5EF4-FFF2-40B4-BE49-F238E27FC236}">
+                <a16:creationId xmlns:a16="http://schemas.microsoft.com/office/drawing/2014/main" id="{8F2450E2-5C95-E072-89E6-D9427872E6C3}"/>
+              </a:ext>
+            </a:extLst>
+          </p:cNvPr>
+          <p:cNvCxnSpPr/>
+          <p:nvPr/>
+        </p:nvCxnSpPr>
+        <p:spPr>
+          <a:xfrm>
+            <a:off x="2595155" y="5597815"/>
+            <a:ext cx="0" cy="426720"/>
+          </a:xfrm>
+          <a:prstGeom prst="line">
+            <a:avLst/>
+          </a:prstGeom>
+          <a:ln w="28575"/>
+        </p:spPr>
+        <p:style>
+          <a:lnRef idx="1">
+            <a:schemeClr val="accent1"/>
+          </a:lnRef>
+          <a:fillRef idx="0">
+            <a:schemeClr val="accent1"/>
+          </a:fillRef>
+          <a:effectRef idx="0">
+            <a:schemeClr val="accent1"/>
+          </a:effectRef>
+          <a:fontRef idx="minor">
+            <a:schemeClr val="tx1"/>
+          </a:fontRef>
+        </p:style>
+      </p:cxnSp>
+      <p:cxnSp>
+        <p:nvCxnSpPr>
+          <p:cNvPr id="45" name="Straight Connector 44">
+            <a:extLst>
+              <a:ext uri="{FF2B5EF4-FFF2-40B4-BE49-F238E27FC236}">
+                <a16:creationId xmlns:a16="http://schemas.microsoft.com/office/drawing/2014/main" id="{2C53B601-445D-5500-56E7-DAE2824B2AE2}"/>
+              </a:ext>
+            </a:extLst>
+          </p:cNvPr>
+          <p:cNvCxnSpPr>
+            <a:cxnSpLocks/>
+          </p:cNvCxnSpPr>
+          <p:nvPr/>
+        </p:nvCxnSpPr>
+        <p:spPr>
+          <a:xfrm flipV="1">
+            <a:off x="2986492" y="5597815"/>
+            <a:ext cx="1460" cy="426720"/>
+          </a:xfrm>
+          <a:prstGeom prst="line">
+            <a:avLst/>
+          </a:prstGeom>
+          <a:ln w="28575"/>
+        </p:spPr>
+        <p:style>
+          <a:lnRef idx="1">
+            <a:schemeClr val="accent1"/>
+          </a:lnRef>
+          <a:fillRef idx="0">
+            <a:schemeClr val="accent1"/>
+          </a:fillRef>
+          <a:effectRef idx="0">
+            <a:schemeClr val="accent1"/>
+          </a:effectRef>
+          <a:fontRef idx="minor">
+            <a:schemeClr val="tx1"/>
+          </a:fontRef>
+        </p:style>
+      </p:cxnSp>
+      <p:cxnSp>
+        <p:nvCxnSpPr>
+          <p:cNvPr id="47" name="Straight Connector 46">
+            <a:extLst>
+              <a:ext uri="{FF2B5EF4-FFF2-40B4-BE49-F238E27FC236}">
+                <a16:creationId xmlns:a16="http://schemas.microsoft.com/office/drawing/2014/main" id="{3D7363BE-5197-A86D-9333-2BE23433A486}"/>
+              </a:ext>
+            </a:extLst>
+          </p:cNvPr>
+          <p:cNvCxnSpPr>
+            <a:cxnSpLocks/>
+          </p:cNvCxnSpPr>
+          <p:nvPr/>
+        </p:nvCxnSpPr>
+        <p:spPr>
+          <a:xfrm>
+            <a:off x="2595155" y="5598489"/>
+            <a:ext cx="392066" cy="0"/>
+          </a:xfrm>
+          <a:prstGeom prst="line">
+            <a:avLst/>
+          </a:prstGeom>
+          <a:ln w="28575"/>
+        </p:spPr>
+        <p:style>
+          <a:lnRef idx="1">
+            <a:schemeClr val="accent1"/>
+          </a:lnRef>
+          <a:fillRef idx="0">
+            <a:schemeClr val="accent1"/>
+          </a:fillRef>
+          <a:effectRef idx="0">
+            <a:schemeClr val="accent1"/>
+          </a:effectRef>
+          <a:fontRef idx="minor">
+            <a:schemeClr val="tx1"/>
+          </a:fontRef>
+        </p:style>
+      </p:cxnSp>
+      <p:cxnSp>
+        <p:nvCxnSpPr>
+          <p:cNvPr id="50" name="Straight Connector 49">
+            <a:extLst>
+              <a:ext uri="{FF2B5EF4-FFF2-40B4-BE49-F238E27FC236}">
+                <a16:creationId xmlns:a16="http://schemas.microsoft.com/office/drawing/2014/main" id="{CD85CF3F-9BF4-E66A-609D-5C3A1EFA8133}"/>
+              </a:ext>
+            </a:extLst>
+          </p:cNvPr>
+          <p:cNvCxnSpPr>
+            <a:cxnSpLocks/>
+          </p:cNvCxnSpPr>
+          <p:nvPr/>
+        </p:nvCxnSpPr>
+        <p:spPr>
+          <a:xfrm>
+            <a:off x="2986492" y="6024535"/>
+            <a:ext cx="3068387" cy="0"/>
+          </a:xfrm>
+          <a:prstGeom prst="line">
+            <a:avLst/>
+          </a:prstGeom>
+          <a:ln w="28575"/>
+        </p:spPr>
+        <p:style>
+          <a:lnRef idx="1">
+            <a:schemeClr val="accent1"/>
+          </a:lnRef>
+          <a:fillRef idx="0">
+            <a:schemeClr val="accent1"/>
+          </a:fillRef>
+          <a:effectRef idx="0">
+            <a:schemeClr val="accent1"/>
+          </a:effectRef>
+          <a:fontRef idx="minor">
+            <a:schemeClr val="tx1"/>
+          </a:fontRef>
+        </p:style>
+      </p:cxnSp>
+      <p:cxnSp>
+        <p:nvCxnSpPr>
+          <p:cNvPr id="54" name="Straight Connector 53">
+            <a:extLst>
+              <a:ext uri="{FF2B5EF4-FFF2-40B4-BE49-F238E27FC236}">
+                <a16:creationId xmlns:a16="http://schemas.microsoft.com/office/drawing/2014/main" id="{4DD94ED2-AC12-60A1-5D54-24164FC11DDF}"/>
+              </a:ext>
+            </a:extLst>
+          </p:cNvPr>
+          <p:cNvCxnSpPr/>
+          <p:nvPr/>
+        </p:nvCxnSpPr>
+        <p:spPr>
+          <a:xfrm>
+            <a:off x="6054879" y="5597815"/>
+            <a:ext cx="0" cy="426720"/>
+          </a:xfrm>
+          <a:prstGeom prst="line">
+            <a:avLst/>
+          </a:prstGeom>
+          <a:ln w="28575"/>
+        </p:spPr>
+        <p:style>
+          <a:lnRef idx="1">
+            <a:schemeClr val="accent1"/>
+          </a:lnRef>
+          <a:fillRef idx="0">
+            <a:schemeClr val="accent1"/>
+          </a:fillRef>
+          <a:effectRef idx="0">
+            <a:schemeClr val="accent1"/>
+          </a:effectRef>
+          <a:fontRef idx="minor">
+            <a:schemeClr val="tx1"/>
+          </a:fontRef>
+        </p:style>
+      </p:cxnSp>
+      <p:cxnSp>
+        <p:nvCxnSpPr>
+          <p:cNvPr id="56" name="Straight Connector 55">
+            <a:extLst>
+              <a:ext uri="{FF2B5EF4-FFF2-40B4-BE49-F238E27FC236}">
+                <a16:creationId xmlns:a16="http://schemas.microsoft.com/office/drawing/2014/main" id="{F94634B8-B6CA-7455-3CAC-5C3B24EB3AD9}"/>
+              </a:ext>
+            </a:extLst>
+          </p:cNvPr>
+          <p:cNvCxnSpPr>
+            <a:cxnSpLocks/>
+          </p:cNvCxnSpPr>
+          <p:nvPr/>
+        </p:nvCxnSpPr>
+        <p:spPr>
+          <a:xfrm flipH="1">
+            <a:off x="6054879" y="5597815"/>
+            <a:ext cx="421683" cy="0"/>
+          </a:xfrm>
+          <a:prstGeom prst="line">
+            <a:avLst/>
+          </a:prstGeom>
+          <a:ln w="28575"/>
+        </p:spPr>
+        <p:style>
+          <a:lnRef idx="1">
+            <a:schemeClr val="accent1"/>
+          </a:lnRef>
+          <a:fillRef idx="0">
+            <a:schemeClr val="accent1"/>
+          </a:fillRef>
+          <a:effectRef idx="0">
+            <a:schemeClr val="accent1"/>
+          </a:effectRef>
+          <a:fontRef idx="minor">
+            <a:schemeClr val="tx1"/>
+          </a:fontRef>
+        </p:style>
+      </p:cxnSp>
+      <p:cxnSp>
+        <p:nvCxnSpPr>
+          <p:cNvPr id="58" name="Straight Connector 57">
+            <a:extLst>
+              <a:ext uri="{FF2B5EF4-FFF2-40B4-BE49-F238E27FC236}">
+                <a16:creationId xmlns:a16="http://schemas.microsoft.com/office/drawing/2014/main" id="{6ABCCD63-430F-5E47-BBAB-02EDEAA43BBA}"/>
+              </a:ext>
+            </a:extLst>
+          </p:cNvPr>
+          <p:cNvCxnSpPr/>
+          <p:nvPr/>
+        </p:nvCxnSpPr>
+        <p:spPr>
+          <a:xfrm>
+            <a:off x="6470462" y="5597815"/>
+            <a:ext cx="0" cy="426720"/>
+          </a:xfrm>
+          <a:prstGeom prst="line">
+            <a:avLst/>
+          </a:prstGeom>
+          <a:ln w="28575"/>
+        </p:spPr>
+        <p:style>
+          <a:lnRef idx="1">
+            <a:schemeClr val="accent1"/>
+          </a:lnRef>
+          <a:fillRef idx="0">
+            <a:schemeClr val="accent1"/>
+          </a:fillRef>
+          <a:effectRef idx="0">
+            <a:schemeClr val="accent1"/>
+          </a:effectRef>
+          <a:fontRef idx="minor">
+            <a:schemeClr val="tx1"/>
+          </a:fontRef>
+        </p:style>
+      </p:cxnSp>
+      <p:cxnSp>
+        <p:nvCxnSpPr>
+          <p:cNvPr id="59" name="Straight Connector 58">
+            <a:extLst>
+              <a:ext uri="{FF2B5EF4-FFF2-40B4-BE49-F238E27FC236}">
+                <a16:creationId xmlns:a16="http://schemas.microsoft.com/office/drawing/2014/main" id="{28541AEB-3F12-A4EE-692C-CE57C8F16E88}"/>
+              </a:ext>
+            </a:extLst>
+          </p:cNvPr>
+          <p:cNvCxnSpPr>
+            <a:cxnSpLocks/>
+          </p:cNvCxnSpPr>
+          <p:nvPr/>
+        </p:nvCxnSpPr>
+        <p:spPr>
+          <a:xfrm>
+            <a:off x="6470462" y="6024535"/>
+            <a:ext cx="444136" cy="0"/>
+          </a:xfrm>
+          <a:prstGeom prst="line">
+            <a:avLst/>
+          </a:prstGeom>
+          <a:ln w="28575"/>
+        </p:spPr>
+        <p:style>
+          <a:lnRef idx="1">
+            <a:schemeClr val="accent1"/>
+          </a:lnRef>
+          <a:fillRef idx="0">
+            <a:schemeClr val="accent1"/>
+          </a:fillRef>
+          <a:effectRef idx="0">
+            <a:schemeClr val="accent1"/>
+          </a:effectRef>
+          <a:fontRef idx="minor">
+            <a:schemeClr val="tx1"/>
+          </a:fontRef>
+        </p:style>
+      </p:cxnSp>
+      <p:cxnSp>
+        <p:nvCxnSpPr>
+          <p:cNvPr id="60" name="Straight Connector 59">
+            <a:extLst>
+              <a:ext uri="{FF2B5EF4-FFF2-40B4-BE49-F238E27FC236}">
+                <a16:creationId xmlns:a16="http://schemas.microsoft.com/office/drawing/2014/main" id="{CF20BD0E-0BAE-DDD0-C122-A42A7477017B}"/>
+              </a:ext>
+            </a:extLst>
+          </p:cNvPr>
+          <p:cNvCxnSpPr>
+            <a:cxnSpLocks/>
+          </p:cNvCxnSpPr>
+          <p:nvPr/>
+        </p:nvCxnSpPr>
+        <p:spPr>
+          <a:xfrm>
+            <a:off x="2151019" y="5108565"/>
+            <a:ext cx="444136" cy="0"/>
+          </a:xfrm>
+          <a:prstGeom prst="line">
+            <a:avLst/>
+          </a:prstGeom>
+          <a:ln w="28575">
+            <a:solidFill>
+              <a:schemeClr val="tx1"/>
+            </a:solidFill>
+          </a:ln>
+        </p:spPr>
+        <p:style>
+          <a:lnRef idx="1">
+            <a:schemeClr val="accent1"/>
+          </a:lnRef>
+          <a:fillRef idx="0">
+            <a:schemeClr val="accent1"/>
+          </a:fillRef>
+          <a:effectRef idx="0">
+            <a:schemeClr val="accent1"/>
+          </a:effectRef>
+          <a:fontRef idx="minor">
+            <a:schemeClr val="tx1"/>
+          </a:fontRef>
+        </p:style>
+      </p:cxnSp>
+      <p:cxnSp>
+        <p:nvCxnSpPr>
+          <p:cNvPr id="61" name="Straight Connector 60">
+            <a:extLst>
+              <a:ext uri="{FF2B5EF4-FFF2-40B4-BE49-F238E27FC236}">
+                <a16:creationId xmlns:a16="http://schemas.microsoft.com/office/drawing/2014/main" id="{8DB23C51-8F73-A3B8-4FD3-1B5A25C69544}"/>
+              </a:ext>
+            </a:extLst>
+          </p:cNvPr>
+          <p:cNvCxnSpPr>
+            <a:cxnSpLocks/>
+          </p:cNvCxnSpPr>
+          <p:nvPr/>
+        </p:nvCxnSpPr>
+        <p:spPr>
+          <a:xfrm>
+            <a:off x="2151019" y="6024535"/>
+            <a:ext cx="444136" cy="0"/>
+          </a:xfrm>
+          <a:prstGeom prst="line">
+            <a:avLst/>
+          </a:prstGeom>
+          <a:ln w="28575"/>
+        </p:spPr>
+        <p:style>
+          <a:lnRef idx="1">
+            <a:schemeClr val="accent1"/>
+          </a:lnRef>
+          <a:fillRef idx="0">
+            <a:schemeClr val="accent1"/>
+          </a:fillRef>
+          <a:effectRef idx="0">
+            <a:schemeClr val="accent1"/>
+          </a:effectRef>
+          <a:fontRef idx="minor">
+            <a:schemeClr val="tx1"/>
+          </a:fontRef>
+        </p:style>
+      </p:cxnSp>
+      <p:cxnSp>
+        <p:nvCxnSpPr>
+          <p:cNvPr id="63" name="Straight Connector 62">
+            <a:extLst>
+              <a:ext uri="{FF2B5EF4-FFF2-40B4-BE49-F238E27FC236}">
+                <a16:creationId xmlns:a16="http://schemas.microsoft.com/office/drawing/2014/main" id="{20168AB5-CBD3-70DA-C4DA-C7D85FCCC5A3}"/>
+              </a:ext>
+            </a:extLst>
+          </p:cNvPr>
+          <p:cNvCxnSpPr>
+            <a:cxnSpLocks/>
+          </p:cNvCxnSpPr>
+          <p:nvPr/>
+        </p:nvCxnSpPr>
+        <p:spPr>
+          <a:xfrm flipH="1">
+            <a:off x="2151019" y="4681845"/>
+            <a:ext cx="0" cy="1649691"/>
+          </a:xfrm>
+          <a:prstGeom prst="line">
+            <a:avLst/>
+          </a:prstGeom>
+          <a:ln>
+            <a:prstDash val="dash"/>
+          </a:ln>
+        </p:spPr>
+        <p:style>
+          <a:lnRef idx="1">
+            <a:schemeClr val="dk1"/>
+          </a:lnRef>
+          <a:fillRef idx="0">
+            <a:schemeClr val="dk1"/>
+          </a:fillRef>
+          <a:effectRef idx="0">
+            <a:schemeClr val="dk1"/>
+          </a:effectRef>
+          <a:fontRef idx="minor">
+            <a:schemeClr val="tx1"/>
+          </a:fontRef>
+        </p:style>
+      </p:cxnSp>
+      <p:sp>
+        <p:nvSpPr>
+          <p:cNvPr id="65" name="TextBox 64">
+            <a:extLst>
+              <a:ext uri="{FF2B5EF4-FFF2-40B4-BE49-F238E27FC236}">
+                <a16:creationId xmlns:a16="http://schemas.microsoft.com/office/drawing/2014/main" id="{F86992F9-F7FE-B498-9273-8839C9BEB937}"/>
+              </a:ext>
+            </a:extLst>
+          </p:cNvPr>
+          <p:cNvSpPr txBox="1"/>
+          <p:nvPr/>
+        </p:nvSpPr>
+        <p:spPr>
+          <a:xfrm>
+            <a:off x="1980192" y="4373581"/>
+            <a:ext cx="341654" cy="276999"/>
+          </a:xfrm>
+          <a:prstGeom prst="rect">
+            <a:avLst/>
+          </a:prstGeom>
+          <a:noFill/>
+        </p:spPr>
+        <p:txBody>
+          <a:bodyPr wrap="square" rtlCol="0">
+            <a:spAutoFit/>
+          </a:bodyPr>
+          <a:lstStyle/>
+          <a:p>
+            <a:r>
+              <a:rPr lang="en-SG" sz="1200" b="1" dirty="0"/>
+              <a:t>t0</a:t>
+            </a:r>
+          </a:p>
+        </p:txBody>
+      </p:sp>
+      <p:cxnSp>
+        <p:nvCxnSpPr>
+          <p:cNvPr id="68" name="Straight Connector 67">
+            <a:extLst>
+              <a:ext uri="{FF2B5EF4-FFF2-40B4-BE49-F238E27FC236}">
+                <a16:creationId xmlns:a16="http://schemas.microsoft.com/office/drawing/2014/main" id="{2BB85B37-D6F4-4A04-65AA-E3FBE086EF1C}"/>
+              </a:ext>
+            </a:extLst>
+          </p:cNvPr>
+          <p:cNvCxnSpPr>
+            <a:cxnSpLocks/>
+          </p:cNvCxnSpPr>
+          <p:nvPr/>
+        </p:nvCxnSpPr>
+        <p:spPr>
+          <a:xfrm>
+            <a:off x="2595155" y="5108565"/>
+            <a:ext cx="0" cy="459401"/>
+          </a:xfrm>
+          <a:prstGeom prst="line">
+            <a:avLst/>
+          </a:prstGeom>
+          <a:ln>
+            <a:prstDash val="dash"/>
+          </a:ln>
+        </p:spPr>
+        <p:style>
+          <a:lnRef idx="1">
+            <a:schemeClr val="dk1"/>
+          </a:lnRef>
+          <a:fillRef idx="0">
+            <a:schemeClr val="dk1"/>
+          </a:fillRef>
+          <a:effectRef idx="0">
+            <a:schemeClr val="dk1"/>
+          </a:effectRef>
+          <a:fontRef idx="minor">
+            <a:schemeClr val="tx1"/>
+          </a:fontRef>
+        </p:style>
+      </p:cxnSp>
+      <p:cxnSp>
+        <p:nvCxnSpPr>
+          <p:cNvPr id="71" name="Straight Arrow Connector 70">
+            <a:extLst>
+              <a:ext uri="{FF2B5EF4-FFF2-40B4-BE49-F238E27FC236}">
+                <a16:creationId xmlns:a16="http://schemas.microsoft.com/office/drawing/2014/main" id="{5938B5C6-59C1-F04B-5DA9-756E5AF1F8C0}"/>
+              </a:ext>
+            </a:extLst>
+          </p:cNvPr>
+          <p:cNvCxnSpPr>
+            <a:cxnSpLocks/>
+          </p:cNvCxnSpPr>
+          <p:nvPr/>
+        </p:nvCxnSpPr>
+        <p:spPr>
+          <a:xfrm>
+            <a:off x="2151019" y="5338265"/>
+            <a:ext cx="444136" cy="0"/>
+          </a:xfrm>
+          <a:prstGeom prst="straightConnector1">
+            <a:avLst/>
+          </a:prstGeom>
+          <a:ln>
+            <a:prstDash val="dash"/>
+            <a:headEnd type="triangle"/>
+            <a:tailEnd type="triangle"/>
+          </a:ln>
+        </p:spPr>
+        <p:style>
+          <a:lnRef idx="1">
+            <a:schemeClr val="accent1"/>
+          </a:lnRef>
+          <a:fillRef idx="0">
+            <a:schemeClr val="accent1"/>
+          </a:fillRef>
+          <a:effectRef idx="0">
+            <a:schemeClr val="accent1"/>
+          </a:effectRef>
+          <a:fontRef idx="minor">
+            <a:schemeClr val="tx1"/>
+          </a:fontRef>
+        </p:style>
+      </p:cxnSp>
+      <p:sp>
+        <p:nvSpPr>
+          <p:cNvPr id="73" name="TextBox 72">
+            <a:extLst>
+              <a:ext uri="{FF2B5EF4-FFF2-40B4-BE49-F238E27FC236}">
+                <a16:creationId xmlns:a16="http://schemas.microsoft.com/office/drawing/2014/main" id="{9E64ACA3-910D-999B-E051-615A56B41C05}"/>
+              </a:ext>
+            </a:extLst>
+          </p:cNvPr>
+          <p:cNvSpPr txBox="1"/>
+          <p:nvPr/>
+        </p:nvSpPr>
+        <p:spPr>
+          <a:xfrm>
+            <a:off x="2097351" y="5052205"/>
+            <a:ext cx="573871" cy="276999"/>
+          </a:xfrm>
+          <a:prstGeom prst="rect">
+            <a:avLst/>
+          </a:prstGeom>
+          <a:noFill/>
+          <a:ln>
+            <a:noFill/>
+          </a:ln>
+        </p:spPr>
+        <p:txBody>
+          <a:bodyPr wrap="square" rtlCol="0">
+            <a:spAutoFit/>
+          </a:bodyPr>
+          <a:lstStyle/>
+          <a:p>
+            <a:r>
+              <a:rPr lang="en-SG" sz="1200" b="1" dirty="0"/>
+              <a:t>10ms</a:t>
+            </a:r>
+          </a:p>
+        </p:txBody>
+      </p:sp>
+      <p:cxnSp>
+        <p:nvCxnSpPr>
+          <p:cNvPr id="75" name="Straight Arrow Connector 74">
+            <a:extLst>
+              <a:ext uri="{FF2B5EF4-FFF2-40B4-BE49-F238E27FC236}">
+                <a16:creationId xmlns:a16="http://schemas.microsoft.com/office/drawing/2014/main" id="{F4463FDA-12B2-AC6F-A73C-AEE9EC6CCE03}"/>
+              </a:ext>
+            </a:extLst>
+          </p:cNvPr>
+          <p:cNvCxnSpPr/>
+          <p:nvPr/>
+        </p:nvCxnSpPr>
+        <p:spPr>
+          <a:xfrm>
+            <a:off x="2817223" y="4373581"/>
+            <a:ext cx="0" cy="308264"/>
+          </a:xfrm>
+          <a:prstGeom prst="straightConnector1">
+            <a:avLst/>
+          </a:prstGeom>
+          <a:ln>
+            <a:prstDash val="dash"/>
+            <a:tailEnd type="triangle"/>
+          </a:ln>
+        </p:spPr>
+        <p:style>
+          <a:lnRef idx="1">
+            <a:schemeClr val="accent1"/>
+          </a:lnRef>
+          <a:fillRef idx="0">
+            <a:schemeClr val="accent1"/>
+          </a:fillRef>
+          <a:effectRef idx="0">
+            <a:schemeClr val="accent1"/>
+          </a:effectRef>
+          <a:fontRef idx="minor">
+            <a:schemeClr val="tx1"/>
+          </a:fontRef>
+        </p:style>
+      </p:cxnSp>
+      <p:cxnSp>
+        <p:nvCxnSpPr>
+          <p:cNvPr id="76" name="Straight Arrow Connector 75">
+            <a:extLst>
+              <a:ext uri="{FF2B5EF4-FFF2-40B4-BE49-F238E27FC236}">
+                <a16:creationId xmlns:a16="http://schemas.microsoft.com/office/drawing/2014/main" id="{59DD0A42-6574-ED2D-BA8F-FBEA3008D6EE}"/>
+              </a:ext>
+            </a:extLst>
+          </p:cNvPr>
+          <p:cNvCxnSpPr>
+            <a:cxnSpLocks/>
+          </p:cNvCxnSpPr>
+          <p:nvPr/>
+        </p:nvCxnSpPr>
+        <p:spPr>
+          <a:xfrm>
+            <a:off x="3653425" y="4373581"/>
+            <a:ext cx="0" cy="328556"/>
+          </a:xfrm>
+          <a:prstGeom prst="straightConnector1">
+            <a:avLst/>
+          </a:prstGeom>
+          <a:ln>
+            <a:prstDash val="dash"/>
+            <a:tailEnd type="triangle"/>
+          </a:ln>
+        </p:spPr>
+        <p:style>
+          <a:lnRef idx="1">
+            <a:schemeClr val="accent1"/>
+          </a:lnRef>
+          <a:fillRef idx="0">
+            <a:schemeClr val="accent1"/>
+          </a:fillRef>
+          <a:effectRef idx="0">
+            <a:schemeClr val="accent1"/>
+          </a:effectRef>
+          <a:fontRef idx="minor">
+            <a:schemeClr val="tx1"/>
+          </a:fontRef>
+        </p:style>
+      </p:cxnSp>
+      <p:cxnSp>
+        <p:nvCxnSpPr>
+          <p:cNvPr id="77" name="Straight Arrow Connector 76">
+            <a:extLst>
+              <a:ext uri="{FF2B5EF4-FFF2-40B4-BE49-F238E27FC236}">
+                <a16:creationId xmlns:a16="http://schemas.microsoft.com/office/drawing/2014/main" id="{79FF710A-9FF1-1524-BEBE-37653EEDDD5D}"/>
+              </a:ext>
+            </a:extLst>
+          </p:cNvPr>
+          <p:cNvCxnSpPr/>
+          <p:nvPr/>
+        </p:nvCxnSpPr>
+        <p:spPr>
+          <a:xfrm>
+            <a:off x="4541877" y="4373581"/>
+            <a:ext cx="0" cy="308264"/>
+          </a:xfrm>
+          <a:prstGeom prst="straightConnector1">
+            <a:avLst/>
+          </a:prstGeom>
+          <a:ln>
+            <a:prstDash val="dash"/>
+            <a:tailEnd type="triangle"/>
+          </a:ln>
+        </p:spPr>
+        <p:style>
+          <a:lnRef idx="1">
+            <a:schemeClr val="accent1"/>
+          </a:lnRef>
+          <a:fillRef idx="0">
+            <a:schemeClr val="accent1"/>
+          </a:fillRef>
+          <a:effectRef idx="0">
+            <a:schemeClr val="accent1"/>
+          </a:effectRef>
+          <a:fontRef idx="minor">
+            <a:schemeClr val="tx1"/>
+          </a:fontRef>
+        </p:style>
+      </p:cxnSp>
+      <p:cxnSp>
+        <p:nvCxnSpPr>
+          <p:cNvPr id="78" name="Straight Arrow Connector 77">
+            <a:extLst>
+              <a:ext uri="{FF2B5EF4-FFF2-40B4-BE49-F238E27FC236}">
+                <a16:creationId xmlns:a16="http://schemas.microsoft.com/office/drawing/2014/main" id="{FEC821A5-60A2-91AC-C735-B34A3061EEFB}"/>
+              </a:ext>
+            </a:extLst>
+          </p:cNvPr>
+          <p:cNvCxnSpPr>
+            <a:cxnSpLocks/>
+          </p:cNvCxnSpPr>
+          <p:nvPr/>
+        </p:nvCxnSpPr>
+        <p:spPr>
+          <a:xfrm>
+            <a:off x="5430149" y="4373581"/>
+            <a:ext cx="0" cy="337085"/>
+          </a:xfrm>
+          <a:prstGeom prst="straightConnector1">
+            <a:avLst/>
+          </a:prstGeom>
+          <a:ln>
+            <a:solidFill>
+              <a:schemeClr val="accent1"/>
+            </a:solidFill>
+            <a:prstDash val="dash"/>
+            <a:tailEnd type="triangle"/>
+          </a:ln>
+        </p:spPr>
+        <p:style>
+          <a:lnRef idx="1">
+            <a:schemeClr val="accent1"/>
+          </a:lnRef>
+          <a:fillRef idx="0">
+            <a:schemeClr val="accent1"/>
+          </a:fillRef>
+          <a:effectRef idx="0">
+            <a:schemeClr val="accent1"/>
+          </a:effectRef>
+          <a:fontRef idx="minor">
+            <a:schemeClr val="tx1"/>
+          </a:fontRef>
+        </p:style>
+      </p:cxnSp>
+      <p:sp>
+        <p:nvSpPr>
+          <p:cNvPr id="79" name="TextBox 78">
+            <a:extLst>
+              <a:ext uri="{FF2B5EF4-FFF2-40B4-BE49-F238E27FC236}">
+                <a16:creationId xmlns:a16="http://schemas.microsoft.com/office/drawing/2014/main" id="{B4EC7C2E-3B0C-624B-F363-061341B66910}"/>
+              </a:ext>
+            </a:extLst>
+          </p:cNvPr>
+          <p:cNvSpPr txBox="1"/>
+          <p:nvPr/>
+        </p:nvSpPr>
+        <p:spPr>
+          <a:xfrm>
+            <a:off x="2595155" y="4091183"/>
+            <a:ext cx="3126914" cy="261610"/>
+          </a:xfrm>
+          <a:prstGeom prst="rect">
+            <a:avLst/>
+          </a:prstGeom>
+          <a:noFill/>
+          <a:ln w="6350">
+            <a:solidFill>
+              <a:schemeClr val="tx1"/>
+            </a:solidFill>
+            <a:prstDash val="dash"/>
+          </a:ln>
+        </p:spPr>
+        <p:txBody>
+          <a:bodyPr wrap="square" rtlCol="0">
+            <a:spAutoFit/>
+          </a:bodyPr>
+          <a:lstStyle/>
+          <a:p>
+            <a:r>
+              <a:rPr lang="en-SG" sz="1100" b="1" dirty="0">
+                <a:solidFill>
+                  <a:srgbClr val="002060"/>
+                </a:solidFill>
+              </a:rPr>
+              <a:t>Fetch PLC Input sensor voltage and set the register </a:t>
+            </a:r>
+          </a:p>
+        </p:txBody>
+      </p:sp>
+      <p:cxnSp>
+        <p:nvCxnSpPr>
+          <p:cNvPr id="83" name="Straight Arrow Connector 82">
+            <a:extLst>
+              <a:ext uri="{FF2B5EF4-FFF2-40B4-BE49-F238E27FC236}">
+                <a16:creationId xmlns:a16="http://schemas.microsoft.com/office/drawing/2014/main" id="{9D245F80-3A37-809D-A5E8-5B513E11BACC}"/>
+              </a:ext>
+            </a:extLst>
+          </p:cNvPr>
+          <p:cNvCxnSpPr>
+            <a:cxnSpLocks/>
+          </p:cNvCxnSpPr>
+          <p:nvPr/>
+        </p:nvCxnSpPr>
+        <p:spPr>
+          <a:xfrm flipH="1" flipV="1">
+            <a:off x="4078708" y="5107299"/>
+            <a:ext cx="0" cy="230966"/>
+          </a:xfrm>
+          <a:prstGeom prst="straightConnector1">
+            <a:avLst/>
+          </a:prstGeom>
+          <a:ln>
+            <a:solidFill>
+              <a:srgbClr val="C00000"/>
+            </a:solidFill>
+            <a:tailEnd type="triangle"/>
+          </a:ln>
+        </p:spPr>
+        <p:style>
+          <a:lnRef idx="1">
+            <a:schemeClr val="accent1"/>
+          </a:lnRef>
+          <a:fillRef idx="0">
+            <a:schemeClr val="accent1"/>
+          </a:fillRef>
+          <a:effectRef idx="0">
+            <a:schemeClr val="accent1"/>
+          </a:effectRef>
+          <a:fontRef idx="minor">
+            <a:schemeClr val="tx1"/>
+          </a:fontRef>
+        </p:style>
+      </p:cxnSp>
+      <p:cxnSp>
+        <p:nvCxnSpPr>
+          <p:cNvPr id="86" name="Straight Arrow Connector 85">
+            <a:extLst>
+              <a:ext uri="{FF2B5EF4-FFF2-40B4-BE49-F238E27FC236}">
+                <a16:creationId xmlns:a16="http://schemas.microsoft.com/office/drawing/2014/main" id="{DB2ED138-4C11-E670-1BCF-AE5CBF6A4659}"/>
+              </a:ext>
+            </a:extLst>
+          </p:cNvPr>
+          <p:cNvCxnSpPr>
+            <a:cxnSpLocks/>
+          </p:cNvCxnSpPr>
+          <p:nvPr/>
+        </p:nvCxnSpPr>
+        <p:spPr>
+          <a:xfrm>
+            <a:off x="4078708" y="5683872"/>
+            <a:ext cx="0" cy="340663"/>
+          </a:xfrm>
+          <a:prstGeom prst="straightConnector1">
+            <a:avLst/>
+          </a:prstGeom>
+          <a:ln>
+            <a:solidFill>
+              <a:srgbClr val="C00000"/>
+            </a:solidFill>
+            <a:tailEnd type="triangle"/>
+          </a:ln>
+        </p:spPr>
+        <p:style>
+          <a:lnRef idx="1">
+            <a:schemeClr val="accent1"/>
+          </a:lnRef>
+          <a:fillRef idx="0">
+            <a:schemeClr val="accent1"/>
+          </a:fillRef>
+          <a:effectRef idx="0">
+            <a:schemeClr val="accent1"/>
+          </a:effectRef>
+          <a:fontRef idx="minor">
+            <a:schemeClr val="tx1"/>
+          </a:fontRef>
+        </p:style>
+      </p:cxnSp>
+      <p:cxnSp>
+        <p:nvCxnSpPr>
+          <p:cNvPr id="87" name="Straight Connector 86">
+            <a:extLst>
+              <a:ext uri="{FF2B5EF4-FFF2-40B4-BE49-F238E27FC236}">
+                <a16:creationId xmlns:a16="http://schemas.microsoft.com/office/drawing/2014/main" id="{C4E01D02-E4D5-0059-9F82-4EB31E7C7FD2}"/>
+              </a:ext>
+            </a:extLst>
+          </p:cNvPr>
+          <p:cNvCxnSpPr>
+            <a:cxnSpLocks/>
+          </p:cNvCxnSpPr>
+          <p:nvPr/>
+        </p:nvCxnSpPr>
+        <p:spPr>
+          <a:xfrm flipH="1">
+            <a:off x="6239414" y="4537859"/>
+            <a:ext cx="0" cy="1649691"/>
+          </a:xfrm>
+          <a:prstGeom prst="line">
+            <a:avLst/>
+          </a:prstGeom>
+          <a:ln>
+            <a:solidFill>
+              <a:schemeClr val="tx1"/>
+            </a:solidFill>
+            <a:prstDash val="dash"/>
+          </a:ln>
+        </p:spPr>
+        <p:style>
+          <a:lnRef idx="1">
+            <a:schemeClr val="dk1"/>
+          </a:lnRef>
+          <a:fillRef idx="0">
+            <a:schemeClr val="dk1"/>
+          </a:fillRef>
+          <a:effectRef idx="0">
+            <a:schemeClr val="dk1"/>
+          </a:effectRef>
+          <a:fontRef idx="minor">
+            <a:schemeClr val="tx1"/>
+          </a:fontRef>
+        </p:style>
+      </p:cxnSp>
+      <p:sp>
+        <p:nvSpPr>
+          <p:cNvPr id="90" name="TextBox 89">
+            <a:extLst>
+              <a:ext uri="{FF2B5EF4-FFF2-40B4-BE49-F238E27FC236}">
+                <a16:creationId xmlns:a16="http://schemas.microsoft.com/office/drawing/2014/main" id="{49A32BAC-B5CE-0880-41FF-9401C015E233}"/>
+              </a:ext>
+            </a:extLst>
+          </p:cNvPr>
+          <p:cNvSpPr txBox="1"/>
+          <p:nvPr/>
+        </p:nvSpPr>
+        <p:spPr>
+          <a:xfrm>
+            <a:off x="4520685" y="4402056"/>
+            <a:ext cx="341654" cy="276999"/>
+          </a:xfrm>
+          <a:prstGeom prst="rect">
+            <a:avLst/>
+          </a:prstGeom>
+          <a:noFill/>
+        </p:spPr>
+        <p:txBody>
+          <a:bodyPr wrap="square" rtlCol="0">
+            <a:spAutoFit/>
+          </a:bodyPr>
+          <a:lstStyle/>
+          <a:p>
+            <a:r>
+              <a:rPr lang="en-SG" sz="1200" b="1" dirty="0"/>
+              <a:t>t2</a:t>
+            </a:r>
+          </a:p>
+        </p:txBody>
+      </p:sp>
+      <p:sp>
+        <p:nvSpPr>
+          <p:cNvPr id="91" name="TextBox 90">
+            <a:extLst>
+              <a:ext uri="{FF2B5EF4-FFF2-40B4-BE49-F238E27FC236}">
+                <a16:creationId xmlns:a16="http://schemas.microsoft.com/office/drawing/2014/main" id="{86E09AB5-3F17-C531-C0CB-E127EC90DBDC}"/>
+              </a:ext>
+            </a:extLst>
+          </p:cNvPr>
+          <p:cNvSpPr txBox="1"/>
+          <p:nvPr/>
+        </p:nvSpPr>
+        <p:spPr>
+          <a:xfrm>
+            <a:off x="6177026" y="6189644"/>
+            <a:ext cx="1747992" cy="261610"/>
+          </a:xfrm>
+          <a:prstGeom prst="rect">
+            <a:avLst/>
+          </a:prstGeom>
+          <a:noFill/>
+          <a:ln w="6350">
+            <a:solidFill>
+              <a:schemeClr val="tx1"/>
+            </a:solidFill>
+            <a:prstDash val="dash"/>
+          </a:ln>
+        </p:spPr>
+        <p:txBody>
+          <a:bodyPr wrap="square" rtlCol="0">
+            <a:spAutoFit/>
+          </a:bodyPr>
+          <a:lstStyle/>
+          <a:p>
+            <a:r>
+              <a:rPr lang="en-SG" sz="1100" b="1" dirty="0">
+                <a:solidFill>
+                  <a:srgbClr val="002060"/>
+                </a:solidFill>
+              </a:rPr>
+              <a:t>Execute the ladder logic </a:t>
+            </a:r>
+          </a:p>
+        </p:txBody>
+      </p:sp>
+      <p:sp>
+        <p:nvSpPr>
+          <p:cNvPr id="92" name="TextBox 91">
+            <a:extLst>
+              <a:ext uri="{FF2B5EF4-FFF2-40B4-BE49-F238E27FC236}">
+                <a16:creationId xmlns:a16="http://schemas.microsoft.com/office/drawing/2014/main" id="{FE18FEEA-5660-1407-37CA-24131C813C96}"/>
+              </a:ext>
+            </a:extLst>
+          </p:cNvPr>
+          <p:cNvSpPr txBox="1"/>
+          <p:nvPr/>
+        </p:nvSpPr>
+        <p:spPr>
+          <a:xfrm>
+            <a:off x="3553044" y="5284159"/>
+            <a:ext cx="2531506" cy="461665"/>
+          </a:xfrm>
+          <a:prstGeom prst="rect">
+            <a:avLst/>
+          </a:prstGeom>
+          <a:noFill/>
+        </p:spPr>
+        <p:txBody>
+          <a:bodyPr wrap="square" rtlCol="0">
+            <a:spAutoFit/>
+          </a:bodyPr>
+          <a:lstStyle/>
+          <a:p>
+            <a:r>
+              <a:rPr lang="en-SG" sz="1200" b="1" dirty="0">
+                <a:solidFill>
+                  <a:srgbClr val="C00000"/>
+                </a:solidFill>
+              </a:rPr>
+              <a:t>t1: Inject false register value to overwrite sensor reading  </a:t>
+            </a:r>
+          </a:p>
+        </p:txBody>
+      </p:sp>
+      <p:cxnSp>
+        <p:nvCxnSpPr>
+          <p:cNvPr id="93" name="Straight Connector 92">
+            <a:extLst>
+              <a:ext uri="{FF2B5EF4-FFF2-40B4-BE49-F238E27FC236}">
+                <a16:creationId xmlns:a16="http://schemas.microsoft.com/office/drawing/2014/main" id="{3F798600-5E30-CDBE-8DB8-A4E88392A006}"/>
+              </a:ext>
+            </a:extLst>
+          </p:cNvPr>
+          <p:cNvCxnSpPr>
+            <a:cxnSpLocks/>
+          </p:cNvCxnSpPr>
+          <p:nvPr/>
+        </p:nvCxnSpPr>
+        <p:spPr>
+          <a:xfrm>
+            <a:off x="3020437" y="5108565"/>
+            <a:ext cx="0" cy="459401"/>
+          </a:xfrm>
+          <a:prstGeom prst="line">
+            <a:avLst/>
+          </a:prstGeom>
+          <a:ln>
+            <a:prstDash val="dash"/>
+          </a:ln>
+        </p:spPr>
+        <p:style>
+          <a:lnRef idx="1">
+            <a:schemeClr val="dk1"/>
+          </a:lnRef>
+          <a:fillRef idx="0">
+            <a:schemeClr val="dk1"/>
+          </a:fillRef>
+          <a:effectRef idx="0">
+            <a:schemeClr val="dk1"/>
+          </a:effectRef>
+          <a:fontRef idx="minor">
+            <a:schemeClr val="tx1"/>
+          </a:fontRef>
+        </p:style>
+      </p:cxnSp>
+      <p:sp>
+        <p:nvSpPr>
+          <p:cNvPr id="94" name="TextBox 93">
+            <a:extLst>
+              <a:ext uri="{FF2B5EF4-FFF2-40B4-BE49-F238E27FC236}">
+                <a16:creationId xmlns:a16="http://schemas.microsoft.com/office/drawing/2014/main" id="{DD209A02-D034-7605-41C3-24178941D30E}"/>
+              </a:ext>
+            </a:extLst>
+          </p:cNvPr>
+          <p:cNvSpPr txBox="1"/>
+          <p:nvPr/>
+        </p:nvSpPr>
+        <p:spPr>
+          <a:xfrm>
+            <a:off x="2549139" y="5044588"/>
+            <a:ext cx="573871" cy="276999"/>
+          </a:xfrm>
+          <a:prstGeom prst="rect">
+            <a:avLst/>
+          </a:prstGeom>
+          <a:noFill/>
+          <a:ln>
+            <a:noFill/>
+          </a:ln>
+        </p:spPr>
+        <p:txBody>
+          <a:bodyPr wrap="square" rtlCol="0">
+            <a:spAutoFit/>
+          </a:bodyPr>
+          <a:lstStyle/>
+          <a:p>
+            <a:r>
+              <a:rPr lang="en-SG" sz="1200" b="1" dirty="0"/>
+              <a:t>10ms</a:t>
+            </a:r>
+          </a:p>
+        </p:txBody>
+      </p:sp>
+      <p:cxnSp>
+        <p:nvCxnSpPr>
+          <p:cNvPr id="95" name="Straight Arrow Connector 94">
+            <a:extLst>
+              <a:ext uri="{FF2B5EF4-FFF2-40B4-BE49-F238E27FC236}">
+                <a16:creationId xmlns:a16="http://schemas.microsoft.com/office/drawing/2014/main" id="{D4CA53CF-4C69-06D2-A7BD-0906A6634691}"/>
+              </a:ext>
+            </a:extLst>
+          </p:cNvPr>
+          <p:cNvCxnSpPr>
+            <a:cxnSpLocks/>
+          </p:cNvCxnSpPr>
+          <p:nvPr/>
+        </p:nvCxnSpPr>
+        <p:spPr>
+          <a:xfrm>
+            <a:off x="2595155" y="5338265"/>
+            <a:ext cx="444136" cy="0"/>
+          </a:xfrm>
+          <a:prstGeom prst="straightConnector1">
+            <a:avLst/>
+          </a:prstGeom>
+          <a:ln>
+            <a:prstDash val="dash"/>
+            <a:headEnd type="triangle"/>
+            <a:tailEnd type="triangle"/>
+          </a:ln>
+        </p:spPr>
+        <p:style>
+          <a:lnRef idx="1">
+            <a:schemeClr val="accent1"/>
+          </a:lnRef>
+          <a:fillRef idx="0">
+            <a:schemeClr val="accent1"/>
+          </a:fillRef>
+          <a:effectRef idx="0">
+            <a:schemeClr val="accent1"/>
+          </a:effectRef>
+          <a:fontRef idx="minor">
+            <a:schemeClr val="tx1"/>
+          </a:fontRef>
+        </p:style>
+      </p:cxnSp>
+      <p:cxnSp>
+        <p:nvCxnSpPr>
+          <p:cNvPr id="98" name="Straight Connector 97">
+            <a:extLst>
+              <a:ext uri="{FF2B5EF4-FFF2-40B4-BE49-F238E27FC236}">
+                <a16:creationId xmlns:a16="http://schemas.microsoft.com/office/drawing/2014/main" id="{22DB795D-13A5-F212-2F82-1E156E49C816}"/>
+              </a:ext>
+            </a:extLst>
+          </p:cNvPr>
+          <p:cNvCxnSpPr>
+            <a:cxnSpLocks/>
+          </p:cNvCxnSpPr>
+          <p:nvPr/>
+        </p:nvCxnSpPr>
+        <p:spPr>
+          <a:xfrm>
+            <a:off x="2595155" y="5957849"/>
+            <a:ext cx="0" cy="459401"/>
+          </a:xfrm>
+          <a:prstGeom prst="line">
+            <a:avLst/>
+          </a:prstGeom>
+          <a:ln>
+            <a:prstDash val="dash"/>
+          </a:ln>
+        </p:spPr>
+        <p:style>
+          <a:lnRef idx="1">
+            <a:schemeClr val="dk1"/>
+          </a:lnRef>
+          <a:fillRef idx="0">
+            <a:schemeClr val="dk1"/>
+          </a:fillRef>
+          <a:effectRef idx="0">
+            <a:schemeClr val="dk1"/>
+          </a:effectRef>
+          <a:fontRef idx="minor">
+            <a:schemeClr val="tx1"/>
+          </a:fontRef>
+        </p:style>
+      </p:cxnSp>
+      <p:cxnSp>
+        <p:nvCxnSpPr>
+          <p:cNvPr id="99" name="Straight Connector 98">
+            <a:extLst>
+              <a:ext uri="{FF2B5EF4-FFF2-40B4-BE49-F238E27FC236}">
+                <a16:creationId xmlns:a16="http://schemas.microsoft.com/office/drawing/2014/main" id="{885D961F-934D-B70D-DD3B-962A1F682B18}"/>
+              </a:ext>
+            </a:extLst>
+          </p:cNvPr>
+          <p:cNvCxnSpPr>
+            <a:cxnSpLocks/>
+          </p:cNvCxnSpPr>
+          <p:nvPr/>
+        </p:nvCxnSpPr>
+        <p:spPr>
+          <a:xfrm>
+            <a:off x="6046333" y="6024535"/>
+            <a:ext cx="0" cy="459401"/>
+          </a:xfrm>
+          <a:prstGeom prst="line">
+            <a:avLst/>
+          </a:prstGeom>
+          <a:ln>
+            <a:prstDash val="dash"/>
+          </a:ln>
+        </p:spPr>
+        <p:style>
+          <a:lnRef idx="1">
+            <a:schemeClr val="dk1"/>
+          </a:lnRef>
+          <a:fillRef idx="0">
+            <a:schemeClr val="dk1"/>
+          </a:fillRef>
+          <a:effectRef idx="0">
+            <a:schemeClr val="dk1"/>
+          </a:effectRef>
+          <a:fontRef idx="minor">
+            <a:schemeClr val="tx1"/>
+          </a:fontRef>
+        </p:style>
+      </p:cxnSp>
+      <p:cxnSp>
+        <p:nvCxnSpPr>
+          <p:cNvPr id="100" name="Straight Arrow Connector 99">
+            <a:extLst>
+              <a:ext uri="{FF2B5EF4-FFF2-40B4-BE49-F238E27FC236}">
+                <a16:creationId xmlns:a16="http://schemas.microsoft.com/office/drawing/2014/main" id="{2AB77076-DD72-033E-C94A-78A454202844}"/>
+              </a:ext>
+            </a:extLst>
+          </p:cNvPr>
+          <p:cNvCxnSpPr>
+            <a:cxnSpLocks/>
+          </p:cNvCxnSpPr>
+          <p:nvPr/>
+        </p:nvCxnSpPr>
+        <p:spPr>
+          <a:xfrm>
+            <a:off x="2614006" y="6305860"/>
+            <a:ext cx="3432327" cy="0"/>
+          </a:xfrm>
+          <a:prstGeom prst="straightConnector1">
+            <a:avLst/>
+          </a:prstGeom>
+          <a:ln>
+            <a:prstDash val="dash"/>
+            <a:headEnd type="triangle"/>
+            <a:tailEnd type="triangle"/>
+          </a:ln>
+        </p:spPr>
+        <p:style>
+          <a:lnRef idx="1">
+            <a:schemeClr val="accent1"/>
+          </a:lnRef>
+          <a:fillRef idx="0">
+            <a:schemeClr val="accent1"/>
+          </a:fillRef>
+          <a:effectRef idx="0">
+            <a:schemeClr val="accent1"/>
+          </a:effectRef>
+          <a:fontRef idx="minor">
+            <a:schemeClr val="tx1"/>
+          </a:fontRef>
+        </p:style>
+      </p:cxnSp>
+      <p:sp>
+        <p:nvSpPr>
+          <p:cNvPr id="102" name="TextBox 101">
+            <a:extLst>
+              <a:ext uri="{FF2B5EF4-FFF2-40B4-BE49-F238E27FC236}">
+                <a16:creationId xmlns:a16="http://schemas.microsoft.com/office/drawing/2014/main" id="{C09179F5-2A11-82BF-C00E-45AB64207D31}"/>
+              </a:ext>
+            </a:extLst>
+          </p:cNvPr>
+          <p:cNvSpPr txBox="1"/>
+          <p:nvPr/>
+        </p:nvSpPr>
+        <p:spPr>
+          <a:xfrm>
+            <a:off x="3917552" y="6069110"/>
+            <a:ext cx="573871" cy="276999"/>
+          </a:xfrm>
+          <a:prstGeom prst="rect">
+            <a:avLst/>
+          </a:prstGeom>
+          <a:noFill/>
+          <a:ln>
+            <a:noFill/>
+          </a:ln>
+        </p:spPr>
+        <p:txBody>
+          <a:bodyPr wrap="square" rtlCol="0">
+            <a:spAutoFit/>
+          </a:bodyPr>
+          <a:lstStyle/>
+          <a:p>
+            <a:r>
+              <a:rPr lang="en-SG" sz="1200" b="1" dirty="0"/>
+              <a:t>80ms</a:t>
+            </a:r>
+          </a:p>
+        </p:txBody>
+      </p:sp>
+      <p:sp>
+        <p:nvSpPr>
+          <p:cNvPr id="103" name="TextBox 102">
+            <a:extLst>
+              <a:ext uri="{FF2B5EF4-FFF2-40B4-BE49-F238E27FC236}">
+                <a16:creationId xmlns:a16="http://schemas.microsoft.com/office/drawing/2014/main" id="{506931B1-81F7-0089-7F02-8A5C7177129B}"/>
+              </a:ext>
+            </a:extLst>
+          </p:cNvPr>
+          <p:cNvSpPr txBox="1"/>
+          <p:nvPr/>
+        </p:nvSpPr>
+        <p:spPr>
+          <a:xfrm>
+            <a:off x="457991" y="4839484"/>
+            <a:ext cx="1683602" cy="523220"/>
+          </a:xfrm>
+          <a:prstGeom prst="rect">
+            <a:avLst/>
+          </a:prstGeom>
+          <a:noFill/>
+        </p:spPr>
+        <p:txBody>
+          <a:bodyPr wrap="square" rtlCol="0">
+            <a:spAutoFit/>
+          </a:bodyPr>
+          <a:lstStyle/>
+          <a:p>
+            <a:r>
+              <a:rPr lang="en-SG" sz="1400" b="1" dirty="0"/>
+              <a:t>Real PLC with 20ms clock cycle</a:t>
+            </a:r>
+          </a:p>
+        </p:txBody>
+      </p:sp>
+      <p:sp>
+        <p:nvSpPr>
+          <p:cNvPr id="104" name="TextBox 103">
+            <a:extLst>
+              <a:ext uri="{FF2B5EF4-FFF2-40B4-BE49-F238E27FC236}">
+                <a16:creationId xmlns:a16="http://schemas.microsoft.com/office/drawing/2014/main" id="{02F6510C-2751-3B0C-A2B7-76086E5BC551}"/>
+              </a:ext>
+            </a:extLst>
+          </p:cNvPr>
+          <p:cNvSpPr txBox="1"/>
+          <p:nvPr/>
+        </p:nvSpPr>
+        <p:spPr>
+          <a:xfrm>
+            <a:off x="464366" y="5696239"/>
+            <a:ext cx="1594911" cy="523220"/>
+          </a:xfrm>
+          <a:prstGeom prst="rect">
+            <a:avLst/>
+          </a:prstGeom>
+          <a:noFill/>
+        </p:spPr>
+        <p:txBody>
+          <a:bodyPr wrap="square" rtlCol="0">
+            <a:spAutoFit/>
+          </a:bodyPr>
+          <a:lstStyle/>
+          <a:p>
+            <a:r>
+              <a:rPr lang="en-SG" sz="1400" b="1" dirty="0">
+                <a:solidFill>
+                  <a:srgbClr val="002060"/>
+                </a:solidFill>
+              </a:rPr>
+              <a:t>PLC Emulator with 80ms clock cycle</a:t>
+            </a:r>
+          </a:p>
+        </p:txBody>
+      </p:sp>
+      <p:sp>
+        <p:nvSpPr>
+          <p:cNvPr id="105" name="TextBox 104">
+            <a:extLst>
+              <a:ext uri="{FF2B5EF4-FFF2-40B4-BE49-F238E27FC236}">
+                <a16:creationId xmlns:a16="http://schemas.microsoft.com/office/drawing/2014/main" id="{313F158B-00DF-B1B0-1946-4435A67F050A}"/>
+              </a:ext>
+            </a:extLst>
+          </p:cNvPr>
+          <p:cNvSpPr txBox="1"/>
+          <p:nvPr/>
+        </p:nvSpPr>
+        <p:spPr>
+          <a:xfrm>
+            <a:off x="5418632" y="4403623"/>
+            <a:ext cx="341654" cy="276999"/>
+          </a:xfrm>
+          <a:prstGeom prst="rect">
+            <a:avLst/>
+          </a:prstGeom>
+          <a:noFill/>
+        </p:spPr>
+        <p:txBody>
+          <a:bodyPr wrap="square" rtlCol="0">
+            <a:spAutoFit/>
+          </a:bodyPr>
+          <a:lstStyle/>
+          <a:p>
+            <a:r>
+              <a:rPr lang="en-SG" sz="1200" b="1" dirty="0"/>
+              <a:t>t3</a:t>
+            </a:r>
+          </a:p>
+        </p:txBody>
+      </p:sp>
+      <p:sp>
+        <p:nvSpPr>
+          <p:cNvPr id="106" name="TextBox 105">
+            <a:extLst>
+              <a:ext uri="{FF2B5EF4-FFF2-40B4-BE49-F238E27FC236}">
+                <a16:creationId xmlns:a16="http://schemas.microsoft.com/office/drawing/2014/main" id="{FAB1E697-A0C9-69D6-BEF4-1EF83F6CDCBA}"/>
+              </a:ext>
+            </a:extLst>
+          </p:cNvPr>
+          <p:cNvSpPr txBox="1"/>
+          <p:nvPr/>
+        </p:nvSpPr>
+        <p:spPr>
+          <a:xfrm>
+            <a:off x="6106411" y="4316805"/>
+            <a:ext cx="341654" cy="276999"/>
+          </a:xfrm>
+          <a:prstGeom prst="rect">
+            <a:avLst/>
+          </a:prstGeom>
+          <a:noFill/>
+        </p:spPr>
+        <p:txBody>
+          <a:bodyPr wrap="square" rtlCol="0">
+            <a:spAutoFit/>
+          </a:bodyPr>
+          <a:lstStyle/>
+          <a:p>
+            <a:r>
+              <a:rPr lang="en-SG" sz="1200" b="1" dirty="0"/>
+              <a:t>t4</a:t>
+            </a:r>
+          </a:p>
+        </p:txBody>
+      </p:sp>
+      <p:sp>
+        <p:nvSpPr>
+          <p:cNvPr id="107" name="Arrow: Right 106">
+            <a:extLst>
+              <a:ext uri="{FF2B5EF4-FFF2-40B4-BE49-F238E27FC236}">
+                <a16:creationId xmlns:a16="http://schemas.microsoft.com/office/drawing/2014/main" id="{C8E7F811-B7D5-BFF9-13F6-152C3198AFDA}"/>
+              </a:ext>
+            </a:extLst>
+          </p:cNvPr>
+          <p:cNvSpPr/>
+          <p:nvPr/>
+        </p:nvSpPr>
+        <p:spPr>
+          <a:xfrm>
+            <a:off x="7458723" y="4851025"/>
+            <a:ext cx="348947" cy="199538"/>
+          </a:xfrm>
+          <a:prstGeom prst="rightArrow">
+            <a:avLst/>
+          </a:prstGeom>
+        </p:spPr>
+        <p:style>
+          <a:lnRef idx="2">
+            <a:schemeClr val="accent1">
+              <a:shade val="15000"/>
+            </a:schemeClr>
+          </a:lnRef>
+          <a:fillRef idx="1">
+            <a:schemeClr val="accent1"/>
+          </a:fillRef>
+          <a:effectRef idx="0">
+            <a:schemeClr val="accent1"/>
+          </a:effectRef>
+          <a:fontRef idx="minor">
+            <a:schemeClr val="lt1"/>
+          </a:fontRef>
+        </p:style>
+        <p:txBody>
+          <a:bodyPr rtlCol="0" anchor="ctr"/>
+          <a:lstStyle/>
+          <a:p>
+            <a:pPr algn="ctr"/>
+            <a:endParaRPr lang="en-SG"/>
+          </a:p>
+        </p:txBody>
+      </p:sp>
+      <p:sp>
+        <p:nvSpPr>
+          <p:cNvPr id="108" name="Arrow: Right 107">
+            <a:extLst>
+              <a:ext uri="{FF2B5EF4-FFF2-40B4-BE49-F238E27FC236}">
+                <a16:creationId xmlns:a16="http://schemas.microsoft.com/office/drawing/2014/main" id="{68858D93-31AA-3222-D564-5F522574F6EC}"/>
+              </a:ext>
+            </a:extLst>
+          </p:cNvPr>
+          <p:cNvSpPr/>
+          <p:nvPr/>
+        </p:nvSpPr>
+        <p:spPr>
+          <a:xfrm>
+            <a:off x="7503465" y="5680348"/>
+            <a:ext cx="348947" cy="199538"/>
+          </a:xfrm>
+          <a:prstGeom prst="rightArrow">
+            <a:avLst/>
+          </a:prstGeom>
+        </p:spPr>
+        <p:style>
+          <a:lnRef idx="2">
+            <a:schemeClr val="accent1">
+              <a:shade val="15000"/>
+            </a:schemeClr>
+          </a:lnRef>
+          <a:fillRef idx="1">
+            <a:schemeClr val="accent1"/>
+          </a:fillRef>
+          <a:effectRef idx="0">
+            <a:schemeClr val="accent1"/>
+          </a:effectRef>
+          <a:fontRef idx="minor">
+            <a:schemeClr val="lt1"/>
+          </a:fontRef>
+        </p:style>
+        <p:txBody>
+          <a:bodyPr rtlCol="0" anchor="ctr"/>
+          <a:lstStyle/>
+          <a:p>
+            <a:pPr algn="ctr"/>
+            <a:endParaRPr lang="en-SG"/>
+          </a:p>
+        </p:txBody>
+      </p:sp>
+      <p:sp>
+        <p:nvSpPr>
+          <p:cNvPr id="109" name="TextBox 108">
+            <a:extLst>
+              <a:ext uri="{FF2B5EF4-FFF2-40B4-BE49-F238E27FC236}">
+                <a16:creationId xmlns:a16="http://schemas.microsoft.com/office/drawing/2014/main" id="{29C187B6-4D1E-2F56-B5C0-38346E30FE0C}"/>
+              </a:ext>
+            </a:extLst>
+          </p:cNvPr>
+          <p:cNvSpPr txBox="1"/>
+          <p:nvPr/>
+        </p:nvSpPr>
+        <p:spPr>
+          <a:xfrm>
+            <a:off x="7935465" y="4511810"/>
+            <a:ext cx="3798537" cy="738664"/>
+          </a:xfrm>
+          <a:prstGeom prst="rect">
+            <a:avLst/>
+          </a:prstGeom>
+          <a:noFill/>
+        </p:spPr>
+        <p:txBody>
+          <a:bodyPr wrap="square" rtlCol="0">
+            <a:spAutoFit/>
+          </a:bodyPr>
+          <a:lstStyle/>
+          <a:p>
+            <a:r>
+              <a:rPr lang="en-SG" sz="1400" dirty="0"/>
+              <a:t>Low frequence false data injection attack </a:t>
+            </a:r>
+            <a:r>
+              <a:rPr lang="en-SG" sz="1400" b="1" dirty="0"/>
+              <a:t>not success </a:t>
+            </a:r>
+            <a:r>
+              <a:rPr lang="en-SG" sz="1400" dirty="0"/>
+              <a:t>on real PLC  because the false data is overwritten by the sensor data read on t2 and t3.</a:t>
+            </a:r>
+          </a:p>
+        </p:txBody>
+      </p:sp>
+      <p:sp>
+        <p:nvSpPr>
+          <p:cNvPr id="110" name="TextBox 109">
+            <a:extLst>
+              <a:ext uri="{FF2B5EF4-FFF2-40B4-BE49-F238E27FC236}">
+                <a16:creationId xmlns:a16="http://schemas.microsoft.com/office/drawing/2014/main" id="{B19BFD53-4F19-A97A-AE92-0AF0FFAD619B}"/>
+              </a:ext>
+            </a:extLst>
+          </p:cNvPr>
+          <p:cNvSpPr txBox="1"/>
+          <p:nvPr/>
+        </p:nvSpPr>
+        <p:spPr>
+          <a:xfrm>
+            <a:off x="8013958" y="5468945"/>
+            <a:ext cx="3523558" cy="738664"/>
+          </a:xfrm>
+          <a:prstGeom prst="rect">
+            <a:avLst/>
+          </a:prstGeom>
+          <a:noFill/>
+        </p:spPr>
+        <p:txBody>
+          <a:bodyPr wrap="square" rtlCol="0">
+            <a:spAutoFit/>
+          </a:bodyPr>
+          <a:lstStyle/>
+          <a:p>
+            <a:r>
+              <a:rPr lang="en-SG" sz="1400" dirty="0"/>
+              <a:t>False data injection attack </a:t>
+            </a:r>
+            <a:r>
+              <a:rPr lang="en-SG" sz="1400" b="1" dirty="0"/>
+              <a:t>success</a:t>
+            </a:r>
+            <a:r>
+              <a:rPr lang="en-SG" sz="1400" dirty="0"/>
+              <a:t>, the PLC execute the ladder logic based on the false injected sensor volage value</a:t>
+            </a:r>
+            <a:r>
+              <a:rPr lang="en-SG" sz="1400" b="1" dirty="0"/>
+              <a:t>. </a:t>
+            </a:r>
+          </a:p>
+        </p:txBody>
+      </p:sp>
     </p:spTree>
     <p:extLst>
       <p:ext uri="{BB962C8B-B14F-4D97-AF65-F5344CB8AC3E}">
@@ -41538,6 +44103,678 @@
 </p:sld>
 </file>
 
+<file path=ppt/slides/slide29.xml><?xml version="1.0" encoding="utf-8"?>
+<p:sld xmlns:a="http://schemas.openxmlformats.org/drawingml/2006/main" xmlns:r="http://schemas.openxmlformats.org/officeDocument/2006/relationships" xmlns:p="http://schemas.openxmlformats.org/presentationml/2006/main">
+  <p:cSld>
+    <p:spTree>
+      <p:nvGrpSpPr>
+        <p:cNvPr id="1" name=""/>
+        <p:cNvGrpSpPr/>
+        <p:nvPr/>
+      </p:nvGrpSpPr>
+      <p:grpSpPr>
+        <a:xfrm>
+          <a:off x="0" y="0"/>
+          <a:ext cx="0" cy="0"/>
+          <a:chOff x="0" y="0"/>
+          <a:chExt cx="0" cy="0"/>
+        </a:xfrm>
+      </p:grpSpPr>
+      <p:pic>
+        <p:nvPicPr>
+          <p:cNvPr id="5" name="Picture 4" descr="A diagram of a train entrance block signal&#10;&#10;Description automatically generated">
+            <a:extLst>
+              <a:ext uri="{FF2B5EF4-FFF2-40B4-BE49-F238E27FC236}">
+                <a16:creationId xmlns:a16="http://schemas.microsoft.com/office/drawing/2014/main" id="{90C9F382-8971-C177-4A6E-876C8ECD483D}"/>
+              </a:ext>
+            </a:extLst>
+          </p:cNvPr>
+          <p:cNvPicPr>
+            <a:picLocks noChangeAspect="1"/>
+          </p:cNvPicPr>
+          <p:nvPr/>
+        </p:nvPicPr>
+        <p:blipFill>
+          <a:blip r:embed="rId2">
+            <a:extLst>
+              <a:ext uri="{28A0092B-C50C-407E-A947-70E740481C1C}">
+                <a14:useLocalDpi xmlns:a14="http://schemas.microsoft.com/office/drawing/2010/main" val="0"/>
+              </a:ext>
+            </a:extLst>
+          </a:blip>
+          <a:stretch>
+            <a:fillRect/>
+          </a:stretch>
+        </p:blipFill>
+        <p:spPr>
+          <a:xfrm>
+            <a:off x="4042962" y="4701790"/>
+            <a:ext cx="2521318" cy="1440456"/>
+          </a:xfrm>
+          <a:prstGeom prst="rect">
+            <a:avLst/>
+          </a:prstGeom>
+          <a:ln w="6350">
+            <a:solidFill>
+              <a:schemeClr val="tx1"/>
+            </a:solidFill>
+          </a:ln>
+        </p:spPr>
+      </p:pic>
+      <p:pic>
+        <p:nvPicPr>
+          <p:cNvPr id="6" name="Picture 5" descr="A screenshot of a computer&#10;&#10;Description automatically generated">
+            <a:extLst>
+              <a:ext uri="{FF2B5EF4-FFF2-40B4-BE49-F238E27FC236}">
+                <a16:creationId xmlns:a16="http://schemas.microsoft.com/office/drawing/2014/main" id="{0D74BD40-1980-9E66-F040-FD7A8D85CFF0}"/>
+              </a:ext>
+            </a:extLst>
+          </p:cNvPr>
+          <p:cNvPicPr>
+            <a:picLocks noChangeAspect="1"/>
+          </p:cNvPicPr>
+          <p:nvPr/>
+        </p:nvPicPr>
+        <p:blipFill>
+          <a:blip r:embed="rId3">
+            <a:extLst>
+              <a:ext uri="{28A0092B-C50C-407E-A947-70E740481C1C}">
+                <a14:useLocalDpi xmlns:a14="http://schemas.microsoft.com/office/drawing/2010/main" val="0"/>
+              </a:ext>
+            </a:extLst>
+          </a:blip>
+          <a:stretch>
+            <a:fillRect/>
+          </a:stretch>
+        </p:blipFill>
+        <p:spPr>
+          <a:xfrm>
+            <a:off x="5424959" y="556416"/>
+            <a:ext cx="2663768" cy="1525775"/>
+          </a:xfrm>
+          <a:prstGeom prst="rect">
+            <a:avLst/>
+          </a:prstGeom>
+          <a:ln w="9525">
+            <a:solidFill>
+              <a:schemeClr val="tx1"/>
+            </a:solidFill>
+          </a:ln>
+        </p:spPr>
+      </p:pic>
+      <p:pic>
+        <p:nvPicPr>
+          <p:cNvPr id="8" name="Picture 7" descr="A diagram of a ladder&#10;&#10;Description automatically generated">
+            <a:extLst>
+              <a:ext uri="{FF2B5EF4-FFF2-40B4-BE49-F238E27FC236}">
+                <a16:creationId xmlns:a16="http://schemas.microsoft.com/office/drawing/2014/main" id="{CD3F76D4-D70D-8FE0-B60E-0DDA78A2DA89}"/>
+              </a:ext>
+            </a:extLst>
+          </p:cNvPr>
+          <p:cNvPicPr>
+            <a:picLocks noChangeAspect="1"/>
+          </p:cNvPicPr>
+          <p:nvPr/>
+        </p:nvPicPr>
+        <p:blipFill>
+          <a:blip r:embed="rId4">
+            <a:extLst>
+              <a:ext uri="{28A0092B-C50C-407E-A947-70E740481C1C}">
+                <a14:useLocalDpi xmlns:a14="http://schemas.microsoft.com/office/drawing/2010/main" val="0"/>
+              </a:ext>
+            </a:extLst>
+          </a:blip>
+          <a:stretch>
+            <a:fillRect/>
+          </a:stretch>
+        </p:blipFill>
+        <p:spPr>
+          <a:xfrm>
+            <a:off x="6976615" y="2800702"/>
+            <a:ext cx="2560810" cy="1413541"/>
+          </a:xfrm>
+          <a:prstGeom prst="rect">
+            <a:avLst/>
+          </a:prstGeom>
+          <a:ln w="6350">
+            <a:solidFill>
+              <a:schemeClr val="tx1"/>
+            </a:solidFill>
+          </a:ln>
+        </p:spPr>
+      </p:pic>
+      <p:pic>
+        <p:nvPicPr>
+          <p:cNvPr id="10" name="Picture 9" descr="A diagram of a computer program&#10;&#10;Description automatically generated">
+            <a:extLst>
+              <a:ext uri="{FF2B5EF4-FFF2-40B4-BE49-F238E27FC236}">
+                <a16:creationId xmlns:a16="http://schemas.microsoft.com/office/drawing/2014/main" id="{39A91C3A-419A-8AD9-FDD7-E074199733BC}"/>
+              </a:ext>
+            </a:extLst>
+          </p:cNvPr>
+          <p:cNvPicPr>
+            <a:picLocks noChangeAspect="1"/>
+          </p:cNvPicPr>
+          <p:nvPr/>
+        </p:nvPicPr>
+        <p:blipFill>
+          <a:blip r:embed="rId5">
+            <a:extLst>
+              <a:ext uri="{28A0092B-C50C-407E-A947-70E740481C1C}">
+                <a14:useLocalDpi xmlns:a14="http://schemas.microsoft.com/office/drawing/2010/main" val="0"/>
+              </a:ext>
+            </a:extLst>
+          </a:blip>
+          <a:stretch>
+            <a:fillRect/>
+          </a:stretch>
+        </p:blipFill>
+        <p:spPr>
+          <a:xfrm>
+            <a:off x="4023216" y="2800702"/>
+            <a:ext cx="2560810" cy="1440456"/>
+          </a:xfrm>
+          <a:prstGeom prst="rect">
+            <a:avLst/>
+          </a:prstGeom>
+          <a:ln w="9525">
+            <a:solidFill>
+              <a:schemeClr val="tx1"/>
+            </a:solidFill>
+          </a:ln>
+        </p:spPr>
+      </p:pic>
+      <p:pic>
+        <p:nvPicPr>
+          <p:cNvPr id="12" name="Picture 11" descr="A diagram of a train crossing&#10;&#10;Description automatically generated">
+            <a:extLst>
+              <a:ext uri="{FF2B5EF4-FFF2-40B4-BE49-F238E27FC236}">
+                <a16:creationId xmlns:a16="http://schemas.microsoft.com/office/drawing/2014/main" id="{0648D433-2AF3-EDD7-84F2-FF996619B8DA}"/>
+              </a:ext>
+            </a:extLst>
+          </p:cNvPr>
+          <p:cNvPicPr>
+            <a:picLocks noChangeAspect="1"/>
+          </p:cNvPicPr>
+          <p:nvPr/>
+        </p:nvPicPr>
+        <p:blipFill>
+          <a:blip r:embed="rId6">
+            <a:extLst>
+              <a:ext uri="{28A0092B-C50C-407E-A947-70E740481C1C}">
+                <a14:useLocalDpi xmlns:a14="http://schemas.microsoft.com/office/drawing/2010/main" val="0"/>
+              </a:ext>
+            </a:extLst>
+          </a:blip>
+          <a:stretch>
+            <a:fillRect/>
+          </a:stretch>
+        </p:blipFill>
+        <p:spPr>
+          <a:xfrm>
+            <a:off x="6976615" y="4701790"/>
+            <a:ext cx="2521318" cy="1440456"/>
+          </a:xfrm>
+          <a:prstGeom prst="rect">
+            <a:avLst/>
+          </a:prstGeom>
+          <a:ln w="6350">
+            <a:solidFill>
+              <a:schemeClr val="tx1"/>
+            </a:solidFill>
+          </a:ln>
+        </p:spPr>
+      </p:pic>
+      <p:cxnSp>
+        <p:nvCxnSpPr>
+          <p:cNvPr id="14" name="Connector: Elbow 13">
+            <a:extLst>
+              <a:ext uri="{FF2B5EF4-FFF2-40B4-BE49-F238E27FC236}">
+                <a16:creationId xmlns:a16="http://schemas.microsoft.com/office/drawing/2014/main" id="{3A7F231B-01A5-DC4C-00FE-FB28687A172A}"/>
+              </a:ext>
+            </a:extLst>
+          </p:cNvPr>
+          <p:cNvCxnSpPr>
+            <a:stCxn id="6" idx="2"/>
+            <a:endCxn id="10" idx="0"/>
+          </p:cNvCxnSpPr>
+          <p:nvPr/>
+        </p:nvCxnSpPr>
+        <p:spPr>
+          <a:xfrm rot="5400000">
+            <a:off x="5670977" y="1714835"/>
+            <a:ext cx="718511" cy="1453222"/>
+          </a:xfrm>
+          <a:prstGeom prst="bentConnector3">
+            <a:avLst/>
+          </a:prstGeom>
+          <a:ln w="28575">
+            <a:tailEnd type="triangle"/>
+          </a:ln>
+        </p:spPr>
+        <p:style>
+          <a:lnRef idx="1">
+            <a:schemeClr val="accent1"/>
+          </a:lnRef>
+          <a:fillRef idx="0">
+            <a:schemeClr val="accent1"/>
+          </a:fillRef>
+          <a:effectRef idx="0">
+            <a:schemeClr val="accent1"/>
+          </a:effectRef>
+          <a:fontRef idx="minor">
+            <a:schemeClr val="tx1"/>
+          </a:fontRef>
+        </p:style>
+      </p:cxnSp>
+      <p:cxnSp>
+        <p:nvCxnSpPr>
+          <p:cNvPr id="15" name="Connector: Elbow 14">
+            <a:extLst>
+              <a:ext uri="{FF2B5EF4-FFF2-40B4-BE49-F238E27FC236}">
+                <a16:creationId xmlns:a16="http://schemas.microsoft.com/office/drawing/2014/main" id="{0A13335B-ADDC-8260-F942-A271352A8E22}"/>
+              </a:ext>
+            </a:extLst>
+          </p:cNvPr>
+          <p:cNvCxnSpPr>
+            <a:cxnSpLocks/>
+            <a:stCxn id="6" idx="2"/>
+            <a:endCxn id="8" idx="0"/>
+          </p:cNvCxnSpPr>
+          <p:nvPr/>
+        </p:nvCxnSpPr>
+        <p:spPr>
+          <a:xfrm rot="16200000" flipH="1">
+            <a:off x="7147676" y="1691357"/>
+            <a:ext cx="718511" cy="1500177"/>
+          </a:xfrm>
+          <a:prstGeom prst="bentConnector3">
+            <a:avLst>
+              <a:gd name="adj1" fmla="val 50000"/>
+            </a:avLst>
+          </a:prstGeom>
+          <a:ln w="28575">
+            <a:tailEnd type="triangle"/>
+          </a:ln>
+        </p:spPr>
+        <p:style>
+          <a:lnRef idx="1">
+            <a:schemeClr val="accent1"/>
+          </a:lnRef>
+          <a:fillRef idx="0">
+            <a:schemeClr val="accent1"/>
+          </a:fillRef>
+          <a:effectRef idx="0">
+            <a:schemeClr val="accent1"/>
+          </a:effectRef>
+          <a:fontRef idx="minor">
+            <a:schemeClr val="tx1"/>
+          </a:fontRef>
+        </p:style>
+      </p:cxnSp>
+      <p:sp>
+        <p:nvSpPr>
+          <p:cNvPr id="18" name="TextBox 17">
+            <a:extLst>
+              <a:ext uri="{FF2B5EF4-FFF2-40B4-BE49-F238E27FC236}">
+                <a16:creationId xmlns:a16="http://schemas.microsoft.com/office/drawing/2014/main" id="{0E4AD60F-5604-BB40-CAE7-6A075F8661D6}"/>
+              </a:ext>
+            </a:extLst>
+          </p:cNvPr>
+          <p:cNvSpPr txBox="1"/>
+          <p:nvPr/>
+        </p:nvSpPr>
+        <p:spPr>
+          <a:xfrm>
+            <a:off x="4023216" y="2518531"/>
+            <a:ext cx="1731814" cy="261610"/>
+          </a:xfrm>
+          <a:prstGeom prst="rect">
+            <a:avLst/>
+          </a:prstGeom>
+          <a:noFill/>
+        </p:spPr>
+        <p:txBody>
+          <a:bodyPr wrap="square" rtlCol="0">
+            <a:spAutoFit/>
+          </a:bodyPr>
+          <a:lstStyle/>
+          <a:p>
+            <a:r>
+              <a:rPr lang="en-SG" sz="1100" b="1" dirty="0"/>
+              <a:t>Junction PLC </a:t>
+            </a:r>
+          </a:p>
+        </p:txBody>
+      </p:sp>
+      <p:sp>
+        <p:nvSpPr>
+          <p:cNvPr id="19" name="TextBox 18">
+            <a:extLst>
+              <a:ext uri="{FF2B5EF4-FFF2-40B4-BE49-F238E27FC236}">
+                <a16:creationId xmlns:a16="http://schemas.microsoft.com/office/drawing/2014/main" id="{5E1637E8-69E6-6629-F4E0-B362428B2CBC}"/>
+              </a:ext>
+            </a:extLst>
+          </p:cNvPr>
+          <p:cNvSpPr txBox="1"/>
+          <p:nvPr/>
+        </p:nvSpPr>
+        <p:spPr>
+          <a:xfrm>
+            <a:off x="8617727" y="2505073"/>
+            <a:ext cx="865907" cy="261610"/>
+          </a:xfrm>
+          <a:prstGeom prst="rect">
+            <a:avLst/>
+          </a:prstGeom>
+          <a:noFill/>
+        </p:spPr>
+        <p:txBody>
+          <a:bodyPr wrap="square" rtlCol="0">
+            <a:spAutoFit/>
+          </a:bodyPr>
+          <a:lstStyle/>
+          <a:p>
+            <a:r>
+              <a:rPr lang="en-SG" sz="1100" b="1" dirty="0"/>
+              <a:t>Station PLC </a:t>
+            </a:r>
+          </a:p>
+        </p:txBody>
+      </p:sp>
+      <p:sp>
+        <p:nvSpPr>
+          <p:cNvPr id="20" name="TextBox 19">
+            <a:extLst>
+              <a:ext uri="{FF2B5EF4-FFF2-40B4-BE49-F238E27FC236}">
+                <a16:creationId xmlns:a16="http://schemas.microsoft.com/office/drawing/2014/main" id="{DD7873D2-EAEE-A455-A2B1-4BC534D5EBE9}"/>
+              </a:ext>
+            </a:extLst>
+          </p:cNvPr>
+          <p:cNvSpPr txBox="1"/>
+          <p:nvPr/>
+        </p:nvSpPr>
+        <p:spPr>
+          <a:xfrm>
+            <a:off x="6730007" y="2169556"/>
+            <a:ext cx="988536" cy="261610"/>
+          </a:xfrm>
+          <a:prstGeom prst="rect">
+            <a:avLst/>
+          </a:prstGeom>
+          <a:noFill/>
+        </p:spPr>
+        <p:txBody>
+          <a:bodyPr wrap="square" rtlCol="0">
+            <a:spAutoFit/>
+          </a:bodyPr>
+          <a:lstStyle/>
+          <a:p>
+            <a:r>
+              <a:rPr lang="en-SG" sz="1100" b="1" dirty="0"/>
+              <a:t>Modbus-TCP</a:t>
+            </a:r>
+          </a:p>
+        </p:txBody>
+      </p:sp>
+      <p:cxnSp>
+        <p:nvCxnSpPr>
+          <p:cNvPr id="22" name="Straight Arrow Connector 21">
+            <a:extLst>
+              <a:ext uri="{FF2B5EF4-FFF2-40B4-BE49-F238E27FC236}">
+                <a16:creationId xmlns:a16="http://schemas.microsoft.com/office/drawing/2014/main" id="{877BC534-45A9-3A9E-1C48-7B01D3F9A852}"/>
+              </a:ext>
+            </a:extLst>
+          </p:cNvPr>
+          <p:cNvCxnSpPr>
+            <a:stCxn id="10" idx="2"/>
+            <a:endCxn id="5" idx="0"/>
+          </p:cNvCxnSpPr>
+          <p:nvPr/>
+        </p:nvCxnSpPr>
+        <p:spPr>
+          <a:xfrm>
+            <a:off x="5303621" y="4241158"/>
+            <a:ext cx="0" cy="460632"/>
+          </a:xfrm>
+          <a:prstGeom prst="straightConnector1">
+            <a:avLst/>
+          </a:prstGeom>
+          <a:ln w="19050">
+            <a:solidFill>
+              <a:srgbClr val="00B050"/>
+            </a:solidFill>
+            <a:headEnd type="triangle"/>
+            <a:tailEnd type="triangle"/>
+          </a:ln>
+        </p:spPr>
+        <p:style>
+          <a:lnRef idx="1">
+            <a:schemeClr val="accent1"/>
+          </a:lnRef>
+          <a:fillRef idx="0">
+            <a:schemeClr val="accent1"/>
+          </a:fillRef>
+          <a:effectRef idx="0">
+            <a:schemeClr val="accent1"/>
+          </a:effectRef>
+          <a:fontRef idx="minor">
+            <a:schemeClr val="tx1"/>
+          </a:fontRef>
+        </p:style>
+      </p:cxnSp>
+      <p:cxnSp>
+        <p:nvCxnSpPr>
+          <p:cNvPr id="24" name="Straight Arrow Connector 23">
+            <a:extLst>
+              <a:ext uri="{FF2B5EF4-FFF2-40B4-BE49-F238E27FC236}">
+                <a16:creationId xmlns:a16="http://schemas.microsoft.com/office/drawing/2014/main" id="{1C6EE183-7C7A-B41C-80C8-1F43714B6C02}"/>
+              </a:ext>
+            </a:extLst>
+          </p:cNvPr>
+          <p:cNvCxnSpPr>
+            <a:cxnSpLocks/>
+            <a:stCxn id="8" idx="2"/>
+            <a:endCxn id="12" idx="0"/>
+          </p:cNvCxnSpPr>
+          <p:nvPr/>
+        </p:nvCxnSpPr>
+        <p:spPr>
+          <a:xfrm flipH="1">
+            <a:off x="8237274" y="4214243"/>
+            <a:ext cx="0" cy="487547"/>
+          </a:xfrm>
+          <a:prstGeom prst="straightConnector1">
+            <a:avLst/>
+          </a:prstGeom>
+          <a:ln w="19050">
+            <a:solidFill>
+              <a:srgbClr val="00B050"/>
+            </a:solidFill>
+            <a:headEnd type="triangle"/>
+            <a:tailEnd type="triangle"/>
+          </a:ln>
+        </p:spPr>
+        <p:style>
+          <a:lnRef idx="1">
+            <a:schemeClr val="accent1"/>
+          </a:lnRef>
+          <a:fillRef idx="0">
+            <a:schemeClr val="accent1"/>
+          </a:fillRef>
+          <a:effectRef idx="0">
+            <a:schemeClr val="accent1"/>
+          </a:effectRef>
+          <a:fontRef idx="minor">
+            <a:schemeClr val="tx1"/>
+          </a:fontRef>
+        </p:style>
+      </p:cxnSp>
+      <p:sp>
+        <p:nvSpPr>
+          <p:cNvPr id="25" name="TextBox 24">
+            <a:extLst>
+              <a:ext uri="{FF2B5EF4-FFF2-40B4-BE49-F238E27FC236}">
+                <a16:creationId xmlns:a16="http://schemas.microsoft.com/office/drawing/2014/main" id="{1CB1B7A8-3DBF-4AF1-D1FF-E8F22C77C8F4}"/>
+              </a:ext>
+            </a:extLst>
+          </p:cNvPr>
+          <p:cNvSpPr txBox="1"/>
+          <p:nvPr/>
+        </p:nvSpPr>
+        <p:spPr>
+          <a:xfrm>
+            <a:off x="3893428" y="4270903"/>
+            <a:ext cx="1410193" cy="430887"/>
+          </a:xfrm>
+          <a:prstGeom prst="rect">
+            <a:avLst/>
+          </a:prstGeom>
+          <a:noFill/>
+        </p:spPr>
+        <p:txBody>
+          <a:bodyPr wrap="square" rtlCol="0">
+            <a:spAutoFit/>
+          </a:bodyPr>
+          <a:lstStyle/>
+          <a:p>
+            <a:r>
+              <a:rPr lang="en-SG" sz="1100" b="1" dirty="0"/>
+              <a:t>Real word junction sensors and signal</a:t>
+            </a:r>
+          </a:p>
+        </p:txBody>
+      </p:sp>
+      <p:sp>
+        <p:nvSpPr>
+          <p:cNvPr id="30" name="TextBox 29">
+            <a:extLst>
+              <a:ext uri="{FF2B5EF4-FFF2-40B4-BE49-F238E27FC236}">
+                <a16:creationId xmlns:a16="http://schemas.microsoft.com/office/drawing/2014/main" id="{46406DB4-8695-10CC-2B73-51DD02A7EF5B}"/>
+              </a:ext>
+            </a:extLst>
+          </p:cNvPr>
+          <p:cNvSpPr txBox="1"/>
+          <p:nvPr/>
+        </p:nvSpPr>
+        <p:spPr>
+          <a:xfrm>
+            <a:off x="8408822" y="4270903"/>
+            <a:ext cx="1410193" cy="430887"/>
+          </a:xfrm>
+          <a:prstGeom prst="rect">
+            <a:avLst/>
+          </a:prstGeom>
+          <a:noFill/>
+        </p:spPr>
+        <p:txBody>
+          <a:bodyPr wrap="square" rtlCol="0">
+            <a:spAutoFit/>
+          </a:bodyPr>
+          <a:lstStyle/>
+          <a:p>
+            <a:r>
+              <a:rPr lang="en-SG" sz="1100" b="1" dirty="0"/>
+              <a:t>Real word station sensors and signal</a:t>
+            </a:r>
+          </a:p>
+        </p:txBody>
+      </p:sp>
+      <p:sp>
+        <p:nvSpPr>
+          <p:cNvPr id="31" name="TextBox 30">
+            <a:extLst>
+              <a:ext uri="{FF2B5EF4-FFF2-40B4-BE49-F238E27FC236}">
+                <a16:creationId xmlns:a16="http://schemas.microsoft.com/office/drawing/2014/main" id="{93B8AB7A-0329-2265-16AE-D03B2E26CE22}"/>
+              </a:ext>
+            </a:extLst>
+          </p:cNvPr>
+          <p:cNvSpPr txBox="1"/>
+          <p:nvPr/>
+        </p:nvSpPr>
+        <p:spPr>
+          <a:xfrm>
+            <a:off x="6903003" y="4217946"/>
+            <a:ext cx="1207855" cy="430887"/>
+          </a:xfrm>
+          <a:prstGeom prst="rect">
+            <a:avLst/>
+          </a:prstGeom>
+          <a:noFill/>
+        </p:spPr>
+        <p:txBody>
+          <a:bodyPr wrap="square" rtlCol="0">
+            <a:spAutoFit/>
+          </a:bodyPr>
+          <a:lstStyle/>
+          <a:p>
+            <a:r>
+              <a:rPr lang="en-SG" sz="1100" b="1" dirty="0">
+                <a:solidFill>
+                  <a:schemeClr val="accent6">
+                    <a:lumMod val="75000"/>
+                  </a:schemeClr>
+                </a:solidFill>
+              </a:rPr>
+              <a:t>UDP simulate electrical signal </a:t>
+            </a:r>
+          </a:p>
+        </p:txBody>
+      </p:sp>
+      <p:sp>
+        <p:nvSpPr>
+          <p:cNvPr id="32" name="TextBox 31">
+            <a:extLst>
+              <a:ext uri="{FF2B5EF4-FFF2-40B4-BE49-F238E27FC236}">
+                <a16:creationId xmlns:a16="http://schemas.microsoft.com/office/drawing/2014/main" id="{1B624BA2-76EE-2B78-9684-D7316A5BC6DD}"/>
+              </a:ext>
+            </a:extLst>
+          </p:cNvPr>
+          <p:cNvSpPr txBox="1"/>
+          <p:nvPr/>
+        </p:nvSpPr>
+        <p:spPr>
+          <a:xfrm>
+            <a:off x="5286901" y="4241158"/>
+            <a:ext cx="1207855" cy="430887"/>
+          </a:xfrm>
+          <a:prstGeom prst="rect">
+            <a:avLst/>
+          </a:prstGeom>
+          <a:noFill/>
+        </p:spPr>
+        <p:txBody>
+          <a:bodyPr wrap="square" rtlCol="0">
+            <a:spAutoFit/>
+          </a:bodyPr>
+          <a:lstStyle/>
+          <a:p>
+            <a:r>
+              <a:rPr lang="en-SG" sz="1100" b="1" dirty="0">
+                <a:solidFill>
+                  <a:schemeClr val="accent6">
+                    <a:lumMod val="75000"/>
+                  </a:schemeClr>
+                </a:solidFill>
+              </a:rPr>
+              <a:t>UDP simulate electrical signal </a:t>
+            </a:r>
+          </a:p>
+        </p:txBody>
+      </p:sp>
+    </p:spTree>
+    <p:extLst>
+      <p:ext uri="{BB962C8B-B14F-4D97-AF65-F5344CB8AC3E}">
+        <p14:creationId xmlns:p14="http://schemas.microsoft.com/office/powerpoint/2010/main" val="113114621"/>
+      </p:ext>
+    </p:extLst>
+  </p:cSld>
+  <p:clrMapOvr>
+    <a:masterClrMapping/>
+  </p:clrMapOvr>
+</p:sld>
+</file>
+
 <file path=ppt/slides/slide3.xml><?xml version="1.0" encoding="utf-8"?>
 <p:sld xmlns:a="http://schemas.openxmlformats.org/drawingml/2006/main" xmlns:r="http://schemas.openxmlformats.org/officeDocument/2006/relationships" xmlns:p="http://schemas.openxmlformats.org/presentationml/2006/main">
   <p:cSld>
@@ -41735,6 +44972,389 @@
     <p:extLst>
       <p:ext uri="{BB962C8B-B14F-4D97-AF65-F5344CB8AC3E}">
         <p14:creationId xmlns:p14="http://schemas.microsoft.com/office/powerpoint/2010/main" val="880892208"/>
+      </p:ext>
+    </p:extLst>
+  </p:cSld>
+  <p:clrMapOvr>
+    <a:masterClrMapping/>
+  </p:clrMapOvr>
+</p:sld>
+</file>
+
+<file path=ppt/slides/slide30.xml><?xml version="1.0" encoding="utf-8"?>
+<p:sld xmlns:a="http://schemas.openxmlformats.org/drawingml/2006/main" xmlns:r="http://schemas.openxmlformats.org/officeDocument/2006/relationships" xmlns:p="http://schemas.openxmlformats.org/presentationml/2006/main">
+  <p:cSld>
+    <p:spTree>
+      <p:nvGrpSpPr>
+        <p:cNvPr id="1" name=""/>
+        <p:cNvGrpSpPr/>
+        <p:nvPr/>
+      </p:nvGrpSpPr>
+      <p:grpSpPr>
+        <a:xfrm>
+          <a:off x="0" y="0"/>
+          <a:ext cx="0" cy="0"/>
+          <a:chOff x="0" y="0"/>
+          <a:chExt cx="0" cy="0"/>
+        </a:xfrm>
+      </p:grpSpPr>
+      <p:pic>
+        <p:nvPicPr>
+          <p:cNvPr id="5" name="Picture 4">
+            <a:extLst>
+              <a:ext uri="{FF2B5EF4-FFF2-40B4-BE49-F238E27FC236}">
+                <a16:creationId xmlns:a16="http://schemas.microsoft.com/office/drawing/2014/main" id="{A198307A-304D-5F13-3D2D-371223E064C1}"/>
+              </a:ext>
+            </a:extLst>
+          </p:cNvPr>
+          <p:cNvPicPr>
+            <a:picLocks noChangeAspect="1"/>
+          </p:cNvPicPr>
+          <p:nvPr/>
+        </p:nvPicPr>
+        <p:blipFill>
+          <a:blip r:embed="rId2"/>
+          <a:stretch>
+            <a:fillRect/>
+          </a:stretch>
+        </p:blipFill>
+        <p:spPr>
+          <a:xfrm>
+            <a:off x="2932738" y="4075190"/>
+            <a:ext cx="3043465" cy="2154223"/>
+          </a:xfrm>
+          <a:prstGeom prst="rect">
+            <a:avLst/>
+          </a:prstGeom>
+          <a:ln w="3175">
+            <a:solidFill>
+              <a:schemeClr val="tx1"/>
+            </a:solidFill>
+          </a:ln>
+        </p:spPr>
+      </p:pic>
+      <p:pic>
+        <p:nvPicPr>
+          <p:cNvPr id="7" name="Picture 6" descr="A screenshot of a computer&#10;&#10;Description automatically generated">
+            <a:extLst>
+              <a:ext uri="{FF2B5EF4-FFF2-40B4-BE49-F238E27FC236}">
+                <a16:creationId xmlns:a16="http://schemas.microsoft.com/office/drawing/2014/main" id="{1710004E-43DF-BCF5-FCCA-5D080D0EF449}"/>
+              </a:ext>
+            </a:extLst>
+          </p:cNvPr>
+          <p:cNvPicPr>
+            <a:picLocks noChangeAspect="1"/>
+          </p:cNvPicPr>
+          <p:nvPr/>
+        </p:nvPicPr>
+        <p:blipFill>
+          <a:blip r:embed="rId3">
+            <a:extLst>
+              <a:ext uri="{28A0092B-C50C-407E-A947-70E740481C1C}">
+                <a14:useLocalDpi xmlns:a14="http://schemas.microsoft.com/office/drawing/2010/main" val="0"/>
+              </a:ext>
+            </a:extLst>
+          </a:blip>
+          <a:stretch>
+            <a:fillRect/>
+          </a:stretch>
+        </p:blipFill>
+        <p:spPr>
+          <a:xfrm>
+            <a:off x="2922288" y="2211551"/>
+            <a:ext cx="3063771" cy="1428631"/>
+          </a:xfrm>
+          <a:prstGeom prst="rect">
+            <a:avLst/>
+          </a:prstGeom>
+          <a:ln w="6350">
+            <a:solidFill>
+              <a:schemeClr val="tx1"/>
+            </a:solidFill>
+          </a:ln>
+        </p:spPr>
+      </p:pic>
+      <p:pic>
+        <p:nvPicPr>
+          <p:cNvPr id="8" name="Picture 7" descr="A screenshot of a computer&#10;&#10;Description automatically generated">
+            <a:extLst>
+              <a:ext uri="{FF2B5EF4-FFF2-40B4-BE49-F238E27FC236}">
+                <a16:creationId xmlns:a16="http://schemas.microsoft.com/office/drawing/2014/main" id="{22A63999-5D73-83CF-BDF6-99F6872AD707}"/>
+              </a:ext>
+            </a:extLst>
+          </p:cNvPr>
+          <p:cNvPicPr>
+            <a:picLocks noChangeAspect="1"/>
+          </p:cNvPicPr>
+          <p:nvPr/>
+        </p:nvPicPr>
+        <p:blipFill>
+          <a:blip r:embed="rId4">
+            <a:extLst>
+              <a:ext uri="{28A0092B-C50C-407E-A947-70E740481C1C}">
+                <a14:useLocalDpi xmlns:a14="http://schemas.microsoft.com/office/drawing/2010/main" val="0"/>
+              </a:ext>
+            </a:extLst>
+          </a:blip>
+          <a:stretch>
+            <a:fillRect/>
+          </a:stretch>
+        </p:blipFill>
+        <p:spPr>
+          <a:xfrm>
+            <a:off x="2932738" y="99435"/>
+            <a:ext cx="3043465" cy="1711948"/>
+          </a:xfrm>
+          <a:prstGeom prst="rect">
+            <a:avLst/>
+          </a:prstGeom>
+          <a:ln w="9525">
+            <a:solidFill>
+              <a:schemeClr val="tx1"/>
+            </a:solidFill>
+          </a:ln>
+        </p:spPr>
+      </p:pic>
+      <p:sp>
+        <p:nvSpPr>
+          <p:cNvPr id="9" name="TextBox 8">
+            <a:extLst>
+              <a:ext uri="{FF2B5EF4-FFF2-40B4-BE49-F238E27FC236}">
+                <a16:creationId xmlns:a16="http://schemas.microsoft.com/office/drawing/2014/main" id="{2966D8F7-FD9D-469A-73F1-91154C30A381}"/>
+              </a:ext>
+            </a:extLst>
+          </p:cNvPr>
+          <p:cNvSpPr txBox="1"/>
+          <p:nvPr/>
+        </p:nvSpPr>
+        <p:spPr>
+          <a:xfrm>
+            <a:off x="4464826" y="3644303"/>
+            <a:ext cx="1799956" cy="430887"/>
+          </a:xfrm>
+          <a:prstGeom prst="rect">
+            <a:avLst/>
+          </a:prstGeom>
+          <a:noFill/>
+        </p:spPr>
+        <p:txBody>
+          <a:bodyPr wrap="square" rtlCol="0">
+            <a:spAutoFit/>
+          </a:bodyPr>
+          <a:lstStyle/>
+          <a:p>
+            <a:r>
+              <a:rPr lang="en-SG" sz="1100" b="1" dirty="0"/>
+              <a:t>Real word trains PLC throttle and brake control </a:t>
+            </a:r>
+          </a:p>
+        </p:txBody>
+      </p:sp>
+      <p:cxnSp>
+        <p:nvCxnSpPr>
+          <p:cNvPr id="10" name="Straight Arrow Connector 9">
+            <a:extLst>
+              <a:ext uri="{FF2B5EF4-FFF2-40B4-BE49-F238E27FC236}">
+                <a16:creationId xmlns:a16="http://schemas.microsoft.com/office/drawing/2014/main" id="{C32ABA91-D63F-ED81-9A56-C31F71FBC962}"/>
+              </a:ext>
+            </a:extLst>
+          </p:cNvPr>
+          <p:cNvCxnSpPr>
+            <a:cxnSpLocks/>
+          </p:cNvCxnSpPr>
+          <p:nvPr/>
+        </p:nvCxnSpPr>
+        <p:spPr>
+          <a:xfrm>
+            <a:off x="4256559" y="3636479"/>
+            <a:ext cx="0" cy="403871"/>
+          </a:xfrm>
+          <a:prstGeom prst="straightConnector1">
+            <a:avLst/>
+          </a:prstGeom>
+          <a:ln w="19050">
+            <a:solidFill>
+              <a:srgbClr val="00B050"/>
+            </a:solidFill>
+            <a:headEnd type="triangle"/>
+            <a:tailEnd type="triangle"/>
+          </a:ln>
+        </p:spPr>
+        <p:style>
+          <a:lnRef idx="1">
+            <a:schemeClr val="accent1"/>
+          </a:lnRef>
+          <a:fillRef idx="0">
+            <a:schemeClr val="accent1"/>
+          </a:fillRef>
+          <a:effectRef idx="0">
+            <a:schemeClr val="accent1"/>
+          </a:effectRef>
+          <a:fontRef idx="minor">
+            <a:schemeClr val="tx1"/>
+          </a:fontRef>
+        </p:style>
+      </p:cxnSp>
+      <p:sp>
+        <p:nvSpPr>
+          <p:cNvPr id="11" name="TextBox 10">
+            <a:extLst>
+              <a:ext uri="{FF2B5EF4-FFF2-40B4-BE49-F238E27FC236}">
+                <a16:creationId xmlns:a16="http://schemas.microsoft.com/office/drawing/2014/main" id="{498288F9-5764-E948-6888-008156E68DC2}"/>
+              </a:ext>
+            </a:extLst>
+          </p:cNvPr>
+          <p:cNvSpPr txBox="1"/>
+          <p:nvPr/>
+        </p:nvSpPr>
+        <p:spPr>
+          <a:xfrm>
+            <a:off x="2922288" y="3640182"/>
+            <a:ext cx="1207855" cy="430887"/>
+          </a:xfrm>
+          <a:prstGeom prst="rect">
+            <a:avLst/>
+          </a:prstGeom>
+          <a:noFill/>
+        </p:spPr>
+        <p:txBody>
+          <a:bodyPr wrap="square" rtlCol="0">
+            <a:spAutoFit/>
+          </a:bodyPr>
+          <a:lstStyle/>
+          <a:p>
+            <a:r>
+              <a:rPr lang="en-SG" sz="1100" b="1" dirty="0">
+                <a:solidFill>
+                  <a:schemeClr val="accent6">
+                    <a:lumMod val="75000"/>
+                  </a:schemeClr>
+                </a:solidFill>
+              </a:rPr>
+              <a:t>UDP simulate electrical signal </a:t>
+            </a:r>
+          </a:p>
+        </p:txBody>
+      </p:sp>
+      <p:cxnSp>
+        <p:nvCxnSpPr>
+          <p:cNvPr id="13" name="Connector: Elbow 12">
+            <a:extLst>
+              <a:ext uri="{FF2B5EF4-FFF2-40B4-BE49-F238E27FC236}">
+                <a16:creationId xmlns:a16="http://schemas.microsoft.com/office/drawing/2014/main" id="{D6E64339-F417-B435-9DCC-4D3EFE8C7C69}"/>
+              </a:ext>
+            </a:extLst>
+          </p:cNvPr>
+          <p:cNvCxnSpPr>
+            <a:cxnSpLocks/>
+            <a:stCxn id="8" idx="2"/>
+            <a:endCxn id="7" idx="0"/>
+          </p:cNvCxnSpPr>
+          <p:nvPr/>
+        </p:nvCxnSpPr>
+        <p:spPr>
+          <a:xfrm rot="5400000">
+            <a:off x="4254239" y="2011319"/>
+            <a:ext cx="400168" cy="297"/>
+          </a:xfrm>
+          <a:prstGeom prst="bentConnector3">
+            <a:avLst>
+              <a:gd name="adj1" fmla="val 50000"/>
+            </a:avLst>
+          </a:prstGeom>
+          <a:ln w="28575">
+            <a:tailEnd type="triangle"/>
+          </a:ln>
+        </p:spPr>
+        <p:style>
+          <a:lnRef idx="1">
+            <a:schemeClr val="accent1"/>
+          </a:lnRef>
+          <a:fillRef idx="0">
+            <a:schemeClr val="accent1"/>
+          </a:fillRef>
+          <a:effectRef idx="0">
+            <a:schemeClr val="accent1"/>
+          </a:effectRef>
+          <a:fontRef idx="minor">
+            <a:schemeClr val="tx1"/>
+          </a:fontRef>
+        </p:style>
+      </p:cxnSp>
+      <p:sp>
+        <p:nvSpPr>
+          <p:cNvPr id="14" name="TextBox 13">
+            <a:extLst>
+              <a:ext uri="{FF2B5EF4-FFF2-40B4-BE49-F238E27FC236}">
+                <a16:creationId xmlns:a16="http://schemas.microsoft.com/office/drawing/2014/main" id="{9B0EFF3A-07CA-FFB3-ABBB-FD43B4A9E74E}"/>
+              </a:ext>
+            </a:extLst>
+          </p:cNvPr>
+          <p:cNvSpPr txBox="1"/>
+          <p:nvPr/>
+        </p:nvSpPr>
+        <p:spPr>
+          <a:xfrm>
+            <a:off x="4464826" y="1846223"/>
+            <a:ext cx="988536" cy="261610"/>
+          </a:xfrm>
+          <a:prstGeom prst="rect">
+            <a:avLst/>
+          </a:prstGeom>
+          <a:noFill/>
+        </p:spPr>
+        <p:txBody>
+          <a:bodyPr wrap="square" rtlCol="0">
+            <a:spAutoFit/>
+          </a:bodyPr>
+          <a:lstStyle/>
+          <a:p>
+            <a:r>
+              <a:rPr lang="en-SG" sz="1100" b="1" dirty="0"/>
+              <a:t>Modbus-TCP</a:t>
+            </a:r>
+          </a:p>
+        </p:txBody>
+      </p:sp>
+      <p:sp>
+        <p:nvSpPr>
+          <p:cNvPr id="17" name="TextBox 16">
+            <a:extLst>
+              <a:ext uri="{FF2B5EF4-FFF2-40B4-BE49-F238E27FC236}">
+                <a16:creationId xmlns:a16="http://schemas.microsoft.com/office/drawing/2014/main" id="{8EDBDF71-5154-55F3-7780-0AA56415CCE7}"/>
+              </a:ext>
+            </a:extLst>
+          </p:cNvPr>
+          <p:cNvSpPr txBox="1"/>
+          <p:nvPr/>
+        </p:nvSpPr>
+        <p:spPr>
+          <a:xfrm>
+            <a:off x="2855552" y="1915101"/>
+            <a:ext cx="1731814" cy="261610"/>
+          </a:xfrm>
+          <a:prstGeom prst="rect">
+            <a:avLst/>
+          </a:prstGeom>
+          <a:noFill/>
+        </p:spPr>
+        <p:txBody>
+          <a:bodyPr wrap="square" rtlCol="0">
+            <a:spAutoFit/>
+          </a:bodyPr>
+          <a:lstStyle/>
+          <a:p>
+            <a:r>
+              <a:rPr lang="en-SG" sz="1100" b="1" dirty="0"/>
+              <a:t>Train Control PLC </a:t>
+            </a:r>
+          </a:p>
+        </p:txBody>
+      </p:sp>
+    </p:spTree>
+    <p:extLst>
+      <p:ext uri="{BB962C8B-B14F-4D97-AF65-F5344CB8AC3E}">
+        <p14:creationId xmlns:p14="http://schemas.microsoft.com/office/powerpoint/2010/main" val="4156239422"/>
       </p:ext>
     </p:extLst>
   </p:cSld>
